--- a/3DGame_3_NamelessGame/NamelessGame_企画書.pptx
+++ b/3DGame_3_NamelessGame/NamelessGame_企画書.pptx
@@ -4,8 +4,17 @@
   <p:sldMasterIdLst>
     <p:sldMasterId id="2147483648" r:id="rId1"/>
   </p:sldMasterIdLst>
+  <p:notesMasterIdLst>
+    <p:notesMasterId r:id="rId9"/>
+  </p:notesMasterIdLst>
   <p:sldIdLst>
     <p:sldId id="256" r:id="rId2"/>
+    <p:sldId id="257" r:id="rId3"/>
+    <p:sldId id="258" r:id="rId4"/>
+    <p:sldId id="259" r:id="rId5"/>
+    <p:sldId id="260" r:id="rId6"/>
+    <p:sldId id="261" r:id="rId7"/>
+    <p:sldId id="262" r:id="rId8"/>
   </p:sldIdLst>
   <p:sldSz cx="12192000" cy="6858000"/>
   <p:notesSz cx="6858000" cy="9144000"/>
@@ -104,7 +113,405 @@
       </a:defRPr>
     </a:lvl9pPr>
   </p:defaultTextStyle>
+  <p:extLst>
+    <p:ext uri="{EFAFB233-063F-42B5-8137-9DF3F51BA10A}">
+      <p15:sldGuideLst xmlns:p15="http://schemas.microsoft.com/office/powerpoint/2012/main"/>
+    </p:ext>
+  </p:extLst>
 </p:presentation>
+</file>
+
+<file path=ppt/commentAuthors.xml><?xml version="1.0" encoding="utf-8"?>
+<p:cmAuthorLst xmlns:a="http://schemas.openxmlformats.org/drawingml/2006/main" xmlns:r="http://schemas.openxmlformats.org/officeDocument/2006/relationships" xmlns:p="http://schemas.openxmlformats.org/presentationml/2006/main">
+  <p:cmAuthor id="1" name="川﨑　美琴" initials="川﨑　美琴" lastIdx="2" clrIdx="0">
+    <p:extLst>
+      <p:ext uri="{19B8F6BF-5375-455C-9EA6-DF929625EA0E}">
+        <p15:presenceInfo xmlns:p15="http://schemas.microsoft.com/office/powerpoint/2012/main" userId="S::fko2347059@stu.o-hara.ac.jp::40be2e69-b2ab-434a-8cc4-eacbe1ee3e39" providerId="AD"/>
+      </p:ext>
+    </p:extLst>
+  </p:cmAuthor>
+</p:cmAuthorLst>
+</file>
+
+<file path=ppt/notesMasters/notesMaster1.xml><?xml version="1.0" encoding="utf-8"?>
+<p:notesMaster xmlns:a="http://schemas.openxmlformats.org/drawingml/2006/main" xmlns:r="http://schemas.openxmlformats.org/officeDocument/2006/relationships" xmlns:p="http://schemas.openxmlformats.org/presentationml/2006/main">
+  <p:cSld>
+    <p:bg>
+      <p:bgRef idx="1001">
+        <a:schemeClr val="bg1"/>
+      </p:bgRef>
+    </p:bg>
+    <p:spTree>
+      <p:nvGrpSpPr>
+        <p:cNvPr id="1" name=""/>
+        <p:cNvGrpSpPr/>
+        <p:nvPr/>
+      </p:nvGrpSpPr>
+      <p:grpSpPr>
+        <a:xfrm>
+          <a:off x="0" y="0"/>
+          <a:ext cx="0" cy="0"/>
+          <a:chOff x="0" y="0"/>
+          <a:chExt cx="0" cy="0"/>
+        </a:xfrm>
+      </p:grpSpPr>
+      <p:sp>
+        <p:nvSpPr>
+          <p:cNvPr id="2" name="ヘッダー プレースホルダー 1"/>
+          <p:cNvSpPr>
+            <a:spLocks noGrp="1"/>
+          </p:cNvSpPr>
+          <p:nvPr>
+            <p:ph type="hdr" sz="quarter"/>
+          </p:nvPr>
+        </p:nvSpPr>
+        <p:spPr>
+          <a:xfrm>
+            <a:off x="0" y="0"/>
+            <a:ext cx="2971800" cy="458788"/>
+          </a:xfrm>
+          <a:prstGeom prst="rect">
+            <a:avLst/>
+          </a:prstGeom>
+        </p:spPr>
+        <p:txBody>
+          <a:bodyPr vert="horz" lIns="91440" tIns="45720" rIns="91440" bIns="45720" rtlCol="0"/>
+          <a:lstStyle>
+            <a:lvl1pPr algn="l">
+              <a:defRPr sz="1200"/>
+            </a:lvl1pPr>
+          </a:lstStyle>
+          <a:p>
+            <a:endParaRPr kumimoji="1" lang="ja-JP" altLang="en-US"/>
+          </a:p>
+        </p:txBody>
+      </p:sp>
+      <p:sp>
+        <p:nvSpPr>
+          <p:cNvPr id="3" name="日付プレースホルダー 2"/>
+          <p:cNvSpPr>
+            <a:spLocks noGrp="1"/>
+          </p:cNvSpPr>
+          <p:nvPr>
+            <p:ph type="dt" idx="1"/>
+          </p:nvPr>
+        </p:nvSpPr>
+        <p:spPr>
+          <a:xfrm>
+            <a:off x="3884613" y="0"/>
+            <a:ext cx="2971800" cy="458788"/>
+          </a:xfrm>
+          <a:prstGeom prst="rect">
+            <a:avLst/>
+          </a:prstGeom>
+        </p:spPr>
+        <p:txBody>
+          <a:bodyPr vert="horz" lIns="91440" tIns="45720" rIns="91440" bIns="45720" rtlCol="0"/>
+          <a:lstStyle>
+            <a:lvl1pPr algn="r">
+              <a:defRPr sz="1200"/>
+            </a:lvl1pPr>
+          </a:lstStyle>
+          <a:p>
+            <a:fld id="{4B44C13B-4146-4F19-917C-9AB4DC0B462B}" type="datetimeFigureOut">
+              <a:rPr kumimoji="1" lang="ja-JP" altLang="en-US" smtClean="0"/>
+              <a:t>2024/9/19</a:t>
+            </a:fld>
+            <a:endParaRPr kumimoji="1" lang="ja-JP" altLang="en-US"/>
+          </a:p>
+        </p:txBody>
+      </p:sp>
+      <p:sp>
+        <p:nvSpPr>
+          <p:cNvPr id="4" name="スライド イメージ プレースホルダー 3"/>
+          <p:cNvSpPr>
+            <a:spLocks noGrp="1" noRot="1" noChangeAspect="1"/>
+          </p:cNvSpPr>
+          <p:nvPr>
+            <p:ph type="sldImg" idx="2"/>
+          </p:nvPr>
+        </p:nvSpPr>
+        <p:spPr>
+          <a:xfrm>
+            <a:off x="685800" y="1143000"/>
+            <a:ext cx="5486400" cy="3086100"/>
+          </a:xfrm>
+          <a:prstGeom prst="rect">
+            <a:avLst/>
+          </a:prstGeom>
+          <a:noFill/>
+          <a:ln w="12700">
+            <a:solidFill>
+              <a:prstClr val="black"/>
+            </a:solidFill>
+          </a:ln>
+        </p:spPr>
+        <p:txBody>
+          <a:bodyPr vert="horz" lIns="91440" tIns="45720" rIns="91440" bIns="45720" rtlCol="0" anchor="ctr"/>
+          <a:lstStyle/>
+          <a:p>
+            <a:endParaRPr lang="ja-JP" altLang="en-US"/>
+          </a:p>
+        </p:txBody>
+      </p:sp>
+      <p:sp>
+        <p:nvSpPr>
+          <p:cNvPr id="5" name="ノート プレースホルダー 4"/>
+          <p:cNvSpPr>
+            <a:spLocks noGrp="1"/>
+          </p:cNvSpPr>
+          <p:nvPr>
+            <p:ph type="body" sz="quarter" idx="3"/>
+          </p:nvPr>
+        </p:nvSpPr>
+        <p:spPr>
+          <a:xfrm>
+            <a:off x="685800" y="4400550"/>
+            <a:ext cx="5486400" cy="3600450"/>
+          </a:xfrm>
+          <a:prstGeom prst="rect">
+            <a:avLst/>
+          </a:prstGeom>
+        </p:spPr>
+        <p:txBody>
+          <a:bodyPr vert="horz" lIns="91440" tIns="45720" rIns="91440" bIns="45720" rtlCol="0"/>
+          <a:lstStyle/>
+          <a:p>
+            <a:pPr lvl="0"/>
+            <a:r>
+              <a:rPr kumimoji="1" lang="ja-JP" altLang="en-US"/>
+              <a:t>マスター テキストの書式設定</a:t>
+            </a:r>
+          </a:p>
+          <a:p>
+            <a:pPr lvl="1"/>
+            <a:r>
+              <a:rPr kumimoji="1" lang="ja-JP" altLang="en-US"/>
+              <a:t>第 </a:t>
+            </a:r>
+            <a:r>
+              <a:rPr kumimoji="1" lang="en-US" altLang="ja-JP"/>
+              <a:t>2 </a:t>
+            </a:r>
+            <a:r>
+              <a:rPr kumimoji="1" lang="ja-JP" altLang="en-US"/>
+              <a:t>レベル</a:t>
+            </a:r>
+          </a:p>
+          <a:p>
+            <a:pPr lvl="2"/>
+            <a:r>
+              <a:rPr kumimoji="1" lang="ja-JP" altLang="en-US"/>
+              <a:t>第 </a:t>
+            </a:r>
+            <a:r>
+              <a:rPr kumimoji="1" lang="en-US" altLang="ja-JP"/>
+              <a:t>3 </a:t>
+            </a:r>
+            <a:r>
+              <a:rPr kumimoji="1" lang="ja-JP" altLang="en-US"/>
+              <a:t>レベル</a:t>
+            </a:r>
+          </a:p>
+          <a:p>
+            <a:pPr lvl="3"/>
+            <a:r>
+              <a:rPr kumimoji="1" lang="ja-JP" altLang="en-US"/>
+              <a:t>第 </a:t>
+            </a:r>
+            <a:r>
+              <a:rPr kumimoji="1" lang="en-US" altLang="ja-JP"/>
+              <a:t>4 </a:t>
+            </a:r>
+            <a:r>
+              <a:rPr kumimoji="1" lang="ja-JP" altLang="en-US"/>
+              <a:t>レベル</a:t>
+            </a:r>
+          </a:p>
+          <a:p>
+            <a:pPr lvl="4"/>
+            <a:r>
+              <a:rPr kumimoji="1" lang="ja-JP" altLang="en-US"/>
+              <a:t>第 </a:t>
+            </a:r>
+            <a:r>
+              <a:rPr kumimoji="1" lang="en-US" altLang="ja-JP"/>
+              <a:t>5 </a:t>
+            </a:r>
+            <a:r>
+              <a:rPr kumimoji="1" lang="ja-JP" altLang="en-US"/>
+              <a:t>レベル</a:t>
+            </a:r>
+          </a:p>
+        </p:txBody>
+      </p:sp>
+      <p:sp>
+        <p:nvSpPr>
+          <p:cNvPr id="6" name="フッター プレースホルダー 5"/>
+          <p:cNvSpPr>
+            <a:spLocks noGrp="1"/>
+          </p:cNvSpPr>
+          <p:nvPr>
+            <p:ph type="ftr" sz="quarter" idx="4"/>
+          </p:nvPr>
+        </p:nvSpPr>
+        <p:spPr>
+          <a:xfrm>
+            <a:off x="0" y="8685213"/>
+            <a:ext cx="2971800" cy="458787"/>
+          </a:xfrm>
+          <a:prstGeom prst="rect">
+            <a:avLst/>
+          </a:prstGeom>
+        </p:spPr>
+        <p:txBody>
+          <a:bodyPr vert="horz" lIns="91440" tIns="45720" rIns="91440" bIns="45720" rtlCol="0" anchor="b"/>
+          <a:lstStyle>
+            <a:lvl1pPr algn="l">
+              <a:defRPr sz="1200"/>
+            </a:lvl1pPr>
+          </a:lstStyle>
+          <a:p>
+            <a:endParaRPr kumimoji="1" lang="ja-JP" altLang="en-US"/>
+          </a:p>
+        </p:txBody>
+      </p:sp>
+      <p:sp>
+        <p:nvSpPr>
+          <p:cNvPr id="7" name="スライド番号プレースホルダー 6"/>
+          <p:cNvSpPr>
+            <a:spLocks noGrp="1"/>
+          </p:cNvSpPr>
+          <p:nvPr>
+            <p:ph type="sldNum" sz="quarter" idx="5"/>
+          </p:nvPr>
+        </p:nvSpPr>
+        <p:spPr>
+          <a:xfrm>
+            <a:off x="3884613" y="8685213"/>
+            <a:ext cx="2971800" cy="458787"/>
+          </a:xfrm>
+          <a:prstGeom prst="rect">
+            <a:avLst/>
+          </a:prstGeom>
+        </p:spPr>
+        <p:txBody>
+          <a:bodyPr vert="horz" lIns="91440" tIns="45720" rIns="91440" bIns="45720" rtlCol="0" anchor="b"/>
+          <a:lstStyle>
+            <a:lvl1pPr algn="r">
+              <a:defRPr sz="1200"/>
+            </a:lvl1pPr>
+          </a:lstStyle>
+          <a:p>
+            <a:fld id="{4A879459-066F-49E9-9C19-DD798361BDAD}" type="slidenum">
+              <a:rPr kumimoji="1" lang="ja-JP" altLang="en-US" smtClean="0"/>
+              <a:t>‹#›</a:t>
+            </a:fld>
+            <a:endParaRPr kumimoji="1" lang="ja-JP" altLang="en-US"/>
+          </a:p>
+        </p:txBody>
+      </p:sp>
+    </p:spTree>
+    <p:extLst>
+      <p:ext uri="{BB962C8B-B14F-4D97-AF65-F5344CB8AC3E}">
+        <p14:creationId xmlns:p14="http://schemas.microsoft.com/office/powerpoint/2010/main" val="4248192564"/>
+      </p:ext>
+    </p:extLst>
+  </p:cSld>
+  <p:clrMap bg1="lt1" tx1="dk1" bg2="lt2" tx2="dk2" accent1="accent1" accent2="accent2" accent3="accent3" accent4="accent4" accent5="accent5" accent6="accent6" hlink="hlink" folHlink="folHlink"/>
+  <p:notesStyle>
+    <a:lvl1pPr marL="0" algn="l" defTabSz="914400" rtl="0" eaLnBrk="1" latinLnBrk="0" hangingPunct="1">
+      <a:defRPr kumimoji="1" sz="1200" kern="1200">
+        <a:solidFill>
+          <a:schemeClr val="tx1"/>
+        </a:solidFill>
+        <a:latin typeface="+mn-lt"/>
+        <a:ea typeface="+mn-ea"/>
+        <a:cs typeface="+mn-cs"/>
+      </a:defRPr>
+    </a:lvl1pPr>
+    <a:lvl2pPr marL="457200" algn="l" defTabSz="914400" rtl="0" eaLnBrk="1" latinLnBrk="0" hangingPunct="1">
+      <a:defRPr kumimoji="1" sz="1200" kern="1200">
+        <a:solidFill>
+          <a:schemeClr val="tx1"/>
+        </a:solidFill>
+        <a:latin typeface="+mn-lt"/>
+        <a:ea typeface="+mn-ea"/>
+        <a:cs typeface="+mn-cs"/>
+      </a:defRPr>
+    </a:lvl2pPr>
+    <a:lvl3pPr marL="914400" algn="l" defTabSz="914400" rtl="0" eaLnBrk="1" latinLnBrk="0" hangingPunct="1">
+      <a:defRPr kumimoji="1" sz="1200" kern="1200">
+        <a:solidFill>
+          <a:schemeClr val="tx1"/>
+        </a:solidFill>
+        <a:latin typeface="+mn-lt"/>
+        <a:ea typeface="+mn-ea"/>
+        <a:cs typeface="+mn-cs"/>
+      </a:defRPr>
+    </a:lvl3pPr>
+    <a:lvl4pPr marL="1371600" algn="l" defTabSz="914400" rtl="0" eaLnBrk="1" latinLnBrk="0" hangingPunct="1">
+      <a:defRPr kumimoji="1" sz="1200" kern="1200">
+        <a:solidFill>
+          <a:schemeClr val="tx1"/>
+        </a:solidFill>
+        <a:latin typeface="+mn-lt"/>
+        <a:ea typeface="+mn-ea"/>
+        <a:cs typeface="+mn-cs"/>
+      </a:defRPr>
+    </a:lvl4pPr>
+    <a:lvl5pPr marL="1828800" algn="l" defTabSz="914400" rtl="0" eaLnBrk="1" latinLnBrk="0" hangingPunct="1">
+      <a:defRPr kumimoji="1" sz="1200" kern="1200">
+        <a:solidFill>
+          <a:schemeClr val="tx1"/>
+        </a:solidFill>
+        <a:latin typeface="+mn-lt"/>
+        <a:ea typeface="+mn-ea"/>
+        <a:cs typeface="+mn-cs"/>
+      </a:defRPr>
+    </a:lvl5pPr>
+    <a:lvl6pPr marL="2286000" algn="l" defTabSz="914400" rtl="0" eaLnBrk="1" latinLnBrk="0" hangingPunct="1">
+      <a:defRPr kumimoji="1" sz="1200" kern="1200">
+        <a:solidFill>
+          <a:schemeClr val="tx1"/>
+        </a:solidFill>
+        <a:latin typeface="+mn-lt"/>
+        <a:ea typeface="+mn-ea"/>
+        <a:cs typeface="+mn-cs"/>
+      </a:defRPr>
+    </a:lvl6pPr>
+    <a:lvl7pPr marL="2743200" algn="l" defTabSz="914400" rtl="0" eaLnBrk="1" latinLnBrk="0" hangingPunct="1">
+      <a:defRPr kumimoji="1" sz="1200" kern="1200">
+        <a:solidFill>
+          <a:schemeClr val="tx1"/>
+        </a:solidFill>
+        <a:latin typeface="+mn-lt"/>
+        <a:ea typeface="+mn-ea"/>
+        <a:cs typeface="+mn-cs"/>
+      </a:defRPr>
+    </a:lvl7pPr>
+    <a:lvl8pPr marL="3200400" algn="l" defTabSz="914400" rtl="0" eaLnBrk="1" latinLnBrk="0" hangingPunct="1">
+      <a:defRPr kumimoji="1" sz="1200" kern="1200">
+        <a:solidFill>
+          <a:schemeClr val="tx1"/>
+        </a:solidFill>
+        <a:latin typeface="+mn-lt"/>
+        <a:ea typeface="+mn-ea"/>
+        <a:cs typeface="+mn-cs"/>
+      </a:defRPr>
+    </a:lvl8pPr>
+    <a:lvl9pPr marL="3657600" algn="l" defTabSz="914400" rtl="0" eaLnBrk="1" latinLnBrk="0" hangingPunct="1">
+      <a:defRPr kumimoji="1" sz="1200" kern="1200">
+        <a:solidFill>
+          <a:schemeClr val="tx1"/>
+        </a:solidFill>
+        <a:latin typeface="+mn-lt"/>
+        <a:ea typeface="+mn-ea"/>
+        <a:cs typeface="+mn-cs"/>
+      </a:defRPr>
+    </a:lvl9pPr>
+  </p:notesStyle>
+</p:notesMaster>
 </file>
 
 <file path=ppt/slideLayouts/slideLayout1.xml><?xml version="1.0" encoding="utf-8"?>
@@ -254,7 +661,7 @@
           <a:p>
             <a:fld id="{DC4D95AC-18C1-46E4-B41F-A2EDA7BB3CE2}" type="datetimeFigureOut">
               <a:rPr kumimoji="1" lang="ja-JP" altLang="en-US" smtClean="0"/>
-              <a:t>2024/9/18</a:t>
+              <a:t>2024/9/19</a:t>
             </a:fld>
             <a:endParaRPr kumimoji="1" lang="ja-JP" altLang="en-US"/>
           </a:p>
@@ -484,7 +891,7 @@
           <a:p>
             <a:fld id="{DC4D95AC-18C1-46E4-B41F-A2EDA7BB3CE2}" type="datetimeFigureOut">
               <a:rPr kumimoji="1" lang="ja-JP" altLang="en-US" smtClean="0"/>
-              <a:t>2024/9/18</a:t>
+              <a:t>2024/9/19</a:t>
             </a:fld>
             <a:endParaRPr kumimoji="1" lang="ja-JP" altLang="en-US"/>
           </a:p>
@@ -724,7 +1131,7 @@
           <a:p>
             <a:fld id="{DC4D95AC-18C1-46E4-B41F-A2EDA7BB3CE2}" type="datetimeFigureOut">
               <a:rPr kumimoji="1" lang="ja-JP" altLang="en-US" smtClean="0"/>
-              <a:t>2024/9/18</a:t>
+              <a:t>2024/9/19</a:t>
             </a:fld>
             <a:endParaRPr kumimoji="1" lang="ja-JP" altLang="en-US"/>
           </a:p>
@@ -954,7 +1361,7 @@
           <a:p>
             <a:fld id="{DC4D95AC-18C1-46E4-B41F-A2EDA7BB3CE2}" type="datetimeFigureOut">
               <a:rPr kumimoji="1" lang="ja-JP" altLang="en-US" smtClean="0"/>
-              <a:t>2024/9/18</a:t>
+              <a:t>2024/9/19</a:t>
             </a:fld>
             <a:endParaRPr kumimoji="1" lang="ja-JP" altLang="en-US"/>
           </a:p>
@@ -1229,7 +1636,7 @@
           <a:p>
             <a:fld id="{DC4D95AC-18C1-46E4-B41F-A2EDA7BB3CE2}" type="datetimeFigureOut">
               <a:rPr kumimoji="1" lang="ja-JP" altLang="en-US" smtClean="0"/>
-              <a:t>2024/9/18</a:t>
+              <a:t>2024/9/19</a:t>
             </a:fld>
             <a:endParaRPr kumimoji="1" lang="ja-JP" altLang="en-US"/>
           </a:p>
@@ -1558,7 +1965,7 @@
           <a:p>
             <a:fld id="{DC4D95AC-18C1-46E4-B41F-A2EDA7BB3CE2}" type="datetimeFigureOut">
               <a:rPr kumimoji="1" lang="ja-JP" altLang="en-US" smtClean="0"/>
-              <a:t>2024/9/18</a:t>
+              <a:t>2024/9/19</a:t>
             </a:fld>
             <a:endParaRPr kumimoji="1" lang="ja-JP" altLang="en-US"/>
           </a:p>
@@ -2034,7 +2441,7 @@
           <a:p>
             <a:fld id="{DC4D95AC-18C1-46E4-B41F-A2EDA7BB3CE2}" type="datetimeFigureOut">
               <a:rPr kumimoji="1" lang="ja-JP" altLang="en-US" smtClean="0"/>
-              <a:t>2024/9/18</a:t>
+              <a:t>2024/9/19</a:t>
             </a:fld>
             <a:endParaRPr kumimoji="1" lang="ja-JP" altLang="en-US"/>
           </a:p>
@@ -2175,7 +2582,7 @@
           <a:p>
             <a:fld id="{DC4D95AC-18C1-46E4-B41F-A2EDA7BB3CE2}" type="datetimeFigureOut">
               <a:rPr kumimoji="1" lang="ja-JP" altLang="en-US" smtClean="0"/>
-              <a:t>2024/9/18</a:t>
+              <a:t>2024/9/19</a:t>
             </a:fld>
             <a:endParaRPr kumimoji="1" lang="ja-JP" altLang="en-US"/>
           </a:p>
@@ -2288,7 +2695,7 @@
           <a:p>
             <a:fld id="{DC4D95AC-18C1-46E4-B41F-A2EDA7BB3CE2}" type="datetimeFigureOut">
               <a:rPr kumimoji="1" lang="ja-JP" altLang="en-US" smtClean="0"/>
-              <a:t>2024/9/18</a:t>
+              <a:t>2024/9/19</a:t>
             </a:fld>
             <a:endParaRPr kumimoji="1" lang="ja-JP" altLang="en-US"/>
           </a:p>
@@ -2631,7 +3038,7 @@
           <a:p>
             <a:fld id="{DC4D95AC-18C1-46E4-B41F-A2EDA7BB3CE2}" type="datetimeFigureOut">
               <a:rPr kumimoji="1" lang="ja-JP" altLang="en-US" smtClean="0"/>
-              <a:t>2024/9/18</a:t>
+              <a:t>2024/9/19</a:t>
             </a:fld>
             <a:endParaRPr kumimoji="1" lang="ja-JP" altLang="en-US"/>
           </a:p>
@@ -2919,7 +3326,7 @@
           <a:p>
             <a:fld id="{DC4D95AC-18C1-46E4-B41F-A2EDA7BB3CE2}" type="datetimeFigureOut">
               <a:rPr kumimoji="1" lang="ja-JP" altLang="en-US" smtClean="0"/>
-              <a:t>2024/9/18</a:t>
+              <a:t>2024/9/19</a:t>
             </a:fld>
             <a:endParaRPr kumimoji="1" lang="ja-JP" altLang="en-US"/>
           </a:p>
@@ -3192,7 +3599,7 @@
           <a:p>
             <a:fld id="{DC4D95AC-18C1-46E4-B41F-A2EDA7BB3CE2}" type="datetimeFigureOut">
               <a:rPr kumimoji="1" lang="ja-JP" altLang="en-US" smtClean="0"/>
-              <a:t>2024/9/18</a:t>
+              <a:t>2024/9/19</a:t>
             </a:fld>
             <a:endParaRPr kumimoji="1" lang="ja-JP" altLang="en-US"/>
           </a:p>
@@ -3655,26 +4062,36 @@
       </p:sp>
       <p:sp>
         <p:nvSpPr>
-          <p:cNvPr id="3" name="字幕 2">
-            <a:extLst>
-              <a:ext uri="{FF2B5EF4-FFF2-40B4-BE49-F238E27FC236}">
-                <a16:creationId xmlns:a16="http://schemas.microsoft.com/office/drawing/2014/main" id="{813BF214-4218-41B2-AB3F-76E38FE3D596}"/>
-              </a:ext>
-            </a:extLst>
-          </p:cNvPr>
-          <p:cNvSpPr>
-            <a:spLocks noGrp="1"/>
-          </p:cNvSpPr>
-          <p:nvPr>
-            <p:ph type="subTitle" idx="1"/>
-          </p:nvPr>
-        </p:nvSpPr>
-        <p:spPr/>
-        <p:txBody>
-          <a:bodyPr/>
-          <a:lstStyle/>
-          <a:p>
-            <a:endParaRPr kumimoji="1" lang="ja-JP" altLang="en-US"/>
+          <p:cNvPr id="4" name="テキスト ボックス 3">
+            <a:extLst>
+              <a:ext uri="{FF2B5EF4-FFF2-40B4-BE49-F238E27FC236}">
+                <a16:creationId xmlns:a16="http://schemas.microsoft.com/office/drawing/2014/main" id="{F4D23488-DF1A-4A11-B595-5EEE429BDAF9}"/>
+              </a:ext>
+            </a:extLst>
+          </p:cNvPr>
+          <p:cNvSpPr txBox="1"/>
+          <p:nvPr/>
+        </p:nvSpPr>
+        <p:spPr>
+          <a:xfrm>
+            <a:off x="1652954" y="5260797"/>
+            <a:ext cx="4801314" cy="646331"/>
+          </a:xfrm>
+          <a:prstGeom prst="rect">
+            <a:avLst/>
+          </a:prstGeom>
+          <a:noFill/>
+        </p:spPr>
+        <p:txBody>
+          <a:bodyPr wrap="none" rtlCol="0">
+            <a:spAutoFit/>
+          </a:bodyPr>
+          <a:lstStyle/>
+          <a:p>
+            <a:r>
+              <a:rPr kumimoji="1" lang="ja-JP" altLang="en-US" sz="3600" dirty="0"/>
+              <a:t>最終試験：先生討伐戦</a:t>
+            </a:r>
           </a:p>
         </p:txBody>
       </p:sp>
@@ -3682,6 +4099,2110 @@
     <p:extLst>
       <p:ext uri="{BB962C8B-B14F-4D97-AF65-F5344CB8AC3E}">
         <p14:creationId xmlns:p14="http://schemas.microsoft.com/office/powerpoint/2010/main" val="1806002849"/>
+      </p:ext>
+    </p:extLst>
+  </p:cSld>
+  <p:clrMapOvr>
+    <a:masterClrMapping/>
+  </p:clrMapOvr>
+</p:sld>
+</file>
+
+<file path=ppt/slides/slide2.xml><?xml version="1.0" encoding="utf-8"?>
+<p:sld xmlns:a="http://schemas.openxmlformats.org/drawingml/2006/main" xmlns:r="http://schemas.openxmlformats.org/officeDocument/2006/relationships" xmlns:p="http://schemas.openxmlformats.org/presentationml/2006/main">
+  <p:cSld>
+    <p:spTree>
+      <p:nvGrpSpPr>
+        <p:cNvPr id="1" name=""/>
+        <p:cNvGrpSpPr/>
+        <p:nvPr/>
+      </p:nvGrpSpPr>
+      <p:grpSpPr>
+        <a:xfrm>
+          <a:off x="0" y="0"/>
+          <a:ext cx="0" cy="0"/>
+          <a:chOff x="0" y="0"/>
+          <a:chExt cx="0" cy="0"/>
+        </a:xfrm>
+      </p:grpSpPr>
+      <p:sp>
+        <p:nvSpPr>
+          <p:cNvPr id="5" name="テキスト ボックス 4">
+            <a:extLst>
+              <a:ext uri="{FF2B5EF4-FFF2-40B4-BE49-F238E27FC236}">
+                <a16:creationId xmlns:a16="http://schemas.microsoft.com/office/drawing/2014/main" id="{3909B119-3E8A-4B34-A1BB-AED1B80A6CE3}"/>
+              </a:ext>
+            </a:extLst>
+          </p:cNvPr>
+          <p:cNvSpPr txBox="1"/>
+          <p:nvPr/>
+        </p:nvSpPr>
+        <p:spPr>
+          <a:xfrm>
+            <a:off x="1588394" y="1443841"/>
+            <a:ext cx="9015211" cy="3970318"/>
+          </a:xfrm>
+          <a:prstGeom prst="rect">
+            <a:avLst/>
+          </a:prstGeom>
+          <a:noFill/>
+        </p:spPr>
+        <p:txBody>
+          <a:bodyPr wrap="square" rtlCol="0">
+            <a:spAutoFit/>
+          </a:bodyPr>
+          <a:lstStyle/>
+          <a:p>
+            <a:r>
+              <a:rPr kumimoji="1" lang="ja-JP" altLang="en-US" sz="2800" dirty="0"/>
+              <a:t>ジャンル</a:t>
+            </a:r>
+            <a:r>
+              <a:rPr kumimoji="1" lang="en-US" altLang="ja-JP" sz="2800" dirty="0"/>
+              <a:t>	</a:t>
+            </a:r>
+            <a:r>
+              <a:rPr kumimoji="1" lang="ja-JP" altLang="en-US" sz="2800" dirty="0"/>
+              <a:t>　アクションシューティング</a:t>
+            </a:r>
+            <a:endParaRPr kumimoji="1" lang="en-US" altLang="ja-JP" sz="2800" dirty="0"/>
+          </a:p>
+          <a:p>
+            <a:r>
+              <a:rPr lang="ja-JP" altLang="en-US" sz="2800" dirty="0"/>
+              <a:t>ターゲット　</a:t>
+            </a:r>
+            <a:endParaRPr lang="en-US" altLang="ja-JP" sz="2800" dirty="0"/>
+          </a:p>
+          <a:p>
+            <a:r>
+              <a:rPr lang="ja-JP" altLang="en-US" sz="2800" dirty="0"/>
+              <a:t>使用ツール　</a:t>
+            </a:r>
+            <a:r>
+              <a:rPr lang="en-US" altLang="ja-JP" sz="2800" dirty="0" err="1"/>
+              <a:t>DxLib</a:t>
+            </a:r>
+            <a:r>
+              <a:rPr lang="en-US" altLang="ja-JP" sz="2800" dirty="0"/>
+              <a:t>/C++</a:t>
+            </a:r>
+          </a:p>
+          <a:p>
+            <a:r>
+              <a:rPr kumimoji="1" lang="ja-JP" altLang="en-US" sz="2800" dirty="0"/>
+              <a:t>制作期間</a:t>
+            </a:r>
+            <a:r>
+              <a:rPr kumimoji="1" lang="en-US" altLang="ja-JP" sz="2800" dirty="0"/>
+              <a:t>	</a:t>
+            </a:r>
+            <a:r>
+              <a:rPr kumimoji="1" lang="ja-JP" altLang="en-US" sz="2800" dirty="0"/>
+              <a:t>　</a:t>
+            </a:r>
+            <a:r>
+              <a:rPr kumimoji="1" lang="en-US" altLang="ja-JP" sz="2800" dirty="0"/>
+              <a:t>10</a:t>
+            </a:r>
+            <a:r>
+              <a:rPr kumimoji="1" lang="ja-JP" altLang="en-US" sz="2800" dirty="0"/>
+              <a:t>月頭</a:t>
+            </a:r>
+            <a:r>
+              <a:rPr kumimoji="1" lang="en-US" altLang="ja-JP" sz="2800" dirty="0"/>
+              <a:t>~12</a:t>
+            </a:r>
+            <a:r>
+              <a:rPr kumimoji="1" lang="ja-JP" altLang="en-US" sz="2800" dirty="0"/>
+              <a:t>月末</a:t>
+            </a:r>
+            <a:endParaRPr kumimoji="1" lang="en-US" altLang="ja-JP" sz="2800" dirty="0"/>
+          </a:p>
+          <a:p>
+            <a:r>
+              <a:rPr lang="ja-JP" altLang="en-US" sz="2800" dirty="0"/>
+              <a:t>目標</a:t>
+            </a:r>
+            <a:r>
+              <a:rPr lang="en-US" altLang="ja-JP" sz="2800" dirty="0"/>
+              <a:t>		</a:t>
+            </a:r>
+            <a:r>
+              <a:rPr lang="ja-JP" altLang="en-US" sz="2800" dirty="0"/>
+              <a:t>　就職作品として提出できる作品を作る</a:t>
+            </a:r>
+            <a:endParaRPr lang="en-US" altLang="ja-JP" sz="2800" dirty="0"/>
+          </a:p>
+          <a:p>
+            <a:r>
+              <a:rPr kumimoji="1" lang="en-US" altLang="ja-JP" sz="2800" dirty="0"/>
+              <a:t>	</a:t>
+            </a:r>
+            <a:r>
+              <a:rPr kumimoji="1" lang="ja-JP" altLang="en-US" sz="2800" dirty="0"/>
+              <a:t>　</a:t>
+            </a:r>
+            <a:r>
+              <a:rPr kumimoji="1" lang="en-US" altLang="ja-JP" sz="2800" dirty="0"/>
+              <a:t>	</a:t>
+            </a:r>
+            <a:r>
+              <a:rPr kumimoji="1" lang="ja-JP" altLang="en-US" sz="2800" dirty="0"/>
+              <a:t>　外部データを使用する</a:t>
+            </a:r>
+            <a:endParaRPr kumimoji="1" lang="en-US" altLang="ja-JP" sz="2800" dirty="0"/>
+          </a:p>
+          <a:p>
+            <a:r>
+              <a:rPr lang="en-US" altLang="ja-JP" sz="2800" dirty="0"/>
+              <a:t>		</a:t>
+            </a:r>
+            <a:r>
+              <a:rPr lang="ja-JP" altLang="en-US" sz="2800" dirty="0"/>
+              <a:t>　演出面のクオリティをこだわる</a:t>
+            </a:r>
+            <a:endParaRPr lang="en-US" altLang="ja-JP" sz="2800" dirty="0"/>
+          </a:p>
+          <a:p>
+            <a:endParaRPr kumimoji="1" lang="en-US" altLang="ja-JP" sz="2800" dirty="0"/>
+          </a:p>
+          <a:p>
+            <a:r>
+              <a:rPr lang="ja-JP" altLang="en-US" sz="2800" dirty="0"/>
+              <a:t>参考ゲーム　</a:t>
+            </a:r>
+            <a:r>
+              <a:rPr lang="en-US" altLang="ja-JP" sz="2800" dirty="0"/>
+              <a:t>3DS </a:t>
+            </a:r>
+            <a:r>
+              <a:rPr lang="ja-JP" altLang="en-US" sz="2800" dirty="0"/>
+              <a:t>暗殺教室 アサシン育成計画</a:t>
+            </a:r>
+            <a:r>
+              <a:rPr lang="en-US" altLang="ja-JP" sz="2800" dirty="0"/>
+              <a:t>!!</a:t>
+            </a:r>
+            <a:endParaRPr kumimoji="1" lang="en-US" altLang="ja-JP" sz="2800" dirty="0"/>
+          </a:p>
+        </p:txBody>
+      </p:sp>
+      <p:sp>
+        <p:nvSpPr>
+          <p:cNvPr id="7" name="テキスト ボックス 6">
+            <a:extLst>
+              <a:ext uri="{FF2B5EF4-FFF2-40B4-BE49-F238E27FC236}">
+                <a16:creationId xmlns:a16="http://schemas.microsoft.com/office/drawing/2014/main" id="{EFA625FC-431F-440D-BF26-EAD11F52FBDC}"/>
+              </a:ext>
+            </a:extLst>
+          </p:cNvPr>
+          <p:cNvSpPr txBox="1"/>
+          <p:nvPr/>
+        </p:nvSpPr>
+        <p:spPr>
+          <a:xfrm>
+            <a:off x="226916" y="202592"/>
+            <a:ext cx="2492990" cy="646331"/>
+          </a:xfrm>
+          <a:prstGeom prst="rect">
+            <a:avLst/>
+          </a:prstGeom>
+          <a:noFill/>
+        </p:spPr>
+        <p:txBody>
+          <a:bodyPr wrap="none" rtlCol="0">
+            <a:spAutoFit/>
+          </a:bodyPr>
+          <a:lstStyle/>
+          <a:p>
+            <a:r>
+              <a:rPr kumimoji="1" lang="ja-JP" altLang="en-US" sz="3600" dirty="0"/>
+              <a:t>ゲーム詳細</a:t>
+            </a:r>
+          </a:p>
+        </p:txBody>
+      </p:sp>
+    </p:spTree>
+    <p:extLst>
+      <p:ext uri="{BB962C8B-B14F-4D97-AF65-F5344CB8AC3E}">
+        <p14:creationId xmlns:p14="http://schemas.microsoft.com/office/powerpoint/2010/main" val="176773536"/>
+      </p:ext>
+    </p:extLst>
+  </p:cSld>
+  <p:clrMapOvr>
+    <a:masterClrMapping/>
+  </p:clrMapOvr>
+</p:sld>
+</file>
+
+<file path=ppt/slides/slide3.xml><?xml version="1.0" encoding="utf-8"?>
+<p:sld xmlns:a="http://schemas.openxmlformats.org/drawingml/2006/main" xmlns:r="http://schemas.openxmlformats.org/officeDocument/2006/relationships" xmlns:p="http://schemas.openxmlformats.org/presentationml/2006/main">
+  <p:cSld>
+    <p:spTree>
+      <p:nvGrpSpPr>
+        <p:cNvPr id="1" name=""/>
+        <p:cNvGrpSpPr/>
+        <p:nvPr/>
+      </p:nvGrpSpPr>
+      <p:grpSpPr>
+        <a:xfrm>
+          <a:off x="0" y="0"/>
+          <a:ext cx="0" cy="0"/>
+          <a:chOff x="0" y="0"/>
+          <a:chExt cx="0" cy="0"/>
+        </a:xfrm>
+      </p:grpSpPr>
+      <p:sp>
+        <p:nvSpPr>
+          <p:cNvPr id="4" name="テキスト ボックス 3">
+            <a:extLst>
+              <a:ext uri="{FF2B5EF4-FFF2-40B4-BE49-F238E27FC236}">
+                <a16:creationId xmlns:a16="http://schemas.microsoft.com/office/drawing/2014/main" id="{9C221001-BF6D-44EE-9FBC-9B07D41E8A82}"/>
+              </a:ext>
+            </a:extLst>
+          </p:cNvPr>
+          <p:cNvSpPr txBox="1"/>
+          <p:nvPr/>
+        </p:nvSpPr>
+        <p:spPr>
+          <a:xfrm>
+            <a:off x="901522" y="824248"/>
+            <a:ext cx="7727324" cy="1754326"/>
+          </a:xfrm>
+          <a:prstGeom prst="rect">
+            <a:avLst/>
+          </a:prstGeom>
+          <a:noFill/>
+        </p:spPr>
+        <p:txBody>
+          <a:bodyPr wrap="square" rtlCol="0">
+            <a:spAutoFit/>
+          </a:bodyPr>
+          <a:lstStyle/>
+          <a:p>
+            <a:r>
+              <a:rPr kumimoji="1" lang="ja-JP" altLang="en-US" dirty="0"/>
+              <a:t>このゲーム何が楽しいの？</a:t>
+            </a:r>
+            <a:endParaRPr kumimoji="1" lang="en-US" altLang="ja-JP" dirty="0"/>
+          </a:p>
+          <a:p>
+            <a:endParaRPr lang="en-US" altLang="ja-JP" dirty="0"/>
+          </a:p>
+          <a:p>
+            <a:r>
+              <a:rPr kumimoji="1" lang="ja-JP" altLang="en-US" dirty="0"/>
+              <a:t>・銃の使い分け</a:t>
+            </a:r>
+            <a:endParaRPr kumimoji="1" lang="en-US" altLang="ja-JP" dirty="0"/>
+          </a:p>
+          <a:p>
+            <a:r>
+              <a:rPr lang="ja-JP" altLang="en-US" dirty="0"/>
+              <a:t>・集中砲火で敵の</a:t>
+            </a:r>
+            <a:r>
+              <a:rPr lang="en-US" altLang="ja-JP" dirty="0"/>
+              <a:t>HP</a:t>
+            </a:r>
+            <a:r>
+              <a:rPr lang="ja-JP" altLang="en-US" dirty="0"/>
+              <a:t>をガンガン減らす</a:t>
+            </a:r>
+            <a:endParaRPr lang="en-US" altLang="ja-JP" dirty="0"/>
+          </a:p>
+          <a:p>
+            <a:r>
+              <a:rPr kumimoji="1" lang="ja-JP" altLang="en-US" dirty="0"/>
+              <a:t>・アイテムを使用して敵の動きを止める</a:t>
+            </a:r>
+            <a:endParaRPr kumimoji="1" lang="en-US" altLang="ja-JP" dirty="0"/>
+          </a:p>
+          <a:p>
+            <a:r>
+              <a:rPr lang="ja-JP" altLang="en-US" dirty="0"/>
+              <a:t>・ハイスコアを目指した倒し方</a:t>
+            </a:r>
+            <a:endParaRPr lang="en-US" altLang="ja-JP" dirty="0"/>
+          </a:p>
+        </p:txBody>
+      </p:sp>
+      <p:sp>
+        <p:nvSpPr>
+          <p:cNvPr id="5" name="テキスト ボックス 4">
+            <a:extLst>
+              <a:ext uri="{FF2B5EF4-FFF2-40B4-BE49-F238E27FC236}">
+                <a16:creationId xmlns:a16="http://schemas.microsoft.com/office/drawing/2014/main" id="{96DEC820-2481-4E05-A281-0E489FABB76C}"/>
+              </a:ext>
+            </a:extLst>
+          </p:cNvPr>
+          <p:cNvSpPr txBox="1"/>
+          <p:nvPr/>
+        </p:nvSpPr>
+        <p:spPr>
+          <a:xfrm>
+            <a:off x="1107583" y="3155324"/>
+            <a:ext cx="8255358" cy="2781837"/>
+          </a:xfrm>
+          <a:prstGeom prst="rect">
+            <a:avLst/>
+          </a:prstGeom>
+          <a:noFill/>
+        </p:spPr>
+        <p:txBody>
+          <a:bodyPr wrap="square" rtlCol="0">
+            <a:spAutoFit/>
+          </a:bodyPr>
+          <a:lstStyle/>
+          <a:p>
+            <a:endParaRPr kumimoji="1" lang="ja-JP" altLang="en-US" dirty="0"/>
+          </a:p>
+        </p:txBody>
+      </p:sp>
+    </p:spTree>
+    <p:extLst>
+      <p:ext uri="{BB962C8B-B14F-4D97-AF65-F5344CB8AC3E}">
+        <p14:creationId xmlns:p14="http://schemas.microsoft.com/office/powerpoint/2010/main" val="3509109435"/>
+      </p:ext>
+    </p:extLst>
+  </p:cSld>
+  <p:clrMapOvr>
+    <a:masterClrMapping/>
+  </p:clrMapOvr>
+</p:sld>
+</file>
+
+<file path=ppt/slides/slide4.xml><?xml version="1.0" encoding="utf-8"?>
+<p:sld xmlns:a="http://schemas.openxmlformats.org/drawingml/2006/main" xmlns:r="http://schemas.openxmlformats.org/officeDocument/2006/relationships" xmlns:p="http://schemas.openxmlformats.org/presentationml/2006/main">
+  <p:cSld>
+    <p:spTree>
+      <p:nvGrpSpPr>
+        <p:cNvPr id="1" name=""/>
+        <p:cNvGrpSpPr/>
+        <p:nvPr/>
+      </p:nvGrpSpPr>
+      <p:grpSpPr>
+        <a:xfrm>
+          <a:off x="0" y="0"/>
+          <a:ext cx="0" cy="0"/>
+          <a:chOff x="0" y="0"/>
+          <a:chExt cx="0" cy="0"/>
+        </a:xfrm>
+      </p:grpSpPr>
+      <p:sp>
+        <p:nvSpPr>
+          <p:cNvPr id="2" name="タイトル 1">
+            <a:extLst>
+              <a:ext uri="{FF2B5EF4-FFF2-40B4-BE49-F238E27FC236}">
+                <a16:creationId xmlns:a16="http://schemas.microsoft.com/office/drawing/2014/main" id="{09DB923C-7154-4EF6-8ABF-8E9CCEC63947}"/>
+              </a:ext>
+            </a:extLst>
+          </p:cNvPr>
+          <p:cNvSpPr>
+            <a:spLocks noGrp="1"/>
+          </p:cNvSpPr>
+          <p:nvPr>
+            <p:ph type="title"/>
+          </p:nvPr>
+        </p:nvSpPr>
+        <p:spPr/>
+        <p:txBody>
+          <a:bodyPr/>
+          <a:lstStyle/>
+          <a:p>
+            <a:endParaRPr kumimoji="1" lang="ja-JP" altLang="en-US"/>
+          </a:p>
+        </p:txBody>
+      </p:sp>
+      <p:sp>
+        <p:nvSpPr>
+          <p:cNvPr id="3" name="コンテンツ プレースホルダー 2">
+            <a:extLst>
+              <a:ext uri="{FF2B5EF4-FFF2-40B4-BE49-F238E27FC236}">
+                <a16:creationId xmlns:a16="http://schemas.microsoft.com/office/drawing/2014/main" id="{909F1D69-3174-4D94-AD8B-CD2A02B009D7}"/>
+              </a:ext>
+            </a:extLst>
+          </p:cNvPr>
+          <p:cNvSpPr>
+            <a:spLocks noGrp="1"/>
+          </p:cNvSpPr>
+          <p:nvPr>
+            <p:ph idx="1"/>
+          </p:nvPr>
+        </p:nvSpPr>
+        <p:spPr/>
+        <p:txBody>
+          <a:bodyPr/>
+          <a:lstStyle/>
+          <a:p>
+            <a:endParaRPr kumimoji="1" lang="ja-JP" altLang="en-US"/>
+          </a:p>
+        </p:txBody>
+      </p:sp>
+    </p:spTree>
+    <p:extLst>
+      <p:ext uri="{BB962C8B-B14F-4D97-AF65-F5344CB8AC3E}">
+        <p14:creationId xmlns:p14="http://schemas.microsoft.com/office/powerpoint/2010/main" val="2395050516"/>
+      </p:ext>
+    </p:extLst>
+  </p:cSld>
+  <p:clrMapOvr>
+    <a:masterClrMapping/>
+  </p:clrMapOvr>
+</p:sld>
+</file>
+
+<file path=ppt/slides/slide5.xml><?xml version="1.0" encoding="utf-8"?>
+<p:sld xmlns:a="http://schemas.openxmlformats.org/drawingml/2006/main" xmlns:r="http://schemas.openxmlformats.org/officeDocument/2006/relationships" xmlns:p="http://schemas.openxmlformats.org/presentationml/2006/main">
+  <p:cSld>
+    <p:spTree>
+      <p:nvGrpSpPr>
+        <p:cNvPr id="1" name=""/>
+        <p:cNvGrpSpPr/>
+        <p:nvPr/>
+      </p:nvGrpSpPr>
+      <p:grpSpPr>
+        <a:xfrm>
+          <a:off x="0" y="0"/>
+          <a:ext cx="0" cy="0"/>
+          <a:chOff x="0" y="0"/>
+          <a:chExt cx="0" cy="0"/>
+        </a:xfrm>
+      </p:grpSpPr>
+      <p:sp>
+        <p:nvSpPr>
+          <p:cNvPr id="3" name="コンテンツ プレースホルダー 2">
+            <a:extLst>
+              <a:ext uri="{FF2B5EF4-FFF2-40B4-BE49-F238E27FC236}">
+                <a16:creationId xmlns:a16="http://schemas.microsoft.com/office/drawing/2014/main" id="{107B4D41-A8B3-48DC-8EE1-863E4D8AAED0}"/>
+              </a:ext>
+            </a:extLst>
+          </p:cNvPr>
+          <p:cNvSpPr>
+            <a:spLocks noGrp="1"/>
+          </p:cNvSpPr>
+          <p:nvPr>
+            <p:ph idx="1"/>
+          </p:nvPr>
+        </p:nvSpPr>
+        <p:spPr>
+          <a:xfrm>
+            <a:off x="2936630" y="525757"/>
+            <a:ext cx="4554416" cy="303113"/>
+          </a:xfrm>
+        </p:spPr>
+        <p:txBody>
+          <a:bodyPr>
+            <a:normAutofit/>
+          </a:bodyPr>
+          <a:lstStyle/>
+          <a:p>
+            <a:pPr marL="0" indent="0">
+              <a:buNone/>
+            </a:pPr>
+            <a:r>
+              <a:rPr kumimoji="1" lang="en-US" altLang="ja-JP" sz="1400" dirty="0">
+                <a:hlinkClick r:id="rId2"/>
+              </a:rPr>
+              <a:t>https://www.youtube.com/watch?v=XzmV1WVtqGU</a:t>
+            </a:r>
+            <a:endParaRPr kumimoji="1" lang="ja-JP" altLang="en-US" sz="1400" dirty="0"/>
+          </a:p>
+        </p:txBody>
+      </p:sp>
+      <p:sp>
+        <p:nvSpPr>
+          <p:cNvPr id="4" name="テキスト ボックス 3">
+            <a:extLst>
+              <a:ext uri="{FF2B5EF4-FFF2-40B4-BE49-F238E27FC236}">
+                <a16:creationId xmlns:a16="http://schemas.microsoft.com/office/drawing/2014/main" id="{0570D53B-6C4C-4475-9233-7A8E5407B803}"/>
+              </a:ext>
+            </a:extLst>
+          </p:cNvPr>
+          <p:cNvSpPr txBox="1"/>
+          <p:nvPr/>
+        </p:nvSpPr>
+        <p:spPr>
+          <a:xfrm flipH="1">
+            <a:off x="838200" y="4906039"/>
+            <a:ext cx="7725508" cy="1754326"/>
+          </a:xfrm>
+          <a:prstGeom prst="rect">
+            <a:avLst/>
+          </a:prstGeom>
+          <a:noFill/>
+        </p:spPr>
+        <p:txBody>
+          <a:bodyPr wrap="square" rtlCol="0">
+            <a:spAutoFit/>
+          </a:bodyPr>
+          <a:lstStyle/>
+          <a:p>
+            <a:r>
+              <a:rPr kumimoji="1" lang="ja-JP" altLang="en-US" dirty="0"/>
+              <a:t>・通常攻撃</a:t>
+            </a:r>
+            <a:endParaRPr kumimoji="1" lang="en-US" altLang="ja-JP" dirty="0"/>
+          </a:p>
+          <a:p>
+            <a:r>
+              <a:rPr lang="en-US" altLang="ja-JP" dirty="0"/>
+              <a:t>	</a:t>
+            </a:r>
+            <a:r>
+              <a:rPr lang="ja-JP" altLang="en-US" dirty="0"/>
+              <a:t>ナイフでの近距離攻撃と数種類の遠距離攻撃で攻撃をする</a:t>
+            </a:r>
+            <a:endParaRPr lang="en-US" altLang="ja-JP" dirty="0"/>
+          </a:p>
+          <a:p>
+            <a:r>
+              <a:rPr kumimoji="1" lang="ja-JP" altLang="en-US" dirty="0"/>
+              <a:t>・罠攻撃</a:t>
+            </a:r>
+            <a:endParaRPr kumimoji="1" lang="en-US" altLang="ja-JP" dirty="0"/>
+          </a:p>
+          <a:p>
+            <a:r>
+              <a:rPr lang="en-US" altLang="ja-JP" dirty="0"/>
+              <a:t>	</a:t>
+            </a:r>
+            <a:r>
+              <a:rPr lang="ja-JP" altLang="en-US" dirty="0"/>
+              <a:t>拾ったアイテムを使用して罠を仕掛ける</a:t>
+            </a:r>
+            <a:endParaRPr lang="en-US" altLang="ja-JP" dirty="0"/>
+          </a:p>
+          <a:p>
+            <a:r>
+              <a:rPr kumimoji="1" lang="ja-JP" altLang="en-US" dirty="0"/>
+              <a:t>・集中砲火</a:t>
+            </a:r>
+            <a:endParaRPr kumimoji="1" lang="en-US" altLang="ja-JP" dirty="0"/>
+          </a:p>
+          <a:p>
+            <a:r>
+              <a:rPr lang="en-US" altLang="ja-JP" dirty="0"/>
+              <a:t>	</a:t>
+            </a:r>
+            <a:r>
+              <a:rPr lang="ja-JP" altLang="en-US" dirty="0"/>
+              <a:t>罠にかかった状態でロックオンすると集中砲火で攻撃をする</a:t>
+            </a:r>
+            <a:endParaRPr kumimoji="1" lang="ja-JP" altLang="en-US" dirty="0"/>
+          </a:p>
+        </p:txBody>
+      </p:sp>
+      <p:sp>
+        <p:nvSpPr>
+          <p:cNvPr id="6" name="テキスト ボックス 5">
+            <a:extLst>
+              <a:ext uri="{FF2B5EF4-FFF2-40B4-BE49-F238E27FC236}">
+                <a16:creationId xmlns:a16="http://schemas.microsoft.com/office/drawing/2014/main" id="{000396C9-AAD9-47A3-848A-D5C9E718B909}"/>
+              </a:ext>
+            </a:extLst>
+          </p:cNvPr>
+          <p:cNvSpPr txBox="1"/>
+          <p:nvPr/>
+        </p:nvSpPr>
+        <p:spPr>
+          <a:xfrm>
+            <a:off x="226916" y="202592"/>
+            <a:ext cx="2492990" cy="646331"/>
+          </a:xfrm>
+          <a:prstGeom prst="rect">
+            <a:avLst/>
+          </a:prstGeom>
+          <a:noFill/>
+        </p:spPr>
+        <p:txBody>
+          <a:bodyPr wrap="none" rtlCol="0">
+            <a:spAutoFit/>
+          </a:bodyPr>
+          <a:lstStyle/>
+          <a:p>
+            <a:r>
+              <a:rPr kumimoji="1" lang="ja-JP" altLang="en-US" sz="3600" dirty="0"/>
+              <a:t>ゲーム内容</a:t>
+            </a:r>
+          </a:p>
+        </p:txBody>
+      </p:sp>
+      <p:sp>
+        <p:nvSpPr>
+          <p:cNvPr id="7" name="テキスト ボックス 6">
+            <a:extLst>
+              <a:ext uri="{FF2B5EF4-FFF2-40B4-BE49-F238E27FC236}">
+                <a16:creationId xmlns:a16="http://schemas.microsoft.com/office/drawing/2014/main" id="{21EA372B-0BFF-4F0C-9720-105B0BBECC17}"/>
+              </a:ext>
+            </a:extLst>
+          </p:cNvPr>
+          <p:cNvSpPr txBox="1"/>
+          <p:nvPr/>
+        </p:nvSpPr>
+        <p:spPr>
+          <a:xfrm>
+            <a:off x="961292" y="1781908"/>
+            <a:ext cx="7895110" cy="646331"/>
+          </a:xfrm>
+          <a:prstGeom prst="rect">
+            <a:avLst/>
+          </a:prstGeom>
+          <a:noFill/>
+        </p:spPr>
+        <p:txBody>
+          <a:bodyPr wrap="none" rtlCol="0">
+            <a:spAutoFit/>
+          </a:bodyPr>
+          <a:lstStyle/>
+          <a:p>
+            <a:r>
+              <a:rPr kumimoji="1" lang="ja-JP" altLang="en-US" dirty="0"/>
+              <a:t>制限時間</a:t>
+            </a:r>
+            <a:r>
+              <a:rPr kumimoji="1" lang="en-US" altLang="ja-JP" dirty="0"/>
+              <a:t>(3</a:t>
+            </a:r>
+            <a:r>
+              <a:rPr kumimoji="1" lang="ja-JP" altLang="en-US" dirty="0"/>
+              <a:t>分</a:t>
+            </a:r>
+            <a:r>
+              <a:rPr kumimoji="1" lang="en-US" altLang="ja-JP" dirty="0"/>
+              <a:t>)</a:t>
+            </a:r>
+            <a:r>
+              <a:rPr kumimoji="1" lang="ja-JP" altLang="en-US" dirty="0"/>
+              <a:t>の間に敵を倒しきる</a:t>
+            </a:r>
+            <a:endParaRPr kumimoji="1" lang="en-US" altLang="ja-JP" dirty="0"/>
+          </a:p>
+          <a:p>
+            <a:r>
+              <a:rPr lang="ja-JP" altLang="en-US" dirty="0"/>
+              <a:t>残り時間、攻撃ポイント、プレイヤー残り</a:t>
+            </a:r>
+            <a:r>
+              <a:rPr lang="en-US" altLang="ja-JP" dirty="0"/>
+              <a:t>HP</a:t>
+            </a:r>
+            <a:r>
+              <a:rPr lang="ja-JP" altLang="en-US" dirty="0"/>
+              <a:t>の合計で獲得スコアが変わる</a:t>
+            </a:r>
+            <a:endParaRPr kumimoji="1" lang="ja-JP" altLang="en-US" dirty="0"/>
+          </a:p>
+        </p:txBody>
+      </p:sp>
+    </p:spTree>
+    <p:extLst>
+      <p:ext uri="{BB962C8B-B14F-4D97-AF65-F5344CB8AC3E}">
+        <p14:creationId xmlns:p14="http://schemas.microsoft.com/office/powerpoint/2010/main" val="1961887480"/>
+      </p:ext>
+    </p:extLst>
+  </p:cSld>
+  <p:clrMapOvr>
+    <a:masterClrMapping/>
+  </p:clrMapOvr>
+</p:sld>
+</file>
+
+<file path=ppt/slides/slide6.xml><?xml version="1.0" encoding="utf-8"?>
+<p:sld xmlns:a="http://schemas.openxmlformats.org/drawingml/2006/main" xmlns:r="http://schemas.openxmlformats.org/officeDocument/2006/relationships" xmlns:p="http://schemas.openxmlformats.org/presentationml/2006/main">
+  <p:cSld>
+    <p:spTree>
+      <p:nvGrpSpPr>
+        <p:cNvPr id="1" name=""/>
+        <p:cNvGrpSpPr/>
+        <p:nvPr/>
+      </p:nvGrpSpPr>
+      <p:grpSpPr>
+        <a:xfrm>
+          <a:off x="0" y="0"/>
+          <a:ext cx="0" cy="0"/>
+          <a:chOff x="0" y="0"/>
+          <a:chExt cx="0" cy="0"/>
+        </a:xfrm>
+      </p:grpSpPr>
+      <p:sp>
+        <p:nvSpPr>
+          <p:cNvPr id="13" name="テキスト ボックス 12">
+            <a:extLst>
+              <a:ext uri="{FF2B5EF4-FFF2-40B4-BE49-F238E27FC236}">
+                <a16:creationId xmlns:a16="http://schemas.microsoft.com/office/drawing/2014/main" id="{DB5089E3-8458-47A1-8BA9-17ACB5AC0763}"/>
+              </a:ext>
+            </a:extLst>
+          </p:cNvPr>
+          <p:cNvSpPr txBox="1"/>
+          <p:nvPr/>
+        </p:nvSpPr>
+        <p:spPr>
+          <a:xfrm>
+            <a:off x="226916" y="202592"/>
+            <a:ext cx="2492990" cy="646331"/>
+          </a:xfrm>
+          <a:prstGeom prst="rect">
+            <a:avLst/>
+          </a:prstGeom>
+          <a:noFill/>
+        </p:spPr>
+        <p:txBody>
+          <a:bodyPr wrap="none" rtlCol="0">
+            <a:spAutoFit/>
+          </a:bodyPr>
+          <a:lstStyle/>
+          <a:p>
+            <a:r>
+              <a:rPr kumimoji="1" lang="ja-JP" altLang="en-US" sz="3600" dirty="0"/>
+              <a:t>ゲーム画面</a:t>
+            </a:r>
+          </a:p>
+        </p:txBody>
+      </p:sp>
+      <p:pic>
+        <p:nvPicPr>
+          <p:cNvPr id="15" name="図 14">
+            <a:extLst>
+              <a:ext uri="{FF2B5EF4-FFF2-40B4-BE49-F238E27FC236}">
+                <a16:creationId xmlns:a16="http://schemas.microsoft.com/office/drawing/2014/main" id="{79222391-8A02-4CD5-BC15-17E922028E2B}"/>
+              </a:ext>
+            </a:extLst>
+          </p:cNvPr>
+          <p:cNvPicPr>
+            <a:picLocks noChangeAspect="1"/>
+          </p:cNvPicPr>
+          <p:nvPr/>
+        </p:nvPicPr>
+        <p:blipFill>
+          <a:blip r:embed="rId2">
+            <a:extLst>
+              <a:ext uri="{28A0092B-C50C-407E-A947-70E740481C1C}">
+                <a14:useLocalDpi xmlns:a14="http://schemas.microsoft.com/office/drawing/2010/main" val="0"/>
+              </a:ext>
+            </a:extLst>
+          </a:blip>
+          <a:stretch>
+            <a:fillRect/>
+          </a:stretch>
+        </p:blipFill>
+        <p:spPr>
+          <a:xfrm>
+            <a:off x="2315987" y="1809726"/>
+            <a:ext cx="8071159" cy="4780610"/>
+          </a:xfrm>
+          <a:prstGeom prst="rect">
+            <a:avLst/>
+          </a:prstGeom>
+        </p:spPr>
+      </p:pic>
+      <p:cxnSp>
+        <p:nvCxnSpPr>
+          <p:cNvPr id="17" name="直線矢印コネクタ 16">
+            <a:extLst>
+              <a:ext uri="{FF2B5EF4-FFF2-40B4-BE49-F238E27FC236}">
+                <a16:creationId xmlns:a16="http://schemas.microsoft.com/office/drawing/2014/main" id="{609DAA45-52F2-42E0-8201-3A901FF18DB3}"/>
+              </a:ext>
+            </a:extLst>
+          </p:cNvPr>
+          <p:cNvCxnSpPr>
+            <a:cxnSpLocks/>
+          </p:cNvCxnSpPr>
+          <p:nvPr/>
+        </p:nvCxnSpPr>
+        <p:spPr>
+          <a:xfrm flipV="1">
+            <a:off x="1358060" y="2306031"/>
+            <a:ext cx="893587" cy="100891"/>
+          </a:xfrm>
+          <a:prstGeom prst="straightConnector1">
+            <a:avLst/>
+          </a:prstGeom>
+          <a:ln w="28575">
+            <a:solidFill>
+              <a:srgbClr val="FF0000"/>
+            </a:solidFill>
+            <a:tailEnd type="triangle"/>
+          </a:ln>
+        </p:spPr>
+        <p:style>
+          <a:lnRef idx="1">
+            <a:schemeClr val="accent1"/>
+          </a:lnRef>
+          <a:fillRef idx="0">
+            <a:schemeClr val="accent1"/>
+          </a:fillRef>
+          <a:effectRef idx="0">
+            <a:schemeClr val="accent1"/>
+          </a:effectRef>
+          <a:fontRef idx="minor">
+            <a:schemeClr val="tx1"/>
+          </a:fontRef>
+        </p:style>
+      </p:cxnSp>
+      <p:cxnSp>
+        <p:nvCxnSpPr>
+          <p:cNvPr id="18" name="直線矢印コネクタ 17">
+            <a:extLst>
+              <a:ext uri="{FF2B5EF4-FFF2-40B4-BE49-F238E27FC236}">
+                <a16:creationId xmlns:a16="http://schemas.microsoft.com/office/drawing/2014/main" id="{62E971D1-5FC9-439C-9961-95BDCDE3CA36}"/>
+              </a:ext>
+            </a:extLst>
+          </p:cNvPr>
+          <p:cNvCxnSpPr>
+            <a:cxnSpLocks/>
+          </p:cNvCxnSpPr>
+          <p:nvPr/>
+        </p:nvCxnSpPr>
+        <p:spPr>
+          <a:xfrm flipH="1">
+            <a:off x="10046458" y="937397"/>
+            <a:ext cx="405028" cy="1365142"/>
+          </a:xfrm>
+          <a:prstGeom prst="straightConnector1">
+            <a:avLst/>
+          </a:prstGeom>
+          <a:ln w="28575">
+            <a:solidFill>
+              <a:srgbClr val="FF0000"/>
+            </a:solidFill>
+            <a:tailEnd type="triangle"/>
+          </a:ln>
+        </p:spPr>
+        <p:style>
+          <a:lnRef idx="1">
+            <a:schemeClr val="accent1"/>
+          </a:lnRef>
+          <a:fillRef idx="0">
+            <a:schemeClr val="accent1"/>
+          </a:fillRef>
+          <a:effectRef idx="0">
+            <a:schemeClr val="accent1"/>
+          </a:effectRef>
+          <a:fontRef idx="minor">
+            <a:schemeClr val="tx1"/>
+          </a:fontRef>
+        </p:style>
+      </p:cxnSp>
+      <p:cxnSp>
+        <p:nvCxnSpPr>
+          <p:cNvPr id="20" name="直線矢印コネクタ 19">
+            <a:extLst>
+              <a:ext uri="{FF2B5EF4-FFF2-40B4-BE49-F238E27FC236}">
+                <a16:creationId xmlns:a16="http://schemas.microsoft.com/office/drawing/2014/main" id="{EF6BA451-67D2-47FB-9C20-7D144CF01CBF}"/>
+              </a:ext>
+            </a:extLst>
+          </p:cNvPr>
+          <p:cNvCxnSpPr>
+            <a:cxnSpLocks/>
+          </p:cNvCxnSpPr>
+          <p:nvPr/>
+        </p:nvCxnSpPr>
+        <p:spPr>
+          <a:xfrm flipH="1" flipV="1">
+            <a:off x="9396968" y="3203331"/>
+            <a:ext cx="1112282" cy="225669"/>
+          </a:xfrm>
+          <a:prstGeom prst="straightConnector1">
+            <a:avLst/>
+          </a:prstGeom>
+          <a:ln w="28575">
+            <a:solidFill>
+              <a:srgbClr val="FF0000"/>
+            </a:solidFill>
+            <a:tailEnd type="triangle"/>
+          </a:ln>
+        </p:spPr>
+        <p:style>
+          <a:lnRef idx="1">
+            <a:schemeClr val="accent1"/>
+          </a:lnRef>
+          <a:fillRef idx="0">
+            <a:schemeClr val="accent1"/>
+          </a:fillRef>
+          <a:effectRef idx="0">
+            <a:schemeClr val="accent1"/>
+          </a:effectRef>
+          <a:fontRef idx="minor">
+            <a:schemeClr val="tx1"/>
+          </a:fontRef>
+        </p:style>
+      </p:cxnSp>
+      <p:cxnSp>
+        <p:nvCxnSpPr>
+          <p:cNvPr id="23" name="直線矢印コネクタ 22">
+            <a:extLst>
+              <a:ext uri="{FF2B5EF4-FFF2-40B4-BE49-F238E27FC236}">
+                <a16:creationId xmlns:a16="http://schemas.microsoft.com/office/drawing/2014/main" id="{BFEFCAE3-A1A9-4562-9E30-9580DA70F469}"/>
+              </a:ext>
+            </a:extLst>
+          </p:cNvPr>
+          <p:cNvCxnSpPr>
+            <a:cxnSpLocks/>
+          </p:cNvCxnSpPr>
+          <p:nvPr/>
+        </p:nvCxnSpPr>
+        <p:spPr>
+          <a:xfrm>
+            <a:off x="3084189" y="1287939"/>
+            <a:ext cx="646846" cy="572074"/>
+          </a:xfrm>
+          <a:prstGeom prst="straightConnector1">
+            <a:avLst/>
+          </a:prstGeom>
+          <a:ln w="28575">
+            <a:solidFill>
+              <a:srgbClr val="FF0000"/>
+            </a:solidFill>
+            <a:tailEnd type="triangle"/>
+          </a:ln>
+        </p:spPr>
+        <p:style>
+          <a:lnRef idx="1">
+            <a:schemeClr val="accent1"/>
+          </a:lnRef>
+          <a:fillRef idx="0">
+            <a:schemeClr val="accent1"/>
+          </a:fillRef>
+          <a:effectRef idx="0">
+            <a:schemeClr val="accent1"/>
+          </a:effectRef>
+          <a:fontRef idx="minor">
+            <a:schemeClr val="tx1"/>
+          </a:fontRef>
+        </p:style>
+      </p:cxnSp>
+      <p:cxnSp>
+        <p:nvCxnSpPr>
+          <p:cNvPr id="27" name="直線矢印コネクタ 26">
+            <a:extLst>
+              <a:ext uri="{FF2B5EF4-FFF2-40B4-BE49-F238E27FC236}">
+                <a16:creationId xmlns:a16="http://schemas.microsoft.com/office/drawing/2014/main" id="{4D9CD254-3519-4388-8C1D-5D3FF638DA97}"/>
+              </a:ext>
+            </a:extLst>
+          </p:cNvPr>
+          <p:cNvCxnSpPr>
+            <a:cxnSpLocks/>
+            <a:stCxn id="32" idx="2"/>
+          </p:cNvCxnSpPr>
+          <p:nvPr/>
+        </p:nvCxnSpPr>
+        <p:spPr>
+          <a:xfrm flipH="1">
+            <a:off x="4633963" y="1538142"/>
+            <a:ext cx="283756" cy="495646"/>
+          </a:xfrm>
+          <a:prstGeom prst="straightConnector1">
+            <a:avLst/>
+          </a:prstGeom>
+          <a:ln w="28575">
+            <a:solidFill>
+              <a:srgbClr val="FF0000"/>
+            </a:solidFill>
+            <a:tailEnd type="triangle"/>
+          </a:ln>
+        </p:spPr>
+        <p:style>
+          <a:lnRef idx="1">
+            <a:schemeClr val="accent1"/>
+          </a:lnRef>
+          <a:fillRef idx="0">
+            <a:schemeClr val="accent1"/>
+          </a:fillRef>
+          <a:effectRef idx="0">
+            <a:schemeClr val="accent1"/>
+          </a:effectRef>
+          <a:fontRef idx="minor">
+            <a:schemeClr val="tx1"/>
+          </a:fontRef>
+        </p:style>
+      </p:cxnSp>
+      <p:sp>
+        <p:nvSpPr>
+          <p:cNvPr id="30" name="テキスト ボックス 29">
+            <a:extLst>
+              <a:ext uri="{FF2B5EF4-FFF2-40B4-BE49-F238E27FC236}">
+                <a16:creationId xmlns:a16="http://schemas.microsoft.com/office/drawing/2014/main" id="{B7168371-99E0-4752-B3F6-93BF9305C35B}"/>
+              </a:ext>
+            </a:extLst>
+          </p:cNvPr>
+          <p:cNvSpPr txBox="1"/>
+          <p:nvPr/>
+        </p:nvSpPr>
+        <p:spPr>
+          <a:xfrm>
+            <a:off x="305063" y="2222256"/>
+            <a:ext cx="1107996" cy="369332"/>
+          </a:xfrm>
+          <a:prstGeom prst="rect">
+            <a:avLst/>
+          </a:prstGeom>
+          <a:noFill/>
+        </p:spPr>
+        <p:txBody>
+          <a:bodyPr wrap="none" rtlCol="0">
+            <a:spAutoFit/>
+          </a:bodyPr>
+          <a:lstStyle/>
+          <a:p>
+            <a:r>
+              <a:rPr kumimoji="1" lang="ja-JP" altLang="en-US" dirty="0"/>
+              <a:t>残り時間</a:t>
+            </a:r>
+          </a:p>
+        </p:txBody>
+      </p:sp>
+      <p:sp>
+        <p:nvSpPr>
+          <p:cNvPr id="31" name="テキスト ボックス 30">
+            <a:extLst>
+              <a:ext uri="{FF2B5EF4-FFF2-40B4-BE49-F238E27FC236}">
+                <a16:creationId xmlns:a16="http://schemas.microsoft.com/office/drawing/2014/main" id="{798990A1-BB31-4DCA-A923-375816A8AF14}"/>
+              </a:ext>
+            </a:extLst>
+          </p:cNvPr>
+          <p:cNvSpPr txBox="1"/>
+          <p:nvPr/>
+        </p:nvSpPr>
+        <p:spPr>
+          <a:xfrm>
+            <a:off x="2068400" y="937397"/>
+            <a:ext cx="1662635" cy="369332"/>
+          </a:xfrm>
+          <a:prstGeom prst="rect">
+            <a:avLst/>
+          </a:prstGeom>
+          <a:noFill/>
+        </p:spPr>
+        <p:txBody>
+          <a:bodyPr wrap="square" rtlCol="0">
+            <a:spAutoFit/>
+          </a:bodyPr>
+          <a:lstStyle/>
+          <a:p>
+            <a:r>
+              <a:rPr kumimoji="1" lang="ja-JP" altLang="en-US" dirty="0"/>
+              <a:t>プレイヤー</a:t>
+            </a:r>
+            <a:r>
+              <a:rPr kumimoji="1" lang="en-US" altLang="ja-JP" dirty="0"/>
+              <a:t>HP</a:t>
+            </a:r>
+            <a:endParaRPr kumimoji="1" lang="ja-JP" altLang="en-US" dirty="0"/>
+          </a:p>
+        </p:txBody>
+      </p:sp>
+      <p:sp>
+        <p:nvSpPr>
+          <p:cNvPr id="32" name="テキスト ボックス 31">
+            <a:extLst>
+              <a:ext uri="{FF2B5EF4-FFF2-40B4-BE49-F238E27FC236}">
+                <a16:creationId xmlns:a16="http://schemas.microsoft.com/office/drawing/2014/main" id="{15D293DD-616C-44A6-8D87-931CC279DAFD}"/>
+              </a:ext>
+            </a:extLst>
+          </p:cNvPr>
+          <p:cNvSpPr txBox="1"/>
+          <p:nvPr/>
+        </p:nvSpPr>
+        <p:spPr>
+          <a:xfrm>
+            <a:off x="3795375" y="1168810"/>
+            <a:ext cx="2244687" cy="369332"/>
+          </a:xfrm>
+          <a:prstGeom prst="rect">
+            <a:avLst/>
+          </a:prstGeom>
+          <a:noFill/>
+        </p:spPr>
+        <p:txBody>
+          <a:bodyPr wrap="square" rtlCol="0">
+            <a:spAutoFit/>
+          </a:bodyPr>
+          <a:lstStyle/>
+          <a:p>
+            <a:r>
+              <a:rPr kumimoji="1" lang="ja-JP" altLang="en-US" dirty="0"/>
+              <a:t>プレイヤースタミナ</a:t>
+            </a:r>
+          </a:p>
+        </p:txBody>
+      </p:sp>
+      <p:sp>
+        <p:nvSpPr>
+          <p:cNvPr id="36" name="テキスト ボックス 35">
+            <a:extLst>
+              <a:ext uri="{FF2B5EF4-FFF2-40B4-BE49-F238E27FC236}">
+                <a16:creationId xmlns:a16="http://schemas.microsoft.com/office/drawing/2014/main" id="{757625B5-5D8D-41A9-B8B9-AB94ED4E24C2}"/>
+              </a:ext>
+            </a:extLst>
+          </p:cNvPr>
+          <p:cNvSpPr txBox="1"/>
+          <p:nvPr/>
+        </p:nvSpPr>
+        <p:spPr>
+          <a:xfrm>
+            <a:off x="9567003" y="576510"/>
+            <a:ext cx="2262158" cy="369332"/>
+          </a:xfrm>
+          <a:prstGeom prst="rect">
+            <a:avLst/>
+          </a:prstGeom>
+          <a:noFill/>
+        </p:spPr>
+        <p:txBody>
+          <a:bodyPr wrap="none" rtlCol="0">
+            <a:spAutoFit/>
+          </a:bodyPr>
+          <a:lstStyle/>
+          <a:p>
+            <a:r>
+              <a:rPr kumimoji="1" lang="ja-JP" altLang="en-US" dirty="0"/>
+              <a:t>選択中の武器を使用</a:t>
+            </a:r>
+          </a:p>
+        </p:txBody>
+      </p:sp>
+      <p:sp>
+        <p:nvSpPr>
+          <p:cNvPr id="39" name="テキスト ボックス 38">
+            <a:extLst>
+              <a:ext uri="{FF2B5EF4-FFF2-40B4-BE49-F238E27FC236}">
+                <a16:creationId xmlns:a16="http://schemas.microsoft.com/office/drawing/2014/main" id="{090972E5-AECB-4DAA-80A5-DD25BDF1ACF0}"/>
+              </a:ext>
+            </a:extLst>
+          </p:cNvPr>
+          <p:cNvSpPr txBox="1"/>
+          <p:nvPr/>
+        </p:nvSpPr>
+        <p:spPr>
+          <a:xfrm>
+            <a:off x="10451486" y="3442961"/>
+            <a:ext cx="1800493" cy="369332"/>
+          </a:xfrm>
+          <a:prstGeom prst="rect">
+            <a:avLst/>
+          </a:prstGeom>
+          <a:noFill/>
+        </p:spPr>
+        <p:txBody>
+          <a:bodyPr wrap="none" rtlCol="0">
+            <a:spAutoFit/>
+          </a:bodyPr>
+          <a:lstStyle/>
+          <a:p>
+            <a:r>
+              <a:rPr kumimoji="1" lang="ja-JP" altLang="en-US" dirty="0"/>
+              <a:t>武器の切り替え</a:t>
+            </a:r>
+          </a:p>
+        </p:txBody>
+      </p:sp>
+      <p:grpSp>
+        <p:nvGrpSpPr>
+          <p:cNvPr id="52" name="グループ化 51">
+            <a:extLst>
+              <a:ext uri="{FF2B5EF4-FFF2-40B4-BE49-F238E27FC236}">
+                <a16:creationId xmlns:a16="http://schemas.microsoft.com/office/drawing/2014/main" id="{3D650C0A-0675-4A85-9472-EB8B21F482F0}"/>
+              </a:ext>
+            </a:extLst>
+          </p:cNvPr>
+          <p:cNvGrpSpPr/>
+          <p:nvPr/>
+        </p:nvGrpSpPr>
+        <p:grpSpPr>
+          <a:xfrm>
+            <a:off x="8639908" y="4083582"/>
+            <a:ext cx="757060" cy="2420479"/>
+            <a:chOff x="8665308" y="4079380"/>
+            <a:chExt cx="757060" cy="2420479"/>
+          </a:xfrm>
+        </p:grpSpPr>
+        <p:sp>
+          <p:nvSpPr>
+            <p:cNvPr id="47" name="正方形/長方形 46">
+              <a:extLst>
+                <a:ext uri="{FF2B5EF4-FFF2-40B4-BE49-F238E27FC236}">
+                  <a16:creationId xmlns:a16="http://schemas.microsoft.com/office/drawing/2014/main" id="{39C5D387-285F-4CD9-BE50-64ED7B78DA86}"/>
+                </a:ext>
+              </a:extLst>
+            </p:cNvPr>
+            <p:cNvSpPr/>
+            <p:nvPr/>
+          </p:nvSpPr>
+          <p:spPr>
+            <a:xfrm>
+              <a:off x="8665308" y="4079380"/>
+              <a:ext cx="757060" cy="2420479"/>
+            </a:xfrm>
+            <a:prstGeom prst="rect">
+              <a:avLst/>
+            </a:prstGeom>
+            <a:solidFill>
+              <a:schemeClr val="accent6">
+                <a:alpha val="50000"/>
+              </a:schemeClr>
+            </a:solidFill>
+            <a:ln>
+              <a:noFill/>
+            </a:ln>
+          </p:spPr>
+          <p:style>
+            <a:lnRef idx="0">
+              <a:scrgbClr r="0" g="0" b="0"/>
+            </a:lnRef>
+            <a:fillRef idx="0">
+              <a:scrgbClr r="0" g="0" b="0"/>
+            </a:fillRef>
+            <a:effectRef idx="0">
+              <a:scrgbClr r="0" g="0" b="0"/>
+            </a:effectRef>
+            <a:fontRef idx="minor">
+              <a:schemeClr val="lt1"/>
+            </a:fontRef>
+          </p:style>
+          <p:txBody>
+            <a:bodyPr rtlCol="0" anchor="ctr"/>
+            <a:lstStyle/>
+            <a:p>
+              <a:pPr algn="ctr"/>
+              <a:endParaRPr kumimoji="1" lang="ja-JP" altLang="en-US"/>
+            </a:p>
+          </p:txBody>
+        </p:sp>
+        <p:sp>
+          <p:nvSpPr>
+            <p:cNvPr id="48" name="正方形/長方形 47">
+              <a:extLst>
+                <a:ext uri="{FF2B5EF4-FFF2-40B4-BE49-F238E27FC236}">
+                  <a16:creationId xmlns:a16="http://schemas.microsoft.com/office/drawing/2014/main" id="{F2F6CD50-2299-4406-8F85-553402215B53}"/>
+                </a:ext>
+              </a:extLst>
+            </p:cNvPr>
+            <p:cNvSpPr/>
+            <p:nvPr/>
+          </p:nvSpPr>
+          <p:spPr>
+            <a:xfrm>
+              <a:off x="8750746" y="4200031"/>
+              <a:ext cx="535384" cy="546807"/>
+            </a:xfrm>
+            <a:prstGeom prst="rect">
+              <a:avLst/>
+            </a:prstGeom>
+          </p:spPr>
+          <p:style>
+            <a:lnRef idx="2">
+              <a:schemeClr val="accent1">
+                <a:shade val="50000"/>
+              </a:schemeClr>
+            </a:lnRef>
+            <a:fillRef idx="1">
+              <a:schemeClr val="accent1"/>
+            </a:fillRef>
+            <a:effectRef idx="0">
+              <a:schemeClr val="accent1"/>
+            </a:effectRef>
+            <a:fontRef idx="minor">
+              <a:schemeClr val="lt1"/>
+            </a:fontRef>
+          </p:style>
+          <p:txBody>
+            <a:bodyPr rtlCol="0" anchor="ctr"/>
+            <a:lstStyle/>
+            <a:p>
+              <a:pPr algn="ctr"/>
+              <a:r>
+                <a:rPr kumimoji="1" lang="ja-JP" altLang="en-US" sz="600" dirty="0"/>
+                <a:t>アイテム</a:t>
+              </a:r>
+            </a:p>
+          </p:txBody>
+        </p:sp>
+        <p:sp>
+          <p:nvSpPr>
+            <p:cNvPr id="50" name="正方形/長方形 49">
+              <a:extLst>
+                <a:ext uri="{FF2B5EF4-FFF2-40B4-BE49-F238E27FC236}">
+                  <a16:creationId xmlns:a16="http://schemas.microsoft.com/office/drawing/2014/main" id="{8FEE62CA-82F7-453A-83ED-95E51AB0AD11}"/>
+                </a:ext>
+              </a:extLst>
+            </p:cNvPr>
+            <p:cNvSpPr/>
+            <p:nvPr/>
+          </p:nvSpPr>
+          <p:spPr>
+            <a:xfrm>
+              <a:off x="8750746" y="5023927"/>
+              <a:ext cx="535384" cy="546807"/>
+            </a:xfrm>
+            <a:prstGeom prst="rect">
+              <a:avLst/>
+            </a:prstGeom>
+          </p:spPr>
+          <p:style>
+            <a:lnRef idx="2">
+              <a:schemeClr val="accent1">
+                <a:shade val="50000"/>
+              </a:schemeClr>
+            </a:lnRef>
+            <a:fillRef idx="1">
+              <a:schemeClr val="accent1"/>
+            </a:fillRef>
+            <a:effectRef idx="0">
+              <a:schemeClr val="accent1"/>
+            </a:effectRef>
+            <a:fontRef idx="minor">
+              <a:schemeClr val="lt1"/>
+            </a:fontRef>
+          </p:style>
+          <p:txBody>
+            <a:bodyPr rtlCol="0" anchor="ctr"/>
+            <a:lstStyle/>
+            <a:p>
+              <a:pPr marL="0" marR="0" lvl="0" indent="0" algn="ctr" defTabSz="914400" rtl="0" eaLnBrk="1" fontAlgn="auto" latinLnBrk="0" hangingPunct="1">
+                <a:lnSpc>
+                  <a:spcPct val="100000"/>
+                </a:lnSpc>
+                <a:spcBef>
+                  <a:spcPts val="0"/>
+                </a:spcBef>
+                <a:spcAft>
+                  <a:spcPts val="0"/>
+                </a:spcAft>
+                <a:buClrTx/>
+                <a:buSzTx/>
+                <a:buFontTx/>
+                <a:buNone/>
+                <a:tabLst/>
+                <a:defRPr/>
+              </a:pPr>
+              <a:r>
+                <a:rPr kumimoji="1" lang="ja-JP" altLang="en-US" sz="600" b="0" i="0" u="none" strike="noStrike" kern="1200" cap="none" spc="0" normalizeH="0" baseline="0" noProof="0" dirty="0">
+                  <a:ln>
+                    <a:noFill/>
+                  </a:ln>
+                  <a:solidFill>
+                    <a:prstClr val="white"/>
+                  </a:solidFill>
+                  <a:effectLst/>
+                  <a:uLnTx/>
+                  <a:uFillTx/>
+                  <a:latin typeface="游ゴシック" panose="020F0502020204030204"/>
+                  <a:ea typeface="游ゴシック" panose="020B0400000000000000" pitchFamily="50" charset="-128"/>
+                  <a:cs typeface="+mn-cs"/>
+                </a:rPr>
+                <a:t>アイテム</a:t>
+              </a:r>
+            </a:p>
+          </p:txBody>
+        </p:sp>
+        <p:sp>
+          <p:nvSpPr>
+            <p:cNvPr id="51" name="正方形/長方形 50">
+              <a:extLst>
+                <a:ext uri="{FF2B5EF4-FFF2-40B4-BE49-F238E27FC236}">
+                  <a16:creationId xmlns:a16="http://schemas.microsoft.com/office/drawing/2014/main" id="{C7959C69-BE6E-4EFE-8448-2C1CBA25B072}"/>
+                </a:ext>
+              </a:extLst>
+            </p:cNvPr>
+            <p:cNvSpPr/>
+            <p:nvPr/>
+          </p:nvSpPr>
+          <p:spPr>
+            <a:xfrm>
+              <a:off x="8750746" y="5822233"/>
+              <a:ext cx="535384" cy="546807"/>
+            </a:xfrm>
+            <a:prstGeom prst="rect">
+              <a:avLst/>
+            </a:prstGeom>
+          </p:spPr>
+          <p:style>
+            <a:lnRef idx="2">
+              <a:schemeClr val="accent1">
+                <a:shade val="50000"/>
+              </a:schemeClr>
+            </a:lnRef>
+            <a:fillRef idx="1">
+              <a:schemeClr val="accent1"/>
+            </a:fillRef>
+            <a:effectRef idx="0">
+              <a:schemeClr val="accent1"/>
+            </a:effectRef>
+            <a:fontRef idx="minor">
+              <a:schemeClr val="lt1"/>
+            </a:fontRef>
+          </p:style>
+          <p:txBody>
+            <a:bodyPr rtlCol="0" anchor="ctr"/>
+            <a:lstStyle/>
+            <a:p>
+              <a:pPr algn="ctr"/>
+              <a:r>
+                <a:rPr kumimoji="1" lang="ja-JP" altLang="en-US" sz="600" dirty="0"/>
+                <a:t>アイテム</a:t>
+              </a:r>
+            </a:p>
+          </p:txBody>
+        </p:sp>
+      </p:grpSp>
+      <p:cxnSp>
+        <p:nvCxnSpPr>
+          <p:cNvPr id="53" name="直線矢印コネクタ 52">
+            <a:extLst>
+              <a:ext uri="{FF2B5EF4-FFF2-40B4-BE49-F238E27FC236}">
+                <a16:creationId xmlns:a16="http://schemas.microsoft.com/office/drawing/2014/main" id="{D20D32A8-0EB2-4F04-AD2B-D9E0580F4197}"/>
+              </a:ext>
+            </a:extLst>
+          </p:cNvPr>
+          <p:cNvCxnSpPr>
+            <a:cxnSpLocks/>
+          </p:cNvCxnSpPr>
+          <p:nvPr/>
+        </p:nvCxnSpPr>
+        <p:spPr>
+          <a:xfrm flipV="1">
+            <a:off x="1887415" y="2763837"/>
+            <a:ext cx="1629508" cy="679124"/>
+          </a:xfrm>
+          <a:prstGeom prst="straightConnector1">
+            <a:avLst/>
+          </a:prstGeom>
+          <a:ln w="28575">
+            <a:solidFill>
+              <a:srgbClr val="FF0000"/>
+            </a:solidFill>
+            <a:tailEnd type="triangle"/>
+          </a:ln>
+        </p:spPr>
+        <p:style>
+          <a:lnRef idx="1">
+            <a:schemeClr val="accent1"/>
+          </a:lnRef>
+          <a:fillRef idx="0">
+            <a:schemeClr val="accent1"/>
+          </a:fillRef>
+          <a:effectRef idx="0">
+            <a:schemeClr val="accent1"/>
+          </a:effectRef>
+          <a:fontRef idx="minor">
+            <a:schemeClr val="tx1"/>
+          </a:fontRef>
+        </p:style>
+      </p:cxnSp>
+      <p:sp>
+        <p:nvSpPr>
+          <p:cNvPr id="57" name="テキスト ボックス 56">
+            <a:extLst>
+              <a:ext uri="{FF2B5EF4-FFF2-40B4-BE49-F238E27FC236}">
+                <a16:creationId xmlns:a16="http://schemas.microsoft.com/office/drawing/2014/main" id="{71A34FF3-2B7C-4065-894E-0C89059FFCB5}"/>
+              </a:ext>
+            </a:extLst>
+          </p:cNvPr>
+          <p:cNvSpPr txBox="1"/>
+          <p:nvPr/>
+        </p:nvSpPr>
+        <p:spPr>
+          <a:xfrm>
+            <a:off x="317755" y="3426611"/>
+            <a:ext cx="1569660" cy="369332"/>
+          </a:xfrm>
+          <a:prstGeom prst="rect">
+            <a:avLst/>
+          </a:prstGeom>
+          <a:noFill/>
+        </p:spPr>
+        <p:txBody>
+          <a:bodyPr wrap="none" rtlCol="0">
+            <a:spAutoFit/>
+          </a:bodyPr>
+          <a:lstStyle/>
+          <a:p>
+            <a:r>
+              <a:rPr kumimoji="1" lang="ja-JP" altLang="en-US" dirty="0"/>
+              <a:t>攻撃ポイント</a:t>
+            </a:r>
+          </a:p>
+        </p:txBody>
+      </p:sp>
+      <p:sp>
+        <p:nvSpPr>
+          <p:cNvPr id="59" name="正方形/長方形 58">
+            <a:extLst>
+              <a:ext uri="{FF2B5EF4-FFF2-40B4-BE49-F238E27FC236}">
+                <a16:creationId xmlns:a16="http://schemas.microsoft.com/office/drawing/2014/main" id="{EAC0F46E-812C-4AB5-A111-BFD9FA2AFA51}"/>
+              </a:ext>
+            </a:extLst>
+          </p:cNvPr>
+          <p:cNvSpPr/>
+          <p:nvPr/>
+        </p:nvSpPr>
+        <p:spPr>
+          <a:xfrm>
+            <a:off x="3862891" y="6350970"/>
+            <a:ext cx="4576439" cy="130819"/>
+          </a:xfrm>
+          <a:prstGeom prst="rect">
+            <a:avLst/>
+          </a:prstGeom>
+        </p:spPr>
+        <p:style>
+          <a:lnRef idx="2">
+            <a:schemeClr val="accent4">
+              <a:shade val="50000"/>
+            </a:schemeClr>
+          </a:lnRef>
+          <a:fillRef idx="1">
+            <a:schemeClr val="accent4"/>
+          </a:fillRef>
+          <a:effectRef idx="0">
+            <a:schemeClr val="accent4"/>
+          </a:effectRef>
+          <a:fontRef idx="minor">
+            <a:schemeClr val="lt1"/>
+          </a:fontRef>
+        </p:style>
+        <p:txBody>
+          <a:bodyPr rtlCol="0" anchor="ctr"/>
+          <a:lstStyle/>
+          <a:p>
+            <a:pPr algn="ctr"/>
+            <a:endParaRPr kumimoji="1" lang="ja-JP" altLang="en-US"/>
+          </a:p>
+        </p:txBody>
+      </p:sp>
+      <p:sp>
+        <p:nvSpPr>
+          <p:cNvPr id="60" name="楕円 59">
+            <a:extLst>
+              <a:ext uri="{FF2B5EF4-FFF2-40B4-BE49-F238E27FC236}">
+                <a16:creationId xmlns:a16="http://schemas.microsoft.com/office/drawing/2014/main" id="{D2688CB1-E52F-4D82-B7C2-829611F71433}"/>
+              </a:ext>
+            </a:extLst>
+          </p:cNvPr>
+          <p:cNvSpPr/>
+          <p:nvPr/>
+        </p:nvSpPr>
+        <p:spPr>
+          <a:xfrm>
+            <a:off x="3156087" y="5848707"/>
+            <a:ext cx="642464" cy="655354"/>
+          </a:xfrm>
+          <a:prstGeom prst="ellipse">
+            <a:avLst/>
+          </a:prstGeom>
+        </p:spPr>
+        <p:style>
+          <a:lnRef idx="2">
+            <a:schemeClr val="accent1">
+              <a:shade val="50000"/>
+            </a:schemeClr>
+          </a:lnRef>
+          <a:fillRef idx="1">
+            <a:schemeClr val="accent1"/>
+          </a:fillRef>
+          <a:effectRef idx="0">
+            <a:schemeClr val="accent1"/>
+          </a:effectRef>
+          <a:fontRef idx="minor">
+            <a:schemeClr val="lt1"/>
+          </a:fontRef>
+        </p:style>
+        <p:txBody>
+          <a:bodyPr rtlCol="0" anchor="ctr"/>
+          <a:lstStyle/>
+          <a:p>
+            <a:pPr algn="ctr"/>
+            <a:r>
+              <a:rPr kumimoji="1" lang="ja-JP" altLang="en-US" dirty="0"/>
+              <a:t>敵</a:t>
+            </a:r>
+          </a:p>
+        </p:txBody>
+      </p:sp>
+    </p:spTree>
+    <p:extLst>
+      <p:ext uri="{BB962C8B-B14F-4D97-AF65-F5344CB8AC3E}">
+        <p14:creationId xmlns:p14="http://schemas.microsoft.com/office/powerpoint/2010/main" val="683097341"/>
+      </p:ext>
+    </p:extLst>
+  </p:cSld>
+  <p:clrMapOvr>
+    <a:masterClrMapping/>
+  </p:clrMapOvr>
+</p:sld>
+</file>
+
+<file path=ppt/slides/slide7.xml><?xml version="1.0" encoding="utf-8"?>
+<p:sld xmlns:a="http://schemas.openxmlformats.org/drawingml/2006/main" xmlns:r="http://schemas.openxmlformats.org/officeDocument/2006/relationships" xmlns:p="http://schemas.openxmlformats.org/presentationml/2006/main">
+  <p:cSld>
+    <p:spTree>
+      <p:nvGrpSpPr>
+        <p:cNvPr id="1" name=""/>
+        <p:cNvGrpSpPr/>
+        <p:nvPr/>
+      </p:nvGrpSpPr>
+      <p:grpSpPr>
+        <a:xfrm>
+          <a:off x="0" y="0"/>
+          <a:ext cx="0" cy="0"/>
+          <a:chOff x="0" y="0"/>
+          <a:chExt cx="0" cy="0"/>
+        </a:xfrm>
+      </p:grpSpPr>
+      <p:pic>
+        <p:nvPicPr>
+          <p:cNvPr id="4" name="図 3">
+            <a:extLst>
+              <a:ext uri="{FF2B5EF4-FFF2-40B4-BE49-F238E27FC236}">
+                <a16:creationId xmlns:a16="http://schemas.microsoft.com/office/drawing/2014/main" id="{8AE3077E-77C0-4A0C-904E-79E73CE6B156}"/>
+              </a:ext>
+            </a:extLst>
+          </p:cNvPr>
+          <p:cNvPicPr>
+            <a:picLocks noChangeAspect="1"/>
+          </p:cNvPicPr>
+          <p:nvPr/>
+        </p:nvPicPr>
+        <p:blipFill>
+          <a:blip r:embed="rId2">
+            <a:extLst>
+              <a:ext uri="{28A0092B-C50C-407E-A947-70E740481C1C}">
+                <a14:useLocalDpi xmlns:a14="http://schemas.microsoft.com/office/drawing/2010/main" val="0"/>
+              </a:ext>
+            </a:extLst>
+          </a:blip>
+          <a:stretch>
+            <a:fillRect/>
+          </a:stretch>
+        </p:blipFill>
+        <p:spPr>
+          <a:xfrm>
+            <a:off x="8340316" y="2684808"/>
+            <a:ext cx="3609677" cy="2175771"/>
+          </a:xfrm>
+          <a:prstGeom prst="rect">
+            <a:avLst/>
+          </a:prstGeom>
+        </p:spPr>
+      </p:pic>
+      <p:pic>
+        <p:nvPicPr>
+          <p:cNvPr id="5" name="図 4">
+            <a:extLst>
+              <a:ext uri="{FF2B5EF4-FFF2-40B4-BE49-F238E27FC236}">
+                <a16:creationId xmlns:a16="http://schemas.microsoft.com/office/drawing/2014/main" id="{3A0D63EB-598D-4EBB-97F7-EB57DCC96239}"/>
+              </a:ext>
+            </a:extLst>
+          </p:cNvPr>
+          <p:cNvPicPr>
+            <a:picLocks noChangeAspect="1"/>
+          </p:cNvPicPr>
+          <p:nvPr/>
+        </p:nvPicPr>
+        <p:blipFill>
+          <a:blip r:embed="rId3">
+            <a:extLst>
+              <a:ext uri="{28A0092B-C50C-407E-A947-70E740481C1C}">
+                <a14:useLocalDpi xmlns:a14="http://schemas.microsoft.com/office/drawing/2010/main" val="0"/>
+              </a:ext>
+            </a:extLst>
+          </a:blip>
+          <a:stretch>
+            <a:fillRect/>
+          </a:stretch>
+        </p:blipFill>
+        <p:spPr>
+          <a:xfrm>
+            <a:off x="226916" y="2684808"/>
+            <a:ext cx="3515037" cy="2116640"/>
+          </a:xfrm>
+          <a:prstGeom prst="rect">
+            <a:avLst/>
+          </a:prstGeom>
+        </p:spPr>
+      </p:pic>
+      <p:sp>
+        <p:nvSpPr>
+          <p:cNvPr id="6" name="テキスト ボックス 5">
+            <a:extLst>
+              <a:ext uri="{FF2B5EF4-FFF2-40B4-BE49-F238E27FC236}">
+                <a16:creationId xmlns:a16="http://schemas.microsoft.com/office/drawing/2014/main" id="{90355FCB-395A-41C9-97B6-F08131F305FE}"/>
+              </a:ext>
+            </a:extLst>
+          </p:cNvPr>
+          <p:cNvSpPr txBox="1"/>
+          <p:nvPr/>
+        </p:nvSpPr>
+        <p:spPr>
+          <a:xfrm>
+            <a:off x="226916" y="2255859"/>
+            <a:ext cx="1107996" cy="369332"/>
+          </a:xfrm>
+          <a:prstGeom prst="rect">
+            <a:avLst/>
+          </a:prstGeom>
+          <a:noFill/>
+        </p:spPr>
+        <p:txBody>
+          <a:bodyPr wrap="none" rtlCol="0">
+            <a:spAutoFit/>
+          </a:bodyPr>
+          <a:lstStyle/>
+          <a:p>
+            <a:r>
+              <a:rPr kumimoji="1" lang="ja-JP" altLang="en-US" dirty="0"/>
+              <a:t>通常攻撃</a:t>
+            </a:r>
+          </a:p>
+        </p:txBody>
+      </p:sp>
+      <p:pic>
+        <p:nvPicPr>
+          <p:cNvPr id="7" name="図 6">
+            <a:extLst>
+              <a:ext uri="{FF2B5EF4-FFF2-40B4-BE49-F238E27FC236}">
+                <a16:creationId xmlns:a16="http://schemas.microsoft.com/office/drawing/2014/main" id="{DC17B45E-69CF-4DEF-B535-8C7939A09185}"/>
+              </a:ext>
+            </a:extLst>
+          </p:cNvPr>
+          <p:cNvPicPr>
+            <a:picLocks noChangeAspect="1"/>
+          </p:cNvPicPr>
+          <p:nvPr/>
+        </p:nvPicPr>
+        <p:blipFill>
+          <a:blip r:embed="rId4">
+            <a:extLst>
+              <a:ext uri="{28A0092B-C50C-407E-A947-70E740481C1C}">
+                <a14:useLocalDpi xmlns:a14="http://schemas.microsoft.com/office/drawing/2010/main" val="0"/>
+              </a:ext>
+            </a:extLst>
+          </a:blip>
+          <a:stretch>
+            <a:fillRect/>
+          </a:stretch>
+        </p:blipFill>
+        <p:spPr>
+          <a:xfrm>
+            <a:off x="4338481" y="2684808"/>
+            <a:ext cx="3515037" cy="2098207"/>
+          </a:xfrm>
+          <a:prstGeom prst="rect">
+            <a:avLst/>
+          </a:prstGeom>
+        </p:spPr>
+      </p:pic>
+      <p:sp>
+        <p:nvSpPr>
+          <p:cNvPr id="8" name="テキスト ボックス 7">
+            <a:extLst>
+              <a:ext uri="{FF2B5EF4-FFF2-40B4-BE49-F238E27FC236}">
+                <a16:creationId xmlns:a16="http://schemas.microsoft.com/office/drawing/2014/main" id="{64F6AD1B-E6DD-44B5-8C9E-213D9F72FE0A}"/>
+              </a:ext>
+            </a:extLst>
+          </p:cNvPr>
+          <p:cNvSpPr txBox="1"/>
+          <p:nvPr/>
+        </p:nvSpPr>
+        <p:spPr>
+          <a:xfrm flipH="1">
+            <a:off x="4188151" y="2196242"/>
+            <a:ext cx="902677" cy="369332"/>
+          </a:xfrm>
+          <a:prstGeom prst="rect">
+            <a:avLst/>
+          </a:prstGeom>
+          <a:noFill/>
+        </p:spPr>
+        <p:txBody>
+          <a:bodyPr wrap="square" rtlCol="0">
+            <a:spAutoFit/>
+          </a:bodyPr>
+          <a:lstStyle/>
+          <a:p>
+            <a:r>
+              <a:rPr kumimoji="1" lang="ja-JP" altLang="en-US" dirty="0"/>
+              <a:t>罠攻撃</a:t>
+            </a:r>
+          </a:p>
+        </p:txBody>
+      </p:sp>
+      <p:sp>
+        <p:nvSpPr>
+          <p:cNvPr id="9" name="テキスト ボックス 8">
+            <a:extLst>
+              <a:ext uri="{FF2B5EF4-FFF2-40B4-BE49-F238E27FC236}">
+                <a16:creationId xmlns:a16="http://schemas.microsoft.com/office/drawing/2014/main" id="{272911A8-7AD9-4409-B03E-C61BAC977291}"/>
+              </a:ext>
+            </a:extLst>
+          </p:cNvPr>
+          <p:cNvSpPr txBox="1"/>
+          <p:nvPr/>
+        </p:nvSpPr>
+        <p:spPr>
+          <a:xfrm>
+            <a:off x="8295925" y="2255859"/>
+            <a:ext cx="1107996" cy="369332"/>
+          </a:xfrm>
+          <a:prstGeom prst="rect">
+            <a:avLst/>
+          </a:prstGeom>
+          <a:noFill/>
+        </p:spPr>
+        <p:txBody>
+          <a:bodyPr wrap="none" rtlCol="0">
+            <a:spAutoFit/>
+          </a:bodyPr>
+          <a:lstStyle/>
+          <a:p>
+            <a:r>
+              <a:rPr kumimoji="1" lang="ja-JP" altLang="en-US" dirty="0"/>
+              <a:t>集中砲火</a:t>
+            </a:r>
+          </a:p>
+        </p:txBody>
+      </p:sp>
+      <p:sp>
+        <p:nvSpPr>
+          <p:cNvPr id="10" name="テキスト ボックス 9">
+            <a:extLst>
+              <a:ext uri="{FF2B5EF4-FFF2-40B4-BE49-F238E27FC236}">
+                <a16:creationId xmlns:a16="http://schemas.microsoft.com/office/drawing/2014/main" id="{1D603F1D-5A9A-4E8D-8CB8-C3C243383ACD}"/>
+              </a:ext>
+            </a:extLst>
+          </p:cNvPr>
+          <p:cNvSpPr txBox="1"/>
+          <p:nvPr/>
+        </p:nvSpPr>
+        <p:spPr>
+          <a:xfrm>
+            <a:off x="226916" y="202592"/>
+            <a:ext cx="2492990" cy="646331"/>
+          </a:xfrm>
+          <a:prstGeom prst="rect">
+            <a:avLst/>
+          </a:prstGeom>
+          <a:noFill/>
+        </p:spPr>
+        <p:txBody>
+          <a:bodyPr wrap="none" rtlCol="0">
+            <a:spAutoFit/>
+          </a:bodyPr>
+          <a:lstStyle/>
+          <a:p>
+            <a:r>
+              <a:rPr kumimoji="1" lang="ja-JP" altLang="en-US" sz="3600" dirty="0"/>
+              <a:t>ゲーム画面</a:t>
+            </a:r>
+          </a:p>
+        </p:txBody>
+      </p:sp>
+      <p:sp>
+        <p:nvSpPr>
+          <p:cNvPr id="11" name="テキスト ボックス 10">
+            <a:extLst>
+              <a:ext uri="{FF2B5EF4-FFF2-40B4-BE49-F238E27FC236}">
+                <a16:creationId xmlns:a16="http://schemas.microsoft.com/office/drawing/2014/main" id="{503F1C37-3E66-4D16-AA72-D8FE942290B5}"/>
+              </a:ext>
+            </a:extLst>
+          </p:cNvPr>
+          <p:cNvSpPr txBox="1"/>
+          <p:nvPr/>
+        </p:nvSpPr>
+        <p:spPr>
+          <a:xfrm>
+            <a:off x="5311170" y="1353015"/>
+            <a:ext cx="1569660" cy="369332"/>
+          </a:xfrm>
+          <a:prstGeom prst="rect">
+            <a:avLst/>
+          </a:prstGeom>
+          <a:noFill/>
+        </p:spPr>
+        <p:txBody>
+          <a:bodyPr wrap="none" rtlCol="0">
+            <a:spAutoFit/>
+          </a:bodyPr>
+          <a:lstStyle/>
+          <a:p>
+            <a:r>
+              <a:rPr kumimoji="1" lang="ja-JP" altLang="en-US" dirty="0"/>
+              <a:t>攻撃パターン</a:t>
+            </a:r>
+          </a:p>
+        </p:txBody>
+      </p:sp>
+      <p:sp>
+        <p:nvSpPr>
+          <p:cNvPr id="12" name="テキスト ボックス 11">
+            <a:extLst>
+              <a:ext uri="{FF2B5EF4-FFF2-40B4-BE49-F238E27FC236}">
+                <a16:creationId xmlns:a16="http://schemas.microsoft.com/office/drawing/2014/main" id="{7520B902-9350-45F2-8097-AB5F9B3B8DBE}"/>
+              </a:ext>
+            </a:extLst>
+          </p:cNvPr>
+          <p:cNvSpPr txBox="1"/>
+          <p:nvPr/>
+        </p:nvSpPr>
+        <p:spPr>
+          <a:xfrm>
+            <a:off x="130630" y="5500124"/>
+            <a:ext cx="4057521" cy="923330"/>
+          </a:xfrm>
+          <a:prstGeom prst="rect">
+            <a:avLst/>
+          </a:prstGeom>
+          <a:noFill/>
+        </p:spPr>
+        <p:txBody>
+          <a:bodyPr wrap="none" rtlCol="0">
+            <a:spAutoFit/>
+          </a:bodyPr>
+          <a:lstStyle/>
+          <a:p>
+            <a:r>
+              <a:rPr kumimoji="1" lang="en-US" altLang="ja-JP" dirty="0"/>
+              <a:t>Y</a:t>
+            </a:r>
+            <a:r>
+              <a:rPr kumimoji="1" lang="ja-JP" altLang="en-US" dirty="0"/>
+              <a:t>ボタンで通常攻撃</a:t>
+            </a:r>
+            <a:endParaRPr kumimoji="1" lang="en-US" altLang="ja-JP" dirty="0"/>
+          </a:p>
+          <a:p>
+            <a:r>
+              <a:rPr lang="en-US" altLang="ja-JP" dirty="0"/>
+              <a:t>()</a:t>
+            </a:r>
+            <a:r>
+              <a:rPr lang="ja-JP" altLang="en-US" dirty="0"/>
+              <a:t>で使用武器の切り替えができる</a:t>
+            </a:r>
+            <a:endParaRPr lang="en-US" altLang="ja-JP" dirty="0"/>
+          </a:p>
+          <a:p>
+            <a:r>
+              <a:rPr kumimoji="1" lang="en-US" altLang="ja-JP" dirty="0"/>
+              <a:t>()</a:t>
+            </a:r>
+            <a:r>
+              <a:rPr kumimoji="1" lang="ja-JP" altLang="en-US" dirty="0"/>
+              <a:t>を押している間敵をロックオンする</a:t>
+            </a:r>
+          </a:p>
+        </p:txBody>
+      </p:sp>
+      <p:sp>
+        <p:nvSpPr>
+          <p:cNvPr id="13" name="テキスト ボックス 12">
+            <a:extLst>
+              <a:ext uri="{FF2B5EF4-FFF2-40B4-BE49-F238E27FC236}">
+                <a16:creationId xmlns:a16="http://schemas.microsoft.com/office/drawing/2014/main" id="{1F04BFBD-4CF2-4F68-92EE-1C10D93DD35B}"/>
+              </a:ext>
+            </a:extLst>
+          </p:cNvPr>
+          <p:cNvSpPr txBox="1"/>
+          <p:nvPr/>
+        </p:nvSpPr>
+        <p:spPr>
+          <a:xfrm>
+            <a:off x="4413487" y="5502125"/>
+            <a:ext cx="3365024" cy="646331"/>
+          </a:xfrm>
+          <a:prstGeom prst="rect">
+            <a:avLst/>
+          </a:prstGeom>
+          <a:noFill/>
+        </p:spPr>
+        <p:txBody>
+          <a:bodyPr wrap="none" rtlCol="0">
+            <a:spAutoFit/>
+          </a:bodyPr>
+          <a:lstStyle/>
+          <a:p>
+            <a:r>
+              <a:rPr kumimoji="1" lang="en-US" altLang="ja-JP" dirty="0"/>
+              <a:t>A</a:t>
+            </a:r>
+            <a:r>
+              <a:rPr kumimoji="1" lang="ja-JP" altLang="en-US" dirty="0"/>
+              <a:t>ボタンで罠を仕掛ける</a:t>
+            </a:r>
+            <a:endParaRPr kumimoji="1" lang="en-US" altLang="ja-JP" dirty="0"/>
+          </a:p>
+          <a:p>
+            <a:r>
+              <a:rPr lang="en-US" altLang="ja-JP" dirty="0"/>
+              <a:t>()</a:t>
+            </a:r>
+            <a:r>
+              <a:rPr lang="ja-JP" altLang="en-US" dirty="0"/>
+              <a:t>で使用罠の切り替えができる</a:t>
+            </a:r>
+            <a:endParaRPr kumimoji="1" lang="ja-JP" altLang="en-US" dirty="0"/>
+          </a:p>
+        </p:txBody>
+      </p:sp>
+      <p:sp>
+        <p:nvSpPr>
+          <p:cNvPr id="14" name="テキスト ボックス 13">
+            <a:extLst>
+              <a:ext uri="{FF2B5EF4-FFF2-40B4-BE49-F238E27FC236}">
+                <a16:creationId xmlns:a16="http://schemas.microsoft.com/office/drawing/2014/main" id="{5CC2CA8F-54DB-4E59-A27E-5FA118240FB2}"/>
+              </a:ext>
+            </a:extLst>
+          </p:cNvPr>
+          <p:cNvSpPr txBox="1"/>
+          <p:nvPr/>
+        </p:nvSpPr>
+        <p:spPr>
+          <a:xfrm>
+            <a:off x="8295925" y="5504985"/>
+            <a:ext cx="3565400" cy="923330"/>
+          </a:xfrm>
+          <a:prstGeom prst="rect">
+            <a:avLst/>
+          </a:prstGeom>
+          <a:noFill/>
+        </p:spPr>
+        <p:txBody>
+          <a:bodyPr wrap="none" rtlCol="0">
+            <a:spAutoFit/>
+          </a:bodyPr>
+          <a:lstStyle/>
+          <a:p>
+            <a:r>
+              <a:rPr kumimoji="1" lang="ja-JP" altLang="en-US" dirty="0"/>
+              <a:t>敵が罠にかかっている間に</a:t>
+            </a:r>
+            <a:endParaRPr kumimoji="1" lang="en-US" altLang="ja-JP" dirty="0"/>
+          </a:p>
+          <a:p>
+            <a:r>
+              <a:rPr lang="ja-JP" altLang="en-US" dirty="0"/>
+              <a:t>ロックオンをすると</a:t>
+            </a:r>
+            <a:endParaRPr lang="en-US" altLang="ja-JP" dirty="0"/>
+          </a:p>
+          <a:p>
+            <a:r>
+              <a:rPr kumimoji="1" lang="en-US" altLang="ja-JP" dirty="0"/>
+              <a:t>Y</a:t>
+            </a:r>
+            <a:r>
+              <a:rPr kumimoji="1" lang="ja-JP" altLang="en-US" dirty="0"/>
+              <a:t>ボタン連打で集中砲火ができる</a:t>
+            </a:r>
+          </a:p>
+        </p:txBody>
+      </p:sp>
+    </p:spTree>
+    <p:extLst>
+      <p:ext uri="{BB962C8B-B14F-4D97-AF65-F5344CB8AC3E}">
+        <p14:creationId xmlns:p14="http://schemas.microsoft.com/office/powerpoint/2010/main" val="632981172"/>
       </p:ext>
     </p:extLst>
   </p:cSld>
@@ -3984,4 +6505,299 @@
     </a:ext>
   </a:extLst>
 </a:theme>
+</file>
+
+<file path=ppt/theme/theme2.xml><?xml version="1.0" encoding="utf-8"?>
+<a:theme xmlns:a="http://schemas.openxmlformats.org/drawingml/2006/main" name="Office テーマ">
+  <a:themeElements>
+    <a:clrScheme name="Office">
+      <a:dk1>
+        <a:sysClr val="windowText" lastClr="000000"/>
+      </a:dk1>
+      <a:lt1>
+        <a:sysClr val="window" lastClr="FFFFFF"/>
+      </a:lt1>
+      <a:dk2>
+        <a:srgbClr val="44546A"/>
+      </a:dk2>
+      <a:lt2>
+        <a:srgbClr val="E7E6E6"/>
+      </a:lt2>
+      <a:accent1>
+        <a:srgbClr val="4472C4"/>
+      </a:accent1>
+      <a:accent2>
+        <a:srgbClr val="ED7D31"/>
+      </a:accent2>
+      <a:accent3>
+        <a:srgbClr val="A5A5A5"/>
+      </a:accent3>
+      <a:accent4>
+        <a:srgbClr val="FFC000"/>
+      </a:accent4>
+      <a:accent5>
+        <a:srgbClr val="5B9BD5"/>
+      </a:accent5>
+      <a:accent6>
+        <a:srgbClr val="70AD47"/>
+      </a:accent6>
+      <a:hlink>
+        <a:srgbClr val="0563C1"/>
+      </a:hlink>
+      <a:folHlink>
+        <a:srgbClr val="954F72"/>
+      </a:folHlink>
+    </a:clrScheme>
+    <a:fontScheme name="Office">
+      <a:majorFont>
+        <a:latin typeface="游ゴシック Light" panose="020F0302020204030204"/>
+        <a:ea typeface=""/>
+        <a:cs typeface=""/>
+        <a:font script="Jpan" typeface="游ゴシック Light"/>
+        <a:font script="Hang" typeface="맑은 고딕"/>
+        <a:font script="Hans" typeface="等线 Light"/>
+        <a:font script="Hant" typeface="新細明體"/>
+        <a:font script="Arab" typeface="Times New Roman"/>
+        <a:font script="Hebr" typeface="Times New Roman"/>
+        <a:font script="Thai" typeface="Angsana New"/>
+        <a:font script="Ethi" typeface="Nyala"/>
+        <a:font script="Beng" typeface="Vrinda"/>
+        <a:font script="Gujr" typeface="Shruti"/>
+        <a:font script="Khmr" typeface="MoolBoran"/>
+        <a:font script="Knda" typeface="Tunga"/>
+        <a:font script="Guru" typeface="Raavi"/>
+        <a:font script="Cans" typeface="Euphemia"/>
+        <a:font script="Cher" typeface="Plantagenet Cherokee"/>
+        <a:font script="Yiii" typeface="Microsoft Yi Baiti"/>
+        <a:font script="Tibt" typeface="Microsoft Himalaya"/>
+        <a:font script="Thaa" typeface="MV Boli"/>
+        <a:font script="Deva" typeface="Mangal"/>
+        <a:font script="Telu" typeface="Gautami"/>
+        <a:font script="Taml" typeface="Latha"/>
+        <a:font script="Syrc" typeface="Estrangelo Edessa"/>
+        <a:font script="Orya" typeface="Kalinga"/>
+        <a:font script="Mlym" typeface="Kartika"/>
+        <a:font script="Laoo" typeface="DokChampa"/>
+        <a:font script="Sinh" typeface="Iskoola Pota"/>
+        <a:font script="Mong" typeface="Mongolian Baiti"/>
+        <a:font script="Viet" typeface="Times New Roman"/>
+        <a:font script="Uigh" typeface="Microsoft Uighur"/>
+        <a:font script="Geor" typeface="Sylfaen"/>
+        <a:font script="Armn" typeface="Arial"/>
+        <a:font script="Bugi" typeface="Leelawadee UI"/>
+        <a:font script="Bopo" typeface="Microsoft JhengHei"/>
+        <a:font script="Java" typeface="Javanese Text"/>
+        <a:font script="Lisu" typeface="Segoe UI"/>
+        <a:font script="Mymr" typeface="Myanmar Text"/>
+        <a:font script="Nkoo" typeface="Ebrima"/>
+        <a:font script="Olck" typeface="Nirmala UI"/>
+        <a:font script="Osma" typeface="Ebrima"/>
+        <a:font script="Phag" typeface="Phagspa"/>
+        <a:font script="Syrn" typeface="Estrangelo Edessa"/>
+        <a:font script="Syrj" typeface="Estrangelo Edessa"/>
+        <a:font script="Syre" typeface="Estrangelo Edessa"/>
+        <a:font script="Sora" typeface="Nirmala UI"/>
+        <a:font script="Tale" typeface="Microsoft Tai Le"/>
+        <a:font script="Talu" typeface="Microsoft New Tai Lue"/>
+        <a:font script="Tfng" typeface="Ebrima"/>
+      </a:majorFont>
+      <a:minorFont>
+        <a:latin typeface="游ゴシック" panose="020F0502020204030204"/>
+        <a:ea typeface=""/>
+        <a:cs typeface=""/>
+        <a:font script="Jpan" typeface="游ゴシック"/>
+        <a:font script="Hang" typeface="맑은 고딕"/>
+        <a:font script="Hans" typeface="等线"/>
+        <a:font script="Hant" typeface="新細明體"/>
+        <a:font script="Arab" typeface="Arial"/>
+        <a:font script="Hebr" typeface="Arial"/>
+        <a:font script="Thai" typeface="Cordia New"/>
+        <a:font script="Ethi" typeface="Nyala"/>
+        <a:font script="Beng" typeface="Vrinda"/>
+        <a:font script="Gujr" typeface="Shruti"/>
+        <a:font script="Khmr" typeface="DaunPenh"/>
+        <a:font script="Knda" typeface="Tunga"/>
+        <a:font script="Guru" typeface="Raavi"/>
+        <a:font script="Cans" typeface="Euphemia"/>
+        <a:font script="Cher" typeface="Plantagenet Cherokee"/>
+        <a:font script="Yiii" typeface="Microsoft Yi Baiti"/>
+        <a:font script="Tibt" typeface="Microsoft Himalaya"/>
+        <a:font script="Thaa" typeface="MV Boli"/>
+        <a:font script="Deva" typeface="Mangal"/>
+        <a:font script="Telu" typeface="Gautami"/>
+        <a:font script="Taml" typeface="Latha"/>
+        <a:font script="Syrc" typeface="Estrangelo Edessa"/>
+        <a:font script="Orya" typeface="Kalinga"/>
+        <a:font script="Mlym" typeface="Kartika"/>
+        <a:font script="Laoo" typeface="DokChampa"/>
+        <a:font script="Sinh" typeface="Iskoola Pota"/>
+        <a:font script="Mong" typeface="Mongolian Baiti"/>
+        <a:font script="Viet" typeface="Arial"/>
+        <a:font script="Uigh" typeface="Microsoft Uighur"/>
+        <a:font script="Geor" typeface="Sylfaen"/>
+        <a:font script="Armn" typeface="Arial"/>
+        <a:font script="Bugi" typeface="Leelawadee UI"/>
+        <a:font script="Bopo" typeface="Microsoft JhengHei"/>
+        <a:font script="Java" typeface="Javanese Text"/>
+        <a:font script="Lisu" typeface="Segoe UI"/>
+        <a:font script="Mymr" typeface="Myanmar Text"/>
+        <a:font script="Nkoo" typeface="Ebrima"/>
+        <a:font script="Olck" typeface="Nirmala UI"/>
+        <a:font script="Osma" typeface="Ebrima"/>
+        <a:font script="Phag" typeface="Phagspa"/>
+        <a:font script="Syrn" typeface="Estrangelo Edessa"/>
+        <a:font script="Syrj" typeface="Estrangelo Edessa"/>
+        <a:font script="Syre" typeface="Estrangelo Edessa"/>
+        <a:font script="Sora" typeface="Nirmala UI"/>
+        <a:font script="Tale" typeface="Microsoft Tai Le"/>
+        <a:font script="Talu" typeface="Microsoft New Tai Lue"/>
+        <a:font script="Tfng" typeface="Ebrima"/>
+      </a:minorFont>
+    </a:fontScheme>
+    <a:fmtScheme name="Office">
+      <a:fillStyleLst>
+        <a:solidFill>
+          <a:schemeClr val="phClr"/>
+        </a:solidFill>
+        <a:gradFill rotWithShape="1">
+          <a:gsLst>
+            <a:gs pos="0">
+              <a:schemeClr val="phClr">
+                <a:lumMod val="110000"/>
+                <a:satMod val="105000"/>
+                <a:tint val="67000"/>
+              </a:schemeClr>
+            </a:gs>
+            <a:gs pos="50000">
+              <a:schemeClr val="phClr">
+                <a:lumMod val="105000"/>
+                <a:satMod val="103000"/>
+                <a:tint val="73000"/>
+              </a:schemeClr>
+            </a:gs>
+            <a:gs pos="100000">
+              <a:schemeClr val="phClr">
+                <a:lumMod val="105000"/>
+                <a:satMod val="109000"/>
+                <a:tint val="81000"/>
+              </a:schemeClr>
+            </a:gs>
+          </a:gsLst>
+          <a:lin ang="5400000" scaled="0"/>
+        </a:gradFill>
+        <a:gradFill rotWithShape="1">
+          <a:gsLst>
+            <a:gs pos="0">
+              <a:schemeClr val="phClr">
+                <a:satMod val="103000"/>
+                <a:lumMod val="102000"/>
+                <a:tint val="94000"/>
+              </a:schemeClr>
+            </a:gs>
+            <a:gs pos="50000">
+              <a:schemeClr val="phClr">
+                <a:satMod val="110000"/>
+                <a:lumMod val="100000"/>
+                <a:shade val="100000"/>
+              </a:schemeClr>
+            </a:gs>
+            <a:gs pos="100000">
+              <a:schemeClr val="phClr">
+                <a:lumMod val="99000"/>
+                <a:satMod val="120000"/>
+                <a:shade val="78000"/>
+              </a:schemeClr>
+            </a:gs>
+          </a:gsLst>
+          <a:lin ang="5400000" scaled="0"/>
+        </a:gradFill>
+      </a:fillStyleLst>
+      <a:lnStyleLst>
+        <a:ln w="6350" cap="flat" cmpd="sng" algn="ctr">
+          <a:solidFill>
+            <a:schemeClr val="phClr"/>
+          </a:solidFill>
+          <a:prstDash val="solid"/>
+          <a:miter lim="800000"/>
+        </a:ln>
+        <a:ln w="12700" cap="flat" cmpd="sng" algn="ctr">
+          <a:solidFill>
+            <a:schemeClr val="phClr"/>
+          </a:solidFill>
+          <a:prstDash val="solid"/>
+          <a:miter lim="800000"/>
+        </a:ln>
+        <a:ln w="19050" cap="flat" cmpd="sng" algn="ctr">
+          <a:solidFill>
+            <a:schemeClr val="phClr"/>
+          </a:solidFill>
+          <a:prstDash val="solid"/>
+          <a:miter lim="800000"/>
+        </a:ln>
+      </a:lnStyleLst>
+      <a:effectStyleLst>
+        <a:effectStyle>
+          <a:effectLst/>
+        </a:effectStyle>
+        <a:effectStyle>
+          <a:effectLst/>
+        </a:effectStyle>
+        <a:effectStyle>
+          <a:effectLst>
+            <a:outerShdw blurRad="57150" dist="19050" dir="5400000" algn="ctr" rotWithShape="0">
+              <a:srgbClr val="000000">
+                <a:alpha val="63000"/>
+              </a:srgbClr>
+            </a:outerShdw>
+          </a:effectLst>
+        </a:effectStyle>
+      </a:effectStyleLst>
+      <a:bgFillStyleLst>
+        <a:solidFill>
+          <a:schemeClr val="phClr"/>
+        </a:solidFill>
+        <a:solidFill>
+          <a:schemeClr val="phClr">
+            <a:tint val="95000"/>
+            <a:satMod val="170000"/>
+          </a:schemeClr>
+        </a:solidFill>
+        <a:gradFill rotWithShape="1">
+          <a:gsLst>
+            <a:gs pos="0">
+              <a:schemeClr val="phClr">
+                <a:tint val="93000"/>
+                <a:satMod val="150000"/>
+                <a:shade val="98000"/>
+                <a:lumMod val="102000"/>
+              </a:schemeClr>
+            </a:gs>
+            <a:gs pos="50000">
+              <a:schemeClr val="phClr">
+                <a:tint val="98000"/>
+                <a:satMod val="130000"/>
+                <a:shade val="90000"/>
+                <a:lumMod val="103000"/>
+              </a:schemeClr>
+            </a:gs>
+            <a:gs pos="100000">
+              <a:schemeClr val="phClr">
+                <a:shade val="63000"/>
+                <a:satMod val="120000"/>
+              </a:schemeClr>
+            </a:gs>
+          </a:gsLst>
+          <a:lin ang="5400000" scaled="0"/>
+        </a:gradFill>
+      </a:bgFillStyleLst>
+    </a:fmtScheme>
+  </a:themeElements>
+  <a:objectDefaults/>
+  <a:extraClrSchemeLst/>
+  <a:extLst>
+    <a:ext uri="{05A4C25C-085E-4340-85A3-A5531E510DB2}">
+      <thm15:themeFamily xmlns:thm15="http://schemas.microsoft.com/office/thememl/2012/main" name="Office Theme" id="{62F939B6-93AF-4DB8-9C6B-D6C7DFDC589F}" vid="{4A3C46E8-61CC-4603-A589-7422A47A8E4A}"/>
+    </a:ext>
+  </a:extLst>
+</a:theme>
 </file>
--- a/3DGame_3_NamelessGame/NamelessGame_企画書.pptx
+++ b/3DGame_3_NamelessGame/NamelessGame_企画書.pptx
@@ -215,7 +215,7 @@
           <a:p>
             <a:fld id="{4B44C13B-4146-4F19-917C-9AB4DC0B462B}" type="datetimeFigureOut">
               <a:rPr kumimoji="1" lang="ja-JP" altLang="en-US" smtClean="0"/>
-              <a:t>2024/9/19</a:t>
+              <a:t>2024/9/20</a:t>
             </a:fld>
             <a:endParaRPr kumimoji="1" lang="ja-JP" altLang="en-US"/>
           </a:p>
@@ -661,7 +661,7 @@
           <a:p>
             <a:fld id="{DC4D95AC-18C1-46E4-B41F-A2EDA7BB3CE2}" type="datetimeFigureOut">
               <a:rPr kumimoji="1" lang="ja-JP" altLang="en-US" smtClean="0"/>
-              <a:t>2024/9/19</a:t>
+              <a:t>2024/9/20</a:t>
             </a:fld>
             <a:endParaRPr kumimoji="1" lang="ja-JP" altLang="en-US"/>
           </a:p>
@@ -891,7 +891,7 @@
           <a:p>
             <a:fld id="{DC4D95AC-18C1-46E4-B41F-A2EDA7BB3CE2}" type="datetimeFigureOut">
               <a:rPr kumimoji="1" lang="ja-JP" altLang="en-US" smtClean="0"/>
-              <a:t>2024/9/19</a:t>
+              <a:t>2024/9/20</a:t>
             </a:fld>
             <a:endParaRPr kumimoji="1" lang="ja-JP" altLang="en-US"/>
           </a:p>
@@ -1131,7 +1131,7 @@
           <a:p>
             <a:fld id="{DC4D95AC-18C1-46E4-B41F-A2EDA7BB3CE2}" type="datetimeFigureOut">
               <a:rPr kumimoji="1" lang="ja-JP" altLang="en-US" smtClean="0"/>
-              <a:t>2024/9/19</a:t>
+              <a:t>2024/9/20</a:t>
             </a:fld>
             <a:endParaRPr kumimoji="1" lang="ja-JP" altLang="en-US"/>
           </a:p>
@@ -1361,7 +1361,7 @@
           <a:p>
             <a:fld id="{DC4D95AC-18C1-46E4-B41F-A2EDA7BB3CE2}" type="datetimeFigureOut">
               <a:rPr kumimoji="1" lang="ja-JP" altLang="en-US" smtClean="0"/>
-              <a:t>2024/9/19</a:t>
+              <a:t>2024/9/20</a:t>
             </a:fld>
             <a:endParaRPr kumimoji="1" lang="ja-JP" altLang="en-US"/>
           </a:p>
@@ -1636,7 +1636,7 @@
           <a:p>
             <a:fld id="{DC4D95AC-18C1-46E4-B41F-A2EDA7BB3CE2}" type="datetimeFigureOut">
               <a:rPr kumimoji="1" lang="ja-JP" altLang="en-US" smtClean="0"/>
-              <a:t>2024/9/19</a:t>
+              <a:t>2024/9/20</a:t>
             </a:fld>
             <a:endParaRPr kumimoji="1" lang="ja-JP" altLang="en-US"/>
           </a:p>
@@ -1965,7 +1965,7 @@
           <a:p>
             <a:fld id="{DC4D95AC-18C1-46E4-B41F-A2EDA7BB3CE2}" type="datetimeFigureOut">
               <a:rPr kumimoji="1" lang="ja-JP" altLang="en-US" smtClean="0"/>
-              <a:t>2024/9/19</a:t>
+              <a:t>2024/9/20</a:t>
             </a:fld>
             <a:endParaRPr kumimoji="1" lang="ja-JP" altLang="en-US"/>
           </a:p>
@@ -2441,7 +2441,7 @@
           <a:p>
             <a:fld id="{DC4D95AC-18C1-46E4-B41F-A2EDA7BB3CE2}" type="datetimeFigureOut">
               <a:rPr kumimoji="1" lang="ja-JP" altLang="en-US" smtClean="0"/>
-              <a:t>2024/9/19</a:t>
+              <a:t>2024/9/20</a:t>
             </a:fld>
             <a:endParaRPr kumimoji="1" lang="ja-JP" altLang="en-US"/>
           </a:p>
@@ -2582,7 +2582,7 @@
           <a:p>
             <a:fld id="{DC4D95AC-18C1-46E4-B41F-A2EDA7BB3CE2}" type="datetimeFigureOut">
               <a:rPr kumimoji="1" lang="ja-JP" altLang="en-US" smtClean="0"/>
-              <a:t>2024/9/19</a:t>
+              <a:t>2024/9/20</a:t>
             </a:fld>
             <a:endParaRPr kumimoji="1" lang="ja-JP" altLang="en-US"/>
           </a:p>
@@ -2695,7 +2695,7 @@
           <a:p>
             <a:fld id="{DC4D95AC-18C1-46E4-B41F-A2EDA7BB3CE2}" type="datetimeFigureOut">
               <a:rPr kumimoji="1" lang="ja-JP" altLang="en-US" smtClean="0"/>
-              <a:t>2024/9/19</a:t>
+              <a:t>2024/9/20</a:t>
             </a:fld>
             <a:endParaRPr kumimoji="1" lang="ja-JP" altLang="en-US"/>
           </a:p>
@@ -3038,7 +3038,7 @@
           <a:p>
             <a:fld id="{DC4D95AC-18C1-46E4-B41F-A2EDA7BB3CE2}" type="datetimeFigureOut">
               <a:rPr kumimoji="1" lang="ja-JP" altLang="en-US" smtClean="0"/>
-              <a:t>2024/9/19</a:t>
+              <a:t>2024/9/20</a:t>
             </a:fld>
             <a:endParaRPr kumimoji="1" lang="ja-JP" altLang="en-US"/>
           </a:p>
@@ -3326,7 +3326,7 @@
           <a:p>
             <a:fld id="{DC4D95AC-18C1-46E4-B41F-A2EDA7BB3CE2}" type="datetimeFigureOut">
               <a:rPr kumimoji="1" lang="ja-JP" altLang="en-US" smtClean="0"/>
-              <a:t>2024/9/19</a:t>
+              <a:t>2024/9/20</a:t>
             </a:fld>
             <a:endParaRPr kumimoji="1" lang="ja-JP" altLang="en-US"/>
           </a:p>
@@ -3599,7 +3599,7 @@
           <a:p>
             <a:fld id="{DC4D95AC-18C1-46E4-B41F-A2EDA7BB3CE2}" type="datetimeFigureOut">
               <a:rPr kumimoji="1" lang="ja-JP" altLang="en-US" smtClean="0"/>
-              <a:t>2024/9/19</a:t>
+              <a:t>2024/9/20</a:t>
             </a:fld>
             <a:endParaRPr kumimoji="1" lang="ja-JP" altLang="en-US"/>
           </a:p>
@@ -4889,7 +4889,7 @@
         </p:blipFill>
         <p:spPr>
           <a:xfrm>
-            <a:off x="2315987" y="1809726"/>
+            <a:off x="2207730" y="1563743"/>
             <a:ext cx="8071159" cy="4780610"/>
           </a:xfrm>
           <a:prstGeom prst="rect">
@@ -4913,7 +4913,7 @@
         </p:nvCxnSpPr>
         <p:spPr>
           <a:xfrm flipV="1">
-            <a:off x="1358060" y="2306031"/>
+            <a:off x="1341743" y="1977741"/>
             <a:ext cx="893587" cy="100891"/>
           </a:xfrm>
           <a:prstGeom prst="straightConnector1">
@@ -4957,8 +4957,8 @@
         </p:nvCxnSpPr>
         <p:spPr>
           <a:xfrm flipH="1">
-            <a:off x="10046458" y="937397"/>
-            <a:ext cx="405028" cy="1365142"/>
+            <a:off x="10129472" y="937397"/>
+            <a:ext cx="322014" cy="1194016"/>
           </a:xfrm>
           <a:prstGeom prst="straightConnector1">
             <a:avLst/>
@@ -5001,8 +5001,8 @@
         </p:nvCxnSpPr>
         <p:spPr>
           <a:xfrm flipH="1" flipV="1">
-            <a:off x="9396968" y="3203331"/>
-            <a:ext cx="1112282" cy="225669"/>
+            <a:off x="9339204" y="2910722"/>
+            <a:ext cx="1358878" cy="192677"/>
           </a:xfrm>
           <a:prstGeom prst="straightConnector1">
             <a:avLst/>
@@ -5045,8 +5045,8 @@
         </p:nvCxnSpPr>
         <p:spPr>
           <a:xfrm>
-            <a:off x="3084189" y="1287939"/>
-            <a:ext cx="646846" cy="572074"/>
+            <a:off x="3309981" y="1404035"/>
+            <a:ext cx="578821" cy="201628"/>
           </a:xfrm>
           <a:prstGeom prst="straightConnector1">
             <a:avLst/>
@@ -5084,13 +5084,12 @@
           </p:cNvPr>
           <p:cNvCxnSpPr>
             <a:cxnSpLocks/>
-            <a:stCxn id="32" idx="2"/>
           </p:cNvCxnSpPr>
           <p:nvPr/>
         </p:nvCxnSpPr>
         <p:spPr>
           <a:xfrm flipH="1">
-            <a:off x="4633963" y="1538142"/>
+            <a:off x="4991053" y="1340510"/>
             <a:ext cx="283756" cy="495646"/>
           </a:xfrm>
           <a:prstGeom prst="straightConnector1">
@@ -5132,7 +5131,7 @@
         </p:nvSpPr>
         <p:spPr>
           <a:xfrm>
-            <a:off x="305063" y="2222256"/>
+            <a:off x="247548" y="2016941"/>
             <a:ext cx="1107996" cy="369332"/>
           </a:xfrm>
           <a:prstGeom prst="rect">
@@ -5167,7 +5166,7 @@
         </p:nvSpPr>
         <p:spPr>
           <a:xfrm>
-            <a:off x="2068400" y="937397"/>
+            <a:off x="2062528" y="1021172"/>
             <a:ext cx="1662635" cy="369332"/>
           </a:xfrm>
           <a:prstGeom prst="rect">
@@ -5207,7 +5206,7 @@
         </p:nvSpPr>
         <p:spPr>
           <a:xfrm>
-            <a:off x="3795375" y="1168810"/>
+            <a:off x="4243754" y="1000935"/>
             <a:ext cx="2244687" cy="369332"/>
           </a:xfrm>
           <a:prstGeom prst="rect">
@@ -5277,7 +5276,7 @@
         </p:nvSpPr>
         <p:spPr>
           <a:xfrm>
-            <a:off x="10451486" y="3442961"/>
+            <a:off x="10451486" y="3180996"/>
             <a:ext cx="1800493" cy="369332"/>
           </a:xfrm>
           <a:prstGeom prst="rect">
@@ -5312,7 +5311,7 @@
         </p:nvGrpSpPr>
         <p:grpSpPr>
           <a:xfrm>
-            <a:off x="8639908" y="4083582"/>
+            <a:off x="8466299" y="3723906"/>
             <a:ext cx="757060" cy="2420479"/>
             <a:chOff x="8665308" y="4079380"/>
             <a:chExt cx="757060" cy="2420479"/>
@@ -5563,7 +5562,7 @@
         </p:nvCxnSpPr>
         <p:spPr>
           <a:xfrm flipV="1">
-            <a:off x="1887415" y="2763837"/>
+            <a:off x="1788537" y="2386273"/>
             <a:ext cx="1629508" cy="679124"/>
           </a:xfrm>
           <a:prstGeom prst="straightConnector1">
@@ -5605,7 +5604,7 @@
         </p:nvSpPr>
         <p:spPr>
           <a:xfrm>
-            <a:off x="317755" y="3426611"/>
+            <a:off x="317755" y="3017433"/>
             <a:ext cx="1569660" cy="369332"/>
           </a:xfrm>
           <a:prstGeom prst="rect">
@@ -5640,7 +5639,7 @@
         </p:nvSpPr>
         <p:spPr>
           <a:xfrm>
-            <a:off x="3862891" y="6350970"/>
+            <a:off x="3855191" y="6099838"/>
             <a:ext cx="4576439" cy="130819"/>
           </a:xfrm>
           <a:prstGeom prst="rect">
@@ -5686,7 +5685,7 @@
         </p:nvSpPr>
         <p:spPr>
           <a:xfrm>
-            <a:off x="3156087" y="5848707"/>
+            <a:off x="3156087" y="5537813"/>
             <a:ext cx="642464" cy="655354"/>
           </a:xfrm>
           <a:prstGeom prst="ellipse">
@@ -5717,6 +5716,304 @@
             <a:r>
               <a:rPr kumimoji="1" lang="ja-JP" altLang="en-US" dirty="0"/>
               <a:t>敵</a:t>
+            </a:r>
+          </a:p>
+        </p:txBody>
+      </p:sp>
+      <p:sp>
+        <p:nvSpPr>
+          <p:cNvPr id="2" name="楕円 1">
+            <a:extLst>
+              <a:ext uri="{FF2B5EF4-FFF2-40B4-BE49-F238E27FC236}">
+                <a16:creationId xmlns:a16="http://schemas.microsoft.com/office/drawing/2014/main" id="{4DE90F4F-E276-4DD1-A31B-6E765631009F}"/>
+              </a:ext>
+            </a:extLst>
+          </p:cNvPr>
+          <p:cNvSpPr/>
+          <p:nvPr/>
+        </p:nvSpPr>
+        <p:spPr>
+          <a:xfrm>
+            <a:off x="8845174" y="3684849"/>
+            <a:ext cx="328246" cy="360887"/>
+          </a:xfrm>
+          <a:prstGeom prst="ellipse">
+            <a:avLst/>
+          </a:prstGeom>
+        </p:spPr>
+        <p:style>
+          <a:lnRef idx="1">
+            <a:schemeClr val="dk1"/>
+          </a:lnRef>
+          <a:fillRef idx="2">
+            <a:schemeClr val="dk1"/>
+          </a:fillRef>
+          <a:effectRef idx="1">
+            <a:schemeClr val="dk1"/>
+          </a:effectRef>
+          <a:fontRef idx="minor">
+            <a:schemeClr val="dk1"/>
+          </a:fontRef>
+        </p:style>
+        <p:txBody>
+          <a:bodyPr rtlCol="0" anchor="ctr"/>
+          <a:lstStyle/>
+          <a:p>
+            <a:pPr algn="ctr"/>
+            <a:r>
+              <a:rPr kumimoji="1" lang="en-US" altLang="ja-JP" dirty="0">
+                <a:solidFill>
+                  <a:schemeClr val="bg1"/>
+                </a:solidFill>
+              </a:rPr>
+              <a:t>A</a:t>
+            </a:r>
+            <a:endParaRPr kumimoji="1" lang="ja-JP" altLang="en-US" dirty="0">
+              <a:solidFill>
+                <a:schemeClr val="bg1"/>
+              </a:solidFill>
+            </a:endParaRPr>
+          </a:p>
+        </p:txBody>
+      </p:sp>
+      <p:cxnSp>
+        <p:nvCxnSpPr>
+          <p:cNvPr id="24" name="直線矢印コネクタ 23">
+            <a:extLst>
+              <a:ext uri="{FF2B5EF4-FFF2-40B4-BE49-F238E27FC236}">
+                <a16:creationId xmlns:a16="http://schemas.microsoft.com/office/drawing/2014/main" id="{59378ACD-7161-471E-9A1E-00324B85C9C3}"/>
+              </a:ext>
+            </a:extLst>
+          </p:cNvPr>
+          <p:cNvCxnSpPr>
+            <a:cxnSpLocks/>
+          </p:cNvCxnSpPr>
+          <p:nvPr/>
+        </p:nvCxnSpPr>
+        <p:spPr>
+          <a:xfrm flipH="1" flipV="1">
+            <a:off x="9185016" y="3836746"/>
+            <a:ext cx="1504347" cy="254536"/>
+          </a:xfrm>
+          <a:prstGeom prst="straightConnector1">
+            <a:avLst/>
+          </a:prstGeom>
+          <a:ln w="28575">
+            <a:solidFill>
+              <a:srgbClr val="FF0000"/>
+            </a:solidFill>
+            <a:tailEnd type="triangle"/>
+          </a:ln>
+        </p:spPr>
+        <p:style>
+          <a:lnRef idx="1">
+            <a:schemeClr val="accent1"/>
+          </a:lnRef>
+          <a:fillRef idx="0">
+            <a:schemeClr val="accent1"/>
+          </a:fillRef>
+          <a:effectRef idx="0">
+            <a:schemeClr val="accent1"/>
+          </a:effectRef>
+          <a:fontRef idx="minor">
+            <a:schemeClr val="tx1"/>
+          </a:fontRef>
+        </p:style>
+      </p:cxnSp>
+      <p:cxnSp>
+        <p:nvCxnSpPr>
+          <p:cNvPr id="25" name="直線矢印コネクタ 24">
+            <a:extLst>
+              <a:ext uri="{FF2B5EF4-FFF2-40B4-BE49-F238E27FC236}">
+                <a16:creationId xmlns:a16="http://schemas.microsoft.com/office/drawing/2014/main" id="{7D8A2E83-E7AA-4C55-BD8D-E39A599145F3}"/>
+              </a:ext>
+            </a:extLst>
+          </p:cNvPr>
+          <p:cNvCxnSpPr>
+            <a:cxnSpLocks/>
+          </p:cNvCxnSpPr>
+          <p:nvPr/>
+        </p:nvCxnSpPr>
+        <p:spPr>
+          <a:xfrm flipV="1">
+            <a:off x="4243754" y="6245000"/>
+            <a:ext cx="246431" cy="259061"/>
+          </a:xfrm>
+          <a:prstGeom prst="straightConnector1">
+            <a:avLst/>
+          </a:prstGeom>
+          <a:ln w="28575">
+            <a:solidFill>
+              <a:srgbClr val="FF0000"/>
+            </a:solidFill>
+            <a:tailEnd type="triangle"/>
+          </a:ln>
+        </p:spPr>
+        <p:style>
+          <a:lnRef idx="1">
+            <a:schemeClr val="accent1"/>
+          </a:lnRef>
+          <a:fillRef idx="0">
+            <a:schemeClr val="accent1"/>
+          </a:fillRef>
+          <a:effectRef idx="0">
+            <a:schemeClr val="accent1"/>
+          </a:effectRef>
+          <a:fontRef idx="minor">
+            <a:schemeClr val="tx1"/>
+          </a:fontRef>
+        </p:style>
+      </p:cxnSp>
+      <p:cxnSp>
+        <p:nvCxnSpPr>
+          <p:cNvPr id="26" name="直線矢印コネクタ 25">
+            <a:extLst>
+              <a:ext uri="{FF2B5EF4-FFF2-40B4-BE49-F238E27FC236}">
+                <a16:creationId xmlns:a16="http://schemas.microsoft.com/office/drawing/2014/main" id="{60733515-1AE7-49AD-B209-EF0C9239CBB5}"/>
+              </a:ext>
+            </a:extLst>
+          </p:cNvPr>
+          <p:cNvCxnSpPr>
+            <a:cxnSpLocks/>
+          </p:cNvCxnSpPr>
+          <p:nvPr/>
+        </p:nvCxnSpPr>
+        <p:spPr>
+          <a:xfrm flipV="1">
+            <a:off x="1887415" y="5920603"/>
+            <a:ext cx="1193526" cy="179235"/>
+          </a:xfrm>
+          <a:prstGeom prst="straightConnector1">
+            <a:avLst/>
+          </a:prstGeom>
+          <a:ln w="28575">
+            <a:solidFill>
+              <a:srgbClr val="FF0000"/>
+            </a:solidFill>
+            <a:tailEnd type="triangle"/>
+          </a:ln>
+        </p:spPr>
+        <p:style>
+          <a:lnRef idx="1">
+            <a:schemeClr val="accent1"/>
+          </a:lnRef>
+          <a:fillRef idx="0">
+            <a:schemeClr val="accent1"/>
+          </a:fillRef>
+          <a:effectRef idx="0">
+            <a:schemeClr val="accent1"/>
+          </a:effectRef>
+          <a:fontRef idx="minor">
+            <a:schemeClr val="tx1"/>
+          </a:fontRef>
+        </p:style>
+      </p:cxnSp>
+      <p:sp>
+        <p:nvSpPr>
+          <p:cNvPr id="4" name="テキスト ボックス 3">
+            <a:extLst>
+              <a:ext uri="{FF2B5EF4-FFF2-40B4-BE49-F238E27FC236}">
+                <a16:creationId xmlns:a16="http://schemas.microsoft.com/office/drawing/2014/main" id="{A8206A1B-E09A-4F02-AAB3-95F0258860CE}"/>
+              </a:ext>
+            </a:extLst>
+          </p:cNvPr>
+          <p:cNvSpPr txBox="1"/>
+          <p:nvPr/>
+        </p:nvSpPr>
+        <p:spPr>
+          <a:xfrm>
+            <a:off x="594123" y="6003910"/>
+            <a:ext cx="1334822" cy="369332"/>
+          </a:xfrm>
+          <a:prstGeom prst="rect">
+            <a:avLst/>
+          </a:prstGeom>
+          <a:noFill/>
+        </p:spPr>
+        <p:txBody>
+          <a:bodyPr wrap="square" rtlCol="0">
+            <a:spAutoFit/>
+          </a:bodyPr>
+          <a:lstStyle/>
+          <a:p>
+            <a:r>
+              <a:rPr kumimoji="1" lang="ja-JP" altLang="en-US" dirty="0"/>
+              <a:t>敵アイコン</a:t>
+            </a:r>
+          </a:p>
+        </p:txBody>
+      </p:sp>
+      <p:sp>
+        <p:nvSpPr>
+          <p:cNvPr id="8" name="テキスト ボックス 7">
+            <a:extLst>
+              <a:ext uri="{FF2B5EF4-FFF2-40B4-BE49-F238E27FC236}">
+                <a16:creationId xmlns:a16="http://schemas.microsoft.com/office/drawing/2014/main" id="{336A5FAC-252A-47B5-B83B-F68F15D99808}"/>
+              </a:ext>
+            </a:extLst>
+          </p:cNvPr>
+          <p:cNvSpPr txBox="1"/>
+          <p:nvPr/>
+        </p:nvSpPr>
+        <p:spPr>
+          <a:xfrm>
+            <a:off x="3567347" y="6463968"/>
+            <a:ext cx="739305" cy="369332"/>
+          </a:xfrm>
+          <a:prstGeom prst="rect">
+            <a:avLst/>
+          </a:prstGeom>
+          <a:noFill/>
+        </p:spPr>
+        <p:txBody>
+          <a:bodyPr wrap="none" rtlCol="0">
+            <a:spAutoFit/>
+          </a:bodyPr>
+          <a:lstStyle/>
+          <a:p>
+            <a:r>
+              <a:rPr kumimoji="1" lang="ja-JP" altLang="en-US" dirty="0"/>
+              <a:t>敵</a:t>
+            </a:r>
+            <a:r>
+              <a:rPr kumimoji="1" lang="en-US" altLang="ja-JP" dirty="0"/>
+              <a:t>HP</a:t>
+            </a:r>
+            <a:endParaRPr kumimoji="1" lang="ja-JP" altLang="en-US" dirty="0"/>
+          </a:p>
+        </p:txBody>
+      </p:sp>
+      <p:sp>
+        <p:nvSpPr>
+          <p:cNvPr id="16" name="テキスト ボックス 15">
+            <a:extLst>
+              <a:ext uri="{FF2B5EF4-FFF2-40B4-BE49-F238E27FC236}">
+                <a16:creationId xmlns:a16="http://schemas.microsoft.com/office/drawing/2014/main" id="{D77AB025-B3AC-4E33-9385-8CF138067CFB}"/>
+              </a:ext>
+            </a:extLst>
+          </p:cNvPr>
+          <p:cNvSpPr txBox="1"/>
+          <p:nvPr/>
+        </p:nvSpPr>
+        <p:spPr>
+          <a:xfrm>
+            <a:off x="10451486" y="4181901"/>
+            <a:ext cx="1569660" cy="369332"/>
+          </a:xfrm>
+          <a:prstGeom prst="rect">
+            <a:avLst/>
+          </a:prstGeom>
+          <a:noFill/>
+        </p:spPr>
+        <p:txBody>
+          <a:bodyPr wrap="none" rtlCol="0">
+            <a:spAutoFit/>
+          </a:bodyPr>
+          <a:lstStyle/>
+          <a:p>
+            <a:r>
+              <a:rPr kumimoji="1" lang="ja-JP" altLang="en-US" dirty="0"/>
+              <a:t>アイテム使用</a:t>
             </a:r>
           </a:p>
         </p:txBody>

--- a/3DGame_3_NamelessGame/NamelessGame_企画書.pptx
+++ b/3DGame_3_NamelessGame/NamelessGame_企画書.pptx
@@ -2,7 +2,7 @@
 <file path=ppt/presentation.xml><?xml version="1.0" encoding="utf-8"?>
 <p:presentation xmlns:a="http://schemas.openxmlformats.org/drawingml/2006/main" xmlns:r="http://schemas.openxmlformats.org/officeDocument/2006/relationships" xmlns:p="http://schemas.openxmlformats.org/presentationml/2006/main" saveSubsetFonts="1">
   <p:sldMasterIdLst>
-    <p:sldMasterId id="2147483648" r:id="rId1"/>
+    <p:sldMasterId id="2147483660" r:id="rId1"/>
   </p:sldMasterIdLst>
   <p:notesMasterIdLst>
     <p:notesMasterId r:id="rId9"/>
@@ -20,10 +20,10 @@
   <p:notesSz cx="6858000" cy="9144000"/>
   <p:defaultTextStyle>
     <a:defPPr>
-      <a:defRPr lang="ja-JP"/>
+      <a:defRPr lang="en-US"/>
     </a:defPPr>
-    <a:lvl1pPr marL="0" algn="l" defTabSz="914400" rtl="0" eaLnBrk="1" latinLnBrk="0" hangingPunct="1">
-      <a:defRPr kumimoji="1" sz="1800" kern="1200">
+    <a:lvl1pPr marL="0" algn="l" defTabSz="457200" rtl="0" eaLnBrk="1" latinLnBrk="0" hangingPunct="1">
+      <a:defRPr sz="1800" kern="1200">
         <a:solidFill>
           <a:schemeClr val="tx1"/>
         </a:solidFill>
@@ -32,8 +32,8 @@
         <a:cs typeface="+mn-cs"/>
       </a:defRPr>
     </a:lvl1pPr>
-    <a:lvl2pPr marL="457200" algn="l" defTabSz="914400" rtl="0" eaLnBrk="1" latinLnBrk="0" hangingPunct="1">
-      <a:defRPr kumimoji="1" sz="1800" kern="1200">
+    <a:lvl2pPr marL="457200" algn="l" defTabSz="457200" rtl="0" eaLnBrk="1" latinLnBrk="0" hangingPunct="1">
+      <a:defRPr sz="1800" kern="1200">
         <a:solidFill>
           <a:schemeClr val="tx1"/>
         </a:solidFill>
@@ -42,8 +42,8 @@
         <a:cs typeface="+mn-cs"/>
       </a:defRPr>
     </a:lvl2pPr>
-    <a:lvl3pPr marL="914400" algn="l" defTabSz="914400" rtl="0" eaLnBrk="1" latinLnBrk="0" hangingPunct="1">
-      <a:defRPr kumimoji="1" sz="1800" kern="1200">
+    <a:lvl3pPr marL="914400" algn="l" defTabSz="457200" rtl="0" eaLnBrk="1" latinLnBrk="0" hangingPunct="1">
+      <a:defRPr sz="1800" kern="1200">
         <a:solidFill>
           <a:schemeClr val="tx1"/>
         </a:solidFill>
@@ -52,8 +52,8 @@
         <a:cs typeface="+mn-cs"/>
       </a:defRPr>
     </a:lvl3pPr>
-    <a:lvl4pPr marL="1371600" algn="l" defTabSz="914400" rtl="0" eaLnBrk="1" latinLnBrk="0" hangingPunct="1">
-      <a:defRPr kumimoji="1" sz="1800" kern="1200">
+    <a:lvl4pPr marL="1371600" algn="l" defTabSz="457200" rtl="0" eaLnBrk="1" latinLnBrk="0" hangingPunct="1">
+      <a:defRPr sz="1800" kern="1200">
         <a:solidFill>
           <a:schemeClr val="tx1"/>
         </a:solidFill>
@@ -62,8 +62,8 @@
         <a:cs typeface="+mn-cs"/>
       </a:defRPr>
     </a:lvl4pPr>
-    <a:lvl5pPr marL="1828800" algn="l" defTabSz="914400" rtl="0" eaLnBrk="1" latinLnBrk="0" hangingPunct="1">
-      <a:defRPr kumimoji="1" sz="1800" kern="1200">
+    <a:lvl5pPr marL="1828800" algn="l" defTabSz="457200" rtl="0" eaLnBrk="1" latinLnBrk="0" hangingPunct="1">
+      <a:defRPr sz="1800" kern="1200">
         <a:solidFill>
           <a:schemeClr val="tx1"/>
         </a:solidFill>
@@ -72,8 +72,8 @@
         <a:cs typeface="+mn-cs"/>
       </a:defRPr>
     </a:lvl5pPr>
-    <a:lvl6pPr marL="2286000" algn="l" defTabSz="914400" rtl="0" eaLnBrk="1" latinLnBrk="0" hangingPunct="1">
-      <a:defRPr kumimoji="1" sz="1800" kern="1200">
+    <a:lvl6pPr marL="2286000" algn="l" defTabSz="457200" rtl="0" eaLnBrk="1" latinLnBrk="0" hangingPunct="1">
+      <a:defRPr sz="1800" kern="1200">
         <a:solidFill>
           <a:schemeClr val="tx1"/>
         </a:solidFill>
@@ -82,8 +82,8 @@
         <a:cs typeface="+mn-cs"/>
       </a:defRPr>
     </a:lvl6pPr>
-    <a:lvl7pPr marL="2743200" algn="l" defTabSz="914400" rtl="0" eaLnBrk="1" latinLnBrk="0" hangingPunct="1">
-      <a:defRPr kumimoji="1" sz="1800" kern="1200">
+    <a:lvl7pPr marL="2743200" algn="l" defTabSz="457200" rtl="0" eaLnBrk="1" latinLnBrk="0" hangingPunct="1">
+      <a:defRPr sz="1800" kern="1200">
         <a:solidFill>
           <a:schemeClr val="tx1"/>
         </a:solidFill>
@@ -92,8 +92,8 @@
         <a:cs typeface="+mn-cs"/>
       </a:defRPr>
     </a:lvl7pPr>
-    <a:lvl8pPr marL="3200400" algn="l" defTabSz="914400" rtl="0" eaLnBrk="1" latinLnBrk="0" hangingPunct="1">
-      <a:defRPr kumimoji="1" sz="1800" kern="1200">
+    <a:lvl8pPr marL="3200400" algn="l" defTabSz="457200" rtl="0" eaLnBrk="1" latinLnBrk="0" hangingPunct="1">
+      <a:defRPr sz="1800" kern="1200">
         <a:solidFill>
           <a:schemeClr val="tx1"/>
         </a:solidFill>
@@ -102,8 +102,8 @@
         <a:cs typeface="+mn-cs"/>
       </a:defRPr>
     </a:lvl8pPr>
-    <a:lvl9pPr marL="3657600" algn="l" defTabSz="914400" rtl="0" eaLnBrk="1" latinLnBrk="0" hangingPunct="1">
-      <a:defRPr kumimoji="1" sz="1800" kern="1200">
+    <a:lvl9pPr marL="3657600" algn="l" defTabSz="457200" rtl="0" eaLnBrk="1" latinLnBrk="0" hangingPunct="1">
+      <a:defRPr sz="1800" kern="1200">
         <a:solidFill>
           <a:schemeClr val="tx1"/>
         </a:solidFill>
@@ -215,7 +215,7 @@
           <a:p>
             <a:fld id="{4B44C13B-4146-4F19-917C-9AB4DC0B462B}" type="datetimeFigureOut">
               <a:rPr kumimoji="1" lang="ja-JP" altLang="en-US" smtClean="0"/>
-              <a:t>2024/9/20</a:t>
+              <a:t>2024/9/24</a:t>
             </a:fld>
             <a:endParaRPr kumimoji="1" lang="ja-JP" altLang="en-US"/>
           </a:p>
@@ -515,8 +515,18 @@
 </file>
 
 <file path=ppt/slideLayouts/slideLayout1.xml><?xml version="1.0" encoding="utf-8"?>
-<p:sldLayout xmlns:a="http://schemas.openxmlformats.org/drawingml/2006/main" xmlns:r="http://schemas.openxmlformats.org/officeDocument/2006/relationships" xmlns:p="http://schemas.openxmlformats.org/presentationml/2006/main" type="title" preserve="1">
+<p:sldLayout xmlns:a="http://schemas.openxmlformats.org/drawingml/2006/main" xmlns:r="http://schemas.openxmlformats.org/officeDocument/2006/relationships" xmlns:p="http://schemas.openxmlformats.org/presentationml/2006/main" showMasterSp="0" type="title" preserve="1">
   <p:cSld name="タイトル スライド">
+    <p:bg>
+      <p:bgPr>
+        <a:solidFill>
+          <a:schemeClr val="bg2">
+            <a:lumMod val="75000"/>
+          </a:schemeClr>
+        </a:solidFill>
+        <a:effectLst/>
+      </p:bgPr>
+    </p:bg>
     <p:spTree>
       <p:nvGrpSpPr>
         <p:cNvPr id="1" name=""/>
@@ -533,13 +543,7 @@
       </p:grpSpPr>
       <p:sp>
         <p:nvSpPr>
-          <p:cNvPr id="2" name="タイトル 1">
-            <a:extLst>
-              <a:ext uri="{FF2B5EF4-FFF2-40B4-BE49-F238E27FC236}">
-                <a16:creationId xmlns:a16="http://schemas.microsoft.com/office/drawing/2014/main" id="{68C17D98-9B03-41B6-BAD7-A4F574EBEE8B}"/>
-              </a:ext>
-            </a:extLst>
-          </p:cNvPr>
+          <p:cNvPr id="2" name="Title 1"/>
           <p:cNvSpPr>
             <a:spLocks noGrp="1"/>
           </p:cNvSpPr>
@@ -549,34 +553,38 @@
         </p:nvSpPr>
         <p:spPr>
           <a:xfrm>
-            <a:off x="1524000" y="1122363"/>
-            <a:ext cx="9144000" cy="2387600"/>
-          </a:xfrm>
-        </p:spPr>
-        <p:txBody>
-          <a:bodyPr anchor="b"/>
+            <a:off x="1261872" y="758952"/>
+            <a:ext cx="9418320" cy="4041648"/>
+          </a:xfrm>
+        </p:spPr>
+        <p:txBody>
+          <a:bodyPr anchor="b">
+            <a:normAutofit/>
+          </a:bodyPr>
           <a:lstStyle>
-            <a:lvl1pPr algn="ctr">
-              <a:defRPr sz="6000"/>
+            <a:lvl1pPr algn="l">
+              <a:lnSpc>
+                <a:spcPct val="85000"/>
+              </a:lnSpc>
+              <a:defRPr sz="7200" baseline="0">
+                <a:solidFill>
+                  <a:schemeClr val="tx1"/>
+                </a:solidFill>
+              </a:defRPr>
             </a:lvl1pPr>
           </a:lstStyle>
           <a:p>
             <a:r>
-              <a:rPr kumimoji="1" lang="ja-JP" altLang="en-US"/>
+              <a:rPr lang="ja-JP" altLang="en-US"/>
               <a:t>マスター タイトルの書式設定</a:t>
             </a:r>
-          </a:p>
-        </p:txBody>
-      </p:sp>
-      <p:sp>
-        <p:nvSpPr>
-          <p:cNvPr id="3" name="字幕 2">
-            <a:extLst>
-              <a:ext uri="{FF2B5EF4-FFF2-40B4-BE49-F238E27FC236}">
-                <a16:creationId xmlns:a16="http://schemas.microsoft.com/office/drawing/2014/main" id="{B5593008-0740-4781-84C4-2B97B78F3117}"/>
-              </a:ext>
-            </a:extLst>
-          </p:cNvPr>
+            <a:endParaRPr lang="en-US" dirty="0"/>
+          </a:p>
+        </p:txBody>
+      </p:sp>
+      <p:sp>
+        <p:nvSpPr>
+          <p:cNvPr id="3" name="Subtitle 2"/>
           <p:cNvSpPr>
             <a:spLocks noGrp="1"/>
           </p:cNvSpPr>
@@ -586,67 +594,70 @@
         </p:nvSpPr>
         <p:spPr>
           <a:xfrm>
-            <a:off x="1524000" y="3602038"/>
-            <a:ext cx="9144000" cy="1655762"/>
-          </a:xfrm>
-        </p:spPr>
-        <p:txBody>
-          <a:bodyPr/>
+            <a:off x="1261872" y="4800600"/>
+            <a:ext cx="9418320" cy="1691640"/>
+          </a:xfrm>
+        </p:spPr>
+        <p:txBody>
+          <a:bodyPr>
+            <a:normAutofit/>
+          </a:bodyPr>
           <a:lstStyle>
-            <a:lvl1pPr marL="0" indent="0" algn="ctr">
+            <a:lvl1pPr marL="0" indent="0" algn="l">
               <a:buNone/>
-              <a:defRPr sz="2400"/>
+              <a:defRPr sz="2200" baseline="0">
+                <a:solidFill>
+                  <a:schemeClr val="tx1">
+                    <a:lumMod val="75000"/>
+                  </a:schemeClr>
+                </a:solidFill>
+              </a:defRPr>
             </a:lvl1pPr>
             <a:lvl2pPr marL="457200" indent="0" algn="ctr">
               <a:buNone/>
-              <a:defRPr sz="2000"/>
+              <a:defRPr sz="2200"/>
             </a:lvl2pPr>
             <a:lvl3pPr marL="914400" indent="0" algn="ctr">
               <a:buNone/>
-              <a:defRPr sz="1800"/>
+              <a:defRPr sz="2200"/>
             </a:lvl3pPr>
             <a:lvl4pPr marL="1371600" indent="0" algn="ctr">
               <a:buNone/>
-              <a:defRPr sz="1600"/>
+              <a:defRPr sz="2000"/>
             </a:lvl4pPr>
             <a:lvl5pPr marL="1828800" indent="0" algn="ctr">
               <a:buNone/>
-              <a:defRPr sz="1600"/>
+              <a:defRPr sz="2000"/>
             </a:lvl5pPr>
             <a:lvl6pPr marL="2286000" indent="0" algn="ctr">
               <a:buNone/>
-              <a:defRPr sz="1600"/>
+              <a:defRPr sz="2000"/>
             </a:lvl6pPr>
             <a:lvl7pPr marL="2743200" indent="0" algn="ctr">
               <a:buNone/>
-              <a:defRPr sz="1600"/>
+              <a:defRPr sz="2000"/>
             </a:lvl7pPr>
             <a:lvl8pPr marL="3200400" indent="0" algn="ctr">
               <a:buNone/>
-              <a:defRPr sz="1600"/>
+              <a:defRPr sz="2000"/>
             </a:lvl8pPr>
             <a:lvl9pPr marL="3657600" indent="0" algn="ctr">
               <a:buNone/>
-              <a:defRPr sz="1600"/>
+              <a:defRPr sz="2000"/>
             </a:lvl9pPr>
           </a:lstStyle>
           <a:p>
             <a:r>
-              <a:rPr kumimoji="1" lang="ja-JP" altLang="en-US"/>
+              <a:rPr lang="ja-JP" altLang="en-US"/>
               <a:t>マスター サブタイトルの書式設定</a:t>
             </a:r>
-          </a:p>
-        </p:txBody>
-      </p:sp>
-      <p:sp>
-        <p:nvSpPr>
-          <p:cNvPr id="4" name="日付プレースホルダー 3">
-            <a:extLst>
-              <a:ext uri="{FF2B5EF4-FFF2-40B4-BE49-F238E27FC236}">
-                <a16:creationId xmlns:a16="http://schemas.microsoft.com/office/drawing/2014/main" id="{2D07421A-FF03-4A68-B836-C5E71196BF62}"/>
-              </a:ext>
-            </a:extLst>
-          </p:cNvPr>
+            <a:endParaRPr lang="en-US" dirty="0"/>
+          </a:p>
+        </p:txBody>
+      </p:sp>
+      <p:sp>
+        <p:nvSpPr>
+          <p:cNvPr id="4" name="Date Placeholder 3"/>
           <p:cNvSpPr>
             <a:spLocks noGrp="1"/>
           </p:cNvSpPr>
@@ -657,11 +668,21 @@
         <p:spPr/>
         <p:txBody>
           <a:bodyPr/>
-          <a:lstStyle/>
+          <a:lstStyle>
+            <a:lvl1pPr>
+              <a:defRPr>
+                <a:solidFill>
+                  <a:schemeClr val="tx1">
+                    <a:lumMod val="50000"/>
+                  </a:schemeClr>
+                </a:solidFill>
+              </a:defRPr>
+            </a:lvl1pPr>
+          </a:lstStyle>
           <a:p>
             <a:fld id="{DC4D95AC-18C1-46E4-B41F-A2EDA7BB3CE2}" type="datetimeFigureOut">
               <a:rPr kumimoji="1" lang="ja-JP" altLang="en-US" smtClean="0"/>
-              <a:t>2024/9/20</a:t>
+              <a:t>2024/9/24</a:t>
             </a:fld>
             <a:endParaRPr kumimoji="1" lang="ja-JP" altLang="en-US"/>
           </a:p>
@@ -669,13 +690,7 @@
       </p:sp>
       <p:sp>
         <p:nvSpPr>
-          <p:cNvPr id="5" name="フッター プレースホルダー 4">
-            <a:extLst>
-              <a:ext uri="{FF2B5EF4-FFF2-40B4-BE49-F238E27FC236}">
-                <a16:creationId xmlns:a16="http://schemas.microsoft.com/office/drawing/2014/main" id="{7A934CBE-15AE-43BE-97A0-ED12821F46E4}"/>
-              </a:ext>
-            </a:extLst>
-          </p:cNvPr>
+          <p:cNvPr id="5" name="Footer Placeholder 4"/>
           <p:cNvSpPr>
             <a:spLocks noGrp="1"/>
           </p:cNvSpPr>
@@ -686,7 +701,17 @@
         <p:spPr/>
         <p:txBody>
           <a:bodyPr/>
-          <a:lstStyle/>
+          <a:lstStyle>
+            <a:lvl1pPr>
+              <a:defRPr>
+                <a:solidFill>
+                  <a:schemeClr val="tx1">
+                    <a:lumMod val="65000"/>
+                  </a:schemeClr>
+                </a:solidFill>
+              </a:defRPr>
+            </a:lvl1pPr>
+          </a:lstStyle>
           <a:p>
             <a:endParaRPr kumimoji="1" lang="ja-JP" altLang="en-US"/>
           </a:p>
@@ -694,13 +719,7 @@
       </p:sp>
       <p:sp>
         <p:nvSpPr>
-          <p:cNvPr id="6" name="スライド番号プレースホルダー 5">
-            <a:extLst>
-              <a:ext uri="{FF2B5EF4-FFF2-40B4-BE49-F238E27FC236}">
-                <a16:creationId xmlns:a16="http://schemas.microsoft.com/office/drawing/2014/main" id="{D926E600-30E4-4E01-9407-AF13883CFFAA}"/>
-              </a:ext>
-            </a:extLst>
-          </p:cNvPr>
+          <p:cNvPr id="6" name="Slide Number Placeholder 5"/>
           <p:cNvSpPr>
             <a:spLocks noGrp="1"/>
           </p:cNvSpPr>
@@ -711,7 +730,17 @@
         <p:spPr/>
         <p:txBody>
           <a:bodyPr/>
-          <a:lstStyle/>
+          <a:lstStyle>
+            <a:lvl1pPr>
+              <a:defRPr>
+                <a:solidFill>
+                  <a:schemeClr val="tx1">
+                    <a:lumMod val="65000"/>
+                  </a:schemeClr>
+                </a:solidFill>
+              </a:defRPr>
+            </a:lvl1pPr>
+          </a:lstStyle>
           <a:p>
             <a:fld id="{842976B8-3AB1-4EA5-BA33-B806ED0814F4}" type="slidenum">
               <a:rPr kumimoji="1" lang="ja-JP" altLang="en-US" smtClean="0"/>
@@ -721,15 +750,53 @@
           </a:p>
         </p:txBody>
       </p:sp>
+      <p:sp>
+        <p:nvSpPr>
+          <p:cNvPr id="7" name="Rectangle 6"/>
+          <p:cNvSpPr/>
+          <p:nvPr/>
+        </p:nvSpPr>
+        <p:spPr>
+          <a:xfrm>
+            <a:off x="0" y="0"/>
+            <a:ext cx="457200" cy="6858000"/>
+          </a:xfrm>
+          <a:prstGeom prst="rect">
+            <a:avLst/>
+          </a:prstGeom>
+          <a:solidFill>
+            <a:schemeClr val="accent1"/>
+          </a:solidFill>
+          <a:ln>
+            <a:noFill/>
+          </a:ln>
+        </p:spPr>
+        <p:style>
+          <a:lnRef idx="2">
+            <a:schemeClr val="accent1">
+              <a:shade val="50000"/>
+            </a:schemeClr>
+          </a:lnRef>
+          <a:fillRef idx="1">
+            <a:schemeClr val="accent1"/>
+          </a:fillRef>
+          <a:effectRef idx="0">
+            <a:schemeClr val="accent1"/>
+          </a:effectRef>
+          <a:fontRef idx="minor">
+            <a:schemeClr val="lt1"/>
+          </a:fontRef>
+        </p:style>
+      </p:sp>
     </p:spTree>
     <p:extLst>
       <p:ext uri="{BB962C8B-B14F-4D97-AF65-F5344CB8AC3E}">
-        <p14:creationId xmlns:p14="http://schemas.microsoft.com/office/powerpoint/2010/main" val="4268359779"/>
+        <p14:creationId xmlns:p14="http://schemas.microsoft.com/office/powerpoint/2010/main" val="405036667"/>
       </p:ext>
     </p:extLst>
   </p:cSld>
   <p:clrMapOvr>
-    <a:masterClrMapping/>
+    <a:overrideClrMapping bg1="dk1" tx1="lt1" bg2="dk2" tx2="lt2" accent1="accent1" accent2="accent2" accent3="accent3" accent4="accent4" accent5="accent5" accent6="accent6" hlink="hlink" folHlink="folHlink"/>
   </p:clrMapOvr>
 </p:sldLayout>
 </file>
@@ -753,13 +820,7 @@
       </p:grpSpPr>
       <p:sp>
         <p:nvSpPr>
-          <p:cNvPr id="2" name="タイトル 1">
-            <a:extLst>
-              <a:ext uri="{FF2B5EF4-FFF2-40B4-BE49-F238E27FC236}">
-                <a16:creationId xmlns:a16="http://schemas.microsoft.com/office/drawing/2014/main" id="{BAD63670-83A6-40F5-B126-0D676B23D119}"/>
-              </a:ext>
-            </a:extLst>
-          </p:cNvPr>
+          <p:cNvPr id="2" name="Title 1"/>
           <p:cNvSpPr>
             <a:spLocks noGrp="1"/>
           </p:cNvSpPr>
@@ -773,21 +834,16 @@
           <a:lstStyle/>
           <a:p>
             <a:r>
-              <a:rPr kumimoji="1" lang="ja-JP" altLang="en-US"/>
+              <a:rPr lang="ja-JP" altLang="en-US"/>
               <a:t>マスター タイトルの書式設定</a:t>
             </a:r>
-          </a:p>
-        </p:txBody>
-      </p:sp>
-      <p:sp>
-        <p:nvSpPr>
-          <p:cNvPr id="3" name="縦書きテキスト プレースホルダー 2">
-            <a:extLst>
-              <a:ext uri="{FF2B5EF4-FFF2-40B4-BE49-F238E27FC236}">
-                <a16:creationId xmlns:a16="http://schemas.microsoft.com/office/drawing/2014/main" id="{49AD337D-97E0-4183-9628-7498B30DFB2D}"/>
-              </a:ext>
-            </a:extLst>
-          </p:cNvPr>
+            <a:endParaRPr lang="en-US" dirty="0"/>
+          </a:p>
+        </p:txBody>
+      </p:sp>
+      <p:sp>
+        <p:nvSpPr>
+          <p:cNvPr id="3" name="Vertical Text Placeholder 2"/>
           <p:cNvSpPr>
             <a:spLocks noGrp="1"/>
           </p:cNvSpPr>
@@ -802,81 +858,76 @@
           <a:p>
             <a:pPr lvl="0"/>
             <a:r>
-              <a:rPr kumimoji="1" lang="ja-JP" altLang="en-US"/>
+              <a:rPr lang="ja-JP" altLang="en-US"/>
               <a:t>マスター テキストの書式設定</a:t>
             </a:r>
           </a:p>
           <a:p>
             <a:pPr lvl="1"/>
             <a:r>
-              <a:rPr kumimoji="1" lang="ja-JP" altLang="en-US"/>
+              <a:rPr lang="ja-JP" altLang="en-US"/>
               <a:t>第 </a:t>
             </a:r>
             <a:r>
-              <a:rPr kumimoji="1" lang="en-US" altLang="ja-JP"/>
+              <a:rPr lang="en-US" altLang="ja-JP"/>
               <a:t>2 </a:t>
             </a:r>
             <a:r>
-              <a:rPr kumimoji="1" lang="ja-JP" altLang="en-US"/>
+              <a:rPr lang="ja-JP" altLang="en-US"/>
               <a:t>レベル</a:t>
             </a:r>
           </a:p>
           <a:p>
             <a:pPr lvl="2"/>
             <a:r>
-              <a:rPr kumimoji="1" lang="ja-JP" altLang="en-US"/>
+              <a:rPr lang="ja-JP" altLang="en-US"/>
               <a:t>第 </a:t>
             </a:r>
             <a:r>
-              <a:rPr kumimoji="1" lang="en-US" altLang="ja-JP"/>
+              <a:rPr lang="en-US" altLang="ja-JP"/>
               <a:t>3 </a:t>
             </a:r>
             <a:r>
-              <a:rPr kumimoji="1" lang="ja-JP" altLang="en-US"/>
+              <a:rPr lang="ja-JP" altLang="en-US"/>
               <a:t>レベル</a:t>
             </a:r>
           </a:p>
           <a:p>
             <a:pPr lvl="3"/>
             <a:r>
-              <a:rPr kumimoji="1" lang="ja-JP" altLang="en-US"/>
+              <a:rPr lang="ja-JP" altLang="en-US"/>
               <a:t>第 </a:t>
             </a:r>
             <a:r>
-              <a:rPr kumimoji="1" lang="en-US" altLang="ja-JP"/>
+              <a:rPr lang="en-US" altLang="ja-JP"/>
               <a:t>4 </a:t>
             </a:r>
             <a:r>
-              <a:rPr kumimoji="1" lang="ja-JP" altLang="en-US"/>
+              <a:rPr lang="ja-JP" altLang="en-US"/>
               <a:t>レベル</a:t>
             </a:r>
           </a:p>
           <a:p>
             <a:pPr lvl="4"/>
             <a:r>
-              <a:rPr kumimoji="1" lang="ja-JP" altLang="en-US"/>
+              <a:rPr lang="ja-JP" altLang="en-US"/>
               <a:t>第 </a:t>
             </a:r>
             <a:r>
-              <a:rPr kumimoji="1" lang="en-US" altLang="ja-JP"/>
+              <a:rPr lang="en-US" altLang="ja-JP"/>
               <a:t>5 </a:t>
             </a:r>
             <a:r>
-              <a:rPr kumimoji="1" lang="ja-JP" altLang="en-US"/>
+              <a:rPr lang="ja-JP" altLang="en-US"/>
               <a:t>レベル</a:t>
             </a:r>
-          </a:p>
-        </p:txBody>
-      </p:sp>
-      <p:sp>
-        <p:nvSpPr>
-          <p:cNvPr id="4" name="日付プレースホルダー 3">
-            <a:extLst>
-              <a:ext uri="{FF2B5EF4-FFF2-40B4-BE49-F238E27FC236}">
-                <a16:creationId xmlns:a16="http://schemas.microsoft.com/office/drawing/2014/main" id="{D389F106-44EE-4E94-9223-40D8B32F3F93}"/>
-              </a:ext>
-            </a:extLst>
-          </p:cNvPr>
+            <a:endParaRPr lang="en-US" dirty="0"/>
+          </a:p>
+        </p:txBody>
+      </p:sp>
+      <p:sp>
+        <p:nvSpPr>
+          <p:cNvPr id="4" name="Date Placeholder 3"/>
           <p:cNvSpPr>
             <a:spLocks noGrp="1"/>
           </p:cNvSpPr>
@@ -891,7 +942,7 @@
           <a:p>
             <a:fld id="{DC4D95AC-18C1-46E4-B41F-A2EDA7BB3CE2}" type="datetimeFigureOut">
               <a:rPr kumimoji="1" lang="ja-JP" altLang="en-US" smtClean="0"/>
-              <a:t>2024/9/20</a:t>
+              <a:t>2024/9/24</a:t>
             </a:fld>
             <a:endParaRPr kumimoji="1" lang="ja-JP" altLang="en-US"/>
           </a:p>
@@ -899,13 +950,7 @@
       </p:sp>
       <p:sp>
         <p:nvSpPr>
-          <p:cNvPr id="5" name="フッター プレースホルダー 4">
-            <a:extLst>
-              <a:ext uri="{FF2B5EF4-FFF2-40B4-BE49-F238E27FC236}">
-                <a16:creationId xmlns:a16="http://schemas.microsoft.com/office/drawing/2014/main" id="{7220DBFE-BCB3-4A69-9AB4-6439BE0E4D61}"/>
-              </a:ext>
-            </a:extLst>
-          </p:cNvPr>
+          <p:cNvPr id="5" name="Footer Placeholder 4"/>
           <p:cNvSpPr>
             <a:spLocks noGrp="1"/>
           </p:cNvSpPr>
@@ -924,13 +969,7 @@
       </p:sp>
       <p:sp>
         <p:nvSpPr>
-          <p:cNvPr id="6" name="スライド番号プレースホルダー 5">
-            <a:extLst>
-              <a:ext uri="{FF2B5EF4-FFF2-40B4-BE49-F238E27FC236}">
-                <a16:creationId xmlns:a16="http://schemas.microsoft.com/office/drawing/2014/main" id="{CC20E96A-C61E-4382-B1D5-6496FC87BEDD}"/>
-              </a:ext>
-            </a:extLst>
-          </p:cNvPr>
+          <p:cNvPr id="6" name="Slide Number Placeholder 5"/>
           <p:cNvSpPr>
             <a:spLocks noGrp="1"/>
           </p:cNvSpPr>
@@ -954,7 +993,7 @@
     </p:spTree>
     <p:extLst>
       <p:ext uri="{BB962C8B-B14F-4D97-AF65-F5344CB8AC3E}">
-        <p14:creationId xmlns:p14="http://schemas.microsoft.com/office/powerpoint/2010/main" val="3948801794"/>
+        <p14:creationId xmlns:p14="http://schemas.microsoft.com/office/powerpoint/2010/main" val="2288921423"/>
       </p:ext>
     </p:extLst>
   </p:cSld>
@@ -983,13 +1022,7 @@
       </p:grpSpPr>
       <p:sp>
         <p:nvSpPr>
-          <p:cNvPr id="2" name="縦書きタイトル 1">
-            <a:extLst>
-              <a:ext uri="{FF2B5EF4-FFF2-40B4-BE49-F238E27FC236}">
-                <a16:creationId xmlns:a16="http://schemas.microsoft.com/office/drawing/2014/main" id="{615203CB-830C-46E6-8D87-14BCB2EFCCF0}"/>
-              </a:ext>
-            </a:extLst>
-          </p:cNvPr>
+          <p:cNvPr id="2" name="Vertical Title 1"/>
           <p:cNvSpPr>
             <a:spLocks noGrp="1"/>
           </p:cNvSpPr>
@@ -999,8 +1032,8 @@
         </p:nvSpPr>
         <p:spPr>
           <a:xfrm>
-            <a:off x="8724900" y="365125"/>
-            <a:ext cx="2628900" cy="5811838"/>
+            <a:off x="8648700" y="381000"/>
+            <a:ext cx="2476500" cy="5897562"/>
           </a:xfrm>
         </p:spPr>
         <p:txBody>
@@ -1008,21 +1041,16 @@
           <a:lstStyle/>
           <a:p>
             <a:r>
-              <a:rPr kumimoji="1" lang="ja-JP" altLang="en-US"/>
+              <a:rPr lang="ja-JP" altLang="en-US"/>
               <a:t>マスター タイトルの書式設定</a:t>
             </a:r>
-          </a:p>
-        </p:txBody>
-      </p:sp>
-      <p:sp>
-        <p:nvSpPr>
-          <p:cNvPr id="3" name="縦書きテキスト プレースホルダー 2">
-            <a:extLst>
-              <a:ext uri="{FF2B5EF4-FFF2-40B4-BE49-F238E27FC236}">
-                <a16:creationId xmlns:a16="http://schemas.microsoft.com/office/drawing/2014/main" id="{0FCBD1A4-4C75-494A-ACD2-43E7C6B00E81}"/>
-              </a:ext>
-            </a:extLst>
-          </p:cNvPr>
+            <a:endParaRPr lang="en-US" dirty="0"/>
+          </a:p>
+        </p:txBody>
+      </p:sp>
+      <p:sp>
+        <p:nvSpPr>
+          <p:cNvPr id="3" name="Vertical Text Placeholder 2"/>
           <p:cNvSpPr>
             <a:spLocks noGrp="1"/>
           </p:cNvSpPr>
@@ -1032,8 +1060,8 @@
         </p:nvSpPr>
         <p:spPr>
           <a:xfrm>
-            <a:off x="838200" y="365125"/>
-            <a:ext cx="7734300" cy="5811838"/>
+            <a:off x="762000" y="381000"/>
+            <a:ext cx="7734300" cy="5897562"/>
           </a:xfrm>
         </p:spPr>
         <p:txBody>
@@ -1042,81 +1070,76 @@
           <a:p>
             <a:pPr lvl="0"/>
             <a:r>
-              <a:rPr kumimoji="1" lang="ja-JP" altLang="en-US"/>
+              <a:rPr lang="ja-JP" altLang="en-US"/>
               <a:t>マスター テキストの書式設定</a:t>
             </a:r>
           </a:p>
           <a:p>
             <a:pPr lvl="1"/>
             <a:r>
-              <a:rPr kumimoji="1" lang="ja-JP" altLang="en-US"/>
+              <a:rPr lang="ja-JP" altLang="en-US"/>
               <a:t>第 </a:t>
             </a:r>
             <a:r>
-              <a:rPr kumimoji="1" lang="en-US" altLang="ja-JP"/>
+              <a:rPr lang="en-US" altLang="ja-JP"/>
               <a:t>2 </a:t>
             </a:r>
             <a:r>
-              <a:rPr kumimoji="1" lang="ja-JP" altLang="en-US"/>
+              <a:rPr lang="ja-JP" altLang="en-US"/>
               <a:t>レベル</a:t>
             </a:r>
           </a:p>
           <a:p>
             <a:pPr lvl="2"/>
             <a:r>
-              <a:rPr kumimoji="1" lang="ja-JP" altLang="en-US"/>
+              <a:rPr lang="ja-JP" altLang="en-US"/>
               <a:t>第 </a:t>
             </a:r>
             <a:r>
-              <a:rPr kumimoji="1" lang="en-US" altLang="ja-JP"/>
+              <a:rPr lang="en-US" altLang="ja-JP"/>
               <a:t>3 </a:t>
             </a:r>
             <a:r>
-              <a:rPr kumimoji="1" lang="ja-JP" altLang="en-US"/>
+              <a:rPr lang="ja-JP" altLang="en-US"/>
               <a:t>レベル</a:t>
             </a:r>
           </a:p>
           <a:p>
             <a:pPr lvl="3"/>
             <a:r>
-              <a:rPr kumimoji="1" lang="ja-JP" altLang="en-US"/>
+              <a:rPr lang="ja-JP" altLang="en-US"/>
               <a:t>第 </a:t>
             </a:r>
             <a:r>
-              <a:rPr kumimoji="1" lang="en-US" altLang="ja-JP"/>
+              <a:rPr lang="en-US" altLang="ja-JP"/>
               <a:t>4 </a:t>
             </a:r>
             <a:r>
-              <a:rPr kumimoji="1" lang="ja-JP" altLang="en-US"/>
+              <a:rPr lang="ja-JP" altLang="en-US"/>
               <a:t>レベル</a:t>
             </a:r>
           </a:p>
           <a:p>
             <a:pPr lvl="4"/>
             <a:r>
-              <a:rPr kumimoji="1" lang="ja-JP" altLang="en-US"/>
+              <a:rPr lang="ja-JP" altLang="en-US"/>
               <a:t>第 </a:t>
             </a:r>
             <a:r>
-              <a:rPr kumimoji="1" lang="en-US" altLang="ja-JP"/>
+              <a:rPr lang="en-US" altLang="ja-JP"/>
               <a:t>5 </a:t>
             </a:r>
             <a:r>
-              <a:rPr kumimoji="1" lang="ja-JP" altLang="en-US"/>
+              <a:rPr lang="ja-JP" altLang="en-US"/>
               <a:t>レベル</a:t>
             </a:r>
-          </a:p>
-        </p:txBody>
-      </p:sp>
-      <p:sp>
-        <p:nvSpPr>
-          <p:cNvPr id="4" name="日付プレースホルダー 3">
-            <a:extLst>
-              <a:ext uri="{FF2B5EF4-FFF2-40B4-BE49-F238E27FC236}">
-                <a16:creationId xmlns:a16="http://schemas.microsoft.com/office/drawing/2014/main" id="{C84809E5-9067-487A-9230-7AD1C577AA46}"/>
-              </a:ext>
-            </a:extLst>
-          </p:cNvPr>
+            <a:endParaRPr lang="en-US" dirty="0"/>
+          </a:p>
+        </p:txBody>
+      </p:sp>
+      <p:sp>
+        <p:nvSpPr>
+          <p:cNvPr id="4" name="Date Placeholder 3"/>
           <p:cNvSpPr>
             <a:spLocks noGrp="1"/>
           </p:cNvSpPr>
@@ -1131,7 +1154,7 @@
           <a:p>
             <a:fld id="{DC4D95AC-18C1-46E4-B41F-A2EDA7BB3CE2}" type="datetimeFigureOut">
               <a:rPr kumimoji="1" lang="ja-JP" altLang="en-US" smtClean="0"/>
-              <a:t>2024/9/20</a:t>
+              <a:t>2024/9/24</a:t>
             </a:fld>
             <a:endParaRPr kumimoji="1" lang="ja-JP" altLang="en-US"/>
           </a:p>
@@ -1139,13 +1162,7 @@
       </p:sp>
       <p:sp>
         <p:nvSpPr>
-          <p:cNvPr id="5" name="フッター プレースホルダー 4">
-            <a:extLst>
-              <a:ext uri="{FF2B5EF4-FFF2-40B4-BE49-F238E27FC236}">
-                <a16:creationId xmlns:a16="http://schemas.microsoft.com/office/drawing/2014/main" id="{B7D1F259-DF53-40DB-B161-5D3909C32AC2}"/>
-              </a:ext>
-            </a:extLst>
-          </p:cNvPr>
+          <p:cNvPr id="5" name="Footer Placeholder 4"/>
           <p:cNvSpPr>
             <a:spLocks noGrp="1"/>
           </p:cNvSpPr>
@@ -1164,13 +1181,7 @@
       </p:sp>
       <p:sp>
         <p:nvSpPr>
-          <p:cNvPr id="6" name="スライド番号プレースホルダー 5">
-            <a:extLst>
-              <a:ext uri="{FF2B5EF4-FFF2-40B4-BE49-F238E27FC236}">
-                <a16:creationId xmlns:a16="http://schemas.microsoft.com/office/drawing/2014/main" id="{6FD32B8E-C49F-4E83-81F9-FF5112EBF3AE}"/>
-              </a:ext>
-            </a:extLst>
-          </p:cNvPr>
+          <p:cNvPr id="6" name="Slide Number Placeholder 5"/>
           <p:cNvSpPr>
             <a:spLocks noGrp="1"/>
           </p:cNvSpPr>
@@ -1194,7 +1205,7 @@
     </p:spTree>
     <p:extLst>
       <p:ext uri="{BB962C8B-B14F-4D97-AF65-F5344CB8AC3E}">
-        <p14:creationId xmlns:p14="http://schemas.microsoft.com/office/powerpoint/2010/main" val="447854167"/>
+        <p14:creationId xmlns:p14="http://schemas.microsoft.com/office/powerpoint/2010/main" val="842047955"/>
       </p:ext>
     </p:extLst>
   </p:cSld>
@@ -1223,13 +1234,7 @@
       </p:grpSpPr>
       <p:sp>
         <p:nvSpPr>
-          <p:cNvPr id="2" name="タイトル 1">
-            <a:extLst>
-              <a:ext uri="{FF2B5EF4-FFF2-40B4-BE49-F238E27FC236}">
-                <a16:creationId xmlns:a16="http://schemas.microsoft.com/office/drawing/2014/main" id="{3C8C321E-816C-46DE-A821-7B0472BD714A}"/>
-              </a:ext>
-            </a:extLst>
-          </p:cNvPr>
+          <p:cNvPr id="2" name="Title 1"/>
           <p:cNvSpPr>
             <a:spLocks noGrp="1"/>
           </p:cNvSpPr>
@@ -1243,21 +1248,16 @@
           <a:lstStyle/>
           <a:p>
             <a:r>
-              <a:rPr kumimoji="1" lang="ja-JP" altLang="en-US"/>
+              <a:rPr lang="ja-JP" altLang="en-US"/>
               <a:t>マスター タイトルの書式設定</a:t>
             </a:r>
-          </a:p>
-        </p:txBody>
-      </p:sp>
-      <p:sp>
-        <p:nvSpPr>
-          <p:cNvPr id="3" name="コンテンツ プレースホルダー 2">
-            <a:extLst>
-              <a:ext uri="{FF2B5EF4-FFF2-40B4-BE49-F238E27FC236}">
-                <a16:creationId xmlns:a16="http://schemas.microsoft.com/office/drawing/2014/main" id="{BABD6DD9-8CA4-47F8-BD76-4B3CD29C751F}"/>
-              </a:ext>
-            </a:extLst>
-          </p:cNvPr>
+            <a:endParaRPr lang="en-US" dirty="0"/>
+          </a:p>
+        </p:txBody>
+      </p:sp>
+      <p:sp>
+        <p:nvSpPr>
+          <p:cNvPr id="3" name="Content Placeholder 2"/>
           <p:cNvSpPr>
             <a:spLocks noGrp="1"/>
           </p:cNvSpPr>
@@ -1272,81 +1272,76 @@
           <a:p>
             <a:pPr lvl="0"/>
             <a:r>
-              <a:rPr kumimoji="1" lang="ja-JP" altLang="en-US"/>
+              <a:rPr lang="ja-JP" altLang="en-US"/>
               <a:t>マスター テキストの書式設定</a:t>
             </a:r>
           </a:p>
           <a:p>
             <a:pPr lvl="1"/>
             <a:r>
-              <a:rPr kumimoji="1" lang="ja-JP" altLang="en-US"/>
+              <a:rPr lang="ja-JP" altLang="en-US"/>
               <a:t>第 </a:t>
             </a:r>
             <a:r>
-              <a:rPr kumimoji="1" lang="en-US" altLang="ja-JP"/>
+              <a:rPr lang="en-US" altLang="ja-JP"/>
               <a:t>2 </a:t>
             </a:r>
             <a:r>
-              <a:rPr kumimoji="1" lang="ja-JP" altLang="en-US"/>
+              <a:rPr lang="ja-JP" altLang="en-US"/>
               <a:t>レベル</a:t>
             </a:r>
           </a:p>
           <a:p>
             <a:pPr lvl="2"/>
             <a:r>
-              <a:rPr kumimoji="1" lang="ja-JP" altLang="en-US"/>
+              <a:rPr lang="ja-JP" altLang="en-US"/>
               <a:t>第 </a:t>
             </a:r>
             <a:r>
-              <a:rPr kumimoji="1" lang="en-US" altLang="ja-JP"/>
+              <a:rPr lang="en-US" altLang="ja-JP"/>
               <a:t>3 </a:t>
             </a:r>
             <a:r>
-              <a:rPr kumimoji="1" lang="ja-JP" altLang="en-US"/>
+              <a:rPr lang="ja-JP" altLang="en-US"/>
               <a:t>レベル</a:t>
             </a:r>
           </a:p>
           <a:p>
             <a:pPr lvl="3"/>
             <a:r>
-              <a:rPr kumimoji="1" lang="ja-JP" altLang="en-US"/>
+              <a:rPr lang="ja-JP" altLang="en-US"/>
               <a:t>第 </a:t>
             </a:r>
             <a:r>
-              <a:rPr kumimoji="1" lang="en-US" altLang="ja-JP"/>
+              <a:rPr lang="en-US" altLang="ja-JP"/>
               <a:t>4 </a:t>
             </a:r>
             <a:r>
-              <a:rPr kumimoji="1" lang="ja-JP" altLang="en-US"/>
+              <a:rPr lang="ja-JP" altLang="en-US"/>
               <a:t>レベル</a:t>
             </a:r>
           </a:p>
           <a:p>
             <a:pPr lvl="4"/>
             <a:r>
-              <a:rPr kumimoji="1" lang="ja-JP" altLang="en-US"/>
+              <a:rPr lang="ja-JP" altLang="en-US"/>
               <a:t>第 </a:t>
             </a:r>
             <a:r>
-              <a:rPr kumimoji="1" lang="en-US" altLang="ja-JP"/>
+              <a:rPr lang="en-US" altLang="ja-JP"/>
               <a:t>5 </a:t>
             </a:r>
             <a:r>
-              <a:rPr kumimoji="1" lang="ja-JP" altLang="en-US"/>
+              <a:rPr lang="ja-JP" altLang="en-US"/>
               <a:t>レベル</a:t>
             </a:r>
-          </a:p>
-        </p:txBody>
-      </p:sp>
-      <p:sp>
-        <p:nvSpPr>
-          <p:cNvPr id="4" name="日付プレースホルダー 3">
-            <a:extLst>
-              <a:ext uri="{FF2B5EF4-FFF2-40B4-BE49-F238E27FC236}">
-                <a16:creationId xmlns:a16="http://schemas.microsoft.com/office/drawing/2014/main" id="{A6B9142A-40C3-4979-992E-F81ADD1136D1}"/>
-              </a:ext>
-            </a:extLst>
-          </p:cNvPr>
+            <a:endParaRPr lang="en-US" dirty="0"/>
+          </a:p>
+        </p:txBody>
+      </p:sp>
+      <p:sp>
+        <p:nvSpPr>
+          <p:cNvPr id="4" name="Date Placeholder 3"/>
           <p:cNvSpPr>
             <a:spLocks noGrp="1"/>
           </p:cNvSpPr>
@@ -1361,7 +1356,7 @@
           <a:p>
             <a:fld id="{DC4D95AC-18C1-46E4-B41F-A2EDA7BB3CE2}" type="datetimeFigureOut">
               <a:rPr kumimoji="1" lang="ja-JP" altLang="en-US" smtClean="0"/>
-              <a:t>2024/9/20</a:t>
+              <a:t>2024/9/24</a:t>
             </a:fld>
             <a:endParaRPr kumimoji="1" lang="ja-JP" altLang="en-US"/>
           </a:p>
@@ -1369,13 +1364,7 @@
       </p:sp>
       <p:sp>
         <p:nvSpPr>
-          <p:cNvPr id="5" name="フッター プレースホルダー 4">
-            <a:extLst>
-              <a:ext uri="{FF2B5EF4-FFF2-40B4-BE49-F238E27FC236}">
-                <a16:creationId xmlns:a16="http://schemas.microsoft.com/office/drawing/2014/main" id="{CB647E2C-46CF-4C95-9B52-C8B81DB5D0AD}"/>
-              </a:ext>
-            </a:extLst>
-          </p:cNvPr>
+          <p:cNvPr id="5" name="Footer Placeholder 4"/>
           <p:cNvSpPr>
             <a:spLocks noGrp="1"/>
           </p:cNvSpPr>
@@ -1394,13 +1383,7 @@
       </p:sp>
       <p:sp>
         <p:nvSpPr>
-          <p:cNvPr id="6" name="スライド番号プレースホルダー 5">
-            <a:extLst>
-              <a:ext uri="{FF2B5EF4-FFF2-40B4-BE49-F238E27FC236}">
-                <a16:creationId xmlns:a16="http://schemas.microsoft.com/office/drawing/2014/main" id="{F91DF809-4471-4903-914C-B10D9C457B42}"/>
-              </a:ext>
-            </a:extLst>
-          </p:cNvPr>
+          <p:cNvPr id="6" name="Slide Number Placeholder 5"/>
           <p:cNvSpPr>
             <a:spLocks noGrp="1"/>
           </p:cNvSpPr>
@@ -1424,7 +1407,7 @@
     </p:spTree>
     <p:extLst>
       <p:ext uri="{BB962C8B-B14F-4D97-AF65-F5344CB8AC3E}">
-        <p14:creationId xmlns:p14="http://schemas.microsoft.com/office/powerpoint/2010/main" val="2689517402"/>
+        <p14:creationId xmlns:p14="http://schemas.microsoft.com/office/powerpoint/2010/main" val="294983388"/>
       </p:ext>
     </p:extLst>
   </p:cSld>
@@ -1453,13 +1436,7 @@
       </p:grpSpPr>
       <p:sp>
         <p:nvSpPr>
-          <p:cNvPr id="2" name="タイトル 1">
-            <a:extLst>
-              <a:ext uri="{FF2B5EF4-FFF2-40B4-BE49-F238E27FC236}">
-                <a16:creationId xmlns:a16="http://schemas.microsoft.com/office/drawing/2014/main" id="{0A3542E2-BD1B-4F77-80C1-47A27F925CB4}"/>
-              </a:ext>
-            </a:extLst>
-          </p:cNvPr>
+          <p:cNvPr id="2" name="Title 1"/>
           <p:cNvSpPr>
             <a:spLocks noGrp="1"/>
           </p:cNvSpPr>
@@ -1469,34 +1446,34 @@
         </p:nvSpPr>
         <p:spPr>
           <a:xfrm>
-            <a:off x="831850" y="1709738"/>
-            <a:ext cx="10515600" cy="2852737"/>
-          </a:xfrm>
-        </p:spPr>
-        <p:txBody>
-          <a:bodyPr anchor="b"/>
+            <a:off x="1261872" y="758952"/>
+            <a:ext cx="9418320" cy="4041648"/>
+          </a:xfrm>
+        </p:spPr>
+        <p:txBody>
+          <a:bodyPr anchor="b">
+            <a:normAutofit/>
+          </a:bodyPr>
           <a:lstStyle>
             <a:lvl1pPr>
-              <a:defRPr sz="6000"/>
+              <a:lnSpc>
+                <a:spcPct val="85000"/>
+              </a:lnSpc>
+              <a:defRPr sz="7200" b="0"/>
             </a:lvl1pPr>
           </a:lstStyle>
           <a:p>
             <a:r>
-              <a:rPr kumimoji="1" lang="ja-JP" altLang="en-US"/>
+              <a:rPr lang="ja-JP" altLang="en-US"/>
               <a:t>マスター タイトルの書式設定</a:t>
             </a:r>
-          </a:p>
-        </p:txBody>
-      </p:sp>
-      <p:sp>
-        <p:nvSpPr>
-          <p:cNvPr id="3" name="テキスト プレースホルダー 2">
-            <a:extLst>
-              <a:ext uri="{FF2B5EF4-FFF2-40B4-BE49-F238E27FC236}">
-                <a16:creationId xmlns:a16="http://schemas.microsoft.com/office/drawing/2014/main" id="{06356BC9-3313-4C1C-910E-0FC9F63890C2}"/>
-              </a:ext>
-            </a:extLst>
-          </p:cNvPr>
+            <a:endParaRPr lang="en-US" dirty="0"/>
+          </a:p>
+        </p:txBody>
+      </p:sp>
+      <p:sp>
+        <p:nvSpPr>
+          <p:cNvPr id="3" name="Text Placeholder 2"/>
           <p:cNvSpPr>
             <a:spLocks noGrp="1"/>
           </p:cNvSpPr>
@@ -1506,26 +1483,29 @@
         </p:nvSpPr>
         <p:spPr>
           <a:xfrm>
-            <a:off x="831850" y="4589463"/>
-            <a:ext cx="10515600" cy="1500187"/>
-          </a:xfrm>
-        </p:spPr>
-        <p:txBody>
-          <a:bodyPr/>
+            <a:off x="1261872" y="4800600"/>
+            <a:ext cx="9418320" cy="1691640"/>
+          </a:xfrm>
+        </p:spPr>
+        <p:txBody>
+          <a:bodyPr anchor="t">
+            <a:normAutofit/>
+          </a:bodyPr>
           <a:lstStyle>
             <a:lvl1pPr marL="0" indent="0">
               <a:buNone/>
-              <a:defRPr sz="2400">
+              <a:defRPr sz="2200">
                 <a:solidFill>
                   <a:schemeClr val="tx1">
-                    <a:tint val="75000"/>
+                    <a:lumMod val="65000"/>
+                    <a:lumOff val="35000"/>
                   </a:schemeClr>
                 </a:solidFill>
               </a:defRPr>
             </a:lvl1pPr>
             <a:lvl2pPr marL="457200" indent="0">
               <a:buNone/>
-              <a:defRPr sz="2000">
+              <a:defRPr sz="1800">
                 <a:solidFill>
                   <a:schemeClr val="tx1">
                     <a:tint val="75000"/>
@@ -1535,7 +1515,7 @@
             </a:lvl2pPr>
             <a:lvl3pPr marL="914400" indent="0">
               <a:buNone/>
-              <a:defRPr sz="1800">
+              <a:defRPr sz="1600">
                 <a:solidFill>
                   <a:schemeClr val="tx1">
                     <a:tint val="75000"/>
@@ -1545,7 +1525,7 @@
             </a:lvl3pPr>
             <a:lvl4pPr marL="1371600" indent="0">
               <a:buNone/>
-              <a:defRPr sz="1600">
+              <a:defRPr sz="1400">
                 <a:solidFill>
                   <a:schemeClr val="tx1">
                     <a:tint val="75000"/>
@@ -1555,7 +1535,7 @@
             </a:lvl4pPr>
             <a:lvl5pPr marL="1828800" indent="0">
               <a:buNone/>
-              <a:defRPr sz="1600">
+              <a:defRPr sz="1400">
                 <a:solidFill>
                   <a:schemeClr val="tx1">
                     <a:tint val="75000"/>
@@ -1565,7 +1545,7 @@
             </a:lvl5pPr>
             <a:lvl6pPr marL="2286000" indent="0">
               <a:buNone/>
-              <a:defRPr sz="1600">
+              <a:defRPr sz="1400">
                 <a:solidFill>
                   <a:schemeClr val="tx1">
                     <a:tint val="75000"/>
@@ -1575,7 +1555,7 @@
             </a:lvl6pPr>
             <a:lvl7pPr marL="2743200" indent="0">
               <a:buNone/>
-              <a:defRPr sz="1600">
+              <a:defRPr sz="1400">
                 <a:solidFill>
                   <a:schemeClr val="tx1">
                     <a:tint val="75000"/>
@@ -1585,7 +1565,7 @@
             </a:lvl7pPr>
             <a:lvl8pPr marL="3200400" indent="0">
               <a:buNone/>
-              <a:defRPr sz="1600">
+              <a:defRPr sz="1400">
                 <a:solidFill>
                   <a:schemeClr val="tx1">
                     <a:tint val="75000"/>
@@ -1595,7 +1575,7 @@
             </a:lvl8pPr>
             <a:lvl9pPr marL="3657600" indent="0">
               <a:buNone/>
-              <a:defRPr sz="1600">
+              <a:defRPr sz="1400">
                 <a:solidFill>
                   <a:schemeClr val="tx1">
                     <a:tint val="75000"/>
@@ -1607,7 +1587,7 @@
           <a:p>
             <a:pPr lvl="0"/>
             <a:r>
-              <a:rPr kumimoji="1" lang="ja-JP" altLang="en-US"/>
+              <a:rPr lang="ja-JP" altLang="en-US"/>
               <a:t>マスター テキストの書式設定</a:t>
             </a:r>
           </a:p>
@@ -1615,13 +1595,7 @@
       </p:sp>
       <p:sp>
         <p:nvSpPr>
-          <p:cNvPr id="4" name="日付プレースホルダー 3">
-            <a:extLst>
-              <a:ext uri="{FF2B5EF4-FFF2-40B4-BE49-F238E27FC236}">
-                <a16:creationId xmlns:a16="http://schemas.microsoft.com/office/drawing/2014/main" id="{BBD05945-370D-4453-89C9-2474DEA9F9BD}"/>
-              </a:ext>
-            </a:extLst>
-          </p:cNvPr>
+          <p:cNvPr id="4" name="Date Placeholder 3"/>
           <p:cNvSpPr>
             <a:spLocks noGrp="1"/>
           </p:cNvSpPr>
@@ -1636,7 +1610,7 @@
           <a:p>
             <a:fld id="{DC4D95AC-18C1-46E4-B41F-A2EDA7BB3CE2}" type="datetimeFigureOut">
               <a:rPr kumimoji="1" lang="ja-JP" altLang="en-US" smtClean="0"/>
-              <a:t>2024/9/20</a:t>
+              <a:t>2024/9/24</a:t>
             </a:fld>
             <a:endParaRPr kumimoji="1" lang="ja-JP" altLang="en-US"/>
           </a:p>
@@ -1644,13 +1618,7 @@
       </p:sp>
       <p:sp>
         <p:nvSpPr>
-          <p:cNvPr id="5" name="フッター プレースホルダー 4">
-            <a:extLst>
-              <a:ext uri="{FF2B5EF4-FFF2-40B4-BE49-F238E27FC236}">
-                <a16:creationId xmlns:a16="http://schemas.microsoft.com/office/drawing/2014/main" id="{D683671F-E9A7-4E92-9662-5A2B06ED810B}"/>
-              </a:ext>
-            </a:extLst>
-          </p:cNvPr>
+          <p:cNvPr id="5" name="Footer Placeholder 4"/>
           <p:cNvSpPr>
             <a:spLocks noGrp="1"/>
           </p:cNvSpPr>
@@ -1669,13 +1637,7 @@
       </p:sp>
       <p:sp>
         <p:nvSpPr>
-          <p:cNvPr id="6" name="スライド番号プレースホルダー 5">
-            <a:extLst>
-              <a:ext uri="{FF2B5EF4-FFF2-40B4-BE49-F238E27FC236}">
-                <a16:creationId xmlns:a16="http://schemas.microsoft.com/office/drawing/2014/main" id="{E6D9A702-0424-47B3-B4F8-A18088557B40}"/>
-              </a:ext>
-            </a:extLst>
-          </p:cNvPr>
+          <p:cNvPr id="6" name="Slide Number Placeholder 5"/>
           <p:cNvSpPr>
             <a:spLocks noGrp="1"/>
           </p:cNvSpPr>
@@ -1696,10 +1658,48 @@
           </a:p>
         </p:txBody>
       </p:sp>
+      <p:sp>
+        <p:nvSpPr>
+          <p:cNvPr id="7" name="Rectangle 6"/>
+          <p:cNvSpPr/>
+          <p:nvPr/>
+        </p:nvSpPr>
+        <p:spPr>
+          <a:xfrm>
+            <a:off x="0" y="0"/>
+            <a:ext cx="457200" cy="6858000"/>
+          </a:xfrm>
+          <a:prstGeom prst="rect">
+            <a:avLst/>
+          </a:prstGeom>
+          <a:solidFill>
+            <a:schemeClr val="accent1"/>
+          </a:solidFill>
+          <a:ln>
+            <a:noFill/>
+          </a:ln>
+        </p:spPr>
+        <p:style>
+          <a:lnRef idx="2">
+            <a:schemeClr val="accent1">
+              <a:shade val="50000"/>
+            </a:schemeClr>
+          </a:lnRef>
+          <a:fillRef idx="1">
+            <a:schemeClr val="accent1"/>
+          </a:fillRef>
+          <a:effectRef idx="0">
+            <a:schemeClr val="accent1"/>
+          </a:effectRef>
+          <a:fontRef idx="minor">
+            <a:schemeClr val="lt1"/>
+          </a:fontRef>
+        </p:style>
+      </p:sp>
     </p:spTree>
     <p:extLst>
       <p:ext uri="{BB962C8B-B14F-4D97-AF65-F5344CB8AC3E}">
-        <p14:creationId xmlns:p14="http://schemas.microsoft.com/office/powerpoint/2010/main" val="2240069383"/>
+        <p14:creationId xmlns:p14="http://schemas.microsoft.com/office/powerpoint/2010/main" val="4251612884"/>
       </p:ext>
     </p:extLst>
   </p:cSld>
@@ -1728,13 +1728,7 @@
       </p:grpSpPr>
       <p:sp>
         <p:nvSpPr>
-          <p:cNvPr id="2" name="タイトル 1">
-            <a:extLst>
-              <a:ext uri="{FF2B5EF4-FFF2-40B4-BE49-F238E27FC236}">
-                <a16:creationId xmlns:a16="http://schemas.microsoft.com/office/drawing/2014/main" id="{9480EED5-5077-4437-B6E9-43609F58917F}"/>
-              </a:ext>
-            </a:extLst>
-          </p:cNvPr>
+          <p:cNvPr id="2" name="Title 1"/>
           <p:cNvSpPr>
             <a:spLocks noGrp="1"/>
           </p:cNvSpPr>
@@ -1748,21 +1742,16 @@
           <a:lstStyle/>
           <a:p>
             <a:r>
-              <a:rPr kumimoji="1" lang="ja-JP" altLang="en-US"/>
+              <a:rPr lang="ja-JP" altLang="en-US"/>
               <a:t>マスター タイトルの書式設定</a:t>
             </a:r>
-          </a:p>
-        </p:txBody>
-      </p:sp>
-      <p:sp>
-        <p:nvSpPr>
-          <p:cNvPr id="3" name="コンテンツ プレースホルダー 2">
-            <a:extLst>
-              <a:ext uri="{FF2B5EF4-FFF2-40B4-BE49-F238E27FC236}">
-                <a16:creationId xmlns:a16="http://schemas.microsoft.com/office/drawing/2014/main" id="{416A92D3-7C39-4345-AC02-20DCA5A54DC4}"/>
-              </a:ext>
-            </a:extLst>
-          </p:cNvPr>
+            <a:endParaRPr lang="en-US" dirty="0"/>
+          </a:p>
+        </p:txBody>
+      </p:sp>
+      <p:sp>
+        <p:nvSpPr>
+          <p:cNvPr id="3" name="Content Placeholder 2"/>
           <p:cNvSpPr>
             <a:spLocks noGrp="1"/>
           </p:cNvSpPr>
@@ -1772,91 +1761,114 @@
         </p:nvSpPr>
         <p:spPr>
           <a:xfrm>
-            <a:off x="838200" y="1825625"/>
-            <a:ext cx="5181600" cy="4351338"/>
+            <a:off x="1261872" y="1828800"/>
+            <a:ext cx="4480560" cy="4351337"/>
           </a:xfrm>
         </p:spPr>
         <p:txBody>
           <a:bodyPr/>
-          <a:lstStyle/>
+          <a:lstStyle>
+            <a:lvl1pPr>
+              <a:defRPr sz="1800"/>
+            </a:lvl1pPr>
+            <a:lvl2pPr>
+              <a:defRPr sz="1600"/>
+            </a:lvl2pPr>
+            <a:lvl3pPr>
+              <a:defRPr sz="1400"/>
+            </a:lvl3pPr>
+            <a:lvl4pPr>
+              <a:defRPr sz="1400"/>
+            </a:lvl4pPr>
+            <a:lvl5pPr>
+              <a:defRPr sz="1400"/>
+            </a:lvl5pPr>
+            <a:lvl6pPr>
+              <a:defRPr sz="1400"/>
+            </a:lvl6pPr>
+            <a:lvl7pPr>
+              <a:defRPr sz="1400"/>
+            </a:lvl7pPr>
+            <a:lvl8pPr>
+              <a:defRPr sz="1400"/>
+            </a:lvl8pPr>
+            <a:lvl9pPr>
+              <a:defRPr sz="1400"/>
+            </a:lvl9pPr>
+          </a:lstStyle>
           <a:p>
             <a:pPr lvl="0"/>
             <a:r>
-              <a:rPr kumimoji="1" lang="ja-JP" altLang="en-US"/>
+              <a:rPr lang="ja-JP" altLang="en-US"/>
               <a:t>マスター テキストの書式設定</a:t>
             </a:r>
           </a:p>
           <a:p>
             <a:pPr lvl="1"/>
             <a:r>
-              <a:rPr kumimoji="1" lang="ja-JP" altLang="en-US"/>
+              <a:rPr lang="ja-JP" altLang="en-US"/>
               <a:t>第 </a:t>
             </a:r>
             <a:r>
-              <a:rPr kumimoji="1" lang="en-US" altLang="ja-JP"/>
+              <a:rPr lang="en-US" altLang="ja-JP"/>
               <a:t>2 </a:t>
             </a:r>
             <a:r>
-              <a:rPr kumimoji="1" lang="ja-JP" altLang="en-US"/>
+              <a:rPr lang="ja-JP" altLang="en-US"/>
               <a:t>レベル</a:t>
             </a:r>
           </a:p>
           <a:p>
             <a:pPr lvl="2"/>
             <a:r>
-              <a:rPr kumimoji="1" lang="ja-JP" altLang="en-US"/>
+              <a:rPr lang="ja-JP" altLang="en-US"/>
               <a:t>第 </a:t>
             </a:r>
             <a:r>
-              <a:rPr kumimoji="1" lang="en-US" altLang="ja-JP"/>
+              <a:rPr lang="en-US" altLang="ja-JP"/>
               <a:t>3 </a:t>
             </a:r>
             <a:r>
-              <a:rPr kumimoji="1" lang="ja-JP" altLang="en-US"/>
+              <a:rPr lang="ja-JP" altLang="en-US"/>
               <a:t>レベル</a:t>
             </a:r>
           </a:p>
           <a:p>
             <a:pPr lvl="3"/>
             <a:r>
-              <a:rPr kumimoji="1" lang="ja-JP" altLang="en-US"/>
+              <a:rPr lang="ja-JP" altLang="en-US"/>
               <a:t>第 </a:t>
             </a:r>
             <a:r>
-              <a:rPr kumimoji="1" lang="en-US" altLang="ja-JP"/>
+              <a:rPr lang="en-US" altLang="ja-JP"/>
               <a:t>4 </a:t>
             </a:r>
             <a:r>
-              <a:rPr kumimoji="1" lang="ja-JP" altLang="en-US"/>
+              <a:rPr lang="ja-JP" altLang="en-US"/>
               <a:t>レベル</a:t>
             </a:r>
           </a:p>
           <a:p>
             <a:pPr lvl="4"/>
             <a:r>
-              <a:rPr kumimoji="1" lang="ja-JP" altLang="en-US"/>
+              <a:rPr lang="ja-JP" altLang="en-US"/>
               <a:t>第 </a:t>
             </a:r>
             <a:r>
-              <a:rPr kumimoji="1" lang="en-US" altLang="ja-JP"/>
+              <a:rPr lang="en-US" altLang="ja-JP"/>
               <a:t>5 </a:t>
             </a:r>
             <a:r>
-              <a:rPr kumimoji="1" lang="ja-JP" altLang="en-US"/>
+              <a:rPr lang="ja-JP" altLang="en-US"/>
               <a:t>レベル</a:t>
             </a:r>
-          </a:p>
-        </p:txBody>
-      </p:sp>
-      <p:sp>
-        <p:nvSpPr>
-          <p:cNvPr id="4" name="コンテンツ プレースホルダー 3">
-            <a:extLst>
-              <a:ext uri="{FF2B5EF4-FFF2-40B4-BE49-F238E27FC236}">
-                <a16:creationId xmlns:a16="http://schemas.microsoft.com/office/drawing/2014/main" id="{307946BF-BB45-434C-8C6D-06A395F5B069}"/>
-              </a:ext>
-            </a:extLst>
-          </p:cNvPr>
+            <a:endParaRPr lang="en-US" dirty="0"/>
+          </a:p>
+        </p:txBody>
+      </p:sp>
+      <p:sp>
+        <p:nvSpPr>
+          <p:cNvPr id="4" name="Content Placeholder 3"/>
           <p:cNvSpPr>
             <a:spLocks noGrp="1"/>
           </p:cNvSpPr>
@@ -1866,91 +1878,114 @@
         </p:nvSpPr>
         <p:spPr>
           <a:xfrm>
-            <a:off x="6172200" y="1825625"/>
-            <a:ext cx="5181600" cy="4351338"/>
+            <a:off x="6126480" y="1828800"/>
+            <a:ext cx="4480560" cy="4351337"/>
           </a:xfrm>
         </p:spPr>
         <p:txBody>
           <a:bodyPr/>
-          <a:lstStyle/>
+          <a:lstStyle>
+            <a:lvl1pPr>
+              <a:defRPr sz="1800"/>
+            </a:lvl1pPr>
+            <a:lvl2pPr>
+              <a:defRPr sz="1600"/>
+            </a:lvl2pPr>
+            <a:lvl3pPr>
+              <a:defRPr sz="1400"/>
+            </a:lvl3pPr>
+            <a:lvl4pPr>
+              <a:defRPr sz="1400"/>
+            </a:lvl4pPr>
+            <a:lvl5pPr>
+              <a:defRPr sz="1400"/>
+            </a:lvl5pPr>
+            <a:lvl6pPr>
+              <a:defRPr sz="1400"/>
+            </a:lvl6pPr>
+            <a:lvl7pPr>
+              <a:defRPr sz="1400"/>
+            </a:lvl7pPr>
+            <a:lvl8pPr>
+              <a:defRPr sz="1400"/>
+            </a:lvl8pPr>
+            <a:lvl9pPr>
+              <a:defRPr sz="1400"/>
+            </a:lvl9pPr>
+          </a:lstStyle>
           <a:p>
             <a:pPr lvl="0"/>
             <a:r>
-              <a:rPr kumimoji="1" lang="ja-JP" altLang="en-US"/>
+              <a:rPr lang="ja-JP" altLang="en-US"/>
               <a:t>マスター テキストの書式設定</a:t>
             </a:r>
           </a:p>
           <a:p>
             <a:pPr lvl="1"/>
             <a:r>
-              <a:rPr kumimoji="1" lang="ja-JP" altLang="en-US"/>
+              <a:rPr lang="ja-JP" altLang="en-US"/>
               <a:t>第 </a:t>
             </a:r>
             <a:r>
-              <a:rPr kumimoji="1" lang="en-US" altLang="ja-JP"/>
+              <a:rPr lang="en-US" altLang="ja-JP"/>
               <a:t>2 </a:t>
             </a:r>
             <a:r>
-              <a:rPr kumimoji="1" lang="ja-JP" altLang="en-US"/>
+              <a:rPr lang="ja-JP" altLang="en-US"/>
               <a:t>レベル</a:t>
             </a:r>
           </a:p>
           <a:p>
             <a:pPr lvl="2"/>
             <a:r>
-              <a:rPr kumimoji="1" lang="ja-JP" altLang="en-US"/>
+              <a:rPr lang="ja-JP" altLang="en-US"/>
               <a:t>第 </a:t>
             </a:r>
             <a:r>
-              <a:rPr kumimoji="1" lang="en-US" altLang="ja-JP"/>
+              <a:rPr lang="en-US" altLang="ja-JP"/>
               <a:t>3 </a:t>
             </a:r>
             <a:r>
-              <a:rPr kumimoji="1" lang="ja-JP" altLang="en-US"/>
+              <a:rPr lang="ja-JP" altLang="en-US"/>
               <a:t>レベル</a:t>
             </a:r>
           </a:p>
           <a:p>
             <a:pPr lvl="3"/>
             <a:r>
-              <a:rPr kumimoji="1" lang="ja-JP" altLang="en-US"/>
+              <a:rPr lang="ja-JP" altLang="en-US"/>
               <a:t>第 </a:t>
             </a:r>
             <a:r>
-              <a:rPr kumimoji="1" lang="en-US" altLang="ja-JP"/>
+              <a:rPr lang="en-US" altLang="ja-JP"/>
               <a:t>4 </a:t>
             </a:r>
             <a:r>
-              <a:rPr kumimoji="1" lang="ja-JP" altLang="en-US"/>
+              <a:rPr lang="ja-JP" altLang="en-US"/>
               <a:t>レベル</a:t>
             </a:r>
           </a:p>
           <a:p>
             <a:pPr lvl="4"/>
             <a:r>
-              <a:rPr kumimoji="1" lang="ja-JP" altLang="en-US"/>
+              <a:rPr lang="ja-JP" altLang="en-US"/>
               <a:t>第 </a:t>
             </a:r>
             <a:r>
-              <a:rPr kumimoji="1" lang="en-US" altLang="ja-JP"/>
+              <a:rPr lang="en-US" altLang="ja-JP"/>
               <a:t>5 </a:t>
             </a:r>
             <a:r>
-              <a:rPr kumimoji="1" lang="ja-JP" altLang="en-US"/>
+              <a:rPr lang="ja-JP" altLang="en-US"/>
               <a:t>レベル</a:t>
             </a:r>
-          </a:p>
-        </p:txBody>
-      </p:sp>
-      <p:sp>
-        <p:nvSpPr>
-          <p:cNvPr id="5" name="日付プレースホルダー 4">
-            <a:extLst>
-              <a:ext uri="{FF2B5EF4-FFF2-40B4-BE49-F238E27FC236}">
-                <a16:creationId xmlns:a16="http://schemas.microsoft.com/office/drawing/2014/main" id="{6ED5D03D-BA6E-43A8-8024-235272FC6B6A}"/>
-              </a:ext>
-            </a:extLst>
-          </p:cNvPr>
+            <a:endParaRPr lang="en-US" dirty="0"/>
+          </a:p>
+        </p:txBody>
+      </p:sp>
+      <p:sp>
+        <p:nvSpPr>
+          <p:cNvPr id="5" name="Date Placeholder 4"/>
           <p:cNvSpPr>
             <a:spLocks noGrp="1"/>
           </p:cNvSpPr>
@@ -1965,7 +2000,7 @@
           <a:p>
             <a:fld id="{DC4D95AC-18C1-46E4-B41F-A2EDA7BB3CE2}" type="datetimeFigureOut">
               <a:rPr kumimoji="1" lang="ja-JP" altLang="en-US" smtClean="0"/>
-              <a:t>2024/9/20</a:t>
+              <a:t>2024/9/24</a:t>
             </a:fld>
             <a:endParaRPr kumimoji="1" lang="ja-JP" altLang="en-US"/>
           </a:p>
@@ -1973,13 +2008,7 @@
       </p:sp>
       <p:sp>
         <p:nvSpPr>
-          <p:cNvPr id="6" name="フッター プレースホルダー 5">
-            <a:extLst>
-              <a:ext uri="{FF2B5EF4-FFF2-40B4-BE49-F238E27FC236}">
-                <a16:creationId xmlns:a16="http://schemas.microsoft.com/office/drawing/2014/main" id="{C574B855-D01C-43DB-B8A7-66DE581D314E}"/>
-              </a:ext>
-            </a:extLst>
-          </p:cNvPr>
+          <p:cNvPr id="6" name="Footer Placeholder 5"/>
           <p:cNvSpPr>
             <a:spLocks noGrp="1"/>
           </p:cNvSpPr>
@@ -1998,13 +2027,7 @@
       </p:sp>
       <p:sp>
         <p:nvSpPr>
-          <p:cNvPr id="7" name="スライド番号プレースホルダー 6">
-            <a:extLst>
-              <a:ext uri="{FF2B5EF4-FFF2-40B4-BE49-F238E27FC236}">
-                <a16:creationId xmlns:a16="http://schemas.microsoft.com/office/drawing/2014/main" id="{396F7081-E6D0-468F-A529-B4B10AD13372}"/>
-              </a:ext>
-            </a:extLst>
-          </p:cNvPr>
+          <p:cNvPr id="7" name="Slide Number Placeholder 6"/>
           <p:cNvSpPr>
             <a:spLocks noGrp="1"/>
           </p:cNvSpPr>
@@ -2028,7 +2051,7 @@
     </p:spTree>
     <p:extLst>
       <p:ext uri="{BB962C8B-B14F-4D97-AF65-F5344CB8AC3E}">
-        <p14:creationId xmlns:p14="http://schemas.microsoft.com/office/powerpoint/2010/main" val="1718743511"/>
+        <p14:creationId xmlns:p14="http://schemas.microsoft.com/office/powerpoint/2010/main" val="2589881988"/>
       </p:ext>
     </p:extLst>
   </p:cSld>
@@ -2057,13 +2080,7 @@
       </p:grpSpPr>
       <p:sp>
         <p:nvSpPr>
-          <p:cNvPr id="2" name="タイトル 1">
-            <a:extLst>
-              <a:ext uri="{FF2B5EF4-FFF2-40B4-BE49-F238E27FC236}">
-                <a16:creationId xmlns:a16="http://schemas.microsoft.com/office/drawing/2014/main" id="{7510D328-242A-4E4A-9401-A03F6E7E4091}"/>
-              </a:ext>
-            </a:extLst>
-          </p:cNvPr>
+          <p:cNvPr id="10" name="Title 9"/>
           <p:cNvSpPr>
             <a:spLocks noGrp="1"/>
           </p:cNvSpPr>
@@ -2071,32 +2088,22 @@
             <p:ph type="title"/>
           </p:nvPr>
         </p:nvSpPr>
-        <p:spPr>
-          <a:xfrm>
-            <a:off x="839788" y="365125"/>
-            <a:ext cx="10515600" cy="1325563"/>
-          </a:xfrm>
-        </p:spPr>
+        <p:spPr/>
         <p:txBody>
           <a:bodyPr/>
           <a:lstStyle/>
           <a:p>
             <a:r>
-              <a:rPr kumimoji="1" lang="ja-JP" altLang="en-US"/>
+              <a:rPr lang="ja-JP" altLang="en-US"/>
               <a:t>マスター タイトルの書式設定</a:t>
             </a:r>
-          </a:p>
-        </p:txBody>
-      </p:sp>
-      <p:sp>
-        <p:nvSpPr>
-          <p:cNvPr id="3" name="テキスト プレースホルダー 2">
-            <a:extLst>
-              <a:ext uri="{FF2B5EF4-FFF2-40B4-BE49-F238E27FC236}">
-                <a16:creationId xmlns:a16="http://schemas.microsoft.com/office/drawing/2014/main" id="{C49A09E1-D563-4108-B93A-ADA24322D7F8}"/>
-              </a:ext>
-            </a:extLst>
-          </p:cNvPr>
+            <a:endParaRPr lang="en-US" dirty="0"/>
+          </a:p>
+        </p:txBody>
+      </p:sp>
+      <p:sp>
+        <p:nvSpPr>
+          <p:cNvPr id="3" name="Text Placeholder 2"/>
           <p:cNvSpPr>
             <a:spLocks noGrp="1"/>
           </p:cNvSpPr>
@@ -2106,16 +2113,25 @@
         </p:nvSpPr>
         <p:spPr>
           <a:xfrm>
-            <a:off x="839788" y="1681163"/>
-            <a:ext cx="5157787" cy="823912"/>
-          </a:xfrm>
-        </p:spPr>
-        <p:txBody>
-          <a:bodyPr anchor="b"/>
+            <a:off x="1261872" y="1713655"/>
+            <a:ext cx="4480560" cy="731520"/>
+          </a:xfrm>
+        </p:spPr>
+        <p:txBody>
+          <a:bodyPr anchor="b">
+            <a:normAutofit/>
+          </a:bodyPr>
           <a:lstStyle>
             <a:lvl1pPr marL="0" indent="0">
+              <a:spcBef>
+                <a:spcPts val="0"/>
+              </a:spcBef>
               <a:buNone/>
-              <a:defRPr sz="2400" b="1"/>
+              <a:defRPr sz="2000" b="0">
+                <a:solidFill>
+                  <a:schemeClr val="tx2"/>
+                </a:solidFill>
+              </a:defRPr>
             </a:lvl1pPr>
             <a:lvl2pPr marL="457200" indent="0">
               <a:buNone/>
@@ -2153,7 +2169,7 @@
           <a:p>
             <a:pPr lvl="0"/>
             <a:r>
-              <a:rPr kumimoji="1" lang="ja-JP" altLang="en-US"/>
+              <a:rPr lang="ja-JP" altLang="en-US"/>
               <a:t>マスター テキストの書式設定</a:t>
             </a:r>
           </a:p>
@@ -2161,13 +2177,7 @@
       </p:sp>
       <p:sp>
         <p:nvSpPr>
-          <p:cNvPr id="4" name="コンテンツ プレースホルダー 3">
-            <a:extLst>
-              <a:ext uri="{FF2B5EF4-FFF2-40B4-BE49-F238E27FC236}">
-                <a16:creationId xmlns:a16="http://schemas.microsoft.com/office/drawing/2014/main" id="{14889D7B-9EB9-4751-938C-AF95EF6B382D}"/>
-              </a:ext>
-            </a:extLst>
-          </p:cNvPr>
+          <p:cNvPr id="4" name="Content Placeholder 3"/>
           <p:cNvSpPr>
             <a:spLocks noGrp="1"/>
           </p:cNvSpPr>
@@ -2177,91 +2187,114 @@
         </p:nvSpPr>
         <p:spPr>
           <a:xfrm>
-            <a:off x="839788" y="2505075"/>
-            <a:ext cx="5157787" cy="3684588"/>
+            <a:off x="1261872" y="2507550"/>
+            <a:ext cx="4480560" cy="3664650"/>
           </a:xfrm>
         </p:spPr>
         <p:txBody>
           <a:bodyPr/>
-          <a:lstStyle/>
+          <a:lstStyle>
+            <a:lvl1pPr>
+              <a:defRPr sz="1800"/>
+            </a:lvl1pPr>
+            <a:lvl2pPr>
+              <a:defRPr sz="1600"/>
+            </a:lvl2pPr>
+            <a:lvl3pPr>
+              <a:defRPr sz="1400"/>
+            </a:lvl3pPr>
+            <a:lvl4pPr>
+              <a:defRPr sz="1400"/>
+            </a:lvl4pPr>
+            <a:lvl5pPr>
+              <a:defRPr sz="1400"/>
+            </a:lvl5pPr>
+            <a:lvl6pPr>
+              <a:defRPr sz="1400"/>
+            </a:lvl6pPr>
+            <a:lvl7pPr>
+              <a:defRPr sz="1400"/>
+            </a:lvl7pPr>
+            <a:lvl8pPr>
+              <a:defRPr sz="1400"/>
+            </a:lvl8pPr>
+            <a:lvl9pPr>
+              <a:defRPr sz="1400"/>
+            </a:lvl9pPr>
+          </a:lstStyle>
           <a:p>
             <a:pPr lvl="0"/>
             <a:r>
-              <a:rPr kumimoji="1" lang="ja-JP" altLang="en-US"/>
+              <a:rPr lang="ja-JP" altLang="en-US"/>
               <a:t>マスター テキストの書式設定</a:t>
             </a:r>
           </a:p>
           <a:p>
             <a:pPr lvl="1"/>
             <a:r>
-              <a:rPr kumimoji="1" lang="ja-JP" altLang="en-US"/>
+              <a:rPr lang="ja-JP" altLang="en-US"/>
               <a:t>第 </a:t>
             </a:r>
             <a:r>
-              <a:rPr kumimoji="1" lang="en-US" altLang="ja-JP"/>
+              <a:rPr lang="en-US" altLang="ja-JP"/>
               <a:t>2 </a:t>
             </a:r>
             <a:r>
-              <a:rPr kumimoji="1" lang="ja-JP" altLang="en-US"/>
+              <a:rPr lang="ja-JP" altLang="en-US"/>
               <a:t>レベル</a:t>
             </a:r>
           </a:p>
           <a:p>
             <a:pPr lvl="2"/>
             <a:r>
-              <a:rPr kumimoji="1" lang="ja-JP" altLang="en-US"/>
+              <a:rPr lang="ja-JP" altLang="en-US"/>
               <a:t>第 </a:t>
             </a:r>
             <a:r>
-              <a:rPr kumimoji="1" lang="en-US" altLang="ja-JP"/>
+              <a:rPr lang="en-US" altLang="ja-JP"/>
               <a:t>3 </a:t>
             </a:r>
             <a:r>
-              <a:rPr kumimoji="1" lang="ja-JP" altLang="en-US"/>
+              <a:rPr lang="ja-JP" altLang="en-US"/>
               <a:t>レベル</a:t>
             </a:r>
           </a:p>
           <a:p>
             <a:pPr lvl="3"/>
             <a:r>
-              <a:rPr kumimoji="1" lang="ja-JP" altLang="en-US"/>
+              <a:rPr lang="ja-JP" altLang="en-US"/>
               <a:t>第 </a:t>
             </a:r>
             <a:r>
-              <a:rPr kumimoji="1" lang="en-US" altLang="ja-JP"/>
+              <a:rPr lang="en-US" altLang="ja-JP"/>
               <a:t>4 </a:t>
             </a:r>
             <a:r>
-              <a:rPr kumimoji="1" lang="ja-JP" altLang="en-US"/>
+              <a:rPr lang="ja-JP" altLang="en-US"/>
               <a:t>レベル</a:t>
             </a:r>
           </a:p>
           <a:p>
             <a:pPr lvl="4"/>
             <a:r>
-              <a:rPr kumimoji="1" lang="ja-JP" altLang="en-US"/>
+              <a:rPr lang="ja-JP" altLang="en-US"/>
               <a:t>第 </a:t>
             </a:r>
             <a:r>
-              <a:rPr kumimoji="1" lang="en-US" altLang="ja-JP"/>
+              <a:rPr lang="en-US" altLang="ja-JP"/>
               <a:t>5 </a:t>
             </a:r>
             <a:r>
-              <a:rPr kumimoji="1" lang="ja-JP" altLang="en-US"/>
+              <a:rPr lang="ja-JP" altLang="en-US"/>
               <a:t>レベル</a:t>
             </a:r>
-          </a:p>
-        </p:txBody>
-      </p:sp>
-      <p:sp>
-        <p:nvSpPr>
-          <p:cNvPr id="5" name="テキスト プレースホルダー 4">
-            <a:extLst>
-              <a:ext uri="{FF2B5EF4-FFF2-40B4-BE49-F238E27FC236}">
-                <a16:creationId xmlns:a16="http://schemas.microsoft.com/office/drawing/2014/main" id="{578403C7-2F18-4B4B-8099-41DF5160E615}"/>
-              </a:ext>
-            </a:extLst>
-          </p:cNvPr>
+            <a:endParaRPr lang="en-US" dirty="0"/>
+          </a:p>
+        </p:txBody>
+      </p:sp>
+      <p:sp>
+        <p:nvSpPr>
+          <p:cNvPr id="5" name="Text Placeholder 4"/>
           <p:cNvSpPr>
             <a:spLocks noGrp="1"/>
           </p:cNvSpPr>
@@ -2271,16 +2304,31 @@
         </p:nvSpPr>
         <p:spPr>
           <a:xfrm>
-            <a:off x="6172200" y="1681163"/>
-            <a:ext cx="5183188" cy="823912"/>
-          </a:xfrm>
-        </p:spPr>
-        <p:txBody>
-          <a:bodyPr anchor="b"/>
+            <a:off x="6126480" y="1713655"/>
+            <a:ext cx="4480560" cy="731520"/>
+          </a:xfrm>
+        </p:spPr>
+        <p:txBody>
+          <a:bodyPr anchor="b">
+            <a:normAutofit/>
+          </a:bodyPr>
           <a:lstStyle>
             <a:lvl1pPr marL="0" indent="0">
+              <a:lnSpc>
+                <a:spcPct val="95000"/>
+              </a:lnSpc>
+              <a:spcBef>
+                <a:spcPts val="0"/>
+              </a:spcBef>
               <a:buNone/>
-              <a:defRPr sz="2400" b="1"/>
+              <a:defRPr lang="en-US" sz="2000" b="0" kern="1200" dirty="0">
+                <a:solidFill>
+                  <a:schemeClr val="tx2"/>
+                </a:solidFill>
+                <a:latin typeface="+mn-lt"/>
+                <a:ea typeface="+mn-ea"/>
+                <a:cs typeface="+mn-cs"/>
+              </a:defRPr>
             </a:lvl1pPr>
             <a:lvl2pPr marL="457200" indent="0">
               <a:buNone/>
@@ -2316,9 +2364,18 @@
             </a:lvl9pPr>
           </a:lstStyle>
           <a:p>
-            <a:pPr lvl="0"/>
-            <a:r>
-              <a:rPr kumimoji="1" lang="ja-JP" altLang="en-US"/>
+            <a:pPr marL="0" lvl="0" indent="0" algn="l" defTabSz="914400" rtl="0" eaLnBrk="1" latinLnBrk="0" hangingPunct="1">
+              <a:lnSpc>
+                <a:spcPct val="90000"/>
+              </a:lnSpc>
+              <a:spcBef>
+                <a:spcPts val="2000"/>
+              </a:spcBef>
+              <a:buFontTx/>
+              <a:buNone/>
+            </a:pPr>
+            <a:r>
+              <a:rPr lang="ja-JP" altLang="en-US"/>
               <a:t>マスター テキストの書式設定</a:t>
             </a:r>
           </a:p>
@@ -2326,13 +2383,7 @@
       </p:sp>
       <p:sp>
         <p:nvSpPr>
-          <p:cNvPr id="6" name="コンテンツ プレースホルダー 5">
-            <a:extLst>
-              <a:ext uri="{FF2B5EF4-FFF2-40B4-BE49-F238E27FC236}">
-                <a16:creationId xmlns:a16="http://schemas.microsoft.com/office/drawing/2014/main" id="{581D9C75-9D0E-4A97-94E3-B08D992921D8}"/>
-              </a:ext>
-            </a:extLst>
-          </p:cNvPr>
+          <p:cNvPr id="6" name="Content Placeholder 5"/>
           <p:cNvSpPr>
             <a:spLocks noGrp="1"/>
           </p:cNvSpPr>
@@ -2342,91 +2393,114 @@
         </p:nvSpPr>
         <p:spPr>
           <a:xfrm>
-            <a:off x="6172200" y="2505075"/>
-            <a:ext cx="5183188" cy="3684588"/>
+            <a:off x="6126480" y="2507550"/>
+            <a:ext cx="4480560" cy="3664650"/>
           </a:xfrm>
         </p:spPr>
         <p:txBody>
           <a:bodyPr/>
-          <a:lstStyle/>
+          <a:lstStyle>
+            <a:lvl1pPr>
+              <a:defRPr sz="1800"/>
+            </a:lvl1pPr>
+            <a:lvl2pPr>
+              <a:defRPr sz="1600"/>
+            </a:lvl2pPr>
+            <a:lvl3pPr>
+              <a:defRPr sz="1400"/>
+            </a:lvl3pPr>
+            <a:lvl4pPr>
+              <a:defRPr sz="1400"/>
+            </a:lvl4pPr>
+            <a:lvl5pPr>
+              <a:defRPr sz="1400"/>
+            </a:lvl5pPr>
+            <a:lvl6pPr>
+              <a:defRPr sz="1400"/>
+            </a:lvl6pPr>
+            <a:lvl7pPr>
+              <a:defRPr sz="1400"/>
+            </a:lvl7pPr>
+            <a:lvl8pPr>
+              <a:defRPr sz="1400"/>
+            </a:lvl8pPr>
+            <a:lvl9pPr>
+              <a:defRPr sz="1400"/>
+            </a:lvl9pPr>
+          </a:lstStyle>
           <a:p>
             <a:pPr lvl="0"/>
             <a:r>
-              <a:rPr kumimoji="1" lang="ja-JP" altLang="en-US"/>
+              <a:rPr lang="ja-JP" altLang="en-US"/>
               <a:t>マスター テキストの書式設定</a:t>
             </a:r>
           </a:p>
           <a:p>
             <a:pPr lvl="1"/>
             <a:r>
-              <a:rPr kumimoji="1" lang="ja-JP" altLang="en-US"/>
+              <a:rPr lang="ja-JP" altLang="en-US"/>
               <a:t>第 </a:t>
             </a:r>
             <a:r>
-              <a:rPr kumimoji="1" lang="en-US" altLang="ja-JP"/>
+              <a:rPr lang="en-US" altLang="ja-JP"/>
               <a:t>2 </a:t>
             </a:r>
             <a:r>
-              <a:rPr kumimoji="1" lang="ja-JP" altLang="en-US"/>
+              <a:rPr lang="ja-JP" altLang="en-US"/>
               <a:t>レベル</a:t>
             </a:r>
           </a:p>
           <a:p>
             <a:pPr lvl="2"/>
             <a:r>
-              <a:rPr kumimoji="1" lang="ja-JP" altLang="en-US"/>
+              <a:rPr lang="ja-JP" altLang="en-US"/>
               <a:t>第 </a:t>
             </a:r>
             <a:r>
-              <a:rPr kumimoji="1" lang="en-US" altLang="ja-JP"/>
+              <a:rPr lang="en-US" altLang="ja-JP"/>
               <a:t>3 </a:t>
             </a:r>
             <a:r>
-              <a:rPr kumimoji="1" lang="ja-JP" altLang="en-US"/>
+              <a:rPr lang="ja-JP" altLang="en-US"/>
               <a:t>レベル</a:t>
             </a:r>
           </a:p>
           <a:p>
             <a:pPr lvl="3"/>
             <a:r>
-              <a:rPr kumimoji="1" lang="ja-JP" altLang="en-US"/>
+              <a:rPr lang="ja-JP" altLang="en-US"/>
               <a:t>第 </a:t>
             </a:r>
             <a:r>
-              <a:rPr kumimoji="1" lang="en-US" altLang="ja-JP"/>
+              <a:rPr lang="en-US" altLang="ja-JP"/>
               <a:t>4 </a:t>
             </a:r>
             <a:r>
-              <a:rPr kumimoji="1" lang="ja-JP" altLang="en-US"/>
+              <a:rPr lang="ja-JP" altLang="en-US"/>
               <a:t>レベル</a:t>
             </a:r>
           </a:p>
           <a:p>
             <a:pPr lvl="4"/>
             <a:r>
-              <a:rPr kumimoji="1" lang="ja-JP" altLang="en-US"/>
+              <a:rPr lang="ja-JP" altLang="en-US"/>
               <a:t>第 </a:t>
             </a:r>
             <a:r>
-              <a:rPr kumimoji="1" lang="en-US" altLang="ja-JP"/>
+              <a:rPr lang="en-US" altLang="ja-JP"/>
               <a:t>5 </a:t>
             </a:r>
             <a:r>
-              <a:rPr kumimoji="1" lang="ja-JP" altLang="en-US"/>
+              <a:rPr lang="ja-JP" altLang="en-US"/>
               <a:t>レベル</a:t>
             </a:r>
-          </a:p>
-        </p:txBody>
-      </p:sp>
-      <p:sp>
-        <p:nvSpPr>
-          <p:cNvPr id="7" name="日付プレースホルダー 6">
-            <a:extLst>
-              <a:ext uri="{FF2B5EF4-FFF2-40B4-BE49-F238E27FC236}">
-                <a16:creationId xmlns:a16="http://schemas.microsoft.com/office/drawing/2014/main" id="{127087A7-C67C-4D41-B813-115C0EF8368C}"/>
-              </a:ext>
-            </a:extLst>
-          </p:cNvPr>
+            <a:endParaRPr lang="en-US" dirty="0"/>
+          </a:p>
+        </p:txBody>
+      </p:sp>
+      <p:sp>
+        <p:nvSpPr>
+          <p:cNvPr id="7" name="Date Placeholder 6"/>
           <p:cNvSpPr>
             <a:spLocks noGrp="1"/>
           </p:cNvSpPr>
@@ -2441,7 +2515,7 @@
           <a:p>
             <a:fld id="{DC4D95AC-18C1-46E4-B41F-A2EDA7BB3CE2}" type="datetimeFigureOut">
               <a:rPr kumimoji="1" lang="ja-JP" altLang="en-US" smtClean="0"/>
-              <a:t>2024/9/20</a:t>
+              <a:t>2024/9/24</a:t>
             </a:fld>
             <a:endParaRPr kumimoji="1" lang="ja-JP" altLang="en-US"/>
           </a:p>
@@ -2449,13 +2523,7 @@
       </p:sp>
       <p:sp>
         <p:nvSpPr>
-          <p:cNvPr id="8" name="フッター プレースホルダー 7">
-            <a:extLst>
-              <a:ext uri="{FF2B5EF4-FFF2-40B4-BE49-F238E27FC236}">
-                <a16:creationId xmlns:a16="http://schemas.microsoft.com/office/drawing/2014/main" id="{E545614D-AE53-4BBB-9481-9FDC8F59F8A9}"/>
-              </a:ext>
-            </a:extLst>
-          </p:cNvPr>
+          <p:cNvPr id="8" name="Footer Placeholder 7"/>
           <p:cNvSpPr>
             <a:spLocks noGrp="1"/>
           </p:cNvSpPr>
@@ -2474,13 +2542,7 @@
       </p:sp>
       <p:sp>
         <p:nvSpPr>
-          <p:cNvPr id="9" name="スライド番号プレースホルダー 8">
-            <a:extLst>
-              <a:ext uri="{FF2B5EF4-FFF2-40B4-BE49-F238E27FC236}">
-                <a16:creationId xmlns:a16="http://schemas.microsoft.com/office/drawing/2014/main" id="{796070CF-1450-4A66-895D-2557A650902E}"/>
-              </a:ext>
-            </a:extLst>
-          </p:cNvPr>
+          <p:cNvPr id="9" name="Slide Number Placeholder 8"/>
           <p:cNvSpPr>
             <a:spLocks noGrp="1"/>
           </p:cNvSpPr>
@@ -2504,7 +2566,7 @@
     </p:spTree>
     <p:extLst>
       <p:ext uri="{BB962C8B-B14F-4D97-AF65-F5344CB8AC3E}">
-        <p14:creationId xmlns:p14="http://schemas.microsoft.com/office/powerpoint/2010/main" val="412441505"/>
+        <p14:creationId xmlns:p14="http://schemas.microsoft.com/office/powerpoint/2010/main" val="992205670"/>
       </p:ext>
     </p:extLst>
   </p:cSld>
@@ -2533,13 +2595,7 @@
       </p:grpSpPr>
       <p:sp>
         <p:nvSpPr>
-          <p:cNvPr id="2" name="タイトル 1">
-            <a:extLst>
-              <a:ext uri="{FF2B5EF4-FFF2-40B4-BE49-F238E27FC236}">
-                <a16:creationId xmlns:a16="http://schemas.microsoft.com/office/drawing/2014/main" id="{3475ED77-0D78-4BAF-8E3E-79EAD3E47B3E}"/>
-              </a:ext>
-            </a:extLst>
-          </p:cNvPr>
+          <p:cNvPr id="6" name="Title 5"/>
           <p:cNvSpPr>
             <a:spLocks noGrp="1"/>
           </p:cNvSpPr>
@@ -2553,21 +2609,16 @@
           <a:lstStyle/>
           <a:p>
             <a:r>
-              <a:rPr kumimoji="1" lang="ja-JP" altLang="en-US"/>
+              <a:rPr lang="ja-JP" altLang="en-US"/>
               <a:t>マスター タイトルの書式設定</a:t>
             </a:r>
-          </a:p>
-        </p:txBody>
-      </p:sp>
-      <p:sp>
-        <p:nvSpPr>
-          <p:cNvPr id="3" name="日付プレースホルダー 2">
-            <a:extLst>
-              <a:ext uri="{FF2B5EF4-FFF2-40B4-BE49-F238E27FC236}">
-                <a16:creationId xmlns:a16="http://schemas.microsoft.com/office/drawing/2014/main" id="{084FD607-0103-4D33-9D32-D09DF6C3ACA3}"/>
-              </a:ext>
-            </a:extLst>
-          </p:cNvPr>
+            <a:endParaRPr lang="en-US" dirty="0"/>
+          </a:p>
+        </p:txBody>
+      </p:sp>
+      <p:sp>
+        <p:nvSpPr>
+          <p:cNvPr id="3" name="Date Placeholder 2"/>
           <p:cNvSpPr>
             <a:spLocks noGrp="1"/>
           </p:cNvSpPr>
@@ -2582,7 +2633,7 @@
           <a:p>
             <a:fld id="{DC4D95AC-18C1-46E4-B41F-A2EDA7BB3CE2}" type="datetimeFigureOut">
               <a:rPr kumimoji="1" lang="ja-JP" altLang="en-US" smtClean="0"/>
-              <a:t>2024/9/20</a:t>
+              <a:t>2024/9/24</a:t>
             </a:fld>
             <a:endParaRPr kumimoji="1" lang="ja-JP" altLang="en-US"/>
           </a:p>
@@ -2590,13 +2641,7 @@
       </p:sp>
       <p:sp>
         <p:nvSpPr>
-          <p:cNvPr id="4" name="フッター プレースホルダー 3">
-            <a:extLst>
-              <a:ext uri="{FF2B5EF4-FFF2-40B4-BE49-F238E27FC236}">
-                <a16:creationId xmlns:a16="http://schemas.microsoft.com/office/drawing/2014/main" id="{46F82B2E-C5C8-4B25-A67E-6E15A72537DF}"/>
-              </a:ext>
-            </a:extLst>
-          </p:cNvPr>
+          <p:cNvPr id="4" name="Footer Placeholder 3"/>
           <p:cNvSpPr>
             <a:spLocks noGrp="1"/>
           </p:cNvSpPr>
@@ -2615,13 +2660,7 @@
       </p:sp>
       <p:sp>
         <p:nvSpPr>
-          <p:cNvPr id="5" name="スライド番号プレースホルダー 4">
-            <a:extLst>
-              <a:ext uri="{FF2B5EF4-FFF2-40B4-BE49-F238E27FC236}">
-                <a16:creationId xmlns:a16="http://schemas.microsoft.com/office/drawing/2014/main" id="{E1D11967-8896-4AF6-9F01-DBCEF53E7DBA}"/>
-              </a:ext>
-            </a:extLst>
-          </p:cNvPr>
+          <p:cNvPr id="5" name="Slide Number Placeholder 4"/>
           <p:cNvSpPr>
             <a:spLocks noGrp="1"/>
           </p:cNvSpPr>
@@ -2645,7 +2684,7 @@
     </p:spTree>
     <p:extLst>
       <p:ext uri="{BB962C8B-B14F-4D97-AF65-F5344CB8AC3E}">
-        <p14:creationId xmlns:p14="http://schemas.microsoft.com/office/powerpoint/2010/main" val="2115093399"/>
+        <p14:creationId xmlns:p14="http://schemas.microsoft.com/office/powerpoint/2010/main" val="2396599636"/>
       </p:ext>
     </p:extLst>
   </p:cSld>
@@ -2674,13 +2713,7 @@
       </p:grpSpPr>
       <p:sp>
         <p:nvSpPr>
-          <p:cNvPr id="2" name="日付プレースホルダー 1">
-            <a:extLst>
-              <a:ext uri="{FF2B5EF4-FFF2-40B4-BE49-F238E27FC236}">
-                <a16:creationId xmlns:a16="http://schemas.microsoft.com/office/drawing/2014/main" id="{9700AE8A-862D-4199-B38A-FC67EA225503}"/>
-              </a:ext>
-            </a:extLst>
-          </p:cNvPr>
+          <p:cNvPr id="2" name="Date Placeholder 1"/>
           <p:cNvSpPr>
             <a:spLocks noGrp="1"/>
           </p:cNvSpPr>
@@ -2695,7 +2728,7 @@
           <a:p>
             <a:fld id="{DC4D95AC-18C1-46E4-B41F-A2EDA7BB3CE2}" type="datetimeFigureOut">
               <a:rPr kumimoji="1" lang="ja-JP" altLang="en-US" smtClean="0"/>
-              <a:t>2024/9/20</a:t>
+              <a:t>2024/9/24</a:t>
             </a:fld>
             <a:endParaRPr kumimoji="1" lang="ja-JP" altLang="en-US"/>
           </a:p>
@@ -2703,13 +2736,7 @@
       </p:sp>
       <p:sp>
         <p:nvSpPr>
-          <p:cNvPr id="3" name="フッター プレースホルダー 2">
-            <a:extLst>
-              <a:ext uri="{FF2B5EF4-FFF2-40B4-BE49-F238E27FC236}">
-                <a16:creationId xmlns:a16="http://schemas.microsoft.com/office/drawing/2014/main" id="{46CD9E5E-2660-400D-84DA-19F6F8DEAE72}"/>
-              </a:ext>
-            </a:extLst>
-          </p:cNvPr>
+          <p:cNvPr id="3" name="Footer Placeholder 2"/>
           <p:cNvSpPr>
             <a:spLocks noGrp="1"/>
           </p:cNvSpPr>
@@ -2728,13 +2755,7 @@
       </p:sp>
       <p:sp>
         <p:nvSpPr>
-          <p:cNvPr id="4" name="スライド番号プレースホルダー 3">
-            <a:extLst>
-              <a:ext uri="{FF2B5EF4-FFF2-40B4-BE49-F238E27FC236}">
-                <a16:creationId xmlns:a16="http://schemas.microsoft.com/office/drawing/2014/main" id="{A488245D-D725-43B1-8C78-05791F1FAC00}"/>
-              </a:ext>
-            </a:extLst>
-          </p:cNvPr>
+          <p:cNvPr id="4" name="Slide Number Placeholder 3"/>
           <p:cNvSpPr>
             <a:spLocks noGrp="1"/>
           </p:cNvSpPr>
@@ -2758,7 +2779,7 @@
     </p:spTree>
     <p:extLst>
       <p:ext uri="{BB962C8B-B14F-4D97-AF65-F5344CB8AC3E}">
-        <p14:creationId xmlns:p14="http://schemas.microsoft.com/office/powerpoint/2010/main" val="3653364446"/>
+        <p14:creationId xmlns:p14="http://schemas.microsoft.com/office/powerpoint/2010/main" val="972757150"/>
       </p:ext>
     </p:extLst>
   </p:cSld>
@@ -2787,13 +2808,7 @@
       </p:grpSpPr>
       <p:sp>
         <p:nvSpPr>
-          <p:cNvPr id="2" name="タイトル 1">
-            <a:extLst>
-              <a:ext uri="{FF2B5EF4-FFF2-40B4-BE49-F238E27FC236}">
-                <a16:creationId xmlns:a16="http://schemas.microsoft.com/office/drawing/2014/main" id="{DA883FB0-C8A1-41A1-89F4-C464660C1B53}"/>
-              </a:ext>
-            </a:extLst>
-          </p:cNvPr>
+          <p:cNvPr id="2" name="Title 1"/>
           <p:cNvSpPr>
             <a:spLocks noGrp="1"/>
           </p:cNvSpPr>
@@ -2803,34 +2818,31 @@
         </p:nvSpPr>
         <p:spPr>
           <a:xfrm>
-            <a:off x="839788" y="457200"/>
-            <a:ext cx="3932237" cy="1600200"/>
-          </a:xfrm>
-        </p:spPr>
-        <p:txBody>
-          <a:bodyPr anchor="b"/>
+            <a:off x="841248" y="457200"/>
+            <a:ext cx="3200400" cy="1600197"/>
+          </a:xfrm>
+        </p:spPr>
+        <p:txBody>
+          <a:bodyPr anchor="b">
+            <a:normAutofit/>
+          </a:bodyPr>
           <a:lstStyle>
             <a:lvl1pPr>
-              <a:defRPr sz="3200"/>
+              <a:defRPr sz="3200" b="0" baseline="0"/>
             </a:lvl1pPr>
           </a:lstStyle>
           <a:p>
             <a:r>
-              <a:rPr kumimoji="1" lang="ja-JP" altLang="en-US"/>
+              <a:rPr lang="ja-JP" altLang="en-US"/>
               <a:t>マスター タイトルの書式設定</a:t>
             </a:r>
-          </a:p>
-        </p:txBody>
-      </p:sp>
-      <p:sp>
-        <p:nvSpPr>
-          <p:cNvPr id="3" name="コンテンツ プレースホルダー 2">
-            <a:extLst>
-              <a:ext uri="{FF2B5EF4-FFF2-40B4-BE49-F238E27FC236}">
-                <a16:creationId xmlns:a16="http://schemas.microsoft.com/office/drawing/2014/main" id="{00C05496-EFC5-47E1-9AE9-9CDC7B36BCFB}"/>
-              </a:ext>
-            </a:extLst>
-          </p:cNvPr>
+            <a:endParaRPr lang="en-US" dirty="0"/>
+          </a:p>
+        </p:txBody>
+      </p:sp>
+      <p:sp>
+        <p:nvSpPr>
+          <p:cNvPr id="3" name="Content Placeholder 2"/>
           <p:cNvSpPr>
             <a:spLocks noGrp="1"/>
           </p:cNvSpPr>
@@ -2840,119 +2852,114 @@
         </p:nvSpPr>
         <p:spPr>
           <a:xfrm>
-            <a:off x="5183188" y="987425"/>
-            <a:ext cx="6172200" cy="4873625"/>
+            <a:off x="4504267" y="685800"/>
+            <a:ext cx="6079066" cy="5486400"/>
           </a:xfrm>
         </p:spPr>
         <p:txBody>
           <a:bodyPr/>
           <a:lstStyle>
             <a:lvl1pPr>
-              <a:defRPr sz="3200"/>
+              <a:defRPr sz="2000"/>
             </a:lvl1pPr>
             <a:lvl2pPr>
-              <a:defRPr sz="2800"/>
+              <a:defRPr sz="1800"/>
             </a:lvl2pPr>
             <a:lvl3pPr>
-              <a:defRPr sz="2400"/>
+              <a:defRPr sz="1600"/>
             </a:lvl3pPr>
             <a:lvl4pPr>
-              <a:defRPr sz="2000"/>
+              <a:defRPr sz="1400"/>
             </a:lvl4pPr>
             <a:lvl5pPr>
-              <a:defRPr sz="2000"/>
+              <a:defRPr sz="1400"/>
             </a:lvl5pPr>
             <a:lvl6pPr>
-              <a:defRPr sz="2000"/>
+              <a:defRPr sz="1400"/>
             </a:lvl6pPr>
             <a:lvl7pPr>
-              <a:defRPr sz="2000"/>
+              <a:defRPr sz="1400"/>
             </a:lvl7pPr>
             <a:lvl8pPr>
-              <a:defRPr sz="2000"/>
+              <a:defRPr sz="1400"/>
             </a:lvl8pPr>
             <a:lvl9pPr>
-              <a:defRPr sz="2000"/>
+              <a:defRPr sz="1400"/>
             </a:lvl9pPr>
           </a:lstStyle>
           <a:p>
             <a:pPr lvl="0"/>
             <a:r>
-              <a:rPr kumimoji="1" lang="ja-JP" altLang="en-US"/>
+              <a:rPr lang="ja-JP" altLang="en-US"/>
               <a:t>マスター テキストの書式設定</a:t>
             </a:r>
           </a:p>
           <a:p>
             <a:pPr lvl="1"/>
             <a:r>
-              <a:rPr kumimoji="1" lang="ja-JP" altLang="en-US"/>
+              <a:rPr lang="ja-JP" altLang="en-US"/>
               <a:t>第 </a:t>
             </a:r>
             <a:r>
-              <a:rPr kumimoji="1" lang="en-US" altLang="ja-JP"/>
+              <a:rPr lang="en-US" altLang="ja-JP"/>
               <a:t>2 </a:t>
             </a:r>
             <a:r>
-              <a:rPr kumimoji="1" lang="ja-JP" altLang="en-US"/>
+              <a:rPr lang="ja-JP" altLang="en-US"/>
               <a:t>レベル</a:t>
             </a:r>
           </a:p>
           <a:p>
             <a:pPr lvl="2"/>
             <a:r>
-              <a:rPr kumimoji="1" lang="ja-JP" altLang="en-US"/>
+              <a:rPr lang="ja-JP" altLang="en-US"/>
               <a:t>第 </a:t>
             </a:r>
             <a:r>
-              <a:rPr kumimoji="1" lang="en-US" altLang="ja-JP"/>
+              <a:rPr lang="en-US" altLang="ja-JP"/>
               <a:t>3 </a:t>
             </a:r>
             <a:r>
-              <a:rPr kumimoji="1" lang="ja-JP" altLang="en-US"/>
+              <a:rPr lang="ja-JP" altLang="en-US"/>
               <a:t>レベル</a:t>
             </a:r>
           </a:p>
           <a:p>
             <a:pPr lvl="3"/>
             <a:r>
-              <a:rPr kumimoji="1" lang="ja-JP" altLang="en-US"/>
+              <a:rPr lang="ja-JP" altLang="en-US"/>
               <a:t>第 </a:t>
             </a:r>
             <a:r>
-              <a:rPr kumimoji="1" lang="en-US" altLang="ja-JP"/>
+              <a:rPr lang="en-US" altLang="ja-JP"/>
               <a:t>4 </a:t>
             </a:r>
             <a:r>
-              <a:rPr kumimoji="1" lang="ja-JP" altLang="en-US"/>
+              <a:rPr lang="ja-JP" altLang="en-US"/>
               <a:t>レベル</a:t>
             </a:r>
           </a:p>
           <a:p>
             <a:pPr lvl="4"/>
             <a:r>
-              <a:rPr kumimoji="1" lang="ja-JP" altLang="en-US"/>
+              <a:rPr lang="ja-JP" altLang="en-US"/>
               <a:t>第 </a:t>
             </a:r>
             <a:r>
-              <a:rPr kumimoji="1" lang="en-US" altLang="ja-JP"/>
+              <a:rPr lang="en-US" altLang="ja-JP"/>
               <a:t>5 </a:t>
             </a:r>
             <a:r>
-              <a:rPr kumimoji="1" lang="ja-JP" altLang="en-US"/>
+              <a:rPr lang="ja-JP" altLang="en-US"/>
               <a:t>レベル</a:t>
             </a:r>
-          </a:p>
-        </p:txBody>
-      </p:sp>
-      <p:sp>
-        <p:nvSpPr>
-          <p:cNvPr id="4" name="テキスト プレースホルダー 3">
-            <a:extLst>
-              <a:ext uri="{FF2B5EF4-FFF2-40B4-BE49-F238E27FC236}">
-                <a16:creationId xmlns:a16="http://schemas.microsoft.com/office/drawing/2014/main" id="{6B9C9E1D-502C-4610-B4DF-00190583A4AC}"/>
-              </a:ext>
-            </a:extLst>
-          </p:cNvPr>
+            <a:endParaRPr lang="en-US" dirty="0"/>
+          </a:p>
+        </p:txBody>
+      </p:sp>
+      <p:sp>
+        <p:nvSpPr>
+          <p:cNvPr id="4" name="Text Placeholder 3"/>
           <p:cNvSpPr>
             <a:spLocks noGrp="1"/>
           </p:cNvSpPr>
@@ -2962,54 +2969,62 @@
         </p:nvSpPr>
         <p:spPr>
           <a:xfrm>
-            <a:off x="839788" y="2057400"/>
-            <a:ext cx="3932237" cy="3811588"/>
-          </a:xfrm>
-        </p:spPr>
-        <p:txBody>
-          <a:bodyPr/>
+            <a:off x="841248" y="2099734"/>
+            <a:ext cx="3200400" cy="3810001"/>
+          </a:xfrm>
+        </p:spPr>
+        <p:txBody>
+          <a:bodyPr>
+            <a:normAutofit/>
+          </a:bodyPr>
           <a:lstStyle>
             <a:lvl1pPr marL="0" indent="0">
+              <a:lnSpc>
+                <a:spcPct val="114000"/>
+              </a:lnSpc>
+              <a:spcBef>
+                <a:spcPts val="800"/>
+              </a:spcBef>
               <a:buNone/>
-              <a:defRPr sz="1600"/>
+              <a:defRPr sz="1300"/>
             </a:lvl1pPr>
             <a:lvl2pPr marL="457200" indent="0">
               <a:buNone/>
-              <a:defRPr sz="1400"/>
+              <a:defRPr sz="1200"/>
             </a:lvl2pPr>
             <a:lvl3pPr marL="914400" indent="0">
               <a:buNone/>
-              <a:defRPr sz="1200"/>
+              <a:defRPr sz="1000"/>
             </a:lvl3pPr>
             <a:lvl4pPr marL="1371600" indent="0">
               <a:buNone/>
-              <a:defRPr sz="1000"/>
+              <a:defRPr sz="900"/>
             </a:lvl4pPr>
             <a:lvl5pPr marL="1828800" indent="0">
               <a:buNone/>
-              <a:defRPr sz="1000"/>
+              <a:defRPr sz="900"/>
             </a:lvl5pPr>
             <a:lvl6pPr marL="2286000" indent="0">
               <a:buNone/>
-              <a:defRPr sz="1000"/>
+              <a:defRPr sz="900"/>
             </a:lvl6pPr>
             <a:lvl7pPr marL="2743200" indent="0">
               <a:buNone/>
-              <a:defRPr sz="1000"/>
+              <a:defRPr sz="900"/>
             </a:lvl7pPr>
             <a:lvl8pPr marL="3200400" indent="0">
               <a:buNone/>
-              <a:defRPr sz="1000"/>
+              <a:defRPr sz="900"/>
             </a:lvl8pPr>
             <a:lvl9pPr marL="3657600" indent="0">
               <a:buNone/>
-              <a:defRPr sz="1000"/>
+              <a:defRPr sz="900"/>
             </a:lvl9pPr>
           </a:lstStyle>
           <a:p>
             <a:pPr lvl="0"/>
             <a:r>
-              <a:rPr kumimoji="1" lang="ja-JP" altLang="en-US"/>
+              <a:rPr lang="ja-JP" altLang="en-US"/>
               <a:t>マスター テキストの書式設定</a:t>
             </a:r>
           </a:p>
@@ -3017,13 +3032,7 @@
       </p:sp>
       <p:sp>
         <p:nvSpPr>
-          <p:cNvPr id="5" name="日付プレースホルダー 4">
-            <a:extLst>
-              <a:ext uri="{FF2B5EF4-FFF2-40B4-BE49-F238E27FC236}">
-                <a16:creationId xmlns:a16="http://schemas.microsoft.com/office/drawing/2014/main" id="{AB0B3604-9966-4596-B083-ED332E3222CC}"/>
-              </a:ext>
-            </a:extLst>
-          </p:cNvPr>
+          <p:cNvPr id="5" name="Date Placeholder 4"/>
           <p:cNvSpPr>
             <a:spLocks noGrp="1"/>
           </p:cNvSpPr>
@@ -3038,7 +3047,7 @@
           <a:p>
             <a:fld id="{DC4D95AC-18C1-46E4-B41F-A2EDA7BB3CE2}" type="datetimeFigureOut">
               <a:rPr kumimoji="1" lang="ja-JP" altLang="en-US" smtClean="0"/>
-              <a:t>2024/9/20</a:t>
+              <a:t>2024/9/24</a:t>
             </a:fld>
             <a:endParaRPr kumimoji="1" lang="ja-JP" altLang="en-US"/>
           </a:p>
@@ -3046,13 +3055,7 @@
       </p:sp>
       <p:sp>
         <p:nvSpPr>
-          <p:cNvPr id="6" name="フッター プレースホルダー 5">
-            <a:extLst>
-              <a:ext uri="{FF2B5EF4-FFF2-40B4-BE49-F238E27FC236}">
-                <a16:creationId xmlns:a16="http://schemas.microsoft.com/office/drawing/2014/main" id="{7F7FB46E-63BC-4A65-AEC7-70D72CBE0305}"/>
-              </a:ext>
-            </a:extLst>
-          </p:cNvPr>
+          <p:cNvPr id="6" name="Footer Placeholder 5"/>
           <p:cNvSpPr>
             <a:spLocks noGrp="1"/>
           </p:cNvSpPr>
@@ -3071,13 +3074,7 @@
       </p:sp>
       <p:sp>
         <p:nvSpPr>
-          <p:cNvPr id="7" name="スライド番号プレースホルダー 6">
-            <a:extLst>
-              <a:ext uri="{FF2B5EF4-FFF2-40B4-BE49-F238E27FC236}">
-                <a16:creationId xmlns:a16="http://schemas.microsoft.com/office/drawing/2014/main" id="{9D2581BF-26B4-4BAF-B7C3-8713DCCFD01A}"/>
-              </a:ext>
-            </a:extLst>
-          </p:cNvPr>
+          <p:cNvPr id="7" name="Slide Number Placeholder 6"/>
           <p:cNvSpPr>
             <a:spLocks noGrp="1"/>
           </p:cNvSpPr>
@@ -3101,7 +3098,7 @@
     </p:spTree>
     <p:extLst>
       <p:ext uri="{BB962C8B-B14F-4D97-AF65-F5344CB8AC3E}">
-        <p14:creationId xmlns:p14="http://schemas.microsoft.com/office/powerpoint/2010/main" val="836157772"/>
+        <p14:creationId xmlns:p14="http://schemas.microsoft.com/office/powerpoint/2010/main" val="934222949"/>
       </p:ext>
     </p:extLst>
   </p:cSld>
@@ -3130,13 +3127,45 @@
       </p:grpSpPr>
       <p:sp>
         <p:nvSpPr>
-          <p:cNvPr id="2" name="タイトル 1">
-            <a:extLst>
-              <a:ext uri="{FF2B5EF4-FFF2-40B4-BE49-F238E27FC236}">
-                <a16:creationId xmlns:a16="http://schemas.microsoft.com/office/drawing/2014/main" id="{81764515-6D64-4DEA-A29C-48961880F3D5}"/>
-              </a:ext>
-            </a:extLst>
-          </p:cNvPr>
+          <p:cNvPr id="8" name="Rectangle 7"/>
+          <p:cNvSpPr/>
+          <p:nvPr/>
+        </p:nvSpPr>
+        <p:spPr>
+          <a:xfrm>
+            <a:off x="0" y="5105400"/>
+            <a:ext cx="11292840" cy="1752600"/>
+          </a:xfrm>
+          <a:prstGeom prst="rect">
+            <a:avLst/>
+          </a:prstGeom>
+          <a:solidFill>
+            <a:srgbClr val="000000"/>
+          </a:solidFill>
+          <a:ln>
+            <a:noFill/>
+          </a:ln>
+        </p:spPr>
+        <p:style>
+          <a:lnRef idx="2">
+            <a:schemeClr val="accent1">
+              <a:shade val="50000"/>
+            </a:schemeClr>
+          </a:lnRef>
+          <a:fillRef idx="1">
+            <a:schemeClr val="accent1"/>
+          </a:fillRef>
+          <a:effectRef idx="0">
+            <a:schemeClr val="accent1"/>
+          </a:effectRef>
+          <a:fontRef idx="minor">
+            <a:schemeClr val="lt1"/>
+          </a:fontRef>
+        </p:style>
+      </p:sp>
+      <p:sp>
+        <p:nvSpPr>
+          <p:cNvPr id="2" name="Title 1"/>
           <p:cNvSpPr>
             <a:spLocks noGrp="1"/>
           </p:cNvSpPr>
@@ -3146,36 +3175,37 @@
         </p:nvSpPr>
         <p:spPr>
           <a:xfrm>
-            <a:off x="839788" y="457200"/>
-            <a:ext cx="3932237" cy="1600200"/>
-          </a:xfrm>
-        </p:spPr>
-        <p:txBody>
-          <a:bodyPr anchor="b"/>
+            <a:off x="914400" y="5257800"/>
+            <a:ext cx="9982200" cy="914400"/>
+          </a:xfrm>
+        </p:spPr>
+        <p:txBody>
+          <a:bodyPr anchor="b">
+            <a:normAutofit/>
+          </a:bodyPr>
           <a:lstStyle>
             <a:lvl1pPr>
-              <a:defRPr sz="3200"/>
+              <a:defRPr sz="2800" b="0">
+                <a:solidFill>
+                  <a:schemeClr val="bg1"/>
+                </a:solidFill>
+              </a:defRPr>
             </a:lvl1pPr>
           </a:lstStyle>
           <a:p>
             <a:r>
-              <a:rPr kumimoji="1" lang="ja-JP" altLang="en-US"/>
+              <a:rPr lang="ja-JP" altLang="en-US"/>
               <a:t>マスター タイトルの書式設定</a:t>
             </a:r>
-          </a:p>
-        </p:txBody>
-      </p:sp>
-      <p:sp>
-        <p:nvSpPr>
-          <p:cNvPr id="3" name="図プレースホルダー 2">
-            <a:extLst>
-              <a:ext uri="{FF2B5EF4-FFF2-40B4-BE49-F238E27FC236}">
-                <a16:creationId xmlns:a16="http://schemas.microsoft.com/office/drawing/2014/main" id="{8E645E9A-D70F-4EB3-B5E8-6EF22196BB69}"/>
-              </a:ext>
-            </a:extLst>
-          </p:cNvPr>
+            <a:endParaRPr lang="en-US" dirty="0"/>
+          </a:p>
+        </p:txBody>
+      </p:sp>
+      <p:sp>
+        <p:nvSpPr>
+          <p:cNvPr id="3" name="Picture Placeholder 2"/>
           <p:cNvSpPr>
-            <a:spLocks noGrp="1"/>
+            <a:spLocks noGrp="1" noChangeAspect="1"/>
           </p:cNvSpPr>
           <p:nvPr>
             <p:ph type="pic" idx="1"/>
@@ -3183,16 +3213,23 @@
         </p:nvSpPr>
         <p:spPr>
           <a:xfrm>
-            <a:off x="5183188" y="987425"/>
-            <a:ext cx="6172200" cy="4873625"/>
-          </a:xfrm>
-        </p:spPr>
-        <p:txBody>
-          <a:bodyPr/>
+            <a:off x="0" y="0"/>
+            <a:ext cx="11292840" cy="5128923"/>
+          </a:xfrm>
+          <a:solidFill>
+            <a:schemeClr val="accent1"/>
+          </a:solidFill>
+        </p:spPr>
+        <p:txBody>
+          <a:bodyPr anchor="t"/>
           <a:lstStyle>
             <a:lvl1pPr marL="0" indent="0">
               <a:buNone/>
-              <a:defRPr sz="3200"/>
+              <a:defRPr sz="3200">
+                <a:solidFill>
+                  <a:schemeClr val="bg1"/>
+                </a:solidFill>
+              </a:defRPr>
             </a:lvl1pPr>
             <a:lvl2pPr marL="457200" indent="0">
               <a:buNone/>
@@ -3228,19 +3265,17 @@
             </a:lvl9pPr>
           </a:lstStyle>
           <a:p>
-            <a:endParaRPr kumimoji="1" lang="ja-JP" altLang="en-US"/>
-          </a:p>
-        </p:txBody>
-      </p:sp>
-      <p:sp>
-        <p:nvSpPr>
-          <p:cNvPr id="4" name="テキスト プレースホルダー 3">
-            <a:extLst>
-              <a:ext uri="{FF2B5EF4-FFF2-40B4-BE49-F238E27FC236}">
-                <a16:creationId xmlns:a16="http://schemas.microsoft.com/office/drawing/2014/main" id="{AD89239F-C6CC-4D26-A51D-D41FF5297810}"/>
-              </a:ext>
-            </a:extLst>
-          </p:cNvPr>
+            <a:r>
+              <a:rPr lang="ja-JP" altLang="en-US"/>
+              <a:t>アイコンをクリックして図を追加</a:t>
+            </a:r>
+            <a:endParaRPr lang="en-US" dirty="0"/>
+          </a:p>
+        </p:txBody>
+      </p:sp>
+      <p:sp>
+        <p:nvSpPr>
+          <p:cNvPr id="4" name="Text Placeholder 3"/>
           <p:cNvSpPr>
             <a:spLocks noGrp="1"/>
           </p:cNvSpPr>
@@ -3250,54 +3285,68 @@
         </p:nvSpPr>
         <p:spPr>
           <a:xfrm>
-            <a:off x="839788" y="2057400"/>
-            <a:ext cx="3932237" cy="3811588"/>
-          </a:xfrm>
-        </p:spPr>
-        <p:txBody>
-          <a:bodyPr/>
+            <a:off x="914400" y="6108589"/>
+            <a:ext cx="9982200" cy="597011"/>
+          </a:xfrm>
+        </p:spPr>
+        <p:txBody>
+          <a:bodyPr>
+            <a:normAutofit/>
+          </a:bodyPr>
           <a:lstStyle>
             <a:lvl1pPr marL="0" indent="0">
+              <a:lnSpc>
+                <a:spcPct val="100000"/>
+              </a:lnSpc>
+              <a:spcBef>
+                <a:spcPts val="800"/>
+              </a:spcBef>
               <a:buNone/>
-              <a:defRPr sz="1600"/>
+              <a:defRPr sz="1300">
+                <a:solidFill>
+                  <a:schemeClr val="bg1">
+                    <a:lumMod val="85000"/>
+                  </a:schemeClr>
+                </a:solidFill>
+              </a:defRPr>
             </a:lvl1pPr>
             <a:lvl2pPr marL="457200" indent="0">
               <a:buNone/>
-              <a:defRPr sz="1400"/>
+              <a:defRPr sz="1200"/>
             </a:lvl2pPr>
             <a:lvl3pPr marL="914400" indent="0">
               <a:buNone/>
-              <a:defRPr sz="1200"/>
+              <a:defRPr sz="1000"/>
             </a:lvl3pPr>
             <a:lvl4pPr marL="1371600" indent="0">
               <a:buNone/>
-              <a:defRPr sz="1000"/>
+              <a:defRPr sz="900"/>
             </a:lvl4pPr>
             <a:lvl5pPr marL="1828800" indent="0">
               <a:buNone/>
-              <a:defRPr sz="1000"/>
+              <a:defRPr sz="900"/>
             </a:lvl5pPr>
             <a:lvl6pPr marL="2286000" indent="0">
               <a:buNone/>
-              <a:defRPr sz="1000"/>
+              <a:defRPr sz="900"/>
             </a:lvl6pPr>
             <a:lvl7pPr marL="2743200" indent="0">
               <a:buNone/>
-              <a:defRPr sz="1000"/>
+              <a:defRPr sz="900"/>
             </a:lvl7pPr>
             <a:lvl8pPr marL="3200400" indent="0">
               <a:buNone/>
-              <a:defRPr sz="1000"/>
+              <a:defRPr sz="900"/>
             </a:lvl8pPr>
             <a:lvl9pPr marL="3657600" indent="0">
               <a:buNone/>
-              <a:defRPr sz="1000"/>
+              <a:defRPr sz="900"/>
             </a:lvl9pPr>
           </a:lstStyle>
           <a:p>
             <a:pPr lvl="0"/>
             <a:r>
-              <a:rPr kumimoji="1" lang="ja-JP" altLang="en-US"/>
+              <a:rPr lang="ja-JP" altLang="en-US"/>
               <a:t>マスター テキストの書式設定</a:t>
             </a:r>
           </a:p>
@@ -3305,13 +3354,7 @@
       </p:sp>
       <p:sp>
         <p:nvSpPr>
-          <p:cNvPr id="5" name="日付プレースホルダー 4">
-            <a:extLst>
-              <a:ext uri="{FF2B5EF4-FFF2-40B4-BE49-F238E27FC236}">
-                <a16:creationId xmlns:a16="http://schemas.microsoft.com/office/drawing/2014/main" id="{625C8073-EF73-456D-B205-D8264E4EC687}"/>
-              </a:ext>
-            </a:extLst>
-          </p:cNvPr>
+          <p:cNvPr id="5" name="Date Placeholder 4"/>
           <p:cNvSpPr>
             <a:spLocks noGrp="1"/>
           </p:cNvSpPr>
@@ -3326,7 +3369,7 @@
           <a:p>
             <a:fld id="{DC4D95AC-18C1-46E4-B41F-A2EDA7BB3CE2}" type="datetimeFigureOut">
               <a:rPr kumimoji="1" lang="ja-JP" altLang="en-US" smtClean="0"/>
-              <a:t>2024/9/20</a:t>
+              <a:t>2024/9/24</a:t>
             </a:fld>
             <a:endParaRPr kumimoji="1" lang="ja-JP" altLang="en-US"/>
           </a:p>
@@ -3334,13 +3377,7 @@
       </p:sp>
       <p:sp>
         <p:nvSpPr>
-          <p:cNvPr id="6" name="フッター プレースホルダー 5">
-            <a:extLst>
-              <a:ext uri="{FF2B5EF4-FFF2-40B4-BE49-F238E27FC236}">
-                <a16:creationId xmlns:a16="http://schemas.microsoft.com/office/drawing/2014/main" id="{05F86E6E-5D91-4609-850E-31433B1F50A4}"/>
-              </a:ext>
-            </a:extLst>
-          </p:cNvPr>
+          <p:cNvPr id="6" name="Footer Placeholder 5"/>
           <p:cNvSpPr>
             <a:spLocks noGrp="1"/>
           </p:cNvSpPr>
@@ -3359,13 +3396,7 @@
       </p:sp>
       <p:sp>
         <p:nvSpPr>
-          <p:cNvPr id="7" name="スライド番号プレースホルダー 6">
-            <a:extLst>
-              <a:ext uri="{FF2B5EF4-FFF2-40B4-BE49-F238E27FC236}">
-                <a16:creationId xmlns:a16="http://schemas.microsoft.com/office/drawing/2014/main" id="{D6376A39-EB5E-4B29-8A7A-37C4378B985A}"/>
-              </a:ext>
-            </a:extLst>
-          </p:cNvPr>
+          <p:cNvPr id="7" name="Slide Number Placeholder 6"/>
           <p:cNvSpPr>
             <a:spLocks noGrp="1"/>
           </p:cNvSpPr>
@@ -3389,7 +3420,7 @@
     </p:spTree>
     <p:extLst>
       <p:ext uri="{BB962C8B-B14F-4D97-AF65-F5344CB8AC3E}">
-        <p14:creationId xmlns:p14="http://schemas.microsoft.com/office/powerpoint/2010/main" val="2252188643"/>
+        <p14:creationId xmlns:p14="http://schemas.microsoft.com/office/powerpoint/2010/main" val="1016299975"/>
       </p:ext>
     </p:extLst>
   </p:cSld>
@@ -3423,13 +3454,47 @@
       </p:grpSpPr>
       <p:sp>
         <p:nvSpPr>
-          <p:cNvPr id="2" name="タイトル プレースホルダー 1">
-            <a:extLst>
-              <a:ext uri="{FF2B5EF4-FFF2-40B4-BE49-F238E27FC236}">
-                <a16:creationId xmlns:a16="http://schemas.microsoft.com/office/drawing/2014/main" id="{CEFF54FA-A589-4076-8E23-AEC7045FC5CF}"/>
-              </a:ext>
-            </a:extLst>
-          </p:cNvPr>
+          <p:cNvPr id="7" name="Rectangle 6"/>
+          <p:cNvSpPr/>
+          <p:nvPr/>
+        </p:nvSpPr>
+        <p:spPr>
+          <a:xfrm>
+            <a:off x="11292840" y="0"/>
+            <a:ext cx="914400" cy="6858000"/>
+          </a:xfrm>
+          <a:prstGeom prst="rect">
+            <a:avLst/>
+          </a:prstGeom>
+          <a:solidFill>
+            <a:schemeClr val="tx2">
+              <a:lumMod val="75000"/>
+            </a:schemeClr>
+          </a:solidFill>
+          <a:ln>
+            <a:noFill/>
+          </a:ln>
+        </p:spPr>
+        <p:style>
+          <a:lnRef idx="2">
+            <a:schemeClr val="accent1">
+              <a:shade val="50000"/>
+            </a:schemeClr>
+          </a:lnRef>
+          <a:fillRef idx="1">
+            <a:schemeClr val="accent1"/>
+          </a:fillRef>
+          <a:effectRef idx="0">
+            <a:schemeClr val="accent1"/>
+          </a:effectRef>
+          <a:fontRef idx="minor">
+            <a:schemeClr val="lt1"/>
+          </a:fontRef>
+        </p:style>
+      </p:sp>
+      <p:sp>
+        <p:nvSpPr>
+          <p:cNvPr id="2" name="Title Placeholder 1"/>
           <p:cNvSpPr>
             <a:spLocks noGrp="1"/>
           </p:cNvSpPr>
@@ -3439,35 +3504,30 @@
         </p:nvSpPr>
         <p:spPr>
           <a:xfrm>
-            <a:off x="838200" y="365125"/>
-            <a:ext cx="10515600" cy="1325563"/>
+            <a:off x="1261872" y="365760"/>
+            <a:ext cx="9692640" cy="1325562"/>
           </a:xfrm>
           <a:prstGeom prst="rect">
             <a:avLst/>
           </a:prstGeom>
         </p:spPr>
         <p:txBody>
-          <a:bodyPr vert="horz" lIns="91440" tIns="45720" rIns="91440" bIns="45720" rtlCol="0" anchor="ctr">
+          <a:bodyPr vert="horz" lIns="91440" tIns="45720" rIns="91440" bIns="45720" rtlCol="0" anchor="b">
             <a:normAutofit/>
           </a:bodyPr>
           <a:lstStyle/>
           <a:p>
             <a:r>
-              <a:rPr kumimoji="1" lang="ja-JP" altLang="en-US"/>
+              <a:rPr lang="ja-JP" altLang="en-US"/>
               <a:t>マスター タイトルの書式設定</a:t>
             </a:r>
-          </a:p>
-        </p:txBody>
-      </p:sp>
-      <p:sp>
-        <p:nvSpPr>
-          <p:cNvPr id="3" name="テキスト プレースホルダー 2">
-            <a:extLst>
-              <a:ext uri="{FF2B5EF4-FFF2-40B4-BE49-F238E27FC236}">
-                <a16:creationId xmlns:a16="http://schemas.microsoft.com/office/drawing/2014/main" id="{45EA4A02-2980-43A6-94A9-1611EB6F33C6}"/>
-              </a:ext>
-            </a:extLst>
-          </p:cNvPr>
+            <a:endParaRPr lang="en-US" dirty="0"/>
+          </a:p>
+        </p:txBody>
+      </p:sp>
+      <p:sp>
+        <p:nvSpPr>
+          <p:cNvPr id="3" name="Text Placeholder 2"/>
           <p:cNvSpPr>
             <a:spLocks noGrp="1"/>
           </p:cNvSpPr>
@@ -3477,8 +3537,8 @@
         </p:nvSpPr>
         <p:spPr>
           <a:xfrm>
-            <a:off x="838200" y="1825625"/>
-            <a:ext cx="10515600" cy="4351338"/>
+            <a:off x="1261872" y="1828800"/>
+            <a:ext cx="8595360" cy="4351337"/>
           </a:xfrm>
           <a:prstGeom prst="rect">
             <a:avLst/>
@@ -3492,81 +3552,76 @@
           <a:p>
             <a:pPr lvl="0"/>
             <a:r>
-              <a:rPr kumimoji="1" lang="ja-JP" altLang="en-US"/>
+              <a:rPr lang="ja-JP" altLang="en-US"/>
               <a:t>マスター テキストの書式設定</a:t>
             </a:r>
           </a:p>
           <a:p>
             <a:pPr lvl="1"/>
             <a:r>
-              <a:rPr kumimoji="1" lang="ja-JP" altLang="en-US"/>
+              <a:rPr lang="ja-JP" altLang="en-US"/>
               <a:t>第 </a:t>
             </a:r>
             <a:r>
-              <a:rPr kumimoji="1" lang="en-US" altLang="ja-JP"/>
+              <a:rPr lang="en-US" altLang="ja-JP"/>
               <a:t>2 </a:t>
             </a:r>
             <a:r>
-              <a:rPr kumimoji="1" lang="ja-JP" altLang="en-US"/>
+              <a:rPr lang="ja-JP" altLang="en-US"/>
               <a:t>レベル</a:t>
             </a:r>
           </a:p>
           <a:p>
             <a:pPr lvl="2"/>
             <a:r>
-              <a:rPr kumimoji="1" lang="ja-JP" altLang="en-US"/>
+              <a:rPr lang="ja-JP" altLang="en-US"/>
               <a:t>第 </a:t>
             </a:r>
             <a:r>
-              <a:rPr kumimoji="1" lang="en-US" altLang="ja-JP"/>
+              <a:rPr lang="en-US" altLang="ja-JP"/>
               <a:t>3 </a:t>
             </a:r>
             <a:r>
-              <a:rPr kumimoji="1" lang="ja-JP" altLang="en-US"/>
+              <a:rPr lang="ja-JP" altLang="en-US"/>
               <a:t>レベル</a:t>
             </a:r>
           </a:p>
           <a:p>
             <a:pPr lvl="3"/>
             <a:r>
-              <a:rPr kumimoji="1" lang="ja-JP" altLang="en-US"/>
+              <a:rPr lang="ja-JP" altLang="en-US"/>
               <a:t>第 </a:t>
             </a:r>
             <a:r>
-              <a:rPr kumimoji="1" lang="en-US" altLang="ja-JP"/>
+              <a:rPr lang="en-US" altLang="ja-JP"/>
               <a:t>4 </a:t>
             </a:r>
             <a:r>
-              <a:rPr kumimoji="1" lang="ja-JP" altLang="en-US"/>
+              <a:rPr lang="ja-JP" altLang="en-US"/>
               <a:t>レベル</a:t>
             </a:r>
           </a:p>
           <a:p>
             <a:pPr lvl="4"/>
             <a:r>
-              <a:rPr kumimoji="1" lang="ja-JP" altLang="en-US"/>
+              <a:rPr lang="ja-JP" altLang="en-US"/>
               <a:t>第 </a:t>
             </a:r>
             <a:r>
-              <a:rPr kumimoji="1" lang="en-US" altLang="ja-JP"/>
+              <a:rPr lang="en-US" altLang="ja-JP"/>
               <a:t>5 </a:t>
             </a:r>
             <a:r>
-              <a:rPr kumimoji="1" lang="ja-JP" altLang="en-US"/>
+              <a:rPr lang="ja-JP" altLang="en-US"/>
               <a:t>レベル</a:t>
             </a:r>
-          </a:p>
-        </p:txBody>
-      </p:sp>
-      <p:sp>
-        <p:nvSpPr>
-          <p:cNvPr id="4" name="日付プレースホルダー 3">
-            <a:extLst>
-              <a:ext uri="{FF2B5EF4-FFF2-40B4-BE49-F238E27FC236}">
-                <a16:creationId xmlns:a16="http://schemas.microsoft.com/office/drawing/2014/main" id="{EE0348D1-7F88-449C-B578-3FC48C36C72C}"/>
-              </a:ext>
-            </a:extLst>
-          </p:cNvPr>
+            <a:endParaRPr lang="en-US" dirty="0"/>
+          </a:p>
+        </p:txBody>
+      </p:sp>
+      <p:sp>
+        <p:nvSpPr>
+          <p:cNvPr id="4" name="Date Placeholder 3"/>
           <p:cNvSpPr>
             <a:spLocks noGrp="1"/>
           </p:cNvSpPr>
@@ -3575,9 +3630,9 @@
           </p:nvPr>
         </p:nvSpPr>
         <p:spPr>
-          <a:xfrm>
-            <a:off x="838200" y="6356350"/>
-            <a:ext cx="2743200" cy="365125"/>
+          <a:xfrm rot="16200000">
+            <a:off x="10797542" y="998537"/>
+            <a:ext cx="1904999" cy="365125"/>
           </a:xfrm>
           <a:prstGeom prst="rect">
             <a:avLst/>
@@ -3586,11 +3641,12 @@
         <p:txBody>
           <a:bodyPr vert="horz" lIns="91440" tIns="45720" rIns="91440" bIns="45720" rtlCol="0" anchor="ctr"/>
           <a:lstStyle>
-            <a:lvl1pPr algn="l">
-              <a:defRPr sz="1200">
+            <a:lvl1pPr algn="r">
+              <a:defRPr sz="1050" b="0">
                 <a:solidFill>
-                  <a:schemeClr val="tx1">
-                    <a:tint val="75000"/>
+                  <a:schemeClr val="tx2">
+                    <a:lumMod val="20000"/>
+                    <a:lumOff val="80000"/>
                   </a:schemeClr>
                 </a:solidFill>
               </a:defRPr>
@@ -3599,7 +3655,7 @@
           <a:p>
             <a:fld id="{DC4D95AC-18C1-46E4-B41F-A2EDA7BB3CE2}" type="datetimeFigureOut">
               <a:rPr kumimoji="1" lang="ja-JP" altLang="en-US" smtClean="0"/>
-              <a:t>2024/9/20</a:t>
+              <a:t>2024/9/24</a:t>
             </a:fld>
             <a:endParaRPr kumimoji="1" lang="ja-JP" altLang="en-US"/>
           </a:p>
@@ -3607,13 +3663,7 @@
       </p:sp>
       <p:sp>
         <p:nvSpPr>
-          <p:cNvPr id="5" name="フッター プレースホルダー 4">
-            <a:extLst>
-              <a:ext uri="{FF2B5EF4-FFF2-40B4-BE49-F238E27FC236}">
-                <a16:creationId xmlns:a16="http://schemas.microsoft.com/office/drawing/2014/main" id="{314D9FBD-CB0D-447D-A5CD-C0D9323F6997}"/>
-              </a:ext>
-            </a:extLst>
-          </p:cNvPr>
+          <p:cNvPr id="5" name="Footer Placeholder 4"/>
           <p:cNvSpPr>
             <a:spLocks noGrp="1"/>
           </p:cNvSpPr>
@@ -3622,9 +3672,9 @@
           </p:nvPr>
         </p:nvSpPr>
         <p:spPr>
-          <a:xfrm>
-            <a:off x="4038600" y="6356350"/>
-            <a:ext cx="4114800" cy="365125"/>
+          <a:xfrm rot="16200000">
+            <a:off x="9959341" y="4046537"/>
+            <a:ext cx="3581400" cy="365125"/>
           </a:xfrm>
           <a:prstGeom prst="rect">
             <a:avLst/>
@@ -3633,11 +3683,12 @@
         <p:txBody>
           <a:bodyPr vert="horz" lIns="91440" tIns="45720" rIns="91440" bIns="45720" rtlCol="0" anchor="ctr"/>
           <a:lstStyle>
-            <a:lvl1pPr algn="ctr">
-              <a:defRPr sz="1200">
+            <a:lvl1pPr algn="l">
+              <a:defRPr sz="1050">
                 <a:solidFill>
-                  <a:schemeClr val="tx1">
-                    <a:tint val="75000"/>
+                  <a:schemeClr val="tx2">
+                    <a:lumMod val="20000"/>
+                    <a:lumOff val="80000"/>
                   </a:schemeClr>
                 </a:solidFill>
               </a:defRPr>
@@ -3650,13 +3701,7 @@
       </p:sp>
       <p:sp>
         <p:nvSpPr>
-          <p:cNvPr id="6" name="スライド番号プレースホルダー 5">
-            <a:extLst>
-              <a:ext uri="{FF2B5EF4-FFF2-40B4-BE49-F238E27FC236}">
-                <a16:creationId xmlns:a16="http://schemas.microsoft.com/office/drawing/2014/main" id="{F059526A-8503-4FC8-B09D-91E9DD225489}"/>
-              </a:ext>
-            </a:extLst>
-          </p:cNvPr>
+          <p:cNvPr id="6" name="Slide Number Placeholder 5"/>
           <p:cNvSpPr>
             <a:spLocks noGrp="1"/>
           </p:cNvSpPr>
@@ -3666,21 +3711,24 @@
         </p:nvSpPr>
         <p:spPr>
           <a:xfrm>
-            <a:off x="8610600" y="6356350"/>
-            <a:ext cx="2743200" cy="365125"/>
+            <a:off x="11292840" y="6172200"/>
+            <a:ext cx="914400" cy="593725"/>
           </a:xfrm>
           <a:prstGeom prst="rect">
             <a:avLst/>
           </a:prstGeom>
         </p:spPr>
         <p:txBody>
-          <a:bodyPr vert="horz" lIns="91440" tIns="45720" rIns="91440" bIns="45720" rtlCol="0" anchor="ctr"/>
+          <a:bodyPr vert="horz" lIns="45720" tIns="45720" rIns="45720" bIns="45720" rtlCol="0" anchor="ctr">
+            <a:normAutofit/>
+          </a:bodyPr>
           <a:lstStyle>
-            <a:lvl1pPr algn="r">
-              <a:defRPr sz="1200">
+            <a:lvl1pPr algn="ctr">
+              <a:defRPr sz="3600">
                 <a:solidFill>
-                  <a:schemeClr val="tx1">
-                    <a:tint val="75000"/>
+                  <a:schemeClr val="tx2">
+                    <a:lumMod val="60000"/>
+                    <a:lumOff val="40000"/>
                   </a:schemeClr>
                 </a:solidFill>
               </a:defRPr>
@@ -3698,23 +3746,23 @@
     </p:spTree>
     <p:extLst>
       <p:ext uri="{BB962C8B-B14F-4D97-AF65-F5344CB8AC3E}">
-        <p14:creationId xmlns:p14="http://schemas.microsoft.com/office/powerpoint/2010/main" val="2570069865"/>
+        <p14:creationId xmlns:p14="http://schemas.microsoft.com/office/powerpoint/2010/main" val="4194138109"/>
       </p:ext>
     </p:extLst>
   </p:cSld>
   <p:clrMap bg1="lt1" tx1="dk1" bg2="lt2" tx2="dk2" accent1="accent1" accent2="accent2" accent3="accent3" accent4="accent4" accent5="accent5" accent6="accent6" hlink="hlink" folHlink="folHlink"/>
   <p:sldLayoutIdLst>
-    <p:sldLayoutId id="2147483649" r:id="rId1"/>
-    <p:sldLayoutId id="2147483650" r:id="rId2"/>
-    <p:sldLayoutId id="2147483651" r:id="rId3"/>
-    <p:sldLayoutId id="2147483652" r:id="rId4"/>
-    <p:sldLayoutId id="2147483653" r:id="rId5"/>
-    <p:sldLayoutId id="2147483654" r:id="rId6"/>
-    <p:sldLayoutId id="2147483655" r:id="rId7"/>
-    <p:sldLayoutId id="2147483656" r:id="rId8"/>
-    <p:sldLayoutId id="2147483657" r:id="rId9"/>
-    <p:sldLayoutId id="2147483658" r:id="rId10"/>
-    <p:sldLayoutId id="2147483659" r:id="rId11"/>
+    <p:sldLayoutId id="2147483661" r:id="rId1"/>
+    <p:sldLayoutId id="2147483662" r:id="rId2"/>
+    <p:sldLayoutId id="2147483663" r:id="rId3"/>
+    <p:sldLayoutId id="2147483664" r:id="rId4"/>
+    <p:sldLayoutId id="2147483665" r:id="rId5"/>
+    <p:sldLayoutId id="2147483666" r:id="rId6"/>
+    <p:sldLayoutId id="2147483667" r:id="rId7"/>
+    <p:sldLayoutId id="2147483668" r:id="rId8"/>
+    <p:sldLayoutId id="2147483669" r:id="rId9"/>
+    <p:sldLayoutId id="2147483670" r:id="rId10"/>
+    <p:sldLayoutId id="2147483671" r:id="rId11"/>
   </p:sldLayoutIdLst>
   <p:txStyles>
     <p:titleStyle>
@@ -3726,7 +3774,7 @@
           <a:spcPct val="0"/>
         </a:spcBef>
         <a:buNone/>
-        <a:defRPr kumimoji="1" sz="4400" kern="1200">
+        <a:defRPr kumimoji="1" sz="4400" kern="1200" spc="-50" baseline="0">
           <a:solidFill>
             <a:schemeClr val="tx1"/>
           </a:solidFill>
@@ -3737,16 +3785,23 @@
       </a:lvl1pPr>
     </p:titleStyle>
     <p:bodyStyle>
-      <a:lvl1pPr marL="228600" indent="-228600" algn="l" defTabSz="914400" rtl="0" eaLnBrk="1" latinLnBrk="0" hangingPunct="1">
+      <a:lvl1pPr marL="182880" indent="-182880" algn="l" defTabSz="914400" rtl="0" eaLnBrk="1" latinLnBrk="0" hangingPunct="1">
         <a:lnSpc>
-          <a:spcPct val="90000"/>
+          <a:spcPct val="95000"/>
         </a:lnSpc>
         <a:spcBef>
-          <a:spcPts val="1000"/>
+          <a:spcPts val="1400"/>
         </a:spcBef>
-        <a:buFont typeface="Arial" panose="020B0604020202020204" pitchFamily="34" charset="0"/>
+        <a:spcAft>
+          <a:spcPts val="200"/>
+        </a:spcAft>
+        <a:buClr>
+          <a:schemeClr val="accent1"/>
+        </a:buClr>
+        <a:buSzPct val="80000"/>
+        <a:buFont typeface="Arial" pitchFamily="34" charset="0"/>
         <a:buChar char="•"/>
-        <a:defRPr kumimoji="1" sz="2800" kern="1200">
+        <a:defRPr kumimoji="1" sz="1800" kern="1200" spc="10" baseline="0">
           <a:solidFill>
             <a:schemeClr val="tx1"/>
           </a:solidFill>
@@ -3755,144 +3810,216 @@
           <a:cs typeface="+mn-cs"/>
         </a:defRPr>
       </a:lvl1pPr>
-      <a:lvl2pPr marL="685800" indent="-228600" algn="l" defTabSz="914400" rtl="0" eaLnBrk="1" latinLnBrk="0" hangingPunct="1">
+      <a:lvl2pPr marL="457200" indent="-182880" algn="l" defTabSz="914400" rtl="0" eaLnBrk="1" latinLnBrk="0" hangingPunct="1">
         <a:lnSpc>
           <a:spcPct val="90000"/>
         </a:lnSpc>
         <a:spcBef>
-          <a:spcPts val="500"/>
+          <a:spcPts val="300"/>
         </a:spcBef>
-        <a:buFont typeface="Arial" panose="020B0604020202020204" pitchFamily="34" charset="0"/>
-        <a:buChar char="•"/>
-        <a:defRPr kumimoji="1" sz="2400" kern="1200">
+        <a:spcAft>
+          <a:spcPts val="300"/>
+        </a:spcAft>
+        <a:buClr>
+          <a:schemeClr val="accent1"/>
+        </a:buClr>
+        <a:buFont typeface="Wingdings 2" pitchFamily="18" charset="2"/>
+        <a:buChar char=""/>
+        <a:defRPr kumimoji="1" sz="1600" kern="1200">
           <a:solidFill>
-            <a:schemeClr val="tx1"/>
+            <a:schemeClr val="tx1">
+              <a:lumMod val="85000"/>
+              <a:lumOff val="15000"/>
+            </a:schemeClr>
           </a:solidFill>
           <a:latin typeface="+mn-lt"/>
           <a:ea typeface="+mn-ea"/>
           <a:cs typeface="+mn-cs"/>
         </a:defRPr>
       </a:lvl2pPr>
-      <a:lvl3pPr marL="1143000" indent="-228600" algn="l" defTabSz="914400" rtl="0" eaLnBrk="1" latinLnBrk="0" hangingPunct="1">
+      <a:lvl3pPr marL="731520" indent="-182880" algn="l" defTabSz="914400" rtl="0" eaLnBrk="1" latinLnBrk="0" hangingPunct="1">
         <a:lnSpc>
           <a:spcPct val="90000"/>
         </a:lnSpc>
         <a:spcBef>
-          <a:spcPts val="500"/>
+          <a:spcPts val="300"/>
         </a:spcBef>
-        <a:buFont typeface="Arial" panose="020B0604020202020204" pitchFamily="34" charset="0"/>
-        <a:buChar char="•"/>
-        <a:defRPr kumimoji="1" sz="2000" kern="1200">
+        <a:spcAft>
+          <a:spcPts val="300"/>
+        </a:spcAft>
+        <a:buClr>
+          <a:schemeClr val="accent1"/>
+        </a:buClr>
+        <a:buFont typeface="Wingdings 2" pitchFamily="18" charset="2"/>
+        <a:buChar char=""/>
+        <a:defRPr kumimoji="1" sz="1400" kern="1200">
           <a:solidFill>
-            <a:schemeClr val="tx1"/>
+            <a:schemeClr val="tx1">
+              <a:lumMod val="85000"/>
+              <a:lumOff val="15000"/>
+            </a:schemeClr>
           </a:solidFill>
           <a:latin typeface="+mn-lt"/>
           <a:ea typeface="+mn-ea"/>
           <a:cs typeface="+mn-cs"/>
         </a:defRPr>
       </a:lvl3pPr>
-      <a:lvl4pPr marL="1600200" indent="-228600" algn="l" defTabSz="914400" rtl="0" eaLnBrk="1" latinLnBrk="0" hangingPunct="1">
+      <a:lvl4pPr marL="1005840" indent="-182880" algn="l" defTabSz="914400" rtl="0" eaLnBrk="1" latinLnBrk="0" hangingPunct="1">
         <a:lnSpc>
           <a:spcPct val="90000"/>
         </a:lnSpc>
         <a:spcBef>
-          <a:spcPts val="500"/>
+          <a:spcPts val="300"/>
         </a:spcBef>
-        <a:buFont typeface="Arial" panose="020B0604020202020204" pitchFamily="34" charset="0"/>
-        <a:buChar char="•"/>
-        <a:defRPr kumimoji="1" sz="1800" kern="1200">
+        <a:spcAft>
+          <a:spcPts val="300"/>
+        </a:spcAft>
+        <a:buClr>
+          <a:schemeClr val="accent1"/>
+        </a:buClr>
+        <a:buFont typeface="Wingdings 2" pitchFamily="18" charset="2"/>
+        <a:buChar char=""/>
+        <a:defRPr kumimoji="1" sz="1400" kern="1200">
           <a:solidFill>
-            <a:schemeClr val="tx1"/>
+            <a:schemeClr val="tx1">
+              <a:lumMod val="85000"/>
+              <a:lumOff val="15000"/>
+            </a:schemeClr>
           </a:solidFill>
           <a:latin typeface="+mn-lt"/>
           <a:ea typeface="+mn-ea"/>
           <a:cs typeface="+mn-cs"/>
         </a:defRPr>
       </a:lvl4pPr>
-      <a:lvl5pPr marL="2057400" indent="-228600" algn="l" defTabSz="914400" rtl="0" eaLnBrk="1" latinLnBrk="0" hangingPunct="1">
+      <a:lvl5pPr marL="1280160" indent="-182880" algn="l" defTabSz="914400" rtl="0" eaLnBrk="1" latinLnBrk="0" hangingPunct="1">
         <a:lnSpc>
           <a:spcPct val="90000"/>
         </a:lnSpc>
         <a:spcBef>
-          <a:spcPts val="500"/>
+          <a:spcPts val="300"/>
         </a:spcBef>
-        <a:buFont typeface="Arial" panose="020B0604020202020204" pitchFamily="34" charset="0"/>
-        <a:buChar char="•"/>
-        <a:defRPr kumimoji="1" sz="1800" kern="1200">
+        <a:spcAft>
+          <a:spcPts val="300"/>
+        </a:spcAft>
+        <a:buClr>
+          <a:schemeClr val="accent1"/>
+        </a:buClr>
+        <a:buFont typeface="Wingdings 2" pitchFamily="18" charset="2"/>
+        <a:buChar char=""/>
+        <a:defRPr kumimoji="1" sz="1400" kern="1200">
           <a:solidFill>
-            <a:schemeClr val="tx1"/>
+            <a:schemeClr val="tx1">
+              <a:lumMod val="85000"/>
+              <a:lumOff val="15000"/>
+            </a:schemeClr>
           </a:solidFill>
           <a:latin typeface="+mn-lt"/>
           <a:ea typeface="+mn-ea"/>
           <a:cs typeface="+mn-cs"/>
         </a:defRPr>
       </a:lvl5pPr>
-      <a:lvl6pPr marL="2514600" indent="-228600" algn="l" defTabSz="914400" rtl="0" eaLnBrk="1" latinLnBrk="0" hangingPunct="1">
+      <a:lvl6pPr marL="1600000" indent="-228600" algn="l" defTabSz="914400" rtl="0" eaLnBrk="1" latinLnBrk="0" hangingPunct="1">
         <a:lnSpc>
           <a:spcPct val="90000"/>
         </a:lnSpc>
         <a:spcBef>
-          <a:spcPts val="500"/>
+          <a:spcPts val="300"/>
         </a:spcBef>
-        <a:buFont typeface="Arial" panose="020B0604020202020204" pitchFamily="34" charset="0"/>
-        <a:buChar char="•"/>
-        <a:defRPr kumimoji="1" sz="1800" kern="1200">
+        <a:spcAft>
+          <a:spcPts val="300"/>
+        </a:spcAft>
+        <a:buClr>
+          <a:schemeClr val="accent1"/>
+        </a:buClr>
+        <a:buFont typeface="Wingdings 2" pitchFamily="18" charset="2"/>
+        <a:buChar char=""/>
+        <a:defRPr kumimoji="1" sz="1400" kern="1200">
           <a:solidFill>
-            <a:schemeClr val="tx1"/>
+            <a:schemeClr val="tx1">
+              <a:lumMod val="85000"/>
+              <a:lumOff val="15000"/>
+            </a:schemeClr>
           </a:solidFill>
           <a:latin typeface="+mn-lt"/>
           <a:ea typeface="+mn-ea"/>
           <a:cs typeface="+mn-cs"/>
         </a:defRPr>
       </a:lvl6pPr>
-      <a:lvl7pPr marL="2971800" indent="-228600" algn="l" defTabSz="914400" rtl="0" eaLnBrk="1" latinLnBrk="0" hangingPunct="1">
+      <a:lvl7pPr marL="1900000" indent="-228600" algn="l" defTabSz="914400" rtl="0" eaLnBrk="1" latinLnBrk="0" hangingPunct="1">
         <a:lnSpc>
           <a:spcPct val="90000"/>
         </a:lnSpc>
         <a:spcBef>
-          <a:spcPts val="500"/>
+          <a:spcPts val="300"/>
         </a:spcBef>
-        <a:buFont typeface="Arial" panose="020B0604020202020204" pitchFamily="34" charset="0"/>
-        <a:buChar char="•"/>
-        <a:defRPr kumimoji="1" sz="1800" kern="1200">
+        <a:spcAft>
+          <a:spcPts val="300"/>
+        </a:spcAft>
+        <a:buClr>
+          <a:schemeClr val="accent1"/>
+        </a:buClr>
+        <a:buFont typeface="Wingdings 2" pitchFamily="18" charset="2"/>
+        <a:buChar char=""/>
+        <a:defRPr kumimoji="1" sz="1400" kern="1200">
           <a:solidFill>
-            <a:schemeClr val="tx1"/>
+            <a:schemeClr val="tx1">
+              <a:lumMod val="85000"/>
+              <a:lumOff val="15000"/>
+            </a:schemeClr>
           </a:solidFill>
           <a:latin typeface="+mn-lt"/>
           <a:ea typeface="+mn-ea"/>
           <a:cs typeface="+mn-cs"/>
         </a:defRPr>
       </a:lvl7pPr>
-      <a:lvl8pPr marL="3429000" indent="-228600" algn="l" defTabSz="914400" rtl="0" eaLnBrk="1" latinLnBrk="0" hangingPunct="1">
+      <a:lvl8pPr marL="2200000" indent="-228600" algn="l" defTabSz="914400" rtl="0" eaLnBrk="1" latinLnBrk="0" hangingPunct="1">
         <a:lnSpc>
           <a:spcPct val="90000"/>
         </a:lnSpc>
         <a:spcBef>
-          <a:spcPts val="500"/>
+          <a:spcPts val="300"/>
         </a:spcBef>
-        <a:buFont typeface="Arial" panose="020B0604020202020204" pitchFamily="34" charset="0"/>
-        <a:buChar char="•"/>
-        <a:defRPr kumimoji="1" sz="1800" kern="1200">
+        <a:spcAft>
+          <a:spcPts val="300"/>
+        </a:spcAft>
+        <a:buClr>
+          <a:schemeClr val="accent1"/>
+        </a:buClr>
+        <a:buFont typeface="Wingdings 2" pitchFamily="18" charset="2"/>
+        <a:buChar char=""/>
+        <a:defRPr kumimoji="1" sz="1400" kern="1200">
           <a:solidFill>
-            <a:schemeClr val="tx1"/>
+            <a:schemeClr val="tx1">
+              <a:lumMod val="85000"/>
+              <a:lumOff val="15000"/>
+            </a:schemeClr>
           </a:solidFill>
           <a:latin typeface="+mn-lt"/>
           <a:ea typeface="+mn-ea"/>
           <a:cs typeface="+mn-cs"/>
         </a:defRPr>
       </a:lvl8pPr>
-      <a:lvl9pPr marL="3886200" indent="-228600" algn="l" defTabSz="914400" rtl="0" eaLnBrk="1" latinLnBrk="0" hangingPunct="1">
+      <a:lvl9pPr marL="2500000" indent="-228600" algn="l" defTabSz="914400" rtl="0" eaLnBrk="1" latinLnBrk="0" hangingPunct="1">
         <a:lnSpc>
           <a:spcPct val="90000"/>
         </a:lnSpc>
         <a:spcBef>
-          <a:spcPts val="500"/>
+          <a:spcPts val="300"/>
         </a:spcBef>
-        <a:buFont typeface="Arial" panose="020B0604020202020204" pitchFamily="34" charset="0"/>
-        <a:buChar char="•"/>
-        <a:defRPr kumimoji="1" sz="1800" kern="1200">
+        <a:spcAft>
+          <a:spcPts val="300"/>
+        </a:spcAft>
+        <a:buClr>
+          <a:schemeClr val="accent1"/>
+        </a:buClr>
+        <a:buFont typeface="Wingdings 2" pitchFamily="18" charset="2"/>
+        <a:buChar char=""/>
+        <a:defRPr kumimoji="1" sz="1400" kern="1200">
           <a:solidFill>
-            <a:schemeClr val="tx1"/>
+            <a:schemeClr val="tx1">
+              <a:lumMod val="85000"/>
+              <a:lumOff val="15000"/>
+            </a:schemeClr>
           </a:solidFill>
           <a:latin typeface="+mn-lt"/>
           <a:ea typeface="+mn-ea"/>
@@ -3902,7 +4029,7 @@
     </p:bodyStyle>
     <p:otherStyle>
       <a:defPPr>
-        <a:defRPr lang="ja-JP"/>
+        <a:defRPr lang="en-US"/>
       </a:defPPr>
       <a:lvl1pPr marL="0" algn="l" defTabSz="914400" rtl="0" eaLnBrk="1" latinLnBrk="0" hangingPunct="1">
         <a:defRPr kumimoji="1" sz="1800" kern="1200">
@@ -4032,11 +4159,17 @@
             <p:ph type="ctrTitle"/>
           </p:nvPr>
         </p:nvSpPr>
-        <p:spPr/>
+        <p:spPr>
+          <a:xfrm>
+            <a:off x="3835569" y="1159931"/>
+            <a:ext cx="4520861" cy="1964267"/>
+          </a:xfrm>
+        </p:spPr>
         <p:txBody>
           <a:bodyPr/>
           <a:lstStyle/>
           <a:p>
+            <a:pPr algn="ctr"/>
             <a:r>
               <a:rPr kumimoji="1" lang="ja-JP" altLang="en-US" dirty="0"/>
               <a:t>就職作品</a:t>
@@ -4049,11 +4182,11 @@
               <a:t>(</a:t>
             </a:r>
             <a:r>
-              <a:rPr kumimoji="1" lang="ja-JP" altLang="en-US"/>
+              <a:rPr kumimoji="1" lang="ja-JP" altLang="en-US" dirty="0"/>
               <a:t>名前未定</a:t>
             </a:r>
             <a:r>
-              <a:rPr kumimoji="1" lang="en-US" altLang="ja-JP"/>
+              <a:rPr kumimoji="1" lang="en-US" altLang="ja-JP" dirty="0"/>
               <a:t>)</a:t>
             </a:r>
             <a:endParaRPr kumimoji="1" lang="ja-JP" altLang="en-US" dirty="0"/>
@@ -4074,7 +4207,7 @@
         </p:nvSpPr>
         <p:spPr>
           <a:xfrm>
-            <a:off x="1652954" y="5260797"/>
+            <a:off x="3972821" y="6172202"/>
             <a:ext cx="4801314" cy="646331"/>
           </a:xfrm>
           <a:prstGeom prst="rect">
@@ -4177,7 +4310,7 @@
           <a:p>
             <a:r>
               <a:rPr lang="ja-JP" altLang="en-US" sz="2800" dirty="0"/>
-              <a:t>使用ツール　</a:t>
+              <a:t>使用ツール　 </a:t>
             </a:r>
             <a:r>
               <a:rPr lang="en-US" altLang="ja-JP" sz="2800" dirty="0" err="1"/>
@@ -4230,7 +4363,15 @@
             </a:r>
             <a:r>
               <a:rPr lang="ja-JP" altLang="en-US" sz="2800" dirty="0"/>
-              <a:t>　就職作品として提出できる作品を作る</a:t>
+              <a:t>　</a:t>
+            </a:r>
+            <a:r>
+              <a:rPr lang="en-US" altLang="ja-JP" sz="2800" dirty="0"/>
+              <a:t>	</a:t>
+            </a:r>
+            <a:r>
+              <a:rPr lang="ja-JP" altLang="en-US" sz="2800" dirty="0"/>
+              <a:t>    就職作品として提出できる作品を作る</a:t>
             </a:r>
             <a:endParaRPr lang="en-US" altLang="ja-JP" sz="2800" dirty="0"/>
           </a:p>
@@ -4249,7 +4390,15 @@
             </a:r>
             <a:r>
               <a:rPr kumimoji="1" lang="ja-JP" altLang="en-US" sz="2800" dirty="0"/>
-              <a:t>　外部データを使用する</a:t>
+              <a:t>　</a:t>
+            </a:r>
+            <a:r>
+              <a:rPr kumimoji="1" lang="en-US" altLang="ja-JP" sz="2800" dirty="0"/>
+              <a:t>		</a:t>
+            </a:r>
+            <a:r>
+              <a:rPr kumimoji="1" lang="ja-JP" altLang="en-US" sz="2800" dirty="0"/>
+              <a:t>    外部データを使用する</a:t>
             </a:r>
             <a:endParaRPr kumimoji="1" lang="en-US" altLang="ja-JP" sz="2800" dirty="0"/>
           </a:p>
@@ -4260,7 +4409,15 @@
             </a:r>
             <a:r>
               <a:rPr lang="ja-JP" altLang="en-US" sz="2800" dirty="0"/>
-              <a:t>　演出面のクオリティをこだわる</a:t>
+              <a:t>  </a:t>
+            </a:r>
+            <a:r>
+              <a:rPr lang="en-US" altLang="ja-JP" sz="2800" dirty="0"/>
+              <a:t>		</a:t>
+            </a:r>
+            <a:r>
+              <a:rPr lang="ja-JP" altLang="en-US" sz="2800" dirty="0"/>
+              <a:t>    演出面のクオリティをこだわる</a:t>
             </a:r>
             <a:endParaRPr lang="en-US" altLang="ja-JP" sz="2800" dirty="0"/>
           </a:p>
@@ -4317,7 +4474,10 @@
           <a:lstStyle/>
           <a:p>
             <a:r>
-              <a:rPr kumimoji="1" lang="ja-JP" altLang="en-US" sz="3600" dirty="0"/>
+              <a:rPr kumimoji="1" lang="ja-JP" altLang="en-US" sz="3600" dirty="0">
+                <a:latin typeface="BIZ UDP明朝 Medium" panose="02020500000000000000" pitchFamily="18" charset="-128"/>
+                <a:ea typeface="BIZ UDP明朝 Medium" panose="02020500000000000000" pitchFamily="18" charset="-128"/>
+              </a:rPr>
               <a:t>ゲーム詳細</a:t>
             </a:r>
           </a:p>
@@ -6510,110 +6670,58 @@
 </file>
 
 <file path=ppt/theme/theme1.xml><?xml version="1.0" encoding="utf-8"?>
-<a:theme xmlns:a="http://schemas.openxmlformats.org/drawingml/2006/main" name="Office テーマ">
+<a:theme xmlns:a="http://schemas.openxmlformats.org/drawingml/2006/main" name="ビュー">
   <a:themeElements>
-    <a:clrScheme name="Office">
+    <a:clrScheme name="ビュー">
       <a:dk1>
-        <a:sysClr val="windowText" lastClr="000000"/>
+        <a:srgbClr val="000000"/>
       </a:dk1>
       <a:lt1>
-        <a:sysClr val="window" lastClr="FFFFFF"/>
+        <a:srgbClr val="FFFFFF"/>
       </a:lt1>
       <a:dk2>
-        <a:srgbClr val="44546A"/>
+        <a:srgbClr val="46464A"/>
       </a:dk2>
       <a:lt2>
-        <a:srgbClr val="E7E6E6"/>
+        <a:srgbClr val="D6D3CC"/>
       </a:lt2>
       <a:accent1>
-        <a:srgbClr val="4472C4"/>
+        <a:srgbClr val="6F6F74"/>
       </a:accent1>
       <a:accent2>
-        <a:srgbClr val="ED7D31"/>
+        <a:srgbClr val="92A9B9"/>
       </a:accent2>
       <a:accent3>
-        <a:srgbClr val="A5A5A5"/>
+        <a:srgbClr val="A7B789"/>
       </a:accent3>
       <a:accent4>
-        <a:srgbClr val="FFC000"/>
+        <a:srgbClr val="B9A489"/>
       </a:accent4>
       <a:accent5>
-        <a:srgbClr val="5B9BD5"/>
+        <a:srgbClr val="8D6374"/>
       </a:accent5>
       <a:accent6>
-        <a:srgbClr val="70AD47"/>
+        <a:srgbClr val="9B7362"/>
       </a:accent6>
       <a:hlink>
-        <a:srgbClr val="0563C1"/>
+        <a:srgbClr val="67AABF"/>
       </a:hlink>
       <a:folHlink>
-        <a:srgbClr val="954F72"/>
+        <a:srgbClr val="ABAFA5"/>
       </a:folHlink>
     </a:clrScheme>
-    <a:fontScheme name="Office">
+    <a:fontScheme name="ビュー">
       <a:majorFont>
-        <a:latin typeface="游ゴシック Light" panose="020F0302020204030204"/>
+        <a:latin typeface="Century Schoolbook" panose="02040604050505020304"/>
         <a:ea typeface=""/>
         <a:cs typeface=""/>
-        <a:font script="Jpan" typeface="游ゴシック Light"/>
+        <a:font script="Jpan" typeface="ＭＳ ゴシック"/>
         <a:font script="Hang" typeface="맑은 고딕"/>
-        <a:font script="Hans" typeface="等线 Light"/>
+        <a:font script="Hans" typeface="宋体"/>
         <a:font script="Hant" typeface="新細明體"/>
-        <a:font script="Arab" typeface="Times New Roman"/>
-        <a:font script="Hebr" typeface="Times New Roman"/>
-        <a:font script="Thai" typeface="Angsana New"/>
-        <a:font script="Ethi" typeface="Nyala"/>
-        <a:font script="Beng" typeface="Vrinda"/>
-        <a:font script="Gujr" typeface="Shruti"/>
-        <a:font script="Khmr" typeface="MoolBoran"/>
-        <a:font script="Knda" typeface="Tunga"/>
-        <a:font script="Guru" typeface="Raavi"/>
-        <a:font script="Cans" typeface="Euphemia"/>
-        <a:font script="Cher" typeface="Plantagenet Cherokee"/>
-        <a:font script="Yiii" typeface="Microsoft Yi Baiti"/>
-        <a:font script="Tibt" typeface="Microsoft Himalaya"/>
-        <a:font script="Thaa" typeface="MV Boli"/>
-        <a:font script="Deva" typeface="Mangal"/>
-        <a:font script="Telu" typeface="Gautami"/>
-        <a:font script="Taml" typeface="Latha"/>
-        <a:font script="Syrc" typeface="Estrangelo Edessa"/>
-        <a:font script="Orya" typeface="Kalinga"/>
-        <a:font script="Mlym" typeface="Kartika"/>
-        <a:font script="Laoo" typeface="DokChampa"/>
-        <a:font script="Sinh" typeface="Iskoola Pota"/>
-        <a:font script="Mong" typeface="Mongolian Baiti"/>
-        <a:font script="Viet" typeface="Times New Roman"/>
-        <a:font script="Uigh" typeface="Microsoft Uighur"/>
-        <a:font script="Geor" typeface="Sylfaen"/>
-        <a:font script="Armn" typeface="Arial"/>
-        <a:font script="Bugi" typeface="Leelawadee UI"/>
-        <a:font script="Bopo" typeface="Microsoft JhengHei"/>
-        <a:font script="Java" typeface="Javanese Text"/>
-        <a:font script="Lisu" typeface="Segoe UI"/>
-        <a:font script="Mymr" typeface="Myanmar Text"/>
-        <a:font script="Nkoo" typeface="Ebrima"/>
-        <a:font script="Olck" typeface="Nirmala UI"/>
-        <a:font script="Osma" typeface="Ebrima"/>
-        <a:font script="Phag" typeface="Phagspa"/>
-        <a:font script="Syrn" typeface="Estrangelo Edessa"/>
-        <a:font script="Syrj" typeface="Estrangelo Edessa"/>
-        <a:font script="Syre" typeface="Estrangelo Edessa"/>
-        <a:font script="Sora" typeface="Nirmala UI"/>
-        <a:font script="Tale" typeface="Microsoft Tai Le"/>
-        <a:font script="Talu" typeface="Microsoft New Tai Lue"/>
-        <a:font script="Tfng" typeface="Ebrima"/>
-      </a:majorFont>
-      <a:minorFont>
-        <a:latin typeface="游ゴシック" panose="020F0502020204030204"/>
-        <a:ea typeface=""/>
-        <a:cs typeface=""/>
-        <a:font script="Jpan" typeface="游ゴシック"/>
-        <a:font script="Hang" typeface="맑은 고딕"/>
-        <a:font script="Hans" typeface="等线"/>
-        <a:font script="Hant" typeface="新細明體"/>
-        <a:font script="Arab" typeface="Arial"/>
-        <a:font script="Hebr" typeface="Arial"/>
-        <a:font script="Thai" typeface="Cordia New"/>
+        <a:font script="Arab" typeface="Tahoma"/>
+        <a:font script="Hebr" typeface="Gisha"/>
+        <a:font script="Thai" typeface="DilleniaUPC"/>
         <a:font script="Ethi" typeface="Nyala"/>
         <a:font script="Beng" typeface="Vrinda"/>
         <a:font script="Gujr" typeface="Shruti"/>
@@ -6634,107 +6742,86 @@
         <a:font script="Laoo" typeface="DokChampa"/>
         <a:font script="Sinh" typeface="Iskoola Pota"/>
         <a:font script="Mong" typeface="Mongolian Baiti"/>
-        <a:font script="Viet" typeface="Arial"/>
+        <a:font script="Viet" typeface="Tahoma"/>
         <a:font script="Uigh" typeface="Microsoft Uighur"/>
         <a:font script="Geor" typeface="Sylfaen"/>
-        <a:font script="Armn" typeface="Arial"/>
-        <a:font script="Bugi" typeface="Leelawadee UI"/>
-        <a:font script="Bopo" typeface="Microsoft JhengHei"/>
-        <a:font script="Java" typeface="Javanese Text"/>
-        <a:font script="Lisu" typeface="Segoe UI"/>
-        <a:font script="Mymr" typeface="Myanmar Text"/>
-        <a:font script="Nkoo" typeface="Ebrima"/>
-        <a:font script="Olck" typeface="Nirmala UI"/>
-        <a:font script="Osma" typeface="Ebrima"/>
-        <a:font script="Phag" typeface="Phagspa"/>
-        <a:font script="Syrn" typeface="Estrangelo Edessa"/>
-        <a:font script="Syrj" typeface="Estrangelo Edessa"/>
-        <a:font script="Syre" typeface="Estrangelo Edessa"/>
-        <a:font script="Sora" typeface="Nirmala UI"/>
-        <a:font script="Tale" typeface="Microsoft Tai Le"/>
-        <a:font script="Talu" typeface="Microsoft New Tai Lue"/>
-        <a:font script="Tfng" typeface="Ebrima"/>
+      </a:majorFont>
+      <a:minorFont>
+        <a:latin typeface="Century Schoolbook" panose="02040604050505020304"/>
+        <a:ea typeface=""/>
+        <a:cs typeface=""/>
+        <a:font script="Jpan" typeface="ＭＳ ゴシック"/>
+        <a:font script="Hang" typeface="맑은 고딕"/>
+        <a:font script="Hans" typeface="宋体"/>
+        <a:font script="Hant" typeface="新細明體"/>
+        <a:font script="Arab" typeface="Tahoma"/>
+        <a:font script="Hebr" typeface="Gisha"/>
+        <a:font script="Thai" typeface="DilleniaUPC"/>
+        <a:font script="Ethi" typeface="Nyala"/>
+        <a:font script="Beng" typeface="Vrinda"/>
+        <a:font script="Gujr" typeface="Shruti"/>
+        <a:font script="Khmr" typeface="DaunPenh"/>
+        <a:font script="Knda" typeface="Tunga"/>
+        <a:font script="Guru" typeface="Raavi"/>
+        <a:font script="Cans" typeface="Euphemia"/>
+        <a:font script="Cher" typeface="Plantagenet Cherokee"/>
+        <a:font script="Yiii" typeface="Microsoft Yi Baiti"/>
+        <a:font script="Tibt" typeface="Microsoft Himalaya"/>
+        <a:font script="Thaa" typeface="MV Boli"/>
+        <a:font script="Deva" typeface="Mangal"/>
+        <a:font script="Telu" typeface="Gautami"/>
+        <a:font script="Taml" typeface="Latha"/>
+        <a:font script="Syrc" typeface="Estrangelo Edessa"/>
+        <a:font script="Orya" typeface="Kalinga"/>
+        <a:font script="Mlym" typeface="Kartika"/>
+        <a:font script="Laoo" typeface="DokChampa"/>
+        <a:font script="Sinh" typeface="Iskoola Pota"/>
+        <a:font script="Mong" typeface="Mongolian Baiti"/>
+        <a:font script="Viet" typeface="Verdana"/>
+        <a:font script="Uigh" typeface="Microsoft Uighur"/>
+        <a:font script="Geor" typeface="Sylfaen"/>
       </a:minorFont>
     </a:fontScheme>
-    <a:fmtScheme name="Office">
+    <a:fmtScheme name="ビュー">
       <a:fillStyleLst>
         <a:solidFill>
           <a:schemeClr val="phClr"/>
         </a:solidFill>
-        <a:gradFill rotWithShape="1">
-          <a:gsLst>
-            <a:gs pos="0">
-              <a:schemeClr val="phClr">
-                <a:lumMod val="110000"/>
-                <a:satMod val="105000"/>
-                <a:tint val="67000"/>
-              </a:schemeClr>
-            </a:gs>
-            <a:gs pos="50000">
-              <a:schemeClr val="phClr">
-                <a:lumMod val="105000"/>
-                <a:satMod val="103000"/>
-                <a:tint val="73000"/>
-              </a:schemeClr>
-            </a:gs>
-            <a:gs pos="100000">
-              <a:schemeClr val="phClr">
-                <a:lumMod val="105000"/>
-                <a:satMod val="109000"/>
-                <a:tint val="81000"/>
-              </a:schemeClr>
-            </a:gs>
-          </a:gsLst>
-          <a:lin ang="5400000" scaled="0"/>
-        </a:gradFill>
-        <a:gradFill rotWithShape="1">
-          <a:gsLst>
-            <a:gs pos="0">
-              <a:schemeClr val="phClr">
-                <a:satMod val="103000"/>
-                <a:lumMod val="102000"/>
-                <a:tint val="94000"/>
-              </a:schemeClr>
-            </a:gs>
-            <a:gs pos="50000">
-              <a:schemeClr val="phClr">
-                <a:satMod val="110000"/>
-                <a:lumMod val="100000"/>
-                <a:shade val="100000"/>
-              </a:schemeClr>
-            </a:gs>
-            <a:gs pos="100000">
-              <a:schemeClr val="phClr">
-                <a:lumMod val="99000"/>
-                <a:satMod val="120000"/>
-                <a:shade val="78000"/>
-              </a:schemeClr>
-            </a:gs>
-          </a:gsLst>
-          <a:lin ang="5400000" scaled="0"/>
-        </a:gradFill>
+        <a:solidFill>
+          <a:schemeClr val="phClr">
+            <a:tint val="60000"/>
+            <a:satMod val="120000"/>
+          </a:schemeClr>
+        </a:solidFill>
+        <a:solidFill>
+          <a:schemeClr val="phClr">
+            <a:shade val="75000"/>
+            <a:satMod val="160000"/>
+          </a:schemeClr>
+        </a:solidFill>
       </a:fillStyleLst>
       <a:lnStyleLst>
-        <a:ln w="6350" cap="flat" cmpd="sng" algn="ctr">
+        <a:ln w="9525" cap="flat" cmpd="sng" algn="ctr">
           <a:solidFill>
             <a:schemeClr val="phClr"/>
           </a:solidFill>
           <a:prstDash val="solid"/>
-          <a:miter lim="800000"/>
         </a:ln>
-        <a:ln w="12700" cap="flat" cmpd="sng" algn="ctr">
+        <a:ln w="13970" cap="flat" cmpd="sng" algn="ctr">
           <a:solidFill>
             <a:schemeClr val="phClr"/>
           </a:solidFill>
           <a:prstDash val="solid"/>
-          <a:miter lim="800000"/>
         </a:ln>
-        <a:ln w="19050" cap="flat" cmpd="sng" algn="ctr">
+        <a:ln w="17145" cap="flat" cmpd="sng" algn="ctr">
           <a:solidFill>
-            <a:schemeClr val="phClr"/>
+            <a:schemeClr val="phClr">
+              <a:shade val="95000"/>
+              <a:alpha val="95000"/>
+              <a:satMod val="150000"/>
+            </a:schemeClr>
           </a:solidFill>
           <a:prstDash val="solid"/>
-          <a:miter lim="800000"/>
         </a:ln>
       </a:lnStyleLst>
       <a:effectStyleLst>
@@ -6742,16 +6829,52 @@
           <a:effectLst/>
         </a:effectStyle>
         <a:effectStyle>
-          <a:effectLst/>
+          <a:effectLst>
+            <a:outerShdw blurRad="50800" dist="15240" dir="5400000" algn="tl" rotWithShape="0">
+              <a:srgbClr val="000000">
+                <a:alpha val="75000"/>
+              </a:srgbClr>
+            </a:outerShdw>
+          </a:effectLst>
+          <a:scene3d>
+            <a:camera prst="orthographicFront">
+              <a:rot lat="0" lon="0" rev="0"/>
+            </a:camera>
+            <a:lightRig rig="brightRoom" dir="tl"/>
+          </a:scene3d>
+          <a:sp3d contourW="9525" prstMaterial="flat">
+            <a:bevelT w="0" h="0" prst="coolSlant"/>
+            <a:contourClr>
+              <a:schemeClr val="phClr">
+                <a:shade val="35000"/>
+                <a:satMod val="130000"/>
+              </a:schemeClr>
+            </a:contourClr>
+          </a:sp3d>
         </a:effectStyle>
         <a:effectStyle>
           <a:effectLst>
-            <a:outerShdw blurRad="57150" dist="19050" dir="5400000" algn="ctr" rotWithShape="0">
+            <a:outerShdw blurRad="76200" dist="25400" dir="5400000" algn="tl" rotWithShape="0">
               <a:srgbClr val="000000">
-                <a:alpha val="63000"/>
+                <a:alpha val="55000"/>
               </a:srgbClr>
             </a:outerShdw>
           </a:effectLst>
+          <a:scene3d>
+            <a:camera prst="orthographicFront">
+              <a:rot lat="0" lon="0" rev="0"/>
+            </a:camera>
+            <a:lightRig rig="brightRoom" dir="tl"/>
+          </a:scene3d>
+          <a:sp3d contourW="19050" prstMaterial="flat">
+            <a:bevelT w="0" h="0" prst="coolSlant"/>
+            <a:contourClr>
+              <a:schemeClr val="phClr">
+                <a:shade val="25000"/>
+                <a:satMod val="140000"/>
+              </a:schemeClr>
+            </a:contourClr>
+          </a:sp3d>
         </a:effectStyle>
       </a:effectStyleLst>
       <a:bgFillStyleLst>
@@ -6768,28 +6891,23 @@
           <a:gsLst>
             <a:gs pos="0">
               <a:schemeClr val="phClr">
-                <a:tint val="93000"/>
-                <a:satMod val="150000"/>
+                <a:tint val="94000"/>
                 <a:shade val="98000"/>
+                <a:satMod val="130000"/>
                 <a:lumMod val="102000"/>
-              </a:schemeClr>
-            </a:gs>
-            <a:gs pos="50000">
-              <a:schemeClr val="phClr">
-                <a:tint val="98000"/>
-                <a:satMod val="130000"/>
-                <a:shade val="90000"/>
-                <a:lumMod val="103000"/>
               </a:schemeClr>
             </a:gs>
             <a:gs pos="100000">
               <a:schemeClr val="phClr">
-                <a:shade val="63000"/>
-                <a:satMod val="120000"/>
+                <a:tint val="98000"/>
+                <a:shade val="78000"/>
+                <a:satMod val="140000"/>
               </a:schemeClr>
             </a:gs>
           </a:gsLst>
-          <a:lin ang="5400000" scaled="0"/>
+          <a:path path="circle">
+            <a:fillToRect l="100000" t="100000" r="100000" b="100000"/>
+          </a:path>
         </a:gradFill>
       </a:bgFillStyleLst>
     </a:fmtScheme>
@@ -6798,7 +6916,7 @@
   <a:extraClrSchemeLst/>
   <a:extLst>
     <a:ext uri="{05A4C25C-085E-4340-85A3-A5531E510DB2}">
-      <thm15:themeFamily xmlns:thm15="http://schemas.microsoft.com/office/thememl/2012/main" name="Office Theme" id="{62F939B6-93AF-4DB8-9C6B-D6C7DFDC589F}" vid="{4A3C46E8-61CC-4603-A589-7422A47A8E4A}"/>
+      <thm15:themeFamily xmlns:thm15="http://schemas.microsoft.com/office/thememl/2012/main" name="View" id="{BA0EB5A6-F2D4-4F82-977B-64ADEE4A2A69}" vid="{3969A8A2-35DB-4E3B-8885-16FD20568674}"/>
     </a:ext>
   </a:extLst>
 </a:theme>

--- a/3DGame_3_NamelessGame/NamelessGame_企画書.pptx
+++ b/3DGame_3_NamelessGame/NamelessGame_企画書.pptx
@@ -4161,35 +4161,28 @@
         </p:nvSpPr>
         <p:spPr>
           <a:xfrm>
-            <a:off x="3835569" y="1159931"/>
-            <a:ext cx="4520861" cy="1964267"/>
-          </a:xfrm>
-        </p:spPr>
-        <p:txBody>
-          <a:bodyPr/>
-          <a:lstStyle/>
-          <a:p>
-            <a:pPr algn="ctr"/>
-            <a:r>
-              <a:rPr kumimoji="1" lang="ja-JP" altLang="en-US" dirty="0"/>
+            <a:off x="3835569" y="1244600"/>
+            <a:ext cx="4520861" cy="1007531"/>
+          </a:xfrm>
+        </p:spPr>
+        <p:txBody>
+          <a:bodyPr>
+            <a:normAutofit fontScale="90000"/>
+          </a:bodyPr>
+          <a:lstStyle/>
+          <a:p>
+            <a:pPr algn="ctr">
+              <a:lnSpc>
+                <a:spcPct val="100000"/>
+              </a:lnSpc>
+            </a:pPr>
+            <a:r>
+              <a:rPr kumimoji="1" lang="ja-JP" altLang="en-US" dirty="0">
+                <a:latin typeface="BIZ UDP明朝 Medium" panose="02020500000000000000" pitchFamily="18" charset="-128"/>
+                <a:ea typeface="BIZ UDP明朝 Medium" panose="02020500000000000000" pitchFamily="18" charset="-128"/>
+              </a:rPr>
               <a:t>就職作品</a:t>
             </a:r>
-            <a:br>
-              <a:rPr kumimoji="1" lang="en-US" altLang="ja-JP" dirty="0"/>
-            </a:br>
-            <a:r>
-              <a:rPr kumimoji="1" lang="en-US" altLang="ja-JP" dirty="0"/>
-              <a:t>(</a:t>
-            </a:r>
-            <a:r>
-              <a:rPr kumimoji="1" lang="ja-JP" altLang="en-US" dirty="0"/>
-              <a:t>名前未定</a:t>
-            </a:r>
-            <a:r>
-              <a:rPr kumimoji="1" lang="en-US" altLang="ja-JP" dirty="0"/>
-              <a:t>)</a:t>
-            </a:r>
-            <a:endParaRPr kumimoji="1" lang="ja-JP" altLang="en-US" dirty="0"/>
           </a:p>
         </p:txBody>
       </p:sp>
@@ -4272,8 +4265,8 @@
         </p:nvSpPr>
         <p:spPr>
           <a:xfrm>
-            <a:off x="1588394" y="1443841"/>
-            <a:ext cx="9015211" cy="3970318"/>
+            <a:off x="607929" y="1346930"/>
+            <a:ext cx="9570673" cy="4401205"/>
           </a:xfrm>
           <a:prstGeom prst="rect">
             <a:avLst/>
@@ -4296,7 +4289,15 @@
             </a:r>
             <a:r>
               <a:rPr kumimoji="1" lang="ja-JP" altLang="en-US" sz="2800" dirty="0"/>
-              <a:t>　アクションシューティング</a:t>
+              <a:t>　</a:t>
+            </a:r>
+            <a:r>
+              <a:rPr kumimoji="1" lang="en-US" altLang="ja-JP" sz="2800" dirty="0"/>
+              <a:t>			</a:t>
+            </a:r>
+            <a:r>
+              <a:rPr kumimoji="1" lang="ja-JP" altLang="en-US" sz="2800" dirty="0"/>
+              <a:t>アクションシューティング</a:t>
             </a:r>
             <a:endParaRPr kumimoji="1" lang="en-US" altLang="ja-JP" sz="2800" dirty="0"/>
           </a:p>
@@ -4310,7 +4311,21 @@
           <a:p>
             <a:r>
               <a:rPr lang="ja-JP" altLang="en-US" sz="2800" dirty="0"/>
+              <a:t>プラットフォーム </a:t>
+            </a:r>
+            <a:r>
+              <a:rPr lang="en-US" altLang="ja-JP" sz="2800" dirty="0"/>
+              <a:t>	PC</a:t>
+            </a:r>
+          </a:p>
+          <a:p>
+            <a:r>
+              <a:rPr lang="ja-JP" altLang="en-US" sz="2800" dirty="0"/>
               <a:t>使用ツール　 </a:t>
+            </a:r>
+            <a:r>
+              <a:rPr lang="en-US" altLang="ja-JP" sz="2800" dirty="0"/>
+              <a:t>			</a:t>
             </a:r>
             <a:r>
               <a:rPr lang="en-US" altLang="ja-JP" sz="2800" dirty="0" err="1"/>
@@ -4336,7 +4351,7 @@
             </a:r>
             <a:r>
               <a:rPr kumimoji="1" lang="en-US" altLang="ja-JP" sz="2800" dirty="0"/>
-              <a:t>10</a:t>
+              <a:t>			10</a:t>
             </a:r>
             <a:r>
               <a:rPr kumimoji="1" lang="ja-JP" altLang="en-US" sz="2800" dirty="0"/>
@@ -4371,7 +4386,15 @@
             </a:r>
             <a:r>
               <a:rPr lang="ja-JP" altLang="en-US" sz="2800" dirty="0"/>
-              <a:t>    就職作品として提出できる作品を作る</a:t>
+              <a:t>    </a:t>
+            </a:r>
+            <a:r>
+              <a:rPr lang="en-US" altLang="ja-JP" sz="2800" dirty="0"/>
+              <a:t>			</a:t>
+            </a:r>
+            <a:r>
+              <a:rPr lang="ja-JP" altLang="en-US" sz="2800" dirty="0"/>
+              <a:t>就職作品として提出できる作品を作る</a:t>
             </a:r>
             <a:endParaRPr lang="en-US" altLang="ja-JP" sz="2800" dirty="0"/>
           </a:p>
@@ -4398,7 +4421,15 @@
             </a:r>
             <a:r>
               <a:rPr kumimoji="1" lang="ja-JP" altLang="en-US" sz="2800" dirty="0"/>
-              <a:t>    外部データを使用する</a:t>
+              <a:t>   </a:t>
+            </a:r>
+            <a:r>
+              <a:rPr kumimoji="1" lang="en-US" altLang="ja-JP" sz="2800" dirty="0"/>
+              <a:t>			</a:t>
+            </a:r>
+            <a:r>
+              <a:rPr kumimoji="1" lang="ja-JP" altLang="en-US" sz="2800" dirty="0"/>
+              <a:t>外部データを使用する</a:t>
             </a:r>
             <a:endParaRPr kumimoji="1" lang="en-US" altLang="ja-JP" sz="2800" dirty="0"/>
           </a:p>
@@ -4417,7 +4448,15 @@
             </a:r>
             <a:r>
               <a:rPr lang="ja-JP" altLang="en-US" sz="2800" dirty="0"/>
-              <a:t>    演出面のクオリティをこだわる</a:t>
+              <a:t>    </a:t>
+            </a:r>
+            <a:r>
+              <a:rPr lang="en-US" altLang="ja-JP" sz="2800" dirty="0"/>
+              <a:t>			</a:t>
+            </a:r>
+            <a:r>
+              <a:rPr lang="ja-JP" altLang="en-US" sz="2800" dirty="0"/>
+              <a:t>演出面のクオリティをこだわる</a:t>
             </a:r>
             <a:endParaRPr lang="en-US" altLang="ja-JP" sz="2800" dirty="0"/>
           </a:p>
@@ -4431,7 +4470,7 @@
             </a:r>
             <a:r>
               <a:rPr lang="en-US" altLang="ja-JP" sz="2800" dirty="0"/>
-              <a:t>3DS </a:t>
+              <a:t>			3DS </a:t>
             </a:r>
             <a:r>
               <a:rPr lang="ja-JP" altLang="en-US" sz="2800" dirty="0"/>

--- a/3DGame_3_NamelessGame/NamelessGame_企画書.pptx
+++ b/3DGame_3_NamelessGame/NamelessGame_企画書.pptx
@@ -5,16 +5,17 @@
     <p:sldMasterId id="2147483660" r:id="rId1"/>
   </p:sldMasterIdLst>
   <p:notesMasterIdLst>
-    <p:notesMasterId r:id="rId9"/>
+    <p:notesMasterId r:id="rId10"/>
   </p:notesMasterIdLst>
   <p:sldIdLst>
     <p:sldId id="256" r:id="rId2"/>
     <p:sldId id="257" r:id="rId3"/>
-    <p:sldId id="258" r:id="rId4"/>
-    <p:sldId id="259" r:id="rId5"/>
-    <p:sldId id="260" r:id="rId6"/>
-    <p:sldId id="261" r:id="rId7"/>
-    <p:sldId id="262" r:id="rId8"/>
+    <p:sldId id="260" r:id="rId4"/>
+    <p:sldId id="258" r:id="rId5"/>
+    <p:sldId id="261" r:id="rId6"/>
+    <p:sldId id="262" r:id="rId7"/>
+    <p:sldId id="259" r:id="rId8"/>
+    <p:sldId id="263" r:id="rId9"/>
   </p:sldIdLst>
   <p:sldSz cx="12192000" cy="6858000"/>
   <p:notesSz cx="6858000" cy="9144000"/>
@@ -4265,8 +4266,8 @@
         </p:nvSpPr>
         <p:spPr>
           <a:xfrm>
-            <a:off x="607929" y="1346930"/>
-            <a:ext cx="9570673" cy="4401205"/>
+            <a:off x="921196" y="1126797"/>
+            <a:ext cx="9570673" cy="4832092"/>
           </a:xfrm>
           <a:prstGeom prst="rect">
             <a:avLst/>
@@ -4280,207 +4281,459 @@
           <a:lstStyle/>
           <a:p>
             <a:r>
-              <a:rPr kumimoji="1" lang="ja-JP" altLang="en-US" sz="2800" dirty="0"/>
+              <a:rPr kumimoji="1" lang="ja-JP" altLang="en-US" sz="2800" dirty="0">
+                <a:latin typeface="BIZ UDP明朝 Medium" panose="02020500000000000000" pitchFamily="18" charset="-128"/>
+                <a:ea typeface="BIZ UDP明朝 Medium" panose="02020500000000000000" pitchFamily="18" charset="-128"/>
+              </a:rPr>
               <a:t>ジャンル</a:t>
             </a:r>
             <a:r>
-              <a:rPr kumimoji="1" lang="en-US" altLang="ja-JP" sz="2800" dirty="0"/>
+              <a:rPr kumimoji="1" lang="en-US" altLang="ja-JP" sz="2800" dirty="0">
+                <a:latin typeface="BIZ UDP明朝 Medium" panose="02020500000000000000" pitchFamily="18" charset="-128"/>
+                <a:ea typeface="BIZ UDP明朝 Medium" panose="02020500000000000000" pitchFamily="18" charset="-128"/>
+              </a:rPr>
               <a:t>	</a:t>
             </a:r>
             <a:r>
-              <a:rPr kumimoji="1" lang="ja-JP" altLang="en-US" sz="2800" dirty="0"/>
+              <a:rPr kumimoji="1" lang="ja-JP" altLang="en-US" sz="2800" dirty="0">
+                <a:latin typeface="BIZ UDP明朝 Medium" panose="02020500000000000000" pitchFamily="18" charset="-128"/>
+                <a:ea typeface="BIZ UDP明朝 Medium" panose="02020500000000000000" pitchFamily="18" charset="-128"/>
+              </a:rPr>
               <a:t>　</a:t>
             </a:r>
             <a:r>
-              <a:rPr kumimoji="1" lang="en-US" altLang="ja-JP" sz="2800" dirty="0"/>
+              <a:rPr kumimoji="1" lang="en-US" altLang="ja-JP" sz="2800" dirty="0">
+                <a:latin typeface="BIZ UDP明朝 Medium" panose="02020500000000000000" pitchFamily="18" charset="-128"/>
+                <a:ea typeface="BIZ UDP明朝 Medium" panose="02020500000000000000" pitchFamily="18" charset="-128"/>
+              </a:rPr>
               <a:t>			</a:t>
             </a:r>
             <a:r>
-              <a:rPr kumimoji="1" lang="ja-JP" altLang="en-US" sz="2800" dirty="0"/>
+              <a:rPr kumimoji="1" lang="ja-JP" altLang="en-US" sz="2800" dirty="0">
+                <a:latin typeface="BIZ UDP明朝 Medium" panose="02020500000000000000" pitchFamily="18" charset="-128"/>
+                <a:ea typeface="BIZ UDP明朝 Medium" panose="02020500000000000000" pitchFamily="18" charset="-128"/>
+              </a:rPr>
               <a:t>アクションシューティング</a:t>
             </a:r>
-            <a:endParaRPr kumimoji="1" lang="en-US" altLang="ja-JP" sz="2800" dirty="0"/>
-          </a:p>
-          <a:p>
-            <a:r>
-              <a:rPr lang="ja-JP" altLang="en-US" sz="2800" dirty="0"/>
+            <a:endParaRPr kumimoji="1" lang="en-US" altLang="ja-JP" sz="2800" dirty="0">
+              <a:latin typeface="BIZ UDP明朝 Medium" panose="02020500000000000000" pitchFamily="18" charset="-128"/>
+              <a:ea typeface="BIZ UDP明朝 Medium" panose="02020500000000000000" pitchFamily="18" charset="-128"/>
+            </a:endParaRPr>
+          </a:p>
+          <a:p>
+            <a:r>
+              <a:rPr lang="ja-JP" altLang="en-US" sz="2800" dirty="0">
+                <a:latin typeface="BIZ UDP明朝 Medium" panose="02020500000000000000" pitchFamily="18" charset="-128"/>
+                <a:ea typeface="BIZ UDP明朝 Medium" panose="02020500000000000000" pitchFamily="18" charset="-128"/>
+              </a:rPr>
               <a:t>ターゲット　</a:t>
             </a:r>
-            <a:endParaRPr lang="en-US" altLang="ja-JP" sz="2800" dirty="0"/>
-          </a:p>
-          <a:p>
-            <a:r>
-              <a:rPr lang="ja-JP" altLang="en-US" sz="2800" dirty="0"/>
+            <a:r>
+              <a:rPr lang="en-US" altLang="ja-JP" sz="2800" dirty="0">
+                <a:latin typeface="BIZ UDP明朝 Medium" panose="02020500000000000000" pitchFamily="18" charset="-128"/>
+                <a:ea typeface="BIZ UDP明朝 Medium" panose="02020500000000000000" pitchFamily="18" charset="-128"/>
+              </a:rPr>
+              <a:t>			</a:t>
+            </a:r>
+            <a:r>
+              <a:rPr lang="ja-JP" altLang="en-US" sz="2800" dirty="0">
+                <a:latin typeface="BIZ UDP明朝 Medium" panose="02020500000000000000" pitchFamily="18" charset="-128"/>
+                <a:ea typeface="BIZ UDP明朝 Medium" panose="02020500000000000000" pitchFamily="18" charset="-128"/>
+              </a:rPr>
+              <a:t>（</a:t>
+            </a:r>
+            <a:r>
+              <a:rPr lang="en-US" altLang="ja-JP" sz="2800" dirty="0">
+                <a:latin typeface="BIZ UDP明朝 Medium" panose="02020500000000000000" pitchFamily="18" charset="-128"/>
+                <a:ea typeface="BIZ UDP明朝 Medium" panose="02020500000000000000" pitchFamily="18" charset="-128"/>
+              </a:rPr>
+              <a:t>TPS</a:t>
+            </a:r>
+            <a:r>
+              <a:rPr lang="ja-JP" altLang="en-US" sz="2800" dirty="0">
+                <a:latin typeface="BIZ UDP明朝 Medium" panose="02020500000000000000" pitchFamily="18" charset="-128"/>
+                <a:ea typeface="BIZ UDP明朝 Medium" panose="02020500000000000000" pitchFamily="18" charset="-128"/>
+              </a:rPr>
+              <a:t>）</a:t>
+            </a:r>
+            <a:endParaRPr lang="en-US" altLang="ja-JP" sz="2800" dirty="0">
+              <a:latin typeface="BIZ UDP明朝 Medium" panose="02020500000000000000" pitchFamily="18" charset="-128"/>
+              <a:ea typeface="BIZ UDP明朝 Medium" panose="02020500000000000000" pitchFamily="18" charset="-128"/>
+            </a:endParaRPr>
+          </a:p>
+          <a:p>
+            <a:r>
+              <a:rPr lang="ja-JP" altLang="en-US" sz="2800" dirty="0">
+                <a:latin typeface="BIZ UDP明朝 Medium" panose="02020500000000000000" pitchFamily="18" charset="-128"/>
+                <a:ea typeface="BIZ UDP明朝 Medium" panose="02020500000000000000" pitchFamily="18" charset="-128"/>
+              </a:rPr>
               <a:t>プラットフォーム </a:t>
             </a:r>
             <a:r>
-              <a:rPr lang="en-US" altLang="ja-JP" sz="2800" dirty="0"/>
+              <a:rPr lang="en-US" altLang="ja-JP" sz="2800" dirty="0">
+                <a:latin typeface="BIZ UDP明朝 Medium" panose="02020500000000000000" pitchFamily="18" charset="-128"/>
+                <a:ea typeface="BIZ UDP明朝 Medium" panose="02020500000000000000" pitchFamily="18" charset="-128"/>
+              </a:rPr>
               <a:t>	PC</a:t>
             </a:r>
           </a:p>
           <a:p>
             <a:r>
-              <a:rPr lang="ja-JP" altLang="en-US" sz="2800" dirty="0"/>
+              <a:rPr lang="ja-JP" altLang="en-US" sz="2800" dirty="0">
+                <a:latin typeface="BIZ UDP明朝 Medium" panose="02020500000000000000" pitchFamily="18" charset="-128"/>
+                <a:ea typeface="BIZ UDP明朝 Medium" panose="02020500000000000000" pitchFamily="18" charset="-128"/>
+              </a:rPr>
               <a:t>使用ツール　 </a:t>
             </a:r>
             <a:r>
-              <a:rPr lang="en-US" altLang="ja-JP" sz="2800" dirty="0"/>
-              <a:t>			</a:t>
-            </a:r>
-            <a:r>
-              <a:rPr lang="en-US" altLang="ja-JP" sz="2800" dirty="0" err="1"/>
+              <a:rPr lang="en-US" altLang="ja-JP" sz="2800" dirty="0">
+                <a:latin typeface="BIZ UDP明朝 Medium" panose="02020500000000000000" pitchFamily="18" charset="-128"/>
+                <a:ea typeface="BIZ UDP明朝 Medium" panose="02020500000000000000" pitchFamily="18" charset="-128"/>
+              </a:rPr>
+              <a:t>		</a:t>
+            </a:r>
+            <a:r>
+              <a:rPr lang="en-US" altLang="ja-JP" sz="2800" dirty="0" err="1">
+                <a:latin typeface="BIZ UDP明朝 Medium" panose="02020500000000000000" pitchFamily="18" charset="-128"/>
+                <a:ea typeface="BIZ UDP明朝 Medium" panose="02020500000000000000" pitchFamily="18" charset="-128"/>
+              </a:rPr>
               <a:t>DxLib</a:t>
             </a:r>
             <a:r>
-              <a:rPr lang="en-US" altLang="ja-JP" sz="2800" dirty="0"/>
+              <a:rPr lang="en-US" altLang="ja-JP" sz="2800" dirty="0">
+                <a:latin typeface="BIZ UDP明朝 Medium" panose="02020500000000000000" pitchFamily="18" charset="-128"/>
+                <a:ea typeface="BIZ UDP明朝 Medium" panose="02020500000000000000" pitchFamily="18" charset="-128"/>
+              </a:rPr>
               <a:t>/C++</a:t>
             </a:r>
           </a:p>
           <a:p>
             <a:r>
-              <a:rPr kumimoji="1" lang="ja-JP" altLang="en-US" sz="2800" dirty="0"/>
+              <a:rPr kumimoji="1" lang="ja-JP" altLang="en-US" sz="2800" dirty="0">
+                <a:latin typeface="BIZ UDP明朝 Medium" panose="02020500000000000000" pitchFamily="18" charset="-128"/>
+                <a:ea typeface="BIZ UDP明朝 Medium" panose="02020500000000000000" pitchFamily="18" charset="-128"/>
+              </a:rPr>
               <a:t>制作期間</a:t>
             </a:r>
             <a:r>
-              <a:rPr kumimoji="1" lang="en-US" altLang="ja-JP" sz="2800" dirty="0"/>
+              <a:rPr kumimoji="1" lang="en-US" altLang="ja-JP" sz="2800" dirty="0">
+                <a:latin typeface="BIZ UDP明朝 Medium" panose="02020500000000000000" pitchFamily="18" charset="-128"/>
+                <a:ea typeface="BIZ UDP明朝 Medium" panose="02020500000000000000" pitchFamily="18" charset="-128"/>
+              </a:rPr>
               <a:t>	</a:t>
             </a:r>
             <a:r>
-              <a:rPr kumimoji="1" lang="ja-JP" altLang="en-US" sz="2800" dirty="0"/>
+              <a:rPr kumimoji="1" lang="ja-JP" altLang="en-US" sz="2800" dirty="0">
+                <a:latin typeface="BIZ UDP明朝 Medium" panose="02020500000000000000" pitchFamily="18" charset="-128"/>
+                <a:ea typeface="BIZ UDP明朝 Medium" panose="02020500000000000000" pitchFamily="18" charset="-128"/>
+              </a:rPr>
               <a:t>　</a:t>
             </a:r>
             <a:r>
-              <a:rPr kumimoji="1" lang="en-US" altLang="ja-JP" sz="2800" dirty="0"/>
-              <a:t>			10</a:t>
-            </a:r>
-            <a:r>
-              <a:rPr kumimoji="1" lang="ja-JP" altLang="en-US" sz="2800" dirty="0"/>
-              <a:t>月頭</a:t>
-            </a:r>
-            <a:r>
-              <a:rPr kumimoji="1" lang="en-US" altLang="ja-JP" sz="2800" dirty="0"/>
-              <a:t>~12</a:t>
-            </a:r>
-            <a:r>
-              <a:rPr kumimoji="1" lang="ja-JP" altLang="en-US" sz="2800" dirty="0"/>
+              <a:rPr kumimoji="1" lang="en-US" altLang="ja-JP" sz="2800" dirty="0">
+                <a:latin typeface="BIZ UDP明朝 Medium" panose="02020500000000000000" pitchFamily="18" charset="-128"/>
+                <a:ea typeface="BIZ UDP明朝 Medium" panose="02020500000000000000" pitchFamily="18" charset="-128"/>
+              </a:rPr>
+              <a:t>		10</a:t>
+            </a:r>
+            <a:r>
+              <a:rPr kumimoji="1" lang="ja-JP" altLang="en-US" sz="2800" dirty="0">
+                <a:latin typeface="BIZ UDP明朝 Medium" panose="02020500000000000000" pitchFamily="18" charset="-128"/>
+                <a:ea typeface="BIZ UDP明朝 Medium" panose="02020500000000000000" pitchFamily="18" charset="-128"/>
+              </a:rPr>
+              <a:t>月頭～</a:t>
+            </a:r>
+            <a:r>
+              <a:rPr kumimoji="1" lang="en-US" altLang="ja-JP" sz="2800" dirty="0">
+                <a:latin typeface="BIZ UDP明朝 Medium" panose="02020500000000000000" pitchFamily="18" charset="-128"/>
+                <a:ea typeface="BIZ UDP明朝 Medium" panose="02020500000000000000" pitchFamily="18" charset="-128"/>
+              </a:rPr>
+              <a:t>12</a:t>
+            </a:r>
+            <a:r>
+              <a:rPr kumimoji="1" lang="ja-JP" altLang="en-US" sz="2800" dirty="0">
+                <a:latin typeface="BIZ UDP明朝 Medium" panose="02020500000000000000" pitchFamily="18" charset="-128"/>
+                <a:ea typeface="BIZ UDP明朝 Medium" panose="02020500000000000000" pitchFamily="18" charset="-128"/>
+              </a:rPr>
               <a:t>月末</a:t>
             </a:r>
-            <a:endParaRPr kumimoji="1" lang="en-US" altLang="ja-JP" sz="2800" dirty="0"/>
-          </a:p>
-          <a:p>
-            <a:r>
-              <a:rPr lang="ja-JP" altLang="en-US" sz="2800" dirty="0"/>
+            <a:r>
+              <a:rPr kumimoji="1" lang="en-US" altLang="ja-JP" sz="2800" dirty="0">
+                <a:latin typeface="BIZ UDP明朝 Medium" panose="02020500000000000000" pitchFamily="18" charset="-128"/>
+                <a:ea typeface="BIZ UDP明朝 Medium" panose="02020500000000000000" pitchFamily="18" charset="-128"/>
+              </a:rPr>
+              <a:t>(</a:t>
+            </a:r>
+            <a:r>
+              <a:rPr kumimoji="1" lang="ja-JP" altLang="en-US" sz="2800" dirty="0">
+                <a:latin typeface="BIZ UDP明朝 Medium" panose="02020500000000000000" pitchFamily="18" charset="-128"/>
+                <a:ea typeface="BIZ UDP明朝 Medium" panose="02020500000000000000" pitchFamily="18" charset="-128"/>
+              </a:rPr>
+              <a:t>企業提出用</a:t>
+            </a:r>
+            <a:r>
+              <a:rPr kumimoji="1" lang="en-US" altLang="ja-JP" sz="2800" dirty="0">
+                <a:latin typeface="BIZ UDP明朝 Medium" panose="02020500000000000000" pitchFamily="18" charset="-128"/>
+                <a:ea typeface="BIZ UDP明朝 Medium" panose="02020500000000000000" pitchFamily="18" charset="-128"/>
+              </a:rPr>
+              <a:t>)</a:t>
+            </a:r>
+          </a:p>
+          <a:p>
+            <a:r>
+              <a:rPr kumimoji="1" lang="en-US" altLang="ja-JP" sz="2800" dirty="0">
+                <a:latin typeface="BIZ UDP明朝 Medium" panose="02020500000000000000" pitchFamily="18" charset="-128"/>
+                <a:ea typeface="BIZ UDP明朝 Medium" panose="02020500000000000000" pitchFamily="18" charset="-128"/>
+              </a:rPr>
+              <a:t>								  </a:t>
+            </a:r>
+            <a:r>
+              <a:rPr kumimoji="1" lang="ja-JP" altLang="en-US" sz="2800" dirty="0">
+                <a:latin typeface="BIZ UDP明朝 Medium" panose="02020500000000000000" pitchFamily="18" charset="-128"/>
+                <a:ea typeface="BIZ UDP明朝 Medium" panose="02020500000000000000" pitchFamily="18" charset="-128"/>
+              </a:rPr>
+              <a:t>～  </a:t>
+            </a:r>
+            <a:r>
+              <a:rPr kumimoji="1" lang="en-US" altLang="ja-JP" sz="2800" dirty="0">
+                <a:latin typeface="BIZ UDP明朝 Medium" panose="02020500000000000000" pitchFamily="18" charset="-128"/>
+                <a:ea typeface="BIZ UDP明朝 Medium" panose="02020500000000000000" pitchFamily="18" charset="-128"/>
+              </a:rPr>
+              <a:t>1</a:t>
+            </a:r>
+            <a:r>
+              <a:rPr kumimoji="1" lang="ja-JP" altLang="en-US" sz="2800" dirty="0">
+                <a:latin typeface="BIZ UDP明朝 Medium" panose="02020500000000000000" pitchFamily="18" charset="-128"/>
+                <a:ea typeface="BIZ UDP明朝 Medium" panose="02020500000000000000" pitchFamily="18" charset="-128"/>
+              </a:rPr>
+              <a:t>月末</a:t>
+            </a:r>
+            <a:r>
+              <a:rPr kumimoji="1" lang="en-US" altLang="ja-JP" sz="2800" dirty="0">
+                <a:latin typeface="BIZ UDP明朝 Medium" panose="02020500000000000000" pitchFamily="18" charset="-128"/>
+                <a:ea typeface="BIZ UDP明朝 Medium" panose="02020500000000000000" pitchFamily="18" charset="-128"/>
+              </a:rPr>
+              <a:t>(</a:t>
+            </a:r>
+            <a:r>
+              <a:rPr kumimoji="1" lang="ja-JP" altLang="en-US" sz="2800" dirty="0">
+                <a:latin typeface="BIZ UDP明朝 Medium" panose="02020500000000000000" pitchFamily="18" charset="-128"/>
+                <a:ea typeface="BIZ UDP明朝 Medium" panose="02020500000000000000" pitchFamily="18" charset="-128"/>
+              </a:rPr>
+              <a:t>作品展示会用</a:t>
+            </a:r>
+            <a:r>
+              <a:rPr kumimoji="1" lang="en-US" altLang="ja-JP" sz="2800" dirty="0">
+                <a:latin typeface="BIZ UDP明朝 Medium" panose="02020500000000000000" pitchFamily="18" charset="-128"/>
+                <a:ea typeface="BIZ UDP明朝 Medium" panose="02020500000000000000" pitchFamily="18" charset="-128"/>
+              </a:rPr>
+              <a:t>)</a:t>
+            </a:r>
+          </a:p>
+          <a:p>
+            <a:r>
+              <a:rPr lang="ja-JP" altLang="en-US" sz="2800" dirty="0">
+                <a:latin typeface="BIZ UDP明朝 Medium" panose="02020500000000000000" pitchFamily="18" charset="-128"/>
+                <a:ea typeface="BIZ UDP明朝 Medium" panose="02020500000000000000" pitchFamily="18" charset="-128"/>
+              </a:rPr>
               <a:t>目標</a:t>
             </a:r>
             <a:r>
-              <a:rPr lang="en-US" altLang="ja-JP" sz="2800" dirty="0"/>
+              <a:rPr lang="en-US" altLang="ja-JP" sz="2800" dirty="0">
+                <a:latin typeface="BIZ UDP明朝 Medium" panose="02020500000000000000" pitchFamily="18" charset="-128"/>
+                <a:ea typeface="BIZ UDP明朝 Medium" panose="02020500000000000000" pitchFamily="18" charset="-128"/>
+              </a:rPr>
               <a:t>		</a:t>
             </a:r>
             <a:r>
-              <a:rPr lang="ja-JP" altLang="en-US" sz="2800" dirty="0"/>
+              <a:rPr lang="ja-JP" altLang="en-US" sz="2800" dirty="0">
+                <a:latin typeface="BIZ UDP明朝 Medium" panose="02020500000000000000" pitchFamily="18" charset="-128"/>
+                <a:ea typeface="BIZ UDP明朝 Medium" panose="02020500000000000000" pitchFamily="18" charset="-128"/>
+              </a:rPr>
               <a:t>　</a:t>
             </a:r>
             <a:r>
-              <a:rPr lang="en-US" altLang="ja-JP" sz="2800" dirty="0"/>
+              <a:rPr lang="en-US" altLang="ja-JP" sz="2800" dirty="0">
+                <a:latin typeface="BIZ UDP明朝 Medium" panose="02020500000000000000" pitchFamily="18" charset="-128"/>
+                <a:ea typeface="BIZ UDP明朝 Medium" panose="02020500000000000000" pitchFamily="18" charset="-128"/>
+              </a:rPr>
               <a:t>	</a:t>
             </a:r>
             <a:r>
-              <a:rPr lang="ja-JP" altLang="en-US" sz="2800" dirty="0"/>
+              <a:rPr lang="ja-JP" altLang="en-US" sz="2800" dirty="0">
+                <a:latin typeface="BIZ UDP明朝 Medium" panose="02020500000000000000" pitchFamily="18" charset="-128"/>
+                <a:ea typeface="BIZ UDP明朝 Medium" panose="02020500000000000000" pitchFamily="18" charset="-128"/>
+              </a:rPr>
               <a:t>    </a:t>
             </a:r>
             <a:r>
-              <a:rPr lang="en-US" altLang="ja-JP" sz="2800" dirty="0"/>
-              <a:t>			</a:t>
-            </a:r>
-            <a:r>
-              <a:rPr lang="ja-JP" altLang="en-US" sz="2800" dirty="0"/>
+              <a:rPr lang="en-US" altLang="ja-JP" sz="2800" dirty="0">
+                <a:latin typeface="BIZ UDP明朝 Medium" panose="02020500000000000000" pitchFamily="18" charset="-128"/>
+                <a:ea typeface="BIZ UDP明朝 Medium" panose="02020500000000000000" pitchFamily="18" charset="-128"/>
+              </a:rPr>
+              <a:t>	</a:t>
+            </a:r>
+            <a:r>
+              <a:rPr lang="ja-JP" altLang="en-US" sz="2800" dirty="0">
+                <a:latin typeface="BIZ UDP明朝 Medium" panose="02020500000000000000" pitchFamily="18" charset="-128"/>
+                <a:ea typeface="BIZ UDP明朝 Medium" panose="02020500000000000000" pitchFamily="18" charset="-128"/>
+              </a:rPr>
               <a:t>就職作品として提出できる作品を作る</a:t>
             </a:r>
-            <a:endParaRPr lang="en-US" altLang="ja-JP" sz="2800" dirty="0"/>
-          </a:p>
-          <a:p>
-            <a:r>
-              <a:rPr kumimoji="1" lang="en-US" altLang="ja-JP" sz="2800" dirty="0"/>
+            <a:endParaRPr lang="en-US" altLang="ja-JP" sz="2800" dirty="0">
+              <a:latin typeface="BIZ UDP明朝 Medium" panose="02020500000000000000" pitchFamily="18" charset="-128"/>
+              <a:ea typeface="BIZ UDP明朝 Medium" panose="02020500000000000000" pitchFamily="18" charset="-128"/>
+            </a:endParaRPr>
+          </a:p>
+          <a:p>
+            <a:r>
+              <a:rPr kumimoji="1" lang="en-US" altLang="ja-JP" sz="2800" dirty="0">
+                <a:latin typeface="BIZ UDP明朝 Medium" panose="02020500000000000000" pitchFamily="18" charset="-128"/>
+                <a:ea typeface="BIZ UDP明朝 Medium" panose="02020500000000000000" pitchFamily="18" charset="-128"/>
+              </a:rPr>
               <a:t>	</a:t>
             </a:r>
             <a:r>
-              <a:rPr kumimoji="1" lang="ja-JP" altLang="en-US" sz="2800" dirty="0"/>
+              <a:rPr kumimoji="1" lang="ja-JP" altLang="en-US" sz="2800" dirty="0">
+                <a:latin typeface="BIZ UDP明朝 Medium" panose="02020500000000000000" pitchFamily="18" charset="-128"/>
+                <a:ea typeface="BIZ UDP明朝 Medium" panose="02020500000000000000" pitchFamily="18" charset="-128"/>
+              </a:rPr>
               <a:t>　</a:t>
             </a:r>
             <a:r>
-              <a:rPr kumimoji="1" lang="en-US" altLang="ja-JP" sz="2800" dirty="0"/>
+              <a:rPr kumimoji="1" lang="en-US" altLang="ja-JP" sz="2800" dirty="0">
+                <a:latin typeface="BIZ UDP明朝 Medium" panose="02020500000000000000" pitchFamily="18" charset="-128"/>
+                <a:ea typeface="BIZ UDP明朝 Medium" panose="02020500000000000000" pitchFamily="18" charset="-128"/>
+              </a:rPr>
               <a:t>	</a:t>
             </a:r>
             <a:r>
-              <a:rPr kumimoji="1" lang="ja-JP" altLang="en-US" sz="2800" dirty="0"/>
+              <a:rPr kumimoji="1" lang="ja-JP" altLang="en-US" sz="2800" dirty="0">
+                <a:latin typeface="BIZ UDP明朝 Medium" panose="02020500000000000000" pitchFamily="18" charset="-128"/>
+                <a:ea typeface="BIZ UDP明朝 Medium" panose="02020500000000000000" pitchFamily="18" charset="-128"/>
+              </a:rPr>
               <a:t>　</a:t>
             </a:r>
             <a:r>
-              <a:rPr kumimoji="1" lang="en-US" altLang="ja-JP" sz="2800" dirty="0"/>
+              <a:rPr kumimoji="1" lang="en-US" altLang="ja-JP" sz="2800" dirty="0">
+                <a:latin typeface="BIZ UDP明朝 Medium" panose="02020500000000000000" pitchFamily="18" charset="-128"/>
+                <a:ea typeface="BIZ UDP明朝 Medium" panose="02020500000000000000" pitchFamily="18" charset="-128"/>
+              </a:rPr>
               <a:t>		</a:t>
             </a:r>
             <a:r>
-              <a:rPr kumimoji="1" lang="ja-JP" altLang="en-US" sz="2800" dirty="0"/>
+              <a:rPr kumimoji="1" lang="ja-JP" altLang="en-US" sz="2800" dirty="0">
+                <a:latin typeface="BIZ UDP明朝 Medium" panose="02020500000000000000" pitchFamily="18" charset="-128"/>
+                <a:ea typeface="BIZ UDP明朝 Medium" panose="02020500000000000000" pitchFamily="18" charset="-128"/>
+              </a:rPr>
               <a:t>   </a:t>
             </a:r>
             <a:r>
-              <a:rPr kumimoji="1" lang="en-US" altLang="ja-JP" sz="2800" dirty="0"/>
-              <a:t>			</a:t>
-            </a:r>
-            <a:r>
-              <a:rPr kumimoji="1" lang="ja-JP" altLang="en-US" sz="2800" dirty="0"/>
+              <a:rPr kumimoji="1" lang="en-US" altLang="ja-JP" sz="2800" dirty="0">
+                <a:latin typeface="BIZ UDP明朝 Medium" panose="02020500000000000000" pitchFamily="18" charset="-128"/>
+                <a:ea typeface="BIZ UDP明朝 Medium" panose="02020500000000000000" pitchFamily="18" charset="-128"/>
+              </a:rPr>
+              <a:t>		</a:t>
+            </a:r>
+            <a:r>
+              <a:rPr kumimoji="1" lang="ja-JP" altLang="en-US" sz="2800" dirty="0">
+                <a:latin typeface="BIZ UDP明朝 Medium" panose="02020500000000000000" pitchFamily="18" charset="-128"/>
+                <a:ea typeface="BIZ UDP明朝 Medium" panose="02020500000000000000" pitchFamily="18" charset="-128"/>
+              </a:rPr>
               <a:t>外部データを使用する</a:t>
             </a:r>
-            <a:endParaRPr kumimoji="1" lang="en-US" altLang="ja-JP" sz="2800" dirty="0"/>
-          </a:p>
-          <a:p>
-            <a:r>
-              <a:rPr lang="en-US" altLang="ja-JP" sz="2800" dirty="0"/>
+            <a:endParaRPr kumimoji="1" lang="en-US" altLang="ja-JP" sz="2800" dirty="0">
+              <a:latin typeface="BIZ UDP明朝 Medium" panose="02020500000000000000" pitchFamily="18" charset="-128"/>
+              <a:ea typeface="BIZ UDP明朝 Medium" panose="02020500000000000000" pitchFamily="18" charset="-128"/>
+            </a:endParaRPr>
+          </a:p>
+          <a:p>
+            <a:r>
+              <a:rPr lang="en-US" altLang="ja-JP" sz="2800" dirty="0">
+                <a:latin typeface="BIZ UDP明朝 Medium" panose="02020500000000000000" pitchFamily="18" charset="-128"/>
+                <a:ea typeface="BIZ UDP明朝 Medium" panose="02020500000000000000" pitchFamily="18" charset="-128"/>
+              </a:rPr>
               <a:t>		</a:t>
             </a:r>
             <a:r>
-              <a:rPr lang="ja-JP" altLang="en-US" sz="2800" dirty="0"/>
+              <a:rPr lang="ja-JP" altLang="en-US" sz="2800" dirty="0">
+                <a:latin typeface="BIZ UDP明朝 Medium" panose="02020500000000000000" pitchFamily="18" charset="-128"/>
+                <a:ea typeface="BIZ UDP明朝 Medium" panose="02020500000000000000" pitchFamily="18" charset="-128"/>
+              </a:rPr>
               <a:t>  </a:t>
             </a:r>
             <a:r>
-              <a:rPr lang="en-US" altLang="ja-JP" sz="2800" dirty="0"/>
+              <a:rPr lang="en-US" altLang="ja-JP" sz="2800" dirty="0">
+                <a:latin typeface="BIZ UDP明朝 Medium" panose="02020500000000000000" pitchFamily="18" charset="-128"/>
+                <a:ea typeface="BIZ UDP明朝 Medium" panose="02020500000000000000" pitchFamily="18" charset="-128"/>
+              </a:rPr>
               <a:t>		</a:t>
             </a:r>
             <a:r>
-              <a:rPr lang="ja-JP" altLang="en-US" sz="2800" dirty="0"/>
+              <a:rPr lang="ja-JP" altLang="en-US" sz="2800" dirty="0">
+                <a:latin typeface="BIZ UDP明朝 Medium" panose="02020500000000000000" pitchFamily="18" charset="-128"/>
+                <a:ea typeface="BIZ UDP明朝 Medium" panose="02020500000000000000" pitchFamily="18" charset="-128"/>
+              </a:rPr>
               <a:t>    </a:t>
             </a:r>
             <a:r>
-              <a:rPr lang="en-US" altLang="ja-JP" sz="2800" dirty="0"/>
-              <a:t>			</a:t>
-            </a:r>
-            <a:r>
-              <a:rPr lang="ja-JP" altLang="en-US" sz="2800" dirty="0"/>
+              <a:rPr lang="en-US" altLang="ja-JP" sz="2800" dirty="0">
+                <a:latin typeface="BIZ UDP明朝 Medium" panose="02020500000000000000" pitchFamily="18" charset="-128"/>
+                <a:ea typeface="BIZ UDP明朝 Medium" panose="02020500000000000000" pitchFamily="18" charset="-128"/>
+              </a:rPr>
+              <a:t>	</a:t>
+            </a:r>
+            <a:r>
+              <a:rPr lang="ja-JP" altLang="en-US" sz="2800" dirty="0">
+                <a:latin typeface="BIZ UDP明朝 Medium" panose="02020500000000000000" pitchFamily="18" charset="-128"/>
+                <a:ea typeface="BIZ UDP明朝 Medium" panose="02020500000000000000" pitchFamily="18" charset="-128"/>
+              </a:rPr>
               <a:t>演出面のクオリティをこだわる</a:t>
             </a:r>
-            <a:endParaRPr lang="en-US" altLang="ja-JP" sz="2800" dirty="0"/>
-          </a:p>
-          <a:p>
-            <a:endParaRPr kumimoji="1" lang="en-US" altLang="ja-JP" sz="2800" dirty="0"/>
-          </a:p>
-          <a:p>
-            <a:r>
-              <a:rPr lang="ja-JP" altLang="en-US" sz="2800" dirty="0"/>
+            <a:endParaRPr lang="en-US" altLang="ja-JP" sz="2800" dirty="0">
+              <a:latin typeface="BIZ UDP明朝 Medium" panose="02020500000000000000" pitchFamily="18" charset="-128"/>
+              <a:ea typeface="BIZ UDP明朝 Medium" panose="02020500000000000000" pitchFamily="18" charset="-128"/>
+            </a:endParaRPr>
+          </a:p>
+          <a:p>
+            <a:endParaRPr kumimoji="1" lang="en-US" altLang="ja-JP" sz="2800" dirty="0">
+              <a:latin typeface="BIZ UDP明朝 Medium" panose="02020500000000000000" pitchFamily="18" charset="-128"/>
+              <a:ea typeface="BIZ UDP明朝 Medium" panose="02020500000000000000" pitchFamily="18" charset="-128"/>
+            </a:endParaRPr>
+          </a:p>
+          <a:p>
+            <a:r>
+              <a:rPr lang="ja-JP" altLang="en-US" sz="2800" dirty="0">
+                <a:latin typeface="BIZ UDP明朝 Medium" panose="02020500000000000000" pitchFamily="18" charset="-128"/>
+                <a:ea typeface="BIZ UDP明朝 Medium" panose="02020500000000000000" pitchFamily="18" charset="-128"/>
+              </a:rPr>
               <a:t>参考ゲーム　</a:t>
             </a:r>
             <a:r>
-              <a:rPr lang="en-US" altLang="ja-JP" sz="2800" dirty="0"/>
-              <a:t>			3DS </a:t>
-            </a:r>
-            <a:r>
-              <a:rPr lang="ja-JP" altLang="en-US" sz="2800" dirty="0"/>
+              <a:rPr lang="en-US" altLang="ja-JP" sz="2800" dirty="0">
+                <a:latin typeface="BIZ UDP明朝 Medium" panose="02020500000000000000" pitchFamily="18" charset="-128"/>
+                <a:ea typeface="BIZ UDP明朝 Medium" panose="02020500000000000000" pitchFamily="18" charset="-128"/>
+              </a:rPr>
+              <a:t>		3DS </a:t>
+            </a:r>
+            <a:r>
+              <a:rPr lang="ja-JP" altLang="en-US" sz="2800" dirty="0">
+                <a:latin typeface="BIZ UDP明朝 Medium" panose="02020500000000000000" pitchFamily="18" charset="-128"/>
+                <a:ea typeface="BIZ UDP明朝 Medium" panose="02020500000000000000" pitchFamily="18" charset="-128"/>
+              </a:rPr>
               <a:t>暗殺教室 アサシン育成計画</a:t>
             </a:r>
             <a:r>
-              <a:rPr lang="en-US" altLang="ja-JP" sz="2800" dirty="0"/>
+              <a:rPr lang="en-US" altLang="ja-JP" sz="2800" dirty="0">
+                <a:latin typeface="BIZ UDP明朝 Medium" panose="02020500000000000000" pitchFamily="18" charset="-128"/>
+                <a:ea typeface="BIZ UDP明朝 Medium" panose="02020500000000000000" pitchFamily="18" charset="-128"/>
+              </a:rPr>
               <a:t>!!</a:t>
             </a:r>
-            <a:endParaRPr kumimoji="1" lang="en-US" altLang="ja-JP" sz="2800" dirty="0"/>
+            <a:endParaRPr kumimoji="1" lang="en-US" altLang="ja-JP" sz="2800" dirty="0">
+              <a:latin typeface="BIZ UDP明朝 Medium" panose="02020500000000000000" pitchFamily="18" charset="-128"/>
+              <a:ea typeface="BIZ UDP明朝 Medium" panose="02020500000000000000" pitchFamily="18" charset="-128"/>
+            </a:endParaRPr>
           </a:p>
         </p:txBody>
       </p:sp>
@@ -4554,10 +4807,51 @@
       </p:grpSpPr>
       <p:sp>
         <p:nvSpPr>
+          <p:cNvPr id="3" name="コンテンツ プレースホルダー 2">
+            <a:extLst>
+              <a:ext uri="{FF2B5EF4-FFF2-40B4-BE49-F238E27FC236}">
+                <a16:creationId xmlns:a16="http://schemas.microsoft.com/office/drawing/2014/main" id="{107B4D41-A8B3-48DC-8EE1-863E4D8AAED0}"/>
+              </a:ext>
+            </a:extLst>
+          </p:cNvPr>
+          <p:cNvSpPr>
+            <a:spLocks noGrp="1"/>
+          </p:cNvSpPr>
+          <p:nvPr>
+            <p:ph idx="1"/>
+          </p:nvPr>
+        </p:nvSpPr>
+        <p:spPr>
+          <a:xfrm>
+            <a:off x="2936630" y="525757"/>
+            <a:ext cx="4554416" cy="303113"/>
+          </a:xfrm>
+        </p:spPr>
+        <p:txBody>
+          <a:bodyPr>
+            <a:normAutofit/>
+          </a:bodyPr>
+          <a:lstStyle/>
+          <a:p>
+            <a:pPr marL="0" indent="0">
+              <a:buNone/>
+            </a:pPr>
+            <a:r>
+              <a:rPr kumimoji="1" lang="en-US" altLang="ja-JP" sz="1400" dirty="0">
+                <a:hlinkClick r:id="rId2"/>
+              </a:rPr>
+              <a:t>https://www.youtube.com/watch?v=XzmV1WVtqGU</a:t>
+            </a:r>
+            <a:endParaRPr kumimoji="1" lang="ja-JP" altLang="en-US" sz="1400" dirty="0"/>
+          </a:p>
+        </p:txBody>
+      </p:sp>
+      <p:sp>
+        <p:nvSpPr>
           <p:cNvPr id="4" name="テキスト ボックス 3">
             <a:extLst>
               <a:ext uri="{FF2B5EF4-FFF2-40B4-BE49-F238E27FC236}">
-                <a16:creationId xmlns:a16="http://schemas.microsoft.com/office/drawing/2014/main" id="{9C221001-BF6D-44EE-9FBC-9B07D41E8A82}"/>
+                <a16:creationId xmlns:a16="http://schemas.microsoft.com/office/drawing/2014/main" id="{0570D53B-6C4C-4475-9233-7A8E5407B803}"/>
               </a:ext>
             </a:extLst>
           </p:cNvPr>
@@ -4565,9 +4859,9 @@
           <p:nvPr/>
         </p:nvSpPr>
         <p:spPr>
-          <a:xfrm>
-            <a:off x="901522" y="824248"/>
-            <a:ext cx="7727324" cy="1754326"/>
+          <a:xfrm flipH="1">
+            <a:off x="986691" y="4577917"/>
+            <a:ext cx="7725508" cy="1754326"/>
           </a:xfrm>
           <a:prstGeom prst="rect">
             <a:avLst/>
@@ -4582,57 +4876,65 @@
           <a:p>
             <a:r>
               <a:rPr kumimoji="1" lang="ja-JP" altLang="en-US" dirty="0"/>
-              <a:t>このゲーム何が楽しいの？</a:t>
+              <a:t>・通常攻撃</a:t>
             </a:r>
             <a:endParaRPr kumimoji="1" lang="en-US" altLang="ja-JP" dirty="0"/>
           </a:p>
           <a:p>
+            <a:r>
+              <a:rPr lang="en-US" altLang="ja-JP" dirty="0"/>
+              <a:t>	</a:t>
+            </a:r>
+            <a:r>
+              <a:rPr lang="ja-JP" altLang="en-US" dirty="0"/>
+              <a:t>ナイフでの近距離攻撃と数種類の遠距離攻撃で攻撃をする</a:t>
+            </a:r>
             <a:endParaRPr lang="en-US" altLang="ja-JP" dirty="0"/>
           </a:p>
           <a:p>
             <a:r>
               <a:rPr kumimoji="1" lang="ja-JP" altLang="en-US" dirty="0"/>
-              <a:t>・銃の使い分け</a:t>
+              <a:t>・罠攻撃</a:t>
             </a:r>
             <a:endParaRPr kumimoji="1" lang="en-US" altLang="ja-JP" dirty="0"/>
           </a:p>
           <a:p>
             <a:r>
+              <a:rPr lang="en-US" altLang="ja-JP" dirty="0"/>
+              <a:t>	</a:t>
+            </a:r>
+            <a:r>
               <a:rPr lang="ja-JP" altLang="en-US" dirty="0"/>
-              <a:t>・集中砲火で敵の</a:t>
-            </a:r>
+              <a:t>拾ったアイテムを使用して罠を仕掛ける</a:t>
+            </a:r>
+            <a:endParaRPr lang="en-US" altLang="ja-JP" dirty="0"/>
+          </a:p>
+          <a:p>
+            <a:r>
+              <a:rPr kumimoji="1" lang="ja-JP" altLang="en-US" dirty="0"/>
+              <a:t>・集中砲火</a:t>
+            </a:r>
+            <a:endParaRPr kumimoji="1" lang="en-US" altLang="ja-JP" dirty="0"/>
+          </a:p>
+          <a:p>
             <a:r>
               <a:rPr lang="en-US" altLang="ja-JP" dirty="0"/>
-              <a:t>HP</a:t>
+              <a:t>	</a:t>
             </a:r>
             <a:r>
               <a:rPr lang="ja-JP" altLang="en-US" dirty="0"/>
-              <a:t>をガンガン減らす</a:t>
-            </a:r>
-            <a:endParaRPr lang="en-US" altLang="ja-JP" dirty="0"/>
-          </a:p>
-          <a:p>
-            <a:r>
-              <a:rPr kumimoji="1" lang="ja-JP" altLang="en-US" dirty="0"/>
-              <a:t>・アイテムを使用して敵の動きを止める</a:t>
-            </a:r>
-            <a:endParaRPr kumimoji="1" lang="en-US" altLang="ja-JP" dirty="0"/>
-          </a:p>
-          <a:p>
-            <a:r>
-              <a:rPr lang="ja-JP" altLang="en-US" dirty="0"/>
-              <a:t>・ハイスコアを目指した倒し方</a:t>
-            </a:r>
-            <a:endParaRPr lang="en-US" altLang="ja-JP" dirty="0"/>
-          </a:p>
-        </p:txBody>
-      </p:sp>
-      <p:sp>
-        <p:nvSpPr>
-          <p:cNvPr id="5" name="テキスト ボックス 4">
+              <a:t>罠にかかった状態でロックオンすると集中砲火で攻撃をする</a:t>
+            </a:r>
+            <a:endParaRPr kumimoji="1" lang="ja-JP" altLang="en-US" dirty="0"/>
+          </a:p>
+        </p:txBody>
+      </p:sp>
+      <p:sp>
+        <p:nvSpPr>
+          <p:cNvPr id="6" name="テキスト ボックス 5">
             <a:extLst>
               <a:ext uri="{FF2B5EF4-FFF2-40B4-BE49-F238E27FC236}">
-                <a16:creationId xmlns:a16="http://schemas.microsoft.com/office/drawing/2014/main" id="{96DEC820-2481-4E05-A281-0E489FABB76C}"/>
+                <a16:creationId xmlns:a16="http://schemas.microsoft.com/office/drawing/2014/main" id="{000396C9-AAD9-47A3-848A-D5C9E718B909}"/>
               </a:ext>
             </a:extLst>
           </p:cNvPr>
@@ -4641,8 +4943,8 @@
         </p:nvSpPr>
         <p:spPr>
           <a:xfrm>
-            <a:off x="1107583" y="3155324"/>
-            <a:ext cx="8255358" cy="2781837"/>
+            <a:off x="226916" y="202592"/>
+            <a:ext cx="2492990" cy="646331"/>
           </a:xfrm>
           <a:prstGeom prst="rect">
             <a:avLst/>
@@ -4650,19 +4952,288 @@
           <a:noFill/>
         </p:spPr>
         <p:txBody>
+          <a:bodyPr wrap="none" rtlCol="0">
+            <a:spAutoFit/>
+          </a:bodyPr>
+          <a:lstStyle/>
+          <a:p>
+            <a:r>
+              <a:rPr kumimoji="1" lang="ja-JP" altLang="en-US" sz="3600" dirty="0"/>
+              <a:t>ゲーム概要</a:t>
+            </a:r>
+          </a:p>
+        </p:txBody>
+      </p:sp>
+      <p:sp>
+        <p:nvSpPr>
+          <p:cNvPr id="7" name="テキスト ボックス 6">
+            <a:extLst>
+              <a:ext uri="{FF2B5EF4-FFF2-40B4-BE49-F238E27FC236}">
+                <a16:creationId xmlns:a16="http://schemas.microsoft.com/office/drawing/2014/main" id="{21EA372B-0BFF-4F0C-9720-105B0BBECC17}"/>
+              </a:ext>
+            </a:extLst>
+          </p:cNvPr>
+          <p:cNvSpPr txBox="1"/>
+          <p:nvPr/>
+        </p:nvSpPr>
+        <p:spPr>
+          <a:xfrm>
+            <a:off x="986691" y="1397675"/>
+            <a:ext cx="10096175" cy="2308324"/>
+          </a:xfrm>
+          <a:prstGeom prst="rect">
+            <a:avLst/>
+          </a:prstGeom>
+          <a:noFill/>
+        </p:spPr>
+        <p:txBody>
           <a:bodyPr wrap="square" rtlCol="0">
             <a:spAutoFit/>
           </a:bodyPr>
           <a:lstStyle/>
           <a:p>
-            <a:endParaRPr kumimoji="1" lang="ja-JP" altLang="en-US" dirty="0"/>
+            <a:r>
+              <a:rPr kumimoji="1" lang="ja-JP" altLang="en-US" dirty="0">
+                <a:latin typeface="BIZ UDP明朝 Medium" panose="02020500000000000000" pitchFamily="18" charset="-128"/>
+                <a:ea typeface="BIZ UDP明朝 Medium" panose="02020500000000000000" pitchFamily="18" charset="-128"/>
+              </a:rPr>
+              <a:t>・制限時間</a:t>
+            </a:r>
+            <a:r>
+              <a:rPr kumimoji="1" lang="en-US" altLang="ja-JP" dirty="0">
+                <a:latin typeface="BIZ UDP明朝 Medium" panose="02020500000000000000" pitchFamily="18" charset="-128"/>
+                <a:ea typeface="BIZ UDP明朝 Medium" panose="02020500000000000000" pitchFamily="18" charset="-128"/>
+              </a:rPr>
+              <a:t>(3</a:t>
+            </a:r>
+            <a:r>
+              <a:rPr kumimoji="1" lang="ja-JP" altLang="en-US" dirty="0">
+                <a:latin typeface="BIZ UDP明朝 Medium" panose="02020500000000000000" pitchFamily="18" charset="-128"/>
+                <a:ea typeface="BIZ UDP明朝 Medium" panose="02020500000000000000" pitchFamily="18" charset="-128"/>
+              </a:rPr>
+              <a:t>分</a:t>
+            </a:r>
+            <a:r>
+              <a:rPr kumimoji="1" lang="en-US" altLang="ja-JP" dirty="0">
+                <a:latin typeface="BIZ UDP明朝 Medium" panose="02020500000000000000" pitchFamily="18" charset="-128"/>
+                <a:ea typeface="BIZ UDP明朝 Medium" panose="02020500000000000000" pitchFamily="18" charset="-128"/>
+              </a:rPr>
+              <a:t>)</a:t>
+            </a:r>
+            <a:r>
+              <a:rPr kumimoji="1" lang="ja-JP" altLang="en-US" dirty="0">
+                <a:latin typeface="BIZ UDP明朝 Medium" panose="02020500000000000000" pitchFamily="18" charset="-128"/>
+                <a:ea typeface="BIZ UDP明朝 Medium" panose="02020500000000000000" pitchFamily="18" charset="-128"/>
+              </a:rPr>
+              <a:t>の間に敵を倒しきる</a:t>
+            </a:r>
+            <a:endParaRPr kumimoji="1" lang="en-US" altLang="ja-JP" dirty="0">
+              <a:latin typeface="BIZ UDP明朝 Medium" panose="02020500000000000000" pitchFamily="18" charset="-128"/>
+              <a:ea typeface="BIZ UDP明朝 Medium" panose="02020500000000000000" pitchFamily="18" charset="-128"/>
+            </a:endParaRPr>
+          </a:p>
+          <a:p>
+            <a:r>
+              <a:rPr kumimoji="1" lang="en-US" altLang="ja-JP" dirty="0">
+                <a:latin typeface="BIZ UDP明朝 Medium" panose="02020500000000000000" pitchFamily="18" charset="-128"/>
+                <a:ea typeface="BIZ UDP明朝 Medium" panose="02020500000000000000" pitchFamily="18" charset="-128"/>
+              </a:rPr>
+              <a:t>	</a:t>
+            </a:r>
+            <a:r>
+              <a:rPr kumimoji="1" lang="ja-JP" altLang="en-US" dirty="0">
+                <a:latin typeface="BIZ UDP明朝 Medium" panose="02020500000000000000" pitchFamily="18" charset="-128"/>
+                <a:ea typeface="BIZ UDP明朝 Medium" panose="02020500000000000000" pitchFamily="18" charset="-128"/>
+              </a:rPr>
+              <a:t>攻撃手段はナイフ、銃、罠等様々</a:t>
+            </a:r>
+            <a:endParaRPr kumimoji="1" lang="en-US" altLang="ja-JP" dirty="0">
+              <a:latin typeface="BIZ UDP明朝 Medium" panose="02020500000000000000" pitchFamily="18" charset="-128"/>
+              <a:ea typeface="BIZ UDP明朝 Medium" panose="02020500000000000000" pitchFamily="18" charset="-128"/>
+            </a:endParaRPr>
+          </a:p>
+          <a:p>
+            <a:r>
+              <a:rPr kumimoji="1" lang="en-US" altLang="ja-JP" dirty="0">
+                <a:latin typeface="BIZ UDP明朝 Medium" panose="02020500000000000000" pitchFamily="18" charset="-128"/>
+                <a:ea typeface="BIZ UDP明朝 Medium" panose="02020500000000000000" pitchFamily="18" charset="-128"/>
+              </a:rPr>
+              <a:t>	</a:t>
+            </a:r>
+            <a:r>
+              <a:rPr kumimoji="1" lang="ja-JP" altLang="en-US" dirty="0">
+                <a:latin typeface="BIZ UDP明朝 Medium" panose="02020500000000000000" pitchFamily="18" charset="-128"/>
+                <a:ea typeface="BIZ UDP明朝 Medium" panose="02020500000000000000" pitchFamily="18" charset="-128"/>
+              </a:rPr>
+              <a:t>倒しきれたらゲームクリア、倒しきれなかったらゲームオーバー</a:t>
+            </a:r>
+            <a:endParaRPr kumimoji="1" lang="en-US" altLang="ja-JP" dirty="0">
+              <a:latin typeface="BIZ UDP明朝 Medium" panose="02020500000000000000" pitchFamily="18" charset="-128"/>
+              <a:ea typeface="BIZ UDP明朝 Medium" panose="02020500000000000000" pitchFamily="18" charset="-128"/>
+            </a:endParaRPr>
+          </a:p>
+          <a:p>
+            <a:endParaRPr kumimoji="1" lang="en-US" altLang="ja-JP" dirty="0">
+              <a:latin typeface="BIZ UDP明朝 Medium" panose="02020500000000000000" pitchFamily="18" charset="-128"/>
+              <a:ea typeface="BIZ UDP明朝 Medium" panose="02020500000000000000" pitchFamily="18" charset="-128"/>
+            </a:endParaRPr>
+          </a:p>
+          <a:p>
+            <a:r>
+              <a:rPr lang="ja-JP" altLang="en-US" dirty="0">
+                <a:latin typeface="BIZ UDP明朝 Medium" panose="02020500000000000000" pitchFamily="18" charset="-128"/>
+                <a:ea typeface="BIZ UDP明朝 Medium" panose="02020500000000000000" pitchFamily="18" charset="-128"/>
+              </a:rPr>
+              <a:t>・スコア機能有（残り時間、攻撃ポイント、プレイヤー残り</a:t>
+            </a:r>
+            <a:r>
+              <a:rPr lang="en-US" altLang="ja-JP" dirty="0">
+                <a:latin typeface="BIZ UDP明朝 Medium" panose="02020500000000000000" pitchFamily="18" charset="-128"/>
+                <a:ea typeface="BIZ UDP明朝 Medium" panose="02020500000000000000" pitchFamily="18" charset="-128"/>
+              </a:rPr>
+              <a:t>HP</a:t>
+            </a:r>
+            <a:r>
+              <a:rPr lang="ja-JP" altLang="en-US" dirty="0">
+                <a:latin typeface="BIZ UDP明朝 Medium" panose="02020500000000000000" pitchFamily="18" charset="-128"/>
+                <a:ea typeface="BIZ UDP明朝 Medium" panose="02020500000000000000" pitchFamily="18" charset="-128"/>
+              </a:rPr>
+              <a:t>の合計）</a:t>
+            </a:r>
+            <a:endParaRPr lang="en-US" altLang="ja-JP" dirty="0">
+              <a:latin typeface="BIZ UDP明朝 Medium" panose="02020500000000000000" pitchFamily="18" charset="-128"/>
+              <a:ea typeface="BIZ UDP明朝 Medium" panose="02020500000000000000" pitchFamily="18" charset="-128"/>
+            </a:endParaRPr>
+          </a:p>
+          <a:p>
+            <a:endParaRPr lang="en-US" altLang="ja-JP" dirty="0">
+              <a:latin typeface="BIZ UDP明朝 Medium" panose="02020500000000000000" pitchFamily="18" charset="-128"/>
+              <a:ea typeface="BIZ UDP明朝 Medium" panose="02020500000000000000" pitchFamily="18" charset="-128"/>
+            </a:endParaRPr>
+          </a:p>
+          <a:p>
+            <a:r>
+              <a:rPr kumimoji="1" lang="ja-JP" altLang="en-US" dirty="0">
+                <a:latin typeface="BIZ UDP明朝 Medium" panose="02020500000000000000" pitchFamily="18" charset="-128"/>
+                <a:ea typeface="BIZ UDP明朝 Medium" panose="02020500000000000000" pitchFamily="18" charset="-128"/>
+              </a:rPr>
+              <a:t>・</a:t>
+            </a:r>
+            <a:r>
+              <a:rPr kumimoji="1" lang="en-US" altLang="ja-JP" dirty="0">
+                <a:latin typeface="BIZ UDP明朝 Medium" panose="02020500000000000000" pitchFamily="18" charset="-128"/>
+                <a:ea typeface="BIZ UDP明朝 Medium" panose="02020500000000000000" pitchFamily="18" charset="-128"/>
+              </a:rPr>
+              <a:t>MAX4</a:t>
+            </a:r>
+            <a:r>
+              <a:rPr kumimoji="1" lang="ja-JP" altLang="en-US" dirty="0">
+                <a:latin typeface="BIZ UDP明朝 Medium" panose="02020500000000000000" pitchFamily="18" charset="-128"/>
+                <a:ea typeface="BIZ UDP明朝 Medium" panose="02020500000000000000" pitchFamily="18" charset="-128"/>
+              </a:rPr>
+              <a:t>人での協力プレイ（プレイヤー以外は</a:t>
+            </a:r>
+            <a:r>
+              <a:rPr kumimoji="1" lang="en-US" altLang="ja-JP" dirty="0">
+                <a:latin typeface="BIZ UDP明朝 Medium" panose="02020500000000000000" pitchFamily="18" charset="-128"/>
+                <a:ea typeface="BIZ UDP明朝 Medium" panose="02020500000000000000" pitchFamily="18" charset="-128"/>
+              </a:rPr>
+              <a:t>NPC…</a:t>
+            </a:r>
+            <a:r>
+              <a:rPr kumimoji="1" lang="ja-JP" altLang="en-US" dirty="0">
+                <a:latin typeface="BIZ UDP明朝 Medium" panose="02020500000000000000" pitchFamily="18" charset="-128"/>
+                <a:ea typeface="BIZ UDP明朝 Medium" panose="02020500000000000000" pitchFamily="18" charset="-128"/>
+              </a:rPr>
+              <a:t>～</a:t>
+            </a:r>
+            <a:r>
+              <a:rPr kumimoji="1" lang="en-US" altLang="ja-JP" dirty="0">
+                <a:latin typeface="BIZ UDP明朝 Medium" panose="02020500000000000000" pitchFamily="18" charset="-128"/>
+                <a:ea typeface="BIZ UDP明朝 Medium" panose="02020500000000000000" pitchFamily="18" charset="-128"/>
+              </a:rPr>
+              <a:t>12</a:t>
+            </a:r>
+            <a:r>
+              <a:rPr kumimoji="1" lang="ja-JP" altLang="en-US" dirty="0">
+                <a:latin typeface="BIZ UDP明朝 Medium" panose="02020500000000000000" pitchFamily="18" charset="-128"/>
+                <a:ea typeface="BIZ UDP明朝 Medium" panose="02020500000000000000" pitchFamily="18" charset="-128"/>
+              </a:rPr>
+              <a:t>月末</a:t>
+            </a:r>
+            <a:endParaRPr kumimoji="1" lang="en-US" altLang="ja-JP" dirty="0">
+              <a:latin typeface="BIZ UDP明朝 Medium" panose="02020500000000000000" pitchFamily="18" charset="-128"/>
+              <a:ea typeface="BIZ UDP明朝 Medium" panose="02020500000000000000" pitchFamily="18" charset="-128"/>
+            </a:endParaRPr>
+          </a:p>
+          <a:p>
+            <a:r>
+              <a:rPr kumimoji="1" lang="en-US" altLang="ja-JP" dirty="0">
+                <a:latin typeface="BIZ UDP明朝 Medium" panose="02020500000000000000" pitchFamily="18" charset="-128"/>
+                <a:ea typeface="BIZ UDP明朝 Medium" panose="02020500000000000000" pitchFamily="18" charset="-128"/>
+              </a:rPr>
+              <a:t>						</a:t>
+            </a:r>
+            <a:r>
+              <a:rPr kumimoji="1" lang="ja-JP" altLang="en-US" dirty="0">
+                <a:latin typeface="BIZ UDP明朝 Medium" panose="02020500000000000000" pitchFamily="18" charset="-128"/>
+                <a:ea typeface="BIZ UDP明朝 Medium" panose="02020500000000000000" pitchFamily="18" charset="-128"/>
+              </a:rPr>
+              <a:t>マルチプレイ</a:t>
+            </a:r>
+            <a:r>
+              <a:rPr kumimoji="1" lang="en-US" altLang="ja-JP" dirty="0">
+                <a:latin typeface="BIZ UDP明朝 Medium" panose="02020500000000000000" pitchFamily="18" charset="-128"/>
+                <a:ea typeface="BIZ UDP明朝 Medium" panose="02020500000000000000" pitchFamily="18" charset="-128"/>
+              </a:rPr>
+              <a:t>		</a:t>
+            </a:r>
+            <a:r>
+              <a:rPr kumimoji="1" lang="ja-JP" altLang="en-US" dirty="0">
+                <a:latin typeface="BIZ UDP明朝 Medium" panose="02020500000000000000" pitchFamily="18" charset="-128"/>
+                <a:ea typeface="BIZ UDP明朝 Medium" panose="02020500000000000000" pitchFamily="18" charset="-128"/>
+              </a:rPr>
+              <a:t>　　</a:t>
+            </a:r>
+            <a:r>
+              <a:rPr kumimoji="1" lang="en-US" altLang="ja-JP" dirty="0">
+                <a:latin typeface="BIZ UDP明朝 Medium" panose="02020500000000000000" pitchFamily="18" charset="-128"/>
+                <a:ea typeface="BIZ UDP明朝 Medium" panose="02020500000000000000" pitchFamily="18" charset="-128"/>
+              </a:rPr>
+              <a:t>…</a:t>
+            </a:r>
+            <a:r>
+              <a:rPr kumimoji="1" lang="ja-JP" altLang="en-US" dirty="0">
+                <a:latin typeface="BIZ UDP明朝 Medium" panose="02020500000000000000" pitchFamily="18" charset="-128"/>
+                <a:ea typeface="BIZ UDP明朝 Medium" panose="02020500000000000000" pitchFamily="18" charset="-128"/>
+              </a:rPr>
+              <a:t>～</a:t>
+            </a:r>
+            <a:r>
+              <a:rPr kumimoji="1" lang="en-US" altLang="ja-JP" dirty="0">
+                <a:latin typeface="BIZ UDP明朝 Medium" panose="02020500000000000000" pitchFamily="18" charset="-128"/>
+                <a:ea typeface="BIZ UDP明朝 Medium" panose="02020500000000000000" pitchFamily="18" charset="-128"/>
+              </a:rPr>
+              <a:t>1</a:t>
+            </a:r>
+            <a:r>
+              <a:rPr kumimoji="1" lang="ja-JP" altLang="en-US" dirty="0">
+                <a:latin typeface="BIZ UDP明朝 Medium" panose="02020500000000000000" pitchFamily="18" charset="-128"/>
+                <a:ea typeface="BIZ UDP明朝 Medium" panose="02020500000000000000" pitchFamily="18" charset="-128"/>
+              </a:rPr>
+              <a:t>月末）</a:t>
+            </a:r>
+            <a:endParaRPr kumimoji="1" lang="en-US" altLang="ja-JP" dirty="0">
+              <a:latin typeface="BIZ UDP明朝 Medium" panose="02020500000000000000" pitchFamily="18" charset="-128"/>
+              <a:ea typeface="BIZ UDP明朝 Medium" panose="02020500000000000000" pitchFamily="18" charset="-128"/>
+            </a:endParaRPr>
           </a:p>
         </p:txBody>
       </p:sp>
     </p:spTree>
     <p:extLst>
       <p:ext uri="{BB962C8B-B14F-4D97-AF65-F5344CB8AC3E}">
-        <p14:creationId xmlns:p14="http://schemas.microsoft.com/office/powerpoint/2010/main" val="3509109435"/>
+        <p14:creationId xmlns:p14="http://schemas.microsoft.com/office/powerpoint/2010/main" val="1961887480"/>
       </p:ext>
     </p:extLst>
   </p:cSld>
@@ -4691,58 +5262,217 @@
       </p:grpSpPr>
       <p:sp>
         <p:nvSpPr>
-          <p:cNvPr id="2" name="タイトル 1">
+          <p:cNvPr id="4" name="テキスト ボックス 3">
             <a:extLst>
               <a:ext uri="{FF2B5EF4-FFF2-40B4-BE49-F238E27FC236}">
-                <a16:creationId xmlns:a16="http://schemas.microsoft.com/office/drawing/2014/main" id="{09DB923C-7154-4EF6-8ABF-8E9CCEC63947}"/>
+                <a16:creationId xmlns:a16="http://schemas.microsoft.com/office/drawing/2014/main" id="{9C221001-BF6D-44EE-9FBC-9B07D41E8A82}"/>
               </a:ext>
             </a:extLst>
           </p:cNvPr>
-          <p:cNvSpPr>
-            <a:spLocks noGrp="1"/>
-          </p:cNvSpPr>
-          <p:nvPr>
-            <p:ph type="title"/>
-          </p:nvPr>
-        </p:nvSpPr>
-        <p:spPr/>
-        <p:txBody>
-          <a:bodyPr/>
-          <a:lstStyle/>
-          <a:p>
-            <a:endParaRPr kumimoji="1" lang="ja-JP" altLang="en-US"/>
-          </a:p>
-        </p:txBody>
-      </p:sp>
-      <p:sp>
-        <p:nvSpPr>
-          <p:cNvPr id="3" name="コンテンツ プレースホルダー 2">
+          <p:cNvSpPr txBox="1"/>
+          <p:nvPr/>
+        </p:nvSpPr>
+        <p:spPr>
+          <a:xfrm>
+            <a:off x="1189389" y="1425331"/>
+            <a:ext cx="7727324" cy="3970318"/>
+          </a:xfrm>
+          <a:prstGeom prst="rect">
+            <a:avLst/>
+          </a:prstGeom>
+          <a:noFill/>
+        </p:spPr>
+        <p:txBody>
+          <a:bodyPr wrap="square" rtlCol="0">
+            <a:spAutoFit/>
+          </a:bodyPr>
+          <a:lstStyle/>
+          <a:p>
+            <a:r>
+              <a:rPr kumimoji="1" lang="ja-JP" altLang="en-US" dirty="0"/>
+              <a:t>このゲーム何が楽しいの？</a:t>
+            </a:r>
+            <a:endParaRPr kumimoji="1" lang="en-US" altLang="ja-JP" dirty="0"/>
+          </a:p>
+          <a:p>
+            <a:endParaRPr lang="en-US" altLang="ja-JP" dirty="0"/>
+          </a:p>
+          <a:p>
+            <a:r>
+              <a:rPr lang="ja-JP" altLang="en-US" dirty="0"/>
+              <a:t>人によって遊び方を変えれる</a:t>
+            </a:r>
+            <a:endParaRPr lang="en-US" altLang="ja-JP" dirty="0"/>
+          </a:p>
+          <a:p>
+            <a:r>
+              <a:rPr lang="en-US" altLang="ja-JP" dirty="0"/>
+              <a:t>	</a:t>
+            </a:r>
+            <a:r>
+              <a:rPr lang="ja-JP" altLang="en-US" dirty="0"/>
+              <a:t>・遠くから銃で中</a:t>
+            </a:r>
+            <a:r>
+              <a:rPr lang="en-US" altLang="ja-JP" dirty="0"/>
+              <a:t>~</a:t>
+            </a:r>
+            <a:r>
+              <a:rPr lang="ja-JP" altLang="en-US" dirty="0"/>
+              <a:t>遠距離</a:t>
+            </a:r>
+            <a:endParaRPr lang="en-US" altLang="ja-JP" dirty="0"/>
+          </a:p>
+          <a:p>
+            <a:r>
+              <a:rPr lang="en-US" altLang="ja-JP" dirty="0"/>
+              <a:t>	</a:t>
+            </a:r>
+            <a:r>
+              <a:rPr lang="ja-JP" altLang="en-US" dirty="0"/>
+              <a:t>・ナイフで近接</a:t>
+            </a:r>
+            <a:endParaRPr lang="en-US" altLang="ja-JP" dirty="0"/>
+          </a:p>
+          <a:p>
+            <a:r>
+              <a:rPr lang="en-US" altLang="ja-JP" dirty="0"/>
+              <a:t>	</a:t>
+            </a:r>
+            <a:r>
+              <a:rPr lang="ja-JP" altLang="en-US" dirty="0"/>
+              <a:t>・罠コンボを狙う</a:t>
+            </a:r>
+            <a:endParaRPr lang="en-US" altLang="ja-JP" dirty="0"/>
+          </a:p>
+          <a:p>
+            <a:endParaRPr lang="en-US" altLang="ja-JP" dirty="0"/>
+          </a:p>
+          <a:p>
+            <a:endParaRPr lang="en-US" altLang="ja-JP" dirty="0"/>
+          </a:p>
+          <a:p>
+            <a:endParaRPr lang="en-US" altLang="ja-JP" dirty="0"/>
+          </a:p>
+          <a:p>
+            <a:r>
+              <a:rPr kumimoji="1" lang="ja-JP" altLang="en-US" dirty="0"/>
+              <a:t>・銃の使い分け</a:t>
+            </a:r>
+            <a:endParaRPr kumimoji="1" lang="en-US" altLang="ja-JP" dirty="0"/>
+          </a:p>
+          <a:p>
+            <a:r>
+              <a:rPr lang="ja-JP" altLang="en-US" dirty="0"/>
+              <a:t>・集中砲火で敵の</a:t>
+            </a:r>
+            <a:r>
+              <a:rPr lang="en-US" altLang="ja-JP" dirty="0"/>
+              <a:t>HP</a:t>
+            </a:r>
+            <a:r>
+              <a:rPr lang="ja-JP" altLang="en-US" dirty="0"/>
+              <a:t>をガンガン減らす</a:t>
+            </a:r>
+            <a:endParaRPr lang="en-US" altLang="ja-JP" dirty="0"/>
+          </a:p>
+          <a:p>
+            <a:r>
+              <a:rPr kumimoji="1" lang="ja-JP" altLang="en-US" dirty="0"/>
+              <a:t>・アイテムを使用して敵の動きを止める</a:t>
+            </a:r>
+            <a:endParaRPr kumimoji="1" lang="en-US" altLang="ja-JP" dirty="0"/>
+          </a:p>
+          <a:p>
+            <a:r>
+              <a:rPr lang="ja-JP" altLang="en-US" dirty="0"/>
+              <a:t>・ハイスコアを目指した倒し方</a:t>
+            </a:r>
+            <a:endParaRPr lang="en-US" altLang="ja-JP" dirty="0"/>
+          </a:p>
+          <a:p>
+            <a:r>
+              <a:rPr lang="ja-JP" altLang="en-US" dirty="0"/>
+              <a:t>・罠コンボ</a:t>
+            </a:r>
+            <a:endParaRPr lang="en-US" altLang="ja-JP" dirty="0"/>
+          </a:p>
+        </p:txBody>
+      </p:sp>
+      <p:sp>
+        <p:nvSpPr>
+          <p:cNvPr id="5" name="テキスト ボックス 4">
             <a:extLst>
               <a:ext uri="{FF2B5EF4-FFF2-40B4-BE49-F238E27FC236}">
-                <a16:creationId xmlns:a16="http://schemas.microsoft.com/office/drawing/2014/main" id="{909F1D69-3174-4D94-AD8B-CD2A02B009D7}"/>
+                <a16:creationId xmlns:a16="http://schemas.microsoft.com/office/drawing/2014/main" id="{96DEC820-2481-4E05-A281-0E489FABB76C}"/>
               </a:ext>
             </a:extLst>
           </p:cNvPr>
-          <p:cNvSpPr>
-            <a:spLocks noGrp="1"/>
-          </p:cNvSpPr>
-          <p:nvPr>
-            <p:ph idx="1"/>
-          </p:nvPr>
-        </p:nvSpPr>
-        <p:spPr/>
-        <p:txBody>
-          <a:bodyPr/>
-          <a:lstStyle/>
-          <a:p>
-            <a:endParaRPr kumimoji="1" lang="ja-JP" altLang="en-US"/>
+          <p:cNvSpPr txBox="1"/>
+          <p:nvPr/>
+        </p:nvSpPr>
+        <p:spPr>
+          <a:xfrm>
+            <a:off x="1090649" y="3180724"/>
+            <a:ext cx="8255358" cy="2781837"/>
+          </a:xfrm>
+          <a:prstGeom prst="rect">
+            <a:avLst/>
+          </a:prstGeom>
+          <a:noFill/>
+        </p:spPr>
+        <p:txBody>
+          <a:bodyPr wrap="square" rtlCol="0">
+            <a:spAutoFit/>
+          </a:bodyPr>
+          <a:lstStyle/>
+          <a:p>
+            <a:endParaRPr kumimoji="1" lang="ja-JP" altLang="en-US" dirty="0"/>
+          </a:p>
+        </p:txBody>
+      </p:sp>
+      <p:sp>
+        <p:nvSpPr>
+          <p:cNvPr id="6" name="テキスト ボックス 5">
+            <a:extLst>
+              <a:ext uri="{FF2B5EF4-FFF2-40B4-BE49-F238E27FC236}">
+                <a16:creationId xmlns:a16="http://schemas.microsoft.com/office/drawing/2014/main" id="{3BFE104F-218E-4639-A4F7-A012C079D999}"/>
+              </a:ext>
+            </a:extLst>
+          </p:cNvPr>
+          <p:cNvSpPr txBox="1"/>
+          <p:nvPr/>
+        </p:nvSpPr>
+        <p:spPr>
+          <a:xfrm>
+            <a:off x="226916" y="202592"/>
+            <a:ext cx="3639138" cy="646331"/>
+          </a:xfrm>
+          <a:prstGeom prst="rect">
+            <a:avLst/>
+          </a:prstGeom>
+          <a:noFill/>
+        </p:spPr>
+        <p:txBody>
+          <a:bodyPr wrap="none" rtlCol="0">
+            <a:spAutoFit/>
+          </a:bodyPr>
+          <a:lstStyle/>
+          <a:p>
+            <a:r>
+              <a:rPr kumimoji="1" lang="ja-JP" altLang="en-US" sz="3600" dirty="0">
+                <a:latin typeface="BIZ UDP明朝 Medium" panose="02020500000000000000" pitchFamily="18" charset="-128"/>
+                <a:ea typeface="BIZ UDP明朝 Medium" panose="02020500000000000000" pitchFamily="18" charset="-128"/>
+              </a:rPr>
+              <a:t>ゲームのアピール</a:t>
+            </a:r>
           </a:p>
         </p:txBody>
       </p:sp>
     </p:spTree>
     <p:extLst>
       <p:ext uri="{BB962C8B-B14F-4D97-AF65-F5344CB8AC3E}">
-        <p14:creationId xmlns:p14="http://schemas.microsoft.com/office/powerpoint/2010/main" val="2395050516"/>
+        <p14:creationId xmlns:p14="http://schemas.microsoft.com/office/powerpoint/2010/main" val="3509109435"/>
       </p:ext>
     </p:extLst>
   </p:cSld>
@@ -4753,262 +5483,6 @@
 </file>
 
 <file path=ppt/slides/slide5.xml><?xml version="1.0" encoding="utf-8"?>
-<p:sld xmlns:a="http://schemas.openxmlformats.org/drawingml/2006/main" xmlns:r="http://schemas.openxmlformats.org/officeDocument/2006/relationships" xmlns:p="http://schemas.openxmlformats.org/presentationml/2006/main">
-  <p:cSld>
-    <p:spTree>
-      <p:nvGrpSpPr>
-        <p:cNvPr id="1" name=""/>
-        <p:cNvGrpSpPr/>
-        <p:nvPr/>
-      </p:nvGrpSpPr>
-      <p:grpSpPr>
-        <a:xfrm>
-          <a:off x="0" y="0"/>
-          <a:ext cx="0" cy="0"/>
-          <a:chOff x="0" y="0"/>
-          <a:chExt cx="0" cy="0"/>
-        </a:xfrm>
-      </p:grpSpPr>
-      <p:sp>
-        <p:nvSpPr>
-          <p:cNvPr id="3" name="コンテンツ プレースホルダー 2">
-            <a:extLst>
-              <a:ext uri="{FF2B5EF4-FFF2-40B4-BE49-F238E27FC236}">
-                <a16:creationId xmlns:a16="http://schemas.microsoft.com/office/drawing/2014/main" id="{107B4D41-A8B3-48DC-8EE1-863E4D8AAED0}"/>
-              </a:ext>
-            </a:extLst>
-          </p:cNvPr>
-          <p:cNvSpPr>
-            <a:spLocks noGrp="1"/>
-          </p:cNvSpPr>
-          <p:nvPr>
-            <p:ph idx="1"/>
-          </p:nvPr>
-        </p:nvSpPr>
-        <p:spPr>
-          <a:xfrm>
-            <a:off x="2936630" y="525757"/>
-            <a:ext cx="4554416" cy="303113"/>
-          </a:xfrm>
-        </p:spPr>
-        <p:txBody>
-          <a:bodyPr>
-            <a:normAutofit/>
-          </a:bodyPr>
-          <a:lstStyle/>
-          <a:p>
-            <a:pPr marL="0" indent="0">
-              <a:buNone/>
-            </a:pPr>
-            <a:r>
-              <a:rPr kumimoji="1" lang="en-US" altLang="ja-JP" sz="1400" dirty="0">
-                <a:hlinkClick r:id="rId2"/>
-              </a:rPr>
-              <a:t>https://www.youtube.com/watch?v=XzmV1WVtqGU</a:t>
-            </a:r>
-            <a:endParaRPr kumimoji="1" lang="ja-JP" altLang="en-US" sz="1400" dirty="0"/>
-          </a:p>
-        </p:txBody>
-      </p:sp>
-      <p:sp>
-        <p:nvSpPr>
-          <p:cNvPr id="4" name="テキスト ボックス 3">
-            <a:extLst>
-              <a:ext uri="{FF2B5EF4-FFF2-40B4-BE49-F238E27FC236}">
-                <a16:creationId xmlns:a16="http://schemas.microsoft.com/office/drawing/2014/main" id="{0570D53B-6C4C-4475-9233-7A8E5407B803}"/>
-              </a:ext>
-            </a:extLst>
-          </p:cNvPr>
-          <p:cNvSpPr txBox="1"/>
-          <p:nvPr/>
-        </p:nvSpPr>
-        <p:spPr>
-          <a:xfrm flipH="1">
-            <a:off x="838200" y="4906039"/>
-            <a:ext cx="7725508" cy="1754326"/>
-          </a:xfrm>
-          <a:prstGeom prst="rect">
-            <a:avLst/>
-          </a:prstGeom>
-          <a:noFill/>
-        </p:spPr>
-        <p:txBody>
-          <a:bodyPr wrap="square" rtlCol="0">
-            <a:spAutoFit/>
-          </a:bodyPr>
-          <a:lstStyle/>
-          <a:p>
-            <a:r>
-              <a:rPr kumimoji="1" lang="ja-JP" altLang="en-US" dirty="0"/>
-              <a:t>・通常攻撃</a:t>
-            </a:r>
-            <a:endParaRPr kumimoji="1" lang="en-US" altLang="ja-JP" dirty="0"/>
-          </a:p>
-          <a:p>
-            <a:r>
-              <a:rPr lang="en-US" altLang="ja-JP" dirty="0"/>
-              <a:t>	</a:t>
-            </a:r>
-            <a:r>
-              <a:rPr lang="ja-JP" altLang="en-US" dirty="0"/>
-              <a:t>ナイフでの近距離攻撃と数種類の遠距離攻撃で攻撃をする</a:t>
-            </a:r>
-            <a:endParaRPr lang="en-US" altLang="ja-JP" dirty="0"/>
-          </a:p>
-          <a:p>
-            <a:r>
-              <a:rPr kumimoji="1" lang="ja-JP" altLang="en-US" dirty="0"/>
-              <a:t>・罠攻撃</a:t>
-            </a:r>
-            <a:endParaRPr kumimoji="1" lang="en-US" altLang="ja-JP" dirty="0"/>
-          </a:p>
-          <a:p>
-            <a:r>
-              <a:rPr lang="en-US" altLang="ja-JP" dirty="0"/>
-              <a:t>	</a:t>
-            </a:r>
-            <a:r>
-              <a:rPr lang="ja-JP" altLang="en-US" dirty="0"/>
-              <a:t>拾ったアイテムを使用して罠を仕掛ける</a:t>
-            </a:r>
-            <a:endParaRPr lang="en-US" altLang="ja-JP" dirty="0"/>
-          </a:p>
-          <a:p>
-            <a:r>
-              <a:rPr kumimoji="1" lang="ja-JP" altLang="en-US" dirty="0"/>
-              <a:t>・集中砲火</a:t>
-            </a:r>
-            <a:endParaRPr kumimoji="1" lang="en-US" altLang="ja-JP" dirty="0"/>
-          </a:p>
-          <a:p>
-            <a:r>
-              <a:rPr lang="en-US" altLang="ja-JP" dirty="0"/>
-              <a:t>	</a:t>
-            </a:r>
-            <a:r>
-              <a:rPr lang="ja-JP" altLang="en-US" dirty="0"/>
-              <a:t>罠にかかった状態でロックオンすると集中砲火で攻撃をする</a:t>
-            </a:r>
-            <a:endParaRPr kumimoji="1" lang="ja-JP" altLang="en-US" dirty="0"/>
-          </a:p>
-        </p:txBody>
-      </p:sp>
-      <p:sp>
-        <p:nvSpPr>
-          <p:cNvPr id="6" name="テキスト ボックス 5">
-            <a:extLst>
-              <a:ext uri="{FF2B5EF4-FFF2-40B4-BE49-F238E27FC236}">
-                <a16:creationId xmlns:a16="http://schemas.microsoft.com/office/drawing/2014/main" id="{000396C9-AAD9-47A3-848A-D5C9E718B909}"/>
-              </a:ext>
-            </a:extLst>
-          </p:cNvPr>
-          <p:cNvSpPr txBox="1"/>
-          <p:nvPr/>
-        </p:nvSpPr>
-        <p:spPr>
-          <a:xfrm>
-            <a:off x="226916" y="202592"/>
-            <a:ext cx="2492990" cy="646331"/>
-          </a:xfrm>
-          <a:prstGeom prst="rect">
-            <a:avLst/>
-          </a:prstGeom>
-          <a:noFill/>
-        </p:spPr>
-        <p:txBody>
-          <a:bodyPr wrap="none" rtlCol="0">
-            <a:spAutoFit/>
-          </a:bodyPr>
-          <a:lstStyle/>
-          <a:p>
-            <a:r>
-              <a:rPr kumimoji="1" lang="ja-JP" altLang="en-US" sz="3600" dirty="0"/>
-              <a:t>ゲーム内容</a:t>
-            </a:r>
-          </a:p>
-        </p:txBody>
-      </p:sp>
-      <p:sp>
-        <p:nvSpPr>
-          <p:cNvPr id="7" name="テキスト ボックス 6">
-            <a:extLst>
-              <a:ext uri="{FF2B5EF4-FFF2-40B4-BE49-F238E27FC236}">
-                <a16:creationId xmlns:a16="http://schemas.microsoft.com/office/drawing/2014/main" id="{21EA372B-0BFF-4F0C-9720-105B0BBECC17}"/>
-              </a:ext>
-            </a:extLst>
-          </p:cNvPr>
-          <p:cNvSpPr txBox="1"/>
-          <p:nvPr/>
-        </p:nvSpPr>
-        <p:spPr>
-          <a:xfrm>
-            <a:off x="961292" y="1781908"/>
-            <a:ext cx="7895110" cy="646331"/>
-          </a:xfrm>
-          <a:prstGeom prst="rect">
-            <a:avLst/>
-          </a:prstGeom>
-          <a:noFill/>
-        </p:spPr>
-        <p:txBody>
-          <a:bodyPr wrap="none" rtlCol="0">
-            <a:spAutoFit/>
-          </a:bodyPr>
-          <a:lstStyle/>
-          <a:p>
-            <a:r>
-              <a:rPr kumimoji="1" lang="ja-JP" altLang="en-US" dirty="0"/>
-              <a:t>制限時間</a:t>
-            </a:r>
-            <a:r>
-              <a:rPr kumimoji="1" lang="en-US" altLang="ja-JP" dirty="0"/>
-              <a:t>(3</a:t>
-            </a:r>
-            <a:r>
-              <a:rPr kumimoji="1" lang="ja-JP" altLang="en-US" dirty="0"/>
-              <a:t>分</a:t>
-            </a:r>
-            <a:r>
-              <a:rPr kumimoji="1" lang="en-US" altLang="ja-JP" dirty="0"/>
-              <a:t>)</a:t>
-            </a:r>
-            <a:r>
-              <a:rPr kumimoji="1" lang="ja-JP" altLang="en-US" dirty="0"/>
-              <a:t>の間に敵を倒しきる</a:t>
-            </a:r>
-            <a:endParaRPr kumimoji="1" lang="en-US" altLang="ja-JP" dirty="0"/>
-          </a:p>
-          <a:p>
-            <a:r>
-              <a:rPr lang="ja-JP" altLang="en-US" dirty="0"/>
-              <a:t>残り時間、攻撃ポイント、プレイヤー残り</a:t>
-            </a:r>
-            <a:r>
-              <a:rPr lang="en-US" altLang="ja-JP" dirty="0"/>
-              <a:t>HP</a:t>
-            </a:r>
-            <a:r>
-              <a:rPr lang="ja-JP" altLang="en-US" dirty="0"/>
-              <a:t>の合計で獲得スコアが変わる</a:t>
-            </a:r>
-            <a:endParaRPr kumimoji="1" lang="ja-JP" altLang="en-US" dirty="0"/>
-          </a:p>
-        </p:txBody>
-      </p:sp>
-    </p:spTree>
-    <p:extLst>
-      <p:ext uri="{BB962C8B-B14F-4D97-AF65-F5344CB8AC3E}">
-        <p14:creationId xmlns:p14="http://schemas.microsoft.com/office/powerpoint/2010/main" val="1961887480"/>
-      </p:ext>
-    </p:extLst>
-  </p:cSld>
-  <p:clrMapOvr>
-    <a:masterClrMapping/>
-  </p:clrMapOvr>
-</p:sld>
-</file>
-
-<file path=ppt/slides/slide6.xml><?xml version="1.0" encoding="utf-8"?>
 <p:sld xmlns:a="http://schemas.openxmlformats.org/drawingml/2006/main" xmlns:r="http://schemas.openxmlformats.org/officeDocument/2006/relationships" xmlns:p="http://schemas.openxmlformats.org/presentationml/2006/main">
   <p:cSld>
     <p:spTree>
@@ -6230,7 +6704,7 @@
 </p:sld>
 </file>
 
-<file path=ppt/slides/slide7.xml><?xml version="1.0" encoding="utf-8"?>
+<file path=ppt/slides/slide6.xml><?xml version="1.0" encoding="utf-8"?>
 <p:sld xmlns:a="http://schemas.openxmlformats.org/drawingml/2006/main" xmlns:r="http://schemas.openxmlformats.org/officeDocument/2006/relationships" xmlns:p="http://schemas.openxmlformats.org/presentationml/2006/main">
   <p:cSld>
     <p:spTree>
@@ -6275,8 +6749,8 @@
         </p:blipFill>
         <p:spPr>
           <a:xfrm>
-            <a:off x="8340316" y="2684808"/>
-            <a:ext cx="3609677" cy="2175771"/>
+            <a:off x="7950850" y="2684808"/>
+            <a:ext cx="2726251" cy="1643277"/>
           </a:xfrm>
           <a:prstGeom prst="rect">
             <a:avLst/>
@@ -6312,7 +6786,7 @@
         <p:spPr>
           <a:xfrm>
             <a:off x="226916" y="2684808"/>
-            <a:ext cx="3515037" cy="2116640"/>
+            <a:ext cx="2726251" cy="1641659"/>
           </a:xfrm>
           <a:prstGeom prst="rect">
             <a:avLst/>
@@ -6382,8 +6856,8 @@
         </p:blipFill>
         <p:spPr>
           <a:xfrm>
-            <a:off x="4338481" y="2684808"/>
-            <a:ext cx="3515037" cy="2098207"/>
+            <a:off x="4076907" y="2684808"/>
+            <a:ext cx="2750202" cy="1641659"/>
           </a:xfrm>
           <a:prstGeom prst="rect">
             <a:avLst/>
@@ -6404,7 +6878,7 @@
         </p:nvSpPr>
         <p:spPr>
           <a:xfrm flipH="1">
-            <a:off x="4188151" y="2196242"/>
+            <a:off x="4076907" y="2255859"/>
             <a:ext cx="902677" cy="369332"/>
           </a:xfrm>
           <a:prstGeom prst="rect">
@@ -6439,7 +6913,7 @@
         </p:nvSpPr>
         <p:spPr>
           <a:xfrm>
-            <a:off x="8295925" y="2255859"/>
+            <a:off x="7944067" y="2255859"/>
             <a:ext cx="1107996" cy="369332"/>
           </a:xfrm>
           <a:prstGeom prst="rect">
@@ -6544,8 +7018,8 @@
         </p:nvSpPr>
         <p:spPr>
           <a:xfrm>
-            <a:off x="130630" y="5500124"/>
-            <a:ext cx="4057521" cy="923330"/>
+            <a:off x="201727" y="5089485"/>
+            <a:ext cx="3605474" cy="830997"/>
           </a:xfrm>
           <a:prstGeom prst="rect">
             <a:avLst/>
@@ -6559,33 +7033,29 @@
           <a:lstStyle/>
           <a:p>
             <a:r>
-              <a:rPr kumimoji="1" lang="en-US" altLang="ja-JP" dirty="0"/>
-              <a:t>Y</a:t>
-            </a:r>
-            <a:r>
-              <a:rPr kumimoji="1" lang="ja-JP" altLang="en-US" dirty="0"/>
+              <a:rPr kumimoji="1" lang="ja-JP" altLang="en-US" sz="1600" dirty="0"/>
               <a:t>ボタンで通常攻撃</a:t>
             </a:r>
-            <a:endParaRPr kumimoji="1" lang="en-US" altLang="ja-JP" dirty="0"/>
-          </a:p>
-          <a:p>
-            <a:r>
-              <a:rPr lang="en-US" altLang="ja-JP" dirty="0"/>
+            <a:endParaRPr kumimoji="1" lang="en-US" altLang="ja-JP" sz="1600" dirty="0"/>
+          </a:p>
+          <a:p>
+            <a:r>
+              <a:rPr lang="en-US" altLang="ja-JP" sz="1600" dirty="0"/>
               <a:t>()</a:t>
             </a:r>
             <a:r>
-              <a:rPr lang="ja-JP" altLang="en-US" dirty="0"/>
+              <a:rPr lang="ja-JP" altLang="en-US" sz="1600" dirty="0"/>
               <a:t>で使用武器の切り替えができる</a:t>
             </a:r>
-            <a:endParaRPr lang="en-US" altLang="ja-JP" dirty="0"/>
-          </a:p>
-          <a:p>
-            <a:r>
-              <a:rPr kumimoji="1" lang="en-US" altLang="ja-JP" dirty="0"/>
+            <a:endParaRPr lang="en-US" altLang="ja-JP" sz="1600" dirty="0"/>
+          </a:p>
+          <a:p>
+            <a:r>
+              <a:rPr kumimoji="1" lang="en-US" altLang="ja-JP" sz="1600" dirty="0"/>
               <a:t>()</a:t>
             </a:r>
             <a:r>
-              <a:rPr kumimoji="1" lang="ja-JP" altLang="en-US" dirty="0"/>
+              <a:rPr kumimoji="1" lang="ja-JP" altLang="en-US" sz="1600" dirty="0"/>
               <a:t>を押している間敵をロックオンする</a:t>
             </a:r>
           </a:p>
@@ -6605,8 +7075,8 @@
         </p:nvSpPr>
         <p:spPr>
           <a:xfrm>
-            <a:off x="4413487" y="5502125"/>
-            <a:ext cx="3365024" cy="646331"/>
+            <a:off x="4076907" y="5212597"/>
+            <a:ext cx="2989921" cy="584775"/>
           </a:xfrm>
           <a:prstGeom prst="rect">
             <a:avLst/>
@@ -6620,25 +7090,21 @@
           <a:lstStyle/>
           <a:p>
             <a:r>
-              <a:rPr kumimoji="1" lang="en-US" altLang="ja-JP" dirty="0"/>
-              <a:t>A</a:t>
-            </a:r>
-            <a:r>
-              <a:rPr kumimoji="1" lang="ja-JP" altLang="en-US" dirty="0"/>
-              <a:t>ボタンで罠を仕掛ける</a:t>
-            </a:r>
-            <a:endParaRPr kumimoji="1" lang="en-US" altLang="ja-JP" dirty="0"/>
-          </a:p>
-          <a:p>
-            <a:r>
-              <a:rPr lang="en-US" altLang="ja-JP" dirty="0"/>
+              <a:rPr kumimoji="1" lang="ja-JP" altLang="en-US" sz="1600" dirty="0"/>
+              <a:t>罠を仕掛ける</a:t>
+            </a:r>
+            <a:endParaRPr kumimoji="1" lang="en-US" altLang="ja-JP" sz="1600" dirty="0"/>
+          </a:p>
+          <a:p>
+            <a:r>
+              <a:rPr lang="en-US" altLang="ja-JP" sz="1600" dirty="0"/>
               <a:t>()</a:t>
             </a:r>
             <a:r>
-              <a:rPr lang="ja-JP" altLang="en-US" dirty="0"/>
+              <a:rPr lang="ja-JP" altLang="en-US" sz="1600" dirty="0"/>
               <a:t>で使用罠の切り替えができる</a:t>
             </a:r>
-            <a:endParaRPr kumimoji="1" lang="ja-JP" altLang="en-US" dirty="0"/>
+            <a:endParaRPr kumimoji="1" lang="ja-JP" altLang="en-US" sz="1600" dirty="0"/>
           </a:p>
         </p:txBody>
       </p:sp>
@@ -6656,8 +7122,8 @@
         </p:nvSpPr>
         <p:spPr>
           <a:xfrm>
-            <a:off x="8295925" y="5504985"/>
-            <a:ext cx="3565400" cy="923330"/>
+            <a:off x="7865050" y="5089485"/>
+            <a:ext cx="3057247" cy="830997"/>
           </a:xfrm>
           <a:prstGeom prst="rect">
             <a:avLst/>
@@ -6671,25 +7137,21 @@
           <a:lstStyle/>
           <a:p>
             <a:r>
-              <a:rPr kumimoji="1" lang="ja-JP" altLang="en-US" dirty="0"/>
+              <a:rPr kumimoji="1" lang="ja-JP" altLang="en-US" sz="1600" dirty="0"/>
               <a:t>敵が罠にかかっている間に</a:t>
             </a:r>
-            <a:endParaRPr kumimoji="1" lang="en-US" altLang="ja-JP" dirty="0"/>
-          </a:p>
-          <a:p>
-            <a:r>
-              <a:rPr lang="ja-JP" altLang="en-US" dirty="0"/>
+            <a:endParaRPr kumimoji="1" lang="en-US" altLang="ja-JP" sz="1600" dirty="0"/>
+          </a:p>
+          <a:p>
+            <a:r>
+              <a:rPr lang="ja-JP" altLang="en-US" sz="1600" dirty="0"/>
               <a:t>ロックオンをすると</a:t>
             </a:r>
-            <a:endParaRPr lang="en-US" altLang="ja-JP" dirty="0"/>
-          </a:p>
-          <a:p>
-            <a:r>
-              <a:rPr kumimoji="1" lang="en-US" altLang="ja-JP" dirty="0"/>
-              <a:t>Y</a:t>
-            </a:r>
-            <a:r>
-              <a:rPr kumimoji="1" lang="ja-JP" altLang="en-US" dirty="0"/>
+            <a:endParaRPr lang="en-US" altLang="ja-JP" sz="1600" dirty="0"/>
+          </a:p>
+          <a:p>
+            <a:r>
+              <a:rPr kumimoji="1" lang="ja-JP" altLang="en-US" sz="1600" dirty="0"/>
               <a:t>ボタン連打で集中砲火ができる</a:t>
             </a:r>
           </a:p>
@@ -6699,6 +7161,552 @@
     <p:extLst>
       <p:ext uri="{BB962C8B-B14F-4D97-AF65-F5344CB8AC3E}">
         <p14:creationId xmlns:p14="http://schemas.microsoft.com/office/powerpoint/2010/main" val="632981172"/>
+      </p:ext>
+    </p:extLst>
+  </p:cSld>
+  <p:clrMapOvr>
+    <a:masterClrMapping/>
+  </p:clrMapOvr>
+</p:sld>
+</file>
+
+<file path=ppt/slides/slide7.xml><?xml version="1.0" encoding="utf-8"?>
+<p:sld xmlns:a="http://schemas.openxmlformats.org/drawingml/2006/main" xmlns:r="http://schemas.openxmlformats.org/officeDocument/2006/relationships" xmlns:p="http://schemas.openxmlformats.org/presentationml/2006/main">
+  <p:cSld>
+    <p:spTree>
+      <p:nvGrpSpPr>
+        <p:cNvPr id="1" name=""/>
+        <p:cNvGrpSpPr/>
+        <p:nvPr/>
+      </p:nvGrpSpPr>
+      <p:grpSpPr>
+        <a:xfrm>
+          <a:off x="0" y="0"/>
+          <a:ext cx="0" cy="0"/>
+          <a:chOff x="0" y="0"/>
+          <a:chExt cx="0" cy="0"/>
+        </a:xfrm>
+      </p:grpSpPr>
+      <p:sp>
+        <p:nvSpPr>
+          <p:cNvPr id="4" name="テキスト ボックス 3">
+            <a:extLst>
+              <a:ext uri="{FF2B5EF4-FFF2-40B4-BE49-F238E27FC236}">
+                <a16:creationId xmlns:a16="http://schemas.microsoft.com/office/drawing/2014/main" id="{D18539B8-F318-4D8E-A5D1-2405CE78189C}"/>
+              </a:ext>
+            </a:extLst>
+          </p:cNvPr>
+          <p:cNvSpPr txBox="1"/>
+          <p:nvPr/>
+        </p:nvSpPr>
+        <p:spPr>
+          <a:xfrm>
+            <a:off x="1233352" y="1359183"/>
+            <a:ext cx="1338828" cy="369332"/>
+          </a:xfrm>
+          <a:prstGeom prst="rect">
+            <a:avLst/>
+          </a:prstGeom>
+          <a:noFill/>
+        </p:spPr>
+        <p:txBody>
+          <a:bodyPr wrap="none" rtlCol="0">
+            <a:spAutoFit/>
+          </a:bodyPr>
+          <a:lstStyle/>
+          <a:p>
+            <a:r>
+              <a:rPr kumimoji="1" lang="ja-JP" altLang="en-US" dirty="0"/>
+              <a:t>武器の種類</a:t>
+            </a:r>
+          </a:p>
+        </p:txBody>
+      </p:sp>
+      <p:sp>
+        <p:nvSpPr>
+          <p:cNvPr id="5" name="テキスト ボックス 4">
+            <a:extLst>
+              <a:ext uri="{FF2B5EF4-FFF2-40B4-BE49-F238E27FC236}">
+                <a16:creationId xmlns:a16="http://schemas.microsoft.com/office/drawing/2014/main" id="{06D402F2-94B3-45CE-A5D5-80A3D400E856}"/>
+              </a:ext>
+            </a:extLst>
+          </p:cNvPr>
+          <p:cNvSpPr txBox="1"/>
+          <p:nvPr/>
+        </p:nvSpPr>
+        <p:spPr>
+          <a:xfrm>
+            <a:off x="2803013" y="1728515"/>
+            <a:ext cx="1569660" cy="1200329"/>
+          </a:xfrm>
+          <a:prstGeom prst="rect">
+            <a:avLst/>
+          </a:prstGeom>
+          <a:noFill/>
+        </p:spPr>
+        <p:txBody>
+          <a:bodyPr wrap="none" rtlCol="0">
+            <a:spAutoFit/>
+          </a:bodyPr>
+          <a:lstStyle/>
+          <a:p>
+            <a:r>
+              <a:rPr kumimoji="1" lang="ja-JP" altLang="en-US" dirty="0"/>
+              <a:t>ナイフ</a:t>
+            </a:r>
+            <a:endParaRPr kumimoji="1" lang="en-US" altLang="ja-JP" dirty="0"/>
+          </a:p>
+          <a:p>
+            <a:r>
+              <a:rPr kumimoji="1" lang="ja-JP" altLang="en-US" dirty="0"/>
+              <a:t>ハンドガン</a:t>
+            </a:r>
+            <a:endParaRPr kumimoji="1" lang="en-US" altLang="ja-JP" dirty="0"/>
+          </a:p>
+          <a:p>
+            <a:r>
+              <a:rPr kumimoji="1" lang="ja-JP" altLang="en-US" dirty="0"/>
+              <a:t>マシンガン</a:t>
+            </a:r>
+            <a:endParaRPr kumimoji="1" lang="en-US" altLang="ja-JP" dirty="0"/>
+          </a:p>
+          <a:p>
+            <a:r>
+              <a:rPr kumimoji="1" lang="ja-JP" altLang="en-US" dirty="0"/>
+              <a:t>ショットガン</a:t>
+            </a:r>
+          </a:p>
+        </p:txBody>
+      </p:sp>
+      <p:sp>
+        <p:nvSpPr>
+          <p:cNvPr id="6" name="テキスト ボックス 5">
+            <a:extLst>
+              <a:ext uri="{FF2B5EF4-FFF2-40B4-BE49-F238E27FC236}">
+                <a16:creationId xmlns:a16="http://schemas.microsoft.com/office/drawing/2014/main" id="{435CE055-333D-4EE3-82FC-8498C63E0379}"/>
+              </a:ext>
+            </a:extLst>
+          </p:cNvPr>
+          <p:cNvSpPr txBox="1"/>
+          <p:nvPr/>
+        </p:nvSpPr>
+        <p:spPr>
+          <a:xfrm>
+            <a:off x="1233352" y="3239789"/>
+            <a:ext cx="1800493" cy="369332"/>
+          </a:xfrm>
+          <a:prstGeom prst="rect">
+            <a:avLst/>
+          </a:prstGeom>
+          <a:noFill/>
+        </p:spPr>
+        <p:txBody>
+          <a:bodyPr wrap="none" rtlCol="0">
+            <a:spAutoFit/>
+          </a:bodyPr>
+          <a:lstStyle/>
+          <a:p>
+            <a:r>
+              <a:rPr kumimoji="1" lang="ja-JP" altLang="en-US" dirty="0"/>
+              <a:t>アイテムの種類</a:t>
+            </a:r>
+          </a:p>
+        </p:txBody>
+      </p:sp>
+      <p:sp>
+        <p:nvSpPr>
+          <p:cNvPr id="7" name="テキスト ボックス 6">
+            <a:extLst>
+              <a:ext uri="{FF2B5EF4-FFF2-40B4-BE49-F238E27FC236}">
+                <a16:creationId xmlns:a16="http://schemas.microsoft.com/office/drawing/2014/main" id="{B88410E5-6FCC-4FB6-AFF6-F9A50B560DDF}"/>
+              </a:ext>
+            </a:extLst>
+          </p:cNvPr>
+          <p:cNvSpPr txBox="1"/>
+          <p:nvPr/>
+        </p:nvSpPr>
+        <p:spPr>
+          <a:xfrm>
+            <a:off x="2719906" y="3920066"/>
+            <a:ext cx="4326826" cy="2308324"/>
+          </a:xfrm>
+          <a:prstGeom prst="rect">
+            <a:avLst/>
+          </a:prstGeom>
+          <a:noFill/>
+        </p:spPr>
+        <p:txBody>
+          <a:bodyPr wrap="none" rtlCol="0">
+            <a:spAutoFit/>
+          </a:bodyPr>
+          <a:lstStyle/>
+          <a:p>
+            <a:r>
+              <a:rPr kumimoji="1" lang="ja-JP" altLang="en-US" dirty="0"/>
+              <a:t>・妨害アイテム　</a:t>
+            </a:r>
+            <a:endParaRPr kumimoji="1" lang="en-US" altLang="ja-JP" dirty="0"/>
+          </a:p>
+          <a:p>
+            <a:r>
+              <a:rPr kumimoji="1" lang="en-US" altLang="ja-JP" dirty="0"/>
+              <a:t>	</a:t>
+            </a:r>
+            <a:r>
+              <a:rPr kumimoji="1" lang="ja-JP" altLang="en-US" dirty="0"/>
+              <a:t>その場に留める系</a:t>
+            </a:r>
+            <a:r>
+              <a:rPr kumimoji="1" lang="en-US" altLang="ja-JP" dirty="0"/>
+              <a:t>(</a:t>
+            </a:r>
+            <a:r>
+              <a:rPr kumimoji="1" lang="ja-JP" altLang="en-US" dirty="0"/>
+              <a:t>凍り床</a:t>
+            </a:r>
+            <a:r>
+              <a:rPr kumimoji="1" lang="en-US" altLang="ja-JP" dirty="0"/>
+              <a:t>,</a:t>
+            </a:r>
+            <a:r>
+              <a:rPr kumimoji="1" lang="ja-JP" altLang="en-US" dirty="0"/>
+              <a:t>回転椅子</a:t>
+            </a:r>
+            <a:r>
+              <a:rPr kumimoji="1" lang="en-US" altLang="ja-JP" dirty="0"/>
+              <a:t>)</a:t>
+            </a:r>
+          </a:p>
+          <a:p>
+            <a:r>
+              <a:rPr kumimoji="1" lang="en-US" altLang="ja-JP" dirty="0"/>
+              <a:t>	</a:t>
+            </a:r>
+            <a:r>
+              <a:rPr kumimoji="1" lang="ja-JP" altLang="en-US" dirty="0"/>
+              <a:t>移動させる系</a:t>
+            </a:r>
+            <a:r>
+              <a:rPr kumimoji="1" lang="en-US" altLang="ja-JP" dirty="0"/>
+              <a:t>(</a:t>
+            </a:r>
+            <a:r>
+              <a:rPr kumimoji="1" lang="ja-JP" altLang="en-US" dirty="0"/>
+              <a:t>地雷</a:t>
+            </a:r>
+            <a:r>
+              <a:rPr kumimoji="1" lang="en-US" altLang="ja-JP" dirty="0"/>
+              <a:t>,</a:t>
+            </a:r>
+            <a:r>
+              <a:rPr kumimoji="1" lang="ja-JP" altLang="en-US" dirty="0"/>
+              <a:t>びっくり箱</a:t>
+            </a:r>
+            <a:r>
+              <a:rPr kumimoji="1" lang="en-US" altLang="ja-JP" dirty="0"/>
+              <a:t>)</a:t>
+            </a:r>
+          </a:p>
+          <a:p>
+            <a:endParaRPr kumimoji="1" lang="en-US" altLang="ja-JP" dirty="0"/>
+          </a:p>
+          <a:p>
+            <a:r>
+              <a:rPr kumimoji="1" lang="ja-JP" altLang="en-US" dirty="0"/>
+              <a:t>・回復アイテム</a:t>
+            </a:r>
+            <a:endParaRPr kumimoji="1" lang="en-US" altLang="ja-JP" dirty="0"/>
+          </a:p>
+          <a:p>
+            <a:r>
+              <a:rPr kumimoji="1" lang="en-US" altLang="ja-JP" dirty="0"/>
+              <a:t>	</a:t>
+            </a:r>
+            <a:r>
+              <a:rPr kumimoji="1" lang="ja-JP" altLang="en-US" dirty="0"/>
+              <a:t>体力回復</a:t>
+            </a:r>
+            <a:endParaRPr kumimoji="1" lang="en-US" altLang="ja-JP" dirty="0"/>
+          </a:p>
+          <a:p>
+            <a:r>
+              <a:rPr kumimoji="1" lang="en-US" altLang="ja-JP" dirty="0"/>
+              <a:t>	</a:t>
+            </a:r>
+            <a:r>
+              <a:rPr kumimoji="1" lang="ja-JP" altLang="en-US" dirty="0"/>
+              <a:t>弾薬回復</a:t>
+            </a:r>
+            <a:endParaRPr kumimoji="1" lang="en-US" altLang="ja-JP" dirty="0"/>
+          </a:p>
+          <a:p>
+            <a:r>
+              <a:rPr kumimoji="1" lang="en-US" altLang="ja-JP" dirty="0"/>
+              <a:t>	</a:t>
+            </a:r>
+            <a:r>
+              <a:rPr kumimoji="1" lang="ja-JP" altLang="en-US" dirty="0"/>
+              <a:t>スタミナ剤</a:t>
+            </a:r>
+          </a:p>
+        </p:txBody>
+      </p:sp>
+      <p:sp>
+        <p:nvSpPr>
+          <p:cNvPr id="9" name="右中かっこ 8">
+            <a:extLst>
+              <a:ext uri="{FF2B5EF4-FFF2-40B4-BE49-F238E27FC236}">
+                <a16:creationId xmlns:a16="http://schemas.microsoft.com/office/drawing/2014/main" id="{11F7863A-7C95-44E8-94EE-FA1785BD8072}"/>
+              </a:ext>
+            </a:extLst>
+          </p:cNvPr>
+          <p:cNvSpPr/>
+          <p:nvPr/>
+        </p:nvSpPr>
+        <p:spPr>
+          <a:xfrm>
+            <a:off x="4301067" y="2075594"/>
+            <a:ext cx="685800" cy="768583"/>
+          </a:xfrm>
+          <a:prstGeom prst="rightBrace">
+            <a:avLst>
+              <a:gd name="adj1" fmla="val 4629"/>
+              <a:gd name="adj2" fmla="val 50000"/>
+            </a:avLst>
+          </a:prstGeom>
+        </p:spPr>
+        <p:style>
+          <a:lnRef idx="1">
+            <a:schemeClr val="accent5"/>
+          </a:lnRef>
+          <a:fillRef idx="0">
+            <a:schemeClr val="accent5"/>
+          </a:fillRef>
+          <a:effectRef idx="0">
+            <a:schemeClr val="accent5"/>
+          </a:effectRef>
+          <a:fontRef idx="minor">
+            <a:schemeClr val="tx1"/>
+          </a:fontRef>
+        </p:style>
+        <p:txBody>
+          <a:bodyPr rtlCol="0" anchor="ctr"/>
+          <a:lstStyle/>
+          <a:p>
+            <a:pPr algn="ctr"/>
+            <a:endParaRPr kumimoji="1" lang="ja-JP" altLang="en-US"/>
+          </a:p>
+        </p:txBody>
+      </p:sp>
+      <p:sp>
+        <p:nvSpPr>
+          <p:cNvPr id="10" name="テキスト ボックス 9">
+            <a:extLst>
+              <a:ext uri="{FF2B5EF4-FFF2-40B4-BE49-F238E27FC236}">
+                <a16:creationId xmlns:a16="http://schemas.microsoft.com/office/drawing/2014/main" id="{CF125575-6AE6-4EF3-9468-C2CBFCE76D6B}"/>
+              </a:ext>
+            </a:extLst>
+          </p:cNvPr>
+          <p:cNvSpPr txBox="1"/>
+          <p:nvPr/>
+        </p:nvSpPr>
+        <p:spPr>
+          <a:xfrm>
+            <a:off x="5692591" y="2105513"/>
+            <a:ext cx="3236784" cy="738664"/>
+          </a:xfrm>
+          <a:prstGeom prst="rect">
+            <a:avLst/>
+          </a:prstGeom>
+          <a:noFill/>
+        </p:spPr>
+        <p:txBody>
+          <a:bodyPr wrap="none" rtlCol="0">
+            <a:spAutoFit/>
+          </a:bodyPr>
+          <a:lstStyle/>
+          <a:p>
+            <a:r>
+              <a:rPr kumimoji="1" lang="ja-JP" altLang="en-US" sz="1400" dirty="0"/>
+              <a:t>　弾の数に上限があるので</a:t>
+            </a:r>
+            <a:endParaRPr kumimoji="1" lang="en-US" altLang="ja-JP" sz="1400" dirty="0"/>
+          </a:p>
+          <a:p>
+            <a:r>
+              <a:rPr kumimoji="1" lang="ja-JP" altLang="en-US" sz="1400" dirty="0"/>
+              <a:t>マップ内にあるアイテムから回復する</a:t>
+            </a:r>
+            <a:endParaRPr kumimoji="1" lang="en-US" altLang="ja-JP" sz="1400" dirty="0"/>
+          </a:p>
+          <a:p>
+            <a:r>
+              <a:rPr kumimoji="1" lang="ja-JP" altLang="en-US" sz="1400" dirty="0"/>
+              <a:t>　また、威力と射程は各調整する</a:t>
+            </a:r>
+          </a:p>
+        </p:txBody>
+      </p:sp>
+      <p:sp>
+        <p:nvSpPr>
+          <p:cNvPr id="11" name="テキスト ボックス 10">
+            <a:extLst>
+              <a:ext uri="{FF2B5EF4-FFF2-40B4-BE49-F238E27FC236}">
+                <a16:creationId xmlns:a16="http://schemas.microsoft.com/office/drawing/2014/main" id="{007648E2-3264-4913-9538-A47A99349783}"/>
+              </a:ext>
+            </a:extLst>
+          </p:cNvPr>
+          <p:cNvSpPr txBox="1"/>
+          <p:nvPr/>
+        </p:nvSpPr>
+        <p:spPr>
+          <a:xfrm>
+            <a:off x="226916" y="202592"/>
+            <a:ext cx="2492990" cy="646331"/>
+          </a:xfrm>
+          <a:prstGeom prst="rect">
+            <a:avLst/>
+          </a:prstGeom>
+          <a:noFill/>
+        </p:spPr>
+        <p:txBody>
+          <a:bodyPr wrap="none" rtlCol="0">
+            <a:spAutoFit/>
+          </a:bodyPr>
+          <a:lstStyle/>
+          <a:p>
+            <a:r>
+              <a:rPr kumimoji="1" lang="ja-JP" altLang="en-US" sz="3600" dirty="0">
+                <a:latin typeface="BIZ UDP明朝 Medium" panose="02020500000000000000" pitchFamily="18" charset="-128"/>
+                <a:ea typeface="BIZ UDP明朝 Medium" panose="02020500000000000000" pitchFamily="18" charset="-128"/>
+              </a:rPr>
+              <a:t>ゲーム詳細</a:t>
+            </a:r>
+          </a:p>
+        </p:txBody>
+      </p:sp>
+      <p:sp>
+        <p:nvSpPr>
+          <p:cNvPr id="12" name="テキスト ボックス 11">
+            <a:extLst>
+              <a:ext uri="{FF2B5EF4-FFF2-40B4-BE49-F238E27FC236}">
+                <a16:creationId xmlns:a16="http://schemas.microsoft.com/office/drawing/2014/main" id="{A794326B-C14E-4A31-B124-3AE30D166280}"/>
+              </a:ext>
+            </a:extLst>
+          </p:cNvPr>
+          <p:cNvSpPr txBox="1"/>
+          <p:nvPr/>
+        </p:nvSpPr>
+        <p:spPr>
+          <a:xfrm>
+            <a:off x="8576733" y="5173133"/>
+            <a:ext cx="2262158" cy="369332"/>
+          </a:xfrm>
+          <a:prstGeom prst="rect">
+            <a:avLst/>
+          </a:prstGeom>
+          <a:noFill/>
+        </p:spPr>
+        <p:txBody>
+          <a:bodyPr wrap="none" rtlCol="0">
+            <a:spAutoFit/>
+          </a:bodyPr>
+          <a:lstStyle/>
+          <a:p>
+            <a:r>
+              <a:rPr kumimoji="1" lang="ja-JP" altLang="en-US" dirty="0"/>
+              <a:t>アイテム管理も有用</a:t>
+            </a:r>
+          </a:p>
+        </p:txBody>
+      </p:sp>
+    </p:spTree>
+    <p:extLst>
+      <p:ext uri="{BB962C8B-B14F-4D97-AF65-F5344CB8AC3E}">
+        <p14:creationId xmlns:p14="http://schemas.microsoft.com/office/powerpoint/2010/main" val="2395050516"/>
+      </p:ext>
+    </p:extLst>
+  </p:cSld>
+  <p:clrMapOvr>
+    <a:masterClrMapping/>
+  </p:clrMapOvr>
+</p:sld>
+</file>
+
+<file path=ppt/slides/slide8.xml><?xml version="1.0" encoding="utf-8"?>
+<p:sld xmlns:a="http://schemas.openxmlformats.org/drawingml/2006/main" xmlns:r="http://schemas.openxmlformats.org/officeDocument/2006/relationships" xmlns:p="http://schemas.openxmlformats.org/presentationml/2006/main">
+  <p:cSld>
+    <p:spTree>
+      <p:nvGrpSpPr>
+        <p:cNvPr id="1" name=""/>
+        <p:cNvGrpSpPr/>
+        <p:nvPr/>
+      </p:nvGrpSpPr>
+      <p:grpSpPr>
+        <a:xfrm>
+          <a:off x="0" y="0"/>
+          <a:ext cx="0" cy="0"/>
+          <a:chOff x="0" y="0"/>
+          <a:chExt cx="0" cy="0"/>
+        </a:xfrm>
+      </p:grpSpPr>
+      <p:sp>
+        <p:nvSpPr>
+          <p:cNvPr id="2" name="タイトル 1">
+            <a:extLst>
+              <a:ext uri="{FF2B5EF4-FFF2-40B4-BE49-F238E27FC236}">
+                <a16:creationId xmlns:a16="http://schemas.microsoft.com/office/drawing/2014/main" id="{BE238D62-0ABB-4538-9AE7-C3A9E4F4E0D5}"/>
+              </a:ext>
+            </a:extLst>
+          </p:cNvPr>
+          <p:cNvSpPr>
+            <a:spLocks noGrp="1"/>
+          </p:cNvSpPr>
+          <p:nvPr>
+            <p:ph type="title"/>
+          </p:nvPr>
+        </p:nvSpPr>
+        <p:spPr/>
+        <p:txBody>
+          <a:bodyPr/>
+          <a:lstStyle/>
+          <a:p>
+            <a:r>
+              <a:rPr kumimoji="1" lang="ja-JP" altLang="en-US" dirty="0"/>
+              <a:t>技術アピール</a:t>
+            </a:r>
+          </a:p>
+        </p:txBody>
+      </p:sp>
+      <p:sp>
+        <p:nvSpPr>
+          <p:cNvPr id="3" name="コンテンツ プレースホルダー 2">
+            <a:extLst>
+              <a:ext uri="{FF2B5EF4-FFF2-40B4-BE49-F238E27FC236}">
+                <a16:creationId xmlns:a16="http://schemas.microsoft.com/office/drawing/2014/main" id="{7DB407B9-98D1-47AA-8941-8A16F35AA3D3}"/>
+              </a:ext>
+            </a:extLst>
+          </p:cNvPr>
+          <p:cNvSpPr>
+            <a:spLocks noGrp="1"/>
+          </p:cNvSpPr>
+          <p:nvPr>
+            <p:ph idx="1"/>
+          </p:nvPr>
+        </p:nvSpPr>
+        <p:spPr/>
+        <p:txBody>
+          <a:bodyPr/>
+          <a:lstStyle/>
+          <a:p>
+            <a:endParaRPr kumimoji="1" lang="ja-JP" altLang="en-US"/>
+          </a:p>
+        </p:txBody>
+      </p:sp>
+    </p:spTree>
+    <p:extLst>
+      <p:ext uri="{BB962C8B-B14F-4D97-AF65-F5344CB8AC3E}">
+        <p14:creationId xmlns:p14="http://schemas.microsoft.com/office/powerpoint/2010/main" val="3044686230"/>
       </p:ext>
     </p:extLst>
   </p:cSld>

--- a/3DGame_3_NamelessGame/NamelessGame_企画書.pptx
+++ b/3DGame_3_NamelessGame/NamelessGame_企画書.pptx
@@ -4313,7 +4313,21 @@
                 <a:latin typeface="BIZ UDP明朝 Medium" panose="02020500000000000000" pitchFamily="18" charset="-128"/>
                 <a:ea typeface="BIZ UDP明朝 Medium" panose="02020500000000000000" pitchFamily="18" charset="-128"/>
               </a:rPr>
-              <a:t>アクションシューティング</a:t>
+              <a:t>アクションシューティング（</a:t>
+            </a:r>
+            <a:r>
+              <a:rPr kumimoji="1" lang="en-US" altLang="ja-JP" sz="2800" dirty="0">
+                <a:latin typeface="BIZ UDP明朝 Medium" panose="02020500000000000000" pitchFamily="18" charset="-128"/>
+                <a:ea typeface="BIZ UDP明朝 Medium" panose="02020500000000000000" pitchFamily="18" charset="-128"/>
+              </a:rPr>
+              <a:t>TPS</a:t>
+            </a:r>
+            <a:r>
+              <a:rPr kumimoji="1" lang="ja-JP" altLang="en-US" sz="2800" dirty="0">
+                <a:latin typeface="BIZ UDP明朝 Medium" panose="02020500000000000000" pitchFamily="18" charset="-128"/>
+                <a:ea typeface="BIZ UDP明朝 Medium" panose="02020500000000000000" pitchFamily="18" charset="-128"/>
+              </a:rPr>
+              <a:t>）</a:t>
             </a:r>
             <a:endParaRPr kumimoji="1" lang="en-US" altLang="ja-JP" sz="2800" dirty="0">
               <a:latin typeface="BIZ UDP明朝 Medium" panose="02020500000000000000" pitchFamily="18" charset="-128"/>
@@ -4335,31 +4349,6 @@
               </a:rPr>
               <a:t>			</a:t>
             </a:r>
-            <a:r>
-              <a:rPr lang="ja-JP" altLang="en-US" sz="2800" dirty="0">
-                <a:latin typeface="BIZ UDP明朝 Medium" panose="02020500000000000000" pitchFamily="18" charset="-128"/>
-                <a:ea typeface="BIZ UDP明朝 Medium" panose="02020500000000000000" pitchFamily="18" charset="-128"/>
-              </a:rPr>
-              <a:t>（</a:t>
-            </a:r>
-            <a:r>
-              <a:rPr lang="en-US" altLang="ja-JP" sz="2800" dirty="0">
-                <a:latin typeface="BIZ UDP明朝 Medium" panose="02020500000000000000" pitchFamily="18" charset="-128"/>
-                <a:ea typeface="BIZ UDP明朝 Medium" panose="02020500000000000000" pitchFamily="18" charset="-128"/>
-              </a:rPr>
-              <a:t>TPS</a:t>
-            </a:r>
-            <a:r>
-              <a:rPr lang="ja-JP" altLang="en-US" sz="2800" dirty="0">
-                <a:latin typeface="BIZ UDP明朝 Medium" panose="02020500000000000000" pitchFamily="18" charset="-128"/>
-                <a:ea typeface="BIZ UDP明朝 Medium" panose="02020500000000000000" pitchFamily="18" charset="-128"/>
-              </a:rPr>
-              <a:t>）</a:t>
-            </a:r>
-            <a:endParaRPr lang="en-US" altLang="ja-JP" sz="2800" dirty="0">
-              <a:latin typeface="BIZ UDP明朝 Medium" panose="02020500000000000000" pitchFamily="18" charset="-128"/>
-              <a:ea typeface="BIZ UDP明朝 Medium" panose="02020500000000000000" pitchFamily="18" charset="-128"/>
-            </a:endParaRPr>
           </a:p>
           <a:p>
             <a:r>
@@ -5562,7 +5551,7 @@
         </p:blipFill>
         <p:spPr>
           <a:xfrm>
-            <a:off x="2207730" y="1563743"/>
+            <a:off x="1657517" y="1580414"/>
             <a:ext cx="8071159" cy="4780610"/>
           </a:xfrm>
           <a:prstGeom prst="rect">
@@ -5586,8 +5575,8 @@
         </p:nvCxnSpPr>
         <p:spPr>
           <a:xfrm flipV="1">
-            <a:off x="1341743" y="1977741"/>
-            <a:ext cx="893587" cy="100891"/>
+            <a:off x="1060106" y="1945523"/>
+            <a:ext cx="561438" cy="139608"/>
           </a:xfrm>
           <a:prstGeom prst="straightConnector1">
             <a:avLst/>
@@ -5630,8 +5619,8 @@
         </p:nvCxnSpPr>
         <p:spPr>
           <a:xfrm flipH="1">
-            <a:off x="10129472" y="937397"/>
-            <a:ext cx="322014" cy="1194016"/>
+            <a:off x="9610766" y="1217081"/>
+            <a:ext cx="372218" cy="797833"/>
           </a:xfrm>
           <a:prstGeom prst="straightConnector1">
             <a:avLst/>
@@ -5674,8 +5663,8 @@
         </p:nvCxnSpPr>
         <p:spPr>
           <a:xfrm flipH="1" flipV="1">
-            <a:off x="9339204" y="2910722"/>
-            <a:ext cx="1358878" cy="192677"/>
+            <a:off x="8770594" y="2946139"/>
+            <a:ext cx="1483452" cy="245998"/>
           </a:xfrm>
           <a:prstGeom prst="straightConnector1">
             <a:avLst/>
@@ -5718,8 +5707,8 @@
         </p:nvCxnSpPr>
         <p:spPr>
           <a:xfrm>
-            <a:off x="3309981" y="1404035"/>
-            <a:ext cx="578821" cy="201628"/>
+            <a:off x="3289180" y="1307399"/>
+            <a:ext cx="599622" cy="298264"/>
           </a:xfrm>
           <a:prstGeom prst="straightConnector1">
             <a:avLst/>
@@ -5762,7 +5751,7 @@
         </p:nvCxnSpPr>
         <p:spPr>
           <a:xfrm flipH="1">
-            <a:off x="4991053" y="1340510"/>
+            <a:off x="4529260" y="1387500"/>
             <a:ext cx="283756" cy="495646"/>
           </a:xfrm>
           <a:prstGeom prst="straightConnector1">
@@ -5804,7 +5793,7 @@
         </p:nvSpPr>
         <p:spPr>
           <a:xfrm>
-            <a:off x="247548" y="2016941"/>
+            <a:off x="24151" y="2024081"/>
             <a:ext cx="1107996" cy="369332"/>
           </a:xfrm>
           <a:prstGeom prst="rect">
@@ -5839,8 +5828,8 @@
         </p:nvSpPr>
         <p:spPr>
           <a:xfrm>
-            <a:off x="2062528" y="1021172"/>
-            <a:ext cx="1662635" cy="369332"/>
+            <a:off x="1988378" y="962594"/>
+            <a:ext cx="1959139" cy="369332"/>
           </a:xfrm>
           <a:prstGeom prst="rect">
             <a:avLst/>
@@ -5879,7 +5868,7 @@
         </p:nvSpPr>
         <p:spPr>
           <a:xfrm>
-            <a:off x="4243754" y="1000935"/>
+            <a:off x="4117090" y="1038881"/>
             <a:ext cx="2244687" cy="369332"/>
           </a:xfrm>
           <a:prstGeom prst="rect">
@@ -5914,7 +5903,7 @@
         </p:nvSpPr>
         <p:spPr>
           <a:xfrm>
-            <a:off x="9567003" y="576510"/>
+            <a:off x="8998393" y="866679"/>
             <a:ext cx="2262158" cy="369332"/>
           </a:xfrm>
           <a:prstGeom prst="rect">
@@ -5949,7 +5938,7 @@
         </p:nvSpPr>
         <p:spPr>
           <a:xfrm>
-            <a:off x="10451486" y="3180996"/>
+            <a:off x="9610766" y="3159768"/>
             <a:ext cx="1800493" cy="369332"/>
           </a:xfrm>
           <a:prstGeom prst="rect">
@@ -5984,7 +5973,7 @@
         </p:nvGrpSpPr>
         <p:grpSpPr>
           <a:xfrm>
-            <a:off x="8466299" y="3723906"/>
+            <a:off x="8011479" y="3605761"/>
             <a:ext cx="757060" cy="2420479"/>
             <a:chOff x="8665308" y="4079380"/>
             <a:chExt cx="757060" cy="2420479"/>
@@ -6277,7 +6266,7 @@
         </p:nvSpPr>
         <p:spPr>
           <a:xfrm>
-            <a:off x="317755" y="3017433"/>
+            <a:off x="22347" y="2996330"/>
             <a:ext cx="1569660" cy="369332"/>
           </a:xfrm>
           <a:prstGeom prst="rect">
@@ -6312,7 +6301,7 @@
         </p:nvSpPr>
         <p:spPr>
           <a:xfrm>
-            <a:off x="3855191" y="6099838"/>
+            <a:off x="3374660" y="6038228"/>
             <a:ext cx="4576439" cy="130819"/>
           </a:xfrm>
           <a:prstGeom prst="rect">
@@ -6358,7 +6347,7 @@
         </p:nvSpPr>
         <p:spPr>
           <a:xfrm>
-            <a:off x="3156087" y="5537813"/>
+            <a:off x="2646716" y="5559760"/>
             <a:ext cx="642464" cy="655354"/>
           </a:xfrm>
           <a:prstGeom prst="ellipse">
@@ -6407,7 +6396,7 @@
         </p:nvSpPr>
         <p:spPr>
           <a:xfrm>
-            <a:off x="8845174" y="3684849"/>
+            <a:off x="8510648" y="3457779"/>
             <a:ext cx="328246" cy="360887"/>
           </a:xfrm>
           <a:prstGeom prst="ellipse">
@@ -6465,8 +6454,8 @@
         </p:nvCxnSpPr>
         <p:spPr>
           <a:xfrm flipH="1" flipV="1">
-            <a:off x="9185016" y="3836746"/>
-            <a:ext cx="1504347" cy="254536"/>
+            <a:off x="8712118" y="3860572"/>
+            <a:ext cx="1541928" cy="386738"/>
           </a:xfrm>
           <a:prstGeom prst="straightConnector1">
             <a:avLst/>
@@ -6509,7 +6498,7 @@
         </p:nvCxnSpPr>
         <p:spPr>
           <a:xfrm flipV="1">
-            <a:off x="4243754" y="6245000"/>
+            <a:off x="3485368" y="6231493"/>
             <a:ext cx="246431" cy="259061"/>
           </a:xfrm>
           <a:prstGeom prst="straightConnector1">
@@ -6553,7 +6542,7 @@
         </p:nvCxnSpPr>
         <p:spPr>
           <a:xfrm flipV="1">
-            <a:off x="1887415" y="5920603"/>
+            <a:off x="1412259" y="6005632"/>
             <a:ext cx="1193526" cy="179235"/>
           </a:xfrm>
           <a:prstGeom prst="straightConnector1">
@@ -6595,7 +6584,7 @@
         </p:nvSpPr>
         <p:spPr>
           <a:xfrm>
-            <a:off x="594123" y="6003910"/>
+            <a:off x="77437" y="5984381"/>
             <a:ext cx="1334822" cy="369332"/>
           </a:xfrm>
           <a:prstGeom prst="rect">
@@ -6630,7 +6619,7 @@
         </p:nvSpPr>
         <p:spPr>
           <a:xfrm>
-            <a:off x="3567347" y="6463968"/>
+            <a:off x="2860086" y="6488668"/>
             <a:ext cx="739305" cy="369332"/>
           </a:xfrm>
           <a:prstGeom prst="rect">
@@ -6670,7 +6659,7 @@
         </p:nvSpPr>
         <p:spPr>
           <a:xfrm>
-            <a:off x="10451486" y="4181901"/>
+            <a:off x="9723688" y="4289216"/>
             <a:ext cx="1569660" cy="369332"/>
           </a:xfrm>
           <a:prstGeom prst="rect">

--- a/3DGame_3_NamelessGame/NamelessGame_企画書.pptx
+++ b/3DGame_3_NamelessGame/NamelessGame_企画書.pptx
@@ -5,17 +5,16 @@
     <p:sldMasterId id="2147483660" r:id="rId1"/>
   </p:sldMasterIdLst>
   <p:notesMasterIdLst>
-    <p:notesMasterId r:id="rId10"/>
+    <p:notesMasterId r:id="rId9"/>
   </p:notesMasterIdLst>
   <p:sldIdLst>
     <p:sldId id="256" r:id="rId2"/>
-    <p:sldId id="257" r:id="rId3"/>
-    <p:sldId id="260" r:id="rId4"/>
-    <p:sldId id="258" r:id="rId5"/>
+    <p:sldId id="260" r:id="rId3"/>
+    <p:sldId id="258" r:id="rId4"/>
+    <p:sldId id="263" r:id="rId5"/>
     <p:sldId id="261" r:id="rId6"/>
     <p:sldId id="262" r:id="rId7"/>
     <p:sldId id="259" r:id="rId8"/>
-    <p:sldId id="263" r:id="rId9"/>
   </p:sldIdLst>
   <p:sldSz cx="12192000" cy="6858000"/>
   <p:notesSz cx="6858000" cy="9144000"/>
@@ -216,7 +215,7 @@
           <a:p>
             <a:fld id="{4B44C13B-4146-4F19-917C-9AB4DC0B462B}" type="datetimeFigureOut">
               <a:rPr kumimoji="1" lang="ja-JP" altLang="en-US" smtClean="0"/>
-              <a:t>2024/9/24</a:t>
+              <a:t>2024/9/25</a:t>
             </a:fld>
             <a:endParaRPr kumimoji="1" lang="ja-JP" altLang="en-US"/>
           </a:p>
@@ -683,7 +682,7 @@
           <a:p>
             <a:fld id="{DC4D95AC-18C1-46E4-B41F-A2EDA7BB3CE2}" type="datetimeFigureOut">
               <a:rPr kumimoji="1" lang="ja-JP" altLang="en-US" smtClean="0"/>
-              <a:t>2024/9/24</a:t>
+              <a:t>2024/9/25</a:t>
             </a:fld>
             <a:endParaRPr kumimoji="1" lang="ja-JP" altLang="en-US"/>
           </a:p>
@@ -943,7 +942,7 @@
           <a:p>
             <a:fld id="{DC4D95AC-18C1-46E4-B41F-A2EDA7BB3CE2}" type="datetimeFigureOut">
               <a:rPr kumimoji="1" lang="ja-JP" altLang="en-US" smtClean="0"/>
-              <a:t>2024/9/24</a:t>
+              <a:t>2024/9/25</a:t>
             </a:fld>
             <a:endParaRPr kumimoji="1" lang="ja-JP" altLang="en-US"/>
           </a:p>
@@ -1155,7 +1154,7 @@
           <a:p>
             <a:fld id="{DC4D95AC-18C1-46E4-B41F-A2EDA7BB3CE2}" type="datetimeFigureOut">
               <a:rPr kumimoji="1" lang="ja-JP" altLang="en-US" smtClean="0"/>
-              <a:t>2024/9/24</a:t>
+              <a:t>2024/9/25</a:t>
             </a:fld>
             <a:endParaRPr kumimoji="1" lang="ja-JP" altLang="en-US"/>
           </a:p>
@@ -1357,7 +1356,7 @@
           <a:p>
             <a:fld id="{DC4D95AC-18C1-46E4-B41F-A2EDA7BB3CE2}" type="datetimeFigureOut">
               <a:rPr kumimoji="1" lang="ja-JP" altLang="en-US" smtClean="0"/>
-              <a:t>2024/9/24</a:t>
+              <a:t>2024/9/25</a:t>
             </a:fld>
             <a:endParaRPr kumimoji="1" lang="ja-JP" altLang="en-US"/>
           </a:p>
@@ -1611,7 +1610,7 @@
           <a:p>
             <a:fld id="{DC4D95AC-18C1-46E4-B41F-A2EDA7BB3CE2}" type="datetimeFigureOut">
               <a:rPr kumimoji="1" lang="ja-JP" altLang="en-US" smtClean="0"/>
-              <a:t>2024/9/24</a:t>
+              <a:t>2024/9/25</a:t>
             </a:fld>
             <a:endParaRPr kumimoji="1" lang="ja-JP" altLang="en-US"/>
           </a:p>
@@ -2001,7 +2000,7 @@
           <a:p>
             <a:fld id="{DC4D95AC-18C1-46E4-B41F-A2EDA7BB3CE2}" type="datetimeFigureOut">
               <a:rPr kumimoji="1" lang="ja-JP" altLang="en-US" smtClean="0"/>
-              <a:t>2024/9/24</a:t>
+              <a:t>2024/9/25</a:t>
             </a:fld>
             <a:endParaRPr kumimoji="1" lang="ja-JP" altLang="en-US"/>
           </a:p>
@@ -2516,7 +2515,7 @@
           <a:p>
             <a:fld id="{DC4D95AC-18C1-46E4-B41F-A2EDA7BB3CE2}" type="datetimeFigureOut">
               <a:rPr kumimoji="1" lang="ja-JP" altLang="en-US" smtClean="0"/>
-              <a:t>2024/9/24</a:t>
+              <a:t>2024/9/25</a:t>
             </a:fld>
             <a:endParaRPr kumimoji="1" lang="ja-JP" altLang="en-US"/>
           </a:p>
@@ -2634,7 +2633,7 @@
           <a:p>
             <a:fld id="{DC4D95AC-18C1-46E4-B41F-A2EDA7BB3CE2}" type="datetimeFigureOut">
               <a:rPr kumimoji="1" lang="ja-JP" altLang="en-US" smtClean="0"/>
-              <a:t>2024/9/24</a:t>
+              <a:t>2024/9/25</a:t>
             </a:fld>
             <a:endParaRPr kumimoji="1" lang="ja-JP" altLang="en-US"/>
           </a:p>
@@ -2729,7 +2728,7 @@
           <a:p>
             <a:fld id="{DC4D95AC-18C1-46E4-B41F-A2EDA7BB3CE2}" type="datetimeFigureOut">
               <a:rPr kumimoji="1" lang="ja-JP" altLang="en-US" smtClean="0"/>
-              <a:t>2024/9/24</a:t>
+              <a:t>2024/9/25</a:t>
             </a:fld>
             <a:endParaRPr kumimoji="1" lang="ja-JP" altLang="en-US"/>
           </a:p>
@@ -3048,7 +3047,7 @@
           <a:p>
             <a:fld id="{DC4D95AC-18C1-46E4-B41F-A2EDA7BB3CE2}" type="datetimeFigureOut">
               <a:rPr kumimoji="1" lang="ja-JP" altLang="en-US" smtClean="0"/>
-              <a:t>2024/9/24</a:t>
+              <a:t>2024/9/25</a:t>
             </a:fld>
             <a:endParaRPr kumimoji="1" lang="ja-JP" altLang="en-US"/>
           </a:p>
@@ -3370,7 +3369,7 @@
           <a:p>
             <a:fld id="{DC4D95AC-18C1-46E4-B41F-A2EDA7BB3CE2}" type="datetimeFigureOut">
               <a:rPr kumimoji="1" lang="ja-JP" altLang="en-US" smtClean="0"/>
-              <a:t>2024/9/24</a:t>
+              <a:t>2024/9/25</a:t>
             </a:fld>
             <a:endParaRPr kumimoji="1" lang="ja-JP" altLang="en-US"/>
           </a:p>
@@ -3656,7 +3655,7 @@
           <a:p>
             <a:fld id="{DC4D95AC-18C1-46E4-B41F-A2EDA7BB3CE2}" type="datetimeFigureOut">
               <a:rPr kumimoji="1" lang="ja-JP" altLang="en-US" smtClean="0"/>
-              <a:t>2024/9/24</a:t>
+              <a:t>2024/9/25</a:t>
             </a:fld>
             <a:endParaRPr kumimoji="1" lang="ja-JP" altLang="en-US"/>
           </a:p>
@@ -4146,49 +4145,6 @@
       </p:grpSpPr>
       <p:sp>
         <p:nvSpPr>
-          <p:cNvPr id="2" name="タイトル 1">
-            <a:extLst>
-              <a:ext uri="{FF2B5EF4-FFF2-40B4-BE49-F238E27FC236}">
-                <a16:creationId xmlns:a16="http://schemas.microsoft.com/office/drawing/2014/main" id="{997FDDA6-7D34-43AE-AE57-2C06FF6D075B}"/>
-              </a:ext>
-            </a:extLst>
-          </p:cNvPr>
-          <p:cNvSpPr>
-            <a:spLocks noGrp="1"/>
-          </p:cNvSpPr>
-          <p:nvPr>
-            <p:ph type="ctrTitle"/>
-          </p:nvPr>
-        </p:nvSpPr>
-        <p:spPr>
-          <a:xfrm>
-            <a:off x="3835569" y="1244600"/>
-            <a:ext cx="4520861" cy="1007531"/>
-          </a:xfrm>
-        </p:spPr>
-        <p:txBody>
-          <a:bodyPr>
-            <a:normAutofit fontScale="90000"/>
-          </a:bodyPr>
-          <a:lstStyle/>
-          <a:p>
-            <a:pPr algn="ctr">
-              <a:lnSpc>
-                <a:spcPct val="100000"/>
-              </a:lnSpc>
-            </a:pPr>
-            <a:r>
-              <a:rPr kumimoji="1" lang="ja-JP" altLang="en-US" dirty="0">
-                <a:latin typeface="BIZ UDP明朝 Medium" panose="02020500000000000000" pitchFamily="18" charset="-128"/>
-                <a:ea typeface="BIZ UDP明朝 Medium" panose="02020500000000000000" pitchFamily="18" charset="-128"/>
-              </a:rPr>
-              <a:t>就職作品</a:t>
-            </a:r>
-          </a:p>
-        </p:txBody>
-      </p:sp>
-      <p:sp>
-        <p:nvSpPr>
           <p:cNvPr id="4" name="テキスト ボックス 3">
             <a:extLst>
               <a:ext uri="{FF2B5EF4-FFF2-40B4-BE49-F238E27FC236}">
@@ -4201,8 +4157,8 @@
         </p:nvSpPr>
         <p:spPr>
           <a:xfrm>
-            <a:off x="3972821" y="6172202"/>
-            <a:ext cx="4801314" cy="646331"/>
+            <a:off x="3378144" y="834016"/>
+            <a:ext cx="4301177" cy="923330"/>
           </a:xfrm>
           <a:prstGeom prst="rect">
             <a:avLst/>
@@ -4216,9 +4172,536 @@
           <a:lstStyle/>
           <a:p>
             <a:r>
-              <a:rPr kumimoji="1" lang="ja-JP" altLang="en-US" sz="3600" dirty="0"/>
-              <a:t>最終試験：先生討伐戦</a:t>
-            </a:r>
+              <a:rPr lang="en-US" altLang="ja-JP" sz="5400" dirty="0">
+                <a:solidFill>
+                  <a:schemeClr val="accent2">
+                    <a:lumMod val="75000"/>
+                  </a:schemeClr>
+                </a:solidFill>
+              </a:rPr>
+              <a:t>Surpass </a:t>
+            </a:r>
+            <a:r>
+              <a:rPr lang="en-US" altLang="ja-JP" sz="5400" b="0" i="0" dirty="0">
+                <a:solidFill>
+                  <a:schemeClr val="accent2">
+                    <a:lumMod val="75000"/>
+                  </a:schemeClr>
+                </a:solidFill>
+                <a:effectLst/>
+                <a:latin typeface="+mj-lt"/>
+              </a:rPr>
+              <a:t>Rite</a:t>
+            </a:r>
+            <a:endParaRPr kumimoji="1" lang="en-US" altLang="ja-JP" sz="5400" dirty="0">
+              <a:solidFill>
+                <a:schemeClr val="accent2">
+                  <a:lumMod val="75000"/>
+                </a:schemeClr>
+              </a:solidFill>
+              <a:latin typeface="+mj-lt"/>
+            </a:endParaRPr>
+          </a:p>
+        </p:txBody>
+      </p:sp>
+      <p:sp>
+        <p:nvSpPr>
+          <p:cNvPr id="7" name="テキスト ボックス 6">
+            <a:extLst>
+              <a:ext uri="{FF2B5EF4-FFF2-40B4-BE49-F238E27FC236}">
+                <a16:creationId xmlns:a16="http://schemas.microsoft.com/office/drawing/2014/main" id="{3C2517F9-EB66-4DD4-9E86-11064BB01345}"/>
+              </a:ext>
+            </a:extLst>
+          </p:cNvPr>
+          <p:cNvSpPr txBox="1"/>
+          <p:nvPr/>
+        </p:nvSpPr>
+        <p:spPr>
+          <a:xfrm>
+            <a:off x="2440098" y="2248176"/>
+            <a:ext cx="6177268" cy="3495572"/>
+          </a:xfrm>
+          <a:prstGeom prst="rect">
+            <a:avLst/>
+          </a:prstGeom>
+          <a:noFill/>
+        </p:spPr>
+        <p:txBody>
+          <a:bodyPr wrap="square" rtlCol="0">
+            <a:spAutoFit/>
+          </a:bodyPr>
+          <a:lstStyle/>
+          <a:p>
+            <a:pPr>
+              <a:lnSpc>
+                <a:spcPts val="3000"/>
+              </a:lnSpc>
+            </a:pPr>
+            <a:r>
+              <a:rPr kumimoji="1" lang="ja-JP" altLang="en-US" sz="2000" dirty="0">
+                <a:latin typeface="BIZ UDP明朝 Medium" panose="02020500000000000000" pitchFamily="18" charset="-128"/>
+                <a:ea typeface="BIZ UDP明朝 Medium" panose="02020500000000000000" pitchFamily="18" charset="-128"/>
+              </a:rPr>
+              <a:t>ジャンル</a:t>
+            </a:r>
+            <a:r>
+              <a:rPr kumimoji="1" lang="en-US" altLang="ja-JP" sz="2000" dirty="0">
+                <a:latin typeface="BIZ UDP明朝 Medium" panose="02020500000000000000" pitchFamily="18" charset="-128"/>
+                <a:ea typeface="BIZ UDP明朝 Medium" panose="02020500000000000000" pitchFamily="18" charset="-128"/>
+              </a:rPr>
+              <a:t>	</a:t>
+            </a:r>
+            <a:r>
+              <a:rPr kumimoji="1" lang="ja-JP" altLang="en-US" sz="2000" dirty="0">
+                <a:latin typeface="BIZ UDP明朝 Medium" panose="02020500000000000000" pitchFamily="18" charset="-128"/>
+                <a:ea typeface="BIZ UDP明朝 Medium" panose="02020500000000000000" pitchFamily="18" charset="-128"/>
+              </a:rPr>
+              <a:t>　</a:t>
+            </a:r>
+            <a:r>
+              <a:rPr kumimoji="1" lang="en-US" altLang="ja-JP" sz="2000" dirty="0">
+                <a:latin typeface="BIZ UDP明朝 Medium" panose="02020500000000000000" pitchFamily="18" charset="-128"/>
+                <a:ea typeface="BIZ UDP明朝 Medium" panose="02020500000000000000" pitchFamily="18" charset="-128"/>
+              </a:rPr>
+              <a:t>			</a:t>
+            </a:r>
+            <a:r>
+              <a:rPr kumimoji="1" lang="ja-JP" altLang="en-US" dirty="0">
+                <a:latin typeface="BIZ UDP明朝 Medium" panose="02020500000000000000" pitchFamily="18" charset="-128"/>
+                <a:ea typeface="BIZ UDP明朝 Medium" panose="02020500000000000000" pitchFamily="18" charset="-128"/>
+              </a:rPr>
+              <a:t>アクションシューティング（</a:t>
+            </a:r>
+            <a:r>
+              <a:rPr kumimoji="1" lang="en-US" altLang="ja-JP" dirty="0">
+                <a:latin typeface="BIZ UDP明朝 Medium" panose="02020500000000000000" pitchFamily="18" charset="-128"/>
+                <a:ea typeface="BIZ UDP明朝 Medium" panose="02020500000000000000" pitchFamily="18" charset="-128"/>
+              </a:rPr>
+              <a:t>TPS</a:t>
+            </a:r>
+            <a:r>
+              <a:rPr kumimoji="1" lang="ja-JP" altLang="en-US" dirty="0">
+                <a:latin typeface="BIZ UDP明朝 Medium" panose="02020500000000000000" pitchFamily="18" charset="-128"/>
+                <a:ea typeface="BIZ UDP明朝 Medium" panose="02020500000000000000" pitchFamily="18" charset="-128"/>
+              </a:rPr>
+              <a:t>）</a:t>
+            </a:r>
+            <a:endParaRPr kumimoji="1" lang="en-US" altLang="ja-JP" dirty="0">
+              <a:latin typeface="BIZ UDP明朝 Medium" panose="02020500000000000000" pitchFamily="18" charset="-128"/>
+              <a:ea typeface="BIZ UDP明朝 Medium" panose="02020500000000000000" pitchFamily="18" charset="-128"/>
+            </a:endParaRPr>
+          </a:p>
+          <a:p>
+            <a:pPr>
+              <a:lnSpc>
+                <a:spcPts val="3000"/>
+              </a:lnSpc>
+            </a:pPr>
+            <a:r>
+              <a:rPr lang="ja-JP" altLang="en-US" sz="2000" dirty="0">
+                <a:latin typeface="BIZ UDP明朝 Medium" panose="02020500000000000000" pitchFamily="18" charset="-128"/>
+                <a:ea typeface="BIZ UDP明朝 Medium" panose="02020500000000000000" pitchFamily="18" charset="-128"/>
+              </a:rPr>
+              <a:t>ターゲット　</a:t>
+            </a:r>
+            <a:r>
+              <a:rPr lang="en-US" altLang="ja-JP" sz="2000" dirty="0">
+                <a:latin typeface="BIZ UDP明朝 Medium" panose="02020500000000000000" pitchFamily="18" charset="-128"/>
+                <a:ea typeface="BIZ UDP明朝 Medium" panose="02020500000000000000" pitchFamily="18" charset="-128"/>
+              </a:rPr>
+              <a:t>			</a:t>
+            </a:r>
+            <a:r>
+              <a:rPr lang="ja-JP" altLang="en-US" dirty="0">
+                <a:latin typeface="BIZ UDP明朝 Medium" panose="02020500000000000000" pitchFamily="18" charset="-128"/>
+                <a:ea typeface="BIZ UDP明朝 Medium" panose="02020500000000000000" pitchFamily="18" charset="-128"/>
+              </a:rPr>
+              <a:t>非対称対戦ゲームで敵を倒したい人</a:t>
+            </a:r>
+            <a:endParaRPr lang="en-US" altLang="ja-JP" dirty="0">
+              <a:latin typeface="BIZ UDP明朝 Medium" panose="02020500000000000000" pitchFamily="18" charset="-128"/>
+              <a:ea typeface="BIZ UDP明朝 Medium" panose="02020500000000000000" pitchFamily="18" charset="-128"/>
+            </a:endParaRPr>
+          </a:p>
+          <a:p>
+            <a:pPr>
+              <a:lnSpc>
+                <a:spcPts val="3000"/>
+              </a:lnSpc>
+            </a:pPr>
+            <a:r>
+              <a:rPr lang="ja-JP" altLang="en-US" sz="2000" dirty="0">
+                <a:latin typeface="BIZ UDP明朝 Medium" panose="02020500000000000000" pitchFamily="18" charset="-128"/>
+                <a:ea typeface="BIZ UDP明朝 Medium" panose="02020500000000000000" pitchFamily="18" charset="-128"/>
+              </a:rPr>
+              <a:t>プラットフォーム </a:t>
+            </a:r>
+            <a:r>
+              <a:rPr lang="en-US" altLang="ja-JP" sz="2000" dirty="0">
+                <a:latin typeface="BIZ UDP明朝 Medium" panose="02020500000000000000" pitchFamily="18" charset="-128"/>
+                <a:ea typeface="BIZ UDP明朝 Medium" panose="02020500000000000000" pitchFamily="18" charset="-128"/>
+              </a:rPr>
+              <a:t>		</a:t>
+            </a:r>
+            <a:r>
+              <a:rPr lang="en-US" altLang="ja-JP" dirty="0">
+                <a:latin typeface="BIZ UDP明朝 Medium" panose="02020500000000000000" pitchFamily="18" charset="-128"/>
+                <a:ea typeface="BIZ UDP明朝 Medium" panose="02020500000000000000" pitchFamily="18" charset="-128"/>
+              </a:rPr>
+              <a:t>PC</a:t>
+            </a:r>
+            <a:endParaRPr lang="en-US" altLang="ja-JP" sz="2000" dirty="0">
+              <a:latin typeface="BIZ UDP明朝 Medium" panose="02020500000000000000" pitchFamily="18" charset="-128"/>
+              <a:ea typeface="BIZ UDP明朝 Medium" panose="02020500000000000000" pitchFamily="18" charset="-128"/>
+            </a:endParaRPr>
+          </a:p>
+          <a:p>
+            <a:pPr>
+              <a:lnSpc>
+                <a:spcPts val="3000"/>
+              </a:lnSpc>
+            </a:pPr>
+            <a:r>
+              <a:rPr lang="ja-JP" altLang="en-US" sz="2000" dirty="0">
+                <a:latin typeface="BIZ UDP明朝 Medium" panose="02020500000000000000" pitchFamily="18" charset="-128"/>
+                <a:ea typeface="BIZ UDP明朝 Medium" panose="02020500000000000000" pitchFamily="18" charset="-128"/>
+              </a:rPr>
+              <a:t>使用ツール　 </a:t>
+            </a:r>
+            <a:r>
+              <a:rPr lang="en-US" altLang="ja-JP" sz="2000" dirty="0">
+                <a:latin typeface="BIZ UDP明朝 Medium" panose="02020500000000000000" pitchFamily="18" charset="-128"/>
+                <a:ea typeface="BIZ UDP明朝 Medium" panose="02020500000000000000" pitchFamily="18" charset="-128"/>
+              </a:rPr>
+              <a:t>		</a:t>
+            </a:r>
+            <a:r>
+              <a:rPr lang="en-US" altLang="ja-JP" dirty="0">
+                <a:latin typeface="BIZ UDP明朝 Medium" panose="02020500000000000000" pitchFamily="18" charset="-128"/>
+                <a:ea typeface="BIZ UDP明朝 Medium" panose="02020500000000000000" pitchFamily="18" charset="-128"/>
+              </a:rPr>
+              <a:t>DxLib/C++/Unity/Effekseer</a:t>
+            </a:r>
+            <a:endParaRPr lang="en-US" altLang="ja-JP" sz="2000" dirty="0">
+              <a:latin typeface="BIZ UDP明朝 Medium" panose="02020500000000000000" pitchFamily="18" charset="-128"/>
+              <a:ea typeface="BIZ UDP明朝 Medium" panose="02020500000000000000" pitchFamily="18" charset="-128"/>
+            </a:endParaRPr>
+          </a:p>
+          <a:p>
+            <a:pPr>
+              <a:lnSpc>
+                <a:spcPts val="3000"/>
+              </a:lnSpc>
+            </a:pPr>
+            <a:r>
+              <a:rPr kumimoji="1" lang="ja-JP" altLang="en-US" sz="2000" dirty="0">
+                <a:latin typeface="BIZ UDP明朝 Medium" panose="02020500000000000000" pitchFamily="18" charset="-128"/>
+                <a:ea typeface="BIZ UDP明朝 Medium" panose="02020500000000000000" pitchFamily="18" charset="-128"/>
+              </a:rPr>
+              <a:t>制作期間</a:t>
+            </a:r>
+            <a:r>
+              <a:rPr kumimoji="1" lang="en-US" altLang="ja-JP" sz="2000" dirty="0">
+                <a:latin typeface="BIZ UDP明朝 Medium" panose="02020500000000000000" pitchFamily="18" charset="-128"/>
+                <a:ea typeface="BIZ UDP明朝 Medium" panose="02020500000000000000" pitchFamily="18" charset="-128"/>
+              </a:rPr>
+              <a:t>	</a:t>
+            </a:r>
+            <a:r>
+              <a:rPr kumimoji="1" lang="ja-JP" altLang="en-US" sz="2000" dirty="0">
+                <a:latin typeface="BIZ UDP明朝 Medium" panose="02020500000000000000" pitchFamily="18" charset="-128"/>
+                <a:ea typeface="BIZ UDP明朝 Medium" panose="02020500000000000000" pitchFamily="18" charset="-128"/>
+              </a:rPr>
+              <a:t>　</a:t>
+            </a:r>
+            <a:r>
+              <a:rPr kumimoji="1" lang="en-US" altLang="ja-JP" sz="2000" dirty="0">
+                <a:latin typeface="BIZ UDP明朝 Medium" panose="02020500000000000000" pitchFamily="18" charset="-128"/>
+                <a:ea typeface="BIZ UDP明朝 Medium" panose="02020500000000000000" pitchFamily="18" charset="-128"/>
+              </a:rPr>
+              <a:t>		</a:t>
+            </a:r>
+            <a:r>
+              <a:rPr kumimoji="1" lang="en-US" altLang="ja-JP" dirty="0">
+                <a:latin typeface="BIZ UDP明朝 Medium" panose="02020500000000000000" pitchFamily="18" charset="-128"/>
+                <a:ea typeface="BIZ UDP明朝 Medium" panose="02020500000000000000" pitchFamily="18" charset="-128"/>
+              </a:rPr>
+              <a:t>10</a:t>
+            </a:r>
+            <a:r>
+              <a:rPr kumimoji="1" lang="ja-JP" altLang="en-US" dirty="0">
+                <a:latin typeface="BIZ UDP明朝 Medium" panose="02020500000000000000" pitchFamily="18" charset="-128"/>
+                <a:ea typeface="BIZ UDP明朝 Medium" panose="02020500000000000000" pitchFamily="18" charset="-128"/>
+              </a:rPr>
+              <a:t>月頭～</a:t>
+            </a:r>
+            <a:r>
+              <a:rPr kumimoji="1" lang="en-US" altLang="ja-JP" dirty="0">
+                <a:latin typeface="BIZ UDP明朝 Medium" panose="02020500000000000000" pitchFamily="18" charset="-128"/>
+                <a:ea typeface="BIZ UDP明朝 Medium" panose="02020500000000000000" pitchFamily="18" charset="-128"/>
+              </a:rPr>
+              <a:t>12</a:t>
+            </a:r>
+            <a:r>
+              <a:rPr kumimoji="1" lang="ja-JP" altLang="en-US" dirty="0">
+                <a:latin typeface="BIZ UDP明朝 Medium" panose="02020500000000000000" pitchFamily="18" charset="-128"/>
+                <a:ea typeface="BIZ UDP明朝 Medium" panose="02020500000000000000" pitchFamily="18" charset="-128"/>
+              </a:rPr>
+              <a:t>月末</a:t>
+            </a:r>
+            <a:r>
+              <a:rPr kumimoji="1" lang="en-US" altLang="ja-JP" dirty="0">
+                <a:latin typeface="BIZ UDP明朝 Medium" panose="02020500000000000000" pitchFamily="18" charset="-128"/>
+                <a:ea typeface="BIZ UDP明朝 Medium" panose="02020500000000000000" pitchFamily="18" charset="-128"/>
+              </a:rPr>
+              <a:t>(</a:t>
+            </a:r>
+            <a:r>
+              <a:rPr kumimoji="1" lang="ja-JP" altLang="en-US" dirty="0">
+                <a:latin typeface="BIZ UDP明朝 Medium" panose="02020500000000000000" pitchFamily="18" charset="-128"/>
+                <a:ea typeface="BIZ UDP明朝 Medium" panose="02020500000000000000" pitchFamily="18" charset="-128"/>
+              </a:rPr>
+              <a:t>企業提出用</a:t>
+            </a:r>
+            <a:r>
+              <a:rPr kumimoji="1" lang="en-US" altLang="ja-JP" dirty="0">
+                <a:latin typeface="BIZ UDP明朝 Medium" panose="02020500000000000000" pitchFamily="18" charset="-128"/>
+                <a:ea typeface="BIZ UDP明朝 Medium" panose="02020500000000000000" pitchFamily="18" charset="-128"/>
+              </a:rPr>
+              <a:t>)</a:t>
+            </a:r>
+          </a:p>
+          <a:p>
+            <a:pPr>
+              <a:lnSpc>
+                <a:spcPts val="3000"/>
+              </a:lnSpc>
+            </a:pPr>
+            <a:r>
+              <a:rPr kumimoji="1" lang="en-US" altLang="ja-JP" dirty="0">
+                <a:latin typeface="BIZ UDP明朝 Medium" panose="02020500000000000000" pitchFamily="18" charset="-128"/>
+                <a:ea typeface="BIZ UDP明朝 Medium" panose="02020500000000000000" pitchFamily="18" charset="-128"/>
+              </a:rPr>
+              <a:t>						</a:t>
+            </a:r>
+            <a:r>
+              <a:rPr kumimoji="1" lang="ja-JP" altLang="en-US" dirty="0">
+                <a:latin typeface="BIZ UDP明朝 Medium" panose="02020500000000000000" pitchFamily="18" charset="-128"/>
+                <a:ea typeface="BIZ UDP明朝 Medium" panose="02020500000000000000" pitchFamily="18" charset="-128"/>
+              </a:rPr>
+              <a:t>　 </a:t>
+            </a:r>
+            <a:r>
+              <a:rPr kumimoji="1" lang="en-US" altLang="ja-JP" dirty="0">
+                <a:latin typeface="BIZ UDP明朝 Medium" panose="02020500000000000000" pitchFamily="18" charset="-128"/>
+                <a:ea typeface="BIZ UDP明朝 Medium" panose="02020500000000000000" pitchFamily="18" charset="-128"/>
+              </a:rPr>
+              <a:t> </a:t>
+            </a:r>
+            <a:r>
+              <a:rPr kumimoji="1" lang="ja-JP" altLang="en-US" dirty="0">
+                <a:latin typeface="BIZ UDP明朝 Medium" panose="02020500000000000000" pitchFamily="18" charset="-128"/>
+                <a:ea typeface="BIZ UDP明朝 Medium" panose="02020500000000000000" pitchFamily="18" charset="-128"/>
+              </a:rPr>
+              <a:t>～  </a:t>
+            </a:r>
+            <a:r>
+              <a:rPr kumimoji="1" lang="en-US" altLang="ja-JP" dirty="0">
+                <a:latin typeface="BIZ UDP明朝 Medium" panose="02020500000000000000" pitchFamily="18" charset="-128"/>
+                <a:ea typeface="BIZ UDP明朝 Medium" panose="02020500000000000000" pitchFamily="18" charset="-128"/>
+              </a:rPr>
+              <a:t>1</a:t>
+            </a:r>
+            <a:r>
+              <a:rPr kumimoji="1" lang="ja-JP" altLang="en-US" dirty="0">
+                <a:latin typeface="BIZ UDP明朝 Medium" panose="02020500000000000000" pitchFamily="18" charset="-128"/>
+                <a:ea typeface="BIZ UDP明朝 Medium" panose="02020500000000000000" pitchFamily="18" charset="-128"/>
+              </a:rPr>
+              <a:t>月末</a:t>
+            </a:r>
+            <a:r>
+              <a:rPr kumimoji="1" lang="en-US" altLang="ja-JP" dirty="0">
+                <a:latin typeface="BIZ UDP明朝 Medium" panose="02020500000000000000" pitchFamily="18" charset="-128"/>
+                <a:ea typeface="BIZ UDP明朝 Medium" panose="02020500000000000000" pitchFamily="18" charset="-128"/>
+              </a:rPr>
+              <a:t>(</a:t>
+            </a:r>
+            <a:r>
+              <a:rPr kumimoji="1" lang="ja-JP" altLang="en-US" dirty="0">
+                <a:latin typeface="BIZ UDP明朝 Medium" panose="02020500000000000000" pitchFamily="18" charset="-128"/>
+                <a:ea typeface="BIZ UDP明朝 Medium" panose="02020500000000000000" pitchFamily="18" charset="-128"/>
+              </a:rPr>
+              <a:t>作品展示会用</a:t>
+            </a:r>
+            <a:r>
+              <a:rPr kumimoji="1" lang="en-US" altLang="ja-JP" dirty="0">
+                <a:latin typeface="BIZ UDP明朝 Medium" panose="02020500000000000000" pitchFamily="18" charset="-128"/>
+                <a:ea typeface="BIZ UDP明朝 Medium" panose="02020500000000000000" pitchFamily="18" charset="-128"/>
+              </a:rPr>
+              <a:t>)</a:t>
+            </a:r>
+          </a:p>
+          <a:p>
+            <a:pPr>
+              <a:lnSpc>
+                <a:spcPts val="3000"/>
+              </a:lnSpc>
+            </a:pPr>
+            <a:r>
+              <a:rPr lang="ja-JP" altLang="en-US" sz="2000" dirty="0">
+                <a:latin typeface="BIZ UDP明朝 Medium" panose="02020500000000000000" pitchFamily="18" charset="-128"/>
+                <a:ea typeface="BIZ UDP明朝 Medium" panose="02020500000000000000" pitchFamily="18" charset="-128"/>
+              </a:rPr>
+              <a:t>目標</a:t>
+            </a:r>
+            <a:r>
+              <a:rPr lang="en-US" altLang="ja-JP" sz="2000" dirty="0">
+                <a:latin typeface="BIZ UDP明朝 Medium" panose="02020500000000000000" pitchFamily="18" charset="-128"/>
+                <a:ea typeface="BIZ UDP明朝 Medium" panose="02020500000000000000" pitchFamily="18" charset="-128"/>
+              </a:rPr>
+              <a:t>		</a:t>
+            </a:r>
+            <a:r>
+              <a:rPr lang="ja-JP" altLang="en-US" sz="2000" dirty="0">
+                <a:latin typeface="BIZ UDP明朝 Medium" panose="02020500000000000000" pitchFamily="18" charset="-128"/>
+                <a:ea typeface="BIZ UDP明朝 Medium" panose="02020500000000000000" pitchFamily="18" charset="-128"/>
+              </a:rPr>
+              <a:t>　</a:t>
+            </a:r>
+            <a:r>
+              <a:rPr lang="en-US" altLang="ja-JP" sz="2000" dirty="0">
+                <a:latin typeface="BIZ UDP明朝 Medium" panose="02020500000000000000" pitchFamily="18" charset="-128"/>
+                <a:ea typeface="BIZ UDP明朝 Medium" panose="02020500000000000000" pitchFamily="18" charset="-128"/>
+              </a:rPr>
+              <a:t>	</a:t>
+            </a:r>
+            <a:r>
+              <a:rPr lang="ja-JP" altLang="en-US" sz="2000" dirty="0">
+                <a:latin typeface="BIZ UDP明朝 Medium" panose="02020500000000000000" pitchFamily="18" charset="-128"/>
+                <a:ea typeface="BIZ UDP明朝 Medium" panose="02020500000000000000" pitchFamily="18" charset="-128"/>
+              </a:rPr>
+              <a:t>    </a:t>
+            </a:r>
+            <a:r>
+              <a:rPr lang="en-US" altLang="ja-JP" sz="2000" dirty="0">
+                <a:latin typeface="BIZ UDP明朝 Medium" panose="02020500000000000000" pitchFamily="18" charset="-128"/>
+                <a:ea typeface="BIZ UDP明朝 Medium" panose="02020500000000000000" pitchFamily="18" charset="-128"/>
+              </a:rPr>
+              <a:t>	</a:t>
+            </a:r>
+            <a:r>
+              <a:rPr lang="ja-JP" altLang="en-US" dirty="0">
+                <a:latin typeface="BIZ UDP明朝 Medium" panose="02020500000000000000" pitchFamily="18" charset="-128"/>
+                <a:ea typeface="BIZ UDP明朝 Medium" panose="02020500000000000000" pitchFamily="18" charset="-128"/>
+              </a:rPr>
+              <a:t>就職作品として提出できる作品を作る</a:t>
+            </a:r>
+            <a:endParaRPr lang="en-US" altLang="ja-JP" sz="2000" dirty="0">
+              <a:latin typeface="BIZ UDP明朝 Medium" panose="02020500000000000000" pitchFamily="18" charset="-128"/>
+              <a:ea typeface="BIZ UDP明朝 Medium" panose="02020500000000000000" pitchFamily="18" charset="-128"/>
+            </a:endParaRPr>
+          </a:p>
+          <a:p>
+            <a:pPr>
+              <a:lnSpc>
+                <a:spcPts val="3000"/>
+              </a:lnSpc>
+            </a:pPr>
+            <a:r>
+              <a:rPr kumimoji="1" lang="en-US" altLang="ja-JP" sz="2000" dirty="0">
+                <a:latin typeface="BIZ UDP明朝 Medium" panose="02020500000000000000" pitchFamily="18" charset="-128"/>
+                <a:ea typeface="BIZ UDP明朝 Medium" panose="02020500000000000000" pitchFamily="18" charset="-128"/>
+              </a:rPr>
+              <a:t>	</a:t>
+            </a:r>
+            <a:r>
+              <a:rPr kumimoji="1" lang="ja-JP" altLang="en-US" sz="2000" dirty="0">
+                <a:latin typeface="BIZ UDP明朝 Medium" panose="02020500000000000000" pitchFamily="18" charset="-128"/>
+                <a:ea typeface="BIZ UDP明朝 Medium" panose="02020500000000000000" pitchFamily="18" charset="-128"/>
+              </a:rPr>
+              <a:t>　</a:t>
+            </a:r>
+            <a:r>
+              <a:rPr kumimoji="1" lang="en-US" altLang="ja-JP" sz="2000" dirty="0">
+                <a:latin typeface="BIZ UDP明朝 Medium" panose="02020500000000000000" pitchFamily="18" charset="-128"/>
+                <a:ea typeface="BIZ UDP明朝 Medium" panose="02020500000000000000" pitchFamily="18" charset="-128"/>
+              </a:rPr>
+              <a:t>	</a:t>
+            </a:r>
+            <a:r>
+              <a:rPr kumimoji="1" lang="ja-JP" altLang="en-US" sz="2000" dirty="0">
+                <a:latin typeface="BIZ UDP明朝 Medium" panose="02020500000000000000" pitchFamily="18" charset="-128"/>
+                <a:ea typeface="BIZ UDP明朝 Medium" panose="02020500000000000000" pitchFamily="18" charset="-128"/>
+              </a:rPr>
+              <a:t>　</a:t>
+            </a:r>
+            <a:r>
+              <a:rPr kumimoji="1" lang="en-US" altLang="ja-JP" sz="2000" dirty="0">
+                <a:latin typeface="BIZ UDP明朝 Medium" panose="02020500000000000000" pitchFamily="18" charset="-128"/>
+                <a:ea typeface="BIZ UDP明朝 Medium" panose="02020500000000000000" pitchFamily="18" charset="-128"/>
+              </a:rPr>
+              <a:t>		</a:t>
+            </a:r>
+            <a:r>
+              <a:rPr kumimoji="1" lang="ja-JP" altLang="en-US" sz="2000" dirty="0">
+                <a:latin typeface="BIZ UDP明朝 Medium" panose="02020500000000000000" pitchFamily="18" charset="-128"/>
+                <a:ea typeface="BIZ UDP明朝 Medium" panose="02020500000000000000" pitchFamily="18" charset="-128"/>
+              </a:rPr>
+              <a:t>   </a:t>
+            </a:r>
+            <a:r>
+              <a:rPr kumimoji="1" lang="en-US" altLang="ja-JP" sz="2000" dirty="0">
+                <a:latin typeface="BIZ UDP明朝 Medium" panose="02020500000000000000" pitchFamily="18" charset="-128"/>
+                <a:ea typeface="BIZ UDP明朝 Medium" panose="02020500000000000000" pitchFamily="18" charset="-128"/>
+              </a:rPr>
+              <a:t>		</a:t>
+            </a:r>
+          </a:p>
+          <a:p>
+            <a:pPr>
+              <a:lnSpc>
+                <a:spcPts val="3000"/>
+              </a:lnSpc>
+            </a:pPr>
+            <a:r>
+              <a:rPr lang="ja-JP" altLang="en-US" sz="2000" dirty="0">
+                <a:latin typeface="BIZ UDP明朝 Medium" panose="02020500000000000000" pitchFamily="18" charset="-128"/>
+                <a:ea typeface="BIZ UDP明朝 Medium" panose="02020500000000000000" pitchFamily="18" charset="-128"/>
+              </a:rPr>
+              <a:t>参考ゲーム　</a:t>
+            </a:r>
+            <a:r>
+              <a:rPr lang="en-US" altLang="ja-JP" sz="2000" dirty="0">
+                <a:latin typeface="BIZ UDP明朝 Medium" panose="02020500000000000000" pitchFamily="18" charset="-128"/>
+                <a:ea typeface="BIZ UDP明朝 Medium" panose="02020500000000000000" pitchFamily="18" charset="-128"/>
+              </a:rPr>
+              <a:t>		</a:t>
+            </a:r>
+            <a:r>
+              <a:rPr lang="en-US" altLang="ja-JP" dirty="0">
+                <a:latin typeface="BIZ UDP明朝 Medium" panose="02020500000000000000" pitchFamily="18" charset="-128"/>
+                <a:ea typeface="BIZ UDP明朝 Medium" panose="02020500000000000000" pitchFamily="18" charset="-128"/>
+              </a:rPr>
+              <a:t>3DS </a:t>
+            </a:r>
+            <a:r>
+              <a:rPr lang="ja-JP" altLang="en-US" dirty="0">
+                <a:latin typeface="BIZ UDP明朝 Medium" panose="02020500000000000000" pitchFamily="18" charset="-128"/>
+                <a:ea typeface="BIZ UDP明朝 Medium" panose="02020500000000000000" pitchFamily="18" charset="-128"/>
+              </a:rPr>
+              <a:t>暗殺教室 アサシン育成計画</a:t>
+            </a:r>
+            <a:r>
+              <a:rPr lang="en-US" altLang="ja-JP" dirty="0">
+                <a:latin typeface="BIZ UDP明朝 Medium" panose="02020500000000000000" pitchFamily="18" charset="-128"/>
+                <a:ea typeface="BIZ UDP明朝 Medium" panose="02020500000000000000" pitchFamily="18" charset="-128"/>
+              </a:rPr>
+              <a:t>!!</a:t>
+            </a:r>
+            <a:endParaRPr kumimoji="1" lang="en-US" altLang="ja-JP" sz="2000" dirty="0">
+              <a:latin typeface="BIZ UDP明朝 Medium" panose="02020500000000000000" pitchFamily="18" charset="-128"/>
+              <a:ea typeface="BIZ UDP明朝 Medium" panose="02020500000000000000" pitchFamily="18" charset="-128"/>
+            </a:endParaRPr>
           </a:p>
         </p:txBody>
       </p:sp>
@@ -4254,10 +4737,51 @@
       </p:grpSpPr>
       <p:sp>
         <p:nvSpPr>
-          <p:cNvPr id="5" name="テキスト ボックス 4">
+          <p:cNvPr id="3" name="コンテンツ プレースホルダー 2">
             <a:extLst>
               <a:ext uri="{FF2B5EF4-FFF2-40B4-BE49-F238E27FC236}">
-                <a16:creationId xmlns:a16="http://schemas.microsoft.com/office/drawing/2014/main" id="{3909B119-3E8A-4B34-A1BB-AED1B80A6CE3}"/>
+                <a16:creationId xmlns:a16="http://schemas.microsoft.com/office/drawing/2014/main" id="{107B4D41-A8B3-48DC-8EE1-863E4D8AAED0}"/>
+              </a:ext>
+            </a:extLst>
+          </p:cNvPr>
+          <p:cNvSpPr>
+            <a:spLocks noGrp="1"/>
+          </p:cNvSpPr>
+          <p:nvPr>
+            <p:ph idx="1"/>
+          </p:nvPr>
+        </p:nvSpPr>
+        <p:spPr>
+          <a:xfrm>
+            <a:off x="2936630" y="525757"/>
+            <a:ext cx="4674903" cy="303113"/>
+          </a:xfrm>
+        </p:spPr>
+        <p:txBody>
+          <a:bodyPr>
+            <a:normAutofit/>
+          </a:bodyPr>
+          <a:lstStyle/>
+          <a:p>
+            <a:pPr marL="0" indent="0">
+              <a:buNone/>
+            </a:pPr>
+            <a:r>
+              <a:rPr kumimoji="1" lang="en-US" altLang="ja-JP" sz="1200" dirty="0">
+                <a:hlinkClick r:id="rId2"/>
+              </a:rPr>
+              <a:t>https://youtu.be/XzmV1WVtqGU?si=SVTgtqkkpFAillag&amp;t=19</a:t>
+            </a:r>
+            <a:endParaRPr kumimoji="1" lang="ja-JP" altLang="en-US" sz="1200" dirty="0"/>
+          </a:p>
+        </p:txBody>
+      </p:sp>
+      <p:sp>
+        <p:nvSpPr>
+          <p:cNvPr id="4" name="テキスト ボックス 3">
+            <a:extLst>
+              <a:ext uri="{FF2B5EF4-FFF2-40B4-BE49-F238E27FC236}">
+                <a16:creationId xmlns:a16="http://schemas.microsoft.com/office/drawing/2014/main" id="{0570D53B-6C4C-4475-9233-7A8E5407B803}"/>
               </a:ext>
             </a:extLst>
           </p:cNvPr>
@@ -4265,9 +4789,9 @@
           <p:nvPr/>
         </p:nvSpPr>
         <p:spPr>
-          <a:xfrm>
-            <a:off x="921196" y="1126797"/>
-            <a:ext cx="9570673" cy="4832092"/>
+          <a:xfrm flipH="1">
+            <a:off x="1770183" y="4374717"/>
+            <a:ext cx="6887309" cy="1846659"/>
           </a:xfrm>
           <a:prstGeom prst="rect">
             <a:avLst/>
@@ -4281,457 +4805,132 @@
           <a:lstStyle/>
           <a:p>
             <a:r>
-              <a:rPr kumimoji="1" lang="ja-JP" altLang="en-US" sz="2800" dirty="0">
-                <a:latin typeface="BIZ UDP明朝 Medium" panose="02020500000000000000" pitchFamily="18" charset="-128"/>
-                <a:ea typeface="BIZ UDP明朝 Medium" panose="02020500000000000000" pitchFamily="18" charset="-128"/>
-              </a:rPr>
-              <a:t>ジャンル</a:t>
-            </a:r>
-            <a:r>
-              <a:rPr kumimoji="1" lang="en-US" altLang="ja-JP" sz="2800" dirty="0">
-                <a:latin typeface="BIZ UDP明朝 Medium" panose="02020500000000000000" pitchFamily="18" charset="-128"/>
-                <a:ea typeface="BIZ UDP明朝 Medium" panose="02020500000000000000" pitchFamily="18" charset="-128"/>
+              <a:rPr kumimoji="1" lang="ja-JP" altLang="en-US" dirty="0">
+                <a:latin typeface="BIZ UD明朝 Medium" panose="02020500000000000000" pitchFamily="17" charset="-128"/>
+                <a:ea typeface="BIZ UD明朝 Medium" panose="02020500000000000000" pitchFamily="17" charset="-128"/>
+              </a:rPr>
+              <a:t>・</a:t>
+            </a:r>
+            <a:r>
+              <a:rPr kumimoji="1" lang="ja-JP" altLang="en-US" sz="2000" dirty="0">
+                <a:latin typeface="BIZ UD明朝 Medium" panose="02020500000000000000" pitchFamily="17" charset="-128"/>
+                <a:ea typeface="BIZ UD明朝 Medium" panose="02020500000000000000" pitchFamily="17" charset="-128"/>
+              </a:rPr>
+              <a:t>通常攻撃</a:t>
+            </a:r>
+            <a:endParaRPr kumimoji="1" lang="en-US" altLang="ja-JP" dirty="0">
+              <a:latin typeface="BIZ UD明朝 Medium" panose="02020500000000000000" pitchFamily="17" charset="-128"/>
+              <a:ea typeface="BIZ UD明朝 Medium" panose="02020500000000000000" pitchFamily="17" charset="-128"/>
+            </a:endParaRPr>
+          </a:p>
+          <a:p>
+            <a:r>
+              <a:rPr lang="en-US" altLang="ja-JP" dirty="0">
+                <a:latin typeface="BIZ UD明朝 Medium" panose="02020500000000000000" pitchFamily="17" charset="-128"/>
+                <a:ea typeface="BIZ UD明朝 Medium" panose="02020500000000000000" pitchFamily="17" charset="-128"/>
               </a:rPr>
               <a:t>	</a:t>
             </a:r>
             <a:r>
-              <a:rPr kumimoji="1" lang="ja-JP" altLang="en-US" sz="2800" dirty="0">
-                <a:latin typeface="BIZ UDP明朝 Medium" panose="02020500000000000000" pitchFamily="18" charset="-128"/>
-                <a:ea typeface="BIZ UDP明朝 Medium" panose="02020500000000000000" pitchFamily="18" charset="-128"/>
-              </a:rPr>
-              <a:t>　</a:t>
-            </a:r>
-            <a:r>
-              <a:rPr kumimoji="1" lang="en-US" altLang="ja-JP" sz="2800" dirty="0">
-                <a:latin typeface="BIZ UDP明朝 Medium" panose="02020500000000000000" pitchFamily="18" charset="-128"/>
-                <a:ea typeface="BIZ UDP明朝 Medium" panose="02020500000000000000" pitchFamily="18" charset="-128"/>
-              </a:rPr>
-              <a:t>			</a:t>
-            </a:r>
-            <a:r>
-              <a:rPr kumimoji="1" lang="ja-JP" altLang="en-US" sz="2800" dirty="0">
-                <a:latin typeface="BIZ UDP明朝 Medium" panose="02020500000000000000" pitchFamily="18" charset="-128"/>
-                <a:ea typeface="BIZ UDP明朝 Medium" panose="02020500000000000000" pitchFamily="18" charset="-128"/>
-              </a:rPr>
-              <a:t>アクションシューティング（</a:t>
-            </a:r>
-            <a:r>
-              <a:rPr kumimoji="1" lang="en-US" altLang="ja-JP" sz="2800" dirty="0">
-                <a:latin typeface="BIZ UDP明朝 Medium" panose="02020500000000000000" pitchFamily="18" charset="-128"/>
-                <a:ea typeface="BIZ UDP明朝 Medium" panose="02020500000000000000" pitchFamily="18" charset="-128"/>
-              </a:rPr>
-              <a:t>TPS</a:t>
-            </a:r>
-            <a:r>
-              <a:rPr kumimoji="1" lang="ja-JP" altLang="en-US" sz="2800" dirty="0">
-                <a:latin typeface="BIZ UDP明朝 Medium" panose="02020500000000000000" pitchFamily="18" charset="-128"/>
-                <a:ea typeface="BIZ UDP明朝 Medium" panose="02020500000000000000" pitchFamily="18" charset="-128"/>
-              </a:rPr>
-              <a:t>）</a:t>
-            </a:r>
-            <a:endParaRPr kumimoji="1" lang="en-US" altLang="ja-JP" sz="2800" dirty="0">
-              <a:latin typeface="BIZ UDP明朝 Medium" panose="02020500000000000000" pitchFamily="18" charset="-128"/>
-              <a:ea typeface="BIZ UDP明朝 Medium" panose="02020500000000000000" pitchFamily="18" charset="-128"/>
+              <a:rPr lang="ja-JP" altLang="en-US" dirty="0">
+                <a:latin typeface="BIZ UD明朝 Medium" panose="02020500000000000000" pitchFamily="17" charset="-128"/>
+                <a:ea typeface="BIZ UD明朝 Medium" panose="02020500000000000000" pitchFamily="17" charset="-128"/>
+              </a:rPr>
+              <a:t>ナイフでの近距離攻撃と数種類の遠距離攻撃で攻撃をする</a:t>
+            </a:r>
+            <a:endParaRPr lang="en-US" altLang="ja-JP" dirty="0">
+              <a:latin typeface="BIZ UD明朝 Medium" panose="02020500000000000000" pitchFamily="17" charset="-128"/>
+              <a:ea typeface="BIZ UD明朝 Medium" panose="02020500000000000000" pitchFamily="17" charset="-128"/>
             </a:endParaRPr>
           </a:p>
           <a:p>
             <a:r>
-              <a:rPr lang="ja-JP" altLang="en-US" sz="2800" dirty="0">
-                <a:latin typeface="BIZ UDP明朝 Medium" panose="02020500000000000000" pitchFamily="18" charset="-128"/>
-                <a:ea typeface="BIZ UDP明朝 Medium" panose="02020500000000000000" pitchFamily="18" charset="-128"/>
-              </a:rPr>
-              <a:t>ターゲット　</a:t>
-            </a:r>
-            <a:r>
-              <a:rPr lang="en-US" altLang="ja-JP" sz="2800" dirty="0">
-                <a:latin typeface="BIZ UDP明朝 Medium" panose="02020500000000000000" pitchFamily="18" charset="-128"/>
-                <a:ea typeface="BIZ UDP明朝 Medium" panose="02020500000000000000" pitchFamily="18" charset="-128"/>
-              </a:rPr>
-              <a:t>			</a:t>
-            </a:r>
-          </a:p>
-          <a:p>
-            <a:r>
-              <a:rPr lang="ja-JP" altLang="en-US" sz="2800" dirty="0">
-                <a:latin typeface="BIZ UDP明朝 Medium" panose="02020500000000000000" pitchFamily="18" charset="-128"/>
-                <a:ea typeface="BIZ UDP明朝 Medium" panose="02020500000000000000" pitchFamily="18" charset="-128"/>
-              </a:rPr>
-              <a:t>プラットフォーム </a:t>
-            </a:r>
-            <a:r>
-              <a:rPr lang="en-US" altLang="ja-JP" sz="2800" dirty="0">
-                <a:latin typeface="BIZ UDP明朝 Medium" panose="02020500000000000000" pitchFamily="18" charset="-128"/>
-                <a:ea typeface="BIZ UDP明朝 Medium" panose="02020500000000000000" pitchFamily="18" charset="-128"/>
-              </a:rPr>
-              <a:t>	PC</a:t>
-            </a:r>
-          </a:p>
-          <a:p>
-            <a:r>
-              <a:rPr lang="ja-JP" altLang="en-US" sz="2800" dirty="0">
-                <a:latin typeface="BIZ UDP明朝 Medium" panose="02020500000000000000" pitchFamily="18" charset="-128"/>
-                <a:ea typeface="BIZ UDP明朝 Medium" panose="02020500000000000000" pitchFamily="18" charset="-128"/>
-              </a:rPr>
-              <a:t>使用ツール　 </a:t>
-            </a:r>
-            <a:r>
-              <a:rPr lang="en-US" altLang="ja-JP" sz="2800" dirty="0">
-                <a:latin typeface="BIZ UDP明朝 Medium" panose="02020500000000000000" pitchFamily="18" charset="-128"/>
-                <a:ea typeface="BIZ UDP明朝 Medium" panose="02020500000000000000" pitchFamily="18" charset="-128"/>
-              </a:rPr>
-              <a:t>		</a:t>
-            </a:r>
-            <a:r>
-              <a:rPr lang="en-US" altLang="ja-JP" sz="2800" dirty="0" err="1">
-                <a:latin typeface="BIZ UDP明朝 Medium" panose="02020500000000000000" pitchFamily="18" charset="-128"/>
-                <a:ea typeface="BIZ UDP明朝 Medium" panose="02020500000000000000" pitchFamily="18" charset="-128"/>
-              </a:rPr>
-              <a:t>DxLib</a:t>
-            </a:r>
-            <a:r>
-              <a:rPr lang="en-US" altLang="ja-JP" sz="2800" dirty="0">
-                <a:latin typeface="BIZ UDP明朝 Medium" panose="02020500000000000000" pitchFamily="18" charset="-128"/>
-                <a:ea typeface="BIZ UDP明朝 Medium" panose="02020500000000000000" pitchFamily="18" charset="-128"/>
-              </a:rPr>
-              <a:t>/C++</a:t>
-            </a:r>
-          </a:p>
-          <a:p>
-            <a:r>
-              <a:rPr kumimoji="1" lang="ja-JP" altLang="en-US" sz="2800" dirty="0">
-                <a:latin typeface="BIZ UDP明朝 Medium" panose="02020500000000000000" pitchFamily="18" charset="-128"/>
-                <a:ea typeface="BIZ UDP明朝 Medium" panose="02020500000000000000" pitchFamily="18" charset="-128"/>
-              </a:rPr>
-              <a:t>制作期間</a:t>
-            </a:r>
-            <a:r>
-              <a:rPr kumimoji="1" lang="en-US" altLang="ja-JP" sz="2800" dirty="0">
-                <a:latin typeface="BIZ UDP明朝 Medium" panose="02020500000000000000" pitchFamily="18" charset="-128"/>
-                <a:ea typeface="BIZ UDP明朝 Medium" panose="02020500000000000000" pitchFamily="18" charset="-128"/>
+              <a:rPr kumimoji="1" lang="ja-JP" altLang="en-US" dirty="0">
+                <a:latin typeface="BIZ UD明朝 Medium" panose="02020500000000000000" pitchFamily="17" charset="-128"/>
+                <a:ea typeface="BIZ UD明朝 Medium" panose="02020500000000000000" pitchFamily="17" charset="-128"/>
+              </a:rPr>
+              <a:t>・</a:t>
+            </a:r>
+            <a:r>
+              <a:rPr kumimoji="1" lang="ja-JP" altLang="en-US" sz="2000" dirty="0">
+                <a:latin typeface="BIZ UD明朝 Medium" panose="02020500000000000000" pitchFamily="17" charset="-128"/>
+                <a:ea typeface="BIZ UD明朝 Medium" panose="02020500000000000000" pitchFamily="17" charset="-128"/>
+              </a:rPr>
+              <a:t>罠攻撃</a:t>
+            </a:r>
+            <a:endParaRPr kumimoji="1" lang="en-US" altLang="ja-JP" dirty="0">
+              <a:latin typeface="BIZ UD明朝 Medium" panose="02020500000000000000" pitchFamily="17" charset="-128"/>
+              <a:ea typeface="BIZ UD明朝 Medium" panose="02020500000000000000" pitchFamily="17" charset="-128"/>
+            </a:endParaRPr>
+          </a:p>
+          <a:p>
+            <a:r>
+              <a:rPr lang="en-US" altLang="ja-JP" dirty="0">
+                <a:latin typeface="BIZ UD明朝 Medium" panose="02020500000000000000" pitchFamily="17" charset="-128"/>
+                <a:ea typeface="BIZ UD明朝 Medium" panose="02020500000000000000" pitchFamily="17" charset="-128"/>
               </a:rPr>
               <a:t>	</a:t>
             </a:r>
             <a:r>
-              <a:rPr kumimoji="1" lang="ja-JP" altLang="en-US" sz="2800" dirty="0">
-                <a:latin typeface="BIZ UDP明朝 Medium" panose="02020500000000000000" pitchFamily="18" charset="-128"/>
-                <a:ea typeface="BIZ UDP明朝 Medium" panose="02020500000000000000" pitchFamily="18" charset="-128"/>
-              </a:rPr>
-              <a:t>　</a:t>
-            </a:r>
-            <a:r>
-              <a:rPr kumimoji="1" lang="en-US" altLang="ja-JP" sz="2800" dirty="0">
-                <a:latin typeface="BIZ UDP明朝 Medium" panose="02020500000000000000" pitchFamily="18" charset="-128"/>
-                <a:ea typeface="BIZ UDP明朝 Medium" panose="02020500000000000000" pitchFamily="18" charset="-128"/>
-              </a:rPr>
-              <a:t>		10</a:t>
-            </a:r>
-            <a:r>
-              <a:rPr kumimoji="1" lang="ja-JP" altLang="en-US" sz="2800" dirty="0">
-                <a:latin typeface="BIZ UDP明朝 Medium" panose="02020500000000000000" pitchFamily="18" charset="-128"/>
-                <a:ea typeface="BIZ UDP明朝 Medium" panose="02020500000000000000" pitchFamily="18" charset="-128"/>
-              </a:rPr>
-              <a:t>月頭～</a:t>
-            </a:r>
-            <a:r>
-              <a:rPr kumimoji="1" lang="en-US" altLang="ja-JP" sz="2800" dirty="0">
-                <a:latin typeface="BIZ UDP明朝 Medium" panose="02020500000000000000" pitchFamily="18" charset="-128"/>
-                <a:ea typeface="BIZ UDP明朝 Medium" panose="02020500000000000000" pitchFamily="18" charset="-128"/>
-              </a:rPr>
-              <a:t>12</a:t>
-            </a:r>
-            <a:r>
-              <a:rPr kumimoji="1" lang="ja-JP" altLang="en-US" sz="2800" dirty="0">
-                <a:latin typeface="BIZ UDP明朝 Medium" panose="02020500000000000000" pitchFamily="18" charset="-128"/>
-                <a:ea typeface="BIZ UDP明朝 Medium" panose="02020500000000000000" pitchFamily="18" charset="-128"/>
-              </a:rPr>
-              <a:t>月末</a:t>
-            </a:r>
-            <a:r>
-              <a:rPr kumimoji="1" lang="en-US" altLang="ja-JP" sz="2800" dirty="0">
-                <a:latin typeface="BIZ UDP明朝 Medium" panose="02020500000000000000" pitchFamily="18" charset="-128"/>
-                <a:ea typeface="BIZ UDP明朝 Medium" panose="02020500000000000000" pitchFamily="18" charset="-128"/>
-              </a:rPr>
-              <a:t>(</a:t>
-            </a:r>
-            <a:r>
-              <a:rPr kumimoji="1" lang="ja-JP" altLang="en-US" sz="2800" dirty="0">
-                <a:latin typeface="BIZ UDP明朝 Medium" panose="02020500000000000000" pitchFamily="18" charset="-128"/>
-                <a:ea typeface="BIZ UDP明朝 Medium" panose="02020500000000000000" pitchFamily="18" charset="-128"/>
-              </a:rPr>
-              <a:t>企業提出用</a:t>
-            </a:r>
-            <a:r>
-              <a:rPr kumimoji="1" lang="en-US" altLang="ja-JP" sz="2800" dirty="0">
-                <a:latin typeface="BIZ UDP明朝 Medium" panose="02020500000000000000" pitchFamily="18" charset="-128"/>
-                <a:ea typeface="BIZ UDP明朝 Medium" panose="02020500000000000000" pitchFamily="18" charset="-128"/>
-              </a:rPr>
-              <a:t>)</a:t>
-            </a:r>
-          </a:p>
-          <a:p>
-            <a:r>
-              <a:rPr kumimoji="1" lang="en-US" altLang="ja-JP" sz="2800" dirty="0">
-                <a:latin typeface="BIZ UDP明朝 Medium" panose="02020500000000000000" pitchFamily="18" charset="-128"/>
-                <a:ea typeface="BIZ UDP明朝 Medium" panose="02020500000000000000" pitchFamily="18" charset="-128"/>
-              </a:rPr>
-              <a:t>								  </a:t>
-            </a:r>
-            <a:r>
-              <a:rPr kumimoji="1" lang="ja-JP" altLang="en-US" sz="2800" dirty="0">
-                <a:latin typeface="BIZ UDP明朝 Medium" panose="02020500000000000000" pitchFamily="18" charset="-128"/>
-                <a:ea typeface="BIZ UDP明朝 Medium" panose="02020500000000000000" pitchFamily="18" charset="-128"/>
-              </a:rPr>
-              <a:t>～  </a:t>
-            </a:r>
-            <a:r>
-              <a:rPr kumimoji="1" lang="en-US" altLang="ja-JP" sz="2800" dirty="0">
-                <a:latin typeface="BIZ UDP明朝 Medium" panose="02020500000000000000" pitchFamily="18" charset="-128"/>
-                <a:ea typeface="BIZ UDP明朝 Medium" panose="02020500000000000000" pitchFamily="18" charset="-128"/>
-              </a:rPr>
-              <a:t>1</a:t>
-            </a:r>
-            <a:r>
-              <a:rPr kumimoji="1" lang="ja-JP" altLang="en-US" sz="2800" dirty="0">
-                <a:latin typeface="BIZ UDP明朝 Medium" panose="02020500000000000000" pitchFamily="18" charset="-128"/>
-                <a:ea typeface="BIZ UDP明朝 Medium" panose="02020500000000000000" pitchFamily="18" charset="-128"/>
-              </a:rPr>
-              <a:t>月末</a:t>
-            </a:r>
-            <a:r>
-              <a:rPr kumimoji="1" lang="en-US" altLang="ja-JP" sz="2800" dirty="0">
-                <a:latin typeface="BIZ UDP明朝 Medium" panose="02020500000000000000" pitchFamily="18" charset="-128"/>
-                <a:ea typeface="BIZ UDP明朝 Medium" panose="02020500000000000000" pitchFamily="18" charset="-128"/>
-              </a:rPr>
-              <a:t>(</a:t>
-            </a:r>
-            <a:r>
-              <a:rPr kumimoji="1" lang="ja-JP" altLang="en-US" sz="2800" dirty="0">
-                <a:latin typeface="BIZ UDP明朝 Medium" panose="02020500000000000000" pitchFamily="18" charset="-128"/>
-                <a:ea typeface="BIZ UDP明朝 Medium" panose="02020500000000000000" pitchFamily="18" charset="-128"/>
-              </a:rPr>
-              <a:t>作品展示会用</a:t>
-            </a:r>
-            <a:r>
-              <a:rPr kumimoji="1" lang="en-US" altLang="ja-JP" sz="2800" dirty="0">
-                <a:latin typeface="BIZ UDP明朝 Medium" panose="02020500000000000000" pitchFamily="18" charset="-128"/>
-                <a:ea typeface="BIZ UDP明朝 Medium" panose="02020500000000000000" pitchFamily="18" charset="-128"/>
-              </a:rPr>
-              <a:t>)</a:t>
-            </a:r>
-          </a:p>
-          <a:p>
-            <a:r>
-              <a:rPr lang="ja-JP" altLang="en-US" sz="2800" dirty="0">
-                <a:latin typeface="BIZ UDP明朝 Medium" panose="02020500000000000000" pitchFamily="18" charset="-128"/>
-                <a:ea typeface="BIZ UDP明朝 Medium" panose="02020500000000000000" pitchFamily="18" charset="-128"/>
-              </a:rPr>
-              <a:t>目標</a:t>
-            </a:r>
-            <a:r>
-              <a:rPr lang="en-US" altLang="ja-JP" sz="2800" dirty="0">
-                <a:latin typeface="BIZ UDP明朝 Medium" panose="02020500000000000000" pitchFamily="18" charset="-128"/>
-                <a:ea typeface="BIZ UDP明朝 Medium" panose="02020500000000000000" pitchFamily="18" charset="-128"/>
-              </a:rPr>
-              <a:t>		</a:t>
-            </a:r>
-            <a:r>
-              <a:rPr lang="ja-JP" altLang="en-US" sz="2800" dirty="0">
-                <a:latin typeface="BIZ UDP明朝 Medium" panose="02020500000000000000" pitchFamily="18" charset="-128"/>
-                <a:ea typeface="BIZ UDP明朝 Medium" panose="02020500000000000000" pitchFamily="18" charset="-128"/>
-              </a:rPr>
-              <a:t>　</a:t>
-            </a:r>
-            <a:r>
-              <a:rPr lang="en-US" altLang="ja-JP" sz="2800" dirty="0">
-                <a:latin typeface="BIZ UDP明朝 Medium" panose="02020500000000000000" pitchFamily="18" charset="-128"/>
-                <a:ea typeface="BIZ UDP明朝 Medium" panose="02020500000000000000" pitchFamily="18" charset="-128"/>
+              <a:rPr lang="ja-JP" altLang="en-US" dirty="0">
+                <a:latin typeface="BIZ UD明朝 Medium" panose="02020500000000000000" pitchFamily="17" charset="-128"/>
+                <a:ea typeface="BIZ UD明朝 Medium" panose="02020500000000000000" pitchFamily="17" charset="-128"/>
+              </a:rPr>
+              <a:t>拾ったアイテムを使用して罠を仕掛ける</a:t>
+            </a:r>
+            <a:endParaRPr lang="en-US" altLang="ja-JP" dirty="0">
+              <a:latin typeface="BIZ UD明朝 Medium" panose="02020500000000000000" pitchFamily="17" charset="-128"/>
+              <a:ea typeface="BIZ UD明朝 Medium" panose="02020500000000000000" pitchFamily="17" charset="-128"/>
+            </a:endParaRPr>
+          </a:p>
+          <a:p>
+            <a:r>
+              <a:rPr kumimoji="1" lang="ja-JP" altLang="en-US" dirty="0">
+                <a:latin typeface="BIZ UD明朝 Medium" panose="02020500000000000000" pitchFamily="17" charset="-128"/>
+                <a:ea typeface="BIZ UD明朝 Medium" panose="02020500000000000000" pitchFamily="17" charset="-128"/>
+              </a:rPr>
+              <a:t>・</a:t>
+            </a:r>
+            <a:r>
+              <a:rPr kumimoji="1" lang="ja-JP" altLang="en-US" sz="2000" dirty="0">
+                <a:latin typeface="BIZ UD明朝 Medium" panose="02020500000000000000" pitchFamily="17" charset="-128"/>
+                <a:ea typeface="BIZ UD明朝 Medium" panose="02020500000000000000" pitchFamily="17" charset="-128"/>
+              </a:rPr>
+              <a:t>集中砲火</a:t>
+            </a:r>
+            <a:endParaRPr kumimoji="1" lang="en-US" altLang="ja-JP" dirty="0">
+              <a:latin typeface="BIZ UD明朝 Medium" panose="02020500000000000000" pitchFamily="17" charset="-128"/>
+              <a:ea typeface="BIZ UD明朝 Medium" panose="02020500000000000000" pitchFamily="17" charset="-128"/>
+            </a:endParaRPr>
+          </a:p>
+          <a:p>
+            <a:r>
+              <a:rPr lang="en-US" altLang="ja-JP" dirty="0">
+                <a:latin typeface="BIZ UD明朝 Medium" panose="02020500000000000000" pitchFamily="17" charset="-128"/>
+                <a:ea typeface="BIZ UD明朝 Medium" panose="02020500000000000000" pitchFamily="17" charset="-128"/>
               </a:rPr>
               <a:t>	</a:t>
             </a:r>
             <a:r>
-              <a:rPr lang="ja-JP" altLang="en-US" sz="2800" dirty="0">
-                <a:latin typeface="BIZ UDP明朝 Medium" panose="02020500000000000000" pitchFamily="18" charset="-128"/>
-                <a:ea typeface="BIZ UDP明朝 Medium" panose="02020500000000000000" pitchFamily="18" charset="-128"/>
-              </a:rPr>
-              <a:t>    </a:t>
-            </a:r>
-            <a:r>
-              <a:rPr lang="en-US" altLang="ja-JP" sz="2800" dirty="0">
-                <a:latin typeface="BIZ UDP明朝 Medium" panose="02020500000000000000" pitchFamily="18" charset="-128"/>
-                <a:ea typeface="BIZ UDP明朝 Medium" panose="02020500000000000000" pitchFamily="18" charset="-128"/>
-              </a:rPr>
-              <a:t>	</a:t>
-            </a:r>
-            <a:r>
-              <a:rPr lang="ja-JP" altLang="en-US" sz="2800" dirty="0">
-                <a:latin typeface="BIZ UDP明朝 Medium" panose="02020500000000000000" pitchFamily="18" charset="-128"/>
-                <a:ea typeface="BIZ UDP明朝 Medium" panose="02020500000000000000" pitchFamily="18" charset="-128"/>
-              </a:rPr>
-              <a:t>就職作品として提出できる作品を作る</a:t>
-            </a:r>
-            <a:endParaRPr lang="en-US" altLang="ja-JP" sz="2800" dirty="0">
-              <a:latin typeface="BIZ UDP明朝 Medium" panose="02020500000000000000" pitchFamily="18" charset="-128"/>
-              <a:ea typeface="BIZ UDP明朝 Medium" panose="02020500000000000000" pitchFamily="18" charset="-128"/>
+              <a:rPr lang="ja-JP" altLang="en-US" dirty="0">
+                <a:latin typeface="BIZ UD明朝 Medium" panose="02020500000000000000" pitchFamily="17" charset="-128"/>
+                <a:ea typeface="BIZ UD明朝 Medium" panose="02020500000000000000" pitchFamily="17" charset="-128"/>
+              </a:rPr>
+              <a:t>罠にかかった状態でロックオンすると集中砲火で攻撃をする</a:t>
+            </a:r>
+            <a:endParaRPr kumimoji="1" lang="ja-JP" altLang="en-US" dirty="0">
+              <a:latin typeface="BIZ UD明朝 Medium" panose="02020500000000000000" pitchFamily="17" charset="-128"/>
+              <a:ea typeface="BIZ UD明朝 Medium" panose="02020500000000000000" pitchFamily="17" charset="-128"/>
             </a:endParaRPr>
           </a:p>
-          <a:p>
-            <a:r>
-              <a:rPr kumimoji="1" lang="en-US" altLang="ja-JP" sz="2800" dirty="0">
-                <a:latin typeface="BIZ UDP明朝 Medium" panose="02020500000000000000" pitchFamily="18" charset="-128"/>
-                <a:ea typeface="BIZ UDP明朝 Medium" panose="02020500000000000000" pitchFamily="18" charset="-128"/>
-              </a:rPr>
-              <a:t>	</a:t>
-            </a:r>
-            <a:r>
-              <a:rPr kumimoji="1" lang="ja-JP" altLang="en-US" sz="2800" dirty="0">
-                <a:latin typeface="BIZ UDP明朝 Medium" panose="02020500000000000000" pitchFamily="18" charset="-128"/>
-                <a:ea typeface="BIZ UDP明朝 Medium" panose="02020500000000000000" pitchFamily="18" charset="-128"/>
-              </a:rPr>
-              <a:t>　</a:t>
-            </a:r>
-            <a:r>
-              <a:rPr kumimoji="1" lang="en-US" altLang="ja-JP" sz="2800" dirty="0">
-                <a:latin typeface="BIZ UDP明朝 Medium" panose="02020500000000000000" pitchFamily="18" charset="-128"/>
-                <a:ea typeface="BIZ UDP明朝 Medium" panose="02020500000000000000" pitchFamily="18" charset="-128"/>
-              </a:rPr>
-              <a:t>	</a:t>
-            </a:r>
-            <a:r>
-              <a:rPr kumimoji="1" lang="ja-JP" altLang="en-US" sz="2800" dirty="0">
-                <a:latin typeface="BIZ UDP明朝 Medium" panose="02020500000000000000" pitchFamily="18" charset="-128"/>
-                <a:ea typeface="BIZ UDP明朝 Medium" panose="02020500000000000000" pitchFamily="18" charset="-128"/>
-              </a:rPr>
-              <a:t>　</a:t>
-            </a:r>
-            <a:r>
-              <a:rPr kumimoji="1" lang="en-US" altLang="ja-JP" sz="2800" dirty="0">
-                <a:latin typeface="BIZ UDP明朝 Medium" panose="02020500000000000000" pitchFamily="18" charset="-128"/>
-                <a:ea typeface="BIZ UDP明朝 Medium" panose="02020500000000000000" pitchFamily="18" charset="-128"/>
-              </a:rPr>
-              <a:t>		</a:t>
-            </a:r>
-            <a:r>
-              <a:rPr kumimoji="1" lang="ja-JP" altLang="en-US" sz="2800" dirty="0">
-                <a:latin typeface="BIZ UDP明朝 Medium" panose="02020500000000000000" pitchFamily="18" charset="-128"/>
-                <a:ea typeface="BIZ UDP明朝 Medium" panose="02020500000000000000" pitchFamily="18" charset="-128"/>
-              </a:rPr>
-              <a:t>   </a:t>
-            </a:r>
-            <a:r>
-              <a:rPr kumimoji="1" lang="en-US" altLang="ja-JP" sz="2800" dirty="0">
-                <a:latin typeface="BIZ UDP明朝 Medium" panose="02020500000000000000" pitchFamily="18" charset="-128"/>
-                <a:ea typeface="BIZ UDP明朝 Medium" panose="02020500000000000000" pitchFamily="18" charset="-128"/>
-              </a:rPr>
-              <a:t>		</a:t>
-            </a:r>
-            <a:r>
-              <a:rPr kumimoji="1" lang="ja-JP" altLang="en-US" sz="2800" dirty="0">
-                <a:latin typeface="BIZ UDP明朝 Medium" panose="02020500000000000000" pitchFamily="18" charset="-128"/>
-                <a:ea typeface="BIZ UDP明朝 Medium" panose="02020500000000000000" pitchFamily="18" charset="-128"/>
-              </a:rPr>
-              <a:t>外部データを使用する</a:t>
-            </a:r>
-            <a:endParaRPr kumimoji="1" lang="en-US" altLang="ja-JP" sz="2800" dirty="0">
-              <a:latin typeface="BIZ UDP明朝 Medium" panose="02020500000000000000" pitchFamily="18" charset="-128"/>
-              <a:ea typeface="BIZ UDP明朝 Medium" panose="02020500000000000000" pitchFamily="18" charset="-128"/>
-            </a:endParaRPr>
-          </a:p>
-          <a:p>
-            <a:r>
-              <a:rPr lang="en-US" altLang="ja-JP" sz="2800" dirty="0">
-                <a:latin typeface="BIZ UDP明朝 Medium" panose="02020500000000000000" pitchFamily="18" charset="-128"/>
-                <a:ea typeface="BIZ UDP明朝 Medium" panose="02020500000000000000" pitchFamily="18" charset="-128"/>
-              </a:rPr>
-              <a:t>		</a:t>
-            </a:r>
-            <a:r>
-              <a:rPr lang="ja-JP" altLang="en-US" sz="2800" dirty="0">
-                <a:latin typeface="BIZ UDP明朝 Medium" panose="02020500000000000000" pitchFamily="18" charset="-128"/>
-                <a:ea typeface="BIZ UDP明朝 Medium" panose="02020500000000000000" pitchFamily="18" charset="-128"/>
-              </a:rPr>
-              <a:t>  </a:t>
-            </a:r>
-            <a:r>
-              <a:rPr lang="en-US" altLang="ja-JP" sz="2800" dirty="0">
-                <a:latin typeface="BIZ UDP明朝 Medium" panose="02020500000000000000" pitchFamily="18" charset="-128"/>
-                <a:ea typeface="BIZ UDP明朝 Medium" panose="02020500000000000000" pitchFamily="18" charset="-128"/>
-              </a:rPr>
-              <a:t>		</a:t>
-            </a:r>
-            <a:r>
-              <a:rPr lang="ja-JP" altLang="en-US" sz="2800" dirty="0">
-                <a:latin typeface="BIZ UDP明朝 Medium" panose="02020500000000000000" pitchFamily="18" charset="-128"/>
-                <a:ea typeface="BIZ UDP明朝 Medium" panose="02020500000000000000" pitchFamily="18" charset="-128"/>
-              </a:rPr>
-              <a:t>    </a:t>
-            </a:r>
-            <a:r>
-              <a:rPr lang="en-US" altLang="ja-JP" sz="2800" dirty="0">
-                <a:latin typeface="BIZ UDP明朝 Medium" panose="02020500000000000000" pitchFamily="18" charset="-128"/>
-                <a:ea typeface="BIZ UDP明朝 Medium" panose="02020500000000000000" pitchFamily="18" charset="-128"/>
-              </a:rPr>
-              <a:t>	</a:t>
-            </a:r>
-            <a:r>
-              <a:rPr lang="ja-JP" altLang="en-US" sz="2800" dirty="0">
-                <a:latin typeface="BIZ UDP明朝 Medium" panose="02020500000000000000" pitchFamily="18" charset="-128"/>
-                <a:ea typeface="BIZ UDP明朝 Medium" panose="02020500000000000000" pitchFamily="18" charset="-128"/>
-              </a:rPr>
-              <a:t>演出面のクオリティをこだわる</a:t>
-            </a:r>
-            <a:endParaRPr lang="en-US" altLang="ja-JP" sz="2800" dirty="0">
-              <a:latin typeface="BIZ UDP明朝 Medium" panose="02020500000000000000" pitchFamily="18" charset="-128"/>
-              <a:ea typeface="BIZ UDP明朝 Medium" panose="02020500000000000000" pitchFamily="18" charset="-128"/>
-            </a:endParaRPr>
-          </a:p>
-          <a:p>
-            <a:endParaRPr kumimoji="1" lang="en-US" altLang="ja-JP" sz="2800" dirty="0">
-              <a:latin typeface="BIZ UDP明朝 Medium" panose="02020500000000000000" pitchFamily="18" charset="-128"/>
-              <a:ea typeface="BIZ UDP明朝 Medium" panose="02020500000000000000" pitchFamily="18" charset="-128"/>
-            </a:endParaRPr>
-          </a:p>
-          <a:p>
-            <a:r>
-              <a:rPr lang="ja-JP" altLang="en-US" sz="2800" dirty="0">
-                <a:latin typeface="BIZ UDP明朝 Medium" panose="02020500000000000000" pitchFamily="18" charset="-128"/>
-                <a:ea typeface="BIZ UDP明朝 Medium" panose="02020500000000000000" pitchFamily="18" charset="-128"/>
-              </a:rPr>
-              <a:t>参考ゲーム　</a:t>
-            </a:r>
-            <a:r>
-              <a:rPr lang="en-US" altLang="ja-JP" sz="2800" dirty="0">
-                <a:latin typeface="BIZ UDP明朝 Medium" panose="02020500000000000000" pitchFamily="18" charset="-128"/>
-                <a:ea typeface="BIZ UDP明朝 Medium" panose="02020500000000000000" pitchFamily="18" charset="-128"/>
-              </a:rPr>
-              <a:t>		3DS </a:t>
-            </a:r>
-            <a:r>
-              <a:rPr lang="ja-JP" altLang="en-US" sz="2800" dirty="0">
-                <a:latin typeface="BIZ UDP明朝 Medium" panose="02020500000000000000" pitchFamily="18" charset="-128"/>
-                <a:ea typeface="BIZ UDP明朝 Medium" panose="02020500000000000000" pitchFamily="18" charset="-128"/>
-              </a:rPr>
-              <a:t>暗殺教室 アサシン育成計画</a:t>
-            </a:r>
-            <a:r>
-              <a:rPr lang="en-US" altLang="ja-JP" sz="2800" dirty="0">
-                <a:latin typeface="BIZ UDP明朝 Medium" panose="02020500000000000000" pitchFamily="18" charset="-128"/>
-                <a:ea typeface="BIZ UDP明朝 Medium" panose="02020500000000000000" pitchFamily="18" charset="-128"/>
-              </a:rPr>
-              <a:t>!!</a:t>
-            </a:r>
-            <a:endParaRPr kumimoji="1" lang="en-US" altLang="ja-JP" sz="2800" dirty="0">
-              <a:latin typeface="BIZ UDP明朝 Medium" panose="02020500000000000000" pitchFamily="18" charset="-128"/>
-              <a:ea typeface="BIZ UDP明朝 Medium" panose="02020500000000000000" pitchFamily="18" charset="-128"/>
-            </a:endParaRPr>
-          </a:p>
-        </p:txBody>
-      </p:sp>
-      <p:sp>
-        <p:nvSpPr>
-          <p:cNvPr id="7" name="テキスト ボックス 6">
+        </p:txBody>
+      </p:sp>
+      <p:sp>
+        <p:nvSpPr>
+          <p:cNvPr id="6" name="テキスト ボックス 5">
             <a:extLst>
               <a:ext uri="{FF2B5EF4-FFF2-40B4-BE49-F238E27FC236}">
-                <a16:creationId xmlns:a16="http://schemas.microsoft.com/office/drawing/2014/main" id="{EFA625FC-431F-440D-BF26-EAD11F52FBDC}"/>
+                <a16:creationId xmlns:a16="http://schemas.microsoft.com/office/drawing/2014/main" id="{000396C9-AAD9-47A3-848A-D5C9E718B909}"/>
               </a:ext>
             </a:extLst>
           </p:cNvPr>
@@ -4756,18 +4955,284 @@
           <a:p>
             <a:r>
               <a:rPr kumimoji="1" lang="ja-JP" altLang="en-US" sz="3600" dirty="0">
+                <a:latin typeface="BIZ UD明朝 Medium" panose="02020500000000000000" pitchFamily="17" charset="-128"/>
+                <a:ea typeface="BIZ UD明朝 Medium" panose="02020500000000000000" pitchFamily="17" charset="-128"/>
+              </a:rPr>
+              <a:t>ゲーム概要</a:t>
+            </a:r>
+          </a:p>
+        </p:txBody>
+      </p:sp>
+      <p:sp>
+        <p:nvSpPr>
+          <p:cNvPr id="7" name="テキスト ボックス 6">
+            <a:extLst>
+              <a:ext uri="{FF2B5EF4-FFF2-40B4-BE49-F238E27FC236}">
+                <a16:creationId xmlns:a16="http://schemas.microsoft.com/office/drawing/2014/main" id="{21EA372B-0BFF-4F0C-9720-105B0BBECC17}"/>
+              </a:ext>
+            </a:extLst>
+          </p:cNvPr>
+          <p:cNvSpPr txBox="1"/>
+          <p:nvPr/>
+        </p:nvSpPr>
+        <p:spPr>
+          <a:xfrm>
+            <a:off x="1880249" y="1447631"/>
+            <a:ext cx="6667175" cy="2308324"/>
+          </a:xfrm>
+          <a:prstGeom prst="rect">
+            <a:avLst/>
+          </a:prstGeom>
+          <a:noFill/>
+        </p:spPr>
+        <p:txBody>
+          <a:bodyPr wrap="square" rtlCol="0">
+            <a:spAutoFit/>
+          </a:bodyPr>
+          <a:lstStyle/>
+          <a:p>
+            <a:r>
+              <a:rPr kumimoji="1" lang="ja-JP" altLang="en-US" dirty="0">
                 <a:latin typeface="BIZ UDP明朝 Medium" panose="02020500000000000000" pitchFamily="18" charset="-128"/>
                 <a:ea typeface="BIZ UDP明朝 Medium" panose="02020500000000000000" pitchFamily="18" charset="-128"/>
               </a:rPr>
-              <a:t>ゲーム詳細</a:t>
-            </a:r>
+              <a:t>・制限時間</a:t>
+            </a:r>
+            <a:r>
+              <a:rPr kumimoji="1" lang="en-US" altLang="ja-JP" dirty="0">
+                <a:latin typeface="BIZ UDP明朝 Medium" panose="02020500000000000000" pitchFamily="18" charset="-128"/>
+                <a:ea typeface="BIZ UDP明朝 Medium" panose="02020500000000000000" pitchFamily="18" charset="-128"/>
+              </a:rPr>
+              <a:t>(3</a:t>
+            </a:r>
+            <a:r>
+              <a:rPr kumimoji="1" lang="ja-JP" altLang="en-US" dirty="0">
+                <a:latin typeface="BIZ UDP明朝 Medium" panose="02020500000000000000" pitchFamily="18" charset="-128"/>
+                <a:ea typeface="BIZ UDP明朝 Medium" panose="02020500000000000000" pitchFamily="18" charset="-128"/>
+              </a:rPr>
+              <a:t>分</a:t>
+            </a:r>
+            <a:r>
+              <a:rPr kumimoji="1" lang="en-US" altLang="ja-JP" dirty="0">
+                <a:latin typeface="BIZ UDP明朝 Medium" panose="02020500000000000000" pitchFamily="18" charset="-128"/>
+                <a:ea typeface="BIZ UDP明朝 Medium" panose="02020500000000000000" pitchFamily="18" charset="-128"/>
+              </a:rPr>
+              <a:t>)</a:t>
+            </a:r>
+            <a:r>
+              <a:rPr kumimoji="1" lang="ja-JP" altLang="en-US" dirty="0">
+                <a:latin typeface="BIZ UDP明朝 Medium" panose="02020500000000000000" pitchFamily="18" charset="-128"/>
+                <a:ea typeface="BIZ UDP明朝 Medium" panose="02020500000000000000" pitchFamily="18" charset="-128"/>
+              </a:rPr>
+              <a:t>の間に敵を倒しきる</a:t>
+            </a:r>
+            <a:endParaRPr kumimoji="1" lang="en-US" altLang="ja-JP" dirty="0">
+              <a:latin typeface="BIZ UDP明朝 Medium" panose="02020500000000000000" pitchFamily="18" charset="-128"/>
+              <a:ea typeface="BIZ UDP明朝 Medium" panose="02020500000000000000" pitchFamily="18" charset="-128"/>
+            </a:endParaRPr>
+          </a:p>
+          <a:p>
+            <a:r>
+              <a:rPr kumimoji="1" lang="en-US" altLang="ja-JP" dirty="0">
+                <a:latin typeface="BIZ UDP明朝 Medium" panose="02020500000000000000" pitchFamily="18" charset="-128"/>
+                <a:ea typeface="BIZ UDP明朝 Medium" panose="02020500000000000000" pitchFamily="18" charset="-128"/>
+              </a:rPr>
+              <a:t>	</a:t>
+            </a:r>
+            <a:r>
+              <a:rPr kumimoji="1" lang="ja-JP" altLang="en-US" dirty="0">
+                <a:latin typeface="BIZ UDP明朝 Medium" panose="02020500000000000000" pitchFamily="18" charset="-128"/>
+                <a:ea typeface="BIZ UDP明朝 Medium" panose="02020500000000000000" pitchFamily="18" charset="-128"/>
+              </a:rPr>
+              <a:t>攻撃手段はナイフ、銃、罠など</a:t>
+            </a:r>
+            <a:endParaRPr kumimoji="1" lang="en-US" altLang="ja-JP" dirty="0">
+              <a:latin typeface="BIZ UDP明朝 Medium" panose="02020500000000000000" pitchFamily="18" charset="-128"/>
+              <a:ea typeface="BIZ UDP明朝 Medium" panose="02020500000000000000" pitchFamily="18" charset="-128"/>
+            </a:endParaRPr>
+          </a:p>
+          <a:p>
+            <a:r>
+              <a:rPr kumimoji="1" lang="en-US" altLang="ja-JP" dirty="0">
+                <a:latin typeface="BIZ UDP明朝 Medium" panose="02020500000000000000" pitchFamily="18" charset="-128"/>
+                <a:ea typeface="BIZ UDP明朝 Medium" panose="02020500000000000000" pitchFamily="18" charset="-128"/>
+              </a:rPr>
+              <a:t>	</a:t>
+            </a:r>
+            <a:r>
+              <a:rPr kumimoji="1" lang="ja-JP" altLang="en-US" dirty="0">
+                <a:latin typeface="BIZ UDP明朝 Medium" panose="02020500000000000000" pitchFamily="18" charset="-128"/>
+                <a:ea typeface="BIZ UDP明朝 Medium" panose="02020500000000000000" pitchFamily="18" charset="-128"/>
+              </a:rPr>
+              <a:t>倒しきれたらゲームクリア、倒しきれなかったらゲームオーバー</a:t>
+            </a:r>
+            <a:endParaRPr kumimoji="1" lang="en-US" altLang="ja-JP" dirty="0">
+              <a:latin typeface="BIZ UDP明朝 Medium" panose="02020500000000000000" pitchFamily="18" charset="-128"/>
+              <a:ea typeface="BIZ UDP明朝 Medium" panose="02020500000000000000" pitchFamily="18" charset="-128"/>
+            </a:endParaRPr>
+          </a:p>
+          <a:p>
+            <a:endParaRPr kumimoji="1" lang="en-US" altLang="ja-JP" dirty="0">
+              <a:latin typeface="BIZ UDP明朝 Medium" panose="02020500000000000000" pitchFamily="18" charset="-128"/>
+              <a:ea typeface="BIZ UDP明朝 Medium" panose="02020500000000000000" pitchFamily="18" charset="-128"/>
+            </a:endParaRPr>
+          </a:p>
+          <a:p>
+            <a:r>
+              <a:rPr lang="ja-JP" altLang="en-US" dirty="0">
+                <a:latin typeface="BIZ UDP明朝 Medium" panose="02020500000000000000" pitchFamily="18" charset="-128"/>
+                <a:ea typeface="BIZ UDP明朝 Medium" panose="02020500000000000000" pitchFamily="18" charset="-128"/>
+              </a:rPr>
+              <a:t>・スコア機能有（残り時間、攻撃ポイント、プレイヤー残り</a:t>
+            </a:r>
+            <a:r>
+              <a:rPr lang="en-US" altLang="ja-JP" dirty="0">
+                <a:latin typeface="BIZ UDP明朝 Medium" panose="02020500000000000000" pitchFamily="18" charset="-128"/>
+                <a:ea typeface="BIZ UDP明朝 Medium" panose="02020500000000000000" pitchFamily="18" charset="-128"/>
+              </a:rPr>
+              <a:t>HP</a:t>
+            </a:r>
+            <a:r>
+              <a:rPr lang="ja-JP" altLang="en-US" dirty="0">
+                <a:latin typeface="BIZ UDP明朝 Medium" panose="02020500000000000000" pitchFamily="18" charset="-128"/>
+                <a:ea typeface="BIZ UDP明朝 Medium" panose="02020500000000000000" pitchFamily="18" charset="-128"/>
+              </a:rPr>
+              <a:t>の合計）</a:t>
+            </a:r>
+            <a:endParaRPr lang="en-US" altLang="ja-JP" dirty="0">
+              <a:latin typeface="BIZ UDP明朝 Medium" panose="02020500000000000000" pitchFamily="18" charset="-128"/>
+              <a:ea typeface="BIZ UDP明朝 Medium" panose="02020500000000000000" pitchFamily="18" charset="-128"/>
+            </a:endParaRPr>
+          </a:p>
+          <a:p>
+            <a:endParaRPr lang="en-US" altLang="ja-JP" dirty="0">
+              <a:latin typeface="BIZ UDP明朝 Medium" panose="02020500000000000000" pitchFamily="18" charset="-128"/>
+              <a:ea typeface="BIZ UDP明朝 Medium" panose="02020500000000000000" pitchFamily="18" charset="-128"/>
+            </a:endParaRPr>
+          </a:p>
+          <a:p>
+            <a:r>
+              <a:rPr kumimoji="1" lang="ja-JP" altLang="en-US" dirty="0">
+                <a:latin typeface="BIZ UDP明朝 Medium" panose="02020500000000000000" pitchFamily="18" charset="-128"/>
+                <a:ea typeface="BIZ UDP明朝 Medium" panose="02020500000000000000" pitchFamily="18" charset="-128"/>
+              </a:rPr>
+              <a:t>・</a:t>
+            </a:r>
+            <a:r>
+              <a:rPr kumimoji="1" lang="en-US" altLang="ja-JP" dirty="0">
+                <a:latin typeface="BIZ UDP明朝 Medium" panose="02020500000000000000" pitchFamily="18" charset="-128"/>
+                <a:ea typeface="BIZ UDP明朝 Medium" panose="02020500000000000000" pitchFamily="18" charset="-128"/>
+              </a:rPr>
+              <a:t>MAX4</a:t>
+            </a:r>
+            <a:r>
+              <a:rPr kumimoji="1" lang="ja-JP" altLang="en-US" dirty="0">
+                <a:latin typeface="BIZ UDP明朝 Medium" panose="02020500000000000000" pitchFamily="18" charset="-128"/>
+                <a:ea typeface="BIZ UDP明朝 Medium" panose="02020500000000000000" pitchFamily="18" charset="-128"/>
+              </a:rPr>
+              <a:t>人での協力プレイ（プレイヤー以外は</a:t>
+            </a:r>
+            <a:r>
+              <a:rPr kumimoji="1" lang="en-US" altLang="ja-JP" dirty="0">
+                <a:latin typeface="BIZ UDP明朝 Medium" panose="02020500000000000000" pitchFamily="18" charset="-128"/>
+                <a:ea typeface="BIZ UDP明朝 Medium" panose="02020500000000000000" pitchFamily="18" charset="-128"/>
+              </a:rPr>
+              <a:t>NPC…</a:t>
+            </a:r>
+            <a:r>
+              <a:rPr kumimoji="1" lang="ja-JP" altLang="en-US" dirty="0">
+                <a:latin typeface="BIZ UDP明朝 Medium" panose="02020500000000000000" pitchFamily="18" charset="-128"/>
+                <a:ea typeface="BIZ UDP明朝 Medium" panose="02020500000000000000" pitchFamily="18" charset="-128"/>
+              </a:rPr>
+              <a:t>～</a:t>
+            </a:r>
+            <a:r>
+              <a:rPr kumimoji="1" lang="en-US" altLang="ja-JP" dirty="0">
+                <a:latin typeface="BIZ UDP明朝 Medium" panose="02020500000000000000" pitchFamily="18" charset="-128"/>
+                <a:ea typeface="BIZ UDP明朝 Medium" panose="02020500000000000000" pitchFamily="18" charset="-128"/>
+              </a:rPr>
+              <a:t>12</a:t>
+            </a:r>
+            <a:r>
+              <a:rPr kumimoji="1" lang="ja-JP" altLang="en-US" dirty="0">
+                <a:latin typeface="BIZ UDP明朝 Medium" panose="02020500000000000000" pitchFamily="18" charset="-128"/>
+                <a:ea typeface="BIZ UDP明朝 Medium" panose="02020500000000000000" pitchFamily="18" charset="-128"/>
+              </a:rPr>
+              <a:t>月末</a:t>
+            </a:r>
+            <a:endParaRPr kumimoji="1" lang="en-US" altLang="ja-JP" dirty="0">
+              <a:latin typeface="BIZ UDP明朝 Medium" panose="02020500000000000000" pitchFamily="18" charset="-128"/>
+              <a:ea typeface="BIZ UDP明朝 Medium" panose="02020500000000000000" pitchFamily="18" charset="-128"/>
+            </a:endParaRPr>
+          </a:p>
+          <a:p>
+            <a:r>
+              <a:rPr kumimoji="1" lang="en-US" altLang="ja-JP" dirty="0">
+                <a:latin typeface="BIZ UDP明朝 Medium" panose="02020500000000000000" pitchFamily="18" charset="-128"/>
+                <a:ea typeface="BIZ UDP明朝 Medium" panose="02020500000000000000" pitchFamily="18" charset="-128"/>
+              </a:rPr>
+              <a:t>						</a:t>
+            </a:r>
+            <a:r>
+              <a:rPr kumimoji="1" lang="ja-JP" altLang="en-US" dirty="0">
+                <a:latin typeface="BIZ UDP明朝 Medium" panose="02020500000000000000" pitchFamily="18" charset="-128"/>
+                <a:ea typeface="BIZ UDP明朝 Medium" panose="02020500000000000000" pitchFamily="18" charset="-128"/>
+              </a:rPr>
+              <a:t>マルチプレイ</a:t>
+            </a:r>
+            <a:r>
+              <a:rPr kumimoji="1" lang="en-US" altLang="ja-JP" dirty="0">
+                <a:latin typeface="BIZ UDP明朝 Medium" panose="02020500000000000000" pitchFamily="18" charset="-128"/>
+                <a:ea typeface="BIZ UDP明朝 Medium" panose="02020500000000000000" pitchFamily="18" charset="-128"/>
+              </a:rPr>
+              <a:t>		</a:t>
+            </a:r>
+            <a:r>
+              <a:rPr kumimoji="1" lang="ja-JP" altLang="en-US" dirty="0">
+                <a:latin typeface="BIZ UDP明朝 Medium" panose="02020500000000000000" pitchFamily="18" charset="-128"/>
+                <a:ea typeface="BIZ UDP明朝 Medium" panose="02020500000000000000" pitchFamily="18" charset="-128"/>
+              </a:rPr>
+              <a:t>　　</a:t>
+            </a:r>
+            <a:r>
+              <a:rPr kumimoji="1" lang="en-US" altLang="ja-JP" dirty="0">
+                <a:latin typeface="BIZ UDP明朝 Medium" panose="02020500000000000000" pitchFamily="18" charset="-128"/>
+                <a:ea typeface="BIZ UDP明朝 Medium" panose="02020500000000000000" pitchFamily="18" charset="-128"/>
+              </a:rPr>
+              <a:t>…</a:t>
+            </a:r>
+            <a:r>
+              <a:rPr kumimoji="1" lang="ja-JP" altLang="en-US" dirty="0">
+                <a:latin typeface="BIZ UDP明朝 Medium" panose="02020500000000000000" pitchFamily="18" charset="-128"/>
+                <a:ea typeface="BIZ UDP明朝 Medium" panose="02020500000000000000" pitchFamily="18" charset="-128"/>
+              </a:rPr>
+              <a:t>～</a:t>
+            </a:r>
+            <a:r>
+              <a:rPr kumimoji="1" lang="en-US" altLang="ja-JP" dirty="0">
+                <a:latin typeface="BIZ UDP明朝 Medium" panose="02020500000000000000" pitchFamily="18" charset="-128"/>
+                <a:ea typeface="BIZ UDP明朝 Medium" panose="02020500000000000000" pitchFamily="18" charset="-128"/>
+              </a:rPr>
+              <a:t>1</a:t>
+            </a:r>
+            <a:r>
+              <a:rPr kumimoji="1" lang="ja-JP" altLang="en-US" dirty="0">
+                <a:latin typeface="BIZ UDP明朝 Medium" panose="02020500000000000000" pitchFamily="18" charset="-128"/>
+                <a:ea typeface="BIZ UDP明朝 Medium" panose="02020500000000000000" pitchFamily="18" charset="-128"/>
+              </a:rPr>
+              <a:t>月末）</a:t>
+            </a:r>
+            <a:endParaRPr kumimoji="1" lang="en-US" altLang="ja-JP" dirty="0">
+              <a:latin typeface="BIZ UDP明朝 Medium" panose="02020500000000000000" pitchFamily="18" charset="-128"/>
+              <a:ea typeface="BIZ UDP明朝 Medium" panose="02020500000000000000" pitchFamily="18" charset="-128"/>
+            </a:endParaRPr>
           </a:p>
         </p:txBody>
       </p:sp>
     </p:spTree>
     <p:extLst>
       <p:ext uri="{BB962C8B-B14F-4D97-AF65-F5344CB8AC3E}">
-        <p14:creationId xmlns:p14="http://schemas.microsoft.com/office/powerpoint/2010/main" val="176773536"/>
+        <p14:creationId xmlns:p14="http://schemas.microsoft.com/office/powerpoint/2010/main" val="1961887480"/>
       </p:ext>
     </p:extLst>
   </p:cSld>
@@ -4796,51 +5261,10 @@
       </p:grpSpPr>
       <p:sp>
         <p:nvSpPr>
-          <p:cNvPr id="3" name="コンテンツ プレースホルダー 2">
-            <a:extLst>
-              <a:ext uri="{FF2B5EF4-FFF2-40B4-BE49-F238E27FC236}">
-                <a16:creationId xmlns:a16="http://schemas.microsoft.com/office/drawing/2014/main" id="{107B4D41-A8B3-48DC-8EE1-863E4D8AAED0}"/>
-              </a:ext>
-            </a:extLst>
-          </p:cNvPr>
-          <p:cNvSpPr>
-            <a:spLocks noGrp="1"/>
-          </p:cNvSpPr>
-          <p:nvPr>
-            <p:ph idx="1"/>
-          </p:nvPr>
-        </p:nvSpPr>
-        <p:spPr>
-          <a:xfrm>
-            <a:off x="2936630" y="525757"/>
-            <a:ext cx="4554416" cy="303113"/>
-          </a:xfrm>
-        </p:spPr>
-        <p:txBody>
-          <a:bodyPr>
-            <a:normAutofit/>
-          </a:bodyPr>
-          <a:lstStyle/>
-          <a:p>
-            <a:pPr marL="0" indent="0">
-              <a:buNone/>
-            </a:pPr>
-            <a:r>
-              <a:rPr kumimoji="1" lang="en-US" altLang="ja-JP" sz="1400" dirty="0">
-                <a:hlinkClick r:id="rId2"/>
-              </a:rPr>
-              <a:t>https://www.youtube.com/watch?v=XzmV1WVtqGU</a:t>
-            </a:r>
-            <a:endParaRPr kumimoji="1" lang="ja-JP" altLang="en-US" sz="1400" dirty="0"/>
-          </a:p>
-        </p:txBody>
-      </p:sp>
-      <p:sp>
-        <p:nvSpPr>
           <p:cNvPr id="4" name="テキスト ボックス 3">
             <a:extLst>
               <a:ext uri="{FF2B5EF4-FFF2-40B4-BE49-F238E27FC236}">
-                <a16:creationId xmlns:a16="http://schemas.microsoft.com/office/drawing/2014/main" id="{0570D53B-6C4C-4475-9233-7A8E5407B803}"/>
+                <a16:creationId xmlns:a16="http://schemas.microsoft.com/office/drawing/2014/main" id="{9C221001-BF6D-44EE-9FBC-9B07D41E8A82}"/>
               </a:ext>
             </a:extLst>
           </p:cNvPr>
@@ -4848,9 +5272,9 @@
           <p:nvPr/>
         </p:nvSpPr>
         <p:spPr>
-          <a:xfrm flipH="1">
-            <a:off x="986691" y="4577917"/>
-            <a:ext cx="7725508" cy="1754326"/>
+          <a:xfrm>
+            <a:off x="1460324" y="1713061"/>
+            <a:ext cx="7727324" cy="2677656"/>
           </a:xfrm>
           <a:prstGeom prst="rect">
             <a:avLst/>
@@ -4864,57 +5288,183 @@
           <a:lstStyle/>
           <a:p>
             <a:r>
-              <a:rPr kumimoji="1" lang="ja-JP" altLang="en-US" dirty="0"/>
-              <a:t>・通常攻撃</a:t>
-            </a:r>
-            <a:endParaRPr kumimoji="1" lang="en-US" altLang="ja-JP" dirty="0"/>
-          </a:p>
-          <a:p>
-            <a:r>
-              <a:rPr lang="en-US" altLang="ja-JP" dirty="0"/>
+              <a:rPr lang="ja-JP" altLang="en-US" sz="2000" u="sng" dirty="0">
+                <a:latin typeface="BIZ UD明朝 Medium" panose="02020500000000000000" pitchFamily="17" charset="-128"/>
+                <a:ea typeface="BIZ UD明朝 Medium" panose="02020500000000000000" pitchFamily="17" charset="-128"/>
+              </a:rPr>
+              <a:t>人によって遊び方を変えれる</a:t>
+            </a:r>
+            <a:endParaRPr lang="en-US" altLang="ja-JP" sz="2000" u="sng" dirty="0">
+              <a:latin typeface="BIZ UD明朝 Medium" panose="02020500000000000000" pitchFamily="17" charset="-128"/>
+              <a:ea typeface="BIZ UD明朝 Medium" panose="02020500000000000000" pitchFamily="17" charset="-128"/>
+            </a:endParaRPr>
+          </a:p>
+          <a:p>
+            <a:endParaRPr lang="en-US" altLang="ja-JP" sz="2000" u="sng" dirty="0">
+              <a:latin typeface="BIZ UD明朝 Medium" panose="02020500000000000000" pitchFamily="17" charset="-128"/>
+              <a:ea typeface="BIZ UD明朝 Medium" panose="02020500000000000000" pitchFamily="17" charset="-128"/>
+            </a:endParaRPr>
+          </a:p>
+          <a:p>
+            <a:r>
+              <a:rPr lang="en-US" altLang="ja-JP" dirty="0">
+                <a:latin typeface="BIZ UD明朝 Medium" panose="02020500000000000000" pitchFamily="17" charset="-128"/>
+                <a:ea typeface="BIZ UD明朝 Medium" panose="02020500000000000000" pitchFamily="17" charset="-128"/>
+              </a:rPr>
               <a:t>	</a:t>
             </a:r>
             <a:r>
-              <a:rPr lang="ja-JP" altLang="en-US" dirty="0"/>
-              <a:t>ナイフでの近距離攻撃と数種類の遠距離攻撃で攻撃をする</a:t>
-            </a:r>
-            <a:endParaRPr lang="en-US" altLang="ja-JP" dirty="0"/>
-          </a:p>
-          <a:p>
-            <a:r>
-              <a:rPr kumimoji="1" lang="ja-JP" altLang="en-US" dirty="0"/>
-              <a:t>・罠攻撃</a:t>
-            </a:r>
-            <a:endParaRPr kumimoji="1" lang="en-US" altLang="ja-JP" dirty="0"/>
-          </a:p>
-          <a:p>
-            <a:r>
-              <a:rPr lang="en-US" altLang="ja-JP" dirty="0"/>
+              <a:rPr lang="ja-JP" altLang="en-US" dirty="0">
+                <a:latin typeface="BIZ UD明朝 Medium" panose="02020500000000000000" pitchFamily="17" charset="-128"/>
+                <a:ea typeface="BIZ UD明朝 Medium" panose="02020500000000000000" pitchFamily="17" charset="-128"/>
+              </a:rPr>
+              <a:t>・遠くから銃で中</a:t>
+            </a:r>
+            <a:r>
+              <a:rPr lang="en-US" altLang="ja-JP" dirty="0">
+                <a:latin typeface="BIZ UD明朝 Medium" panose="02020500000000000000" pitchFamily="17" charset="-128"/>
+                <a:ea typeface="BIZ UD明朝 Medium" panose="02020500000000000000" pitchFamily="17" charset="-128"/>
+              </a:rPr>
+              <a:t>~</a:t>
+            </a:r>
+            <a:r>
+              <a:rPr lang="ja-JP" altLang="en-US" dirty="0">
+                <a:latin typeface="BIZ UD明朝 Medium" panose="02020500000000000000" pitchFamily="17" charset="-128"/>
+                <a:ea typeface="BIZ UD明朝 Medium" panose="02020500000000000000" pitchFamily="17" charset="-128"/>
+              </a:rPr>
+              <a:t>遠距離</a:t>
+            </a:r>
+            <a:endParaRPr lang="en-US" altLang="ja-JP" dirty="0">
+              <a:latin typeface="BIZ UD明朝 Medium" panose="02020500000000000000" pitchFamily="17" charset="-128"/>
+              <a:ea typeface="BIZ UD明朝 Medium" panose="02020500000000000000" pitchFamily="17" charset="-128"/>
+            </a:endParaRPr>
+          </a:p>
+          <a:p>
+            <a:r>
+              <a:rPr lang="en-US" altLang="ja-JP" dirty="0">
+                <a:latin typeface="BIZ UD明朝 Medium" panose="02020500000000000000" pitchFamily="17" charset="-128"/>
+                <a:ea typeface="BIZ UD明朝 Medium" panose="02020500000000000000" pitchFamily="17" charset="-128"/>
+              </a:rPr>
               <a:t>	</a:t>
             </a:r>
             <a:r>
-              <a:rPr lang="ja-JP" altLang="en-US" dirty="0"/>
-              <a:t>拾ったアイテムを使用して罠を仕掛ける</a:t>
-            </a:r>
-            <a:endParaRPr lang="en-US" altLang="ja-JP" dirty="0"/>
-          </a:p>
-          <a:p>
-            <a:r>
-              <a:rPr kumimoji="1" lang="ja-JP" altLang="en-US" dirty="0"/>
-              <a:t>・集中砲火</a:t>
-            </a:r>
-            <a:endParaRPr kumimoji="1" lang="en-US" altLang="ja-JP" dirty="0"/>
-          </a:p>
-          <a:p>
-            <a:r>
-              <a:rPr lang="en-US" altLang="ja-JP" dirty="0"/>
+              <a:rPr lang="ja-JP" altLang="en-US" dirty="0">
+                <a:latin typeface="BIZ UD明朝 Medium" panose="02020500000000000000" pitchFamily="17" charset="-128"/>
+                <a:ea typeface="BIZ UD明朝 Medium" panose="02020500000000000000" pitchFamily="17" charset="-128"/>
+              </a:rPr>
+              <a:t>・ナイフで近接</a:t>
+            </a:r>
+            <a:endParaRPr lang="en-US" altLang="ja-JP" dirty="0">
+              <a:latin typeface="BIZ UD明朝 Medium" panose="02020500000000000000" pitchFamily="17" charset="-128"/>
+              <a:ea typeface="BIZ UD明朝 Medium" panose="02020500000000000000" pitchFamily="17" charset="-128"/>
+            </a:endParaRPr>
+          </a:p>
+          <a:p>
+            <a:r>
+              <a:rPr lang="en-US" altLang="ja-JP" dirty="0">
+                <a:latin typeface="BIZ UD明朝 Medium" panose="02020500000000000000" pitchFamily="17" charset="-128"/>
+                <a:ea typeface="BIZ UD明朝 Medium" panose="02020500000000000000" pitchFamily="17" charset="-128"/>
+              </a:rPr>
               <a:t>	</a:t>
             </a:r>
             <a:r>
-              <a:rPr lang="ja-JP" altLang="en-US" dirty="0"/>
-              <a:t>罠にかかった状態でロックオンすると集中砲火で攻撃をする</a:t>
-            </a:r>
-            <a:endParaRPr kumimoji="1" lang="ja-JP" altLang="en-US" dirty="0"/>
+              <a:rPr lang="ja-JP" altLang="en-US" dirty="0">
+                <a:latin typeface="BIZ UD明朝 Medium" panose="02020500000000000000" pitchFamily="17" charset="-128"/>
+                <a:ea typeface="BIZ UD明朝 Medium" panose="02020500000000000000" pitchFamily="17" charset="-128"/>
+              </a:rPr>
+              <a:t>・罠コンボを狙う</a:t>
+            </a:r>
+            <a:endParaRPr lang="en-US" altLang="ja-JP" dirty="0">
+              <a:latin typeface="BIZ UD明朝 Medium" panose="02020500000000000000" pitchFamily="17" charset="-128"/>
+              <a:ea typeface="BIZ UD明朝 Medium" panose="02020500000000000000" pitchFamily="17" charset="-128"/>
+            </a:endParaRPr>
+          </a:p>
+          <a:p>
+            <a:r>
+              <a:rPr lang="en-US" altLang="ja-JP" dirty="0">
+                <a:latin typeface="BIZ UD明朝 Medium" panose="02020500000000000000" pitchFamily="17" charset="-128"/>
+                <a:ea typeface="BIZ UD明朝 Medium" panose="02020500000000000000" pitchFamily="17" charset="-128"/>
+              </a:rPr>
+              <a:t>	</a:t>
+            </a:r>
+            <a:r>
+              <a:rPr lang="ja-JP" altLang="en-US" dirty="0">
+                <a:latin typeface="BIZ UD明朝 Medium" panose="02020500000000000000" pitchFamily="17" charset="-128"/>
+                <a:ea typeface="BIZ UD明朝 Medium" panose="02020500000000000000" pitchFamily="17" charset="-128"/>
+              </a:rPr>
+              <a:t>・集中砲火で敵の</a:t>
+            </a:r>
+            <a:r>
+              <a:rPr lang="en-US" altLang="ja-JP" dirty="0">
+                <a:latin typeface="BIZ UD明朝 Medium" panose="02020500000000000000" pitchFamily="17" charset="-128"/>
+                <a:ea typeface="BIZ UD明朝 Medium" panose="02020500000000000000" pitchFamily="17" charset="-128"/>
+              </a:rPr>
+              <a:t>HP</a:t>
+            </a:r>
+            <a:r>
+              <a:rPr lang="ja-JP" altLang="en-US" dirty="0">
+                <a:latin typeface="BIZ UD明朝 Medium" panose="02020500000000000000" pitchFamily="17" charset="-128"/>
+                <a:ea typeface="BIZ UD明朝 Medium" panose="02020500000000000000" pitchFamily="17" charset="-128"/>
+              </a:rPr>
+              <a:t>をガンガン減らす</a:t>
+            </a:r>
+            <a:endParaRPr lang="en-US" altLang="ja-JP" dirty="0">
+              <a:latin typeface="BIZ UD明朝 Medium" panose="02020500000000000000" pitchFamily="17" charset="-128"/>
+              <a:ea typeface="BIZ UD明朝 Medium" panose="02020500000000000000" pitchFamily="17" charset="-128"/>
+            </a:endParaRPr>
+          </a:p>
+          <a:p>
+            <a:r>
+              <a:rPr lang="en-US" altLang="ja-JP" dirty="0">
+                <a:latin typeface="BIZ UD明朝 Medium" panose="02020500000000000000" pitchFamily="17" charset="-128"/>
+                <a:ea typeface="BIZ UD明朝 Medium" panose="02020500000000000000" pitchFamily="17" charset="-128"/>
+              </a:rPr>
+              <a:t>	</a:t>
+            </a:r>
+            <a:r>
+              <a:rPr lang="ja-JP" altLang="en-US" dirty="0">
+                <a:latin typeface="BIZ UD明朝 Medium" panose="02020500000000000000" pitchFamily="17" charset="-128"/>
+                <a:ea typeface="BIZ UD明朝 Medium" panose="02020500000000000000" pitchFamily="17" charset="-128"/>
+              </a:rPr>
+              <a:t>・ハイスコアを目指した倒し方を探す</a:t>
+            </a:r>
+            <a:endParaRPr lang="en-US" altLang="ja-JP" dirty="0">
+              <a:latin typeface="BIZ UD明朝 Medium" panose="02020500000000000000" pitchFamily="17" charset="-128"/>
+              <a:ea typeface="BIZ UD明朝 Medium" panose="02020500000000000000" pitchFamily="17" charset="-128"/>
+            </a:endParaRPr>
+          </a:p>
+          <a:p>
+            <a:endParaRPr lang="en-US" altLang="ja-JP" dirty="0">
+              <a:latin typeface="BIZ UD明朝 Medium" panose="02020500000000000000" pitchFamily="17" charset="-128"/>
+              <a:ea typeface="BIZ UD明朝 Medium" panose="02020500000000000000" pitchFamily="17" charset="-128"/>
+            </a:endParaRPr>
+          </a:p>
+          <a:p>
+            <a:r>
+              <a:rPr lang="ja-JP" altLang="en-US" sz="2000" u="sng" dirty="0">
+                <a:latin typeface="BIZ UD明朝 Medium" panose="02020500000000000000" pitchFamily="17" charset="-128"/>
+                <a:ea typeface="BIZ UD明朝 Medium" panose="02020500000000000000" pitchFamily="17" charset="-128"/>
+              </a:rPr>
+              <a:t>複数人で連携を</a:t>
+            </a:r>
+            <a:r>
+              <a:rPr lang="ja-JP" altLang="en-US" sz="2000" b="1" u="sng" dirty="0">
+                <a:latin typeface="BIZ UD明朝 Medium" panose="02020500000000000000" pitchFamily="17" charset="-128"/>
+                <a:ea typeface="BIZ UD明朝 Medium" panose="02020500000000000000" pitchFamily="17" charset="-128"/>
+              </a:rPr>
+              <a:t>取</a:t>
+            </a:r>
+            <a:r>
+              <a:rPr lang="ja-JP" altLang="en-US" sz="2000" u="sng" dirty="0">
+                <a:latin typeface="BIZ UD明朝 Medium" panose="02020500000000000000" pitchFamily="17" charset="-128"/>
+                <a:ea typeface="BIZ UD明朝 Medium" panose="02020500000000000000" pitchFamily="17" charset="-128"/>
+              </a:rPr>
+              <a:t>り、敵を倒す</a:t>
+            </a:r>
+            <a:endParaRPr lang="en-US" altLang="ja-JP" sz="2000" u="sng" dirty="0">
+              <a:latin typeface="BIZ UD明朝 Medium" panose="02020500000000000000" pitchFamily="17" charset="-128"/>
+              <a:ea typeface="BIZ UD明朝 Medium" panose="02020500000000000000" pitchFamily="17" charset="-128"/>
+            </a:endParaRPr>
           </a:p>
         </p:txBody>
       </p:sp>
@@ -4923,7 +5473,7 @@
           <p:cNvPr id="6" name="テキスト ボックス 5">
             <a:extLst>
               <a:ext uri="{FF2B5EF4-FFF2-40B4-BE49-F238E27FC236}">
-                <a16:creationId xmlns:a16="http://schemas.microsoft.com/office/drawing/2014/main" id="{000396C9-AAD9-47A3-848A-D5C9E718B909}"/>
+                <a16:creationId xmlns:a16="http://schemas.microsoft.com/office/drawing/2014/main" id="{3BFE104F-218E-4639-A4F7-A012C079D999}"/>
               </a:ext>
             </a:extLst>
           </p:cNvPr>
@@ -4933,7 +5483,7 @@
         <p:spPr>
           <a:xfrm>
             <a:off x="226916" y="202592"/>
-            <a:ext cx="2492990" cy="646331"/>
+            <a:ext cx="8068234" cy="646331"/>
           </a:xfrm>
           <a:prstGeom prst="rect">
             <a:avLst/>
@@ -4947,274 +5497,29 @@
           <a:lstStyle/>
           <a:p>
             <a:r>
-              <a:rPr kumimoji="1" lang="ja-JP" altLang="en-US" sz="3600" dirty="0"/>
-              <a:t>ゲーム概要</a:t>
-            </a:r>
-          </a:p>
-        </p:txBody>
-      </p:sp>
-      <p:sp>
-        <p:nvSpPr>
-          <p:cNvPr id="7" name="テキスト ボックス 6">
-            <a:extLst>
-              <a:ext uri="{FF2B5EF4-FFF2-40B4-BE49-F238E27FC236}">
-                <a16:creationId xmlns:a16="http://schemas.microsoft.com/office/drawing/2014/main" id="{21EA372B-0BFF-4F0C-9720-105B0BBECC17}"/>
-              </a:ext>
-            </a:extLst>
-          </p:cNvPr>
-          <p:cNvSpPr txBox="1"/>
-          <p:nvPr/>
-        </p:nvSpPr>
-        <p:spPr>
-          <a:xfrm>
-            <a:off x="986691" y="1397675"/>
-            <a:ext cx="10096175" cy="2308324"/>
-          </a:xfrm>
-          <a:prstGeom prst="rect">
-            <a:avLst/>
-          </a:prstGeom>
-          <a:noFill/>
-        </p:spPr>
-        <p:txBody>
-          <a:bodyPr wrap="square" rtlCol="0">
-            <a:spAutoFit/>
-          </a:bodyPr>
-          <a:lstStyle/>
-          <a:p>
-            <a:r>
-              <a:rPr kumimoji="1" lang="ja-JP" altLang="en-US" dirty="0">
+              <a:rPr kumimoji="1" lang="ja-JP" altLang="en-US" sz="3600" dirty="0">
                 <a:latin typeface="BIZ UDP明朝 Medium" panose="02020500000000000000" pitchFamily="18" charset="-128"/>
                 <a:ea typeface="BIZ UDP明朝 Medium" panose="02020500000000000000" pitchFamily="18" charset="-128"/>
               </a:rPr>
-              <a:t>・制限時間</a:t>
-            </a:r>
-            <a:r>
-              <a:rPr kumimoji="1" lang="en-US" altLang="ja-JP" dirty="0">
+              <a:t>ゲームのアピール　</a:t>
+            </a:r>
+            <a:r>
+              <a:rPr kumimoji="1" lang="ja-JP" altLang="en-US" sz="2400" dirty="0">
                 <a:latin typeface="BIZ UDP明朝 Medium" panose="02020500000000000000" pitchFamily="18" charset="-128"/>
                 <a:ea typeface="BIZ UDP明朝 Medium" panose="02020500000000000000" pitchFamily="18" charset="-128"/>
               </a:rPr>
-              <a:t>(3</a:t>
-            </a:r>
-            <a:r>
-              <a:rPr kumimoji="1" lang="ja-JP" altLang="en-US" dirty="0">
-                <a:latin typeface="BIZ UDP明朝 Medium" panose="02020500000000000000" pitchFamily="18" charset="-128"/>
-                <a:ea typeface="BIZ UDP明朝 Medium" panose="02020500000000000000" pitchFamily="18" charset="-128"/>
-              </a:rPr>
-              <a:t>分</a:t>
-            </a:r>
-            <a:r>
-              <a:rPr kumimoji="1" lang="en-US" altLang="ja-JP" dirty="0">
-                <a:latin typeface="BIZ UDP明朝 Medium" panose="02020500000000000000" pitchFamily="18" charset="-128"/>
-                <a:ea typeface="BIZ UDP明朝 Medium" panose="02020500000000000000" pitchFamily="18" charset="-128"/>
-              </a:rPr>
-              <a:t>)</a:t>
-            </a:r>
-            <a:r>
-              <a:rPr kumimoji="1" lang="ja-JP" altLang="en-US" dirty="0">
-                <a:latin typeface="BIZ UDP明朝 Medium" panose="02020500000000000000" pitchFamily="18" charset="-128"/>
-                <a:ea typeface="BIZ UDP明朝 Medium" panose="02020500000000000000" pitchFamily="18" charset="-128"/>
-              </a:rPr>
-              <a:t>の間に敵を倒しきる</a:t>
-            </a:r>
-            <a:endParaRPr kumimoji="1" lang="en-US" altLang="ja-JP" dirty="0">
-              <a:latin typeface="BIZ UDP明朝 Medium" panose="02020500000000000000" pitchFamily="18" charset="-128"/>
-              <a:ea typeface="BIZ UDP明朝 Medium" panose="02020500000000000000" pitchFamily="18" charset="-128"/>
-            </a:endParaRPr>
-          </a:p>
-          <a:p>
-            <a:r>
-              <a:rPr kumimoji="1" lang="en-US" altLang="ja-JP" dirty="0">
-                <a:latin typeface="BIZ UDP明朝 Medium" panose="02020500000000000000" pitchFamily="18" charset="-128"/>
-                <a:ea typeface="BIZ UDP明朝 Medium" panose="02020500000000000000" pitchFamily="18" charset="-128"/>
-              </a:rPr>
-              <a:t>	</a:t>
-            </a:r>
-            <a:r>
-              <a:rPr kumimoji="1" lang="ja-JP" altLang="en-US" dirty="0">
-                <a:latin typeface="BIZ UDP明朝 Medium" panose="02020500000000000000" pitchFamily="18" charset="-128"/>
-                <a:ea typeface="BIZ UDP明朝 Medium" panose="02020500000000000000" pitchFamily="18" charset="-128"/>
-              </a:rPr>
-              <a:t>攻撃手段はナイフ、銃、罠等様々</a:t>
-            </a:r>
-            <a:endParaRPr kumimoji="1" lang="en-US" altLang="ja-JP" dirty="0">
-              <a:latin typeface="BIZ UDP明朝 Medium" panose="02020500000000000000" pitchFamily="18" charset="-128"/>
-              <a:ea typeface="BIZ UDP明朝 Medium" panose="02020500000000000000" pitchFamily="18" charset="-128"/>
-            </a:endParaRPr>
-          </a:p>
-          <a:p>
-            <a:r>
-              <a:rPr kumimoji="1" lang="en-US" altLang="ja-JP" dirty="0">
-                <a:latin typeface="BIZ UDP明朝 Medium" panose="02020500000000000000" pitchFamily="18" charset="-128"/>
-                <a:ea typeface="BIZ UDP明朝 Medium" panose="02020500000000000000" pitchFamily="18" charset="-128"/>
-              </a:rPr>
-              <a:t>	</a:t>
-            </a:r>
-            <a:r>
-              <a:rPr kumimoji="1" lang="ja-JP" altLang="en-US" dirty="0">
-                <a:latin typeface="BIZ UDP明朝 Medium" panose="02020500000000000000" pitchFamily="18" charset="-128"/>
-                <a:ea typeface="BIZ UDP明朝 Medium" panose="02020500000000000000" pitchFamily="18" charset="-128"/>
-              </a:rPr>
-              <a:t>倒しきれたらゲームクリア、倒しきれなかったらゲームオーバー</a:t>
-            </a:r>
-            <a:endParaRPr kumimoji="1" lang="en-US" altLang="ja-JP" dirty="0">
-              <a:latin typeface="BIZ UDP明朝 Medium" panose="02020500000000000000" pitchFamily="18" charset="-128"/>
-              <a:ea typeface="BIZ UDP明朝 Medium" panose="02020500000000000000" pitchFamily="18" charset="-128"/>
-            </a:endParaRPr>
-          </a:p>
-          <a:p>
-            <a:endParaRPr kumimoji="1" lang="en-US" altLang="ja-JP" dirty="0">
-              <a:latin typeface="BIZ UDP明朝 Medium" panose="02020500000000000000" pitchFamily="18" charset="-128"/>
-              <a:ea typeface="BIZ UDP明朝 Medium" panose="02020500000000000000" pitchFamily="18" charset="-128"/>
-            </a:endParaRPr>
-          </a:p>
-          <a:p>
-            <a:r>
-              <a:rPr lang="ja-JP" altLang="en-US" dirty="0">
-                <a:latin typeface="BIZ UDP明朝 Medium" panose="02020500000000000000" pitchFamily="18" charset="-128"/>
-                <a:ea typeface="BIZ UDP明朝 Medium" panose="02020500000000000000" pitchFamily="18" charset="-128"/>
-              </a:rPr>
-              <a:t>・スコア機能有（残り時間、攻撃ポイント、プレイヤー残り</a:t>
-            </a:r>
-            <a:r>
-              <a:rPr lang="en-US" altLang="ja-JP" dirty="0">
-                <a:latin typeface="BIZ UDP明朝 Medium" panose="02020500000000000000" pitchFamily="18" charset="-128"/>
-                <a:ea typeface="BIZ UDP明朝 Medium" panose="02020500000000000000" pitchFamily="18" charset="-128"/>
-              </a:rPr>
-              <a:t>HP</a:t>
-            </a:r>
-            <a:r>
-              <a:rPr lang="ja-JP" altLang="en-US" dirty="0">
-                <a:latin typeface="BIZ UDP明朝 Medium" panose="02020500000000000000" pitchFamily="18" charset="-128"/>
-                <a:ea typeface="BIZ UDP明朝 Medium" panose="02020500000000000000" pitchFamily="18" charset="-128"/>
-              </a:rPr>
-              <a:t>の合計）</a:t>
-            </a:r>
-            <a:endParaRPr lang="en-US" altLang="ja-JP" dirty="0">
-              <a:latin typeface="BIZ UDP明朝 Medium" panose="02020500000000000000" pitchFamily="18" charset="-128"/>
-              <a:ea typeface="BIZ UDP明朝 Medium" panose="02020500000000000000" pitchFamily="18" charset="-128"/>
-            </a:endParaRPr>
-          </a:p>
-          <a:p>
-            <a:endParaRPr lang="en-US" altLang="ja-JP" dirty="0">
-              <a:latin typeface="BIZ UDP明朝 Medium" panose="02020500000000000000" pitchFamily="18" charset="-128"/>
-              <a:ea typeface="BIZ UDP明朝 Medium" panose="02020500000000000000" pitchFamily="18" charset="-128"/>
-            </a:endParaRPr>
-          </a:p>
-          <a:p>
-            <a:r>
-              <a:rPr kumimoji="1" lang="ja-JP" altLang="en-US" dirty="0">
-                <a:latin typeface="BIZ UDP明朝 Medium" panose="02020500000000000000" pitchFamily="18" charset="-128"/>
-                <a:ea typeface="BIZ UDP明朝 Medium" panose="02020500000000000000" pitchFamily="18" charset="-128"/>
-              </a:rPr>
-              <a:t>・</a:t>
-            </a:r>
-            <a:r>
-              <a:rPr kumimoji="1" lang="en-US" altLang="ja-JP" dirty="0">
-                <a:latin typeface="BIZ UDP明朝 Medium" panose="02020500000000000000" pitchFamily="18" charset="-128"/>
-                <a:ea typeface="BIZ UDP明朝 Medium" panose="02020500000000000000" pitchFamily="18" charset="-128"/>
-              </a:rPr>
-              <a:t>MAX4</a:t>
-            </a:r>
-            <a:r>
-              <a:rPr kumimoji="1" lang="ja-JP" altLang="en-US" dirty="0">
-                <a:latin typeface="BIZ UDP明朝 Medium" panose="02020500000000000000" pitchFamily="18" charset="-128"/>
-                <a:ea typeface="BIZ UDP明朝 Medium" panose="02020500000000000000" pitchFamily="18" charset="-128"/>
-              </a:rPr>
-              <a:t>人での協力プレイ（プレイヤー以外は</a:t>
-            </a:r>
-            <a:r>
-              <a:rPr kumimoji="1" lang="en-US" altLang="ja-JP" dirty="0">
-                <a:latin typeface="BIZ UDP明朝 Medium" panose="02020500000000000000" pitchFamily="18" charset="-128"/>
-                <a:ea typeface="BIZ UDP明朝 Medium" panose="02020500000000000000" pitchFamily="18" charset="-128"/>
-              </a:rPr>
-              <a:t>NPC…</a:t>
-            </a:r>
-            <a:r>
-              <a:rPr kumimoji="1" lang="ja-JP" altLang="en-US" dirty="0">
-                <a:latin typeface="BIZ UDP明朝 Medium" panose="02020500000000000000" pitchFamily="18" charset="-128"/>
-                <a:ea typeface="BIZ UDP明朝 Medium" panose="02020500000000000000" pitchFamily="18" charset="-128"/>
-              </a:rPr>
-              <a:t>～</a:t>
-            </a:r>
-            <a:r>
-              <a:rPr kumimoji="1" lang="en-US" altLang="ja-JP" dirty="0">
-                <a:latin typeface="BIZ UDP明朝 Medium" panose="02020500000000000000" pitchFamily="18" charset="-128"/>
-                <a:ea typeface="BIZ UDP明朝 Medium" panose="02020500000000000000" pitchFamily="18" charset="-128"/>
-              </a:rPr>
-              <a:t>12</a:t>
-            </a:r>
-            <a:r>
-              <a:rPr kumimoji="1" lang="ja-JP" altLang="en-US" dirty="0">
-                <a:latin typeface="BIZ UDP明朝 Medium" panose="02020500000000000000" pitchFamily="18" charset="-128"/>
-                <a:ea typeface="BIZ UDP明朝 Medium" panose="02020500000000000000" pitchFamily="18" charset="-128"/>
-              </a:rPr>
-              <a:t>月末</a:t>
-            </a:r>
-            <a:endParaRPr kumimoji="1" lang="en-US" altLang="ja-JP" dirty="0">
-              <a:latin typeface="BIZ UDP明朝 Medium" panose="02020500000000000000" pitchFamily="18" charset="-128"/>
-              <a:ea typeface="BIZ UDP明朝 Medium" panose="02020500000000000000" pitchFamily="18" charset="-128"/>
-            </a:endParaRPr>
-          </a:p>
-          <a:p>
-            <a:r>
-              <a:rPr kumimoji="1" lang="en-US" altLang="ja-JP" dirty="0">
-                <a:latin typeface="BIZ UDP明朝 Medium" panose="02020500000000000000" pitchFamily="18" charset="-128"/>
-                <a:ea typeface="BIZ UDP明朝 Medium" panose="02020500000000000000" pitchFamily="18" charset="-128"/>
-              </a:rPr>
-              <a:t>						</a:t>
-            </a:r>
-            <a:r>
-              <a:rPr kumimoji="1" lang="ja-JP" altLang="en-US" dirty="0">
-                <a:latin typeface="BIZ UDP明朝 Medium" panose="02020500000000000000" pitchFamily="18" charset="-128"/>
-                <a:ea typeface="BIZ UDP明朝 Medium" panose="02020500000000000000" pitchFamily="18" charset="-128"/>
-              </a:rPr>
-              <a:t>マルチプレイ</a:t>
-            </a:r>
-            <a:r>
-              <a:rPr kumimoji="1" lang="en-US" altLang="ja-JP" dirty="0">
-                <a:latin typeface="BIZ UDP明朝 Medium" panose="02020500000000000000" pitchFamily="18" charset="-128"/>
-                <a:ea typeface="BIZ UDP明朝 Medium" panose="02020500000000000000" pitchFamily="18" charset="-128"/>
-              </a:rPr>
-              <a:t>		</a:t>
-            </a:r>
-            <a:r>
-              <a:rPr kumimoji="1" lang="ja-JP" altLang="en-US" dirty="0">
-                <a:latin typeface="BIZ UDP明朝 Medium" panose="02020500000000000000" pitchFamily="18" charset="-128"/>
-                <a:ea typeface="BIZ UDP明朝 Medium" panose="02020500000000000000" pitchFamily="18" charset="-128"/>
-              </a:rPr>
-              <a:t>　　</a:t>
-            </a:r>
-            <a:r>
-              <a:rPr kumimoji="1" lang="en-US" altLang="ja-JP" dirty="0">
-                <a:latin typeface="BIZ UDP明朝 Medium" panose="02020500000000000000" pitchFamily="18" charset="-128"/>
-                <a:ea typeface="BIZ UDP明朝 Medium" panose="02020500000000000000" pitchFamily="18" charset="-128"/>
-              </a:rPr>
-              <a:t>…</a:t>
-            </a:r>
-            <a:r>
-              <a:rPr kumimoji="1" lang="ja-JP" altLang="en-US" dirty="0">
-                <a:latin typeface="BIZ UDP明朝 Medium" panose="02020500000000000000" pitchFamily="18" charset="-128"/>
-                <a:ea typeface="BIZ UDP明朝 Medium" panose="02020500000000000000" pitchFamily="18" charset="-128"/>
-              </a:rPr>
-              <a:t>～</a:t>
-            </a:r>
-            <a:r>
-              <a:rPr kumimoji="1" lang="en-US" altLang="ja-JP" dirty="0">
-                <a:latin typeface="BIZ UDP明朝 Medium" panose="02020500000000000000" pitchFamily="18" charset="-128"/>
-                <a:ea typeface="BIZ UDP明朝 Medium" panose="02020500000000000000" pitchFamily="18" charset="-128"/>
-              </a:rPr>
-              <a:t>1</a:t>
-            </a:r>
-            <a:r>
-              <a:rPr kumimoji="1" lang="ja-JP" altLang="en-US" dirty="0">
-                <a:latin typeface="BIZ UDP明朝 Medium" panose="02020500000000000000" pitchFamily="18" charset="-128"/>
-                <a:ea typeface="BIZ UDP明朝 Medium" panose="02020500000000000000" pitchFamily="18" charset="-128"/>
-              </a:rPr>
-              <a:t>月末）</a:t>
-            </a:r>
-            <a:endParaRPr kumimoji="1" lang="en-US" altLang="ja-JP" dirty="0">
-              <a:latin typeface="BIZ UDP明朝 Medium" panose="02020500000000000000" pitchFamily="18" charset="-128"/>
-              <a:ea typeface="BIZ UDP明朝 Medium" panose="02020500000000000000" pitchFamily="18" charset="-128"/>
+              <a:t>（</a:t>
+            </a:r>
+            <a:r>
+              <a:rPr kumimoji="1" lang="ja-JP" altLang="en-US" sz="2400" dirty="0">
+                <a:latin typeface="BIZ UD明朝 Medium" panose="02020500000000000000" pitchFamily="17" charset="-128"/>
+                <a:ea typeface="BIZ UD明朝 Medium" panose="02020500000000000000" pitchFamily="17" charset="-128"/>
+              </a:rPr>
+              <a:t>このゲーム何が楽しいの？）</a:t>
+            </a:r>
+            <a:endParaRPr kumimoji="1" lang="en-US" altLang="ja-JP" sz="2400" dirty="0">
+              <a:latin typeface="BIZ UD明朝 Medium" panose="02020500000000000000" pitchFamily="17" charset="-128"/>
+              <a:ea typeface="BIZ UD明朝 Medium" panose="02020500000000000000" pitchFamily="17" charset="-128"/>
             </a:endParaRPr>
           </a:p>
         </p:txBody>
@@ -5222,7 +5527,7 @@
     </p:spTree>
     <p:extLst>
       <p:ext uri="{BB962C8B-B14F-4D97-AF65-F5344CB8AC3E}">
-        <p14:creationId xmlns:p14="http://schemas.microsoft.com/office/powerpoint/2010/main" val="1961887480"/>
+        <p14:creationId xmlns:p14="http://schemas.microsoft.com/office/powerpoint/2010/main" val="3509109435"/>
       </p:ext>
     </p:extLst>
   </p:cSld>
@@ -5254,7 +5559,7 @@
           <p:cNvPr id="4" name="テキスト ボックス 3">
             <a:extLst>
               <a:ext uri="{FF2B5EF4-FFF2-40B4-BE49-F238E27FC236}">
-                <a16:creationId xmlns:a16="http://schemas.microsoft.com/office/drawing/2014/main" id="{9C221001-BF6D-44EE-9FBC-9B07D41E8A82}"/>
+                <a16:creationId xmlns:a16="http://schemas.microsoft.com/office/drawing/2014/main" id="{A207CA68-2CBD-4011-98DB-637B4D60F250}"/>
               </a:ext>
             </a:extLst>
           </p:cNvPr>
@@ -5263,8 +5568,8 @@
         </p:nvSpPr>
         <p:spPr>
           <a:xfrm>
-            <a:off x="1189389" y="1425331"/>
-            <a:ext cx="7727324" cy="3970318"/>
+            <a:off x="1261004" y="4070421"/>
+            <a:ext cx="9321800" cy="2308324"/>
           </a:xfrm>
           <a:prstGeom prst="rect">
             <a:avLst/>
@@ -5278,122 +5583,143 @@
           <a:lstStyle/>
           <a:p>
             <a:r>
-              <a:rPr kumimoji="1" lang="ja-JP" altLang="en-US" dirty="0"/>
-              <a:t>このゲーム何が楽しいの？</a:t>
-            </a:r>
-            <a:endParaRPr kumimoji="1" lang="en-US" altLang="ja-JP" dirty="0"/>
-          </a:p>
-          <a:p>
-            <a:endParaRPr lang="en-US" altLang="ja-JP" dirty="0"/>
-          </a:p>
-          <a:p>
-            <a:r>
-              <a:rPr lang="ja-JP" altLang="en-US" dirty="0"/>
-              <a:t>人によって遊び方を変えれる</a:t>
-            </a:r>
-            <a:endParaRPr lang="en-US" altLang="ja-JP" dirty="0"/>
-          </a:p>
-          <a:p>
-            <a:r>
-              <a:rPr lang="en-US" altLang="ja-JP" dirty="0"/>
+              <a:rPr kumimoji="1" lang="ja-JP" altLang="en-US" sz="1800" dirty="0">
+                <a:latin typeface="BIZ UD明朝 Medium" panose="02020500000000000000" pitchFamily="17" charset="-128"/>
+                <a:ea typeface="BIZ UD明朝 Medium" panose="02020500000000000000" pitchFamily="17" charset="-128"/>
+              </a:rPr>
+              <a:t>・</a:t>
+            </a:r>
+            <a:r>
+              <a:rPr kumimoji="1" lang="ja-JP" altLang="en-US" sz="1800" u="sng" dirty="0">
+                <a:latin typeface="BIZ UD明朝 Medium" panose="02020500000000000000" pitchFamily="17" charset="-128"/>
+                <a:ea typeface="BIZ UD明朝 Medium" panose="02020500000000000000" pitchFamily="17" charset="-128"/>
+              </a:rPr>
+              <a:t>外部データを使用する</a:t>
+            </a:r>
+            <a:endParaRPr kumimoji="1" lang="en-US" altLang="ja-JP" sz="1800" u="sng" dirty="0">
+              <a:latin typeface="BIZ UD明朝 Medium" panose="02020500000000000000" pitchFamily="17" charset="-128"/>
+              <a:ea typeface="BIZ UD明朝 Medium" panose="02020500000000000000" pitchFamily="17" charset="-128"/>
+            </a:endParaRPr>
+          </a:p>
+          <a:p>
+            <a:r>
+              <a:rPr kumimoji="1" lang="en-US" altLang="ja-JP" dirty="0">
+                <a:latin typeface="BIZ UD明朝 Medium" panose="02020500000000000000" pitchFamily="17" charset="-128"/>
+                <a:ea typeface="BIZ UD明朝 Medium" panose="02020500000000000000" pitchFamily="17" charset="-128"/>
+              </a:rPr>
               <a:t>	</a:t>
             </a:r>
             <a:r>
-              <a:rPr lang="ja-JP" altLang="en-US" dirty="0"/>
-              <a:t>・遠くから銃で中</a:t>
-            </a:r>
-            <a:r>
-              <a:rPr lang="en-US" altLang="ja-JP" dirty="0"/>
-              <a:t>~</a:t>
-            </a:r>
-            <a:r>
-              <a:rPr lang="ja-JP" altLang="en-US" dirty="0"/>
-              <a:t>遠距離</a:t>
-            </a:r>
-            <a:endParaRPr lang="en-US" altLang="ja-JP" dirty="0"/>
-          </a:p>
-          <a:p>
-            <a:r>
-              <a:rPr lang="en-US" altLang="ja-JP" dirty="0"/>
+              <a:rPr kumimoji="1" lang="ja-JP" altLang="en-US" dirty="0">
+                <a:latin typeface="BIZ UD明朝 Medium" panose="02020500000000000000" pitchFamily="17" charset="-128"/>
+                <a:ea typeface="BIZ UD明朝 Medium" panose="02020500000000000000" pitchFamily="17" charset="-128"/>
+              </a:rPr>
+              <a:t>マップデータやアイテムなど</a:t>
+            </a:r>
+            <a:endParaRPr kumimoji="1" lang="en-US" altLang="ja-JP" dirty="0">
+              <a:latin typeface="BIZ UD明朝 Medium" panose="02020500000000000000" pitchFamily="17" charset="-128"/>
+              <a:ea typeface="BIZ UD明朝 Medium" panose="02020500000000000000" pitchFamily="17" charset="-128"/>
+            </a:endParaRPr>
+          </a:p>
+          <a:p>
+            <a:endParaRPr kumimoji="1" lang="en-US" altLang="ja-JP" sz="1800" dirty="0">
+              <a:latin typeface="BIZ UD明朝 Medium" panose="02020500000000000000" pitchFamily="17" charset="-128"/>
+              <a:ea typeface="BIZ UD明朝 Medium" panose="02020500000000000000" pitchFamily="17" charset="-128"/>
+            </a:endParaRPr>
+          </a:p>
+          <a:p>
+            <a:r>
+              <a:rPr lang="ja-JP" altLang="en-US" sz="1800" dirty="0">
+                <a:latin typeface="BIZ UD明朝 Medium" panose="02020500000000000000" pitchFamily="17" charset="-128"/>
+                <a:ea typeface="BIZ UD明朝 Medium" panose="02020500000000000000" pitchFamily="17" charset="-128"/>
+              </a:rPr>
+              <a:t>・</a:t>
+            </a:r>
+            <a:r>
+              <a:rPr lang="ja-JP" altLang="en-US" sz="1800" u="sng" dirty="0">
+                <a:latin typeface="BIZ UD明朝 Medium" panose="02020500000000000000" pitchFamily="17" charset="-128"/>
+                <a:ea typeface="BIZ UD明朝 Medium" panose="02020500000000000000" pitchFamily="17" charset="-128"/>
+              </a:rPr>
+              <a:t>演出面のクオリティをこだわる</a:t>
+            </a:r>
+            <a:endParaRPr lang="en-US" altLang="ja-JP" sz="1800" u="sng" dirty="0">
+              <a:latin typeface="BIZ UD明朝 Medium" panose="02020500000000000000" pitchFamily="17" charset="-128"/>
+              <a:ea typeface="BIZ UD明朝 Medium" panose="02020500000000000000" pitchFamily="17" charset="-128"/>
+            </a:endParaRPr>
+          </a:p>
+          <a:p>
+            <a:r>
+              <a:rPr kumimoji="1" lang="en-US" altLang="ja-JP" dirty="0">
+                <a:latin typeface="BIZ UD明朝 Medium" panose="02020500000000000000" pitchFamily="17" charset="-128"/>
+                <a:ea typeface="BIZ UD明朝 Medium" panose="02020500000000000000" pitchFamily="17" charset="-128"/>
+              </a:rPr>
               <a:t>	</a:t>
             </a:r>
             <a:r>
-              <a:rPr lang="ja-JP" altLang="en-US" dirty="0"/>
-              <a:t>・ナイフで近接</a:t>
-            </a:r>
-            <a:endParaRPr lang="en-US" altLang="ja-JP" dirty="0"/>
-          </a:p>
-          <a:p>
-            <a:r>
-              <a:rPr lang="en-US" altLang="ja-JP" dirty="0"/>
-              <a:t>	</a:t>
-            </a:r>
-            <a:r>
-              <a:rPr lang="ja-JP" altLang="en-US" dirty="0"/>
-              <a:t>・罠コンボを狙う</a:t>
-            </a:r>
-            <a:endParaRPr lang="en-US" altLang="ja-JP" dirty="0"/>
-          </a:p>
-          <a:p>
-            <a:endParaRPr lang="en-US" altLang="ja-JP" dirty="0"/>
-          </a:p>
-          <a:p>
-            <a:endParaRPr lang="en-US" altLang="ja-JP" dirty="0"/>
-          </a:p>
-          <a:p>
-            <a:endParaRPr lang="en-US" altLang="ja-JP" dirty="0"/>
-          </a:p>
-          <a:p>
-            <a:r>
-              <a:rPr kumimoji="1" lang="ja-JP" altLang="en-US" dirty="0"/>
-              <a:t>・銃の使い分け</a:t>
-            </a:r>
-            <a:endParaRPr kumimoji="1" lang="en-US" altLang="ja-JP" dirty="0"/>
-          </a:p>
-          <a:p>
-            <a:r>
-              <a:rPr lang="ja-JP" altLang="en-US" dirty="0"/>
-              <a:t>・集中砲火で敵の</a:t>
-            </a:r>
-            <a:r>
-              <a:rPr lang="en-US" altLang="ja-JP" dirty="0"/>
-              <a:t>HP</a:t>
-            </a:r>
-            <a:r>
-              <a:rPr lang="ja-JP" altLang="en-US" dirty="0"/>
-              <a:t>をガンガン減らす</a:t>
-            </a:r>
-            <a:endParaRPr lang="en-US" altLang="ja-JP" dirty="0"/>
-          </a:p>
-          <a:p>
-            <a:r>
-              <a:rPr kumimoji="1" lang="ja-JP" altLang="en-US" dirty="0"/>
-              <a:t>・アイテムを使用して敵の動きを止める</a:t>
-            </a:r>
-            <a:endParaRPr kumimoji="1" lang="en-US" altLang="ja-JP" dirty="0"/>
-          </a:p>
-          <a:p>
-            <a:r>
-              <a:rPr lang="ja-JP" altLang="en-US" dirty="0"/>
-              <a:t>・ハイスコアを目指した倒し方</a:t>
-            </a:r>
-            <a:endParaRPr lang="en-US" altLang="ja-JP" dirty="0"/>
-          </a:p>
-          <a:p>
-            <a:r>
-              <a:rPr lang="ja-JP" altLang="en-US" dirty="0"/>
-              <a:t>・罠コンボ</a:t>
-            </a:r>
-            <a:endParaRPr lang="en-US" altLang="ja-JP" dirty="0"/>
-          </a:p>
-        </p:txBody>
-      </p:sp>
-      <p:sp>
-        <p:nvSpPr>
-          <p:cNvPr id="5" name="テキスト ボックス 4">
+              <a:rPr kumimoji="1" lang="en-US" altLang="ja-JP" dirty="0">
+                <a:ea typeface="BIZ UD明朝 Medium" panose="02020500000000000000" pitchFamily="17" charset="-128"/>
+              </a:rPr>
+              <a:t>Effekseer</a:t>
+            </a:r>
+            <a:r>
+              <a:rPr kumimoji="1" lang="ja-JP" altLang="en-US" dirty="0">
+                <a:latin typeface="BIZ UD明朝 Medium" panose="02020500000000000000" pitchFamily="17" charset="-128"/>
+                <a:ea typeface="BIZ UD明朝 Medium" panose="02020500000000000000" pitchFamily="17" charset="-128"/>
+              </a:rPr>
+              <a:t>を使用してエフェクトを豪華にする</a:t>
+            </a:r>
+            <a:endParaRPr kumimoji="1" lang="en-US" altLang="ja-JP" dirty="0">
+              <a:latin typeface="BIZ UD明朝 Medium" panose="02020500000000000000" pitchFamily="17" charset="-128"/>
+              <a:ea typeface="BIZ UD明朝 Medium" panose="02020500000000000000" pitchFamily="17" charset="-128"/>
+            </a:endParaRPr>
+          </a:p>
+          <a:p>
+            <a:endParaRPr kumimoji="1" lang="en-US" altLang="ja-JP" dirty="0">
+              <a:latin typeface="BIZ UD明朝 Medium" panose="02020500000000000000" pitchFamily="17" charset="-128"/>
+              <a:ea typeface="BIZ UD明朝 Medium" panose="02020500000000000000" pitchFamily="17" charset="-128"/>
+            </a:endParaRPr>
+          </a:p>
+          <a:p>
+            <a:r>
+              <a:rPr kumimoji="1" lang="ja-JP" altLang="en-US" dirty="0">
+                <a:latin typeface="BIZ UD明朝 Medium" panose="02020500000000000000" pitchFamily="17" charset="-128"/>
+                <a:ea typeface="BIZ UD明朝 Medium" panose="02020500000000000000" pitchFamily="17" charset="-128"/>
+              </a:rPr>
+              <a:t>・</a:t>
+            </a:r>
+            <a:r>
+              <a:rPr kumimoji="1" lang="ja-JP" altLang="en-US" u="sng" dirty="0">
+                <a:latin typeface="BIZ UD明朝 Medium" panose="02020500000000000000" pitchFamily="17" charset="-128"/>
+                <a:ea typeface="BIZ UD明朝 Medium" panose="02020500000000000000" pitchFamily="17" charset="-128"/>
+              </a:rPr>
+              <a:t>等身モデルを使用し、アニメーションの切り替えやブレンドをできるようにする</a:t>
+            </a:r>
+            <a:endParaRPr kumimoji="1" lang="en-US" altLang="ja-JP" u="sng" dirty="0">
+              <a:latin typeface="BIZ UD明朝 Medium" panose="02020500000000000000" pitchFamily="17" charset="-128"/>
+              <a:ea typeface="BIZ UD明朝 Medium" panose="02020500000000000000" pitchFamily="17" charset="-128"/>
+            </a:endParaRPr>
+          </a:p>
+          <a:p>
+            <a:r>
+              <a:rPr kumimoji="1" lang="ja-JP" altLang="en-US" dirty="0">
+                <a:latin typeface="BIZ UD明朝 Medium" panose="02020500000000000000" pitchFamily="17" charset="-128"/>
+                <a:ea typeface="BIZ UD明朝 Medium" panose="02020500000000000000" pitchFamily="17" charset="-128"/>
+              </a:rPr>
+              <a:t>（前回上手くいかなかったので）</a:t>
+            </a:r>
+            <a:endParaRPr kumimoji="1" lang="en-US" altLang="ja-JP" dirty="0">
+              <a:latin typeface="BIZ UD明朝 Medium" panose="02020500000000000000" pitchFamily="17" charset="-128"/>
+              <a:ea typeface="BIZ UD明朝 Medium" panose="02020500000000000000" pitchFamily="17" charset="-128"/>
+            </a:endParaRPr>
+          </a:p>
+        </p:txBody>
+      </p:sp>
+      <p:sp>
+        <p:nvSpPr>
+          <p:cNvPr id="7" name="テキスト ボックス 6">
             <a:extLst>
               <a:ext uri="{FF2B5EF4-FFF2-40B4-BE49-F238E27FC236}">
-                <a16:creationId xmlns:a16="http://schemas.microsoft.com/office/drawing/2014/main" id="{96DEC820-2481-4E05-A281-0E489FABB76C}"/>
+                <a16:creationId xmlns:a16="http://schemas.microsoft.com/office/drawing/2014/main" id="{5C19E3E7-6CE4-4995-AFDD-29248FFA47EC}"/>
               </a:ext>
             </a:extLst>
           </p:cNvPr>
@@ -5402,8 +5728,8 @@
         </p:nvSpPr>
         <p:spPr>
           <a:xfrm>
-            <a:off x="1090649" y="3180724"/>
-            <a:ext cx="8255358" cy="2781837"/>
+            <a:off x="226916" y="202592"/>
+            <a:ext cx="2792752" cy="646331"/>
           </a:xfrm>
           <a:prstGeom prst="rect">
             <a:avLst/>
@@ -5411,21 +5737,27 @@
           <a:noFill/>
         </p:spPr>
         <p:txBody>
-          <a:bodyPr wrap="square" rtlCol="0">
+          <a:bodyPr wrap="none" rtlCol="0">
             <a:spAutoFit/>
           </a:bodyPr>
           <a:lstStyle/>
           <a:p>
-            <a:endParaRPr kumimoji="1" lang="ja-JP" altLang="en-US" dirty="0"/>
-          </a:p>
-        </p:txBody>
-      </p:sp>
-      <p:sp>
-        <p:nvSpPr>
-          <p:cNvPr id="6" name="テキスト ボックス 5">
+            <a:r>
+              <a:rPr kumimoji="1" lang="ja-JP" altLang="en-US" sz="3600" dirty="0">
+                <a:latin typeface="BIZ UDP明朝 Medium" panose="02020500000000000000" pitchFamily="18" charset="-128"/>
+                <a:ea typeface="BIZ UDP明朝 Medium" panose="02020500000000000000" pitchFamily="18" charset="-128"/>
+              </a:rPr>
+              <a:t>技術アピール</a:t>
+            </a:r>
+          </a:p>
+        </p:txBody>
+      </p:sp>
+      <p:sp>
+        <p:nvSpPr>
+          <p:cNvPr id="8" name="テキスト ボックス 7">
             <a:extLst>
               <a:ext uri="{FF2B5EF4-FFF2-40B4-BE49-F238E27FC236}">
-                <a16:creationId xmlns:a16="http://schemas.microsoft.com/office/drawing/2014/main" id="{3BFE104F-218E-4639-A4F7-A012C079D999}"/>
+                <a16:creationId xmlns:a16="http://schemas.microsoft.com/office/drawing/2014/main" id="{494D5F92-22EF-4E12-B3B7-0A611D3DCBBF}"/>
               </a:ext>
             </a:extLst>
           </p:cNvPr>
@@ -5434,8 +5766,8 @@
         </p:nvSpPr>
         <p:spPr>
           <a:xfrm>
-            <a:off x="226916" y="202592"/>
-            <a:ext cx="3639138" cy="646331"/>
+            <a:off x="1261004" y="999722"/>
+            <a:ext cx="8597225" cy="1631216"/>
           </a:xfrm>
           <a:prstGeom prst="rect">
             <a:avLst/>
@@ -5449,11 +5781,133 @@
           <a:lstStyle/>
           <a:p>
             <a:r>
-              <a:rPr kumimoji="1" lang="ja-JP" altLang="en-US" sz="3600" dirty="0">
-                <a:latin typeface="BIZ UDP明朝 Medium" panose="02020500000000000000" pitchFamily="18" charset="-128"/>
-                <a:ea typeface="BIZ UDP明朝 Medium" panose="02020500000000000000" pitchFamily="18" charset="-128"/>
-              </a:rPr>
-              <a:t>ゲームのアピール</a:t>
+              <a:rPr kumimoji="1" lang="ja-JP" altLang="en-US" sz="2000" dirty="0">
+                <a:latin typeface="BIZ UD明朝 Medium" panose="02020500000000000000" pitchFamily="17" charset="-128"/>
+                <a:ea typeface="BIZ UD明朝 Medium" panose="02020500000000000000" pitchFamily="17" charset="-128"/>
+              </a:rPr>
+              <a:t>・</a:t>
+            </a:r>
+            <a:r>
+              <a:rPr kumimoji="1" lang="ja-JP" altLang="en-US" sz="2000" u="sng" dirty="0">
+                <a:latin typeface="BIZ UD明朝 Medium" panose="02020500000000000000" pitchFamily="17" charset="-128"/>
+                <a:ea typeface="BIZ UD明朝 Medium" panose="02020500000000000000" pitchFamily="17" charset="-128"/>
+              </a:rPr>
+              <a:t>敵の倒し方を幅広く作る</a:t>
+            </a:r>
+            <a:endParaRPr kumimoji="1" lang="en-US" altLang="ja-JP" sz="2000" u="sng" dirty="0">
+              <a:latin typeface="BIZ UD明朝 Medium" panose="02020500000000000000" pitchFamily="17" charset="-128"/>
+              <a:ea typeface="BIZ UD明朝 Medium" panose="02020500000000000000" pitchFamily="17" charset="-128"/>
+            </a:endParaRPr>
+          </a:p>
+          <a:p>
+            <a:r>
+              <a:rPr kumimoji="1" lang="en-US" altLang="ja-JP" sz="2000" dirty="0">
+                <a:latin typeface="BIZ UD明朝 Medium" panose="02020500000000000000" pitchFamily="17" charset="-128"/>
+                <a:ea typeface="BIZ UD明朝 Medium" panose="02020500000000000000" pitchFamily="17" charset="-128"/>
+              </a:rPr>
+              <a:t>	</a:t>
+            </a:r>
+            <a:r>
+              <a:rPr kumimoji="1" lang="ja-JP" altLang="en-US" sz="2000" dirty="0">
+                <a:latin typeface="BIZ UD明朝 Medium" panose="02020500000000000000" pitchFamily="17" charset="-128"/>
+                <a:ea typeface="BIZ UD明朝 Medium" panose="02020500000000000000" pitchFamily="17" charset="-128"/>
+              </a:rPr>
+              <a:t>銃・罠等に種類を作り、様々なギミックが作れることをアピールする</a:t>
+            </a:r>
+            <a:endParaRPr kumimoji="1" lang="en-US" altLang="ja-JP" sz="2000" dirty="0">
+              <a:latin typeface="BIZ UD明朝 Medium" panose="02020500000000000000" pitchFamily="17" charset="-128"/>
+              <a:ea typeface="BIZ UD明朝 Medium" panose="02020500000000000000" pitchFamily="17" charset="-128"/>
+            </a:endParaRPr>
+          </a:p>
+          <a:p>
+            <a:endParaRPr kumimoji="1" lang="en-US" altLang="ja-JP" sz="2000" dirty="0">
+              <a:latin typeface="BIZ UD明朝 Medium" panose="02020500000000000000" pitchFamily="17" charset="-128"/>
+              <a:ea typeface="BIZ UD明朝 Medium" panose="02020500000000000000" pitchFamily="17" charset="-128"/>
+            </a:endParaRPr>
+          </a:p>
+          <a:p>
+            <a:r>
+              <a:rPr kumimoji="1" lang="ja-JP" altLang="en-US" sz="2000" dirty="0">
+                <a:latin typeface="BIZ UD明朝 Medium" panose="02020500000000000000" pitchFamily="17" charset="-128"/>
+                <a:ea typeface="BIZ UD明朝 Medium" panose="02020500000000000000" pitchFamily="17" charset="-128"/>
+              </a:rPr>
+              <a:t>・</a:t>
+            </a:r>
+            <a:r>
+              <a:rPr kumimoji="1" lang="en-US" altLang="ja-JP" sz="2000" u="sng" dirty="0">
+                <a:latin typeface="BIZ UD明朝 Medium" panose="02020500000000000000" pitchFamily="17" charset="-128"/>
+                <a:ea typeface="BIZ UD明朝 Medium" panose="02020500000000000000" pitchFamily="17" charset="-128"/>
+              </a:rPr>
+              <a:t>3D</a:t>
+            </a:r>
+            <a:r>
+              <a:rPr kumimoji="1" lang="ja-JP" altLang="en-US" sz="2000" u="sng" dirty="0">
+                <a:latin typeface="BIZ UD明朝 Medium" panose="02020500000000000000" pitchFamily="17" charset="-128"/>
+                <a:ea typeface="BIZ UD明朝 Medium" panose="02020500000000000000" pitchFamily="17" charset="-128"/>
+              </a:rPr>
+              <a:t>アクションゲームを作成する</a:t>
+            </a:r>
+            <a:endParaRPr kumimoji="1" lang="en-US" altLang="ja-JP" sz="2000" u="sng" dirty="0">
+              <a:latin typeface="BIZ UD明朝 Medium" panose="02020500000000000000" pitchFamily="17" charset="-128"/>
+              <a:ea typeface="BIZ UD明朝 Medium" panose="02020500000000000000" pitchFamily="17" charset="-128"/>
+            </a:endParaRPr>
+          </a:p>
+          <a:p>
+            <a:r>
+              <a:rPr kumimoji="1" lang="en-US" altLang="ja-JP" sz="2000" dirty="0">
+                <a:latin typeface="BIZ UD明朝 Medium" panose="02020500000000000000" pitchFamily="17" charset="-128"/>
+                <a:ea typeface="BIZ UD明朝 Medium" panose="02020500000000000000" pitchFamily="17" charset="-128"/>
+              </a:rPr>
+              <a:t>	 3D</a:t>
+            </a:r>
+            <a:r>
+              <a:rPr kumimoji="1" lang="ja-JP" altLang="en-US" sz="2000" dirty="0">
+                <a:latin typeface="BIZ UD明朝 Medium" panose="02020500000000000000" pitchFamily="17" charset="-128"/>
+                <a:ea typeface="BIZ UD明朝 Medium" panose="02020500000000000000" pitchFamily="17" charset="-128"/>
+              </a:rPr>
+              <a:t>の当たり判定ができることをアピールする</a:t>
+            </a:r>
+            <a:endParaRPr kumimoji="1" lang="en-US" altLang="ja-JP" sz="2000" dirty="0">
+              <a:latin typeface="BIZ UD明朝 Medium" panose="02020500000000000000" pitchFamily="17" charset="-128"/>
+              <a:ea typeface="BIZ UD明朝 Medium" panose="02020500000000000000" pitchFamily="17" charset="-128"/>
+            </a:endParaRPr>
+          </a:p>
+        </p:txBody>
+      </p:sp>
+      <p:sp>
+        <p:nvSpPr>
+          <p:cNvPr id="9" name="テキスト ボックス 8">
+            <a:extLst>
+              <a:ext uri="{FF2B5EF4-FFF2-40B4-BE49-F238E27FC236}">
+                <a16:creationId xmlns:a16="http://schemas.microsoft.com/office/drawing/2014/main" id="{CAF62AD4-D344-47AC-AEF5-BD04414EE1A9}"/>
+              </a:ext>
+            </a:extLst>
+          </p:cNvPr>
+          <p:cNvSpPr txBox="1"/>
+          <p:nvPr/>
+        </p:nvSpPr>
+        <p:spPr>
+          <a:xfrm>
+            <a:off x="226916" y="3429000"/>
+            <a:ext cx="2492990" cy="369332"/>
+          </a:xfrm>
+          <a:prstGeom prst="rect">
+            <a:avLst/>
+          </a:prstGeom>
+          <a:noFill/>
+        </p:spPr>
+        <p:txBody>
+          <a:bodyPr wrap="none" rtlCol="0">
+            <a:spAutoFit/>
+          </a:bodyPr>
+          <a:lstStyle/>
+          <a:p>
+            <a:r>
+              <a:rPr kumimoji="1" lang="ja-JP" altLang="en-US" dirty="0">
+                <a:latin typeface="BIZ UD明朝 Medium" panose="02020500000000000000" pitchFamily="17" charset="-128"/>
+                <a:ea typeface="BIZ UD明朝 Medium" panose="02020500000000000000" pitchFamily="17" charset="-128"/>
+              </a:rPr>
+              <a:t>チャレンジしたいこと</a:t>
             </a:r>
           </a:p>
         </p:txBody>
@@ -5461,7 +5915,7 @@
     </p:spTree>
     <p:extLst>
       <p:ext uri="{BB962C8B-B14F-4D97-AF65-F5344CB8AC3E}">
-        <p14:creationId xmlns:p14="http://schemas.microsoft.com/office/powerpoint/2010/main" val="3509109435"/>
+        <p14:creationId xmlns:p14="http://schemas.microsoft.com/office/powerpoint/2010/main" val="3044686230"/>
       </p:ext>
     </p:extLst>
   </p:cSld>
@@ -5517,7 +5971,10 @@
           <a:lstStyle/>
           <a:p>
             <a:r>
-              <a:rPr kumimoji="1" lang="ja-JP" altLang="en-US" sz="3600" dirty="0"/>
+              <a:rPr kumimoji="1" lang="ja-JP" altLang="en-US" sz="3600" dirty="0">
+                <a:latin typeface="BIZ UD明朝 Medium" panose="02020500000000000000" pitchFamily="17" charset="-128"/>
+                <a:ea typeface="BIZ UD明朝 Medium" panose="02020500000000000000" pitchFamily="17" charset="-128"/>
+              </a:rPr>
               <a:t>ゲーム画面</a:t>
             </a:r>
           </a:p>
@@ -5808,7 +6265,10 @@
           <a:lstStyle/>
           <a:p>
             <a:r>
-              <a:rPr kumimoji="1" lang="ja-JP" altLang="en-US" dirty="0"/>
+              <a:rPr kumimoji="1" lang="ja-JP" altLang="en-US" dirty="0">
+                <a:latin typeface="BIZ UD明朝 Medium" panose="02020500000000000000" pitchFamily="17" charset="-128"/>
+                <a:ea typeface="BIZ UD明朝 Medium" panose="02020500000000000000" pitchFamily="17" charset="-128"/>
+              </a:rPr>
               <a:t>残り時間</a:t>
             </a:r>
           </a:p>
@@ -5843,14 +6303,23 @@
           <a:lstStyle/>
           <a:p>
             <a:r>
-              <a:rPr kumimoji="1" lang="ja-JP" altLang="en-US" dirty="0"/>
+              <a:rPr kumimoji="1" lang="ja-JP" altLang="en-US" dirty="0">
+                <a:latin typeface="BIZ UD明朝 Medium" panose="02020500000000000000" pitchFamily="17" charset="-128"/>
+                <a:ea typeface="BIZ UD明朝 Medium" panose="02020500000000000000" pitchFamily="17" charset="-128"/>
+              </a:rPr>
               <a:t>プレイヤー</a:t>
             </a:r>
             <a:r>
-              <a:rPr kumimoji="1" lang="en-US" altLang="ja-JP" dirty="0"/>
+              <a:rPr kumimoji="1" lang="en-US" altLang="ja-JP" dirty="0">
+                <a:latin typeface="BIZ UD明朝 Medium" panose="02020500000000000000" pitchFamily="17" charset="-128"/>
+                <a:ea typeface="BIZ UD明朝 Medium" panose="02020500000000000000" pitchFamily="17" charset="-128"/>
+              </a:rPr>
               <a:t>HP</a:t>
             </a:r>
-            <a:endParaRPr kumimoji="1" lang="ja-JP" altLang="en-US" dirty="0"/>
+            <a:endParaRPr kumimoji="1" lang="ja-JP" altLang="en-US" dirty="0">
+              <a:latin typeface="BIZ UD明朝 Medium" panose="02020500000000000000" pitchFamily="17" charset="-128"/>
+              <a:ea typeface="BIZ UD明朝 Medium" panose="02020500000000000000" pitchFamily="17" charset="-128"/>
+            </a:endParaRPr>
           </a:p>
         </p:txBody>
       </p:sp>
@@ -5883,7 +6352,10 @@
           <a:lstStyle/>
           <a:p>
             <a:r>
-              <a:rPr kumimoji="1" lang="ja-JP" altLang="en-US" dirty="0"/>
+              <a:rPr kumimoji="1" lang="ja-JP" altLang="en-US" dirty="0">
+                <a:latin typeface="BIZ UD明朝 Medium" panose="02020500000000000000" pitchFamily="17" charset="-128"/>
+                <a:ea typeface="BIZ UD明朝 Medium" panose="02020500000000000000" pitchFamily="17" charset="-128"/>
+              </a:rPr>
               <a:t>プレイヤースタミナ</a:t>
             </a:r>
           </a:p>
@@ -5918,7 +6390,10 @@
           <a:lstStyle/>
           <a:p>
             <a:r>
-              <a:rPr kumimoji="1" lang="ja-JP" altLang="en-US" dirty="0"/>
+              <a:rPr kumimoji="1" lang="ja-JP" altLang="en-US" dirty="0">
+                <a:latin typeface="BIZ UD明朝 Medium" panose="02020500000000000000" pitchFamily="17" charset="-128"/>
+                <a:ea typeface="BIZ UD明朝 Medium" panose="02020500000000000000" pitchFamily="17" charset="-128"/>
+              </a:rPr>
               <a:t>選択中の武器を使用</a:t>
             </a:r>
           </a:p>
@@ -5953,7 +6428,10 @@
           <a:lstStyle/>
           <a:p>
             <a:r>
-              <a:rPr kumimoji="1" lang="ja-JP" altLang="en-US" dirty="0"/>
+              <a:rPr kumimoji="1" lang="ja-JP" altLang="en-US" dirty="0">
+                <a:latin typeface="BIZ UD明朝 Medium" panose="02020500000000000000" pitchFamily="17" charset="-128"/>
+                <a:ea typeface="BIZ UD明朝 Medium" panose="02020500000000000000" pitchFamily="17" charset="-128"/>
+              </a:rPr>
               <a:t>武器の切り替え</a:t>
             </a:r>
           </a:p>
@@ -6281,7 +6759,10 @@
           <a:lstStyle/>
           <a:p>
             <a:r>
-              <a:rPr kumimoji="1" lang="ja-JP" altLang="en-US" dirty="0"/>
+              <a:rPr kumimoji="1" lang="ja-JP" altLang="en-US" dirty="0">
+                <a:latin typeface="BIZ UD明朝 Medium" panose="02020500000000000000" pitchFamily="17" charset="-128"/>
+                <a:ea typeface="BIZ UD明朝 Medium" panose="02020500000000000000" pitchFamily="17" charset="-128"/>
+              </a:rPr>
               <a:t>攻撃ポイント</a:t>
             </a:r>
           </a:p>
@@ -6599,7 +7080,10 @@
           <a:lstStyle/>
           <a:p>
             <a:r>
-              <a:rPr kumimoji="1" lang="ja-JP" altLang="en-US" dirty="0"/>
+              <a:rPr kumimoji="1" lang="ja-JP" altLang="en-US" dirty="0">
+                <a:latin typeface="BIZ UD明朝 Medium" panose="02020500000000000000" pitchFamily="17" charset="-128"/>
+                <a:ea typeface="BIZ UD明朝 Medium" panose="02020500000000000000" pitchFamily="17" charset="-128"/>
+              </a:rPr>
               <a:t>敵アイコン</a:t>
             </a:r>
           </a:p>
@@ -6620,7 +7104,7 @@
         <p:spPr>
           <a:xfrm>
             <a:off x="2860086" y="6488668"/>
-            <a:ext cx="739305" cy="369332"/>
+            <a:ext cx="646331" cy="369332"/>
           </a:xfrm>
           <a:prstGeom prst="rect">
             <a:avLst/>
@@ -6634,14 +7118,23 @@
           <a:lstStyle/>
           <a:p>
             <a:r>
-              <a:rPr kumimoji="1" lang="ja-JP" altLang="en-US" dirty="0"/>
+              <a:rPr kumimoji="1" lang="ja-JP" altLang="en-US" dirty="0">
+                <a:latin typeface="BIZ UD明朝 Medium" panose="02020500000000000000" pitchFamily="17" charset="-128"/>
+                <a:ea typeface="BIZ UD明朝 Medium" panose="02020500000000000000" pitchFamily="17" charset="-128"/>
+              </a:rPr>
               <a:t>敵</a:t>
             </a:r>
             <a:r>
-              <a:rPr kumimoji="1" lang="en-US" altLang="ja-JP" dirty="0"/>
+              <a:rPr kumimoji="1" lang="en-US" altLang="ja-JP" dirty="0">
+                <a:latin typeface="BIZ UD明朝 Medium" panose="02020500000000000000" pitchFamily="17" charset="-128"/>
+                <a:ea typeface="BIZ UD明朝 Medium" panose="02020500000000000000" pitchFamily="17" charset="-128"/>
+              </a:rPr>
               <a:t>HP</a:t>
             </a:r>
-            <a:endParaRPr kumimoji="1" lang="ja-JP" altLang="en-US" dirty="0"/>
+            <a:endParaRPr kumimoji="1" lang="ja-JP" altLang="en-US" dirty="0">
+              <a:latin typeface="BIZ UD明朝 Medium" panose="02020500000000000000" pitchFamily="17" charset="-128"/>
+              <a:ea typeface="BIZ UD明朝 Medium" panose="02020500000000000000" pitchFamily="17" charset="-128"/>
+            </a:endParaRPr>
           </a:p>
         </p:txBody>
       </p:sp>
@@ -6674,7 +7167,10 @@
           <a:lstStyle/>
           <a:p>
             <a:r>
-              <a:rPr kumimoji="1" lang="ja-JP" altLang="en-US" dirty="0"/>
+              <a:rPr kumimoji="1" lang="ja-JP" altLang="en-US" dirty="0">
+                <a:latin typeface="BIZ UD明朝 Medium" panose="02020500000000000000" pitchFamily="17" charset="-128"/>
+                <a:ea typeface="BIZ UD明朝 Medium" panose="02020500000000000000" pitchFamily="17" charset="-128"/>
+              </a:rPr>
               <a:t>アイテム使用</a:t>
             </a:r>
           </a:p>
@@ -6811,7 +7307,10 @@
           <a:lstStyle/>
           <a:p>
             <a:r>
-              <a:rPr kumimoji="1" lang="ja-JP" altLang="en-US" dirty="0"/>
+              <a:rPr kumimoji="1" lang="ja-JP" altLang="en-US" dirty="0">
+                <a:latin typeface="BIZ UD明朝 Medium" panose="02020500000000000000" pitchFamily="17" charset="-128"/>
+                <a:ea typeface="BIZ UD明朝 Medium" panose="02020500000000000000" pitchFamily="17" charset="-128"/>
+              </a:rPr>
               <a:t>通常攻撃</a:t>
             </a:r>
           </a:p>
@@ -6882,7 +7381,10 @@
           <a:lstStyle/>
           <a:p>
             <a:r>
-              <a:rPr kumimoji="1" lang="ja-JP" altLang="en-US" dirty="0"/>
+              <a:rPr kumimoji="1" lang="ja-JP" altLang="en-US" dirty="0">
+                <a:latin typeface="BIZ UD明朝 Medium" panose="02020500000000000000" pitchFamily="17" charset="-128"/>
+                <a:ea typeface="BIZ UD明朝 Medium" panose="02020500000000000000" pitchFamily="17" charset="-128"/>
+              </a:rPr>
               <a:t>罠攻撃</a:t>
             </a:r>
           </a:p>
@@ -6917,7 +7419,10 @@
           <a:lstStyle/>
           <a:p>
             <a:r>
-              <a:rPr kumimoji="1" lang="ja-JP" altLang="en-US" dirty="0"/>
+              <a:rPr kumimoji="1" lang="ja-JP" altLang="en-US" dirty="0">
+                <a:latin typeface="BIZ UD明朝 Medium" panose="02020500000000000000" pitchFamily="17" charset="-128"/>
+                <a:ea typeface="BIZ UD明朝 Medium" panose="02020500000000000000" pitchFamily="17" charset="-128"/>
+              </a:rPr>
               <a:t>集中砲火</a:t>
             </a:r>
           </a:p>
@@ -6952,7 +7457,10 @@
           <a:lstStyle/>
           <a:p>
             <a:r>
-              <a:rPr kumimoji="1" lang="ja-JP" altLang="en-US" sz="3600" dirty="0"/>
+              <a:rPr kumimoji="1" lang="ja-JP" altLang="en-US" sz="3600" dirty="0">
+                <a:latin typeface="BIZ UD明朝 Medium" panose="02020500000000000000" pitchFamily="17" charset="-128"/>
+                <a:ea typeface="BIZ UD明朝 Medium" panose="02020500000000000000" pitchFamily="17" charset="-128"/>
+              </a:rPr>
               <a:t>ゲーム画面</a:t>
             </a:r>
           </a:p>
@@ -6972,7 +7480,7 @@
         </p:nvSpPr>
         <p:spPr>
           <a:xfrm>
-            <a:off x="5311170" y="1353015"/>
+            <a:off x="4667178" y="1185063"/>
             <a:ext cx="1569660" cy="369332"/>
           </a:xfrm>
           <a:prstGeom prst="rect">
@@ -6987,7 +7495,10 @@
           <a:lstStyle/>
           <a:p>
             <a:r>
-              <a:rPr kumimoji="1" lang="ja-JP" altLang="en-US" dirty="0"/>
+              <a:rPr kumimoji="1" lang="ja-JP" altLang="en-US" dirty="0">
+                <a:latin typeface="BIZ UD明朝 Medium" panose="02020500000000000000" pitchFamily="17" charset="-128"/>
+                <a:ea typeface="BIZ UD明朝 Medium" panose="02020500000000000000" pitchFamily="17" charset="-128"/>
+              </a:rPr>
               <a:t>攻撃パターン</a:t>
             </a:r>
           </a:p>
@@ -7008,7 +7519,7 @@
         <p:spPr>
           <a:xfrm>
             <a:off x="201727" y="5089485"/>
-            <a:ext cx="3605474" cy="830997"/>
+            <a:ext cx="3877985" cy="830997"/>
           </a:xfrm>
           <a:prstGeom prst="rect">
             <a:avLst/>
@@ -7022,30 +7533,37 @@
           <a:lstStyle/>
           <a:p>
             <a:r>
-              <a:rPr kumimoji="1" lang="ja-JP" altLang="en-US" sz="1600" dirty="0"/>
+              <a:rPr kumimoji="1" lang="ja-JP" altLang="en-US" sz="1600" dirty="0">
+                <a:latin typeface="BIZ UD明朝 Medium" panose="02020500000000000000" pitchFamily="17" charset="-128"/>
+                <a:ea typeface="BIZ UD明朝 Medium" panose="02020500000000000000" pitchFamily="17" charset="-128"/>
+              </a:rPr>
               <a:t>ボタンで通常攻撃</a:t>
             </a:r>
-            <a:endParaRPr kumimoji="1" lang="en-US" altLang="ja-JP" sz="1600" dirty="0"/>
-          </a:p>
-          <a:p>
-            <a:r>
-              <a:rPr lang="en-US" altLang="ja-JP" sz="1600" dirty="0"/>
-              <a:t>()</a:t>
-            </a:r>
-            <a:r>
-              <a:rPr lang="ja-JP" altLang="en-US" sz="1600" dirty="0"/>
-              <a:t>で使用武器の切り替えができる</a:t>
-            </a:r>
-            <a:endParaRPr lang="en-US" altLang="ja-JP" sz="1600" dirty="0"/>
-          </a:p>
-          <a:p>
-            <a:r>
-              <a:rPr kumimoji="1" lang="en-US" altLang="ja-JP" sz="1600" dirty="0"/>
-              <a:t>()</a:t>
-            </a:r>
-            <a:r>
-              <a:rPr kumimoji="1" lang="ja-JP" altLang="en-US" sz="1600" dirty="0"/>
-              <a:t>を押している間敵をロックオンする</a:t>
+            <a:endParaRPr kumimoji="1" lang="en-US" altLang="ja-JP" sz="1600" dirty="0">
+              <a:latin typeface="BIZ UD明朝 Medium" panose="02020500000000000000" pitchFamily="17" charset="-128"/>
+              <a:ea typeface="BIZ UD明朝 Medium" panose="02020500000000000000" pitchFamily="17" charset="-128"/>
+            </a:endParaRPr>
+          </a:p>
+          <a:p>
+            <a:r>
+              <a:rPr lang="ja-JP" altLang="en-US" sz="1600" dirty="0">
+                <a:latin typeface="BIZ UD明朝 Medium" panose="02020500000000000000" pitchFamily="17" charset="-128"/>
+                <a:ea typeface="BIZ UD明朝 Medium" panose="02020500000000000000" pitchFamily="17" charset="-128"/>
+              </a:rPr>
+              <a:t>使用武器の切り替えができる</a:t>
+            </a:r>
+            <a:endParaRPr lang="en-US" altLang="ja-JP" sz="1600" dirty="0">
+              <a:latin typeface="BIZ UD明朝 Medium" panose="02020500000000000000" pitchFamily="17" charset="-128"/>
+              <a:ea typeface="BIZ UD明朝 Medium" panose="02020500000000000000" pitchFamily="17" charset="-128"/>
+            </a:endParaRPr>
+          </a:p>
+          <a:p>
+            <a:r>
+              <a:rPr kumimoji="1" lang="ja-JP" altLang="en-US" sz="1600" dirty="0">
+                <a:latin typeface="BIZ UD明朝 Medium" panose="02020500000000000000" pitchFamily="17" charset="-128"/>
+                <a:ea typeface="BIZ UD明朝 Medium" panose="02020500000000000000" pitchFamily="17" charset="-128"/>
+              </a:rPr>
+              <a:t>ボタン押している間敵をロックオンする</a:t>
             </a:r>
           </a:p>
         </p:txBody>
@@ -7065,7 +7583,7 @@
         <p:spPr>
           <a:xfrm>
             <a:off x="4076907" y="5212597"/>
-            <a:ext cx="2989921" cy="584775"/>
+            <a:ext cx="2646878" cy="584775"/>
           </a:xfrm>
           <a:prstGeom prst="rect">
             <a:avLst/>
@@ -7079,21 +7597,29 @@
           <a:lstStyle/>
           <a:p>
             <a:r>
-              <a:rPr kumimoji="1" lang="ja-JP" altLang="en-US" sz="1600" dirty="0"/>
+              <a:rPr kumimoji="1" lang="ja-JP" altLang="en-US" sz="1600" dirty="0">
+                <a:latin typeface="BIZ UD明朝 Medium" panose="02020500000000000000" pitchFamily="17" charset="-128"/>
+                <a:ea typeface="BIZ UD明朝 Medium" panose="02020500000000000000" pitchFamily="17" charset="-128"/>
+              </a:rPr>
               <a:t>罠を仕掛ける</a:t>
             </a:r>
-            <a:endParaRPr kumimoji="1" lang="en-US" altLang="ja-JP" sz="1600" dirty="0"/>
-          </a:p>
-          <a:p>
-            <a:r>
-              <a:rPr lang="en-US" altLang="ja-JP" sz="1600" dirty="0"/>
-              <a:t>()</a:t>
-            </a:r>
-            <a:r>
-              <a:rPr lang="ja-JP" altLang="en-US" sz="1600" dirty="0"/>
-              <a:t>で使用罠の切り替えができる</a:t>
-            </a:r>
-            <a:endParaRPr kumimoji="1" lang="ja-JP" altLang="en-US" sz="1600" dirty="0"/>
+            <a:endParaRPr kumimoji="1" lang="en-US" altLang="ja-JP" sz="1600" dirty="0">
+              <a:latin typeface="BIZ UD明朝 Medium" panose="02020500000000000000" pitchFamily="17" charset="-128"/>
+              <a:ea typeface="BIZ UD明朝 Medium" panose="02020500000000000000" pitchFamily="17" charset="-128"/>
+            </a:endParaRPr>
+          </a:p>
+          <a:p>
+            <a:r>
+              <a:rPr lang="ja-JP" altLang="en-US" sz="1600" dirty="0">
+                <a:latin typeface="BIZ UD明朝 Medium" panose="02020500000000000000" pitchFamily="17" charset="-128"/>
+                <a:ea typeface="BIZ UD明朝 Medium" panose="02020500000000000000" pitchFamily="17" charset="-128"/>
+              </a:rPr>
+              <a:t>使用罠の切り替えができる</a:t>
+            </a:r>
+            <a:endParaRPr kumimoji="1" lang="ja-JP" altLang="en-US" sz="1600" dirty="0">
+              <a:latin typeface="BIZ UD明朝 Medium" panose="02020500000000000000" pitchFamily="17" charset="-128"/>
+              <a:ea typeface="BIZ UD明朝 Medium" panose="02020500000000000000" pitchFamily="17" charset="-128"/>
+            </a:endParaRPr>
           </a:p>
         </p:txBody>
       </p:sp>
@@ -7126,21 +7652,36 @@
           <a:lstStyle/>
           <a:p>
             <a:r>
-              <a:rPr kumimoji="1" lang="ja-JP" altLang="en-US" sz="1600" dirty="0"/>
+              <a:rPr kumimoji="1" lang="ja-JP" altLang="en-US" sz="1600" dirty="0">
+                <a:latin typeface="BIZ UD明朝 Medium" panose="02020500000000000000" pitchFamily="17" charset="-128"/>
+                <a:ea typeface="BIZ UD明朝 Medium" panose="02020500000000000000" pitchFamily="17" charset="-128"/>
+              </a:rPr>
               <a:t>敵が罠にかかっている間に</a:t>
             </a:r>
-            <a:endParaRPr kumimoji="1" lang="en-US" altLang="ja-JP" sz="1600" dirty="0"/>
-          </a:p>
-          <a:p>
-            <a:r>
-              <a:rPr lang="ja-JP" altLang="en-US" sz="1600" dirty="0"/>
+            <a:endParaRPr kumimoji="1" lang="en-US" altLang="ja-JP" sz="1600" dirty="0">
+              <a:latin typeface="BIZ UD明朝 Medium" panose="02020500000000000000" pitchFamily="17" charset="-128"/>
+              <a:ea typeface="BIZ UD明朝 Medium" panose="02020500000000000000" pitchFamily="17" charset="-128"/>
+            </a:endParaRPr>
+          </a:p>
+          <a:p>
+            <a:r>
+              <a:rPr lang="ja-JP" altLang="en-US" sz="1600" dirty="0">
+                <a:latin typeface="BIZ UD明朝 Medium" panose="02020500000000000000" pitchFamily="17" charset="-128"/>
+                <a:ea typeface="BIZ UD明朝 Medium" panose="02020500000000000000" pitchFamily="17" charset="-128"/>
+              </a:rPr>
               <a:t>ロックオンをすると</a:t>
             </a:r>
-            <a:endParaRPr lang="en-US" altLang="ja-JP" sz="1600" dirty="0"/>
-          </a:p>
-          <a:p>
-            <a:r>
-              <a:rPr kumimoji="1" lang="ja-JP" altLang="en-US" sz="1600" dirty="0"/>
+            <a:endParaRPr lang="en-US" altLang="ja-JP" sz="1600" dirty="0">
+              <a:latin typeface="BIZ UD明朝 Medium" panose="02020500000000000000" pitchFamily="17" charset="-128"/>
+              <a:ea typeface="BIZ UD明朝 Medium" panose="02020500000000000000" pitchFamily="17" charset="-128"/>
+            </a:endParaRPr>
+          </a:p>
+          <a:p>
+            <a:r>
+              <a:rPr kumimoji="1" lang="ja-JP" altLang="en-US" sz="1600" dirty="0">
+                <a:latin typeface="BIZ UD明朝 Medium" panose="02020500000000000000" pitchFamily="17" charset="-128"/>
+                <a:ea typeface="BIZ UD明朝 Medium" panose="02020500000000000000" pitchFamily="17" charset="-128"/>
+              </a:rPr>
               <a:t>ボタン連打で集中砲火ができる</a:t>
             </a:r>
           </a:p>
@@ -7205,7 +7746,10 @@
           <a:lstStyle/>
           <a:p>
             <a:r>
-              <a:rPr kumimoji="1" lang="ja-JP" altLang="en-US" dirty="0"/>
+              <a:rPr kumimoji="1" lang="ja-JP" altLang="en-US" u="sng" dirty="0">
+                <a:latin typeface="BIZ UD明朝 Medium" panose="02020500000000000000" pitchFamily="17" charset="-128"/>
+                <a:ea typeface="BIZ UD明朝 Medium" panose="02020500000000000000" pitchFamily="17" charset="-128"/>
+              </a:rPr>
               <a:t>武器の種類</a:t>
             </a:r>
           </a:p>
@@ -7240,28 +7784,49 @@
           <a:lstStyle/>
           <a:p>
             <a:r>
-              <a:rPr kumimoji="1" lang="ja-JP" altLang="en-US" dirty="0"/>
+              <a:rPr kumimoji="1" lang="ja-JP" altLang="en-US" dirty="0">
+                <a:latin typeface="BIZ UD明朝 Medium" panose="02020500000000000000" pitchFamily="17" charset="-128"/>
+                <a:ea typeface="BIZ UD明朝 Medium" panose="02020500000000000000" pitchFamily="17" charset="-128"/>
+              </a:rPr>
               <a:t>ナイフ</a:t>
             </a:r>
-            <a:endParaRPr kumimoji="1" lang="en-US" altLang="ja-JP" dirty="0"/>
-          </a:p>
-          <a:p>
-            <a:r>
-              <a:rPr kumimoji="1" lang="ja-JP" altLang="en-US" dirty="0"/>
+            <a:endParaRPr kumimoji="1" lang="en-US" altLang="ja-JP" dirty="0">
+              <a:latin typeface="BIZ UD明朝 Medium" panose="02020500000000000000" pitchFamily="17" charset="-128"/>
+              <a:ea typeface="BIZ UD明朝 Medium" panose="02020500000000000000" pitchFamily="17" charset="-128"/>
+            </a:endParaRPr>
+          </a:p>
+          <a:p>
+            <a:r>
+              <a:rPr kumimoji="1" lang="ja-JP" altLang="en-US" dirty="0">
+                <a:latin typeface="BIZ UD明朝 Medium" panose="02020500000000000000" pitchFamily="17" charset="-128"/>
+                <a:ea typeface="BIZ UD明朝 Medium" panose="02020500000000000000" pitchFamily="17" charset="-128"/>
+              </a:rPr>
               <a:t>ハンドガン</a:t>
             </a:r>
-            <a:endParaRPr kumimoji="1" lang="en-US" altLang="ja-JP" dirty="0"/>
-          </a:p>
-          <a:p>
-            <a:r>
-              <a:rPr kumimoji="1" lang="ja-JP" altLang="en-US" dirty="0"/>
+            <a:endParaRPr kumimoji="1" lang="en-US" altLang="ja-JP" dirty="0">
+              <a:latin typeface="BIZ UD明朝 Medium" panose="02020500000000000000" pitchFamily="17" charset="-128"/>
+              <a:ea typeface="BIZ UD明朝 Medium" panose="02020500000000000000" pitchFamily="17" charset="-128"/>
+            </a:endParaRPr>
+          </a:p>
+          <a:p>
+            <a:r>
+              <a:rPr kumimoji="1" lang="ja-JP" altLang="en-US" dirty="0">
+                <a:latin typeface="BIZ UD明朝 Medium" panose="02020500000000000000" pitchFamily="17" charset="-128"/>
+                <a:ea typeface="BIZ UD明朝 Medium" panose="02020500000000000000" pitchFamily="17" charset="-128"/>
+              </a:rPr>
               <a:t>マシンガン</a:t>
             </a:r>
-            <a:endParaRPr kumimoji="1" lang="en-US" altLang="ja-JP" dirty="0"/>
-          </a:p>
-          <a:p>
-            <a:r>
-              <a:rPr kumimoji="1" lang="ja-JP" altLang="en-US" dirty="0"/>
+            <a:endParaRPr kumimoji="1" lang="en-US" altLang="ja-JP" dirty="0">
+              <a:latin typeface="BIZ UD明朝 Medium" panose="02020500000000000000" pitchFamily="17" charset="-128"/>
+              <a:ea typeface="BIZ UD明朝 Medium" panose="02020500000000000000" pitchFamily="17" charset="-128"/>
+            </a:endParaRPr>
+          </a:p>
+          <a:p>
+            <a:r>
+              <a:rPr kumimoji="1" lang="ja-JP" altLang="en-US" dirty="0">
+                <a:latin typeface="BIZ UD明朝 Medium" panose="02020500000000000000" pitchFamily="17" charset="-128"/>
+                <a:ea typeface="BIZ UD明朝 Medium" panose="02020500000000000000" pitchFamily="17" charset="-128"/>
+              </a:rPr>
               <a:t>ショットガン</a:t>
             </a:r>
           </a:p>
@@ -7296,7 +7861,10 @@
           <a:lstStyle/>
           <a:p>
             <a:r>
-              <a:rPr kumimoji="1" lang="ja-JP" altLang="en-US" dirty="0"/>
+              <a:rPr kumimoji="1" lang="ja-JP" altLang="en-US" u="sng" dirty="0">
+                <a:latin typeface="BIZ UD明朝 Medium" panose="02020500000000000000" pitchFamily="17" charset="-128"/>
+                <a:ea typeface="BIZ UD明朝 Medium" panose="02020500000000000000" pitchFamily="17" charset="-128"/>
+              </a:rPr>
               <a:t>アイテムの種類</a:t>
             </a:r>
           </a:p>
@@ -7317,7 +7885,7 @@
         <p:spPr>
           <a:xfrm>
             <a:off x="2719906" y="3920066"/>
-            <a:ext cx="4326826" cy="2308324"/>
+            <a:ext cx="4455066" cy="2308324"/>
           </a:xfrm>
           <a:prstGeom prst="rect">
             <a:avLst/>
@@ -7331,110 +7899,191 @@
           <a:lstStyle/>
           <a:p>
             <a:r>
-              <a:rPr kumimoji="1" lang="ja-JP" altLang="en-US" dirty="0"/>
+              <a:rPr kumimoji="1" lang="ja-JP" altLang="en-US" dirty="0">
+                <a:latin typeface="BIZ UD明朝 Medium" panose="02020500000000000000" pitchFamily="17" charset="-128"/>
+                <a:ea typeface="BIZ UD明朝 Medium" panose="02020500000000000000" pitchFamily="17" charset="-128"/>
+              </a:rPr>
               <a:t>・妨害アイテム　</a:t>
             </a:r>
-            <a:endParaRPr kumimoji="1" lang="en-US" altLang="ja-JP" dirty="0"/>
-          </a:p>
-          <a:p>
-            <a:r>
-              <a:rPr kumimoji="1" lang="en-US" altLang="ja-JP" dirty="0"/>
+            <a:endParaRPr kumimoji="1" lang="en-US" altLang="ja-JP" dirty="0">
+              <a:latin typeface="BIZ UD明朝 Medium" panose="02020500000000000000" pitchFamily="17" charset="-128"/>
+              <a:ea typeface="BIZ UD明朝 Medium" panose="02020500000000000000" pitchFamily="17" charset="-128"/>
+            </a:endParaRPr>
+          </a:p>
+          <a:p>
+            <a:r>
+              <a:rPr kumimoji="1" lang="en-US" altLang="ja-JP" dirty="0">
+                <a:latin typeface="BIZ UD明朝 Medium" panose="02020500000000000000" pitchFamily="17" charset="-128"/>
+                <a:ea typeface="BIZ UD明朝 Medium" panose="02020500000000000000" pitchFamily="17" charset="-128"/>
+              </a:rPr>
               <a:t>	</a:t>
             </a:r>
             <a:r>
-              <a:rPr kumimoji="1" lang="ja-JP" altLang="en-US" dirty="0"/>
+              <a:rPr kumimoji="1" lang="ja-JP" altLang="en-US" dirty="0">
+                <a:latin typeface="BIZ UD明朝 Medium" panose="02020500000000000000" pitchFamily="17" charset="-128"/>
+                <a:ea typeface="BIZ UD明朝 Medium" panose="02020500000000000000" pitchFamily="17" charset="-128"/>
+              </a:rPr>
               <a:t>その場に留める系</a:t>
             </a:r>
             <a:r>
-              <a:rPr kumimoji="1" lang="en-US" altLang="ja-JP" dirty="0"/>
+              <a:rPr kumimoji="1" lang="en-US" altLang="ja-JP" dirty="0">
+                <a:latin typeface="BIZ UD明朝 Medium" panose="02020500000000000000" pitchFamily="17" charset="-128"/>
+                <a:ea typeface="BIZ UD明朝 Medium" panose="02020500000000000000" pitchFamily="17" charset="-128"/>
+              </a:rPr>
               <a:t>(</a:t>
             </a:r>
             <a:r>
-              <a:rPr kumimoji="1" lang="ja-JP" altLang="en-US" dirty="0"/>
+              <a:rPr kumimoji="1" lang="ja-JP" altLang="en-US" dirty="0">
+                <a:latin typeface="BIZ UD明朝 Medium" panose="02020500000000000000" pitchFamily="17" charset="-128"/>
+                <a:ea typeface="BIZ UD明朝 Medium" panose="02020500000000000000" pitchFamily="17" charset="-128"/>
+              </a:rPr>
               <a:t>凍り床</a:t>
             </a:r>
             <a:r>
-              <a:rPr kumimoji="1" lang="en-US" altLang="ja-JP" dirty="0"/>
+              <a:rPr kumimoji="1" lang="en-US" altLang="ja-JP" dirty="0">
+                <a:latin typeface="BIZ UD明朝 Medium" panose="02020500000000000000" pitchFamily="17" charset="-128"/>
+                <a:ea typeface="BIZ UD明朝 Medium" panose="02020500000000000000" pitchFamily="17" charset="-128"/>
+              </a:rPr>
               <a:t>,</a:t>
             </a:r>
             <a:r>
-              <a:rPr kumimoji="1" lang="ja-JP" altLang="en-US" dirty="0"/>
+              <a:rPr kumimoji="1" lang="ja-JP" altLang="en-US" dirty="0">
+                <a:latin typeface="BIZ UD明朝 Medium" panose="02020500000000000000" pitchFamily="17" charset="-128"/>
+                <a:ea typeface="BIZ UD明朝 Medium" panose="02020500000000000000" pitchFamily="17" charset="-128"/>
+              </a:rPr>
               <a:t>回転椅子</a:t>
             </a:r>
             <a:r>
-              <a:rPr kumimoji="1" lang="en-US" altLang="ja-JP" dirty="0"/>
+              <a:rPr kumimoji="1" lang="en-US" altLang="ja-JP" dirty="0">
+                <a:latin typeface="BIZ UD明朝 Medium" panose="02020500000000000000" pitchFamily="17" charset="-128"/>
+                <a:ea typeface="BIZ UD明朝 Medium" panose="02020500000000000000" pitchFamily="17" charset="-128"/>
+              </a:rPr>
               <a:t>)</a:t>
             </a:r>
           </a:p>
           <a:p>
             <a:r>
-              <a:rPr kumimoji="1" lang="en-US" altLang="ja-JP" dirty="0"/>
+              <a:rPr kumimoji="1" lang="en-US" altLang="ja-JP" dirty="0">
+                <a:latin typeface="BIZ UD明朝 Medium" panose="02020500000000000000" pitchFamily="17" charset="-128"/>
+                <a:ea typeface="BIZ UD明朝 Medium" panose="02020500000000000000" pitchFamily="17" charset="-128"/>
+              </a:rPr>
               <a:t>	</a:t>
             </a:r>
             <a:r>
-              <a:rPr kumimoji="1" lang="ja-JP" altLang="en-US" dirty="0"/>
+              <a:rPr kumimoji="1" lang="ja-JP" altLang="en-US" dirty="0">
+                <a:latin typeface="BIZ UD明朝 Medium" panose="02020500000000000000" pitchFamily="17" charset="-128"/>
+                <a:ea typeface="BIZ UD明朝 Medium" panose="02020500000000000000" pitchFamily="17" charset="-128"/>
+              </a:rPr>
               <a:t>移動させる系</a:t>
             </a:r>
             <a:r>
-              <a:rPr kumimoji="1" lang="en-US" altLang="ja-JP" dirty="0"/>
+              <a:rPr kumimoji="1" lang="en-US" altLang="ja-JP" dirty="0">
+                <a:latin typeface="BIZ UD明朝 Medium" panose="02020500000000000000" pitchFamily="17" charset="-128"/>
+                <a:ea typeface="BIZ UD明朝 Medium" panose="02020500000000000000" pitchFamily="17" charset="-128"/>
+              </a:rPr>
               <a:t>(</a:t>
             </a:r>
             <a:r>
-              <a:rPr kumimoji="1" lang="ja-JP" altLang="en-US" dirty="0"/>
+              <a:rPr kumimoji="1" lang="ja-JP" altLang="en-US" dirty="0">
+                <a:latin typeface="BIZ UD明朝 Medium" panose="02020500000000000000" pitchFamily="17" charset="-128"/>
+                <a:ea typeface="BIZ UD明朝 Medium" panose="02020500000000000000" pitchFamily="17" charset="-128"/>
+              </a:rPr>
               <a:t>地雷</a:t>
             </a:r>
             <a:r>
-              <a:rPr kumimoji="1" lang="en-US" altLang="ja-JP" dirty="0"/>
+              <a:rPr kumimoji="1" lang="en-US" altLang="ja-JP" dirty="0">
+                <a:latin typeface="BIZ UD明朝 Medium" panose="02020500000000000000" pitchFamily="17" charset="-128"/>
+                <a:ea typeface="BIZ UD明朝 Medium" panose="02020500000000000000" pitchFamily="17" charset="-128"/>
+              </a:rPr>
               <a:t>,</a:t>
             </a:r>
             <a:r>
-              <a:rPr kumimoji="1" lang="ja-JP" altLang="en-US" dirty="0"/>
+              <a:rPr kumimoji="1" lang="ja-JP" altLang="en-US" dirty="0">
+                <a:latin typeface="BIZ UD明朝 Medium" panose="02020500000000000000" pitchFamily="17" charset="-128"/>
+                <a:ea typeface="BIZ UD明朝 Medium" panose="02020500000000000000" pitchFamily="17" charset="-128"/>
+              </a:rPr>
               <a:t>びっくり箱</a:t>
             </a:r>
             <a:r>
-              <a:rPr kumimoji="1" lang="en-US" altLang="ja-JP" dirty="0"/>
+              <a:rPr kumimoji="1" lang="en-US" altLang="ja-JP" dirty="0">
+                <a:latin typeface="BIZ UD明朝 Medium" panose="02020500000000000000" pitchFamily="17" charset="-128"/>
+                <a:ea typeface="BIZ UD明朝 Medium" panose="02020500000000000000" pitchFamily="17" charset="-128"/>
+              </a:rPr>
               <a:t>)</a:t>
             </a:r>
           </a:p>
           <a:p>
-            <a:endParaRPr kumimoji="1" lang="en-US" altLang="ja-JP" dirty="0"/>
-          </a:p>
-          <a:p>
-            <a:r>
-              <a:rPr kumimoji="1" lang="ja-JP" altLang="en-US" dirty="0"/>
+            <a:endParaRPr kumimoji="1" lang="en-US" altLang="ja-JP" dirty="0">
+              <a:latin typeface="BIZ UD明朝 Medium" panose="02020500000000000000" pitchFamily="17" charset="-128"/>
+              <a:ea typeface="BIZ UD明朝 Medium" panose="02020500000000000000" pitchFamily="17" charset="-128"/>
+            </a:endParaRPr>
+          </a:p>
+          <a:p>
+            <a:r>
+              <a:rPr kumimoji="1" lang="ja-JP" altLang="en-US" dirty="0">
+                <a:latin typeface="BIZ UD明朝 Medium" panose="02020500000000000000" pitchFamily="17" charset="-128"/>
+                <a:ea typeface="BIZ UD明朝 Medium" panose="02020500000000000000" pitchFamily="17" charset="-128"/>
+              </a:rPr>
               <a:t>・回復アイテム</a:t>
             </a:r>
-            <a:endParaRPr kumimoji="1" lang="en-US" altLang="ja-JP" dirty="0"/>
-          </a:p>
-          <a:p>
-            <a:r>
-              <a:rPr kumimoji="1" lang="en-US" altLang="ja-JP" dirty="0"/>
+            <a:endParaRPr kumimoji="1" lang="en-US" altLang="ja-JP" dirty="0">
+              <a:latin typeface="BIZ UD明朝 Medium" panose="02020500000000000000" pitchFamily="17" charset="-128"/>
+              <a:ea typeface="BIZ UD明朝 Medium" panose="02020500000000000000" pitchFamily="17" charset="-128"/>
+            </a:endParaRPr>
+          </a:p>
+          <a:p>
+            <a:r>
+              <a:rPr kumimoji="1" lang="en-US" altLang="ja-JP" dirty="0">
+                <a:latin typeface="BIZ UD明朝 Medium" panose="02020500000000000000" pitchFamily="17" charset="-128"/>
+                <a:ea typeface="BIZ UD明朝 Medium" panose="02020500000000000000" pitchFamily="17" charset="-128"/>
+              </a:rPr>
               <a:t>	</a:t>
             </a:r>
             <a:r>
-              <a:rPr kumimoji="1" lang="ja-JP" altLang="en-US" dirty="0"/>
+              <a:rPr kumimoji="1" lang="ja-JP" altLang="en-US" dirty="0">
+                <a:latin typeface="BIZ UD明朝 Medium" panose="02020500000000000000" pitchFamily="17" charset="-128"/>
+                <a:ea typeface="BIZ UD明朝 Medium" panose="02020500000000000000" pitchFamily="17" charset="-128"/>
+              </a:rPr>
               <a:t>体力回復</a:t>
             </a:r>
-            <a:endParaRPr kumimoji="1" lang="en-US" altLang="ja-JP" dirty="0"/>
-          </a:p>
-          <a:p>
-            <a:r>
-              <a:rPr kumimoji="1" lang="en-US" altLang="ja-JP" dirty="0"/>
+            <a:endParaRPr kumimoji="1" lang="en-US" altLang="ja-JP" dirty="0">
+              <a:latin typeface="BIZ UD明朝 Medium" panose="02020500000000000000" pitchFamily="17" charset="-128"/>
+              <a:ea typeface="BIZ UD明朝 Medium" panose="02020500000000000000" pitchFamily="17" charset="-128"/>
+            </a:endParaRPr>
+          </a:p>
+          <a:p>
+            <a:r>
+              <a:rPr kumimoji="1" lang="en-US" altLang="ja-JP" dirty="0">
+                <a:latin typeface="BIZ UD明朝 Medium" panose="02020500000000000000" pitchFamily="17" charset="-128"/>
+                <a:ea typeface="BIZ UD明朝 Medium" panose="02020500000000000000" pitchFamily="17" charset="-128"/>
+              </a:rPr>
               <a:t>	</a:t>
             </a:r>
             <a:r>
-              <a:rPr kumimoji="1" lang="ja-JP" altLang="en-US" dirty="0"/>
+              <a:rPr kumimoji="1" lang="ja-JP" altLang="en-US" dirty="0">
+                <a:latin typeface="BIZ UD明朝 Medium" panose="02020500000000000000" pitchFamily="17" charset="-128"/>
+                <a:ea typeface="BIZ UD明朝 Medium" panose="02020500000000000000" pitchFamily="17" charset="-128"/>
+              </a:rPr>
               <a:t>弾薬回復</a:t>
             </a:r>
-            <a:endParaRPr kumimoji="1" lang="en-US" altLang="ja-JP" dirty="0"/>
-          </a:p>
-          <a:p>
-            <a:r>
-              <a:rPr kumimoji="1" lang="en-US" altLang="ja-JP" dirty="0"/>
+            <a:endParaRPr kumimoji="1" lang="en-US" altLang="ja-JP" dirty="0">
+              <a:latin typeface="BIZ UD明朝 Medium" panose="02020500000000000000" pitchFamily="17" charset="-128"/>
+              <a:ea typeface="BIZ UD明朝 Medium" panose="02020500000000000000" pitchFamily="17" charset="-128"/>
+            </a:endParaRPr>
+          </a:p>
+          <a:p>
+            <a:r>
+              <a:rPr kumimoji="1" lang="en-US" altLang="ja-JP" dirty="0">
+                <a:latin typeface="BIZ UD明朝 Medium" panose="02020500000000000000" pitchFamily="17" charset="-128"/>
+                <a:ea typeface="BIZ UD明朝 Medium" panose="02020500000000000000" pitchFamily="17" charset="-128"/>
+              </a:rPr>
               <a:t>	</a:t>
             </a:r>
             <a:r>
-              <a:rPr kumimoji="1" lang="ja-JP" altLang="en-US" dirty="0"/>
+              <a:rPr kumimoji="1" lang="ja-JP" altLang="en-US" dirty="0">
+                <a:latin typeface="BIZ UD明朝 Medium" panose="02020500000000000000" pitchFamily="17" charset="-128"/>
+                <a:ea typeface="BIZ UD明朝 Medium" panose="02020500000000000000" pitchFamily="17" charset="-128"/>
+              </a:rPr>
               <a:t>スタミナ剤</a:t>
             </a:r>
           </a:p>
@@ -7516,21 +8165,36 @@
           <a:lstStyle/>
           <a:p>
             <a:r>
-              <a:rPr kumimoji="1" lang="ja-JP" altLang="en-US" sz="1400" dirty="0"/>
+              <a:rPr kumimoji="1" lang="ja-JP" altLang="en-US" sz="1400" dirty="0">
+                <a:latin typeface="BIZ UD明朝 Medium" panose="02020500000000000000" pitchFamily="17" charset="-128"/>
+                <a:ea typeface="BIZ UD明朝 Medium" panose="02020500000000000000" pitchFamily="17" charset="-128"/>
+              </a:rPr>
               <a:t>　弾の数に上限があるので</a:t>
             </a:r>
-            <a:endParaRPr kumimoji="1" lang="en-US" altLang="ja-JP" sz="1400" dirty="0"/>
-          </a:p>
-          <a:p>
-            <a:r>
-              <a:rPr kumimoji="1" lang="ja-JP" altLang="en-US" sz="1400" dirty="0"/>
+            <a:endParaRPr kumimoji="1" lang="en-US" altLang="ja-JP" sz="1400" dirty="0">
+              <a:latin typeface="BIZ UD明朝 Medium" panose="02020500000000000000" pitchFamily="17" charset="-128"/>
+              <a:ea typeface="BIZ UD明朝 Medium" panose="02020500000000000000" pitchFamily="17" charset="-128"/>
+            </a:endParaRPr>
+          </a:p>
+          <a:p>
+            <a:r>
+              <a:rPr kumimoji="1" lang="ja-JP" altLang="en-US" sz="1400" dirty="0">
+                <a:latin typeface="BIZ UD明朝 Medium" panose="02020500000000000000" pitchFamily="17" charset="-128"/>
+                <a:ea typeface="BIZ UD明朝 Medium" panose="02020500000000000000" pitchFamily="17" charset="-128"/>
+              </a:rPr>
               <a:t>マップ内にあるアイテムから回復する</a:t>
             </a:r>
-            <a:endParaRPr kumimoji="1" lang="en-US" altLang="ja-JP" sz="1400" dirty="0"/>
-          </a:p>
-          <a:p>
-            <a:r>
-              <a:rPr kumimoji="1" lang="ja-JP" altLang="en-US" sz="1400" dirty="0"/>
+            <a:endParaRPr kumimoji="1" lang="en-US" altLang="ja-JP" sz="1400" dirty="0">
+              <a:latin typeface="BIZ UD明朝 Medium" panose="02020500000000000000" pitchFamily="17" charset="-128"/>
+              <a:ea typeface="BIZ UD明朝 Medium" panose="02020500000000000000" pitchFamily="17" charset="-128"/>
+            </a:endParaRPr>
+          </a:p>
+          <a:p>
+            <a:r>
+              <a:rPr kumimoji="1" lang="ja-JP" altLang="en-US" sz="1400" dirty="0">
+                <a:latin typeface="BIZ UD明朝 Medium" panose="02020500000000000000" pitchFamily="17" charset="-128"/>
+                <a:ea typeface="BIZ UD明朝 Medium" panose="02020500000000000000" pitchFamily="17" charset="-128"/>
+              </a:rPr>
               <a:t>　また、威力と射程は各調整する</a:t>
             </a:r>
           </a:p>
@@ -7566,45 +8230,10 @@
           <a:p>
             <a:r>
               <a:rPr kumimoji="1" lang="ja-JP" altLang="en-US" sz="3600" dirty="0">
-                <a:latin typeface="BIZ UDP明朝 Medium" panose="02020500000000000000" pitchFamily="18" charset="-128"/>
-                <a:ea typeface="BIZ UDP明朝 Medium" panose="02020500000000000000" pitchFamily="18" charset="-128"/>
+                <a:latin typeface="BIZ UD明朝 Medium" panose="02020500000000000000" pitchFamily="17" charset="-128"/>
+                <a:ea typeface="BIZ UD明朝 Medium" panose="02020500000000000000" pitchFamily="17" charset="-128"/>
               </a:rPr>
               <a:t>ゲーム詳細</a:t>
-            </a:r>
-          </a:p>
-        </p:txBody>
-      </p:sp>
-      <p:sp>
-        <p:nvSpPr>
-          <p:cNvPr id="12" name="テキスト ボックス 11">
-            <a:extLst>
-              <a:ext uri="{FF2B5EF4-FFF2-40B4-BE49-F238E27FC236}">
-                <a16:creationId xmlns:a16="http://schemas.microsoft.com/office/drawing/2014/main" id="{A794326B-C14E-4A31-B124-3AE30D166280}"/>
-              </a:ext>
-            </a:extLst>
-          </p:cNvPr>
-          <p:cNvSpPr txBox="1"/>
-          <p:nvPr/>
-        </p:nvSpPr>
-        <p:spPr>
-          <a:xfrm>
-            <a:off x="8576733" y="5173133"/>
-            <a:ext cx="2262158" cy="369332"/>
-          </a:xfrm>
-          <a:prstGeom prst="rect">
-            <a:avLst/>
-          </a:prstGeom>
-          <a:noFill/>
-        </p:spPr>
-        <p:txBody>
-          <a:bodyPr wrap="none" rtlCol="0">
-            <a:spAutoFit/>
-          </a:bodyPr>
-          <a:lstStyle/>
-          <a:p>
-            <a:r>
-              <a:rPr kumimoji="1" lang="ja-JP" altLang="en-US" dirty="0"/>
-              <a:t>アイテム管理も有用</a:t>
             </a:r>
           </a:p>
         </p:txBody>
@@ -7613,89 +8242,6 @@
     <p:extLst>
       <p:ext uri="{BB962C8B-B14F-4D97-AF65-F5344CB8AC3E}">
         <p14:creationId xmlns:p14="http://schemas.microsoft.com/office/powerpoint/2010/main" val="2395050516"/>
-      </p:ext>
-    </p:extLst>
-  </p:cSld>
-  <p:clrMapOvr>
-    <a:masterClrMapping/>
-  </p:clrMapOvr>
-</p:sld>
-</file>
-
-<file path=ppt/slides/slide8.xml><?xml version="1.0" encoding="utf-8"?>
-<p:sld xmlns:a="http://schemas.openxmlformats.org/drawingml/2006/main" xmlns:r="http://schemas.openxmlformats.org/officeDocument/2006/relationships" xmlns:p="http://schemas.openxmlformats.org/presentationml/2006/main">
-  <p:cSld>
-    <p:spTree>
-      <p:nvGrpSpPr>
-        <p:cNvPr id="1" name=""/>
-        <p:cNvGrpSpPr/>
-        <p:nvPr/>
-      </p:nvGrpSpPr>
-      <p:grpSpPr>
-        <a:xfrm>
-          <a:off x="0" y="0"/>
-          <a:ext cx="0" cy="0"/>
-          <a:chOff x="0" y="0"/>
-          <a:chExt cx="0" cy="0"/>
-        </a:xfrm>
-      </p:grpSpPr>
-      <p:sp>
-        <p:nvSpPr>
-          <p:cNvPr id="2" name="タイトル 1">
-            <a:extLst>
-              <a:ext uri="{FF2B5EF4-FFF2-40B4-BE49-F238E27FC236}">
-                <a16:creationId xmlns:a16="http://schemas.microsoft.com/office/drawing/2014/main" id="{BE238D62-0ABB-4538-9AE7-C3A9E4F4E0D5}"/>
-              </a:ext>
-            </a:extLst>
-          </p:cNvPr>
-          <p:cNvSpPr>
-            <a:spLocks noGrp="1"/>
-          </p:cNvSpPr>
-          <p:nvPr>
-            <p:ph type="title"/>
-          </p:nvPr>
-        </p:nvSpPr>
-        <p:spPr/>
-        <p:txBody>
-          <a:bodyPr/>
-          <a:lstStyle/>
-          <a:p>
-            <a:r>
-              <a:rPr kumimoji="1" lang="ja-JP" altLang="en-US" dirty="0"/>
-              <a:t>技術アピール</a:t>
-            </a:r>
-          </a:p>
-        </p:txBody>
-      </p:sp>
-      <p:sp>
-        <p:nvSpPr>
-          <p:cNvPr id="3" name="コンテンツ プレースホルダー 2">
-            <a:extLst>
-              <a:ext uri="{FF2B5EF4-FFF2-40B4-BE49-F238E27FC236}">
-                <a16:creationId xmlns:a16="http://schemas.microsoft.com/office/drawing/2014/main" id="{7DB407B9-98D1-47AA-8941-8A16F35AA3D3}"/>
-              </a:ext>
-            </a:extLst>
-          </p:cNvPr>
-          <p:cNvSpPr>
-            <a:spLocks noGrp="1"/>
-          </p:cNvSpPr>
-          <p:nvPr>
-            <p:ph idx="1"/>
-          </p:nvPr>
-        </p:nvSpPr>
-        <p:spPr/>
-        <p:txBody>
-          <a:bodyPr/>
-          <a:lstStyle/>
-          <a:p>
-            <a:endParaRPr kumimoji="1" lang="ja-JP" altLang="en-US"/>
-          </a:p>
-        </p:txBody>
-      </p:sp>
-    </p:spTree>
-    <p:extLst>
-      <p:ext uri="{BB962C8B-B14F-4D97-AF65-F5344CB8AC3E}">
-        <p14:creationId xmlns:p14="http://schemas.microsoft.com/office/powerpoint/2010/main" val="3044686230"/>
       </p:ext>
     </p:extLst>
   </p:cSld>

--- a/3DGame_3_NamelessGame/NamelessGame_企画書.pptx
+++ b/3DGame_3_NamelessGame/NamelessGame_企画書.pptx
@@ -5,16 +5,17 @@
     <p:sldMasterId id="2147483660" r:id="rId1"/>
   </p:sldMasterIdLst>
   <p:notesMasterIdLst>
-    <p:notesMasterId r:id="rId9"/>
+    <p:notesMasterId r:id="rId10"/>
   </p:notesMasterIdLst>
   <p:sldIdLst>
     <p:sldId id="256" r:id="rId2"/>
     <p:sldId id="260" r:id="rId3"/>
-    <p:sldId id="258" r:id="rId4"/>
-    <p:sldId id="263" r:id="rId5"/>
-    <p:sldId id="261" r:id="rId6"/>
-    <p:sldId id="262" r:id="rId7"/>
-    <p:sldId id="259" r:id="rId8"/>
+    <p:sldId id="265" r:id="rId4"/>
+    <p:sldId id="258" r:id="rId5"/>
+    <p:sldId id="263" r:id="rId6"/>
+    <p:sldId id="261" r:id="rId7"/>
+    <p:sldId id="262" r:id="rId8"/>
+    <p:sldId id="259" r:id="rId9"/>
   </p:sldIdLst>
   <p:sldSz cx="12192000" cy="6858000"/>
   <p:notesSz cx="6858000" cy="9144000"/>
@@ -215,7 +216,7 @@
           <a:p>
             <a:fld id="{4B44C13B-4146-4F19-917C-9AB4DC0B462B}" type="datetimeFigureOut">
               <a:rPr kumimoji="1" lang="ja-JP" altLang="en-US" smtClean="0"/>
-              <a:t>2024/9/25</a:t>
+              <a:t>2024/9/27</a:t>
             </a:fld>
             <a:endParaRPr kumimoji="1" lang="ja-JP" altLang="en-US"/>
           </a:p>
@@ -682,7 +683,7 @@
           <a:p>
             <a:fld id="{DC4D95AC-18C1-46E4-B41F-A2EDA7BB3CE2}" type="datetimeFigureOut">
               <a:rPr kumimoji="1" lang="ja-JP" altLang="en-US" smtClean="0"/>
-              <a:t>2024/9/25</a:t>
+              <a:t>2024/9/27</a:t>
             </a:fld>
             <a:endParaRPr kumimoji="1" lang="ja-JP" altLang="en-US"/>
           </a:p>
@@ -942,7 +943,7 @@
           <a:p>
             <a:fld id="{DC4D95AC-18C1-46E4-B41F-A2EDA7BB3CE2}" type="datetimeFigureOut">
               <a:rPr kumimoji="1" lang="ja-JP" altLang="en-US" smtClean="0"/>
-              <a:t>2024/9/25</a:t>
+              <a:t>2024/9/27</a:t>
             </a:fld>
             <a:endParaRPr kumimoji="1" lang="ja-JP" altLang="en-US"/>
           </a:p>
@@ -1154,7 +1155,7 @@
           <a:p>
             <a:fld id="{DC4D95AC-18C1-46E4-B41F-A2EDA7BB3CE2}" type="datetimeFigureOut">
               <a:rPr kumimoji="1" lang="ja-JP" altLang="en-US" smtClean="0"/>
-              <a:t>2024/9/25</a:t>
+              <a:t>2024/9/27</a:t>
             </a:fld>
             <a:endParaRPr kumimoji="1" lang="ja-JP" altLang="en-US"/>
           </a:p>
@@ -1356,7 +1357,7 @@
           <a:p>
             <a:fld id="{DC4D95AC-18C1-46E4-B41F-A2EDA7BB3CE2}" type="datetimeFigureOut">
               <a:rPr kumimoji="1" lang="ja-JP" altLang="en-US" smtClean="0"/>
-              <a:t>2024/9/25</a:t>
+              <a:t>2024/9/27</a:t>
             </a:fld>
             <a:endParaRPr kumimoji="1" lang="ja-JP" altLang="en-US"/>
           </a:p>
@@ -1610,7 +1611,7 @@
           <a:p>
             <a:fld id="{DC4D95AC-18C1-46E4-B41F-A2EDA7BB3CE2}" type="datetimeFigureOut">
               <a:rPr kumimoji="1" lang="ja-JP" altLang="en-US" smtClean="0"/>
-              <a:t>2024/9/25</a:t>
+              <a:t>2024/9/27</a:t>
             </a:fld>
             <a:endParaRPr kumimoji="1" lang="ja-JP" altLang="en-US"/>
           </a:p>
@@ -2000,7 +2001,7 @@
           <a:p>
             <a:fld id="{DC4D95AC-18C1-46E4-B41F-A2EDA7BB3CE2}" type="datetimeFigureOut">
               <a:rPr kumimoji="1" lang="ja-JP" altLang="en-US" smtClean="0"/>
-              <a:t>2024/9/25</a:t>
+              <a:t>2024/9/27</a:t>
             </a:fld>
             <a:endParaRPr kumimoji="1" lang="ja-JP" altLang="en-US"/>
           </a:p>
@@ -2515,7 +2516,7 @@
           <a:p>
             <a:fld id="{DC4D95AC-18C1-46E4-B41F-A2EDA7BB3CE2}" type="datetimeFigureOut">
               <a:rPr kumimoji="1" lang="ja-JP" altLang="en-US" smtClean="0"/>
-              <a:t>2024/9/25</a:t>
+              <a:t>2024/9/27</a:t>
             </a:fld>
             <a:endParaRPr kumimoji="1" lang="ja-JP" altLang="en-US"/>
           </a:p>
@@ -2633,7 +2634,7 @@
           <a:p>
             <a:fld id="{DC4D95AC-18C1-46E4-B41F-A2EDA7BB3CE2}" type="datetimeFigureOut">
               <a:rPr kumimoji="1" lang="ja-JP" altLang="en-US" smtClean="0"/>
-              <a:t>2024/9/25</a:t>
+              <a:t>2024/9/27</a:t>
             </a:fld>
             <a:endParaRPr kumimoji="1" lang="ja-JP" altLang="en-US"/>
           </a:p>
@@ -2728,7 +2729,7 @@
           <a:p>
             <a:fld id="{DC4D95AC-18C1-46E4-B41F-A2EDA7BB3CE2}" type="datetimeFigureOut">
               <a:rPr kumimoji="1" lang="ja-JP" altLang="en-US" smtClean="0"/>
-              <a:t>2024/9/25</a:t>
+              <a:t>2024/9/27</a:t>
             </a:fld>
             <a:endParaRPr kumimoji="1" lang="ja-JP" altLang="en-US"/>
           </a:p>
@@ -3047,7 +3048,7 @@
           <a:p>
             <a:fld id="{DC4D95AC-18C1-46E4-B41F-A2EDA7BB3CE2}" type="datetimeFigureOut">
               <a:rPr kumimoji="1" lang="ja-JP" altLang="en-US" smtClean="0"/>
-              <a:t>2024/9/25</a:t>
+              <a:t>2024/9/27</a:t>
             </a:fld>
             <a:endParaRPr kumimoji="1" lang="ja-JP" altLang="en-US"/>
           </a:p>
@@ -3369,7 +3370,7 @@
           <a:p>
             <a:fld id="{DC4D95AC-18C1-46E4-B41F-A2EDA7BB3CE2}" type="datetimeFigureOut">
               <a:rPr kumimoji="1" lang="ja-JP" altLang="en-US" smtClean="0"/>
-              <a:t>2024/9/25</a:t>
+              <a:t>2024/9/27</a:t>
             </a:fld>
             <a:endParaRPr kumimoji="1" lang="ja-JP" altLang="en-US"/>
           </a:p>
@@ -3655,7 +3656,7 @@
           <a:p>
             <a:fld id="{DC4D95AC-18C1-46E4-B41F-A2EDA7BB3CE2}" type="datetimeFigureOut">
               <a:rPr kumimoji="1" lang="ja-JP" altLang="en-US" smtClean="0"/>
-              <a:t>2024/9/25</a:t>
+              <a:t>2024/9/27</a:t>
             </a:fld>
             <a:endParaRPr kumimoji="1" lang="ja-JP" altLang="en-US"/>
           </a:p>
@@ -4218,8 +4219,8 @@
         </p:nvSpPr>
         <p:spPr>
           <a:xfrm>
-            <a:off x="2440098" y="2248176"/>
-            <a:ext cx="6177268" cy="3495572"/>
+            <a:off x="2440097" y="2248176"/>
+            <a:ext cx="6916173" cy="3495572"/>
           </a:xfrm>
           <a:prstGeom prst="rect">
             <a:avLst/>
@@ -4309,19 +4310,22 @@
                 <a:latin typeface="BIZ UDP明朝 Medium" panose="02020500000000000000" pitchFamily="18" charset="-128"/>
                 <a:ea typeface="BIZ UDP明朝 Medium" panose="02020500000000000000" pitchFamily="18" charset="-128"/>
               </a:rPr>
-              <a:t>			</a:t>
-            </a:r>
-            <a:r>
-              <a:rPr lang="ja-JP" altLang="en-US" dirty="0">
+              <a:t>		</a:t>
+            </a:r>
+            <a:r>
+              <a:rPr lang="ja-JP" altLang="en-US" sz="2000" dirty="0">
                 <a:latin typeface="BIZ UDP明朝 Medium" panose="02020500000000000000" pitchFamily="18" charset="-128"/>
                 <a:ea typeface="BIZ UDP明朝 Medium" panose="02020500000000000000" pitchFamily="18" charset="-128"/>
               </a:rPr>
-              <a:t>非対称対戦ゲームで敵を倒したい人</a:t>
-            </a:r>
-            <a:endParaRPr lang="en-US" altLang="ja-JP" dirty="0">
-              <a:latin typeface="BIZ UDP明朝 Medium" panose="02020500000000000000" pitchFamily="18" charset="-128"/>
-              <a:ea typeface="BIZ UDP明朝 Medium" panose="02020500000000000000" pitchFamily="18" charset="-128"/>
-            </a:endParaRPr>
+              <a:t>　　</a:t>
+            </a:r>
+            <a:r>
+              <a:rPr kumimoji="1" lang="en-US" altLang="ja-JP" sz="1800" dirty="0">
+                <a:latin typeface="BIZ UDP明朝 Medium" panose="02020500000000000000" pitchFamily="18" charset="-128"/>
+                <a:ea typeface="BIZ UDP明朝 Medium" panose="02020500000000000000" pitchFamily="18" charset="-128"/>
+              </a:rPr>
+              <a:t> CAPCOM</a:t>
+            </a:r>
           </a:p>
           <a:p>
             <a:pPr>
@@ -4698,10 +4702,13 @@
               </a:rPr>
               <a:t>!!</a:t>
             </a:r>
-            <a:endParaRPr kumimoji="1" lang="en-US" altLang="ja-JP" sz="2000" dirty="0">
-              <a:latin typeface="BIZ UDP明朝 Medium" panose="02020500000000000000" pitchFamily="18" charset="-128"/>
-              <a:ea typeface="BIZ UDP明朝 Medium" panose="02020500000000000000" pitchFamily="18" charset="-128"/>
-            </a:endParaRPr>
+            <a:r>
+              <a:rPr kumimoji="1" lang="en-US" altLang="ja-JP" sz="2000" dirty="0">
+                <a:latin typeface="BIZ UDP明朝 Medium" panose="02020500000000000000" pitchFamily="18" charset="-128"/>
+                <a:ea typeface="BIZ UDP明朝 Medium" panose="02020500000000000000" pitchFamily="18" charset="-128"/>
+              </a:rPr>
+              <a:t>	</a:t>
+            </a:r>
           </a:p>
         </p:txBody>
       </p:sp>
@@ -4753,7 +4760,7 @@
         </p:nvSpPr>
         <p:spPr>
           <a:xfrm>
-            <a:off x="2936630" y="525757"/>
+            <a:off x="3236763" y="5473063"/>
             <a:ext cx="4674903" cy="303113"/>
           </a:xfrm>
         </p:spPr>
@@ -4773,155 +4780,6 @@
               <a:t>https://youtu.be/XzmV1WVtqGU?si=SVTgtqkkpFAillag&amp;t=19</a:t>
             </a:r>
             <a:endParaRPr kumimoji="1" lang="ja-JP" altLang="en-US" sz="1200" dirty="0"/>
-          </a:p>
-        </p:txBody>
-      </p:sp>
-      <p:sp>
-        <p:nvSpPr>
-          <p:cNvPr id="4" name="テキスト ボックス 3">
-            <a:extLst>
-              <a:ext uri="{FF2B5EF4-FFF2-40B4-BE49-F238E27FC236}">
-                <a16:creationId xmlns:a16="http://schemas.microsoft.com/office/drawing/2014/main" id="{0570D53B-6C4C-4475-9233-7A8E5407B803}"/>
-              </a:ext>
-            </a:extLst>
-          </p:cNvPr>
-          <p:cNvSpPr txBox="1"/>
-          <p:nvPr/>
-        </p:nvSpPr>
-        <p:spPr>
-          <a:xfrm flipH="1">
-            <a:off x="1770183" y="4374717"/>
-            <a:ext cx="6887309" cy="1846659"/>
-          </a:xfrm>
-          <a:prstGeom prst="rect">
-            <a:avLst/>
-          </a:prstGeom>
-          <a:noFill/>
-        </p:spPr>
-        <p:txBody>
-          <a:bodyPr wrap="square" rtlCol="0">
-            <a:spAutoFit/>
-          </a:bodyPr>
-          <a:lstStyle/>
-          <a:p>
-            <a:r>
-              <a:rPr kumimoji="1" lang="ja-JP" altLang="en-US" dirty="0">
-                <a:latin typeface="BIZ UD明朝 Medium" panose="02020500000000000000" pitchFamily="17" charset="-128"/>
-                <a:ea typeface="BIZ UD明朝 Medium" panose="02020500000000000000" pitchFamily="17" charset="-128"/>
-              </a:rPr>
-              <a:t>・</a:t>
-            </a:r>
-            <a:r>
-              <a:rPr kumimoji="1" lang="ja-JP" altLang="en-US" sz="2000" dirty="0">
-                <a:latin typeface="BIZ UD明朝 Medium" panose="02020500000000000000" pitchFamily="17" charset="-128"/>
-                <a:ea typeface="BIZ UD明朝 Medium" panose="02020500000000000000" pitchFamily="17" charset="-128"/>
-              </a:rPr>
-              <a:t>通常攻撃</a:t>
-            </a:r>
-            <a:endParaRPr kumimoji="1" lang="en-US" altLang="ja-JP" dirty="0">
-              <a:latin typeface="BIZ UD明朝 Medium" panose="02020500000000000000" pitchFamily="17" charset="-128"/>
-              <a:ea typeface="BIZ UD明朝 Medium" panose="02020500000000000000" pitchFamily="17" charset="-128"/>
-            </a:endParaRPr>
-          </a:p>
-          <a:p>
-            <a:r>
-              <a:rPr lang="en-US" altLang="ja-JP" dirty="0">
-                <a:latin typeface="BIZ UD明朝 Medium" panose="02020500000000000000" pitchFamily="17" charset="-128"/>
-                <a:ea typeface="BIZ UD明朝 Medium" panose="02020500000000000000" pitchFamily="17" charset="-128"/>
-              </a:rPr>
-              <a:t>	</a:t>
-            </a:r>
-            <a:r>
-              <a:rPr lang="ja-JP" altLang="en-US" dirty="0">
-                <a:latin typeface="BIZ UD明朝 Medium" panose="02020500000000000000" pitchFamily="17" charset="-128"/>
-                <a:ea typeface="BIZ UD明朝 Medium" panose="02020500000000000000" pitchFamily="17" charset="-128"/>
-              </a:rPr>
-              <a:t>ナイフでの近距離攻撃と数種類の遠距離攻撃で攻撃をする</a:t>
-            </a:r>
-            <a:endParaRPr lang="en-US" altLang="ja-JP" dirty="0">
-              <a:latin typeface="BIZ UD明朝 Medium" panose="02020500000000000000" pitchFamily="17" charset="-128"/>
-              <a:ea typeface="BIZ UD明朝 Medium" panose="02020500000000000000" pitchFamily="17" charset="-128"/>
-            </a:endParaRPr>
-          </a:p>
-          <a:p>
-            <a:r>
-              <a:rPr kumimoji="1" lang="ja-JP" altLang="en-US" dirty="0">
-                <a:latin typeface="BIZ UD明朝 Medium" panose="02020500000000000000" pitchFamily="17" charset="-128"/>
-                <a:ea typeface="BIZ UD明朝 Medium" panose="02020500000000000000" pitchFamily="17" charset="-128"/>
-              </a:rPr>
-              <a:t>・</a:t>
-            </a:r>
-            <a:r>
-              <a:rPr kumimoji="1" lang="ja-JP" altLang="en-US" sz="2000" dirty="0">
-                <a:latin typeface="BIZ UD明朝 Medium" panose="02020500000000000000" pitchFamily="17" charset="-128"/>
-                <a:ea typeface="BIZ UD明朝 Medium" panose="02020500000000000000" pitchFamily="17" charset="-128"/>
-              </a:rPr>
-              <a:t>罠攻撃</a:t>
-            </a:r>
-            <a:endParaRPr kumimoji="1" lang="en-US" altLang="ja-JP" dirty="0">
-              <a:latin typeface="BIZ UD明朝 Medium" panose="02020500000000000000" pitchFamily="17" charset="-128"/>
-              <a:ea typeface="BIZ UD明朝 Medium" panose="02020500000000000000" pitchFamily="17" charset="-128"/>
-            </a:endParaRPr>
-          </a:p>
-          <a:p>
-            <a:r>
-              <a:rPr lang="en-US" altLang="ja-JP" dirty="0">
-                <a:latin typeface="BIZ UD明朝 Medium" panose="02020500000000000000" pitchFamily="17" charset="-128"/>
-                <a:ea typeface="BIZ UD明朝 Medium" panose="02020500000000000000" pitchFamily="17" charset="-128"/>
-              </a:rPr>
-              <a:t>	</a:t>
-            </a:r>
-            <a:r>
-              <a:rPr lang="ja-JP" altLang="en-US" dirty="0">
-                <a:latin typeface="BIZ UD明朝 Medium" panose="02020500000000000000" pitchFamily="17" charset="-128"/>
-                <a:ea typeface="BIZ UD明朝 Medium" panose="02020500000000000000" pitchFamily="17" charset="-128"/>
-              </a:rPr>
-              <a:t>拾ったアイテムを使用して罠を仕掛ける</a:t>
-            </a:r>
-            <a:endParaRPr lang="en-US" altLang="ja-JP" dirty="0">
-              <a:latin typeface="BIZ UD明朝 Medium" panose="02020500000000000000" pitchFamily="17" charset="-128"/>
-              <a:ea typeface="BIZ UD明朝 Medium" panose="02020500000000000000" pitchFamily="17" charset="-128"/>
-            </a:endParaRPr>
-          </a:p>
-          <a:p>
-            <a:r>
-              <a:rPr kumimoji="1" lang="ja-JP" altLang="en-US" dirty="0">
-                <a:latin typeface="BIZ UD明朝 Medium" panose="02020500000000000000" pitchFamily="17" charset="-128"/>
-                <a:ea typeface="BIZ UD明朝 Medium" panose="02020500000000000000" pitchFamily="17" charset="-128"/>
-              </a:rPr>
-              <a:t>・</a:t>
-            </a:r>
-            <a:r>
-              <a:rPr kumimoji="1" lang="ja-JP" altLang="en-US" sz="2000" dirty="0">
-                <a:latin typeface="BIZ UD明朝 Medium" panose="02020500000000000000" pitchFamily="17" charset="-128"/>
-                <a:ea typeface="BIZ UD明朝 Medium" panose="02020500000000000000" pitchFamily="17" charset="-128"/>
-              </a:rPr>
-              <a:t>集中砲火</a:t>
-            </a:r>
-            <a:endParaRPr kumimoji="1" lang="en-US" altLang="ja-JP" dirty="0">
-              <a:latin typeface="BIZ UD明朝 Medium" panose="02020500000000000000" pitchFamily="17" charset="-128"/>
-              <a:ea typeface="BIZ UD明朝 Medium" panose="02020500000000000000" pitchFamily="17" charset="-128"/>
-            </a:endParaRPr>
-          </a:p>
-          <a:p>
-            <a:r>
-              <a:rPr lang="en-US" altLang="ja-JP" dirty="0">
-                <a:latin typeface="BIZ UD明朝 Medium" panose="02020500000000000000" pitchFamily="17" charset="-128"/>
-                <a:ea typeface="BIZ UD明朝 Medium" panose="02020500000000000000" pitchFamily="17" charset="-128"/>
-              </a:rPr>
-              <a:t>	</a:t>
-            </a:r>
-            <a:r>
-              <a:rPr lang="ja-JP" altLang="en-US" dirty="0">
-                <a:latin typeface="BIZ UD明朝 Medium" panose="02020500000000000000" pitchFamily="17" charset="-128"/>
-                <a:ea typeface="BIZ UD明朝 Medium" panose="02020500000000000000" pitchFamily="17" charset="-128"/>
-              </a:rPr>
-              <a:t>罠にかかった状態でロックオンすると集中砲火で攻撃をする</a:t>
-            </a:r>
-            <a:endParaRPr kumimoji="1" lang="ja-JP" altLang="en-US" dirty="0">
-              <a:latin typeface="BIZ UD明朝 Medium" panose="02020500000000000000" pitchFamily="17" charset="-128"/>
-              <a:ea typeface="BIZ UD明朝 Medium" panose="02020500000000000000" pitchFamily="17" charset="-128"/>
-            </a:endParaRPr>
           </a:p>
         </p:txBody>
       </p:sp>
@@ -4940,7 +4798,7 @@
         <p:spPr>
           <a:xfrm>
             <a:off x="226916" y="202592"/>
-            <a:ext cx="2492990" cy="646331"/>
+            <a:ext cx="3416320" cy="646331"/>
           </a:xfrm>
           <a:prstGeom prst="rect">
             <a:avLst/>
@@ -4958,17 +4816,17 @@
                 <a:latin typeface="BIZ UD明朝 Medium" panose="02020500000000000000" pitchFamily="17" charset="-128"/>
                 <a:ea typeface="BIZ UD明朝 Medium" panose="02020500000000000000" pitchFamily="17" charset="-128"/>
               </a:rPr>
-              <a:t>ゲーム概要</a:t>
-            </a:r>
-          </a:p>
-        </p:txBody>
-      </p:sp>
-      <p:sp>
-        <p:nvSpPr>
-          <p:cNvPr id="7" name="テキスト ボックス 6">
+              <a:t>ゲーム内の目的</a:t>
+            </a:r>
+          </a:p>
+        </p:txBody>
+      </p:sp>
+      <p:sp>
+        <p:nvSpPr>
+          <p:cNvPr id="2" name="テキスト ボックス 1">
             <a:extLst>
               <a:ext uri="{FF2B5EF4-FFF2-40B4-BE49-F238E27FC236}">
-                <a16:creationId xmlns:a16="http://schemas.microsoft.com/office/drawing/2014/main" id="{21EA372B-0BFF-4F0C-9720-105B0BBECC17}"/>
+                <a16:creationId xmlns:a16="http://schemas.microsoft.com/office/drawing/2014/main" id="{1FFC49B5-D3E7-40A1-B25A-104871DA459D}"/>
               </a:ext>
             </a:extLst>
           </p:cNvPr>
@@ -4977,8 +4835,8 @@
         </p:nvSpPr>
         <p:spPr>
           <a:xfrm>
-            <a:off x="1880249" y="1447631"/>
-            <a:ext cx="6667175" cy="2308324"/>
+            <a:off x="3155135" y="2111547"/>
+            <a:ext cx="4838158" cy="830997"/>
           </a:xfrm>
           <a:prstGeom prst="rect">
             <a:avLst/>
@@ -4992,240 +4850,74 @@
           <a:lstStyle/>
           <a:p>
             <a:r>
-              <a:rPr kumimoji="1" lang="ja-JP" altLang="en-US" dirty="0">
+              <a:rPr kumimoji="1" lang="ja-JP" altLang="en-US" sz="2400" dirty="0">
                 <a:latin typeface="BIZ UDP明朝 Medium" panose="02020500000000000000" pitchFamily="18" charset="-128"/>
                 <a:ea typeface="BIZ UDP明朝 Medium" panose="02020500000000000000" pitchFamily="18" charset="-128"/>
               </a:rPr>
-              <a:t>・制限時間</a:t>
-            </a:r>
-            <a:r>
-              <a:rPr kumimoji="1" lang="en-US" altLang="ja-JP" dirty="0">
-                <a:latin typeface="BIZ UDP明朝 Medium" panose="02020500000000000000" pitchFamily="18" charset="-128"/>
-                <a:ea typeface="BIZ UDP明朝 Medium" panose="02020500000000000000" pitchFamily="18" charset="-128"/>
-              </a:rPr>
-              <a:t>(3</a:t>
-            </a:r>
-            <a:r>
-              <a:rPr kumimoji="1" lang="ja-JP" altLang="en-US" dirty="0">
-                <a:latin typeface="BIZ UDP明朝 Medium" panose="02020500000000000000" pitchFamily="18" charset="-128"/>
-                <a:ea typeface="BIZ UDP明朝 Medium" panose="02020500000000000000" pitchFamily="18" charset="-128"/>
-              </a:rPr>
-              <a:t>分</a:t>
-            </a:r>
-            <a:r>
-              <a:rPr kumimoji="1" lang="en-US" altLang="ja-JP" dirty="0">
-                <a:latin typeface="BIZ UDP明朝 Medium" panose="02020500000000000000" pitchFamily="18" charset="-128"/>
-                <a:ea typeface="BIZ UDP明朝 Medium" panose="02020500000000000000" pitchFamily="18" charset="-128"/>
-              </a:rPr>
-              <a:t>)</a:t>
-            </a:r>
-            <a:r>
-              <a:rPr kumimoji="1" lang="ja-JP" altLang="en-US" dirty="0">
-                <a:latin typeface="BIZ UDP明朝 Medium" panose="02020500000000000000" pitchFamily="18" charset="-128"/>
-                <a:ea typeface="BIZ UDP明朝 Medium" panose="02020500000000000000" pitchFamily="18" charset="-128"/>
-              </a:rPr>
-              <a:t>の間に敵を倒しきる</a:t>
-            </a:r>
-            <a:endParaRPr kumimoji="1" lang="en-US" altLang="ja-JP" dirty="0">
+              <a:t>制限時間内に敵を倒す！</a:t>
+            </a:r>
+            <a:endParaRPr kumimoji="1" lang="en-US" altLang="ja-JP" sz="2400" dirty="0">
               <a:latin typeface="BIZ UDP明朝 Medium" panose="02020500000000000000" pitchFamily="18" charset="-128"/>
               <a:ea typeface="BIZ UDP明朝 Medium" panose="02020500000000000000" pitchFamily="18" charset="-128"/>
             </a:endParaRPr>
           </a:p>
           <a:p>
             <a:r>
-              <a:rPr kumimoji="1" lang="en-US" altLang="ja-JP" dirty="0">
+              <a:rPr kumimoji="1" lang="ja-JP" altLang="en-US" sz="2400" dirty="0">
                 <a:latin typeface="BIZ UDP明朝 Medium" panose="02020500000000000000" pitchFamily="18" charset="-128"/>
                 <a:ea typeface="BIZ UDP明朝 Medium" panose="02020500000000000000" pitchFamily="18" charset="-128"/>
               </a:rPr>
-              <a:t>	</a:t>
-            </a:r>
-            <a:r>
-              <a:rPr kumimoji="1" lang="ja-JP" altLang="en-US" dirty="0">
+              <a:t>倒し方を工夫しハイスコアを狙う</a:t>
+            </a:r>
+            <a:r>
+              <a:rPr kumimoji="1" lang="en-US" altLang="ja-JP" sz="2400" dirty="0">
                 <a:latin typeface="BIZ UDP明朝 Medium" panose="02020500000000000000" pitchFamily="18" charset="-128"/>
                 <a:ea typeface="BIZ UDP明朝 Medium" panose="02020500000000000000" pitchFamily="18" charset="-128"/>
               </a:rPr>
-              <a:t>攻撃手段はナイフ、銃、罠など</a:t>
-            </a:r>
-            <a:endParaRPr kumimoji="1" lang="en-US" altLang="ja-JP" dirty="0">
+              <a:t>!</a:t>
+            </a:r>
+            <a:endParaRPr kumimoji="1" lang="ja-JP" altLang="en-US" sz="2400" dirty="0">
               <a:latin typeface="BIZ UDP明朝 Medium" panose="02020500000000000000" pitchFamily="18" charset="-128"/>
               <a:ea typeface="BIZ UDP明朝 Medium" panose="02020500000000000000" pitchFamily="18" charset="-128"/>
             </a:endParaRPr>
           </a:p>
-          <a:p>
-            <a:r>
-              <a:rPr kumimoji="1" lang="en-US" altLang="ja-JP" dirty="0">
-                <a:latin typeface="BIZ UDP明朝 Medium" panose="02020500000000000000" pitchFamily="18" charset="-128"/>
-                <a:ea typeface="BIZ UDP明朝 Medium" panose="02020500000000000000" pitchFamily="18" charset="-128"/>
-              </a:rPr>
-              <a:t>	</a:t>
-            </a:r>
-            <a:r>
-              <a:rPr kumimoji="1" lang="ja-JP" altLang="en-US" dirty="0">
-                <a:latin typeface="BIZ UDP明朝 Medium" panose="02020500000000000000" pitchFamily="18" charset="-128"/>
-                <a:ea typeface="BIZ UDP明朝 Medium" panose="02020500000000000000" pitchFamily="18" charset="-128"/>
-              </a:rPr>
-              <a:t>倒しきれたらゲームクリア、倒しきれなかったらゲームオーバー</a:t>
-            </a:r>
-            <a:endParaRPr kumimoji="1" lang="en-US" altLang="ja-JP" dirty="0">
-              <a:latin typeface="BIZ UDP明朝 Medium" panose="02020500000000000000" pitchFamily="18" charset="-128"/>
-              <a:ea typeface="BIZ UDP明朝 Medium" panose="02020500000000000000" pitchFamily="18" charset="-128"/>
-            </a:endParaRPr>
-          </a:p>
-          <a:p>
-            <a:endParaRPr kumimoji="1" lang="en-US" altLang="ja-JP" dirty="0">
-              <a:latin typeface="BIZ UDP明朝 Medium" panose="02020500000000000000" pitchFamily="18" charset="-128"/>
-              <a:ea typeface="BIZ UDP明朝 Medium" panose="02020500000000000000" pitchFamily="18" charset="-128"/>
-            </a:endParaRPr>
-          </a:p>
-          <a:p>
-            <a:r>
-              <a:rPr lang="ja-JP" altLang="en-US" dirty="0">
-                <a:latin typeface="BIZ UDP明朝 Medium" panose="02020500000000000000" pitchFamily="18" charset="-128"/>
-                <a:ea typeface="BIZ UDP明朝 Medium" panose="02020500000000000000" pitchFamily="18" charset="-128"/>
-              </a:rPr>
-              <a:t>・スコア機能有（残り時間、攻撃ポイント、プレイヤー残り</a:t>
-            </a:r>
-            <a:r>
-              <a:rPr lang="en-US" altLang="ja-JP" dirty="0">
-                <a:latin typeface="BIZ UDP明朝 Medium" panose="02020500000000000000" pitchFamily="18" charset="-128"/>
-                <a:ea typeface="BIZ UDP明朝 Medium" panose="02020500000000000000" pitchFamily="18" charset="-128"/>
-              </a:rPr>
-              <a:t>HP</a:t>
-            </a:r>
-            <a:r>
-              <a:rPr lang="ja-JP" altLang="en-US" dirty="0">
-                <a:latin typeface="BIZ UDP明朝 Medium" panose="02020500000000000000" pitchFamily="18" charset="-128"/>
-                <a:ea typeface="BIZ UDP明朝 Medium" panose="02020500000000000000" pitchFamily="18" charset="-128"/>
-              </a:rPr>
-              <a:t>の合計）</a:t>
-            </a:r>
-            <a:endParaRPr lang="en-US" altLang="ja-JP" dirty="0">
-              <a:latin typeface="BIZ UDP明朝 Medium" panose="02020500000000000000" pitchFamily="18" charset="-128"/>
-              <a:ea typeface="BIZ UDP明朝 Medium" panose="02020500000000000000" pitchFamily="18" charset="-128"/>
-            </a:endParaRPr>
-          </a:p>
-          <a:p>
-            <a:endParaRPr lang="en-US" altLang="ja-JP" dirty="0">
-              <a:latin typeface="BIZ UDP明朝 Medium" panose="02020500000000000000" pitchFamily="18" charset="-128"/>
-              <a:ea typeface="BIZ UDP明朝 Medium" panose="02020500000000000000" pitchFamily="18" charset="-128"/>
-            </a:endParaRPr>
-          </a:p>
-          <a:p>
-            <a:r>
-              <a:rPr kumimoji="1" lang="ja-JP" altLang="en-US" dirty="0">
-                <a:latin typeface="BIZ UDP明朝 Medium" panose="02020500000000000000" pitchFamily="18" charset="-128"/>
-                <a:ea typeface="BIZ UDP明朝 Medium" panose="02020500000000000000" pitchFamily="18" charset="-128"/>
-              </a:rPr>
-              <a:t>・</a:t>
-            </a:r>
-            <a:r>
-              <a:rPr kumimoji="1" lang="en-US" altLang="ja-JP" dirty="0">
-                <a:latin typeface="BIZ UDP明朝 Medium" panose="02020500000000000000" pitchFamily="18" charset="-128"/>
-                <a:ea typeface="BIZ UDP明朝 Medium" panose="02020500000000000000" pitchFamily="18" charset="-128"/>
-              </a:rPr>
-              <a:t>MAX4</a:t>
-            </a:r>
-            <a:r>
-              <a:rPr kumimoji="1" lang="ja-JP" altLang="en-US" dirty="0">
-                <a:latin typeface="BIZ UDP明朝 Medium" panose="02020500000000000000" pitchFamily="18" charset="-128"/>
-                <a:ea typeface="BIZ UDP明朝 Medium" panose="02020500000000000000" pitchFamily="18" charset="-128"/>
-              </a:rPr>
-              <a:t>人での協力プレイ（プレイヤー以外は</a:t>
-            </a:r>
-            <a:r>
-              <a:rPr kumimoji="1" lang="en-US" altLang="ja-JP" dirty="0">
-                <a:latin typeface="BIZ UDP明朝 Medium" panose="02020500000000000000" pitchFamily="18" charset="-128"/>
-                <a:ea typeface="BIZ UDP明朝 Medium" panose="02020500000000000000" pitchFamily="18" charset="-128"/>
-              </a:rPr>
-              <a:t>NPC…</a:t>
-            </a:r>
-            <a:r>
-              <a:rPr kumimoji="1" lang="ja-JP" altLang="en-US" dirty="0">
-                <a:latin typeface="BIZ UDP明朝 Medium" panose="02020500000000000000" pitchFamily="18" charset="-128"/>
-                <a:ea typeface="BIZ UDP明朝 Medium" panose="02020500000000000000" pitchFamily="18" charset="-128"/>
-              </a:rPr>
-              <a:t>～</a:t>
-            </a:r>
-            <a:r>
-              <a:rPr kumimoji="1" lang="en-US" altLang="ja-JP" dirty="0">
-                <a:latin typeface="BIZ UDP明朝 Medium" panose="02020500000000000000" pitchFamily="18" charset="-128"/>
-                <a:ea typeface="BIZ UDP明朝 Medium" panose="02020500000000000000" pitchFamily="18" charset="-128"/>
-              </a:rPr>
-              <a:t>12</a:t>
-            </a:r>
-            <a:r>
-              <a:rPr kumimoji="1" lang="ja-JP" altLang="en-US" dirty="0">
-                <a:latin typeface="BIZ UDP明朝 Medium" panose="02020500000000000000" pitchFamily="18" charset="-128"/>
-                <a:ea typeface="BIZ UDP明朝 Medium" panose="02020500000000000000" pitchFamily="18" charset="-128"/>
-              </a:rPr>
-              <a:t>月末</a:t>
-            </a:r>
-            <a:endParaRPr kumimoji="1" lang="en-US" altLang="ja-JP" dirty="0">
-              <a:latin typeface="BIZ UDP明朝 Medium" panose="02020500000000000000" pitchFamily="18" charset="-128"/>
-              <a:ea typeface="BIZ UDP明朝 Medium" panose="02020500000000000000" pitchFamily="18" charset="-128"/>
-            </a:endParaRPr>
-          </a:p>
-          <a:p>
-            <a:r>
-              <a:rPr kumimoji="1" lang="en-US" altLang="ja-JP" dirty="0">
-                <a:latin typeface="BIZ UDP明朝 Medium" panose="02020500000000000000" pitchFamily="18" charset="-128"/>
-                <a:ea typeface="BIZ UDP明朝 Medium" panose="02020500000000000000" pitchFamily="18" charset="-128"/>
-              </a:rPr>
-              <a:t>						</a:t>
-            </a:r>
-            <a:r>
-              <a:rPr kumimoji="1" lang="ja-JP" altLang="en-US" dirty="0">
-                <a:latin typeface="BIZ UDP明朝 Medium" panose="02020500000000000000" pitchFamily="18" charset="-128"/>
-                <a:ea typeface="BIZ UDP明朝 Medium" panose="02020500000000000000" pitchFamily="18" charset="-128"/>
-              </a:rPr>
-              <a:t>マルチプレイ</a:t>
-            </a:r>
-            <a:r>
-              <a:rPr kumimoji="1" lang="en-US" altLang="ja-JP" dirty="0">
-                <a:latin typeface="BIZ UDP明朝 Medium" panose="02020500000000000000" pitchFamily="18" charset="-128"/>
-                <a:ea typeface="BIZ UDP明朝 Medium" panose="02020500000000000000" pitchFamily="18" charset="-128"/>
-              </a:rPr>
-              <a:t>		</a:t>
-            </a:r>
-            <a:r>
-              <a:rPr kumimoji="1" lang="ja-JP" altLang="en-US" dirty="0">
-                <a:latin typeface="BIZ UDP明朝 Medium" panose="02020500000000000000" pitchFamily="18" charset="-128"/>
-                <a:ea typeface="BIZ UDP明朝 Medium" panose="02020500000000000000" pitchFamily="18" charset="-128"/>
-              </a:rPr>
-              <a:t>　　</a:t>
-            </a:r>
-            <a:r>
-              <a:rPr kumimoji="1" lang="en-US" altLang="ja-JP" dirty="0">
-                <a:latin typeface="BIZ UDP明朝 Medium" panose="02020500000000000000" pitchFamily="18" charset="-128"/>
-                <a:ea typeface="BIZ UDP明朝 Medium" panose="02020500000000000000" pitchFamily="18" charset="-128"/>
-              </a:rPr>
-              <a:t>…</a:t>
-            </a:r>
-            <a:r>
-              <a:rPr kumimoji="1" lang="ja-JP" altLang="en-US" dirty="0">
-                <a:latin typeface="BIZ UDP明朝 Medium" panose="02020500000000000000" pitchFamily="18" charset="-128"/>
-                <a:ea typeface="BIZ UDP明朝 Medium" panose="02020500000000000000" pitchFamily="18" charset="-128"/>
-              </a:rPr>
-              <a:t>～</a:t>
-            </a:r>
-            <a:r>
-              <a:rPr kumimoji="1" lang="en-US" altLang="ja-JP" dirty="0">
-                <a:latin typeface="BIZ UDP明朝 Medium" panose="02020500000000000000" pitchFamily="18" charset="-128"/>
-                <a:ea typeface="BIZ UDP明朝 Medium" panose="02020500000000000000" pitchFamily="18" charset="-128"/>
-              </a:rPr>
-              <a:t>1</a:t>
-            </a:r>
-            <a:r>
-              <a:rPr kumimoji="1" lang="ja-JP" altLang="en-US" dirty="0">
-                <a:latin typeface="BIZ UDP明朝 Medium" panose="02020500000000000000" pitchFamily="18" charset="-128"/>
-                <a:ea typeface="BIZ UDP明朝 Medium" panose="02020500000000000000" pitchFamily="18" charset="-128"/>
-              </a:rPr>
-              <a:t>月末）</a:t>
-            </a:r>
-            <a:endParaRPr kumimoji="1" lang="en-US" altLang="ja-JP" dirty="0">
-              <a:latin typeface="BIZ UDP明朝 Medium" panose="02020500000000000000" pitchFamily="18" charset="-128"/>
-              <a:ea typeface="BIZ UDP明朝 Medium" panose="02020500000000000000" pitchFamily="18" charset="-128"/>
-            </a:endParaRPr>
+        </p:txBody>
+      </p:sp>
+      <p:sp>
+        <p:nvSpPr>
+          <p:cNvPr id="9" name="テキスト ボックス 8">
+            <a:extLst>
+              <a:ext uri="{FF2B5EF4-FFF2-40B4-BE49-F238E27FC236}">
+                <a16:creationId xmlns:a16="http://schemas.microsoft.com/office/drawing/2014/main" id="{A41EF98A-60FC-4B7D-969E-C86224B9ED6B}"/>
+              </a:ext>
+            </a:extLst>
+          </p:cNvPr>
+          <p:cNvSpPr txBox="1"/>
+          <p:nvPr/>
+        </p:nvSpPr>
+        <p:spPr>
+          <a:xfrm>
+            <a:off x="226916" y="4205168"/>
+            <a:ext cx="2339102" cy="523220"/>
+          </a:xfrm>
+          <a:prstGeom prst="rect">
+            <a:avLst/>
+          </a:prstGeom>
+          <a:noFill/>
+        </p:spPr>
+        <p:txBody>
+          <a:bodyPr wrap="none" rtlCol="0">
+            <a:spAutoFit/>
+          </a:bodyPr>
+          <a:lstStyle/>
+          <a:p>
+            <a:r>
+              <a:rPr kumimoji="1" lang="ja-JP" altLang="en-US" sz="2800" dirty="0">
+                <a:latin typeface="BIZ UD明朝 Medium" panose="02020500000000000000" pitchFamily="17" charset="-128"/>
+                <a:ea typeface="BIZ UD明朝 Medium" panose="02020500000000000000" pitchFamily="17" charset="-128"/>
+              </a:rPr>
+              <a:t>参考作品動画</a:t>
+            </a:r>
           </a:p>
         </p:txBody>
       </p:sp>
@@ -5264,7 +4956,7 @@
           <p:cNvPr id="4" name="テキスト ボックス 3">
             <a:extLst>
               <a:ext uri="{FF2B5EF4-FFF2-40B4-BE49-F238E27FC236}">
-                <a16:creationId xmlns:a16="http://schemas.microsoft.com/office/drawing/2014/main" id="{9C221001-BF6D-44EE-9FBC-9B07D41E8A82}"/>
+                <a16:creationId xmlns:a16="http://schemas.microsoft.com/office/drawing/2014/main" id="{0570D53B-6C4C-4475-9233-7A8E5407B803}"/>
               </a:ext>
             </a:extLst>
           </p:cNvPr>
@@ -5272,9 +4964,9 @@
           <p:nvPr/>
         </p:nvSpPr>
         <p:spPr>
-          <a:xfrm>
-            <a:off x="1460324" y="1713061"/>
-            <a:ext cx="7727324" cy="2677656"/>
+          <a:xfrm flipH="1">
+            <a:off x="1593464" y="4466811"/>
+            <a:ext cx="6887309" cy="1846659"/>
           </a:xfrm>
           <a:prstGeom prst="rect">
             <a:avLst/>
@@ -5288,24 +4980,25 @@
           <a:lstStyle/>
           <a:p>
             <a:r>
-              <a:rPr lang="ja-JP" altLang="en-US" sz="2000" u="sng" dirty="0">
-                <a:latin typeface="BIZ UD明朝 Medium" panose="02020500000000000000" pitchFamily="17" charset="-128"/>
-                <a:ea typeface="BIZ UD明朝 Medium" panose="02020500000000000000" pitchFamily="17" charset="-128"/>
-              </a:rPr>
-              <a:t>人によって遊び方を変えれる</a:t>
-            </a:r>
-            <a:endParaRPr lang="en-US" altLang="ja-JP" sz="2000" u="sng" dirty="0">
+              <a:rPr kumimoji="1" lang="ja-JP" altLang="en-US" dirty="0">
+                <a:latin typeface="BIZ UD明朝 Medium" panose="02020500000000000000" pitchFamily="17" charset="-128"/>
+                <a:ea typeface="BIZ UD明朝 Medium" panose="02020500000000000000" pitchFamily="17" charset="-128"/>
+              </a:rPr>
+              <a:t>・</a:t>
+            </a:r>
+            <a:r>
+              <a:rPr kumimoji="1" lang="ja-JP" altLang="en-US" sz="2000" dirty="0">
+                <a:latin typeface="BIZ UD明朝 Medium" panose="02020500000000000000" pitchFamily="17" charset="-128"/>
+                <a:ea typeface="BIZ UD明朝 Medium" panose="02020500000000000000" pitchFamily="17" charset="-128"/>
+              </a:rPr>
+              <a:t>通常攻撃</a:t>
+            </a:r>
+            <a:endParaRPr kumimoji="1" lang="en-US" altLang="ja-JP" dirty="0">
               <a:latin typeface="BIZ UD明朝 Medium" panose="02020500000000000000" pitchFamily="17" charset="-128"/>
               <a:ea typeface="BIZ UD明朝 Medium" panose="02020500000000000000" pitchFamily="17" charset="-128"/>
             </a:endParaRPr>
           </a:p>
           <a:p>
-            <a:endParaRPr lang="en-US" altLang="ja-JP" sz="2000" u="sng" dirty="0">
-              <a:latin typeface="BIZ UD明朝 Medium" panose="02020500000000000000" pitchFamily="17" charset="-128"/>
-              <a:ea typeface="BIZ UD明朝 Medium" panose="02020500000000000000" pitchFamily="17" charset="-128"/>
-            </a:endParaRPr>
-          </a:p>
-          <a:p>
             <a:r>
               <a:rPr lang="en-US" altLang="ja-JP" dirty="0">
                 <a:latin typeface="BIZ UD明朝 Medium" panose="02020500000000000000" pitchFamily="17" charset="-128"/>
@@ -5318,21 +5011,7 @@
                 <a:latin typeface="BIZ UD明朝 Medium" panose="02020500000000000000" pitchFamily="17" charset="-128"/>
                 <a:ea typeface="BIZ UD明朝 Medium" panose="02020500000000000000" pitchFamily="17" charset="-128"/>
               </a:rPr>
-              <a:t>・遠くから銃で中</a:t>
-            </a:r>
-            <a:r>
-              <a:rPr lang="en-US" altLang="ja-JP" dirty="0">
-                <a:latin typeface="BIZ UD明朝 Medium" panose="02020500000000000000" pitchFamily="17" charset="-128"/>
-                <a:ea typeface="BIZ UD明朝 Medium" panose="02020500000000000000" pitchFamily="17" charset="-128"/>
-              </a:rPr>
-              <a:t>~</a:t>
-            </a:r>
-            <a:r>
-              <a:rPr lang="ja-JP" altLang="en-US" dirty="0">
-                <a:latin typeface="BIZ UD明朝 Medium" panose="02020500000000000000" pitchFamily="17" charset="-128"/>
-                <a:ea typeface="BIZ UD明朝 Medium" panose="02020500000000000000" pitchFamily="17" charset="-128"/>
-              </a:rPr>
-              <a:t>遠距離</a:t>
+              <a:t>ナイフでの近距離攻撃と数種類の遠距離攻撃で攻撃をする</a:t>
             </a:r>
             <a:endParaRPr lang="en-US" altLang="ja-JP" dirty="0">
               <a:latin typeface="BIZ UD明朝 Medium" panose="02020500000000000000" pitchFamily="17" charset="-128"/>
@@ -5341,6 +5020,26 @@
           </a:p>
           <a:p>
             <a:r>
+              <a:rPr kumimoji="1" lang="ja-JP" altLang="en-US" dirty="0">
+                <a:latin typeface="BIZ UD明朝 Medium" panose="02020500000000000000" pitchFamily="17" charset="-128"/>
+                <a:ea typeface="BIZ UD明朝 Medium" panose="02020500000000000000" pitchFamily="17" charset="-128"/>
+              </a:rPr>
+              <a:t>・</a:t>
+            </a:r>
+            <a:r>
+              <a:rPr kumimoji="1" lang="ja-JP" altLang="en-US" sz="2000" dirty="0">
+                <a:latin typeface="BIZ UD明朝 Medium" panose="02020500000000000000" pitchFamily="17" charset="-128"/>
+                <a:ea typeface="BIZ UD明朝 Medium" panose="02020500000000000000" pitchFamily="17" charset="-128"/>
+              </a:rPr>
+              <a:t>罠攻撃</a:t>
+            </a:r>
+            <a:endParaRPr kumimoji="1" lang="en-US" altLang="ja-JP" dirty="0">
+              <a:latin typeface="BIZ UD明朝 Medium" panose="02020500000000000000" pitchFamily="17" charset="-128"/>
+              <a:ea typeface="BIZ UD明朝 Medium" panose="02020500000000000000" pitchFamily="17" charset="-128"/>
+            </a:endParaRPr>
+          </a:p>
+          <a:p>
+            <a:r>
               <a:rPr lang="en-US" altLang="ja-JP" dirty="0">
                 <a:latin typeface="BIZ UD明朝 Medium" panose="02020500000000000000" pitchFamily="17" charset="-128"/>
                 <a:ea typeface="BIZ UD明朝 Medium" panose="02020500000000000000" pitchFamily="17" charset="-128"/>
@@ -5352,7 +5051,35 @@
                 <a:latin typeface="BIZ UD明朝 Medium" panose="02020500000000000000" pitchFamily="17" charset="-128"/>
                 <a:ea typeface="BIZ UD明朝 Medium" panose="02020500000000000000" pitchFamily="17" charset="-128"/>
               </a:rPr>
-              <a:t>・ナイフで近接</a:t>
+              <a:t>拾ったアイテムを使用して罠を仕掛ける</a:t>
+            </a:r>
+            <a:r>
+              <a:rPr lang="en-US" altLang="ja-JP" dirty="0">
+                <a:latin typeface="BIZ UD明朝 Medium" panose="02020500000000000000" pitchFamily="17" charset="-128"/>
+                <a:ea typeface="BIZ UD明朝 Medium" panose="02020500000000000000" pitchFamily="17" charset="-128"/>
+              </a:rPr>
+              <a:t>/</a:t>
+            </a:r>
+            <a:r>
+              <a:rPr lang="ja-JP" altLang="en-US" dirty="0">
+                <a:latin typeface="BIZ UD明朝 Medium" panose="02020500000000000000" pitchFamily="17" charset="-128"/>
+                <a:ea typeface="BIZ UD明朝 Medium" panose="02020500000000000000" pitchFamily="17" charset="-128"/>
+              </a:rPr>
+              <a:t>味方</a:t>
+            </a:r>
+            <a:r>
+              <a:rPr lang="en-US" altLang="ja-JP" dirty="0">
+                <a:latin typeface="BIZ UD明朝 Medium" panose="02020500000000000000" pitchFamily="17" charset="-128"/>
+                <a:ea typeface="BIZ UD明朝 Medium" panose="02020500000000000000" pitchFamily="17" charset="-128"/>
+              </a:rPr>
+              <a:t>NPC</a:t>
+            </a:r>
+            <a:r>
+              <a:rPr lang="ja-JP" altLang="en-US" dirty="0">
+                <a:latin typeface="BIZ UD明朝 Medium" panose="02020500000000000000" pitchFamily="17" charset="-128"/>
+                <a:ea typeface="BIZ UD明朝 Medium" panose="02020500000000000000" pitchFamily="17" charset="-128"/>
+              </a:rPr>
+              <a:t>を召喚する</a:t>
             </a:r>
             <a:endParaRPr lang="en-US" altLang="ja-JP" dirty="0">
               <a:latin typeface="BIZ UD明朝 Medium" panose="02020500000000000000" pitchFamily="17" charset="-128"/>
@@ -5361,20 +5088,20 @@
           </a:p>
           <a:p>
             <a:r>
-              <a:rPr lang="en-US" altLang="ja-JP" dirty="0">
-                <a:latin typeface="BIZ UD明朝 Medium" panose="02020500000000000000" pitchFamily="17" charset="-128"/>
-                <a:ea typeface="BIZ UD明朝 Medium" panose="02020500000000000000" pitchFamily="17" charset="-128"/>
-              </a:rPr>
-              <a:t>	</a:t>
-            </a:r>
-            <a:r>
-              <a:rPr lang="ja-JP" altLang="en-US" dirty="0">
-                <a:latin typeface="BIZ UD明朝 Medium" panose="02020500000000000000" pitchFamily="17" charset="-128"/>
-                <a:ea typeface="BIZ UD明朝 Medium" panose="02020500000000000000" pitchFamily="17" charset="-128"/>
-              </a:rPr>
-              <a:t>・罠コンボを狙う</a:t>
-            </a:r>
-            <a:endParaRPr lang="en-US" altLang="ja-JP" dirty="0">
+              <a:rPr kumimoji="1" lang="ja-JP" altLang="en-US" dirty="0">
+                <a:latin typeface="BIZ UD明朝 Medium" panose="02020500000000000000" pitchFamily="17" charset="-128"/>
+                <a:ea typeface="BIZ UD明朝 Medium" panose="02020500000000000000" pitchFamily="17" charset="-128"/>
+              </a:rPr>
+              <a:t>・</a:t>
+            </a:r>
+            <a:r>
+              <a:rPr kumimoji="1" lang="ja-JP" altLang="en-US" sz="2000" dirty="0">
+                <a:latin typeface="BIZ UD明朝 Medium" panose="02020500000000000000" pitchFamily="17" charset="-128"/>
+                <a:ea typeface="BIZ UD明朝 Medium" panose="02020500000000000000" pitchFamily="17" charset="-128"/>
+              </a:rPr>
+              <a:t>集中砲火</a:t>
+            </a:r>
+            <a:endParaRPr kumimoji="1" lang="en-US" altLang="ja-JP" dirty="0">
               <a:latin typeface="BIZ UD明朝 Medium" panose="02020500000000000000" pitchFamily="17" charset="-128"/>
               <a:ea typeface="BIZ UD明朝 Medium" panose="02020500000000000000" pitchFamily="17" charset="-128"/>
             </a:endParaRPr>
@@ -5392,80 +5119,13 @@
                 <a:latin typeface="BIZ UD明朝 Medium" panose="02020500000000000000" pitchFamily="17" charset="-128"/>
                 <a:ea typeface="BIZ UD明朝 Medium" panose="02020500000000000000" pitchFamily="17" charset="-128"/>
               </a:rPr>
-              <a:t>・集中砲火で敵の</a:t>
-            </a:r>
-            <a:r>
-              <a:rPr lang="en-US" altLang="ja-JP" dirty="0">
-                <a:latin typeface="BIZ UD明朝 Medium" panose="02020500000000000000" pitchFamily="17" charset="-128"/>
-                <a:ea typeface="BIZ UD明朝 Medium" panose="02020500000000000000" pitchFamily="17" charset="-128"/>
-              </a:rPr>
-              <a:t>HP</a:t>
-            </a:r>
-            <a:r>
-              <a:rPr lang="ja-JP" altLang="en-US" dirty="0">
-                <a:latin typeface="BIZ UD明朝 Medium" panose="02020500000000000000" pitchFamily="17" charset="-128"/>
-                <a:ea typeface="BIZ UD明朝 Medium" panose="02020500000000000000" pitchFamily="17" charset="-128"/>
-              </a:rPr>
-              <a:t>をガンガン減らす</a:t>
-            </a:r>
-            <a:endParaRPr lang="en-US" altLang="ja-JP" dirty="0">
+              <a:t>罠にかかった状態でロックオンすると集中砲火で攻撃をする</a:t>
+            </a:r>
+            <a:endParaRPr kumimoji="1" lang="ja-JP" altLang="en-US" dirty="0">
               <a:latin typeface="BIZ UD明朝 Medium" panose="02020500000000000000" pitchFamily="17" charset="-128"/>
               <a:ea typeface="BIZ UD明朝 Medium" panose="02020500000000000000" pitchFamily="17" charset="-128"/>
             </a:endParaRPr>
           </a:p>
-          <a:p>
-            <a:r>
-              <a:rPr lang="en-US" altLang="ja-JP" dirty="0">
-                <a:latin typeface="BIZ UD明朝 Medium" panose="02020500000000000000" pitchFamily="17" charset="-128"/>
-                <a:ea typeface="BIZ UD明朝 Medium" panose="02020500000000000000" pitchFamily="17" charset="-128"/>
-              </a:rPr>
-              <a:t>	</a:t>
-            </a:r>
-            <a:r>
-              <a:rPr lang="ja-JP" altLang="en-US" dirty="0">
-                <a:latin typeface="BIZ UD明朝 Medium" panose="02020500000000000000" pitchFamily="17" charset="-128"/>
-                <a:ea typeface="BIZ UD明朝 Medium" panose="02020500000000000000" pitchFamily="17" charset="-128"/>
-              </a:rPr>
-              <a:t>・ハイスコアを目指した倒し方を探す</a:t>
-            </a:r>
-            <a:endParaRPr lang="en-US" altLang="ja-JP" dirty="0">
-              <a:latin typeface="BIZ UD明朝 Medium" panose="02020500000000000000" pitchFamily="17" charset="-128"/>
-              <a:ea typeface="BIZ UD明朝 Medium" panose="02020500000000000000" pitchFamily="17" charset="-128"/>
-            </a:endParaRPr>
-          </a:p>
-          <a:p>
-            <a:endParaRPr lang="en-US" altLang="ja-JP" dirty="0">
-              <a:latin typeface="BIZ UD明朝 Medium" panose="02020500000000000000" pitchFamily="17" charset="-128"/>
-              <a:ea typeface="BIZ UD明朝 Medium" panose="02020500000000000000" pitchFamily="17" charset="-128"/>
-            </a:endParaRPr>
-          </a:p>
-          <a:p>
-            <a:r>
-              <a:rPr lang="ja-JP" altLang="en-US" sz="2000" u="sng" dirty="0">
-                <a:latin typeface="BIZ UD明朝 Medium" panose="02020500000000000000" pitchFamily="17" charset="-128"/>
-                <a:ea typeface="BIZ UD明朝 Medium" panose="02020500000000000000" pitchFamily="17" charset="-128"/>
-              </a:rPr>
-              <a:t>複数人で連携を</a:t>
-            </a:r>
-            <a:r>
-              <a:rPr lang="ja-JP" altLang="en-US" sz="2000" b="1" u="sng" dirty="0">
-                <a:latin typeface="BIZ UD明朝 Medium" panose="02020500000000000000" pitchFamily="17" charset="-128"/>
-                <a:ea typeface="BIZ UD明朝 Medium" panose="02020500000000000000" pitchFamily="17" charset="-128"/>
-              </a:rPr>
-              <a:t>取</a:t>
-            </a:r>
-            <a:r>
-              <a:rPr lang="ja-JP" altLang="en-US" sz="2000" u="sng" dirty="0">
-                <a:latin typeface="BIZ UD明朝 Medium" panose="02020500000000000000" pitchFamily="17" charset="-128"/>
-                <a:ea typeface="BIZ UD明朝 Medium" panose="02020500000000000000" pitchFamily="17" charset="-128"/>
-              </a:rPr>
-              <a:t>り、敵を倒す</a:t>
-            </a:r>
-            <a:endParaRPr lang="en-US" altLang="ja-JP" sz="2000" u="sng" dirty="0">
-              <a:latin typeface="BIZ UD明朝 Medium" panose="02020500000000000000" pitchFamily="17" charset="-128"/>
-              <a:ea typeface="BIZ UD明朝 Medium" panose="02020500000000000000" pitchFamily="17" charset="-128"/>
-            </a:endParaRPr>
-          </a:p>
         </p:txBody>
       </p:sp>
       <p:sp>
@@ -5473,7 +5133,7 @@
           <p:cNvPr id="6" name="テキスト ボックス 5">
             <a:extLst>
               <a:ext uri="{FF2B5EF4-FFF2-40B4-BE49-F238E27FC236}">
-                <a16:creationId xmlns:a16="http://schemas.microsoft.com/office/drawing/2014/main" id="{3BFE104F-218E-4639-A4F7-A012C079D999}"/>
+                <a16:creationId xmlns:a16="http://schemas.microsoft.com/office/drawing/2014/main" id="{000396C9-AAD9-47A3-848A-D5C9E718B909}"/>
               </a:ext>
             </a:extLst>
           </p:cNvPr>
@@ -5483,7 +5143,7 @@
         <p:spPr>
           <a:xfrm>
             <a:off x="226916" y="202592"/>
-            <a:ext cx="8068234" cy="646331"/>
+            <a:ext cx="2492990" cy="646331"/>
           </a:xfrm>
           <a:prstGeom prst="rect">
             <a:avLst/>
@@ -5498,28 +5158,276 @@
           <a:p>
             <a:r>
               <a:rPr kumimoji="1" lang="ja-JP" altLang="en-US" sz="3600" dirty="0">
+                <a:latin typeface="BIZ UD明朝 Medium" panose="02020500000000000000" pitchFamily="17" charset="-128"/>
+                <a:ea typeface="BIZ UD明朝 Medium" panose="02020500000000000000" pitchFamily="17" charset="-128"/>
+              </a:rPr>
+              <a:t>ゲーム概要</a:t>
+            </a:r>
+          </a:p>
+        </p:txBody>
+      </p:sp>
+      <p:sp>
+        <p:nvSpPr>
+          <p:cNvPr id="9" name="テキスト ボックス 8">
+            <a:extLst>
+              <a:ext uri="{FF2B5EF4-FFF2-40B4-BE49-F238E27FC236}">
+                <a16:creationId xmlns:a16="http://schemas.microsoft.com/office/drawing/2014/main" id="{FBF00CF7-C56B-489A-AD64-4BF6EECB6A66}"/>
+              </a:ext>
+            </a:extLst>
+          </p:cNvPr>
+          <p:cNvSpPr txBox="1"/>
+          <p:nvPr/>
+        </p:nvSpPr>
+        <p:spPr>
+          <a:xfrm>
+            <a:off x="1703530" y="1503705"/>
+            <a:ext cx="6667175" cy="2308324"/>
+          </a:xfrm>
+          <a:prstGeom prst="rect">
+            <a:avLst/>
+          </a:prstGeom>
+          <a:noFill/>
+        </p:spPr>
+        <p:txBody>
+          <a:bodyPr wrap="square" rtlCol="0">
+            <a:spAutoFit/>
+          </a:bodyPr>
+          <a:lstStyle/>
+          <a:p>
+            <a:r>
+              <a:rPr kumimoji="1" lang="ja-JP" altLang="en-US" dirty="0">
                 <a:latin typeface="BIZ UDP明朝 Medium" panose="02020500000000000000" pitchFamily="18" charset="-128"/>
                 <a:ea typeface="BIZ UDP明朝 Medium" panose="02020500000000000000" pitchFamily="18" charset="-128"/>
               </a:rPr>
-              <a:t>ゲームのアピール　</a:t>
-            </a:r>
-            <a:r>
-              <a:rPr kumimoji="1" lang="ja-JP" altLang="en-US" sz="2400" dirty="0">
+              <a:t>・制限時間</a:t>
+            </a:r>
+            <a:r>
+              <a:rPr kumimoji="1" lang="en-US" altLang="ja-JP" dirty="0">
                 <a:latin typeface="BIZ UDP明朝 Medium" panose="02020500000000000000" pitchFamily="18" charset="-128"/>
                 <a:ea typeface="BIZ UDP明朝 Medium" panose="02020500000000000000" pitchFamily="18" charset="-128"/>
               </a:rPr>
-              <a:t>（</a:t>
-            </a:r>
-            <a:r>
-              <a:rPr kumimoji="1" lang="ja-JP" altLang="en-US" sz="2400" dirty="0">
-                <a:latin typeface="BIZ UD明朝 Medium" panose="02020500000000000000" pitchFamily="17" charset="-128"/>
-                <a:ea typeface="BIZ UD明朝 Medium" panose="02020500000000000000" pitchFamily="17" charset="-128"/>
-              </a:rPr>
-              <a:t>このゲーム何が楽しいの？）</a:t>
-            </a:r>
-            <a:endParaRPr kumimoji="1" lang="en-US" altLang="ja-JP" sz="2400" dirty="0">
-              <a:latin typeface="BIZ UD明朝 Medium" panose="02020500000000000000" pitchFamily="17" charset="-128"/>
-              <a:ea typeface="BIZ UD明朝 Medium" panose="02020500000000000000" pitchFamily="17" charset="-128"/>
+              <a:t>(3</a:t>
+            </a:r>
+            <a:r>
+              <a:rPr kumimoji="1" lang="ja-JP" altLang="en-US" dirty="0">
+                <a:latin typeface="BIZ UDP明朝 Medium" panose="02020500000000000000" pitchFamily="18" charset="-128"/>
+                <a:ea typeface="BIZ UDP明朝 Medium" panose="02020500000000000000" pitchFamily="18" charset="-128"/>
+              </a:rPr>
+              <a:t>分</a:t>
+            </a:r>
+            <a:r>
+              <a:rPr kumimoji="1" lang="en-US" altLang="ja-JP" dirty="0">
+                <a:latin typeface="BIZ UDP明朝 Medium" panose="02020500000000000000" pitchFamily="18" charset="-128"/>
+                <a:ea typeface="BIZ UDP明朝 Medium" panose="02020500000000000000" pitchFamily="18" charset="-128"/>
+              </a:rPr>
+              <a:t>)</a:t>
+            </a:r>
+            <a:r>
+              <a:rPr kumimoji="1" lang="ja-JP" altLang="en-US" dirty="0">
+                <a:latin typeface="BIZ UDP明朝 Medium" panose="02020500000000000000" pitchFamily="18" charset="-128"/>
+                <a:ea typeface="BIZ UDP明朝 Medium" panose="02020500000000000000" pitchFamily="18" charset="-128"/>
+              </a:rPr>
+              <a:t>の間に敵を倒しきる</a:t>
+            </a:r>
+            <a:endParaRPr kumimoji="1" lang="en-US" altLang="ja-JP" dirty="0">
+              <a:latin typeface="BIZ UDP明朝 Medium" panose="02020500000000000000" pitchFamily="18" charset="-128"/>
+              <a:ea typeface="BIZ UDP明朝 Medium" panose="02020500000000000000" pitchFamily="18" charset="-128"/>
+            </a:endParaRPr>
+          </a:p>
+          <a:p>
+            <a:r>
+              <a:rPr kumimoji="1" lang="en-US" altLang="ja-JP" dirty="0">
+                <a:latin typeface="BIZ UDP明朝 Medium" panose="02020500000000000000" pitchFamily="18" charset="-128"/>
+                <a:ea typeface="BIZ UDP明朝 Medium" panose="02020500000000000000" pitchFamily="18" charset="-128"/>
+              </a:rPr>
+              <a:t>	</a:t>
+            </a:r>
+            <a:r>
+              <a:rPr kumimoji="1" lang="ja-JP" altLang="en-US" dirty="0">
+                <a:latin typeface="BIZ UDP明朝 Medium" panose="02020500000000000000" pitchFamily="18" charset="-128"/>
+                <a:ea typeface="BIZ UDP明朝 Medium" panose="02020500000000000000" pitchFamily="18" charset="-128"/>
+              </a:rPr>
+              <a:t>攻撃手段はナイフ、銃、罠など</a:t>
+            </a:r>
+            <a:endParaRPr kumimoji="1" lang="en-US" altLang="ja-JP" dirty="0">
+              <a:latin typeface="BIZ UDP明朝 Medium" panose="02020500000000000000" pitchFamily="18" charset="-128"/>
+              <a:ea typeface="BIZ UDP明朝 Medium" panose="02020500000000000000" pitchFamily="18" charset="-128"/>
+            </a:endParaRPr>
+          </a:p>
+          <a:p>
+            <a:r>
+              <a:rPr kumimoji="1" lang="en-US" altLang="ja-JP" dirty="0">
+                <a:latin typeface="BIZ UDP明朝 Medium" panose="02020500000000000000" pitchFamily="18" charset="-128"/>
+                <a:ea typeface="BIZ UDP明朝 Medium" panose="02020500000000000000" pitchFamily="18" charset="-128"/>
+              </a:rPr>
+              <a:t>	</a:t>
+            </a:r>
+            <a:r>
+              <a:rPr kumimoji="1" lang="ja-JP" altLang="en-US" dirty="0">
+                <a:latin typeface="BIZ UDP明朝 Medium" panose="02020500000000000000" pitchFamily="18" charset="-128"/>
+                <a:ea typeface="BIZ UDP明朝 Medium" panose="02020500000000000000" pitchFamily="18" charset="-128"/>
+              </a:rPr>
+              <a:t>倒しきれたらゲームクリア、倒しきれなかったらゲームオーバー</a:t>
+            </a:r>
+            <a:endParaRPr kumimoji="1" lang="en-US" altLang="ja-JP" dirty="0">
+              <a:latin typeface="BIZ UDP明朝 Medium" panose="02020500000000000000" pitchFamily="18" charset="-128"/>
+              <a:ea typeface="BIZ UDP明朝 Medium" panose="02020500000000000000" pitchFamily="18" charset="-128"/>
+            </a:endParaRPr>
+          </a:p>
+          <a:p>
+            <a:endParaRPr kumimoji="1" lang="en-US" altLang="ja-JP" dirty="0">
+              <a:latin typeface="BIZ UDP明朝 Medium" panose="02020500000000000000" pitchFamily="18" charset="-128"/>
+              <a:ea typeface="BIZ UDP明朝 Medium" panose="02020500000000000000" pitchFamily="18" charset="-128"/>
+            </a:endParaRPr>
+          </a:p>
+          <a:p>
+            <a:r>
+              <a:rPr lang="ja-JP" altLang="en-US" dirty="0">
+                <a:latin typeface="BIZ UDP明朝 Medium" panose="02020500000000000000" pitchFamily="18" charset="-128"/>
+                <a:ea typeface="BIZ UDP明朝 Medium" panose="02020500000000000000" pitchFamily="18" charset="-128"/>
+              </a:rPr>
+              <a:t>・スコア機能有（残り時間、攻撃ポイント、プレイヤー残り</a:t>
+            </a:r>
+            <a:r>
+              <a:rPr lang="en-US" altLang="ja-JP" dirty="0">
+                <a:latin typeface="BIZ UDP明朝 Medium" panose="02020500000000000000" pitchFamily="18" charset="-128"/>
+                <a:ea typeface="BIZ UDP明朝 Medium" panose="02020500000000000000" pitchFamily="18" charset="-128"/>
+              </a:rPr>
+              <a:t>HP</a:t>
+            </a:r>
+            <a:r>
+              <a:rPr lang="ja-JP" altLang="en-US" dirty="0">
+                <a:latin typeface="BIZ UDP明朝 Medium" panose="02020500000000000000" pitchFamily="18" charset="-128"/>
+                <a:ea typeface="BIZ UDP明朝 Medium" panose="02020500000000000000" pitchFamily="18" charset="-128"/>
+              </a:rPr>
+              <a:t>の合計）</a:t>
+            </a:r>
+            <a:endParaRPr lang="en-US" altLang="ja-JP" dirty="0">
+              <a:latin typeface="BIZ UDP明朝 Medium" panose="02020500000000000000" pitchFamily="18" charset="-128"/>
+              <a:ea typeface="BIZ UDP明朝 Medium" panose="02020500000000000000" pitchFamily="18" charset="-128"/>
+            </a:endParaRPr>
+          </a:p>
+          <a:p>
+            <a:endParaRPr lang="en-US" altLang="ja-JP" dirty="0">
+              <a:latin typeface="BIZ UDP明朝 Medium" panose="02020500000000000000" pitchFamily="18" charset="-128"/>
+              <a:ea typeface="BIZ UDP明朝 Medium" panose="02020500000000000000" pitchFamily="18" charset="-128"/>
+            </a:endParaRPr>
+          </a:p>
+          <a:p>
+            <a:r>
+              <a:rPr kumimoji="1" lang="ja-JP" altLang="en-US" dirty="0">
+                <a:latin typeface="BIZ UDP明朝 Medium" panose="02020500000000000000" pitchFamily="18" charset="-128"/>
+                <a:ea typeface="BIZ UDP明朝 Medium" panose="02020500000000000000" pitchFamily="18" charset="-128"/>
+              </a:rPr>
+              <a:t>・</a:t>
+            </a:r>
+            <a:r>
+              <a:rPr kumimoji="1" lang="en-US" altLang="ja-JP" dirty="0">
+                <a:latin typeface="BIZ UDP明朝 Medium" panose="02020500000000000000" pitchFamily="18" charset="-128"/>
+                <a:ea typeface="BIZ UDP明朝 Medium" panose="02020500000000000000" pitchFamily="18" charset="-128"/>
+              </a:rPr>
+              <a:t>MAX4</a:t>
+            </a:r>
+            <a:r>
+              <a:rPr kumimoji="1" lang="ja-JP" altLang="en-US" dirty="0">
+                <a:latin typeface="BIZ UDP明朝 Medium" panose="02020500000000000000" pitchFamily="18" charset="-128"/>
+                <a:ea typeface="BIZ UDP明朝 Medium" panose="02020500000000000000" pitchFamily="18" charset="-128"/>
+              </a:rPr>
+              <a:t>人での協力プレイ（プレイヤー以外は</a:t>
+            </a:r>
+            <a:r>
+              <a:rPr kumimoji="1" lang="en-US" altLang="ja-JP" dirty="0">
+                <a:latin typeface="BIZ UDP明朝 Medium" panose="02020500000000000000" pitchFamily="18" charset="-128"/>
+                <a:ea typeface="BIZ UDP明朝 Medium" panose="02020500000000000000" pitchFamily="18" charset="-128"/>
+              </a:rPr>
+              <a:t>NPC…</a:t>
+            </a:r>
+            <a:r>
+              <a:rPr kumimoji="1" lang="ja-JP" altLang="en-US" dirty="0">
+                <a:latin typeface="BIZ UDP明朝 Medium" panose="02020500000000000000" pitchFamily="18" charset="-128"/>
+                <a:ea typeface="BIZ UDP明朝 Medium" panose="02020500000000000000" pitchFamily="18" charset="-128"/>
+              </a:rPr>
+              <a:t>～</a:t>
+            </a:r>
+            <a:r>
+              <a:rPr kumimoji="1" lang="en-US" altLang="ja-JP" dirty="0">
+                <a:latin typeface="BIZ UDP明朝 Medium" panose="02020500000000000000" pitchFamily="18" charset="-128"/>
+                <a:ea typeface="BIZ UDP明朝 Medium" panose="02020500000000000000" pitchFamily="18" charset="-128"/>
+              </a:rPr>
+              <a:t>12</a:t>
+            </a:r>
+            <a:r>
+              <a:rPr kumimoji="1" lang="ja-JP" altLang="en-US" dirty="0">
+                <a:latin typeface="BIZ UDP明朝 Medium" panose="02020500000000000000" pitchFamily="18" charset="-128"/>
+                <a:ea typeface="BIZ UDP明朝 Medium" panose="02020500000000000000" pitchFamily="18" charset="-128"/>
+              </a:rPr>
+              <a:t>月末</a:t>
+            </a:r>
+            <a:endParaRPr kumimoji="1" lang="en-US" altLang="ja-JP" dirty="0">
+              <a:latin typeface="BIZ UDP明朝 Medium" panose="02020500000000000000" pitchFamily="18" charset="-128"/>
+              <a:ea typeface="BIZ UDP明朝 Medium" panose="02020500000000000000" pitchFamily="18" charset="-128"/>
+            </a:endParaRPr>
+          </a:p>
+          <a:p>
+            <a:r>
+              <a:rPr kumimoji="1" lang="en-US" altLang="ja-JP" dirty="0">
+                <a:latin typeface="BIZ UDP明朝 Medium" panose="02020500000000000000" pitchFamily="18" charset="-128"/>
+                <a:ea typeface="BIZ UDP明朝 Medium" panose="02020500000000000000" pitchFamily="18" charset="-128"/>
+              </a:rPr>
+              <a:t>						</a:t>
+            </a:r>
+            <a:r>
+              <a:rPr kumimoji="1" lang="ja-JP" altLang="en-US" dirty="0">
+                <a:latin typeface="BIZ UDP明朝 Medium" panose="02020500000000000000" pitchFamily="18" charset="-128"/>
+                <a:ea typeface="BIZ UDP明朝 Medium" panose="02020500000000000000" pitchFamily="18" charset="-128"/>
+              </a:rPr>
+              <a:t>マルチプレイ</a:t>
+            </a:r>
+            <a:r>
+              <a:rPr kumimoji="1" lang="en-US" altLang="ja-JP" dirty="0">
+                <a:latin typeface="BIZ UDP明朝 Medium" panose="02020500000000000000" pitchFamily="18" charset="-128"/>
+                <a:ea typeface="BIZ UDP明朝 Medium" panose="02020500000000000000" pitchFamily="18" charset="-128"/>
+              </a:rPr>
+              <a:t>		</a:t>
+            </a:r>
+            <a:r>
+              <a:rPr kumimoji="1" lang="ja-JP" altLang="en-US" dirty="0">
+                <a:latin typeface="BIZ UDP明朝 Medium" panose="02020500000000000000" pitchFamily="18" charset="-128"/>
+                <a:ea typeface="BIZ UDP明朝 Medium" panose="02020500000000000000" pitchFamily="18" charset="-128"/>
+              </a:rPr>
+              <a:t>　　</a:t>
+            </a:r>
+            <a:r>
+              <a:rPr kumimoji="1" lang="en-US" altLang="ja-JP" dirty="0">
+                <a:latin typeface="BIZ UDP明朝 Medium" panose="02020500000000000000" pitchFamily="18" charset="-128"/>
+                <a:ea typeface="BIZ UDP明朝 Medium" panose="02020500000000000000" pitchFamily="18" charset="-128"/>
+              </a:rPr>
+              <a:t>…</a:t>
+            </a:r>
+            <a:r>
+              <a:rPr kumimoji="1" lang="ja-JP" altLang="en-US" dirty="0">
+                <a:latin typeface="BIZ UDP明朝 Medium" panose="02020500000000000000" pitchFamily="18" charset="-128"/>
+                <a:ea typeface="BIZ UDP明朝 Medium" panose="02020500000000000000" pitchFamily="18" charset="-128"/>
+              </a:rPr>
+              <a:t>～</a:t>
+            </a:r>
+            <a:r>
+              <a:rPr kumimoji="1" lang="en-US" altLang="ja-JP" dirty="0">
+                <a:latin typeface="BIZ UDP明朝 Medium" panose="02020500000000000000" pitchFamily="18" charset="-128"/>
+                <a:ea typeface="BIZ UDP明朝 Medium" panose="02020500000000000000" pitchFamily="18" charset="-128"/>
+              </a:rPr>
+              <a:t>1</a:t>
+            </a:r>
+            <a:r>
+              <a:rPr kumimoji="1" lang="ja-JP" altLang="en-US" dirty="0">
+                <a:latin typeface="BIZ UDP明朝 Medium" panose="02020500000000000000" pitchFamily="18" charset="-128"/>
+                <a:ea typeface="BIZ UDP明朝 Medium" panose="02020500000000000000" pitchFamily="18" charset="-128"/>
+              </a:rPr>
+              <a:t>月末）</a:t>
+            </a:r>
+            <a:endParaRPr kumimoji="1" lang="en-US" altLang="ja-JP" dirty="0">
+              <a:latin typeface="BIZ UDP明朝 Medium" panose="02020500000000000000" pitchFamily="18" charset="-128"/>
+              <a:ea typeface="BIZ UDP明朝 Medium" panose="02020500000000000000" pitchFamily="18" charset="-128"/>
             </a:endParaRPr>
           </a:p>
         </p:txBody>
@@ -5527,7 +5435,7 @@
     </p:spTree>
     <p:extLst>
       <p:ext uri="{BB962C8B-B14F-4D97-AF65-F5344CB8AC3E}">
-        <p14:creationId xmlns:p14="http://schemas.microsoft.com/office/powerpoint/2010/main" val="3509109435"/>
+        <p14:creationId xmlns:p14="http://schemas.microsoft.com/office/powerpoint/2010/main" val="1381544209"/>
       </p:ext>
     </p:extLst>
   </p:cSld>
@@ -5559,6 +5467,404 @@
           <p:cNvPr id="4" name="テキスト ボックス 3">
             <a:extLst>
               <a:ext uri="{FF2B5EF4-FFF2-40B4-BE49-F238E27FC236}">
+                <a16:creationId xmlns:a16="http://schemas.microsoft.com/office/drawing/2014/main" id="{9C221001-BF6D-44EE-9FBC-9B07D41E8A82}"/>
+              </a:ext>
+            </a:extLst>
+          </p:cNvPr>
+          <p:cNvSpPr txBox="1"/>
+          <p:nvPr/>
+        </p:nvSpPr>
+        <p:spPr>
+          <a:xfrm>
+            <a:off x="1460324" y="1713061"/>
+            <a:ext cx="7727324" cy="4124206"/>
+          </a:xfrm>
+          <a:prstGeom prst="rect">
+            <a:avLst/>
+          </a:prstGeom>
+          <a:noFill/>
+        </p:spPr>
+        <p:txBody>
+          <a:bodyPr wrap="square" rtlCol="0">
+            <a:spAutoFit/>
+          </a:bodyPr>
+          <a:lstStyle/>
+          <a:p>
+            <a:r>
+              <a:rPr lang="ja-JP" altLang="en-US" sz="2000" u="sng" dirty="0">
+                <a:latin typeface="BIZ UD明朝 Medium" panose="02020500000000000000" pitchFamily="17" charset="-128"/>
+                <a:ea typeface="BIZ UD明朝 Medium" panose="02020500000000000000" pitchFamily="17" charset="-128"/>
+              </a:rPr>
+              <a:t>人によって遊び方を変えれる</a:t>
+            </a:r>
+            <a:endParaRPr lang="en-US" altLang="ja-JP" sz="2000" u="sng" dirty="0">
+              <a:latin typeface="BIZ UD明朝 Medium" panose="02020500000000000000" pitchFamily="17" charset="-128"/>
+              <a:ea typeface="BIZ UD明朝 Medium" panose="02020500000000000000" pitchFamily="17" charset="-128"/>
+            </a:endParaRPr>
+          </a:p>
+          <a:p>
+            <a:endParaRPr lang="en-US" altLang="ja-JP" sz="2000" u="sng" dirty="0">
+              <a:latin typeface="BIZ UD明朝 Medium" panose="02020500000000000000" pitchFamily="17" charset="-128"/>
+              <a:ea typeface="BIZ UD明朝 Medium" panose="02020500000000000000" pitchFamily="17" charset="-128"/>
+            </a:endParaRPr>
+          </a:p>
+          <a:p>
+            <a:r>
+              <a:rPr lang="en-US" altLang="ja-JP" dirty="0">
+                <a:latin typeface="BIZ UD明朝 Medium" panose="02020500000000000000" pitchFamily="17" charset="-128"/>
+                <a:ea typeface="BIZ UD明朝 Medium" panose="02020500000000000000" pitchFamily="17" charset="-128"/>
+              </a:rPr>
+              <a:t>	</a:t>
+            </a:r>
+            <a:r>
+              <a:rPr lang="ja-JP" altLang="en-US" dirty="0">
+                <a:latin typeface="BIZ UD明朝 Medium" panose="02020500000000000000" pitchFamily="17" charset="-128"/>
+                <a:ea typeface="BIZ UD明朝 Medium" panose="02020500000000000000" pitchFamily="17" charset="-128"/>
+              </a:rPr>
+              <a:t>・遠くから銃で中～遠距離</a:t>
+            </a:r>
+            <a:endParaRPr lang="en-US" altLang="ja-JP" dirty="0">
+              <a:latin typeface="BIZ UD明朝 Medium" panose="02020500000000000000" pitchFamily="17" charset="-128"/>
+              <a:ea typeface="BIZ UD明朝 Medium" panose="02020500000000000000" pitchFamily="17" charset="-128"/>
+            </a:endParaRPr>
+          </a:p>
+          <a:p>
+            <a:r>
+              <a:rPr lang="en-US" altLang="ja-JP" dirty="0">
+                <a:latin typeface="BIZ UD明朝 Medium" panose="02020500000000000000" pitchFamily="17" charset="-128"/>
+                <a:ea typeface="BIZ UD明朝 Medium" panose="02020500000000000000" pitchFamily="17" charset="-128"/>
+              </a:rPr>
+              <a:t>	</a:t>
+            </a:r>
+            <a:r>
+              <a:rPr lang="ja-JP" altLang="en-US" dirty="0">
+                <a:latin typeface="BIZ UD明朝 Medium" panose="02020500000000000000" pitchFamily="17" charset="-128"/>
+                <a:ea typeface="BIZ UD明朝 Medium" panose="02020500000000000000" pitchFamily="17" charset="-128"/>
+              </a:rPr>
+              <a:t>・ナイフで近接</a:t>
+            </a:r>
+            <a:endParaRPr lang="en-US" altLang="ja-JP" dirty="0">
+              <a:latin typeface="BIZ UD明朝 Medium" panose="02020500000000000000" pitchFamily="17" charset="-128"/>
+              <a:ea typeface="BIZ UD明朝 Medium" panose="02020500000000000000" pitchFamily="17" charset="-128"/>
+            </a:endParaRPr>
+          </a:p>
+          <a:p>
+            <a:r>
+              <a:rPr lang="en-US" altLang="ja-JP" dirty="0">
+                <a:latin typeface="BIZ UD明朝 Medium" panose="02020500000000000000" pitchFamily="17" charset="-128"/>
+                <a:ea typeface="BIZ UD明朝 Medium" panose="02020500000000000000" pitchFamily="17" charset="-128"/>
+              </a:rPr>
+              <a:t>	</a:t>
+            </a:r>
+            <a:r>
+              <a:rPr lang="ja-JP" altLang="en-US" dirty="0">
+                <a:latin typeface="BIZ UD明朝 Medium" panose="02020500000000000000" pitchFamily="17" charset="-128"/>
+                <a:ea typeface="BIZ UD明朝 Medium" panose="02020500000000000000" pitchFamily="17" charset="-128"/>
+              </a:rPr>
+              <a:t>・罠コンボを狙う</a:t>
+            </a:r>
+            <a:endParaRPr lang="en-US" altLang="ja-JP" dirty="0">
+              <a:latin typeface="BIZ UD明朝 Medium" panose="02020500000000000000" pitchFamily="17" charset="-128"/>
+              <a:ea typeface="BIZ UD明朝 Medium" panose="02020500000000000000" pitchFamily="17" charset="-128"/>
+            </a:endParaRPr>
+          </a:p>
+          <a:p>
+            <a:r>
+              <a:rPr lang="en-US" altLang="ja-JP" dirty="0">
+                <a:latin typeface="BIZ UD明朝 Medium" panose="02020500000000000000" pitchFamily="17" charset="-128"/>
+                <a:ea typeface="BIZ UD明朝 Medium" panose="02020500000000000000" pitchFamily="17" charset="-128"/>
+              </a:rPr>
+              <a:t>	</a:t>
+            </a:r>
+            <a:r>
+              <a:rPr lang="ja-JP" altLang="en-US" dirty="0">
+                <a:latin typeface="BIZ UD明朝 Medium" panose="02020500000000000000" pitchFamily="17" charset="-128"/>
+                <a:ea typeface="BIZ UD明朝 Medium" panose="02020500000000000000" pitchFamily="17" charset="-128"/>
+              </a:rPr>
+              <a:t>・集中砲火で敵の</a:t>
+            </a:r>
+            <a:r>
+              <a:rPr lang="en-US" altLang="ja-JP" dirty="0">
+                <a:latin typeface="BIZ UD明朝 Medium" panose="02020500000000000000" pitchFamily="17" charset="-128"/>
+                <a:ea typeface="BIZ UD明朝 Medium" panose="02020500000000000000" pitchFamily="17" charset="-128"/>
+              </a:rPr>
+              <a:t>HP</a:t>
+            </a:r>
+            <a:r>
+              <a:rPr lang="ja-JP" altLang="en-US" dirty="0">
+                <a:latin typeface="BIZ UD明朝 Medium" panose="02020500000000000000" pitchFamily="17" charset="-128"/>
+                <a:ea typeface="BIZ UD明朝 Medium" panose="02020500000000000000" pitchFamily="17" charset="-128"/>
+              </a:rPr>
+              <a:t>をガンガン減らす</a:t>
+            </a:r>
+            <a:endParaRPr lang="en-US" altLang="ja-JP" dirty="0">
+              <a:latin typeface="BIZ UD明朝 Medium" panose="02020500000000000000" pitchFamily="17" charset="-128"/>
+              <a:ea typeface="BIZ UD明朝 Medium" panose="02020500000000000000" pitchFamily="17" charset="-128"/>
+            </a:endParaRPr>
+          </a:p>
+          <a:p>
+            <a:r>
+              <a:rPr lang="en-US" altLang="ja-JP" dirty="0">
+                <a:latin typeface="BIZ UD明朝 Medium" panose="02020500000000000000" pitchFamily="17" charset="-128"/>
+                <a:ea typeface="BIZ UD明朝 Medium" panose="02020500000000000000" pitchFamily="17" charset="-128"/>
+              </a:rPr>
+              <a:t>	</a:t>
+            </a:r>
+            <a:r>
+              <a:rPr lang="ja-JP" altLang="en-US" dirty="0">
+                <a:latin typeface="BIZ UD明朝 Medium" panose="02020500000000000000" pitchFamily="17" charset="-128"/>
+                <a:ea typeface="BIZ UD明朝 Medium" panose="02020500000000000000" pitchFamily="17" charset="-128"/>
+              </a:rPr>
+              <a:t>・ハイスコアを目指した倒し方を探す</a:t>
+            </a:r>
+            <a:endParaRPr lang="en-US" altLang="ja-JP" dirty="0">
+              <a:latin typeface="BIZ UD明朝 Medium" panose="02020500000000000000" pitchFamily="17" charset="-128"/>
+              <a:ea typeface="BIZ UD明朝 Medium" panose="02020500000000000000" pitchFamily="17" charset="-128"/>
+            </a:endParaRPr>
+          </a:p>
+          <a:p>
+            <a:r>
+              <a:rPr lang="en-US" altLang="ja-JP" dirty="0">
+                <a:latin typeface="BIZ UD明朝 Medium" panose="02020500000000000000" pitchFamily="17" charset="-128"/>
+                <a:ea typeface="BIZ UD明朝 Medium" panose="02020500000000000000" pitchFamily="17" charset="-128"/>
+              </a:rPr>
+              <a:t>	</a:t>
+            </a:r>
+            <a:r>
+              <a:rPr lang="ja-JP" altLang="en-US" dirty="0">
+                <a:latin typeface="BIZ UD明朝 Medium" panose="02020500000000000000" pitchFamily="17" charset="-128"/>
+                <a:ea typeface="BIZ UD明朝 Medium" panose="02020500000000000000" pitchFamily="17" charset="-128"/>
+              </a:rPr>
+              <a:t>・</a:t>
+            </a:r>
+            <a:r>
+              <a:rPr lang="en-US" altLang="ja-JP" dirty="0">
+                <a:latin typeface="BIZ UD明朝 Medium" panose="02020500000000000000" pitchFamily="17" charset="-128"/>
+                <a:ea typeface="BIZ UD明朝 Medium" panose="02020500000000000000" pitchFamily="17" charset="-128"/>
+              </a:rPr>
+              <a:t>NPC</a:t>
+            </a:r>
+            <a:r>
+              <a:rPr lang="ja-JP" altLang="en-US" dirty="0">
+                <a:latin typeface="BIZ UD明朝 Medium" panose="02020500000000000000" pitchFamily="17" charset="-128"/>
+                <a:ea typeface="BIZ UD明朝 Medium" panose="02020500000000000000" pitchFamily="17" charset="-128"/>
+              </a:rPr>
+              <a:t>無し</a:t>
+            </a:r>
+            <a:endParaRPr lang="en-US" altLang="ja-JP" dirty="0">
+              <a:latin typeface="BIZ UD明朝 Medium" panose="02020500000000000000" pitchFamily="17" charset="-128"/>
+              <a:ea typeface="BIZ UD明朝 Medium" panose="02020500000000000000" pitchFamily="17" charset="-128"/>
+            </a:endParaRPr>
+          </a:p>
+          <a:p>
+            <a:endParaRPr lang="en-US" altLang="ja-JP" dirty="0">
+              <a:latin typeface="BIZ UD明朝 Medium" panose="02020500000000000000" pitchFamily="17" charset="-128"/>
+              <a:ea typeface="BIZ UD明朝 Medium" panose="02020500000000000000" pitchFamily="17" charset="-128"/>
+            </a:endParaRPr>
+          </a:p>
+          <a:p>
+            <a:endParaRPr lang="en-US" altLang="ja-JP" dirty="0">
+              <a:latin typeface="BIZ UD明朝 Medium" panose="02020500000000000000" pitchFamily="17" charset="-128"/>
+              <a:ea typeface="BIZ UD明朝 Medium" panose="02020500000000000000" pitchFamily="17" charset="-128"/>
+            </a:endParaRPr>
+          </a:p>
+          <a:p>
+            <a:r>
+              <a:rPr lang="ja-JP" altLang="en-US" sz="2000" u="sng" dirty="0">
+                <a:latin typeface="BIZ UD明朝 Medium" panose="02020500000000000000" pitchFamily="17" charset="-128"/>
+                <a:ea typeface="BIZ UD明朝 Medium" panose="02020500000000000000" pitchFamily="17" charset="-128"/>
+              </a:rPr>
+              <a:t>複数人で連携を取り、敵を倒す</a:t>
+            </a:r>
+            <a:r>
+              <a:rPr lang="en-US" altLang="ja-JP" sz="2000" u="sng" dirty="0">
+                <a:latin typeface="BIZ UD明朝 Medium" panose="02020500000000000000" pitchFamily="17" charset="-128"/>
+                <a:ea typeface="BIZ UD明朝 Medium" panose="02020500000000000000" pitchFamily="17" charset="-128"/>
+              </a:rPr>
+              <a:t>(</a:t>
+            </a:r>
+            <a:r>
+              <a:rPr lang="ja-JP" altLang="en-US" sz="2000" u="sng" dirty="0">
+                <a:latin typeface="BIZ UD明朝 Medium" panose="02020500000000000000" pitchFamily="17" charset="-128"/>
+                <a:ea typeface="BIZ UD明朝 Medium" panose="02020500000000000000" pitchFamily="17" charset="-128"/>
+              </a:rPr>
+              <a:t>マルチプレイ用</a:t>
+            </a:r>
+            <a:r>
+              <a:rPr lang="en-US" altLang="ja-JP" sz="2000" u="sng" dirty="0">
+                <a:latin typeface="BIZ UD明朝 Medium" panose="02020500000000000000" pitchFamily="17" charset="-128"/>
+                <a:ea typeface="BIZ UD明朝 Medium" panose="02020500000000000000" pitchFamily="17" charset="-128"/>
+              </a:rPr>
+              <a:t>)</a:t>
+            </a:r>
+          </a:p>
+          <a:p>
+            <a:endParaRPr lang="en-US" altLang="ja-JP" sz="2000" u="sng" dirty="0">
+              <a:latin typeface="BIZ UD明朝 Medium" panose="02020500000000000000" pitchFamily="17" charset="-128"/>
+              <a:ea typeface="BIZ UD明朝 Medium" panose="02020500000000000000" pitchFamily="17" charset="-128"/>
+            </a:endParaRPr>
+          </a:p>
+          <a:p>
+            <a:r>
+              <a:rPr lang="en-US" altLang="ja-JP" sz="2000" dirty="0">
+                <a:latin typeface="BIZ UD明朝 Medium" panose="02020500000000000000" pitchFamily="17" charset="-128"/>
+                <a:ea typeface="BIZ UD明朝 Medium" panose="02020500000000000000" pitchFamily="17" charset="-128"/>
+              </a:rPr>
+              <a:t>	</a:t>
+            </a:r>
+            <a:r>
+              <a:rPr lang="ja-JP" altLang="en-US" dirty="0">
+                <a:latin typeface="BIZ UD明朝 Medium" panose="02020500000000000000" pitchFamily="17" charset="-128"/>
+                <a:ea typeface="BIZ UD明朝 Medium" panose="02020500000000000000" pitchFamily="17" charset="-128"/>
+              </a:rPr>
+              <a:t>・会敵したら</a:t>
+            </a:r>
+            <a:r>
+              <a:rPr lang="en-US" altLang="ja-JP" dirty="0">
+                <a:latin typeface="BIZ UD明朝 Medium" panose="02020500000000000000" pitchFamily="17" charset="-128"/>
+                <a:ea typeface="BIZ UD明朝 Medium" panose="02020500000000000000" pitchFamily="17" charset="-128"/>
+              </a:rPr>
+              <a:t>”</a:t>
+            </a:r>
+            <a:r>
+              <a:rPr lang="ja-JP" altLang="en-US" dirty="0">
+                <a:latin typeface="BIZ UD明朝 Medium" panose="02020500000000000000" pitchFamily="17" charset="-128"/>
+                <a:ea typeface="BIZ UD明朝 Medium" panose="02020500000000000000" pitchFamily="17" charset="-128"/>
+              </a:rPr>
+              <a:t>敵ココ！</a:t>
+            </a:r>
+            <a:r>
+              <a:rPr lang="en-US" altLang="ja-JP" dirty="0">
+                <a:latin typeface="BIZ UD明朝 Medium" panose="02020500000000000000" pitchFamily="17" charset="-128"/>
+                <a:ea typeface="BIZ UD明朝 Medium" panose="02020500000000000000" pitchFamily="17" charset="-128"/>
+              </a:rPr>
+              <a:t>”</a:t>
+            </a:r>
+            <a:r>
+              <a:rPr lang="ja-JP" altLang="en-US" dirty="0">
+                <a:latin typeface="BIZ UD明朝 Medium" panose="02020500000000000000" pitchFamily="17" charset="-128"/>
+                <a:ea typeface="BIZ UD明朝 Medium" panose="02020500000000000000" pitchFamily="17" charset="-128"/>
+              </a:rPr>
+              <a:t>といったアイコンを出して</a:t>
+            </a:r>
+            <a:endParaRPr lang="en-US" altLang="ja-JP" dirty="0">
+              <a:latin typeface="BIZ UD明朝 Medium" panose="02020500000000000000" pitchFamily="17" charset="-128"/>
+              <a:ea typeface="BIZ UD明朝 Medium" panose="02020500000000000000" pitchFamily="17" charset="-128"/>
+            </a:endParaRPr>
+          </a:p>
+          <a:p>
+            <a:r>
+              <a:rPr lang="en-US" altLang="ja-JP" dirty="0">
+                <a:latin typeface="BIZ UD明朝 Medium" panose="02020500000000000000" pitchFamily="17" charset="-128"/>
+                <a:ea typeface="BIZ UD明朝 Medium" panose="02020500000000000000" pitchFamily="17" charset="-128"/>
+              </a:rPr>
+              <a:t>	</a:t>
+            </a:r>
+            <a:r>
+              <a:rPr lang="ja-JP" altLang="en-US" dirty="0">
+                <a:latin typeface="BIZ UD明朝 Medium" panose="02020500000000000000" pitchFamily="17" charset="-128"/>
+                <a:ea typeface="BIZ UD明朝 Medium" panose="02020500000000000000" pitchFamily="17" charset="-128"/>
+              </a:rPr>
+              <a:t>協力プレイ感を出す</a:t>
+            </a:r>
+            <a:endParaRPr lang="en-US" altLang="ja-JP" dirty="0">
+              <a:latin typeface="BIZ UD明朝 Medium" panose="02020500000000000000" pitchFamily="17" charset="-128"/>
+              <a:ea typeface="BIZ UD明朝 Medium" panose="02020500000000000000" pitchFamily="17" charset="-128"/>
+            </a:endParaRPr>
+          </a:p>
+        </p:txBody>
+      </p:sp>
+      <p:sp>
+        <p:nvSpPr>
+          <p:cNvPr id="6" name="テキスト ボックス 5">
+            <a:extLst>
+              <a:ext uri="{FF2B5EF4-FFF2-40B4-BE49-F238E27FC236}">
+                <a16:creationId xmlns:a16="http://schemas.microsoft.com/office/drawing/2014/main" id="{3BFE104F-218E-4639-A4F7-A012C079D999}"/>
+              </a:ext>
+            </a:extLst>
+          </p:cNvPr>
+          <p:cNvSpPr txBox="1"/>
+          <p:nvPr/>
+        </p:nvSpPr>
+        <p:spPr>
+          <a:xfrm>
+            <a:off x="226916" y="202592"/>
+            <a:ext cx="8068234" cy="646331"/>
+          </a:xfrm>
+          <a:prstGeom prst="rect">
+            <a:avLst/>
+          </a:prstGeom>
+          <a:noFill/>
+        </p:spPr>
+        <p:txBody>
+          <a:bodyPr wrap="none" rtlCol="0">
+            <a:spAutoFit/>
+          </a:bodyPr>
+          <a:lstStyle/>
+          <a:p>
+            <a:r>
+              <a:rPr kumimoji="1" lang="ja-JP" altLang="en-US" sz="3600" dirty="0">
+                <a:latin typeface="BIZ UDP明朝 Medium" panose="02020500000000000000" pitchFamily="18" charset="-128"/>
+                <a:ea typeface="BIZ UDP明朝 Medium" panose="02020500000000000000" pitchFamily="18" charset="-128"/>
+              </a:rPr>
+              <a:t>ゲームのアピール　</a:t>
+            </a:r>
+            <a:r>
+              <a:rPr kumimoji="1" lang="ja-JP" altLang="en-US" sz="2400" dirty="0">
+                <a:latin typeface="BIZ UDP明朝 Medium" panose="02020500000000000000" pitchFamily="18" charset="-128"/>
+                <a:ea typeface="BIZ UDP明朝 Medium" panose="02020500000000000000" pitchFamily="18" charset="-128"/>
+              </a:rPr>
+              <a:t>（</a:t>
+            </a:r>
+            <a:r>
+              <a:rPr kumimoji="1" lang="ja-JP" altLang="en-US" sz="2400" dirty="0">
+                <a:latin typeface="BIZ UD明朝 Medium" panose="02020500000000000000" pitchFamily="17" charset="-128"/>
+                <a:ea typeface="BIZ UD明朝 Medium" panose="02020500000000000000" pitchFamily="17" charset="-128"/>
+              </a:rPr>
+              <a:t>このゲーム何が楽しいの？）</a:t>
+            </a:r>
+            <a:endParaRPr kumimoji="1" lang="en-US" altLang="ja-JP" sz="2400" dirty="0">
+              <a:latin typeface="BIZ UD明朝 Medium" panose="02020500000000000000" pitchFamily="17" charset="-128"/>
+              <a:ea typeface="BIZ UD明朝 Medium" panose="02020500000000000000" pitchFamily="17" charset="-128"/>
+            </a:endParaRPr>
+          </a:p>
+        </p:txBody>
+      </p:sp>
+    </p:spTree>
+    <p:extLst>
+      <p:ext uri="{BB962C8B-B14F-4D97-AF65-F5344CB8AC3E}">
+        <p14:creationId xmlns:p14="http://schemas.microsoft.com/office/powerpoint/2010/main" val="3509109435"/>
+      </p:ext>
+    </p:extLst>
+  </p:cSld>
+  <p:clrMapOvr>
+    <a:masterClrMapping/>
+  </p:clrMapOvr>
+</p:sld>
+</file>
+
+<file path=ppt/slides/slide5.xml><?xml version="1.0" encoding="utf-8"?>
+<p:sld xmlns:a="http://schemas.openxmlformats.org/drawingml/2006/main" xmlns:r="http://schemas.openxmlformats.org/officeDocument/2006/relationships" xmlns:p="http://schemas.openxmlformats.org/presentationml/2006/main">
+  <p:cSld>
+    <p:spTree>
+      <p:nvGrpSpPr>
+        <p:cNvPr id="1" name=""/>
+        <p:cNvGrpSpPr/>
+        <p:nvPr/>
+      </p:nvGrpSpPr>
+      <p:grpSpPr>
+        <a:xfrm>
+          <a:off x="0" y="0"/>
+          <a:ext cx="0" cy="0"/>
+          <a:chOff x="0" y="0"/>
+          <a:chExt cx="0" cy="0"/>
+        </a:xfrm>
+      </p:grpSpPr>
+      <p:sp>
+        <p:nvSpPr>
+          <p:cNvPr id="4" name="テキスト ボックス 3">
+            <a:extLst>
+              <a:ext uri="{FF2B5EF4-FFF2-40B4-BE49-F238E27FC236}">
                 <a16:creationId xmlns:a16="http://schemas.microsoft.com/office/drawing/2014/main" id="{A207CA68-2CBD-4011-98DB-637B4D60F250}"/>
               </a:ext>
             </a:extLst>
@@ -5766,8 +6072,8 @@
         </p:nvSpPr>
         <p:spPr>
           <a:xfrm>
-            <a:off x="1261004" y="999722"/>
-            <a:ext cx="8597225" cy="1631216"/>
+            <a:off x="1473411" y="874455"/>
+            <a:ext cx="8597225" cy="2554545"/>
           </a:xfrm>
           <a:prstGeom prst="rect">
             <a:avLst/>
@@ -5866,6 +6172,73 @@
                 <a:ea typeface="BIZ UD明朝 Medium" panose="02020500000000000000" pitchFamily="17" charset="-128"/>
               </a:rPr>
               <a:t>の当たり判定ができることをアピールする</a:t>
+            </a:r>
+            <a:endParaRPr kumimoji="1" lang="en-US" altLang="ja-JP" sz="2000" dirty="0">
+              <a:latin typeface="BIZ UD明朝 Medium" panose="02020500000000000000" pitchFamily="17" charset="-128"/>
+              <a:ea typeface="BIZ UD明朝 Medium" panose="02020500000000000000" pitchFamily="17" charset="-128"/>
+            </a:endParaRPr>
+          </a:p>
+          <a:p>
+            <a:endParaRPr kumimoji="1" lang="en-US" altLang="ja-JP" sz="2000" dirty="0">
+              <a:latin typeface="BIZ UD明朝 Medium" panose="02020500000000000000" pitchFamily="17" charset="-128"/>
+              <a:ea typeface="BIZ UD明朝 Medium" panose="02020500000000000000" pitchFamily="17" charset="-128"/>
+            </a:endParaRPr>
+          </a:p>
+          <a:p>
+            <a:r>
+              <a:rPr kumimoji="1" lang="ja-JP" altLang="en-US" sz="2000" dirty="0">
+                <a:latin typeface="BIZ UD明朝 Medium" panose="02020500000000000000" pitchFamily="17" charset="-128"/>
+                <a:ea typeface="BIZ UD明朝 Medium" panose="02020500000000000000" pitchFamily="17" charset="-128"/>
+              </a:rPr>
+              <a:t>・</a:t>
+            </a:r>
+            <a:r>
+              <a:rPr kumimoji="1" lang="en-US" altLang="ja-JP" sz="2000" u="sng" dirty="0">
+                <a:latin typeface="BIZ UD明朝 Medium" panose="02020500000000000000" pitchFamily="17" charset="-128"/>
+                <a:ea typeface="BIZ UD明朝 Medium" panose="02020500000000000000" pitchFamily="17" charset="-128"/>
+              </a:rPr>
+              <a:t>NPC</a:t>
+            </a:r>
+            <a:r>
+              <a:rPr kumimoji="1" lang="ja-JP" altLang="en-US" sz="2000" u="sng" dirty="0">
+                <a:latin typeface="BIZ UD明朝 Medium" panose="02020500000000000000" pitchFamily="17" charset="-128"/>
+                <a:ea typeface="BIZ UD明朝 Medium" panose="02020500000000000000" pitchFamily="17" charset="-128"/>
+              </a:rPr>
+              <a:t>の挙動を作る</a:t>
+            </a:r>
+            <a:endParaRPr kumimoji="1" lang="en-US" altLang="ja-JP" sz="2000" u="sng" dirty="0">
+              <a:latin typeface="BIZ UD明朝 Medium" panose="02020500000000000000" pitchFamily="17" charset="-128"/>
+              <a:ea typeface="BIZ UD明朝 Medium" panose="02020500000000000000" pitchFamily="17" charset="-128"/>
+            </a:endParaRPr>
+          </a:p>
+          <a:p>
+            <a:r>
+              <a:rPr kumimoji="1" lang="en-US" altLang="ja-JP" sz="2000" dirty="0">
+                <a:latin typeface="BIZ UD明朝 Medium" panose="02020500000000000000" pitchFamily="17" charset="-128"/>
+                <a:ea typeface="BIZ UD明朝 Medium" panose="02020500000000000000" pitchFamily="17" charset="-128"/>
+              </a:rPr>
+              <a:t>	</a:t>
+            </a:r>
+            <a:r>
+              <a:rPr kumimoji="1" lang="ja-JP" altLang="en-US" sz="2000" dirty="0">
+                <a:latin typeface="BIZ UD明朝 Medium" panose="02020500000000000000" pitchFamily="17" charset="-128"/>
+                <a:ea typeface="BIZ UD明朝 Medium" panose="02020500000000000000" pitchFamily="17" charset="-128"/>
+              </a:rPr>
+              <a:t>敵</a:t>
+            </a:r>
+            <a:r>
+              <a:rPr kumimoji="1" lang="en-US" altLang="ja-JP" sz="2000" dirty="0">
+                <a:latin typeface="BIZ UD明朝 Medium" panose="02020500000000000000" pitchFamily="17" charset="-128"/>
+                <a:ea typeface="BIZ UD明朝 Medium" panose="02020500000000000000" pitchFamily="17" charset="-128"/>
+              </a:rPr>
+              <a:t>NPC</a:t>
+            </a:r>
+            <a:r>
+              <a:rPr kumimoji="1" lang="ja-JP" altLang="en-US" sz="2000" dirty="0">
+                <a:latin typeface="BIZ UD明朝 Medium" panose="02020500000000000000" pitchFamily="17" charset="-128"/>
+                <a:ea typeface="BIZ UD明朝 Medium" panose="02020500000000000000" pitchFamily="17" charset="-128"/>
+              </a:rPr>
+              <a:t>に力を入れる</a:t>
             </a:r>
             <a:endParaRPr kumimoji="1" lang="en-US" altLang="ja-JP" sz="2000" dirty="0">
               <a:latin typeface="BIZ UD明朝 Medium" panose="02020500000000000000" pitchFamily="17" charset="-128"/>
@@ -5888,7 +6261,7 @@
         </p:nvSpPr>
         <p:spPr>
           <a:xfrm>
-            <a:off x="226916" y="3429000"/>
+            <a:off x="226916" y="3565044"/>
             <a:ext cx="2492990" cy="369332"/>
           </a:xfrm>
           <a:prstGeom prst="rect">
@@ -5925,7 +6298,7 @@
 </p:sld>
 </file>
 
-<file path=ppt/slides/slide5.xml><?xml version="1.0" encoding="utf-8"?>
+<file path=ppt/slides/slide6.xml><?xml version="1.0" encoding="utf-8"?>
 <p:sld xmlns:a="http://schemas.openxmlformats.org/drawingml/2006/main" xmlns:r="http://schemas.openxmlformats.org/officeDocument/2006/relationships" xmlns:p="http://schemas.openxmlformats.org/presentationml/2006/main">
   <p:cSld>
     <p:spTree>
@@ -7189,7 +7562,7 @@
 </p:sld>
 </file>
 
-<file path=ppt/slides/slide6.xml><?xml version="1.0" encoding="utf-8"?>
+<file path=ppt/slides/slide7.xml><?xml version="1.0" encoding="utf-8"?>
 <p:sld xmlns:a="http://schemas.openxmlformats.org/drawingml/2006/main" xmlns:r="http://schemas.openxmlformats.org/officeDocument/2006/relationships" xmlns:p="http://schemas.openxmlformats.org/presentationml/2006/main">
   <p:cSld>
     <p:spTree>
@@ -7700,7 +8073,7 @@
 </p:sld>
 </file>
 
-<file path=ppt/slides/slide7.xml><?xml version="1.0" encoding="utf-8"?>
+<file path=ppt/slides/slide8.xml><?xml version="1.0" encoding="utf-8"?>
 <p:sld xmlns:a="http://schemas.openxmlformats.org/drawingml/2006/main" xmlns:r="http://schemas.openxmlformats.org/officeDocument/2006/relationships" xmlns:p="http://schemas.openxmlformats.org/presentationml/2006/main">
   <p:cSld>
     <p:spTree>
@@ -7731,7 +8104,7 @@
         </p:nvSpPr>
         <p:spPr>
           <a:xfrm>
-            <a:off x="1233352" y="1359183"/>
+            <a:off x="803997" y="975202"/>
             <a:ext cx="1338828" cy="369332"/>
           </a:xfrm>
           <a:prstGeom prst="rect">
@@ -7769,7 +8142,7 @@
         </p:nvSpPr>
         <p:spPr>
           <a:xfrm>
-            <a:off x="2803013" y="1728515"/>
+            <a:off x="1588030" y="1368490"/>
             <a:ext cx="1569660" cy="1200329"/>
           </a:xfrm>
           <a:prstGeom prst="rect">
@@ -7846,7 +8219,7 @@
         </p:nvSpPr>
         <p:spPr>
           <a:xfrm>
-            <a:off x="1233352" y="3239789"/>
+            <a:off x="803997" y="3059668"/>
             <a:ext cx="1800493" cy="369332"/>
           </a:xfrm>
           <a:prstGeom prst="rect">
@@ -7884,8 +8257,8 @@
         </p:nvSpPr>
         <p:spPr>
           <a:xfrm>
-            <a:off x="2719906" y="3920066"/>
-            <a:ext cx="4455066" cy="2308324"/>
+            <a:off x="807834" y="3461996"/>
+            <a:ext cx="9653502" cy="1200329"/>
           </a:xfrm>
           <a:prstGeom prst="rect">
             <a:avLst/>
@@ -7893,7 +8266,7 @@
           <a:noFill/>
         </p:spPr>
         <p:txBody>
-          <a:bodyPr wrap="none" rtlCol="0">
+          <a:bodyPr wrap="square" rtlCol="0">
             <a:spAutoFit/>
           </a:bodyPr>
           <a:lstStyle/>
@@ -7903,7 +8276,35 @@
                 <a:latin typeface="BIZ UD明朝 Medium" panose="02020500000000000000" pitchFamily="17" charset="-128"/>
                 <a:ea typeface="BIZ UD明朝 Medium" panose="02020500000000000000" pitchFamily="17" charset="-128"/>
               </a:rPr>
-              <a:t>・妨害アイテム　</a:t>
+              <a:t>・妨害アイテム　 </a:t>
+            </a:r>
+            <a:r>
+              <a:rPr kumimoji="1" lang="en-US" altLang="ja-JP" dirty="0">
+                <a:latin typeface="BIZ UD明朝 Medium" panose="02020500000000000000" pitchFamily="17" charset="-128"/>
+                <a:ea typeface="BIZ UD明朝 Medium" panose="02020500000000000000" pitchFamily="17" charset="-128"/>
+              </a:rPr>
+              <a:t>						</a:t>
+            </a:r>
+            <a:r>
+              <a:rPr kumimoji="1" lang="ja-JP" altLang="en-US" dirty="0">
+                <a:latin typeface="BIZ UD明朝 Medium" panose="02020500000000000000" pitchFamily="17" charset="-128"/>
+                <a:ea typeface="BIZ UD明朝 Medium" panose="02020500000000000000" pitchFamily="17" charset="-128"/>
+              </a:rPr>
+              <a:t>・回復アイテム</a:t>
+            </a:r>
+            <a:r>
+              <a:rPr kumimoji="1" lang="en-US" altLang="ja-JP" dirty="0">
+                <a:latin typeface="BIZ UD明朝 Medium" panose="02020500000000000000" pitchFamily="17" charset="-128"/>
+                <a:ea typeface="BIZ UD明朝 Medium" panose="02020500000000000000" pitchFamily="17" charset="-128"/>
+              </a:rPr>
+              <a:t>		</a:t>
+            </a:r>
+            <a:r>
+              <a:rPr kumimoji="1" lang="ja-JP" altLang="en-US" dirty="0">
+                <a:latin typeface="BIZ UD明朝 Medium" panose="02020500000000000000" pitchFamily="17" charset="-128"/>
+                <a:ea typeface="BIZ UD明朝 Medium" panose="02020500000000000000" pitchFamily="17" charset="-128"/>
+              </a:rPr>
+              <a:t>・召喚アイテム</a:t>
             </a:r>
             <a:endParaRPr kumimoji="1" lang="en-US" altLang="ja-JP" dirty="0">
               <a:latin typeface="BIZ UD明朝 Medium" panose="02020500000000000000" pitchFamily="17" charset="-128"/>
@@ -7916,7 +8317,7 @@
                 <a:latin typeface="BIZ UD明朝 Medium" panose="02020500000000000000" pitchFamily="17" charset="-128"/>
                 <a:ea typeface="BIZ UD明朝 Medium" panose="02020500000000000000" pitchFamily="17" charset="-128"/>
               </a:rPr>
-              <a:t>	</a:t>
+              <a:t> </a:t>
             </a:r>
             <a:r>
               <a:rPr kumimoji="1" lang="ja-JP" altLang="en-US" dirty="0">
@@ -7958,61 +8359,29 @@
                 <a:latin typeface="BIZ UD明朝 Medium" panose="02020500000000000000" pitchFamily="17" charset="-128"/>
                 <a:ea typeface="BIZ UD明朝 Medium" panose="02020500000000000000" pitchFamily="17" charset="-128"/>
               </a:rPr>
-              <a:t>)</a:t>
-            </a:r>
-          </a:p>
-          <a:p>
+              <a:t>)		 </a:t>
+            </a:r>
+            <a:r>
+              <a:rPr kumimoji="1" lang="ja-JP" altLang="en-US" dirty="0">
+                <a:latin typeface="BIZ UD明朝 Medium" panose="02020500000000000000" pitchFamily="17" charset="-128"/>
+                <a:ea typeface="BIZ UD明朝 Medium" panose="02020500000000000000" pitchFamily="17" charset="-128"/>
+              </a:rPr>
+              <a:t>体力回復</a:t>
+            </a:r>
             <a:r>
               <a:rPr kumimoji="1" lang="en-US" altLang="ja-JP" dirty="0">
                 <a:latin typeface="BIZ UD明朝 Medium" panose="02020500000000000000" pitchFamily="17" charset="-128"/>
                 <a:ea typeface="BIZ UD明朝 Medium" panose="02020500000000000000" pitchFamily="17" charset="-128"/>
               </a:rPr>
-              <a:t>	</a:t>
+              <a:t>				NPC</a:t>
             </a:r>
             <a:r>
               <a:rPr kumimoji="1" lang="ja-JP" altLang="en-US" dirty="0">
                 <a:latin typeface="BIZ UD明朝 Medium" panose="02020500000000000000" pitchFamily="17" charset="-128"/>
                 <a:ea typeface="BIZ UD明朝 Medium" panose="02020500000000000000" pitchFamily="17" charset="-128"/>
               </a:rPr>
-              <a:t>移動させる系</a:t>
-            </a:r>
-            <a:r>
-              <a:rPr kumimoji="1" lang="en-US" altLang="ja-JP" dirty="0">
-                <a:latin typeface="BIZ UD明朝 Medium" panose="02020500000000000000" pitchFamily="17" charset="-128"/>
-                <a:ea typeface="BIZ UD明朝 Medium" panose="02020500000000000000" pitchFamily="17" charset="-128"/>
-              </a:rPr>
-              <a:t>(</a:t>
-            </a:r>
-            <a:r>
-              <a:rPr kumimoji="1" lang="ja-JP" altLang="en-US" dirty="0">
-                <a:latin typeface="BIZ UD明朝 Medium" panose="02020500000000000000" pitchFamily="17" charset="-128"/>
-                <a:ea typeface="BIZ UD明朝 Medium" panose="02020500000000000000" pitchFamily="17" charset="-128"/>
-              </a:rPr>
-              <a:t>地雷</a:t>
-            </a:r>
-            <a:r>
-              <a:rPr kumimoji="1" lang="en-US" altLang="ja-JP" dirty="0">
-                <a:latin typeface="BIZ UD明朝 Medium" panose="02020500000000000000" pitchFamily="17" charset="-128"/>
-                <a:ea typeface="BIZ UD明朝 Medium" panose="02020500000000000000" pitchFamily="17" charset="-128"/>
-              </a:rPr>
-              <a:t>,</a:t>
-            </a:r>
-            <a:r>
-              <a:rPr kumimoji="1" lang="ja-JP" altLang="en-US" dirty="0">
-                <a:latin typeface="BIZ UD明朝 Medium" panose="02020500000000000000" pitchFamily="17" charset="-128"/>
-                <a:ea typeface="BIZ UD明朝 Medium" panose="02020500000000000000" pitchFamily="17" charset="-128"/>
-              </a:rPr>
-              <a:t>びっくり箱</a:t>
-            </a:r>
-            <a:r>
-              <a:rPr kumimoji="1" lang="en-US" altLang="ja-JP" dirty="0">
-                <a:latin typeface="BIZ UD明朝 Medium" panose="02020500000000000000" pitchFamily="17" charset="-128"/>
-                <a:ea typeface="BIZ UD明朝 Medium" panose="02020500000000000000" pitchFamily="17" charset="-128"/>
-              </a:rPr>
-              <a:t>)</a:t>
-            </a:r>
-          </a:p>
-          <a:p>
+              <a:t>を召喚する</a:t>
+            </a:r>
             <a:endParaRPr kumimoji="1" lang="en-US" altLang="ja-JP" dirty="0">
               <a:latin typeface="BIZ UD明朝 Medium" panose="02020500000000000000" pitchFamily="17" charset="-128"/>
               <a:ea typeface="BIZ UD明朝 Medium" panose="02020500000000000000" pitchFamily="17" charset="-128"/>
@@ -8020,11 +8389,60 @@
           </a:p>
           <a:p>
             <a:r>
+              <a:rPr kumimoji="1" lang="en-US" altLang="ja-JP" dirty="0">
+                <a:latin typeface="BIZ UD明朝 Medium" panose="02020500000000000000" pitchFamily="17" charset="-128"/>
+                <a:ea typeface="BIZ UD明朝 Medium" panose="02020500000000000000" pitchFamily="17" charset="-128"/>
+              </a:rPr>
+              <a:t> </a:t>
+            </a:r>
+            <a:r>
               <a:rPr kumimoji="1" lang="ja-JP" altLang="en-US" dirty="0">
                 <a:latin typeface="BIZ UD明朝 Medium" panose="02020500000000000000" pitchFamily="17" charset="-128"/>
                 <a:ea typeface="BIZ UD明朝 Medium" panose="02020500000000000000" pitchFamily="17" charset="-128"/>
               </a:rPr>
-              <a:t>・回復アイテム</a:t>
+              <a:t>移動させる系</a:t>
+            </a:r>
+            <a:r>
+              <a:rPr kumimoji="1" lang="en-US" altLang="ja-JP" dirty="0">
+                <a:latin typeface="BIZ UD明朝 Medium" panose="02020500000000000000" pitchFamily="17" charset="-128"/>
+                <a:ea typeface="BIZ UD明朝 Medium" panose="02020500000000000000" pitchFamily="17" charset="-128"/>
+              </a:rPr>
+              <a:t>(</a:t>
+            </a:r>
+            <a:r>
+              <a:rPr kumimoji="1" lang="ja-JP" altLang="en-US" dirty="0">
+                <a:latin typeface="BIZ UD明朝 Medium" panose="02020500000000000000" pitchFamily="17" charset="-128"/>
+                <a:ea typeface="BIZ UD明朝 Medium" panose="02020500000000000000" pitchFamily="17" charset="-128"/>
+              </a:rPr>
+              <a:t>地雷</a:t>
+            </a:r>
+            <a:r>
+              <a:rPr kumimoji="1" lang="en-US" altLang="ja-JP" dirty="0">
+                <a:latin typeface="BIZ UD明朝 Medium" panose="02020500000000000000" pitchFamily="17" charset="-128"/>
+                <a:ea typeface="BIZ UD明朝 Medium" panose="02020500000000000000" pitchFamily="17" charset="-128"/>
+              </a:rPr>
+              <a:t>,</a:t>
+            </a:r>
+            <a:r>
+              <a:rPr kumimoji="1" lang="ja-JP" altLang="en-US" dirty="0">
+                <a:latin typeface="BIZ UD明朝 Medium" panose="02020500000000000000" pitchFamily="17" charset="-128"/>
+                <a:ea typeface="BIZ UD明朝 Medium" panose="02020500000000000000" pitchFamily="17" charset="-128"/>
+              </a:rPr>
+              <a:t>びっくり箱</a:t>
+            </a:r>
+            <a:r>
+              <a:rPr kumimoji="1" lang="en-US" altLang="ja-JP" dirty="0">
+                <a:latin typeface="BIZ UD明朝 Medium" panose="02020500000000000000" pitchFamily="17" charset="-128"/>
+                <a:ea typeface="BIZ UD明朝 Medium" panose="02020500000000000000" pitchFamily="17" charset="-128"/>
+              </a:rPr>
+              <a:t>)			 </a:t>
+            </a:r>
+            <a:r>
+              <a:rPr kumimoji="1" lang="ja-JP" altLang="en-US" dirty="0">
+                <a:latin typeface="BIZ UD明朝 Medium" panose="02020500000000000000" pitchFamily="17" charset="-128"/>
+                <a:ea typeface="BIZ UD明朝 Medium" panose="02020500000000000000" pitchFamily="17" charset="-128"/>
+              </a:rPr>
+              <a:t>弾薬回復</a:t>
             </a:r>
             <a:endParaRPr kumimoji="1" lang="en-US" altLang="ja-JP" dirty="0">
               <a:latin typeface="BIZ UD明朝 Medium" panose="02020500000000000000" pitchFamily="17" charset="-128"/>
@@ -8037,55 +8455,19 @@
                 <a:latin typeface="BIZ UD明朝 Medium" panose="02020500000000000000" pitchFamily="17" charset="-128"/>
                 <a:ea typeface="BIZ UD明朝 Medium" panose="02020500000000000000" pitchFamily="17" charset="-128"/>
               </a:rPr>
-              <a:t>	</a:t>
+              <a:t>										 </a:t>
             </a:r>
             <a:r>
               <a:rPr kumimoji="1" lang="ja-JP" altLang="en-US" dirty="0">
                 <a:latin typeface="BIZ UD明朝 Medium" panose="02020500000000000000" pitchFamily="17" charset="-128"/>
                 <a:ea typeface="BIZ UD明朝 Medium" panose="02020500000000000000" pitchFamily="17" charset="-128"/>
               </a:rPr>
-              <a:t>体力回復</a:t>
+              <a:t>スタミナ剤</a:t>
             </a:r>
             <a:endParaRPr kumimoji="1" lang="en-US" altLang="ja-JP" dirty="0">
               <a:latin typeface="BIZ UD明朝 Medium" panose="02020500000000000000" pitchFamily="17" charset="-128"/>
               <a:ea typeface="BIZ UD明朝 Medium" panose="02020500000000000000" pitchFamily="17" charset="-128"/>
             </a:endParaRPr>
-          </a:p>
-          <a:p>
-            <a:r>
-              <a:rPr kumimoji="1" lang="en-US" altLang="ja-JP" dirty="0">
-                <a:latin typeface="BIZ UD明朝 Medium" panose="02020500000000000000" pitchFamily="17" charset="-128"/>
-                <a:ea typeface="BIZ UD明朝 Medium" panose="02020500000000000000" pitchFamily="17" charset="-128"/>
-              </a:rPr>
-              <a:t>	</a:t>
-            </a:r>
-            <a:r>
-              <a:rPr kumimoji="1" lang="ja-JP" altLang="en-US" dirty="0">
-                <a:latin typeface="BIZ UD明朝 Medium" panose="02020500000000000000" pitchFamily="17" charset="-128"/>
-                <a:ea typeface="BIZ UD明朝 Medium" panose="02020500000000000000" pitchFamily="17" charset="-128"/>
-              </a:rPr>
-              <a:t>弾薬回復</a:t>
-            </a:r>
-            <a:endParaRPr kumimoji="1" lang="en-US" altLang="ja-JP" dirty="0">
-              <a:latin typeface="BIZ UD明朝 Medium" panose="02020500000000000000" pitchFamily="17" charset="-128"/>
-              <a:ea typeface="BIZ UD明朝 Medium" panose="02020500000000000000" pitchFamily="17" charset="-128"/>
-            </a:endParaRPr>
-          </a:p>
-          <a:p>
-            <a:r>
-              <a:rPr kumimoji="1" lang="en-US" altLang="ja-JP" dirty="0">
-                <a:latin typeface="BIZ UD明朝 Medium" panose="02020500000000000000" pitchFamily="17" charset="-128"/>
-                <a:ea typeface="BIZ UD明朝 Medium" panose="02020500000000000000" pitchFamily="17" charset="-128"/>
-              </a:rPr>
-              <a:t>	</a:t>
-            </a:r>
-            <a:r>
-              <a:rPr kumimoji="1" lang="ja-JP" altLang="en-US" dirty="0">
-                <a:latin typeface="BIZ UD明朝 Medium" panose="02020500000000000000" pitchFamily="17" charset="-128"/>
-                <a:ea typeface="BIZ UD明朝 Medium" panose="02020500000000000000" pitchFamily="17" charset="-128"/>
-              </a:rPr>
-              <a:t>スタミナ剤</a:t>
-            </a:r>
           </a:p>
         </p:txBody>
       </p:sp>
@@ -8103,7 +8485,7 @@
         </p:nvSpPr>
         <p:spPr>
           <a:xfrm>
-            <a:off x="4301067" y="2075594"/>
+            <a:off x="3086084" y="1715569"/>
             <a:ext cx="685800" cy="768583"/>
           </a:xfrm>
           <a:prstGeom prst="rightBrace">
@@ -8150,7 +8532,7 @@
         </p:nvSpPr>
         <p:spPr>
           <a:xfrm>
-            <a:off x="5692591" y="2105513"/>
+            <a:off x="4477608" y="1745488"/>
             <a:ext cx="3236784" cy="738664"/>
           </a:xfrm>
           <a:prstGeom prst="rect">
@@ -8235,6 +8617,216 @@
               </a:rPr>
               <a:t>ゲーム詳細</a:t>
             </a:r>
+          </a:p>
+        </p:txBody>
+      </p:sp>
+      <p:sp>
+        <p:nvSpPr>
+          <p:cNvPr id="12" name="テキスト ボックス 11">
+            <a:extLst>
+              <a:ext uri="{FF2B5EF4-FFF2-40B4-BE49-F238E27FC236}">
+                <a16:creationId xmlns:a16="http://schemas.microsoft.com/office/drawing/2014/main" id="{57D68139-69B0-44F9-9D1D-CC1FA5E57CAC}"/>
+              </a:ext>
+            </a:extLst>
+          </p:cNvPr>
+          <p:cNvSpPr txBox="1"/>
+          <p:nvPr/>
+        </p:nvSpPr>
+        <p:spPr>
+          <a:xfrm>
+            <a:off x="803997" y="4765417"/>
+            <a:ext cx="1223412" cy="369332"/>
+          </a:xfrm>
+          <a:prstGeom prst="rect">
+            <a:avLst/>
+          </a:prstGeom>
+          <a:noFill/>
+        </p:spPr>
+        <p:txBody>
+          <a:bodyPr wrap="none" rtlCol="0">
+            <a:spAutoFit/>
+          </a:bodyPr>
+          <a:lstStyle/>
+          <a:p>
+            <a:r>
+              <a:rPr kumimoji="1" lang="en-US" altLang="ja-JP" u="sng" dirty="0">
+                <a:latin typeface="BIZ UD明朝 Medium" panose="02020500000000000000" pitchFamily="17" charset="-128"/>
+                <a:ea typeface="BIZ UD明朝 Medium" panose="02020500000000000000" pitchFamily="17" charset="-128"/>
+              </a:rPr>
+              <a:t>NPC(</a:t>
+            </a:r>
+            <a:r>
+              <a:rPr kumimoji="1" lang="ja-JP" altLang="en-US" u="sng" dirty="0">
+                <a:latin typeface="BIZ UD明朝 Medium" panose="02020500000000000000" pitchFamily="17" charset="-128"/>
+                <a:ea typeface="BIZ UD明朝 Medium" panose="02020500000000000000" pitchFamily="17" charset="-128"/>
+              </a:rPr>
+              <a:t>味方</a:t>
+            </a:r>
+            <a:r>
+              <a:rPr kumimoji="1" lang="en-US" altLang="ja-JP" u="sng" dirty="0">
+                <a:latin typeface="BIZ UD明朝 Medium" panose="02020500000000000000" pitchFamily="17" charset="-128"/>
+                <a:ea typeface="BIZ UD明朝 Medium" panose="02020500000000000000" pitchFamily="17" charset="-128"/>
+              </a:rPr>
+              <a:t>)</a:t>
+            </a:r>
+            <a:endParaRPr kumimoji="1" lang="ja-JP" altLang="en-US" u="sng" dirty="0">
+              <a:latin typeface="BIZ UD明朝 Medium" panose="02020500000000000000" pitchFamily="17" charset="-128"/>
+              <a:ea typeface="BIZ UD明朝 Medium" panose="02020500000000000000" pitchFamily="17" charset="-128"/>
+            </a:endParaRPr>
+          </a:p>
+        </p:txBody>
+      </p:sp>
+      <p:sp>
+        <p:nvSpPr>
+          <p:cNvPr id="13" name="テキスト ボックス 12">
+            <a:extLst>
+              <a:ext uri="{FF2B5EF4-FFF2-40B4-BE49-F238E27FC236}">
+                <a16:creationId xmlns:a16="http://schemas.microsoft.com/office/drawing/2014/main" id="{ABD2A75E-017D-40F5-BB3F-FBE97BC934FC}"/>
+              </a:ext>
+            </a:extLst>
+          </p:cNvPr>
+          <p:cNvSpPr txBox="1"/>
+          <p:nvPr/>
+        </p:nvSpPr>
+        <p:spPr>
+          <a:xfrm>
+            <a:off x="803997" y="5204201"/>
+            <a:ext cx="10110460" cy="1200329"/>
+          </a:xfrm>
+          <a:prstGeom prst="rect">
+            <a:avLst/>
+          </a:prstGeom>
+          <a:noFill/>
+        </p:spPr>
+        <p:txBody>
+          <a:bodyPr wrap="none" rtlCol="0">
+            <a:spAutoFit/>
+          </a:bodyPr>
+          <a:lstStyle/>
+          <a:p>
+            <a:r>
+              <a:rPr kumimoji="1" lang="ja-JP" altLang="en-US" dirty="0">
+                <a:latin typeface="BIZ UD明朝 Medium" panose="02020500000000000000" pitchFamily="17" charset="-128"/>
+                <a:ea typeface="BIZ UD明朝 Medium" panose="02020500000000000000" pitchFamily="17" charset="-128"/>
+              </a:rPr>
+              <a:t>・召喚アイテムを使用すると、</a:t>
+            </a:r>
+            <a:r>
+              <a:rPr kumimoji="1" lang="en-US" altLang="ja-JP" dirty="0">
+                <a:latin typeface="BIZ UD明朝 Medium" panose="02020500000000000000" pitchFamily="17" charset="-128"/>
+                <a:ea typeface="BIZ UD明朝 Medium" panose="02020500000000000000" pitchFamily="17" charset="-128"/>
+              </a:rPr>
+              <a:t>1</a:t>
+            </a:r>
+            <a:r>
+              <a:rPr kumimoji="1" lang="ja-JP" altLang="en-US" dirty="0">
+                <a:latin typeface="BIZ UD明朝 Medium" panose="02020500000000000000" pitchFamily="17" charset="-128"/>
+                <a:ea typeface="BIZ UD明朝 Medium" panose="02020500000000000000" pitchFamily="17" charset="-128"/>
+              </a:rPr>
+              <a:t>つのアイテムに対し</a:t>
+            </a:r>
+            <a:r>
+              <a:rPr kumimoji="1" lang="en-US" altLang="ja-JP" dirty="0">
+                <a:latin typeface="BIZ UD明朝 Medium" panose="02020500000000000000" pitchFamily="17" charset="-128"/>
+                <a:ea typeface="BIZ UD明朝 Medium" panose="02020500000000000000" pitchFamily="17" charset="-128"/>
+              </a:rPr>
+              <a:t>1</a:t>
+            </a:r>
+            <a:r>
+              <a:rPr kumimoji="1" lang="ja-JP" altLang="en-US" dirty="0">
+                <a:latin typeface="BIZ UD明朝 Medium" panose="02020500000000000000" pitchFamily="17" charset="-128"/>
+                <a:ea typeface="BIZ UD明朝 Medium" panose="02020500000000000000" pitchFamily="17" charset="-128"/>
+              </a:rPr>
+              <a:t>人召喚する</a:t>
+            </a:r>
+            <a:r>
+              <a:rPr kumimoji="1" lang="en-US" altLang="ja-JP" dirty="0">
+                <a:latin typeface="BIZ UD明朝 Medium" panose="02020500000000000000" pitchFamily="17" charset="-128"/>
+                <a:ea typeface="BIZ UD明朝 Medium" panose="02020500000000000000" pitchFamily="17" charset="-128"/>
+              </a:rPr>
+              <a:t>(</a:t>
+            </a:r>
+            <a:r>
+              <a:rPr kumimoji="1" lang="ja-JP" altLang="en-US" dirty="0">
+                <a:latin typeface="BIZ UD明朝 Medium" panose="02020500000000000000" pitchFamily="17" charset="-128"/>
+                <a:ea typeface="BIZ UD明朝 Medium" panose="02020500000000000000" pitchFamily="17" charset="-128"/>
+              </a:rPr>
+              <a:t>最大</a:t>
+            </a:r>
+            <a:r>
+              <a:rPr kumimoji="1" lang="en-US" altLang="ja-JP" dirty="0">
+                <a:latin typeface="BIZ UD明朝 Medium" panose="02020500000000000000" pitchFamily="17" charset="-128"/>
+                <a:ea typeface="BIZ UD明朝 Medium" panose="02020500000000000000" pitchFamily="17" charset="-128"/>
+              </a:rPr>
+              <a:t>3</a:t>
+            </a:r>
+            <a:r>
+              <a:rPr kumimoji="1" lang="ja-JP" altLang="en-US" dirty="0">
+                <a:latin typeface="BIZ UD明朝 Medium" panose="02020500000000000000" pitchFamily="17" charset="-128"/>
+                <a:ea typeface="BIZ UD明朝 Medium" panose="02020500000000000000" pitchFamily="17" charset="-128"/>
+              </a:rPr>
+              <a:t>人</a:t>
+            </a:r>
+            <a:r>
+              <a:rPr kumimoji="1" lang="en-US" altLang="ja-JP" dirty="0">
+                <a:latin typeface="BIZ UD明朝 Medium" panose="02020500000000000000" pitchFamily="17" charset="-128"/>
+                <a:ea typeface="BIZ UD明朝 Medium" panose="02020500000000000000" pitchFamily="17" charset="-128"/>
+              </a:rPr>
+              <a:t>)</a:t>
+            </a:r>
+          </a:p>
+          <a:p>
+            <a:r>
+              <a:rPr kumimoji="1" lang="ja-JP" altLang="en-US" dirty="0">
+                <a:latin typeface="BIZ UD明朝 Medium" panose="02020500000000000000" pitchFamily="17" charset="-128"/>
+                <a:ea typeface="BIZ UD明朝 Medium" panose="02020500000000000000" pitchFamily="17" charset="-128"/>
+              </a:rPr>
+              <a:t>・一定時間経過</a:t>
+            </a:r>
+            <a:r>
+              <a:rPr kumimoji="1" lang="en-US" altLang="ja-JP" dirty="0">
+                <a:latin typeface="BIZ UD明朝 Medium" panose="02020500000000000000" pitchFamily="17" charset="-128"/>
+                <a:ea typeface="BIZ UD明朝 Medium" panose="02020500000000000000" pitchFamily="17" charset="-128"/>
+              </a:rPr>
+              <a:t>/HP</a:t>
+            </a:r>
+            <a:r>
+              <a:rPr kumimoji="1" lang="ja-JP" altLang="en-US" dirty="0">
+                <a:latin typeface="BIZ UD明朝 Medium" panose="02020500000000000000" pitchFamily="17" charset="-128"/>
+                <a:ea typeface="BIZ UD明朝 Medium" panose="02020500000000000000" pitchFamily="17" charset="-128"/>
+              </a:rPr>
+              <a:t>が無くなると消滅する</a:t>
+            </a:r>
+            <a:endParaRPr kumimoji="1" lang="en-US" altLang="ja-JP" dirty="0">
+              <a:latin typeface="BIZ UD明朝 Medium" panose="02020500000000000000" pitchFamily="17" charset="-128"/>
+              <a:ea typeface="BIZ UD明朝 Medium" panose="02020500000000000000" pitchFamily="17" charset="-128"/>
+            </a:endParaRPr>
+          </a:p>
+          <a:p>
+            <a:r>
+              <a:rPr kumimoji="1" lang="ja-JP" altLang="en-US" dirty="0">
+                <a:latin typeface="BIZ UD明朝 Medium" panose="02020500000000000000" pitchFamily="17" charset="-128"/>
+                <a:ea typeface="BIZ UD明朝 Medium" panose="02020500000000000000" pitchFamily="17" charset="-128"/>
+              </a:rPr>
+              <a:t>・召喚時に武器を設定し、使用する武器によって攻撃距離を決める</a:t>
+            </a:r>
+            <a:endParaRPr kumimoji="1" lang="en-US" altLang="ja-JP" dirty="0">
+              <a:latin typeface="BIZ UD明朝 Medium" panose="02020500000000000000" pitchFamily="17" charset="-128"/>
+              <a:ea typeface="BIZ UD明朝 Medium" panose="02020500000000000000" pitchFamily="17" charset="-128"/>
+            </a:endParaRPr>
+          </a:p>
+          <a:p>
+            <a:r>
+              <a:rPr kumimoji="1" lang="ja-JP" altLang="en-US" dirty="0">
+                <a:latin typeface="BIZ UD明朝 Medium" panose="02020500000000000000" pitchFamily="17" charset="-128"/>
+                <a:ea typeface="BIZ UD明朝 Medium" panose="02020500000000000000" pitchFamily="17" charset="-128"/>
+              </a:rPr>
+              <a:t>・基本プレイヤーに追従し、敵と一定距離近づくと攻撃する。離れるとプレイヤーの近くに戻る</a:t>
+            </a:r>
+            <a:endParaRPr kumimoji="1" lang="en-US" altLang="ja-JP" dirty="0">
+              <a:latin typeface="BIZ UD明朝 Medium" panose="02020500000000000000" pitchFamily="17" charset="-128"/>
+              <a:ea typeface="BIZ UD明朝 Medium" panose="02020500000000000000" pitchFamily="17" charset="-128"/>
+            </a:endParaRPr>
           </a:p>
         </p:txBody>
       </p:sp>

--- a/3DGame_3_NamelessGame/NamelessGame_企画書.pptx
+++ b/3DGame_3_NamelessGame/NamelessGame_企画書.pptx
@@ -216,7 +216,7 @@
           <a:p>
             <a:fld id="{4B44C13B-4146-4F19-917C-9AB4DC0B462B}" type="datetimeFigureOut">
               <a:rPr kumimoji="1" lang="ja-JP" altLang="en-US" smtClean="0"/>
-              <a:t>2024/9/27</a:t>
+              <a:t>2024/9/30</a:t>
             </a:fld>
             <a:endParaRPr kumimoji="1" lang="ja-JP" altLang="en-US"/>
           </a:p>
@@ -683,7 +683,7 @@
           <a:p>
             <a:fld id="{DC4D95AC-18C1-46E4-B41F-A2EDA7BB3CE2}" type="datetimeFigureOut">
               <a:rPr kumimoji="1" lang="ja-JP" altLang="en-US" smtClean="0"/>
-              <a:t>2024/9/27</a:t>
+              <a:t>2024/9/30</a:t>
             </a:fld>
             <a:endParaRPr kumimoji="1" lang="ja-JP" altLang="en-US"/>
           </a:p>
@@ -943,7 +943,7 @@
           <a:p>
             <a:fld id="{DC4D95AC-18C1-46E4-B41F-A2EDA7BB3CE2}" type="datetimeFigureOut">
               <a:rPr kumimoji="1" lang="ja-JP" altLang="en-US" smtClean="0"/>
-              <a:t>2024/9/27</a:t>
+              <a:t>2024/9/30</a:t>
             </a:fld>
             <a:endParaRPr kumimoji="1" lang="ja-JP" altLang="en-US"/>
           </a:p>
@@ -1155,7 +1155,7 @@
           <a:p>
             <a:fld id="{DC4D95AC-18C1-46E4-B41F-A2EDA7BB3CE2}" type="datetimeFigureOut">
               <a:rPr kumimoji="1" lang="ja-JP" altLang="en-US" smtClean="0"/>
-              <a:t>2024/9/27</a:t>
+              <a:t>2024/9/30</a:t>
             </a:fld>
             <a:endParaRPr kumimoji="1" lang="ja-JP" altLang="en-US"/>
           </a:p>
@@ -1357,7 +1357,7 @@
           <a:p>
             <a:fld id="{DC4D95AC-18C1-46E4-B41F-A2EDA7BB3CE2}" type="datetimeFigureOut">
               <a:rPr kumimoji="1" lang="ja-JP" altLang="en-US" smtClean="0"/>
-              <a:t>2024/9/27</a:t>
+              <a:t>2024/9/30</a:t>
             </a:fld>
             <a:endParaRPr kumimoji="1" lang="ja-JP" altLang="en-US"/>
           </a:p>
@@ -1611,7 +1611,7 @@
           <a:p>
             <a:fld id="{DC4D95AC-18C1-46E4-B41F-A2EDA7BB3CE2}" type="datetimeFigureOut">
               <a:rPr kumimoji="1" lang="ja-JP" altLang="en-US" smtClean="0"/>
-              <a:t>2024/9/27</a:t>
+              <a:t>2024/9/30</a:t>
             </a:fld>
             <a:endParaRPr kumimoji="1" lang="ja-JP" altLang="en-US"/>
           </a:p>
@@ -2001,7 +2001,7 @@
           <a:p>
             <a:fld id="{DC4D95AC-18C1-46E4-B41F-A2EDA7BB3CE2}" type="datetimeFigureOut">
               <a:rPr kumimoji="1" lang="ja-JP" altLang="en-US" smtClean="0"/>
-              <a:t>2024/9/27</a:t>
+              <a:t>2024/9/30</a:t>
             </a:fld>
             <a:endParaRPr kumimoji="1" lang="ja-JP" altLang="en-US"/>
           </a:p>
@@ -2516,7 +2516,7 @@
           <a:p>
             <a:fld id="{DC4D95AC-18C1-46E4-B41F-A2EDA7BB3CE2}" type="datetimeFigureOut">
               <a:rPr kumimoji="1" lang="ja-JP" altLang="en-US" smtClean="0"/>
-              <a:t>2024/9/27</a:t>
+              <a:t>2024/9/30</a:t>
             </a:fld>
             <a:endParaRPr kumimoji="1" lang="ja-JP" altLang="en-US"/>
           </a:p>
@@ -2634,7 +2634,7 @@
           <a:p>
             <a:fld id="{DC4D95AC-18C1-46E4-B41F-A2EDA7BB3CE2}" type="datetimeFigureOut">
               <a:rPr kumimoji="1" lang="ja-JP" altLang="en-US" smtClean="0"/>
-              <a:t>2024/9/27</a:t>
+              <a:t>2024/9/30</a:t>
             </a:fld>
             <a:endParaRPr kumimoji="1" lang="ja-JP" altLang="en-US"/>
           </a:p>
@@ -2729,7 +2729,7 @@
           <a:p>
             <a:fld id="{DC4D95AC-18C1-46E4-B41F-A2EDA7BB3CE2}" type="datetimeFigureOut">
               <a:rPr kumimoji="1" lang="ja-JP" altLang="en-US" smtClean="0"/>
-              <a:t>2024/9/27</a:t>
+              <a:t>2024/9/30</a:t>
             </a:fld>
             <a:endParaRPr kumimoji="1" lang="ja-JP" altLang="en-US"/>
           </a:p>
@@ -3048,7 +3048,7 @@
           <a:p>
             <a:fld id="{DC4D95AC-18C1-46E4-B41F-A2EDA7BB3CE2}" type="datetimeFigureOut">
               <a:rPr kumimoji="1" lang="ja-JP" altLang="en-US" smtClean="0"/>
-              <a:t>2024/9/27</a:t>
+              <a:t>2024/9/30</a:t>
             </a:fld>
             <a:endParaRPr kumimoji="1" lang="ja-JP" altLang="en-US"/>
           </a:p>
@@ -3370,7 +3370,7 @@
           <a:p>
             <a:fld id="{DC4D95AC-18C1-46E4-B41F-A2EDA7BB3CE2}" type="datetimeFigureOut">
               <a:rPr kumimoji="1" lang="ja-JP" altLang="en-US" smtClean="0"/>
-              <a:t>2024/9/27</a:t>
+              <a:t>2024/9/30</a:t>
             </a:fld>
             <a:endParaRPr kumimoji="1" lang="ja-JP" altLang="en-US"/>
           </a:p>
@@ -3656,7 +3656,7 @@
           <a:p>
             <a:fld id="{DC4D95AC-18C1-46E4-B41F-A2EDA7BB3CE2}" type="datetimeFigureOut">
               <a:rPr kumimoji="1" lang="ja-JP" altLang="en-US" smtClean="0"/>
-              <a:t>2024/9/27</a:t>
+              <a:t>2024/9/30</a:t>
             </a:fld>
             <a:endParaRPr kumimoji="1" lang="ja-JP" altLang="en-US"/>
           </a:p>

--- a/3DGame_3_NamelessGame/NamelessGame_企画書.pptx
+++ b/3DGame_3_NamelessGame/NamelessGame_企画書.pptx
@@ -216,7 +216,7 @@
           <a:p>
             <a:fld id="{4B44C13B-4146-4F19-917C-9AB4DC0B462B}" type="datetimeFigureOut">
               <a:rPr kumimoji="1" lang="ja-JP" altLang="en-US" smtClean="0"/>
-              <a:t>2024/9/30</a:t>
+              <a:t>2024/10/1</a:t>
             </a:fld>
             <a:endParaRPr kumimoji="1" lang="ja-JP" altLang="en-US"/>
           </a:p>
@@ -683,7 +683,7 @@
           <a:p>
             <a:fld id="{DC4D95AC-18C1-46E4-B41F-A2EDA7BB3CE2}" type="datetimeFigureOut">
               <a:rPr kumimoji="1" lang="ja-JP" altLang="en-US" smtClean="0"/>
-              <a:t>2024/9/30</a:t>
+              <a:t>2024/10/1</a:t>
             </a:fld>
             <a:endParaRPr kumimoji="1" lang="ja-JP" altLang="en-US"/>
           </a:p>
@@ -943,7 +943,7 @@
           <a:p>
             <a:fld id="{DC4D95AC-18C1-46E4-B41F-A2EDA7BB3CE2}" type="datetimeFigureOut">
               <a:rPr kumimoji="1" lang="ja-JP" altLang="en-US" smtClean="0"/>
-              <a:t>2024/9/30</a:t>
+              <a:t>2024/10/1</a:t>
             </a:fld>
             <a:endParaRPr kumimoji="1" lang="ja-JP" altLang="en-US"/>
           </a:p>
@@ -1155,7 +1155,7 @@
           <a:p>
             <a:fld id="{DC4D95AC-18C1-46E4-B41F-A2EDA7BB3CE2}" type="datetimeFigureOut">
               <a:rPr kumimoji="1" lang="ja-JP" altLang="en-US" smtClean="0"/>
-              <a:t>2024/9/30</a:t>
+              <a:t>2024/10/1</a:t>
             </a:fld>
             <a:endParaRPr kumimoji="1" lang="ja-JP" altLang="en-US"/>
           </a:p>
@@ -1357,7 +1357,7 @@
           <a:p>
             <a:fld id="{DC4D95AC-18C1-46E4-B41F-A2EDA7BB3CE2}" type="datetimeFigureOut">
               <a:rPr kumimoji="1" lang="ja-JP" altLang="en-US" smtClean="0"/>
-              <a:t>2024/9/30</a:t>
+              <a:t>2024/10/1</a:t>
             </a:fld>
             <a:endParaRPr kumimoji="1" lang="ja-JP" altLang="en-US"/>
           </a:p>
@@ -1611,7 +1611,7 @@
           <a:p>
             <a:fld id="{DC4D95AC-18C1-46E4-B41F-A2EDA7BB3CE2}" type="datetimeFigureOut">
               <a:rPr kumimoji="1" lang="ja-JP" altLang="en-US" smtClean="0"/>
-              <a:t>2024/9/30</a:t>
+              <a:t>2024/10/1</a:t>
             </a:fld>
             <a:endParaRPr kumimoji="1" lang="ja-JP" altLang="en-US"/>
           </a:p>
@@ -2001,7 +2001,7 @@
           <a:p>
             <a:fld id="{DC4D95AC-18C1-46E4-B41F-A2EDA7BB3CE2}" type="datetimeFigureOut">
               <a:rPr kumimoji="1" lang="ja-JP" altLang="en-US" smtClean="0"/>
-              <a:t>2024/9/30</a:t>
+              <a:t>2024/10/1</a:t>
             </a:fld>
             <a:endParaRPr kumimoji="1" lang="ja-JP" altLang="en-US"/>
           </a:p>
@@ -2516,7 +2516,7 @@
           <a:p>
             <a:fld id="{DC4D95AC-18C1-46E4-B41F-A2EDA7BB3CE2}" type="datetimeFigureOut">
               <a:rPr kumimoji="1" lang="ja-JP" altLang="en-US" smtClean="0"/>
-              <a:t>2024/9/30</a:t>
+              <a:t>2024/10/1</a:t>
             </a:fld>
             <a:endParaRPr kumimoji="1" lang="ja-JP" altLang="en-US"/>
           </a:p>
@@ -2634,7 +2634,7 @@
           <a:p>
             <a:fld id="{DC4D95AC-18C1-46E4-B41F-A2EDA7BB3CE2}" type="datetimeFigureOut">
               <a:rPr kumimoji="1" lang="ja-JP" altLang="en-US" smtClean="0"/>
-              <a:t>2024/9/30</a:t>
+              <a:t>2024/10/1</a:t>
             </a:fld>
             <a:endParaRPr kumimoji="1" lang="ja-JP" altLang="en-US"/>
           </a:p>
@@ -2729,7 +2729,7 @@
           <a:p>
             <a:fld id="{DC4D95AC-18C1-46E4-B41F-A2EDA7BB3CE2}" type="datetimeFigureOut">
               <a:rPr kumimoji="1" lang="ja-JP" altLang="en-US" smtClean="0"/>
-              <a:t>2024/9/30</a:t>
+              <a:t>2024/10/1</a:t>
             </a:fld>
             <a:endParaRPr kumimoji="1" lang="ja-JP" altLang="en-US"/>
           </a:p>
@@ -3048,7 +3048,7 @@
           <a:p>
             <a:fld id="{DC4D95AC-18C1-46E4-B41F-A2EDA7BB3CE2}" type="datetimeFigureOut">
               <a:rPr kumimoji="1" lang="ja-JP" altLang="en-US" smtClean="0"/>
-              <a:t>2024/9/30</a:t>
+              <a:t>2024/10/1</a:t>
             </a:fld>
             <a:endParaRPr kumimoji="1" lang="ja-JP" altLang="en-US"/>
           </a:p>
@@ -3370,7 +3370,7 @@
           <a:p>
             <a:fld id="{DC4D95AC-18C1-46E4-B41F-A2EDA7BB3CE2}" type="datetimeFigureOut">
               <a:rPr kumimoji="1" lang="ja-JP" altLang="en-US" smtClean="0"/>
-              <a:t>2024/9/30</a:t>
+              <a:t>2024/10/1</a:t>
             </a:fld>
             <a:endParaRPr kumimoji="1" lang="ja-JP" altLang="en-US"/>
           </a:p>
@@ -3656,7 +3656,7 @@
           <a:p>
             <a:fld id="{DC4D95AC-18C1-46E4-B41F-A2EDA7BB3CE2}" type="datetimeFigureOut">
               <a:rPr kumimoji="1" lang="ja-JP" altLang="en-US" smtClean="0"/>
-              <a:t>2024/9/30</a:t>
+              <a:t>2024/10/1</a:t>
             </a:fld>
             <a:endParaRPr kumimoji="1" lang="ja-JP" altLang="en-US"/>
           </a:p>
@@ -6171,7 +6171,7 @@
                 <a:latin typeface="BIZ UD明朝 Medium" panose="02020500000000000000" pitchFamily="17" charset="-128"/>
                 <a:ea typeface="BIZ UD明朝 Medium" panose="02020500000000000000" pitchFamily="17" charset="-128"/>
               </a:rPr>
-              <a:t>の当たり判定ができることをアピールする</a:t>
+              <a:t>のゲームを作れることをアピールする</a:t>
             </a:r>
             <a:endParaRPr kumimoji="1" lang="en-US" altLang="ja-JP" sz="2000" dirty="0">
               <a:latin typeface="BIZ UD明朝 Medium" panose="02020500000000000000" pitchFamily="17" charset="-128"/>

--- a/3DGame_3_NamelessGame/NamelessGame_企画書.pptx
+++ b/3DGame_3_NamelessGame/NamelessGame_企画書.pptx
@@ -216,7 +216,7 @@
           <a:p>
             <a:fld id="{4B44C13B-4146-4F19-917C-9AB4DC0B462B}" type="datetimeFigureOut">
               <a:rPr kumimoji="1" lang="ja-JP" altLang="en-US" smtClean="0"/>
-              <a:t>2024/10/1</a:t>
+              <a:t>2024/10/3</a:t>
             </a:fld>
             <a:endParaRPr kumimoji="1" lang="ja-JP" altLang="en-US"/>
           </a:p>
@@ -683,7 +683,7 @@
           <a:p>
             <a:fld id="{DC4D95AC-18C1-46E4-B41F-A2EDA7BB3CE2}" type="datetimeFigureOut">
               <a:rPr kumimoji="1" lang="ja-JP" altLang="en-US" smtClean="0"/>
-              <a:t>2024/10/1</a:t>
+              <a:t>2024/10/3</a:t>
             </a:fld>
             <a:endParaRPr kumimoji="1" lang="ja-JP" altLang="en-US"/>
           </a:p>
@@ -943,7 +943,7 @@
           <a:p>
             <a:fld id="{DC4D95AC-18C1-46E4-B41F-A2EDA7BB3CE2}" type="datetimeFigureOut">
               <a:rPr kumimoji="1" lang="ja-JP" altLang="en-US" smtClean="0"/>
-              <a:t>2024/10/1</a:t>
+              <a:t>2024/10/3</a:t>
             </a:fld>
             <a:endParaRPr kumimoji="1" lang="ja-JP" altLang="en-US"/>
           </a:p>
@@ -1155,7 +1155,7 @@
           <a:p>
             <a:fld id="{DC4D95AC-18C1-46E4-B41F-A2EDA7BB3CE2}" type="datetimeFigureOut">
               <a:rPr kumimoji="1" lang="ja-JP" altLang="en-US" smtClean="0"/>
-              <a:t>2024/10/1</a:t>
+              <a:t>2024/10/3</a:t>
             </a:fld>
             <a:endParaRPr kumimoji="1" lang="ja-JP" altLang="en-US"/>
           </a:p>
@@ -1357,7 +1357,7 @@
           <a:p>
             <a:fld id="{DC4D95AC-18C1-46E4-B41F-A2EDA7BB3CE2}" type="datetimeFigureOut">
               <a:rPr kumimoji="1" lang="ja-JP" altLang="en-US" smtClean="0"/>
-              <a:t>2024/10/1</a:t>
+              <a:t>2024/10/3</a:t>
             </a:fld>
             <a:endParaRPr kumimoji="1" lang="ja-JP" altLang="en-US"/>
           </a:p>
@@ -1611,7 +1611,7 @@
           <a:p>
             <a:fld id="{DC4D95AC-18C1-46E4-B41F-A2EDA7BB3CE2}" type="datetimeFigureOut">
               <a:rPr kumimoji="1" lang="ja-JP" altLang="en-US" smtClean="0"/>
-              <a:t>2024/10/1</a:t>
+              <a:t>2024/10/3</a:t>
             </a:fld>
             <a:endParaRPr kumimoji="1" lang="ja-JP" altLang="en-US"/>
           </a:p>
@@ -2001,7 +2001,7 @@
           <a:p>
             <a:fld id="{DC4D95AC-18C1-46E4-B41F-A2EDA7BB3CE2}" type="datetimeFigureOut">
               <a:rPr kumimoji="1" lang="ja-JP" altLang="en-US" smtClean="0"/>
-              <a:t>2024/10/1</a:t>
+              <a:t>2024/10/3</a:t>
             </a:fld>
             <a:endParaRPr kumimoji="1" lang="ja-JP" altLang="en-US"/>
           </a:p>
@@ -2516,7 +2516,7 @@
           <a:p>
             <a:fld id="{DC4D95AC-18C1-46E4-B41F-A2EDA7BB3CE2}" type="datetimeFigureOut">
               <a:rPr kumimoji="1" lang="ja-JP" altLang="en-US" smtClean="0"/>
-              <a:t>2024/10/1</a:t>
+              <a:t>2024/10/3</a:t>
             </a:fld>
             <a:endParaRPr kumimoji="1" lang="ja-JP" altLang="en-US"/>
           </a:p>
@@ -2634,7 +2634,7 @@
           <a:p>
             <a:fld id="{DC4D95AC-18C1-46E4-B41F-A2EDA7BB3CE2}" type="datetimeFigureOut">
               <a:rPr kumimoji="1" lang="ja-JP" altLang="en-US" smtClean="0"/>
-              <a:t>2024/10/1</a:t>
+              <a:t>2024/10/3</a:t>
             </a:fld>
             <a:endParaRPr kumimoji="1" lang="ja-JP" altLang="en-US"/>
           </a:p>
@@ -2729,7 +2729,7 @@
           <a:p>
             <a:fld id="{DC4D95AC-18C1-46E4-B41F-A2EDA7BB3CE2}" type="datetimeFigureOut">
               <a:rPr kumimoji="1" lang="ja-JP" altLang="en-US" smtClean="0"/>
-              <a:t>2024/10/1</a:t>
+              <a:t>2024/10/3</a:t>
             </a:fld>
             <a:endParaRPr kumimoji="1" lang="ja-JP" altLang="en-US"/>
           </a:p>
@@ -3048,7 +3048,7 @@
           <a:p>
             <a:fld id="{DC4D95AC-18C1-46E4-B41F-A2EDA7BB3CE2}" type="datetimeFigureOut">
               <a:rPr kumimoji="1" lang="ja-JP" altLang="en-US" smtClean="0"/>
-              <a:t>2024/10/1</a:t>
+              <a:t>2024/10/3</a:t>
             </a:fld>
             <a:endParaRPr kumimoji="1" lang="ja-JP" altLang="en-US"/>
           </a:p>
@@ -3370,7 +3370,7 @@
           <a:p>
             <a:fld id="{DC4D95AC-18C1-46E4-B41F-A2EDA7BB3CE2}" type="datetimeFigureOut">
               <a:rPr kumimoji="1" lang="ja-JP" altLang="en-US" smtClean="0"/>
-              <a:t>2024/10/1</a:t>
+              <a:t>2024/10/3</a:t>
             </a:fld>
             <a:endParaRPr kumimoji="1" lang="ja-JP" altLang="en-US"/>
           </a:p>
@@ -3656,7 +3656,7 @@
           <a:p>
             <a:fld id="{DC4D95AC-18C1-46E4-B41F-A2EDA7BB3CE2}" type="datetimeFigureOut">
               <a:rPr kumimoji="1" lang="ja-JP" altLang="en-US" smtClean="0"/>
-              <a:t>2024/10/1</a:t>
+              <a:t>2024/10/3</a:t>
             </a:fld>
             <a:endParaRPr kumimoji="1" lang="ja-JP" altLang="en-US"/>
           </a:p>

--- a/3DGame_3_NamelessGame/NamelessGame_企画書.pptx
+++ b/3DGame_3_NamelessGame/NamelessGame_企画書.pptx
@@ -216,7 +216,7 @@
           <a:p>
             <a:fld id="{4B44C13B-4146-4F19-917C-9AB4DC0B462B}" type="datetimeFigureOut">
               <a:rPr kumimoji="1" lang="ja-JP" altLang="en-US" smtClean="0"/>
-              <a:t>2024/10/3</a:t>
+              <a:t>2024/10/10</a:t>
             </a:fld>
             <a:endParaRPr kumimoji="1" lang="ja-JP" altLang="en-US"/>
           </a:p>
@@ -683,7 +683,7 @@
           <a:p>
             <a:fld id="{DC4D95AC-18C1-46E4-B41F-A2EDA7BB3CE2}" type="datetimeFigureOut">
               <a:rPr kumimoji="1" lang="ja-JP" altLang="en-US" smtClean="0"/>
-              <a:t>2024/10/3</a:t>
+              <a:t>2024/10/10</a:t>
             </a:fld>
             <a:endParaRPr kumimoji="1" lang="ja-JP" altLang="en-US"/>
           </a:p>
@@ -943,7 +943,7 @@
           <a:p>
             <a:fld id="{DC4D95AC-18C1-46E4-B41F-A2EDA7BB3CE2}" type="datetimeFigureOut">
               <a:rPr kumimoji="1" lang="ja-JP" altLang="en-US" smtClean="0"/>
-              <a:t>2024/10/3</a:t>
+              <a:t>2024/10/10</a:t>
             </a:fld>
             <a:endParaRPr kumimoji="1" lang="ja-JP" altLang="en-US"/>
           </a:p>
@@ -1155,7 +1155,7 @@
           <a:p>
             <a:fld id="{DC4D95AC-18C1-46E4-B41F-A2EDA7BB3CE2}" type="datetimeFigureOut">
               <a:rPr kumimoji="1" lang="ja-JP" altLang="en-US" smtClean="0"/>
-              <a:t>2024/10/3</a:t>
+              <a:t>2024/10/10</a:t>
             </a:fld>
             <a:endParaRPr kumimoji="1" lang="ja-JP" altLang="en-US"/>
           </a:p>
@@ -1357,7 +1357,7 @@
           <a:p>
             <a:fld id="{DC4D95AC-18C1-46E4-B41F-A2EDA7BB3CE2}" type="datetimeFigureOut">
               <a:rPr kumimoji="1" lang="ja-JP" altLang="en-US" smtClean="0"/>
-              <a:t>2024/10/3</a:t>
+              <a:t>2024/10/10</a:t>
             </a:fld>
             <a:endParaRPr kumimoji="1" lang="ja-JP" altLang="en-US"/>
           </a:p>
@@ -1611,7 +1611,7 @@
           <a:p>
             <a:fld id="{DC4D95AC-18C1-46E4-B41F-A2EDA7BB3CE2}" type="datetimeFigureOut">
               <a:rPr kumimoji="1" lang="ja-JP" altLang="en-US" smtClean="0"/>
-              <a:t>2024/10/3</a:t>
+              <a:t>2024/10/10</a:t>
             </a:fld>
             <a:endParaRPr kumimoji="1" lang="ja-JP" altLang="en-US"/>
           </a:p>
@@ -2001,7 +2001,7 @@
           <a:p>
             <a:fld id="{DC4D95AC-18C1-46E4-B41F-A2EDA7BB3CE2}" type="datetimeFigureOut">
               <a:rPr kumimoji="1" lang="ja-JP" altLang="en-US" smtClean="0"/>
-              <a:t>2024/10/3</a:t>
+              <a:t>2024/10/10</a:t>
             </a:fld>
             <a:endParaRPr kumimoji="1" lang="ja-JP" altLang="en-US"/>
           </a:p>
@@ -2516,7 +2516,7 @@
           <a:p>
             <a:fld id="{DC4D95AC-18C1-46E4-B41F-A2EDA7BB3CE2}" type="datetimeFigureOut">
               <a:rPr kumimoji="1" lang="ja-JP" altLang="en-US" smtClean="0"/>
-              <a:t>2024/10/3</a:t>
+              <a:t>2024/10/10</a:t>
             </a:fld>
             <a:endParaRPr kumimoji="1" lang="ja-JP" altLang="en-US"/>
           </a:p>
@@ -2634,7 +2634,7 @@
           <a:p>
             <a:fld id="{DC4D95AC-18C1-46E4-B41F-A2EDA7BB3CE2}" type="datetimeFigureOut">
               <a:rPr kumimoji="1" lang="ja-JP" altLang="en-US" smtClean="0"/>
-              <a:t>2024/10/3</a:t>
+              <a:t>2024/10/10</a:t>
             </a:fld>
             <a:endParaRPr kumimoji="1" lang="ja-JP" altLang="en-US"/>
           </a:p>
@@ -2729,7 +2729,7 @@
           <a:p>
             <a:fld id="{DC4D95AC-18C1-46E4-B41F-A2EDA7BB3CE2}" type="datetimeFigureOut">
               <a:rPr kumimoji="1" lang="ja-JP" altLang="en-US" smtClean="0"/>
-              <a:t>2024/10/3</a:t>
+              <a:t>2024/10/10</a:t>
             </a:fld>
             <a:endParaRPr kumimoji="1" lang="ja-JP" altLang="en-US"/>
           </a:p>
@@ -3048,7 +3048,7 @@
           <a:p>
             <a:fld id="{DC4D95AC-18C1-46E4-B41F-A2EDA7BB3CE2}" type="datetimeFigureOut">
               <a:rPr kumimoji="1" lang="ja-JP" altLang="en-US" smtClean="0"/>
-              <a:t>2024/10/3</a:t>
+              <a:t>2024/10/10</a:t>
             </a:fld>
             <a:endParaRPr kumimoji="1" lang="ja-JP" altLang="en-US"/>
           </a:p>
@@ -3370,7 +3370,7 @@
           <a:p>
             <a:fld id="{DC4D95AC-18C1-46E4-B41F-A2EDA7BB3CE2}" type="datetimeFigureOut">
               <a:rPr kumimoji="1" lang="ja-JP" altLang="en-US" smtClean="0"/>
-              <a:t>2024/10/3</a:t>
+              <a:t>2024/10/10</a:t>
             </a:fld>
             <a:endParaRPr kumimoji="1" lang="ja-JP" altLang="en-US"/>
           </a:p>
@@ -3656,7 +3656,7 @@
           <a:p>
             <a:fld id="{DC4D95AC-18C1-46E4-B41F-A2EDA7BB3CE2}" type="datetimeFigureOut">
               <a:rPr kumimoji="1" lang="ja-JP" altLang="en-US" smtClean="0"/>
-              <a:t>2024/10/3</a:t>
+              <a:t>2024/10/10</a:t>
             </a:fld>
             <a:endParaRPr kumimoji="1" lang="ja-JP" altLang="en-US"/>
           </a:p>
@@ -6073,7 +6073,7 @@
         <p:spPr>
           <a:xfrm>
             <a:off x="1473411" y="874455"/>
-            <a:ext cx="8597225" cy="2554545"/>
+            <a:ext cx="9366667" cy="2554545"/>
           </a:xfrm>
           <a:prstGeom prst="rect">
             <a:avLst/>
@@ -6239,6 +6239,20 @@
                 <a:ea typeface="BIZ UD明朝 Medium" panose="02020500000000000000" pitchFamily="17" charset="-128"/>
               </a:rPr>
               <a:t>に力を入れる</a:t>
+            </a:r>
+            <a:r>
+              <a:rPr kumimoji="1" lang="en-US" altLang="ja-JP" sz="2000" dirty="0">
+                <a:latin typeface="BIZ UD明朝 Medium" panose="02020500000000000000" pitchFamily="17" charset="-128"/>
+                <a:ea typeface="BIZ UD明朝 Medium" panose="02020500000000000000" pitchFamily="17" charset="-128"/>
+              </a:rPr>
+              <a:t>_</a:t>
+            </a:r>
+            <a:r>
+              <a:rPr kumimoji="1" lang="ja-JP" altLang="en-US" sz="2000" dirty="0">
+                <a:latin typeface="BIZ UD明朝 Medium" panose="02020500000000000000" pitchFamily="17" charset="-128"/>
+                <a:ea typeface="BIZ UD明朝 Medium" panose="02020500000000000000" pitchFamily="17" charset="-128"/>
+              </a:rPr>
+              <a:t>敵の移動はマップ各所にポイントを設置し、辿らせる</a:t>
             </a:r>
             <a:endParaRPr kumimoji="1" lang="en-US" altLang="ja-JP" sz="2000" dirty="0">
               <a:latin typeface="BIZ UD明朝 Medium" panose="02020500000000000000" pitchFamily="17" charset="-128"/>
